--- a/Presentation/DigiBP_DanishBlue_Presentation_V0.3.pptx
+++ b/Presentation/DigiBP_DanishBlue_Presentation_V0.3.pptx
@@ -12,9 +12,11 @@
     <p:sldId id="260" r:id="rId6"/>
     <p:sldId id="261" r:id="rId7"/>
     <p:sldId id="262" r:id="rId8"/>
-    <p:sldId id="263" r:id="rId9"/>
-    <p:sldId id="264" r:id="rId10"/>
-    <p:sldId id="266" r:id="rId11"/>
+    <p:sldId id="267" r:id="rId9"/>
+    <p:sldId id="268" r:id="rId10"/>
+    <p:sldId id="263" r:id="rId11"/>
+    <p:sldId id="264" r:id="rId12"/>
+    <p:sldId id="266" r:id="rId13"/>
   </p:sldIdLst>
   <p:sldSz cx="10693400" cy="7561263"/>
   <p:notesSz cx="7559675" cy="10691813"/>
@@ -113,6 +115,11 @@
       </a:defRPr>
     </a:lvl9pPr>
   </p:defaultTextStyle>
+  <p:extLst>
+    <p:ext uri="{EFAFB233-063F-42B5-8137-9DF3F51BA10A}">
+      <p15:sldGuideLst xmlns:p15="http://schemas.microsoft.com/office/powerpoint/2012/main"/>
+    </p:ext>
+  </p:extLst>
 </p:presentation>
 </file>
 
@@ -4554,6 +4561,915 @@
 </p:sld>
 </file>
 
+<file path=ppt/slides/slide10.xml><?xml version="1.0" encoding="utf-8"?>
+<p:sld xmlns:a="http://schemas.openxmlformats.org/drawingml/2006/main" xmlns:r="http://schemas.openxmlformats.org/officeDocument/2006/relationships" xmlns:p="http://schemas.openxmlformats.org/presentationml/2006/main">
+  <p:cSld>
+    <p:spTree>
+      <p:nvGrpSpPr>
+        <p:cNvPr id="1" name=""/>
+        <p:cNvGrpSpPr/>
+        <p:nvPr/>
+      </p:nvGrpSpPr>
+      <p:grpSpPr>
+        <a:xfrm>
+          <a:off x="0" y="0"/>
+          <a:ext cx="0" cy="0"/>
+          <a:chOff x="0" y="0"/>
+          <a:chExt cx="0" cy="0"/>
+        </a:xfrm>
+      </p:grpSpPr>
+      <p:sp>
+        <p:nvSpPr>
+          <p:cNvPr id="132" name="CustomShape 1"/>
+          <p:cNvSpPr/>
+          <p:nvPr/>
+        </p:nvSpPr>
+        <p:spPr>
+          <a:xfrm>
+            <a:off x="736560" y="1509840"/>
+            <a:ext cx="9212760" cy="360720"/>
+          </a:xfrm>
+          <a:prstGeom prst="rect">
+            <a:avLst/>
+          </a:prstGeom>
+          <a:noFill/>
+          <a:ln>
+            <a:noFill/>
+          </a:ln>
+        </p:spPr>
+        <p:style>
+          <a:lnRef idx="0">
+            <a:scrgbClr r="0" g="0" b="0"/>
+          </a:lnRef>
+          <a:fillRef idx="0">
+            <a:scrgbClr r="0" g="0" b="0"/>
+          </a:fillRef>
+          <a:effectRef idx="0">
+            <a:scrgbClr r="0" g="0" b="0"/>
+          </a:effectRef>
+          <a:fontRef idx="minor"/>
+        </p:style>
+        <p:txBody>
+          <a:bodyPr lIns="0" tIns="0" rIns="0" bIns="0"/>
+          <a:lstStyle/>
+          <a:p>
+            <a:pPr>
+              <a:lnSpc>
+                <a:spcPct val="100000"/>
+              </a:lnSpc>
+            </a:pPr>
+            <a:r>
+              <a:rPr lang="en-US" sz="2000" b="1" strike="noStrike" spc="-1" dirty="0">
+                <a:solidFill>
+                  <a:srgbClr val="000000"/>
+                </a:solidFill>
+                <a:latin typeface="Arial"/>
+                <a:ea typeface="DejaVu Sans"/>
+              </a:rPr>
+              <a:t>Booking System Part II</a:t>
+            </a:r>
+            <a:endParaRPr lang="en-US" sz="2000" b="0" strike="noStrike" spc="-1" dirty="0">
+              <a:latin typeface="Arial"/>
+            </a:endParaRPr>
+          </a:p>
+        </p:txBody>
+      </p:sp>
+      <p:sp>
+        <p:nvSpPr>
+          <p:cNvPr id="133" name="CustomShape 2"/>
+          <p:cNvSpPr/>
+          <p:nvPr/>
+        </p:nvSpPr>
+        <p:spPr>
+          <a:xfrm>
+            <a:off x="738360" y="2197080"/>
+            <a:ext cx="9212760" cy="4462920"/>
+          </a:xfrm>
+          <a:prstGeom prst="rect">
+            <a:avLst/>
+          </a:prstGeom>
+          <a:noFill/>
+          <a:ln>
+            <a:noFill/>
+          </a:ln>
+        </p:spPr>
+        <p:style>
+          <a:lnRef idx="0">
+            <a:scrgbClr r="0" g="0" b="0"/>
+          </a:lnRef>
+          <a:fillRef idx="0">
+            <a:scrgbClr r="0" g="0" b="0"/>
+          </a:fillRef>
+          <a:effectRef idx="0">
+            <a:scrgbClr r="0" g="0" b="0"/>
+          </a:effectRef>
+          <a:fontRef idx="minor"/>
+        </p:style>
+        <p:txBody>
+          <a:bodyPr lIns="0" tIns="0" rIns="0" bIns="0"/>
+          <a:lstStyle/>
+          <a:p>
+            <a:pPr marL="343080" indent="-342000">
+              <a:lnSpc>
+                <a:spcPct val="115000"/>
+              </a:lnSpc>
+              <a:spcBef>
+                <a:spcPts val="1199"/>
+              </a:spcBef>
+              <a:buClr>
+                <a:srgbClr val="000000"/>
+              </a:buClr>
+              <a:buFont typeface="StarSymbol"/>
+              <a:buChar char="-"/>
+            </a:pPr>
+            <a:r>
+              <a:rPr lang="en-US" sz="2000" b="0" strike="noStrike" spc="-1" dirty="0">
+                <a:solidFill>
+                  <a:srgbClr val="000000"/>
+                </a:solidFill>
+                <a:highlight>
+                  <a:srgbClr val="FFFF00"/>
+                </a:highlight>
+                <a:latin typeface="Arial"/>
+                <a:ea typeface="DejaVu Sans"/>
+              </a:rPr>
+              <a:t>Applicant gets a confirmation via mail</a:t>
+            </a:r>
+            <a:endParaRPr lang="en-US" sz="2000" b="0" strike="noStrike" spc="-1" dirty="0">
+              <a:highlight>
+                <a:srgbClr val="FFFF00"/>
+              </a:highlight>
+              <a:latin typeface="Arial"/>
+            </a:endParaRPr>
+          </a:p>
+          <a:p>
+            <a:pPr marL="343080" indent="-342000">
+              <a:lnSpc>
+                <a:spcPct val="115000"/>
+              </a:lnSpc>
+              <a:spcBef>
+                <a:spcPts val="1199"/>
+              </a:spcBef>
+              <a:buClr>
+                <a:srgbClr val="000000"/>
+              </a:buClr>
+              <a:buFont typeface="StarSymbol"/>
+              <a:buChar char="-"/>
+            </a:pPr>
+            <a:r>
+              <a:rPr lang="en-US" sz="2000" b="0" strike="noStrike" spc="-1" dirty="0">
+                <a:solidFill>
+                  <a:srgbClr val="000000"/>
+                </a:solidFill>
+                <a:highlight>
+                  <a:srgbClr val="FFFF00"/>
+                </a:highlight>
+                <a:latin typeface="Arial"/>
+                <a:ea typeface="DejaVu Sans"/>
+              </a:rPr>
+              <a:t>After applying the candidate gets access to a chatbot for a pre-interview</a:t>
+            </a:r>
+            <a:endParaRPr lang="en-US" sz="2000" b="0" strike="noStrike" spc="-1" dirty="0">
+              <a:highlight>
+                <a:srgbClr val="FFFF00"/>
+              </a:highlight>
+              <a:latin typeface="Arial"/>
+            </a:endParaRPr>
+          </a:p>
+        </p:txBody>
+      </p:sp>
+      <p:sp>
+        <p:nvSpPr>
+          <p:cNvPr id="134" name="CustomShape 3"/>
+          <p:cNvSpPr/>
+          <p:nvPr/>
+        </p:nvSpPr>
+        <p:spPr>
+          <a:xfrm>
+            <a:off x="8221680" y="7197840"/>
+            <a:ext cx="864000" cy="178200"/>
+          </a:xfrm>
+          <a:prstGeom prst="rect">
+            <a:avLst/>
+          </a:prstGeom>
+          <a:noFill/>
+          <a:ln>
+            <a:noFill/>
+          </a:ln>
+        </p:spPr>
+        <p:style>
+          <a:lnRef idx="0">
+            <a:scrgbClr r="0" g="0" b="0"/>
+          </a:lnRef>
+          <a:fillRef idx="0">
+            <a:scrgbClr r="0" g="0" b="0"/>
+          </a:fillRef>
+          <a:effectRef idx="0">
+            <a:scrgbClr r="0" g="0" b="0"/>
+          </a:effectRef>
+          <a:fontRef idx="minor"/>
+        </p:style>
+        <p:txBody>
+          <a:bodyPr lIns="0" tIns="0" rIns="0" bIns="0" anchor="b"/>
+          <a:lstStyle/>
+          <a:p>
+            <a:r>
+              <a:rPr lang="en-US" sz="1200" spc="-1" dirty="0"/>
+              <a:t>04.06.2020</a:t>
+            </a:r>
+          </a:p>
+        </p:txBody>
+      </p:sp>
+      <p:sp>
+        <p:nvSpPr>
+          <p:cNvPr id="135" name="CustomShape 4"/>
+          <p:cNvSpPr/>
+          <p:nvPr/>
+        </p:nvSpPr>
+        <p:spPr>
+          <a:xfrm>
+            <a:off x="736560" y="7197840"/>
+            <a:ext cx="7484040" cy="178200"/>
+          </a:xfrm>
+          <a:prstGeom prst="rect">
+            <a:avLst/>
+          </a:prstGeom>
+          <a:noFill/>
+          <a:ln>
+            <a:noFill/>
+          </a:ln>
+        </p:spPr>
+        <p:style>
+          <a:lnRef idx="0">
+            <a:scrgbClr r="0" g="0" b="0"/>
+          </a:lnRef>
+          <a:fillRef idx="0">
+            <a:scrgbClr r="0" g="0" b="0"/>
+          </a:fillRef>
+          <a:effectRef idx="0">
+            <a:scrgbClr r="0" g="0" b="0"/>
+          </a:effectRef>
+          <a:fontRef idx="minor"/>
+        </p:style>
+        <p:txBody>
+          <a:bodyPr lIns="0" tIns="0" rIns="0" bIns="0" anchor="b"/>
+          <a:lstStyle/>
+          <a:p>
+            <a:pPr>
+              <a:lnSpc>
+                <a:spcPct val="100000"/>
+              </a:lnSpc>
+            </a:pPr>
+            <a:r>
+              <a:rPr lang="en-US" sz="1200" spc="-1" dirty="0">
+                <a:solidFill>
+                  <a:srgbClr val="000000"/>
+                </a:solidFill>
+              </a:rPr>
+              <a:t>DigiBP	Luca Müller, Nicola Raemy, Isar Gammoh, Pooja Bisht</a:t>
+            </a:r>
+            <a:endParaRPr lang="en-US" sz="1200" spc="-1" dirty="0"/>
+          </a:p>
+        </p:txBody>
+      </p:sp>
+      <p:sp>
+        <p:nvSpPr>
+          <p:cNvPr id="136" name="CustomShape 5"/>
+          <p:cNvSpPr/>
+          <p:nvPr/>
+        </p:nvSpPr>
+        <p:spPr>
+          <a:xfrm>
+            <a:off x="9086760" y="7197840"/>
+            <a:ext cx="862560" cy="178200"/>
+          </a:xfrm>
+          <a:prstGeom prst="rect">
+            <a:avLst/>
+          </a:prstGeom>
+          <a:noFill/>
+          <a:ln>
+            <a:noFill/>
+          </a:ln>
+        </p:spPr>
+        <p:style>
+          <a:lnRef idx="0">
+            <a:scrgbClr r="0" g="0" b="0"/>
+          </a:lnRef>
+          <a:fillRef idx="0">
+            <a:scrgbClr r="0" g="0" b="0"/>
+          </a:fillRef>
+          <a:effectRef idx="0">
+            <a:scrgbClr r="0" g="0" b="0"/>
+          </a:effectRef>
+          <a:fontRef idx="minor"/>
+        </p:style>
+        <p:txBody>
+          <a:bodyPr lIns="0" tIns="0" rIns="0" bIns="0" anchor="b"/>
+          <a:lstStyle/>
+          <a:p>
+            <a:pPr algn="r">
+              <a:lnSpc>
+                <a:spcPct val="100000"/>
+              </a:lnSpc>
+            </a:pPr>
+            <a:fld id="{25BD2B6A-AE73-45A3-B4F5-99A4645FF74C}" type="slidenum">
+              <a:rPr lang="en-US" sz="1200" b="0" strike="noStrike" spc="-1">
+                <a:solidFill>
+                  <a:srgbClr val="000000"/>
+                </a:solidFill>
+                <a:latin typeface="Arial"/>
+                <a:ea typeface="DejaVu Sans"/>
+              </a:rPr>
+              <a:t>10</a:t>
+            </a:fld>
+            <a:endParaRPr lang="en-US" sz="1200" b="0" strike="noStrike" spc="-1">
+              <a:latin typeface="Arial"/>
+            </a:endParaRPr>
+          </a:p>
+        </p:txBody>
+      </p:sp>
+      <p:pic>
+        <p:nvPicPr>
+          <p:cNvPr id="137" name="Grafik 130"/>
+          <p:cNvPicPr/>
+          <p:nvPr/>
+        </p:nvPicPr>
+        <p:blipFill>
+          <a:blip r:embed="rId2"/>
+          <a:stretch/>
+        </p:blipFill>
+        <p:spPr>
+          <a:xfrm>
+            <a:off x="1937520" y="3451680"/>
+            <a:ext cx="6810840" cy="3208320"/>
+          </a:xfrm>
+          <a:prstGeom prst="rect">
+            <a:avLst/>
+          </a:prstGeom>
+          <a:ln>
+            <a:noFill/>
+          </a:ln>
+        </p:spPr>
+      </p:pic>
+    </p:spTree>
+  </p:cSld>
+  <p:clrMapOvr>
+    <a:masterClrMapping/>
+  </p:clrMapOvr>
+  <p:timing>
+    <p:tnLst>
+      <p:par>
+        <p:cTn id="1" dur="indefinite" restart="never" nodeType="tmRoot">
+          <p:childTnLst>
+            <p:seq>
+              <p:cTn id="2" dur="indefinite" nodeType="mainSeq"/>
+              <p:prevCondLst>
+                <p:cond evt="onPrev" delay="0">
+                  <p:tgtEl>
+                    <p:sldTgt/>
+                  </p:tgtEl>
+                </p:cond>
+              </p:prevCondLst>
+              <p:nextCondLst>
+                <p:cond evt="onNext" delay="0">
+                  <p:tgtEl>
+                    <p:sldTgt/>
+                  </p:tgtEl>
+                </p:cond>
+              </p:nextCondLst>
+            </p:seq>
+          </p:childTnLst>
+        </p:cTn>
+      </p:par>
+    </p:tnLst>
+  </p:timing>
+</p:sld>
+</file>
+
+<file path=ppt/slides/slide11.xml><?xml version="1.0" encoding="utf-8"?>
+<p:sld xmlns:a="http://schemas.openxmlformats.org/drawingml/2006/main" xmlns:r="http://schemas.openxmlformats.org/officeDocument/2006/relationships" xmlns:p="http://schemas.openxmlformats.org/presentationml/2006/main">
+  <p:cSld>
+    <p:spTree>
+      <p:nvGrpSpPr>
+        <p:cNvPr id="1" name=""/>
+        <p:cNvGrpSpPr/>
+        <p:nvPr/>
+      </p:nvGrpSpPr>
+      <p:grpSpPr>
+        <a:xfrm>
+          <a:off x="0" y="0"/>
+          <a:ext cx="0" cy="0"/>
+          <a:chOff x="0" y="0"/>
+          <a:chExt cx="0" cy="0"/>
+        </a:xfrm>
+      </p:grpSpPr>
+      <p:sp>
+        <p:nvSpPr>
+          <p:cNvPr id="144" name="CustomShape 1"/>
+          <p:cNvSpPr/>
+          <p:nvPr/>
+        </p:nvSpPr>
+        <p:spPr>
+          <a:xfrm>
+            <a:off x="736560" y="1509840"/>
+            <a:ext cx="9212760" cy="360720"/>
+          </a:xfrm>
+          <a:prstGeom prst="rect">
+            <a:avLst/>
+          </a:prstGeom>
+          <a:noFill/>
+          <a:ln>
+            <a:noFill/>
+          </a:ln>
+        </p:spPr>
+        <p:style>
+          <a:lnRef idx="0">
+            <a:scrgbClr r="0" g="0" b="0"/>
+          </a:lnRef>
+          <a:fillRef idx="0">
+            <a:scrgbClr r="0" g="0" b="0"/>
+          </a:fillRef>
+          <a:effectRef idx="0">
+            <a:scrgbClr r="0" g="0" b="0"/>
+          </a:effectRef>
+          <a:fontRef idx="minor"/>
+        </p:style>
+        <p:txBody>
+          <a:bodyPr lIns="0" tIns="0" rIns="0" bIns="0"/>
+          <a:lstStyle/>
+          <a:p>
+            <a:pPr>
+              <a:lnSpc>
+                <a:spcPct val="100000"/>
+              </a:lnSpc>
+            </a:pPr>
+            <a:r>
+              <a:rPr lang="en-US" sz="2000" b="1" strike="noStrike" spc="-1">
+                <a:solidFill>
+                  <a:srgbClr val="000000"/>
+                </a:solidFill>
+                <a:latin typeface="Arial"/>
+                <a:ea typeface="DejaVu Sans"/>
+              </a:rPr>
+              <a:t>Outlook</a:t>
+            </a:r>
+            <a:endParaRPr lang="en-US" sz="2000" b="0" strike="noStrike" spc="-1">
+              <a:latin typeface="Arial"/>
+            </a:endParaRPr>
+          </a:p>
+        </p:txBody>
+      </p:sp>
+      <p:sp>
+        <p:nvSpPr>
+          <p:cNvPr id="145" name="CustomShape 2"/>
+          <p:cNvSpPr/>
+          <p:nvPr/>
+        </p:nvSpPr>
+        <p:spPr>
+          <a:xfrm>
+            <a:off x="738360" y="2197080"/>
+            <a:ext cx="9212760" cy="4462920"/>
+          </a:xfrm>
+          <a:prstGeom prst="rect">
+            <a:avLst/>
+          </a:prstGeom>
+          <a:noFill/>
+          <a:ln>
+            <a:noFill/>
+          </a:ln>
+        </p:spPr>
+        <p:style>
+          <a:lnRef idx="0">
+            <a:scrgbClr r="0" g="0" b="0"/>
+          </a:lnRef>
+          <a:fillRef idx="0">
+            <a:scrgbClr r="0" g="0" b="0"/>
+          </a:fillRef>
+          <a:effectRef idx="0">
+            <a:scrgbClr r="0" g="0" b="0"/>
+          </a:effectRef>
+          <a:fontRef idx="minor"/>
+        </p:style>
+        <p:txBody>
+          <a:bodyPr lIns="0" tIns="0" rIns="0" bIns="0"/>
+          <a:lstStyle/>
+          <a:p>
+            <a:pPr marL="343080" indent="-342000">
+              <a:lnSpc>
+                <a:spcPct val="115000"/>
+              </a:lnSpc>
+              <a:spcBef>
+                <a:spcPts val="1199"/>
+              </a:spcBef>
+              <a:buClr>
+                <a:srgbClr val="000000"/>
+              </a:buClr>
+              <a:buFont typeface="StarSymbol"/>
+              <a:buChar char="-"/>
+            </a:pPr>
+            <a:r>
+              <a:rPr lang="en-US" sz="2000" spc="-1" dirty="0">
+                <a:solidFill>
+                  <a:srgbClr val="000000"/>
+                </a:solidFill>
+              </a:rPr>
+              <a:t>(mention the user task on the very last of our process)</a:t>
+            </a:r>
+            <a:endParaRPr lang="en-US" sz="2000" b="0" strike="noStrike" spc="-1" dirty="0">
+              <a:solidFill>
+                <a:srgbClr val="000000"/>
+              </a:solidFill>
+              <a:latin typeface="Arial"/>
+              <a:ea typeface="DejaVu Sans"/>
+            </a:endParaRPr>
+          </a:p>
+          <a:p>
+            <a:pPr marL="343080" indent="-342000">
+              <a:lnSpc>
+                <a:spcPct val="115000"/>
+              </a:lnSpc>
+              <a:spcBef>
+                <a:spcPts val="1199"/>
+              </a:spcBef>
+              <a:buClr>
+                <a:srgbClr val="000000"/>
+              </a:buClr>
+              <a:buFont typeface="StarSymbol"/>
+              <a:buChar char="-"/>
+            </a:pPr>
+            <a:endParaRPr lang="en-US" sz="2000" spc="-1" dirty="0">
+              <a:solidFill>
+                <a:srgbClr val="000000"/>
+              </a:solidFill>
+              <a:highlight>
+                <a:srgbClr val="FFFF00"/>
+              </a:highlight>
+              <a:latin typeface="Arial"/>
+              <a:ea typeface="DejaVu Sans"/>
+            </a:endParaRPr>
+          </a:p>
+          <a:p>
+            <a:pPr marL="343080" indent="-342000">
+              <a:lnSpc>
+                <a:spcPct val="115000"/>
+              </a:lnSpc>
+              <a:spcBef>
+                <a:spcPts val="1199"/>
+              </a:spcBef>
+              <a:buClr>
+                <a:srgbClr val="000000"/>
+              </a:buClr>
+              <a:buFont typeface="StarSymbol"/>
+              <a:buChar char="-"/>
+            </a:pPr>
+            <a:r>
+              <a:rPr lang="en-US" sz="2000" b="0" strike="noStrike" spc="-1" dirty="0">
+                <a:solidFill>
+                  <a:srgbClr val="000000"/>
+                </a:solidFill>
+                <a:latin typeface="Arial"/>
+                <a:ea typeface="DejaVu Sans"/>
+              </a:rPr>
+              <a:t>Evaluate candidates with job requirements (usage of a second DMN)</a:t>
+            </a:r>
+            <a:endParaRPr lang="en-US" sz="2000" b="0" strike="noStrike" spc="-1" dirty="0">
+              <a:latin typeface="Arial"/>
+            </a:endParaRPr>
+          </a:p>
+          <a:p>
+            <a:pPr>
+              <a:lnSpc>
+                <a:spcPct val="115000"/>
+              </a:lnSpc>
+              <a:spcBef>
+                <a:spcPts val="1199"/>
+              </a:spcBef>
+            </a:pPr>
+            <a:endParaRPr lang="en-US" sz="2000" b="0" strike="noStrike" spc="-1" dirty="0">
+              <a:highlight>
+                <a:srgbClr val="FFFF00"/>
+              </a:highlight>
+              <a:latin typeface="Arial"/>
+            </a:endParaRPr>
+          </a:p>
+          <a:p>
+            <a:pPr marL="343080" indent="-342000">
+              <a:lnSpc>
+                <a:spcPct val="115000"/>
+              </a:lnSpc>
+              <a:spcBef>
+                <a:spcPts val="1199"/>
+              </a:spcBef>
+              <a:buClr>
+                <a:srgbClr val="000000"/>
+              </a:buClr>
+              <a:buFont typeface="StarSymbol"/>
+              <a:buChar char="-"/>
+            </a:pPr>
+            <a:r>
+              <a:rPr lang="en-US" sz="2000" b="0" strike="noStrike" spc="-1" dirty="0" err="1">
+                <a:solidFill>
+                  <a:srgbClr val="000000"/>
+                </a:solidFill>
+                <a:highlight>
+                  <a:srgbClr val="FFFF00"/>
+                </a:highlight>
+                <a:latin typeface="Arial"/>
+                <a:ea typeface="DejaVu Sans"/>
+              </a:rPr>
+              <a:t>xxxxxx</a:t>
+            </a:r>
+            <a:endParaRPr lang="en-US" sz="2000" b="0" strike="noStrike" spc="-1" dirty="0">
+              <a:highlight>
+                <a:srgbClr val="FFFF00"/>
+              </a:highlight>
+              <a:latin typeface="Arial"/>
+            </a:endParaRPr>
+          </a:p>
+          <a:p>
+            <a:pPr>
+              <a:lnSpc>
+                <a:spcPct val="115000"/>
+              </a:lnSpc>
+              <a:spcBef>
+                <a:spcPts val="1199"/>
+              </a:spcBef>
+            </a:pPr>
+            <a:endParaRPr lang="en-US" sz="2000" b="0" strike="noStrike" spc="-1" dirty="0">
+              <a:highlight>
+                <a:srgbClr val="FFFF00"/>
+              </a:highlight>
+              <a:latin typeface="Arial"/>
+            </a:endParaRPr>
+          </a:p>
+          <a:p>
+            <a:pPr marL="343080" indent="-342000">
+              <a:lnSpc>
+                <a:spcPct val="115000"/>
+              </a:lnSpc>
+              <a:spcBef>
+                <a:spcPts val="1199"/>
+              </a:spcBef>
+              <a:buClr>
+                <a:srgbClr val="000000"/>
+              </a:buClr>
+              <a:buFont typeface="StarSymbol"/>
+              <a:buChar char="-"/>
+            </a:pPr>
+            <a:r>
+              <a:rPr lang="en-US" sz="2000" b="0" strike="noStrike" spc="-1" dirty="0" err="1">
+                <a:solidFill>
+                  <a:srgbClr val="000000"/>
+                </a:solidFill>
+                <a:highlight>
+                  <a:srgbClr val="FFFF00"/>
+                </a:highlight>
+                <a:latin typeface="Arial"/>
+                <a:ea typeface="DejaVu Sans"/>
+              </a:rPr>
+              <a:t>xxxxxxx</a:t>
+            </a:r>
+            <a:endParaRPr lang="en-US" sz="2000" b="0" strike="noStrike" spc="-1" dirty="0">
+              <a:highlight>
+                <a:srgbClr val="FFFF00"/>
+              </a:highlight>
+              <a:latin typeface="Arial"/>
+            </a:endParaRPr>
+          </a:p>
+          <a:p>
+            <a:pPr marL="800280" lvl="1" indent="-342000">
+              <a:lnSpc>
+                <a:spcPct val="115000"/>
+              </a:lnSpc>
+              <a:spcBef>
+                <a:spcPts val="1199"/>
+              </a:spcBef>
+              <a:buClr>
+                <a:srgbClr val="000000"/>
+              </a:buClr>
+              <a:buFont typeface="StarSymbol"/>
+              <a:buChar char="-"/>
+            </a:pPr>
+            <a:r>
+              <a:rPr lang="en-US" sz="2000" b="0" strike="noStrike" spc="-1" dirty="0" err="1">
+                <a:solidFill>
+                  <a:srgbClr val="000000"/>
+                </a:solidFill>
+                <a:highlight>
+                  <a:srgbClr val="FFFF00"/>
+                </a:highlight>
+                <a:latin typeface="Arial"/>
+                <a:ea typeface="DejaVu Sans"/>
+              </a:rPr>
+              <a:t>xxxx</a:t>
+            </a:r>
+            <a:endParaRPr lang="en-US" sz="2000" b="0" strike="noStrike" spc="-1" dirty="0">
+              <a:highlight>
+                <a:srgbClr val="FFFF00"/>
+              </a:highlight>
+              <a:latin typeface="Arial"/>
+            </a:endParaRPr>
+          </a:p>
+          <a:p>
+            <a:pPr>
+              <a:lnSpc>
+                <a:spcPct val="115000"/>
+              </a:lnSpc>
+              <a:spcBef>
+                <a:spcPts val="1199"/>
+              </a:spcBef>
+            </a:pPr>
+            <a:endParaRPr lang="en-US" sz="2000" b="0" strike="noStrike" spc="-1" dirty="0">
+              <a:latin typeface="Arial"/>
+            </a:endParaRPr>
+          </a:p>
+        </p:txBody>
+      </p:sp>
+      <p:sp>
+        <p:nvSpPr>
+          <p:cNvPr id="146" name="CustomShape 3"/>
+          <p:cNvSpPr/>
+          <p:nvPr/>
+        </p:nvSpPr>
+        <p:spPr>
+          <a:xfrm>
+            <a:off x="8221680" y="7197840"/>
+            <a:ext cx="864000" cy="178200"/>
+          </a:xfrm>
+          <a:prstGeom prst="rect">
+            <a:avLst/>
+          </a:prstGeom>
+          <a:noFill/>
+          <a:ln>
+            <a:noFill/>
+          </a:ln>
+        </p:spPr>
+        <p:style>
+          <a:lnRef idx="0">
+            <a:scrgbClr r="0" g="0" b="0"/>
+          </a:lnRef>
+          <a:fillRef idx="0">
+            <a:scrgbClr r="0" g="0" b="0"/>
+          </a:fillRef>
+          <a:effectRef idx="0">
+            <a:scrgbClr r="0" g="0" b="0"/>
+          </a:effectRef>
+          <a:fontRef idx="minor"/>
+        </p:style>
+        <p:txBody>
+          <a:bodyPr lIns="0" tIns="0" rIns="0" bIns="0" anchor="b"/>
+          <a:lstStyle/>
+          <a:p>
+            <a:r>
+              <a:rPr lang="en-US" sz="1200" spc="-1" dirty="0"/>
+              <a:t>04.06.2020</a:t>
+            </a:r>
+          </a:p>
+        </p:txBody>
+      </p:sp>
+      <p:sp>
+        <p:nvSpPr>
+          <p:cNvPr id="147" name="CustomShape 4"/>
+          <p:cNvSpPr/>
+          <p:nvPr/>
+        </p:nvSpPr>
+        <p:spPr>
+          <a:xfrm>
+            <a:off x="736560" y="7197840"/>
+            <a:ext cx="7484040" cy="178200"/>
+          </a:xfrm>
+          <a:prstGeom prst="rect">
+            <a:avLst/>
+          </a:prstGeom>
+          <a:noFill/>
+          <a:ln>
+            <a:noFill/>
+          </a:ln>
+        </p:spPr>
+        <p:style>
+          <a:lnRef idx="0">
+            <a:scrgbClr r="0" g="0" b="0"/>
+          </a:lnRef>
+          <a:fillRef idx="0">
+            <a:scrgbClr r="0" g="0" b="0"/>
+          </a:fillRef>
+          <a:effectRef idx="0">
+            <a:scrgbClr r="0" g="0" b="0"/>
+          </a:effectRef>
+          <a:fontRef idx="minor"/>
+        </p:style>
+        <p:txBody>
+          <a:bodyPr lIns="0" tIns="0" rIns="0" bIns="0" anchor="b"/>
+          <a:lstStyle/>
+          <a:p>
+            <a:pPr>
+              <a:lnSpc>
+                <a:spcPct val="100000"/>
+              </a:lnSpc>
+            </a:pPr>
+            <a:r>
+              <a:rPr lang="en-US" sz="1200" spc="-1" dirty="0">
+                <a:solidFill>
+                  <a:srgbClr val="000000"/>
+                </a:solidFill>
+              </a:rPr>
+              <a:t>DigiBP	Luca Müller, Nicola Raemy, Isar Gammoh, Pooja Bisht</a:t>
+            </a:r>
+            <a:endParaRPr lang="en-US" sz="1200" spc="-1" dirty="0"/>
+          </a:p>
+        </p:txBody>
+      </p:sp>
+      <p:sp>
+        <p:nvSpPr>
+          <p:cNvPr id="148" name="CustomShape 5"/>
+          <p:cNvSpPr/>
+          <p:nvPr/>
+        </p:nvSpPr>
+        <p:spPr>
+          <a:xfrm>
+            <a:off x="9086760" y="7197840"/>
+            <a:ext cx="862560" cy="178200"/>
+          </a:xfrm>
+          <a:prstGeom prst="rect">
+            <a:avLst/>
+          </a:prstGeom>
+          <a:noFill/>
+          <a:ln>
+            <a:noFill/>
+          </a:ln>
+        </p:spPr>
+        <p:style>
+          <a:lnRef idx="0">
+            <a:scrgbClr r="0" g="0" b="0"/>
+          </a:lnRef>
+          <a:fillRef idx="0">
+            <a:scrgbClr r="0" g="0" b="0"/>
+          </a:fillRef>
+          <a:effectRef idx="0">
+            <a:scrgbClr r="0" g="0" b="0"/>
+          </a:effectRef>
+          <a:fontRef idx="minor"/>
+        </p:style>
+        <p:txBody>
+          <a:bodyPr lIns="0" tIns="0" rIns="0" bIns="0" anchor="b"/>
+          <a:lstStyle/>
+          <a:p>
+            <a:pPr algn="r">
+              <a:lnSpc>
+                <a:spcPct val="100000"/>
+              </a:lnSpc>
+            </a:pPr>
+            <a:fld id="{D9A4007B-5B80-4163-80FA-8E411138EAA0}" type="slidenum">
+              <a:rPr lang="en-US" sz="1200" b="0" strike="noStrike" spc="-1">
+                <a:solidFill>
+                  <a:srgbClr val="000000"/>
+                </a:solidFill>
+                <a:latin typeface="Arial"/>
+                <a:ea typeface="DejaVu Sans"/>
+              </a:rPr>
+              <a:t>11</a:t>
+            </a:fld>
+            <a:endParaRPr lang="en-US" sz="1200" b="0" strike="noStrike" spc="-1">
+              <a:latin typeface="Arial"/>
+            </a:endParaRPr>
+          </a:p>
+        </p:txBody>
+      </p:sp>
+    </p:spTree>
+  </p:cSld>
+  <p:clrMapOvr>
+    <a:masterClrMapping/>
+  </p:clrMapOvr>
+  <p:timing>
+    <p:tnLst>
+      <p:par>
+        <p:cTn id="1" dur="indefinite" restart="never" nodeType="tmRoot">
+          <p:childTnLst>
+            <p:seq>
+              <p:cTn id="2" dur="indefinite" nodeType="mainSeq"/>
+              <p:prevCondLst>
+                <p:cond evt="onPrev" delay="0">
+                  <p:tgtEl>
+                    <p:sldTgt/>
+                  </p:tgtEl>
+                </p:cond>
+              </p:prevCondLst>
+              <p:nextCondLst>
+                <p:cond evt="onNext" delay="0">
+                  <p:tgtEl>
+                    <p:sldTgt/>
+                  </p:tgtEl>
+                </p:cond>
+              </p:nextCondLst>
+            </p:seq>
+          </p:childTnLst>
+        </p:cTn>
+      </p:par>
+    </p:tnLst>
+  </p:timing>
+</p:sld>
+</file>
+
 <file path=ppt/slides/slide2.xml><?xml version="1.0" encoding="utf-8"?>
 <p:sld xmlns:a="http://schemas.openxmlformats.org/drawingml/2006/main" xmlns:r="http://schemas.openxmlformats.org/officeDocument/2006/relationships" xmlns:p="http://schemas.openxmlformats.org/presentationml/2006/main">
   <p:cSld>
@@ -5402,16 +6318,16 @@
               <a:buChar char="-"/>
             </a:pPr>
             <a:r>
-              <a:rPr lang="en-US" sz="2000" b="0" strike="noStrike" spc="-1">
+              <a:rPr lang="en-US" sz="2000" b="0" strike="noStrike" spc="-1" dirty="0" err="1">
                 <a:solidFill>
                   <a:srgbClr val="000000"/>
                 </a:solidFill>
                 <a:latin typeface="Arial"/>
                 <a:ea typeface="DejaVu Sans"/>
               </a:rPr>
-              <a:t>Analyze the given process</a:t>
+              <a:t>xxxxxx</a:t>
             </a:r>
-            <a:endParaRPr lang="en-US" sz="2000" b="0" strike="noStrike" spc="-1">
+            <a:endParaRPr lang="en-US" sz="2000" b="0" strike="noStrike" spc="-1" dirty="0">
               <a:latin typeface="Arial"/>
             </a:endParaRPr>
           </a:p>
@@ -5430,16 +6346,16 @@
               <a:buChar char="-"/>
             </a:pPr>
             <a:r>
-              <a:rPr lang="en-US" sz="2000" b="0" strike="noStrike" spc="-1">
+              <a:rPr lang="en-US" sz="2000" b="0" strike="noStrike" spc="-1" dirty="0" err="1">
                 <a:solidFill>
                   <a:srgbClr val="000000"/>
                 </a:solidFill>
                 <a:latin typeface="Arial"/>
                 <a:ea typeface="DejaVu Sans"/>
               </a:rPr>
-              <a:t>Two lanes on company side</a:t>
+              <a:t>xxxxx</a:t>
             </a:r>
-            <a:endParaRPr lang="en-US" sz="2000" b="0" strike="noStrike" spc="-1">
+            <a:endParaRPr lang="en-US" sz="2000" b="0" strike="noStrike" spc="-1" dirty="0">
               <a:latin typeface="Arial"/>
             </a:endParaRPr>
           </a:p>
@@ -5458,16 +6374,16 @@
               <a:buChar char="-"/>
             </a:pPr>
             <a:r>
-              <a:rPr lang="en-US" sz="2000" b="0" strike="noStrike" spc="-1">
+              <a:rPr lang="en-US" sz="2000" b="0" strike="noStrike" spc="-1" dirty="0" err="1">
                 <a:solidFill>
                   <a:srgbClr val="000000"/>
                 </a:solidFill>
                 <a:latin typeface="Arial"/>
                 <a:ea typeface="DejaVu Sans"/>
               </a:rPr>
-              <a:t>One lane for the applicant</a:t>
+              <a:t>xxxxx</a:t>
             </a:r>
-            <a:endParaRPr lang="en-US" sz="2000" b="0" strike="noStrike" spc="-1">
+            <a:endParaRPr lang="en-US" sz="2000" b="0" strike="noStrike" spc="-1" dirty="0">
               <a:latin typeface="Arial"/>
             </a:endParaRPr>
           </a:p>
@@ -5480,35 +6396,12 @@
                 <a:spcPts val="1199"/>
               </a:spcBef>
             </a:pPr>
-            <a:endParaRPr lang="en-US" sz="2000" b="0" strike="noStrike" spc="-1">
-              <a:latin typeface="Arial"/>
-            </a:endParaRPr>
-          </a:p>
-        </p:txBody>
-      </p:sp>
-      <p:pic>
-        <p:nvPicPr>
-          <p:cNvPr id="98" name="Picture 2"/>
-          <p:cNvPicPr/>
-          <p:nvPr/>
-        </p:nvPicPr>
-        <p:blipFill>
-          <a:blip r:embed="rId2"/>
-          <a:stretch/>
-        </p:blipFill>
-        <p:spPr>
-          <a:xfrm>
-            <a:off x="690120" y="2052360"/>
-            <a:ext cx="9306000" cy="2907360"/>
-          </a:xfrm>
-          <a:prstGeom prst="rect">
-            <a:avLst/>
-          </a:prstGeom>
-          <a:ln>
-            <a:noFill/>
-          </a:ln>
-        </p:spPr>
-      </p:pic>
+            <a:endParaRPr lang="en-US" sz="2000" b="0" strike="noStrike" spc="-1" dirty="0">
+              <a:latin typeface="Arial"/>
+            </a:endParaRPr>
+          </a:p>
+        </p:txBody>
+      </p:sp>
     </p:spTree>
   </p:cSld>
   <p:clrMapOvr>
@@ -5666,18 +6559,13 @@
               <a:buChar char="-"/>
             </a:pPr>
             <a:r>
-              <a:rPr lang="en-US" sz="2000" b="0" strike="noStrike" spc="-1">
+              <a:rPr lang="en-US" sz="2000" spc="-1" dirty="0">
                 <a:solidFill>
                   <a:srgbClr val="000000"/>
                 </a:solidFill>
-                <a:latin typeface="Arial"/>
-                <a:ea typeface="DejaVu Sans"/>
               </a:rPr>
-              <a:t>Clear separation of individual steps</a:t>
+              <a:t>Simplification of the process through automated workflows</a:t>
             </a:r>
-            <a:endParaRPr lang="en-US" sz="2000" b="0" strike="noStrike" spc="-1">
-              <a:latin typeface="Arial"/>
-            </a:endParaRPr>
           </a:p>
           <a:p>
             <a:pPr marL="343080" indent="-342720">
@@ -5694,69 +6582,19 @@
               <a:buChar char="-"/>
             </a:pPr>
             <a:r>
-              <a:rPr lang="en-US" sz="2000" b="0" strike="noStrike" spc="-1">
+              <a:rPr lang="en-US" sz="2000" spc="-1" dirty="0" err="1">
                 <a:solidFill>
                   <a:srgbClr val="000000"/>
                 </a:solidFill>
-                <a:latin typeface="Arial"/>
-                <a:ea typeface="DejaVu Sans"/>
               </a:rPr>
-              <a:t>Larger model for a faster and more efficient process</a:t>
+              <a:t>xxxxxxxx</a:t>
             </a:r>
-            <a:endParaRPr lang="en-US" sz="2000" b="0" strike="noStrike" spc="-1">
-              <a:latin typeface="Arial"/>
-            </a:endParaRPr>
-          </a:p>
-        </p:txBody>
-      </p:sp>
-      <p:pic>
-        <p:nvPicPr>
-          <p:cNvPr id="108" name="Picture 2"/>
-          <p:cNvPicPr/>
-          <p:nvPr/>
-        </p:nvPicPr>
-        <p:blipFill>
-          <a:blip r:embed="rId2"/>
-          <a:srcRect r="55665"/>
-          <a:stretch/>
-        </p:blipFill>
-        <p:spPr>
-          <a:xfrm>
-            <a:off x="3461400" y="972360"/>
-            <a:ext cx="6488280" cy="3052080"/>
-          </a:xfrm>
-          <a:prstGeom prst="rect">
-            <a:avLst/>
-          </a:prstGeom>
-          <a:ln>
-            <a:noFill/>
-          </a:ln>
-        </p:spPr>
-      </p:pic>
-      <p:pic>
-        <p:nvPicPr>
-          <p:cNvPr id="109" name="Picture 4"/>
-          <p:cNvPicPr/>
-          <p:nvPr/>
-        </p:nvPicPr>
-        <p:blipFill>
-          <a:blip r:embed="rId3"/>
-          <a:srcRect l="44425"/>
-          <a:stretch/>
-        </p:blipFill>
-        <p:spPr>
-          <a:xfrm>
-            <a:off x="2157840" y="4145040"/>
-            <a:ext cx="7814160" cy="2931840"/>
-          </a:xfrm>
-          <a:prstGeom prst="rect">
-            <a:avLst/>
-          </a:prstGeom>
-          <a:ln>
-            <a:noFill/>
-          </a:ln>
-        </p:spPr>
-      </p:pic>
+            <a:endParaRPr lang="en-US" sz="2000" b="0" strike="noStrike" spc="-1" dirty="0">
+              <a:latin typeface="Arial"/>
+            </a:endParaRPr>
+          </a:p>
+        </p:txBody>
+      </p:sp>
       <p:sp>
         <p:nvSpPr>
           <p:cNvPr id="110" name="CustomShape 3"/>
@@ -6007,7 +6845,7 @@
                 <a:latin typeface="Arial"/>
                 <a:ea typeface="DejaVu Sans"/>
               </a:rPr>
-              <a:t>Procedure</a:t>
+              <a:t>Procedure To-Be</a:t>
             </a:r>
             <a:endParaRPr lang="en-US" sz="2000" b="0" strike="noStrike" spc="-1" dirty="0">
               <a:latin typeface="Arial"/>
@@ -6779,7 +7617,7 @@
                 <a:latin typeface="Arial"/>
                 <a:ea typeface="DejaVu Sans"/>
               </a:rPr>
-              <a:t>Applicants can apply via Google form</a:t>
+              <a:t>Applicants can apply via LinkedIn form</a:t>
             </a:r>
             <a:endParaRPr lang="en-US" sz="2000" b="0" strike="noStrike" spc="-1" dirty="0">
               <a:highlight>
@@ -6980,14 +7818,14 @@
       </p:grpSpPr>
       <p:sp>
         <p:nvSpPr>
-          <p:cNvPr id="126" name="CustomShape 1"/>
+          <p:cNvPr id="120" name="CustomShape 1"/>
           <p:cNvSpPr/>
           <p:nvPr/>
         </p:nvSpPr>
         <p:spPr>
           <a:xfrm>
-            <a:off x="736560" y="1509840"/>
-            <a:ext cx="9212760" cy="360720"/>
+            <a:off x="8221680" y="7197840"/>
+            <a:ext cx="864000" cy="178200"/>
           </a:xfrm>
           <a:prstGeom prst="rect">
             <a:avLst/>
@@ -7010,182 +7848,6 @@
           <a:fontRef idx="minor"/>
         </p:style>
         <p:txBody>
-          <a:bodyPr lIns="0" tIns="0" rIns="0" bIns="0"/>
-          <a:lstStyle/>
-          <a:p>
-            <a:pPr>
-              <a:lnSpc>
-                <a:spcPct val="100000"/>
-              </a:lnSpc>
-            </a:pPr>
-            <a:r>
-              <a:rPr lang="en-US" sz="2000" b="1" strike="noStrike" spc="-1">
-                <a:solidFill>
-                  <a:srgbClr val="000000"/>
-                </a:solidFill>
-                <a:latin typeface="Arial"/>
-                <a:ea typeface="DejaVu Sans"/>
-              </a:rPr>
-              <a:t>Human Resources Tool </a:t>
-            </a:r>
-            <a:endParaRPr lang="en-US" sz="2000" b="0" strike="noStrike" spc="-1">
-              <a:latin typeface="Arial"/>
-            </a:endParaRPr>
-          </a:p>
-        </p:txBody>
-      </p:sp>
-      <p:sp>
-        <p:nvSpPr>
-          <p:cNvPr id="127" name="CustomShape 2"/>
-          <p:cNvSpPr/>
-          <p:nvPr/>
-        </p:nvSpPr>
-        <p:spPr>
-          <a:xfrm>
-            <a:off x="738360" y="2197080"/>
-            <a:ext cx="9212760" cy="4462920"/>
-          </a:xfrm>
-          <a:prstGeom prst="rect">
-            <a:avLst/>
-          </a:prstGeom>
-          <a:noFill/>
-          <a:ln>
-            <a:noFill/>
-          </a:ln>
-        </p:spPr>
-        <p:style>
-          <a:lnRef idx="0">
-            <a:scrgbClr r="0" g="0" b="0"/>
-          </a:lnRef>
-          <a:fillRef idx="0">
-            <a:scrgbClr r="0" g="0" b="0"/>
-          </a:fillRef>
-          <a:effectRef idx="0">
-            <a:scrgbClr r="0" g="0" b="0"/>
-          </a:effectRef>
-          <a:fontRef idx="minor"/>
-        </p:style>
-        <p:txBody>
-          <a:bodyPr lIns="0" tIns="0" rIns="0" bIns="0"/>
-          <a:lstStyle/>
-          <a:p>
-            <a:pPr marL="343080" indent="-342000">
-              <a:lnSpc>
-                <a:spcPct val="115000"/>
-              </a:lnSpc>
-              <a:spcBef>
-                <a:spcPts val="1199"/>
-              </a:spcBef>
-              <a:buClr>
-                <a:srgbClr val="000000"/>
-              </a:buClr>
-              <a:buFont typeface="StarSymbol"/>
-              <a:buChar char="-"/>
-            </a:pPr>
-            <a:r>
-              <a:rPr lang="en-US" sz="2000" b="0" strike="noStrike" spc="-1">
-                <a:solidFill>
-                  <a:srgbClr val="000000"/>
-                </a:solidFill>
-                <a:latin typeface="Arial"/>
-                <a:ea typeface="DejaVu Sans"/>
-              </a:rPr>
-              <a:t>Job postings are added as cards in Trello</a:t>
-            </a:r>
-            <a:endParaRPr lang="en-US" sz="2000" b="0" strike="noStrike" spc="-1">
-              <a:latin typeface="Arial"/>
-            </a:endParaRPr>
-          </a:p>
-          <a:p>
-            <a:pPr marL="343080" indent="-342000">
-              <a:lnSpc>
-                <a:spcPct val="115000"/>
-              </a:lnSpc>
-              <a:spcBef>
-                <a:spcPts val="1199"/>
-              </a:spcBef>
-              <a:buClr>
-                <a:srgbClr val="000000"/>
-              </a:buClr>
-              <a:buFont typeface="StarSymbol"/>
-              <a:buChar char="-"/>
-            </a:pPr>
-            <a:r>
-              <a:rPr lang="en-US" sz="2000" b="0" strike="noStrike" spc="-1">
-                <a:solidFill>
-                  <a:srgbClr val="000000"/>
-                </a:solidFill>
-                <a:latin typeface="Arial"/>
-                <a:ea typeface="DejaVu Sans"/>
-              </a:rPr>
-              <a:t>New posting gets written in a Google-sheet</a:t>
-            </a:r>
-            <a:endParaRPr lang="en-US" sz="2000" b="0" strike="noStrike" spc="-1">
-              <a:latin typeface="Arial"/>
-            </a:endParaRPr>
-          </a:p>
-          <a:p>
-            <a:pPr marL="800280" lvl="1" indent="-342000">
-              <a:lnSpc>
-                <a:spcPct val="115000"/>
-              </a:lnSpc>
-              <a:spcBef>
-                <a:spcPts val="1199"/>
-              </a:spcBef>
-              <a:buClr>
-                <a:srgbClr val="000000"/>
-              </a:buClr>
-              <a:buFont typeface="StarSymbol"/>
-              <a:buChar char="-"/>
-            </a:pPr>
-            <a:r>
-              <a:rPr lang="en-US" sz="2000" b="0" strike="noStrike" spc="-1">
-                <a:solidFill>
-                  <a:srgbClr val="000000"/>
-                </a:solidFill>
-                <a:latin typeface="Arial"/>
-                <a:ea typeface="DejaVu Sans"/>
-              </a:rPr>
-              <a:t>Connected to the form for applicants</a:t>
-            </a:r>
-            <a:endParaRPr lang="en-US" sz="2000" b="0" strike="noStrike" spc="-1">
-              <a:latin typeface="Arial"/>
-            </a:endParaRPr>
-          </a:p>
-        </p:txBody>
-      </p:sp>
-      <p:sp>
-        <p:nvSpPr>
-          <p:cNvPr id="128" name="CustomShape 3"/>
-          <p:cNvSpPr/>
-          <p:nvPr/>
-        </p:nvSpPr>
-        <p:spPr>
-          <a:xfrm>
-            <a:off x="8221680" y="7197840"/>
-            <a:ext cx="864000" cy="178200"/>
-          </a:xfrm>
-          <a:prstGeom prst="rect">
-            <a:avLst/>
-          </a:prstGeom>
-          <a:noFill/>
-          <a:ln>
-            <a:noFill/>
-          </a:ln>
-        </p:spPr>
-        <p:style>
-          <a:lnRef idx="0">
-            <a:scrgbClr r="0" g="0" b="0"/>
-          </a:lnRef>
-          <a:fillRef idx="0">
-            <a:scrgbClr r="0" g="0" b="0"/>
-          </a:fillRef>
-          <a:effectRef idx="0">
-            <a:scrgbClr r="0" g="0" b="0"/>
-          </a:effectRef>
-          <a:fontRef idx="minor"/>
-        </p:style>
-        <p:txBody>
           <a:bodyPr lIns="0" tIns="0" rIns="0" bIns="0" anchor="b"/>
           <a:lstStyle/>
           <a:p>
@@ -7198,7 +7860,7 @@
       </p:sp>
       <p:sp>
         <p:nvSpPr>
-          <p:cNvPr id="129" name="CustomShape 4"/>
+          <p:cNvPr id="121" name="CustomShape 2"/>
           <p:cNvSpPr/>
           <p:nvPr/>
         </p:nvSpPr>
@@ -7250,7 +7912,7 @@
       </p:sp>
       <p:sp>
         <p:nvSpPr>
-          <p:cNvPr id="130" name="CustomShape 5"/>
+          <p:cNvPr id="122" name="CustomShape 3"/>
           <p:cNvSpPr/>
           <p:nvPr/>
         </p:nvSpPr>
@@ -7288,7 +7950,7 @@
                 <a:spcPct val="100000"/>
               </a:lnSpc>
             </a:pPr>
-            <a:fld id="{676B624C-CA6C-47FB-8CC0-33C7E2E24C74}" type="slidenum">
+            <a:fld id="{EAB2E0A4-FCFB-4840-AF8A-F87D75DA6E48}" type="slidenum">
               <a:rPr lang="en-US" sz="1200" b="0" strike="noStrike" spc="-1">
                 <a:solidFill>
                   <a:srgbClr val="000000"/>
@@ -7304,30 +7966,251 @@
           </a:p>
         </p:txBody>
       </p:sp>
-      <p:pic>
-        <p:nvPicPr>
-          <p:cNvPr id="131" name="Grafik 1"/>
-          <p:cNvPicPr/>
+      <p:sp>
+        <p:nvSpPr>
+          <p:cNvPr id="123" name="CustomShape 4"/>
+          <p:cNvSpPr/>
           <p:nvPr/>
-        </p:nvPicPr>
-        <p:blipFill>
-          <a:blip r:embed="rId2"/>
-          <a:stretch/>
-        </p:blipFill>
-        <p:spPr>
-          <a:xfrm>
-            <a:off x="1927800" y="3964680"/>
-            <a:ext cx="6830280" cy="2964240"/>
-          </a:xfrm>
-          <a:prstGeom prst="rect">
-            <a:avLst/>
-          </a:prstGeom>
+        </p:nvSpPr>
+        <p:spPr>
+          <a:xfrm>
+            <a:off x="736560" y="1509840"/>
+            <a:ext cx="9212760" cy="360720"/>
+          </a:xfrm>
+          <a:prstGeom prst="rect">
+            <a:avLst/>
+          </a:prstGeom>
+          <a:noFill/>
           <a:ln>
             <a:noFill/>
           </a:ln>
         </p:spPr>
-      </p:pic>
+        <p:style>
+          <a:lnRef idx="0">
+            <a:scrgbClr r="0" g="0" b="0"/>
+          </a:lnRef>
+          <a:fillRef idx="0">
+            <a:scrgbClr r="0" g="0" b="0"/>
+          </a:fillRef>
+          <a:effectRef idx="0">
+            <a:scrgbClr r="0" g="0" b="0"/>
+          </a:effectRef>
+          <a:fontRef idx="minor"/>
+        </p:style>
+        <p:txBody>
+          <a:bodyPr lIns="0" tIns="0" rIns="0" bIns="0"/>
+          <a:lstStyle/>
+          <a:p>
+            <a:pPr>
+              <a:lnSpc>
+                <a:spcPct val="100000"/>
+              </a:lnSpc>
+            </a:pPr>
+            <a:r>
+              <a:rPr lang="en-US" sz="2000" b="1" strike="noStrike" spc="-1" dirty="0">
+                <a:solidFill>
+                  <a:srgbClr val="000000"/>
+                </a:solidFill>
+                <a:latin typeface="Arial"/>
+                <a:ea typeface="DejaVu Sans"/>
+              </a:rPr>
+              <a:t>Dialogflow (Isar)</a:t>
+            </a:r>
+            <a:endParaRPr lang="en-US" sz="2000" b="0" strike="noStrike" spc="-1" dirty="0">
+              <a:latin typeface="Arial"/>
+            </a:endParaRPr>
+          </a:p>
+        </p:txBody>
+      </p:sp>
+      <p:sp>
+        <p:nvSpPr>
+          <p:cNvPr id="124" name="CustomShape 5"/>
+          <p:cNvSpPr/>
+          <p:nvPr/>
+        </p:nvSpPr>
+        <p:spPr>
+          <a:xfrm>
+            <a:off x="731520" y="2103120"/>
+            <a:ext cx="5394600" cy="4754520"/>
+          </a:xfrm>
+          <a:prstGeom prst="rect">
+            <a:avLst/>
+          </a:prstGeom>
+          <a:noFill/>
+          <a:ln>
+            <a:noFill/>
+          </a:ln>
+        </p:spPr>
+        <p:style>
+          <a:lnRef idx="0">
+            <a:scrgbClr r="0" g="0" b="0"/>
+          </a:lnRef>
+          <a:fillRef idx="0">
+            <a:scrgbClr r="0" g="0" b="0"/>
+          </a:fillRef>
+          <a:effectRef idx="0">
+            <a:scrgbClr r="0" g="0" b="0"/>
+          </a:effectRef>
+          <a:fontRef idx="minor"/>
+        </p:style>
+        <p:txBody>
+          <a:bodyPr lIns="0" tIns="0" rIns="0" bIns="0"/>
+          <a:lstStyle/>
+          <a:p>
+            <a:pPr marL="343080" indent="-342000">
+              <a:lnSpc>
+                <a:spcPct val="115000"/>
+              </a:lnSpc>
+              <a:spcBef>
+                <a:spcPts val="1199"/>
+              </a:spcBef>
+              <a:buClr>
+                <a:srgbClr val="000000"/>
+              </a:buClr>
+              <a:buFont typeface="StarSymbol"/>
+              <a:buChar char="-"/>
+            </a:pPr>
+            <a:r>
+              <a:rPr lang="en-US" sz="2000" b="0" strike="noStrike" spc="-1" dirty="0" err="1">
+                <a:solidFill>
+                  <a:srgbClr val="000000"/>
+                </a:solidFill>
+                <a:highlight>
+                  <a:srgbClr val="FFFF00"/>
+                </a:highlight>
+                <a:latin typeface="Arial"/>
+                <a:ea typeface="DejaVu Sans"/>
+              </a:rPr>
+              <a:t>xxxxx</a:t>
+            </a:r>
+            <a:endParaRPr lang="en-US" sz="2000" b="0" strike="noStrike" spc="-1" dirty="0">
+              <a:highlight>
+                <a:srgbClr val="FFFF00"/>
+              </a:highlight>
+              <a:latin typeface="Arial"/>
+            </a:endParaRPr>
+          </a:p>
+          <a:p>
+            <a:pPr>
+              <a:lnSpc>
+                <a:spcPct val="115000"/>
+              </a:lnSpc>
+              <a:spcBef>
+                <a:spcPts val="1199"/>
+              </a:spcBef>
+            </a:pPr>
+            <a:endParaRPr lang="en-US" sz="2000" b="0" strike="noStrike" spc="-1" dirty="0">
+              <a:highlight>
+                <a:srgbClr val="FFFF00"/>
+              </a:highlight>
+              <a:latin typeface="Arial"/>
+            </a:endParaRPr>
+          </a:p>
+          <a:p>
+            <a:pPr marL="343080" indent="-342000">
+              <a:lnSpc>
+                <a:spcPct val="100000"/>
+              </a:lnSpc>
+              <a:spcBef>
+                <a:spcPts val="1134"/>
+              </a:spcBef>
+              <a:buClr>
+                <a:srgbClr val="000000"/>
+              </a:buClr>
+              <a:buFont typeface="StarSymbol"/>
+              <a:buChar char="-"/>
+            </a:pPr>
+            <a:r>
+              <a:rPr lang="en-US" sz="2000" b="0" strike="noStrike" spc="-1" dirty="0" err="1">
+                <a:solidFill>
+                  <a:srgbClr val="000000"/>
+                </a:solidFill>
+                <a:highlight>
+                  <a:srgbClr val="FFFF00"/>
+                </a:highlight>
+                <a:latin typeface="Arial"/>
+                <a:ea typeface="DejaVu Sans"/>
+              </a:rPr>
+              <a:t>xxxxx</a:t>
+            </a:r>
+            <a:endParaRPr lang="en-US" sz="2000" b="0" strike="noStrike" spc="-1" dirty="0">
+              <a:highlight>
+                <a:srgbClr val="FFFF00"/>
+              </a:highlight>
+              <a:latin typeface="Arial"/>
+            </a:endParaRPr>
+          </a:p>
+          <a:p>
+            <a:pPr>
+              <a:lnSpc>
+                <a:spcPct val="100000"/>
+              </a:lnSpc>
+              <a:spcBef>
+                <a:spcPts val="1134"/>
+              </a:spcBef>
+            </a:pPr>
+            <a:endParaRPr lang="en-US" sz="2000" b="0" strike="noStrike" spc="-1" dirty="0">
+              <a:highlight>
+                <a:srgbClr val="FFFF00"/>
+              </a:highlight>
+              <a:latin typeface="Arial"/>
+            </a:endParaRPr>
+          </a:p>
+          <a:p>
+            <a:pPr marL="343080" indent="-342000">
+              <a:lnSpc>
+                <a:spcPct val="100000"/>
+              </a:lnSpc>
+              <a:spcBef>
+                <a:spcPts val="1134"/>
+              </a:spcBef>
+              <a:buClr>
+                <a:srgbClr val="000000"/>
+              </a:buClr>
+              <a:buFont typeface="StarSymbol"/>
+              <a:buChar char="-"/>
+            </a:pPr>
+            <a:r>
+              <a:rPr lang="en-US" sz="2000" b="0" strike="noStrike" spc="-1" dirty="0" err="1">
+                <a:solidFill>
+                  <a:srgbClr val="000000"/>
+                </a:solidFill>
+                <a:highlight>
+                  <a:srgbClr val="FFFF00"/>
+                </a:highlight>
+                <a:latin typeface="Arial"/>
+                <a:ea typeface="DejaVu Sans"/>
+              </a:rPr>
+              <a:t>Axxxx</a:t>
+            </a:r>
+            <a:endParaRPr lang="en-US" sz="2000" b="0" strike="noStrike" spc="-1" dirty="0">
+              <a:highlight>
+                <a:srgbClr val="FFFF00"/>
+              </a:highlight>
+              <a:latin typeface="Arial"/>
+            </a:endParaRPr>
+          </a:p>
+          <a:p>
+            <a:pPr>
+              <a:lnSpc>
+                <a:spcPct val="115000"/>
+              </a:lnSpc>
+              <a:spcBef>
+                <a:spcPts val="1199"/>
+              </a:spcBef>
+            </a:pPr>
+            <a:endParaRPr lang="en-US" sz="2000" b="0" strike="noStrike" spc="-1" dirty="0">
+              <a:latin typeface="Arial"/>
+            </a:endParaRPr>
+          </a:p>
+        </p:txBody>
+      </p:sp>
     </p:spTree>
+    <p:extLst>
+      <p:ext uri="{BB962C8B-B14F-4D97-AF65-F5344CB8AC3E}">
+        <p14:creationId xmlns:p14="http://schemas.microsoft.com/office/powerpoint/2010/main" val="3639938052"/>
+      </p:ext>
+    </p:extLst>
   </p:cSld>
   <p:clrMapOvr>
     <a:masterClrMapping/>
@@ -7381,14 +8264,14 @@
       </p:grpSpPr>
       <p:sp>
         <p:nvSpPr>
-          <p:cNvPr id="132" name="CustomShape 1"/>
+          <p:cNvPr id="120" name="CustomShape 1"/>
           <p:cNvSpPr/>
           <p:nvPr/>
         </p:nvSpPr>
         <p:spPr>
           <a:xfrm>
-            <a:off x="736560" y="1509840"/>
-            <a:ext cx="9212760" cy="360720"/>
+            <a:off x="8221680" y="7197840"/>
+            <a:ext cx="864000" cy="178200"/>
           </a:xfrm>
           <a:prstGeom prst="rect">
             <a:avLst/>
@@ -7411,154 +8294,6 @@
           <a:fontRef idx="minor"/>
         </p:style>
         <p:txBody>
-          <a:bodyPr lIns="0" tIns="0" rIns="0" bIns="0"/>
-          <a:lstStyle/>
-          <a:p>
-            <a:pPr>
-              <a:lnSpc>
-                <a:spcPct val="100000"/>
-              </a:lnSpc>
-            </a:pPr>
-            <a:r>
-              <a:rPr lang="en-US" sz="2000" b="1" strike="noStrike" spc="-1">
-                <a:solidFill>
-                  <a:srgbClr val="000000"/>
-                </a:solidFill>
-                <a:latin typeface="Arial"/>
-                <a:ea typeface="DejaVu Sans"/>
-              </a:rPr>
-              <a:t>Human Resources Tool</a:t>
-            </a:r>
-            <a:endParaRPr lang="en-US" sz="2000" b="0" strike="noStrike" spc="-1">
-              <a:latin typeface="Arial"/>
-            </a:endParaRPr>
-          </a:p>
-        </p:txBody>
-      </p:sp>
-      <p:sp>
-        <p:nvSpPr>
-          <p:cNvPr id="133" name="CustomShape 2"/>
-          <p:cNvSpPr/>
-          <p:nvPr/>
-        </p:nvSpPr>
-        <p:spPr>
-          <a:xfrm>
-            <a:off x="738360" y="2197080"/>
-            <a:ext cx="9212760" cy="4462920"/>
-          </a:xfrm>
-          <a:prstGeom prst="rect">
-            <a:avLst/>
-          </a:prstGeom>
-          <a:noFill/>
-          <a:ln>
-            <a:noFill/>
-          </a:ln>
-        </p:spPr>
-        <p:style>
-          <a:lnRef idx="0">
-            <a:scrgbClr r="0" g="0" b="0"/>
-          </a:lnRef>
-          <a:fillRef idx="0">
-            <a:scrgbClr r="0" g="0" b="0"/>
-          </a:fillRef>
-          <a:effectRef idx="0">
-            <a:scrgbClr r="0" g="0" b="0"/>
-          </a:effectRef>
-          <a:fontRef idx="minor"/>
-        </p:style>
-        <p:txBody>
-          <a:bodyPr lIns="0" tIns="0" rIns="0" bIns="0"/>
-          <a:lstStyle/>
-          <a:p>
-            <a:pPr marL="343080" indent="-342000">
-              <a:lnSpc>
-                <a:spcPct val="115000"/>
-              </a:lnSpc>
-              <a:spcBef>
-                <a:spcPts val="1199"/>
-              </a:spcBef>
-              <a:buClr>
-                <a:srgbClr val="000000"/>
-              </a:buClr>
-              <a:buFont typeface="StarSymbol"/>
-              <a:buChar char="-"/>
-            </a:pPr>
-            <a:r>
-              <a:rPr lang="en-US" sz="2000" b="0" strike="noStrike" spc="-1">
-                <a:solidFill>
-                  <a:srgbClr val="000000"/>
-                </a:solidFill>
-                <a:latin typeface="Arial"/>
-                <a:ea typeface="DejaVu Sans"/>
-              </a:rPr>
-              <a:t>Applicant gets a confirmation via mail</a:t>
-            </a:r>
-            <a:endParaRPr lang="en-US" sz="2000" b="0" strike="noStrike" spc="-1">
-              <a:latin typeface="Arial"/>
-            </a:endParaRPr>
-          </a:p>
-          <a:p>
-            <a:pPr marL="343080" indent="-342000">
-              <a:lnSpc>
-                <a:spcPct val="115000"/>
-              </a:lnSpc>
-              <a:spcBef>
-                <a:spcPts val="1199"/>
-              </a:spcBef>
-              <a:buClr>
-                <a:srgbClr val="000000"/>
-              </a:buClr>
-              <a:buFont typeface="StarSymbol"/>
-              <a:buChar char="-"/>
-            </a:pPr>
-            <a:r>
-              <a:rPr lang="en-US" sz="2000" b="0" strike="noStrike" spc="-1">
-                <a:solidFill>
-                  <a:srgbClr val="000000"/>
-                </a:solidFill>
-                <a:latin typeface="Arial"/>
-                <a:ea typeface="DejaVu Sans"/>
-              </a:rPr>
-              <a:t>After applying the candidate gets access to a chatbot for a pre-interview</a:t>
-            </a:r>
-            <a:endParaRPr lang="en-US" sz="2000" b="0" strike="noStrike" spc="-1">
-              <a:latin typeface="Arial"/>
-            </a:endParaRPr>
-          </a:p>
-        </p:txBody>
-      </p:sp>
-      <p:sp>
-        <p:nvSpPr>
-          <p:cNvPr id="134" name="CustomShape 3"/>
-          <p:cNvSpPr/>
-          <p:nvPr/>
-        </p:nvSpPr>
-        <p:spPr>
-          <a:xfrm>
-            <a:off x="8221680" y="7197840"/>
-            <a:ext cx="864000" cy="178200"/>
-          </a:xfrm>
-          <a:prstGeom prst="rect">
-            <a:avLst/>
-          </a:prstGeom>
-          <a:noFill/>
-          <a:ln>
-            <a:noFill/>
-          </a:ln>
-        </p:spPr>
-        <p:style>
-          <a:lnRef idx="0">
-            <a:scrgbClr r="0" g="0" b="0"/>
-          </a:lnRef>
-          <a:fillRef idx="0">
-            <a:scrgbClr r="0" g="0" b="0"/>
-          </a:fillRef>
-          <a:effectRef idx="0">
-            <a:scrgbClr r="0" g="0" b="0"/>
-          </a:effectRef>
-          <a:fontRef idx="minor"/>
-        </p:style>
-        <p:txBody>
           <a:bodyPr lIns="0" tIns="0" rIns="0" bIns="0" anchor="b"/>
           <a:lstStyle/>
           <a:p>
@@ -7571,7 +8306,7 @@
       </p:sp>
       <p:sp>
         <p:nvSpPr>
-          <p:cNvPr id="135" name="CustomShape 4"/>
+          <p:cNvPr id="121" name="CustomShape 2"/>
           <p:cNvSpPr/>
           <p:nvPr/>
         </p:nvSpPr>
@@ -7623,7 +8358,7 @@
       </p:sp>
       <p:sp>
         <p:nvSpPr>
-          <p:cNvPr id="136" name="CustomShape 5"/>
+          <p:cNvPr id="122" name="CustomShape 3"/>
           <p:cNvSpPr/>
           <p:nvPr/>
         </p:nvSpPr>
@@ -7661,7 +8396,7 @@
                 <a:spcPct val="100000"/>
               </a:lnSpc>
             </a:pPr>
-            <a:fld id="{25BD2B6A-AE73-45A3-B4F5-99A4645FF74C}" type="slidenum">
+            <a:fld id="{EAB2E0A4-FCFB-4840-AF8A-F87D75DA6E48}" type="slidenum">
               <a:rPr lang="en-US" sz="1200" b="0" strike="noStrike" spc="-1">
                 <a:solidFill>
                   <a:srgbClr val="000000"/>
@@ -7677,30 +8412,251 @@
           </a:p>
         </p:txBody>
       </p:sp>
-      <p:pic>
-        <p:nvPicPr>
-          <p:cNvPr id="137" name="Grafik 130"/>
-          <p:cNvPicPr/>
+      <p:sp>
+        <p:nvSpPr>
+          <p:cNvPr id="123" name="CustomShape 4"/>
+          <p:cNvSpPr/>
           <p:nvPr/>
-        </p:nvPicPr>
-        <p:blipFill>
-          <a:blip r:embed="rId2"/>
-          <a:stretch/>
-        </p:blipFill>
-        <p:spPr>
-          <a:xfrm>
-            <a:off x="1937520" y="3451680"/>
-            <a:ext cx="6810840" cy="3208320"/>
-          </a:xfrm>
-          <a:prstGeom prst="rect">
-            <a:avLst/>
-          </a:prstGeom>
+        </p:nvSpPr>
+        <p:spPr>
+          <a:xfrm>
+            <a:off x="736560" y="1509840"/>
+            <a:ext cx="9212760" cy="360720"/>
+          </a:xfrm>
+          <a:prstGeom prst="rect">
+            <a:avLst/>
+          </a:prstGeom>
+          <a:noFill/>
           <a:ln>
             <a:noFill/>
           </a:ln>
         </p:spPr>
-      </p:pic>
+        <p:style>
+          <a:lnRef idx="0">
+            <a:scrgbClr r="0" g="0" b="0"/>
+          </a:lnRef>
+          <a:fillRef idx="0">
+            <a:scrgbClr r="0" g="0" b="0"/>
+          </a:fillRef>
+          <a:effectRef idx="0">
+            <a:scrgbClr r="0" g="0" b="0"/>
+          </a:effectRef>
+          <a:fontRef idx="minor"/>
+        </p:style>
+        <p:txBody>
+          <a:bodyPr lIns="0" tIns="0" rIns="0" bIns="0"/>
+          <a:lstStyle/>
+          <a:p>
+            <a:pPr>
+              <a:lnSpc>
+                <a:spcPct val="100000"/>
+              </a:lnSpc>
+            </a:pPr>
+            <a:r>
+              <a:rPr lang="en-US" sz="2000" b="1" strike="noStrike" spc="-1" dirty="0">
+                <a:solidFill>
+                  <a:srgbClr val="000000"/>
+                </a:solidFill>
+                <a:latin typeface="Arial"/>
+                <a:ea typeface="DejaVu Sans"/>
+              </a:rPr>
+              <a:t>Candidate Screening (DMN)</a:t>
+            </a:r>
+            <a:endParaRPr lang="en-US" sz="2000" b="0" strike="noStrike" spc="-1" dirty="0">
+              <a:latin typeface="Arial"/>
+            </a:endParaRPr>
+          </a:p>
+        </p:txBody>
+      </p:sp>
+      <p:sp>
+        <p:nvSpPr>
+          <p:cNvPr id="124" name="CustomShape 5"/>
+          <p:cNvSpPr/>
+          <p:nvPr/>
+        </p:nvSpPr>
+        <p:spPr>
+          <a:xfrm>
+            <a:off x="731520" y="2103120"/>
+            <a:ext cx="5394600" cy="4754520"/>
+          </a:xfrm>
+          <a:prstGeom prst="rect">
+            <a:avLst/>
+          </a:prstGeom>
+          <a:noFill/>
+          <a:ln>
+            <a:noFill/>
+          </a:ln>
+        </p:spPr>
+        <p:style>
+          <a:lnRef idx="0">
+            <a:scrgbClr r="0" g="0" b="0"/>
+          </a:lnRef>
+          <a:fillRef idx="0">
+            <a:scrgbClr r="0" g="0" b="0"/>
+          </a:fillRef>
+          <a:effectRef idx="0">
+            <a:scrgbClr r="0" g="0" b="0"/>
+          </a:effectRef>
+          <a:fontRef idx="minor"/>
+        </p:style>
+        <p:txBody>
+          <a:bodyPr lIns="0" tIns="0" rIns="0" bIns="0"/>
+          <a:lstStyle/>
+          <a:p>
+            <a:pPr marL="343080" indent="-342000">
+              <a:lnSpc>
+                <a:spcPct val="115000"/>
+              </a:lnSpc>
+              <a:spcBef>
+                <a:spcPts val="1199"/>
+              </a:spcBef>
+              <a:buClr>
+                <a:srgbClr val="000000"/>
+              </a:buClr>
+              <a:buFont typeface="StarSymbol"/>
+              <a:buChar char="-"/>
+            </a:pPr>
+            <a:r>
+              <a:rPr lang="en-US" sz="2000" b="0" strike="noStrike" spc="-1" dirty="0" err="1">
+                <a:solidFill>
+                  <a:srgbClr val="000000"/>
+                </a:solidFill>
+                <a:highlight>
+                  <a:srgbClr val="FFFF00"/>
+                </a:highlight>
+                <a:latin typeface="Arial"/>
+                <a:ea typeface="DejaVu Sans"/>
+              </a:rPr>
+              <a:t>xxxxx</a:t>
+            </a:r>
+            <a:endParaRPr lang="en-US" sz="2000" b="0" strike="noStrike" spc="-1" dirty="0">
+              <a:highlight>
+                <a:srgbClr val="FFFF00"/>
+              </a:highlight>
+              <a:latin typeface="Arial"/>
+            </a:endParaRPr>
+          </a:p>
+          <a:p>
+            <a:pPr>
+              <a:lnSpc>
+                <a:spcPct val="115000"/>
+              </a:lnSpc>
+              <a:spcBef>
+                <a:spcPts val="1199"/>
+              </a:spcBef>
+            </a:pPr>
+            <a:endParaRPr lang="en-US" sz="2000" b="0" strike="noStrike" spc="-1" dirty="0">
+              <a:highlight>
+                <a:srgbClr val="FFFF00"/>
+              </a:highlight>
+              <a:latin typeface="Arial"/>
+            </a:endParaRPr>
+          </a:p>
+          <a:p>
+            <a:pPr marL="343080" indent="-342000">
+              <a:lnSpc>
+                <a:spcPct val="100000"/>
+              </a:lnSpc>
+              <a:spcBef>
+                <a:spcPts val="1134"/>
+              </a:spcBef>
+              <a:buClr>
+                <a:srgbClr val="000000"/>
+              </a:buClr>
+              <a:buFont typeface="StarSymbol"/>
+              <a:buChar char="-"/>
+            </a:pPr>
+            <a:r>
+              <a:rPr lang="en-US" sz="2000" b="0" strike="noStrike" spc="-1" dirty="0" err="1">
+                <a:solidFill>
+                  <a:srgbClr val="000000"/>
+                </a:solidFill>
+                <a:highlight>
+                  <a:srgbClr val="FFFF00"/>
+                </a:highlight>
+                <a:latin typeface="Arial"/>
+                <a:ea typeface="DejaVu Sans"/>
+              </a:rPr>
+              <a:t>xxxxx</a:t>
+            </a:r>
+            <a:endParaRPr lang="en-US" sz="2000" b="0" strike="noStrike" spc="-1" dirty="0">
+              <a:highlight>
+                <a:srgbClr val="FFFF00"/>
+              </a:highlight>
+              <a:latin typeface="Arial"/>
+            </a:endParaRPr>
+          </a:p>
+          <a:p>
+            <a:pPr>
+              <a:lnSpc>
+                <a:spcPct val="100000"/>
+              </a:lnSpc>
+              <a:spcBef>
+                <a:spcPts val="1134"/>
+              </a:spcBef>
+            </a:pPr>
+            <a:endParaRPr lang="en-US" sz="2000" b="0" strike="noStrike" spc="-1" dirty="0">
+              <a:highlight>
+                <a:srgbClr val="FFFF00"/>
+              </a:highlight>
+              <a:latin typeface="Arial"/>
+            </a:endParaRPr>
+          </a:p>
+          <a:p>
+            <a:pPr marL="343080" indent="-342000">
+              <a:lnSpc>
+                <a:spcPct val="100000"/>
+              </a:lnSpc>
+              <a:spcBef>
+                <a:spcPts val="1134"/>
+              </a:spcBef>
+              <a:buClr>
+                <a:srgbClr val="000000"/>
+              </a:buClr>
+              <a:buFont typeface="StarSymbol"/>
+              <a:buChar char="-"/>
+            </a:pPr>
+            <a:r>
+              <a:rPr lang="en-US" sz="2000" b="0" strike="noStrike" spc="-1" dirty="0" err="1">
+                <a:solidFill>
+                  <a:srgbClr val="000000"/>
+                </a:solidFill>
+                <a:highlight>
+                  <a:srgbClr val="FFFF00"/>
+                </a:highlight>
+                <a:latin typeface="Arial"/>
+                <a:ea typeface="DejaVu Sans"/>
+              </a:rPr>
+              <a:t>Axxxx</a:t>
+            </a:r>
+            <a:endParaRPr lang="en-US" sz="2000" b="0" strike="noStrike" spc="-1" dirty="0">
+              <a:highlight>
+                <a:srgbClr val="FFFF00"/>
+              </a:highlight>
+              <a:latin typeface="Arial"/>
+            </a:endParaRPr>
+          </a:p>
+          <a:p>
+            <a:pPr>
+              <a:lnSpc>
+                <a:spcPct val="115000"/>
+              </a:lnSpc>
+              <a:spcBef>
+                <a:spcPts val="1199"/>
+              </a:spcBef>
+            </a:pPr>
+            <a:endParaRPr lang="en-US" sz="2000" b="0" strike="noStrike" spc="-1" dirty="0">
+              <a:latin typeface="Arial"/>
+            </a:endParaRPr>
+          </a:p>
+        </p:txBody>
+      </p:sp>
     </p:spTree>
+    <p:extLst>
+      <p:ext uri="{BB962C8B-B14F-4D97-AF65-F5344CB8AC3E}">
+        <p14:creationId xmlns:p14="http://schemas.microsoft.com/office/powerpoint/2010/main" val="4193646287"/>
+      </p:ext>
+    </p:extLst>
   </p:cSld>
   <p:clrMapOvr>
     <a:masterClrMapping/>
@@ -7754,7 +8710,7 @@
       </p:grpSpPr>
       <p:sp>
         <p:nvSpPr>
-          <p:cNvPr id="144" name="CustomShape 1"/>
+          <p:cNvPr id="126" name="CustomShape 1"/>
           <p:cNvSpPr/>
           <p:nvPr/>
         </p:nvSpPr>
@@ -7793,24 +8749,20 @@
               </a:lnSpc>
             </a:pPr>
             <a:r>
-              <a:rPr lang="en-US" sz="2000" b="1" strike="noStrike" spc="-1">
+              <a:rPr lang="en-US" sz="2000" b="1" spc="-1" dirty="0">
                 <a:solidFill>
                   <a:srgbClr val="000000"/>
                 </a:solidFill>
-                <a:latin typeface="Arial"/>
-                <a:ea typeface="DejaVu Sans"/>
               </a:rPr>
-              <a:t>Outlook</a:t>
+              <a:t>Booking System Part I</a:t>
             </a:r>
-            <a:endParaRPr lang="en-US" sz="2000" b="0" strike="noStrike" spc="-1">
-              <a:latin typeface="Arial"/>
-            </a:endParaRPr>
-          </a:p>
-        </p:txBody>
-      </p:sp>
-      <p:sp>
-        <p:nvSpPr>
-          <p:cNvPr id="145" name="CustomShape 2"/>
+            <a:endParaRPr lang="en-US" sz="2000" spc="-1" dirty="0"/>
+          </a:p>
+        </p:txBody>
+      </p:sp>
+      <p:sp>
+        <p:nvSpPr>
+          <p:cNvPr id="127" name="CustomShape 2"/>
           <p:cNvSpPr/>
           <p:nvPr/>
         </p:nvSpPr>
@@ -7842,61 +8794,6 @@
         <p:txBody>
           <a:bodyPr lIns="0" tIns="0" rIns="0" bIns="0"/>
           <a:lstStyle/>
-          <a:p>
-            <a:pPr marL="343080" indent="-342000">
-              <a:lnSpc>
-                <a:spcPct val="115000"/>
-              </a:lnSpc>
-              <a:spcBef>
-                <a:spcPts val="1199"/>
-              </a:spcBef>
-              <a:buClr>
-                <a:srgbClr val="000000"/>
-              </a:buClr>
-              <a:buFont typeface="StarSymbol"/>
-              <a:buChar char="-"/>
-            </a:pPr>
-            <a:r>
-              <a:rPr lang="en-US" sz="2000" spc="-1" dirty="0">
-                <a:solidFill>
-                  <a:srgbClr val="000000"/>
-                </a:solidFill>
-              </a:rPr>
-              <a:t>(mention the user task on the very last of our process)</a:t>
-            </a:r>
-            <a:endParaRPr lang="en-US" sz="2000" b="0" strike="noStrike" spc="-1" dirty="0">
-              <a:solidFill>
-                <a:srgbClr val="000000"/>
-              </a:solidFill>
-              <a:latin typeface="Arial"/>
-              <a:ea typeface="DejaVu Sans"/>
-            </a:endParaRPr>
-          </a:p>
-          <a:p>
-            <a:pPr marL="343080" indent="-342000">
-              <a:lnSpc>
-                <a:spcPct val="115000"/>
-              </a:lnSpc>
-              <a:spcBef>
-                <a:spcPts val="1199"/>
-              </a:spcBef>
-              <a:buClr>
-                <a:srgbClr val="000000"/>
-              </a:buClr>
-              <a:buFont typeface="StarSymbol"/>
-              <a:buChar char="-"/>
-            </a:pPr>
-            <a:endParaRPr lang="en-US" sz="2000" spc="-1" dirty="0">
-              <a:solidFill>
-                <a:srgbClr val="000000"/>
-              </a:solidFill>
-              <a:highlight>
-                <a:srgbClr val="FFFF00"/>
-              </a:highlight>
-              <a:latin typeface="Arial"/>
-              <a:ea typeface="DejaVu Sans"/>
-            </a:endParaRPr>
-          </a:p>
           <a:p>
             <a:pPr marL="343080" indent="-342000">
               <a:lnSpc>
@@ -7922,24 +8819,8 @@
                 <a:latin typeface="Arial"/>
                 <a:ea typeface="DejaVu Sans"/>
               </a:rPr>
-              <a:t>Build infrastructure for automated job-postings</a:t>
+              <a:t>Job postings are added as cards in Trello</a:t>
             </a:r>
-            <a:endParaRPr lang="en-US" sz="2000" b="0" strike="noStrike" spc="-1" dirty="0">
-              <a:highlight>
-                <a:srgbClr val="FFFF00"/>
-              </a:highlight>
-              <a:latin typeface="Arial"/>
-            </a:endParaRPr>
-          </a:p>
-          <a:p>
-            <a:pPr>
-              <a:lnSpc>
-                <a:spcPct val="115000"/>
-              </a:lnSpc>
-              <a:spcBef>
-                <a:spcPts val="1199"/>
-              </a:spcBef>
-            </a:pPr>
             <a:endParaRPr lang="en-US" sz="2000" b="0" strike="noStrike" spc="-1" dirty="0">
               <a:highlight>
                 <a:srgbClr val="FFFF00"/>
@@ -7972,7 +8853,7 @@
                 <a:latin typeface="Arial"/>
                 <a:ea typeface="DejaVu Sans"/>
               </a:rPr>
-              <a:t>Implement a Decision Support System (DSS) for evaluation of applicants</a:t>
+              <a:t>New posting gets written in a Google-sheet</a:t>
             </a:r>
             <a:endParaRPr lang="en-US" sz="2000" b="0" strike="noStrike" spc="-1" dirty="0">
               <a:highlight>
@@ -7982,23 +8863,7 @@
             </a:endParaRPr>
           </a:p>
           <a:p>
-            <a:pPr>
-              <a:lnSpc>
-                <a:spcPct val="115000"/>
-              </a:lnSpc>
-              <a:spcBef>
-                <a:spcPts val="1199"/>
-              </a:spcBef>
-            </a:pPr>
-            <a:endParaRPr lang="en-US" sz="2000" b="0" strike="noStrike" spc="-1" dirty="0">
-              <a:highlight>
-                <a:srgbClr val="FFFF00"/>
-              </a:highlight>
-              <a:latin typeface="Arial"/>
-            </a:endParaRPr>
-          </a:p>
-          <a:p>
-            <a:pPr marL="343080" indent="-342000">
+            <a:pPr marL="800280" lvl="1" indent="-342000">
               <a:lnSpc>
                 <a:spcPct val="115000"/>
               </a:lnSpc>
@@ -8022,7 +8887,7 @@
                 <a:latin typeface="Arial"/>
                 <a:ea typeface="DejaVu Sans"/>
               </a:rPr>
-              <a:t>Implement a grading system for attachments of applicants</a:t>
+              <a:t>Connected to the form for applicants</a:t>
             </a:r>
             <a:endParaRPr lang="en-US" sz="2000" b="0" strike="noStrike" spc="-1" dirty="0">
               <a:highlight>
@@ -8031,58 +8896,11 @@
               <a:latin typeface="Arial"/>
             </a:endParaRPr>
           </a:p>
-          <a:p>
-            <a:pPr marL="800280" lvl="1" indent="-342000">
-              <a:lnSpc>
-                <a:spcPct val="115000"/>
-              </a:lnSpc>
-              <a:spcBef>
-                <a:spcPts val="1199"/>
-              </a:spcBef>
-              <a:buClr>
-                <a:srgbClr val="000000"/>
-              </a:buClr>
-              <a:buFont typeface="StarSymbol"/>
-              <a:buChar char="-"/>
-            </a:pPr>
-            <a:r>
-              <a:rPr lang="en-US" sz="2000" b="0" strike="noStrike" spc="-1" dirty="0">
-                <a:solidFill>
-                  <a:srgbClr val="000000"/>
-                </a:solidFill>
-                <a:highlight>
-                  <a:srgbClr val="FFFF00"/>
-                </a:highlight>
-                <a:latin typeface="Arial"/>
-                <a:ea typeface="DejaVu Sans"/>
-              </a:rPr>
-              <a:t>Assigning scores for specific keywords and certification/diploma</a:t>
-            </a:r>
-            <a:endParaRPr lang="en-US" sz="2000" b="0" strike="noStrike" spc="-1" dirty="0">
-              <a:highlight>
-                <a:srgbClr val="FFFF00"/>
-              </a:highlight>
-              <a:latin typeface="Arial"/>
-            </a:endParaRPr>
-          </a:p>
-          <a:p>
-            <a:pPr>
-              <a:lnSpc>
-                <a:spcPct val="115000"/>
-              </a:lnSpc>
-              <a:spcBef>
-                <a:spcPts val="1199"/>
-              </a:spcBef>
-            </a:pPr>
-            <a:endParaRPr lang="en-US" sz="2000" b="0" strike="noStrike" spc="-1" dirty="0">
-              <a:latin typeface="Arial"/>
-            </a:endParaRPr>
-          </a:p>
-        </p:txBody>
-      </p:sp>
-      <p:sp>
-        <p:nvSpPr>
-          <p:cNvPr id="146" name="CustomShape 3"/>
+        </p:txBody>
+      </p:sp>
+      <p:sp>
+        <p:nvSpPr>
+          <p:cNvPr id="128" name="CustomShape 3"/>
           <p:cNvSpPr/>
           <p:nvPr/>
         </p:nvSpPr>
@@ -8124,7 +8942,7 @@
       </p:sp>
       <p:sp>
         <p:nvSpPr>
-          <p:cNvPr id="147" name="CustomShape 4"/>
+          <p:cNvPr id="129" name="CustomShape 4"/>
           <p:cNvSpPr/>
           <p:nvPr/>
         </p:nvSpPr>
@@ -8176,7 +8994,7 @@
       </p:sp>
       <p:sp>
         <p:nvSpPr>
-          <p:cNvPr id="148" name="CustomShape 5"/>
+          <p:cNvPr id="130" name="CustomShape 5"/>
           <p:cNvSpPr/>
           <p:nvPr/>
         </p:nvSpPr>
@@ -8214,7 +9032,7 @@
                 <a:spcPct val="100000"/>
               </a:lnSpc>
             </a:pPr>
-            <a:fld id="{D9A4007B-5B80-4163-80FA-8E411138EAA0}" type="slidenum">
+            <a:fld id="{676B624C-CA6C-47FB-8CC0-33C7E2E24C74}" type="slidenum">
               <a:rPr lang="en-US" sz="1200" b="0" strike="noStrike" spc="-1">
                 <a:solidFill>
                   <a:srgbClr val="000000"/>
@@ -8230,6 +9048,29 @@
           </a:p>
         </p:txBody>
       </p:sp>
+      <p:pic>
+        <p:nvPicPr>
+          <p:cNvPr id="131" name="Grafik 1"/>
+          <p:cNvPicPr/>
+          <p:nvPr/>
+        </p:nvPicPr>
+        <p:blipFill>
+          <a:blip r:embed="rId2"/>
+          <a:stretch/>
+        </p:blipFill>
+        <p:spPr>
+          <a:xfrm>
+            <a:off x="1927800" y="3964680"/>
+            <a:ext cx="6830280" cy="2964240"/>
+          </a:xfrm>
+          <a:prstGeom prst="rect">
+            <a:avLst/>
+          </a:prstGeom>
+          <a:ln>
+            <a:noFill/>
+          </a:ln>
+        </p:spPr>
+      </p:pic>
     </p:spTree>
   </p:cSld>
   <p:clrMapOvr>

--- a/Presentation/DigiBP_DanishBlue_Presentation_V0.3.pptx
+++ b/Presentation/DigiBP_DanishBlue_Presentation_V0.3.pptx
@@ -5,6 +5,9 @@
     <p:sldMasterId id="2147483648" r:id="rId1"/>
     <p:sldMasterId id="2147483661" r:id="rId2"/>
   </p:sldMasterIdLst>
+  <p:notesMasterIdLst>
+    <p:notesMasterId r:id="rId14"/>
+  </p:notesMasterIdLst>
   <p:sldIdLst>
     <p:sldId id="256" r:id="rId3"/>
     <p:sldId id="257" r:id="rId4"/>
@@ -14,8 +17,8 @@
     <p:sldId id="262" r:id="rId8"/>
     <p:sldId id="267" r:id="rId9"/>
     <p:sldId id="268" r:id="rId10"/>
-    <p:sldId id="263" r:id="rId11"/>
-    <p:sldId id="264" r:id="rId12"/>
+    <p:sldId id="270" r:id="rId11"/>
+    <p:sldId id="263" r:id="rId12"/>
     <p:sldId id="266" r:id="rId13"/>
   </p:sldIdLst>
   <p:sldSz cx="10693400" cy="7561263"/>
@@ -123,6 +126,711 @@
 </p:presentation>
 </file>
 
+<file path=ppt/revisionInfo.xml><?xml version="1.0" encoding="utf-8"?>
+<p1510:revInfo xmlns:a="http://schemas.openxmlformats.org/drawingml/2006/main" xmlns:r="http://schemas.openxmlformats.org/officeDocument/2006/relationships" xmlns:p1510="http://schemas.microsoft.com/office/powerpoint/2015/10/main">
+  <p1510:revLst>
+    <p1510:client id="{553F4498-F05E-4F76-B407-D22216D03B73}" v="14" dt="2020-05-29T11:09:08.886"/>
+  </p1510:revLst>
+</p1510:revInfo>
+</file>
+
+<file path=ppt/changesInfos/changesInfo1.xml><?xml version="1.0" encoding="utf-8"?>
+<pc:chgInfo xmlns:a="http://schemas.openxmlformats.org/drawingml/2006/main" xmlns:r="http://schemas.openxmlformats.org/officeDocument/2006/relationships" xmlns:ac="http://schemas.microsoft.com/office/drawing/2013/main/command" xmlns:pc="http://schemas.microsoft.com/office/powerpoint/2013/main/command">
+  <pc:docChgLst>
+    <pc:chgData name="Luca Mueller" userId="8a1afe1db7570581" providerId="LiveId" clId="{553F4498-F05E-4F76-B407-D22216D03B73}"/>
+    <pc:docChg chg="undo custSel addSld delSld modSld">
+      <pc:chgData name="Luca Mueller" userId="8a1afe1db7570581" providerId="LiveId" clId="{553F4498-F05E-4F76-B407-D22216D03B73}" dt="2020-05-29T11:09:24.487" v="891" actId="1076"/>
+      <pc:docMkLst>
+        <pc:docMk/>
+      </pc:docMkLst>
+      <pc:sldChg chg="modSp">
+        <pc:chgData name="Luca Mueller" userId="8a1afe1db7570581" providerId="LiveId" clId="{553F4498-F05E-4F76-B407-D22216D03B73}" dt="2020-05-29T10:56:09.870" v="109" actId="20577"/>
+        <pc:sldMkLst>
+          <pc:docMk/>
+          <pc:sldMk cId="0" sldId="257"/>
+        </pc:sldMkLst>
+        <pc:spChg chg="mod">
+          <ac:chgData name="Luca Mueller" userId="8a1afe1db7570581" providerId="LiveId" clId="{553F4498-F05E-4F76-B407-D22216D03B73}" dt="2020-05-29T10:56:09.870" v="109" actId="20577"/>
+          <ac:spMkLst>
+            <pc:docMk/>
+            <pc:sldMk cId="0" sldId="257"/>
+            <ac:spMk id="90" creationId="{00000000-0000-0000-0000-000000000000}"/>
+          </ac:spMkLst>
+        </pc:spChg>
+      </pc:sldChg>
+      <pc:sldChg chg="delSp modSp">
+        <pc:chgData name="Luca Mueller" userId="8a1afe1db7570581" providerId="LiveId" clId="{553F4498-F05E-4F76-B407-D22216D03B73}" dt="2020-05-29T10:55:22.364" v="36" actId="20577"/>
+        <pc:sldMkLst>
+          <pc:docMk/>
+          <pc:sldMk cId="0" sldId="261"/>
+        </pc:sldMkLst>
+        <pc:spChg chg="mod">
+          <ac:chgData name="Luca Mueller" userId="8a1afe1db7570581" providerId="LiveId" clId="{553F4498-F05E-4F76-B407-D22216D03B73}" dt="2020-05-29T10:55:22.364" v="36" actId="20577"/>
+          <ac:spMkLst>
+            <pc:docMk/>
+            <pc:sldMk cId="0" sldId="261"/>
+            <ac:spMk id="114" creationId="{00000000-0000-0000-0000-000000000000}"/>
+          </ac:spMkLst>
+        </pc:spChg>
+        <pc:picChg chg="del">
+          <ac:chgData name="Luca Mueller" userId="8a1afe1db7570581" providerId="LiveId" clId="{553F4498-F05E-4F76-B407-D22216D03B73}" dt="2020-05-29T10:55:19.388" v="35" actId="478"/>
+          <ac:picMkLst>
+            <pc:docMk/>
+            <pc:sldMk cId="0" sldId="261"/>
+            <ac:picMk id="118" creationId="{00000000-0000-0000-0000-000000000000}"/>
+          </ac:picMkLst>
+        </pc:picChg>
+      </pc:sldChg>
+      <pc:sldChg chg="delSp modSp">
+        <pc:chgData name="Luca Mueller" userId="8a1afe1db7570581" providerId="LiveId" clId="{553F4498-F05E-4F76-B407-D22216D03B73}" dt="2020-05-29T10:55:12.504" v="34" actId="20577"/>
+        <pc:sldMkLst>
+          <pc:docMk/>
+          <pc:sldMk cId="0" sldId="262"/>
+        </pc:sldMkLst>
+        <pc:spChg chg="mod">
+          <ac:chgData name="Luca Mueller" userId="8a1afe1db7570581" providerId="LiveId" clId="{553F4498-F05E-4F76-B407-D22216D03B73}" dt="2020-05-29T10:55:12.504" v="34" actId="20577"/>
+          <ac:spMkLst>
+            <pc:docMk/>
+            <pc:sldMk cId="0" sldId="262"/>
+            <ac:spMk id="123" creationId="{00000000-0000-0000-0000-000000000000}"/>
+          </ac:spMkLst>
+        </pc:spChg>
+        <pc:spChg chg="mod">
+          <ac:chgData name="Luca Mueller" userId="8a1afe1db7570581" providerId="LiveId" clId="{553F4498-F05E-4F76-B407-D22216D03B73}" dt="2020-05-29T10:55:00.260" v="19" actId="6549"/>
+          <ac:spMkLst>
+            <pc:docMk/>
+            <pc:sldMk cId="0" sldId="262"/>
+            <ac:spMk id="124" creationId="{00000000-0000-0000-0000-000000000000}"/>
+          </ac:spMkLst>
+        </pc:spChg>
+        <pc:picChg chg="del">
+          <ac:chgData name="Luca Mueller" userId="8a1afe1db7570581" providerId="LiveId" clId="{553F4498-F05E-4F76-B407-D22216D03B73}" dt="2020-05-29T10:55:01.558" v="20" actId="478"/>
+          <ac:picMkLst>
+            <pc:docMk/>
+            <pc:sldMk cId="0" sldId="262"/>
+            <ac:picMk id="125" creationId="{00000000-0000-0000-0000-000000000000}"/>
+          </ac:picMkLst>
+        </pc:picChg>
+      </pc:sldChg>
+      <pc:sldChg chg="delSp modSp">
+        <pc:chgData name="Luca Mueller" userId="8a1afe1db7570581" providerId="LiveId" clId="{553F4498-F05E-4F76-B407-D22216D03B73}" dt="2020-05-29T10:56:18.997" v="110" actId="20577"/>
+        <pc:sldMkLst>
+          <pc:docMk/>
+          <pc:sldMk cId="0" sldId="263"/>
+        </pc:sldMkLst>
+        <pc:spChg chg="mod">
+          <ac:chgData name="Luca Mueller" userId="8a1afe1db7570581" providerId="LiveId" clId="{553F4498-F05E-4F76-B407-D22216D03B73}" dt="2020-05-29T10:56:18.997" v="110" actId="20577"/>
+          <ac:spMkLst>
+            <pc:docMk/>
+            <pc:sldMk cId="0" sldId="263"/>
+            <ac:spMk id="127" creationId="{00000000-0000-0000-0000-000000000000}"/>
+          </ac:spMkLst>
+        </pc:spChg>
+        <pc:picChg chg="del">
+          <ac:chgData name="Luca Mueller" userId="8a1afe1db7570581" providerId="LiveId" clId="{553F4498-F05E-4F76-B407-D22216D03B73}" dt="2020-05-29T10:54:35.451" v="0" actId="478"/>
+          <ac:picMkLst>
+            <pc:docMk/>
+            <pc:sldMk cId="0" sldId="263"/>
+            <ac:picMk id="131" creationId="{00000000-0000-0000-0000-000000000000}"/>
+          </ac:picMkLst>
+        </pc:picChg>
+      </pc:sldChg>
+      <pc:sldChg chg="delSp modSp del">
+        <pc:chgData name="Luca Mueller" userId="8a1afe1db7570581" providerId="LiveId" clId="{553F4498-F05E-4F76-B407-D22216D03B73}" dt="2020-05-29T10:54:49.191" v="18" actId="2696"/>
+        <pc:sldMkLst>
+          <pc:docMk/>
+          <pc:sldMk cId="0" sldId="264"/>
+        </pc:sldMkLst>
+        <pc:spChg chg="mod">
+          <ac:chgData name="Luca Mueller" userId="8a1afe1db7570581" providerId="LiveId" clId="{553F4498-F05E-4F76-B407-D22216D03B73}" dt="2020-05-29T10:54:45.048" v="17" actId="6549"/>
+          <ac:spMkLst>
+            <pc:docMk/>
+            <pc:sldMk cId="0" sldId="264"/>
+            <ac:spMk id="133" creationId="{00000000-0000-0000-0000-000000000000}"/>
+          </ac:spMkLst>
+        </pc:spChg>
+        <pc:picChg chg="del">
+          <ac:chgData name="Luca Mueller" userId="8a1afe1db7570581" providerId="LiveId" clId="{553F4498-F05E-4F76-B407-D22216D03B73}" dt="2020-05-29T10:54:40.751" v="1" actId="478"/>
+          <ac:picMkLst>
+            <pc:docMk/>
+            <pc:sldMk cId="0" sldId="264"/>
+            <ac:picMk id="137" creationId="{00000000-0000-0000-0000-000000000000}"/>
+          </ac:picMkLst>
+        </pc:picChg>
+      </pc:sldChg>
+      <pc:sldChg chg="add del">
+        <pc:chgData name="Luca Mueller" userId="8a1afe1db7570581" providerId="LiveId" clId="{553F4498-F05E-4F76-B407-D22216D03B73}" dt="2020-05-29T10:56:32.262" v="113" actId="2696"/>
+        <pc:sldMkLst>
+          <pc:docMk/>
+          <pc:sldMk cId="4174452361" sldId="269"/>
+        </pc:sldMkLst>
+      </pc:sldChg>
+      <pc:sldChg chg="addSp delSp modSp add modAnim modNotesTx">
+        <pc:chgData name="Luca Mueller" userId="8a1afe1db7570581" providerId="LiveId" clId="{553F4498-F05E-4F76-B407-D22216D03B73}" dt="2020-05-29T11:09:24.487" v="891" actId="1076"/>
+        <pc:sldMkLst>
+          <pc:docMk/>
+          <pc:sldMk cId="3299999543" sldId="270"/>
+        </pc:sldMkLst>
+        <pc:spChg chg="mod">
+          <ac:chgData name="Luca Mueller" userId="8a1afe1db7570581" providerId="LiveId" clId="{553F4498-F05E-4F76-B407-D22216D03B73}" dt="2020-05-29T10:56:44.705" v="159" actId="20577"/>
+          <ac:spMkLst>
+            <pc:docMk/>
+            <pc:sldMk cId="3299999543" sldId="270"/>
+            <ac:spMk id="123" creationId="{00000000-0000-0000-0000-000000000000}"/>
+          </ac:spMkLst>
+        </pc:spChg>
+        <pc:spChg chg="mod">
+          <ac:chgData name="Luca Mueller" userId="8a1afe1db7570581" providerId="LiveId" clId="{553F4498-F05E-4F76-B407-D22216D03B73}" dt="2020-05-29T11:03:00.001" v="432" actId="20577"/>
+          <ac:spMkLst>
+            <pc:docMk/>
+            <pc:sldMk cId="3299999543" sldId="270"/>
+            <ac:spMk id="124" creationId="{00000000-0000-0000-0000-000000000000}"/>
+          </ac:spMkLst>
+        </pc:spChg>
+        <pc:grpChg chg="add mod">
+          <ac:chgData name="Luca Mueller" userId="8a1afe1db7570581" providerId="LiveId" clId="{553F4498-F05E-4F76-B407-D22216D03B73}" dt="2020-05-29T11:09:24.487" v="891" actId="1076"/>
+          <ac:grpSpMkLst>
+            <pc:docMk/>
+            <pc:sldMk cId="3299999543" sldId="270"/>
+            <ac:grpSpMk id="6" creationId="{3735A165-6F18-4C8B-B672-DDDA15891AE2}"/>
+          </ac:grpSpMkLst>
+        </pc:grpChg>
+        <pc:picChg chg="add mod">
+          <ac:chgData name="Luca Mueller" userId="8a1afe1db7570581" providerId="LiveId" clId="{553F4498-F05E-4F76-B407-D22216D03B73}" dt="2020-05-29T11:08:48.204" v="881" actId="164"/>
+          <ac:picMkLst>
+            <pc:docMk/>
+            <pc:sldMk cId="3299999543" sldId="270"/>
+            <ac:picMk id="3" creationId="{63AA23DF-5CC4-4CBF-8931-6A62B825E6BD}"/>
+          </ac:picMkLst>
+        </pc:picChg>
+        <pc:picChg chg="add mod modCrop">
+          <ac:chgData name="Luca Mueller" userId="8a1afe1db7570581" providerId="LiveId" clId="{553F4498-F05E-4F76-B407-D22216D03B73}" dt="2020-05-29T11:09:17.316" v="890" actId="1076"/>
+          <ac:picMkLst>
+            <pc:docMk/>
+            <pc:sldMk cId="3299999543" sldId="270"/>
+            <ac:picMk id="4" creationId="{C9991BBF-FA41-4684-BA04-D7AEE2179DA1}"/>
+          </ac:picMkLst>
+        </pc:picChg>
+        <pc:picChg chg="add del mod">
+          <ac:chgData name="Luca Mueller" userId="8a1afe1db7570581" providerId="LiveId" clId="{553F4498-F05E-4F76-B407-D22216D03B73}" dt="2020-05-29T11:09:15.333" v="889" actId="478"/>
+          <ac:picMkLst>
+            <pc:docMk/>
+            <pc:sldMk cId="3299999543" sldId="270"/>
+            <ac:picMk id="5" creationId="{CA43F0A5-703D-470C-B0BD-71356FE37D15}"/>
+          </ac:picMkLst>
+        </pc:picChg>
+        <pc:picChg chg="add mod modCrop">
+          <ac:chgData name="Luca Mueller" userId="8a1afe1db7570581" providerId="LiveId" clId="{553F4498-F05E-4F76-B407-D22216D03B73}" dt="2020-05-29T11:08:48.204" v="881" actId="164"/>
+          <ac:picMkLst>
+            <pc:docMk/>
+            <pc:sldMk cId="3299999543" sldId="270"/>
+            <ac:picMk id="7" creationId="{0D68ACA9-45C6-475A-83BB-90CD141C44AD}"/>
+          </ac:picMkLst>
+        </pc:picChg>
+        <pc:picChg chg="add del mod">
+          <ac:chgData name="Luca Mueller" userId="8a1afe1db7570581" providerId="LiveId" clId="{553F4498-F05E-4F76-B407-D22216D03B73}" dt="2020-05-29T11:00:34.392" v="314" actId="478"/>
+          <ac:picMkLst>
+            <pc:docMk/>
+            <pc:sldMk cId="3299999543" sldId="270"/>
+            <ac:picMk id="8" creationId="{C1F7B2A8-F634-4242-B6D6-81781FAC910B}"/>
+          </ac:picMkLst>
+        </pc:picChg>
+        <pc:picChg chg="add del mod">
+          <ac:chgData name="Luca Mueller" userId="8a1afe1db7570581" providerId="LiveId" clId="{553F4498-F05E-4F76-B407-D22216D03B73}" dt="2020-05-29T11:02:19.926" v="411" actId="478"/>
+          <ac:picMkLst>
+            <pc:docMk/>
+            <pc:sldMk cId="3299999543" sldId="270"/>
+            <ac:picMk id="9" creationId="{F43C3EA3-6438-45BB-8069-1DFAEC1C0A12}"/>
+          </ac:picMkLst>
+        </pc:picChg>
+      </pc:sldChg>
+    </pc:docChg>
+  </pc:docChgLst>
+</pc:chgInfo>
+</file>
+
+<file path=ppt/notesMasters/notesMaster1.xml><?xml version="1.0" encoding="utf-8"?>
+<p:notesMaster xmlns:a="http://schemas.openxmlformats.org/drawingml/2006/main" xmlns:r="http://schemas.openxmlformats.org/officeDocument/2006/relationships" xmlns:p="http://schemas.openxmlformats.org/presentationml/2006/main">
+  <p:cSld>
+    <p:bg>
+      <p:bgRef idx="1001">
+        <a:schemeClr val="bg1"/>
+      </p:bgRef>
+    </p:bg>
+    <p:spTree>
+      <p:nvGrpSpPr>
+        <p:cNvPr id="1" name=""/>
+        <p:cNvGrpSpPr/>
+        <p:nvPr/>
+      </p:nvGrpSpPr>
+      <p:grpSpPr>
+        <a:xfrm>
+          <a:off x="0" y="0"/>
+          <a:ext cx="0" cy="0"/>
+          <a:chOff x="0" y="0"/>
+          <a:chExt cx="0" cy="0"/>
+        </a:xfrm>
+      </p:grpSpPr>
+      <p:sp>
+        <p:nvSpPr>
+          <p:cNvPr id="2" name="Kopfzeilenplatzhalter 1"/>
+          <p:cNvSpPr>
+            <a:spLocks noGrp="1"/>
+          </p:cNvSpPr>
+          <p:nvPr>
+            <p:ph type="hdr" sz="quarter"/>
+          </p:nvPr>
+        </p:nvSpPr>
+        <p:spPr>
+          <a:xfrm>
+            <a:off x="0" y="0"/>
+            <a:ext cx="3276600" cy="536575"/>
+          </a:xfrm>
+          <a:prstGeom prst="rect">
+            <a:avLst/>
+          </a:prstGeom>
+        </p:spPr>
+        <p:txBody>
+          <a:bodyPr vert="horz" lIns="91440" tIns="45720" rIns="91440" bIns="45720" rtlCol="0"/>
+          <a:lstStyle>
+            <a:lvl1pPr algn="l">
+              <a:defRPr sz="1200"/>
+            </a:lvl1pPr>
+          </a:lstStyle>
+          <a:p>
+            <a:endParaRPr lang="en-US"/>
+          </a:p>
+        </p:txBody>
+      </p:sp>
+      <p:sp>
+        <p:nvSpPr>
+          <p:cNvPr id="3" name="Datumsplatzhalter 2"/>
+          <p:cNvSpPr>
+            <a:spLocks noGrp="1"/>
+          </p:cNvSpPr>
+          <p:nvPr>
+            <p:ph type="dt" idx="1"/>
+          </p:nvPr>
+        </p:nvSpPr>
+        <p:spPr>
+          <a:xfrm>
+            <a:off x="4281488" y="0"/>
+            <a:ext cx="3276600" cy="536575"/>
+          </a:xfrm>
+          <a:prstGeom prst="rect">
+            <a:avLst/>
+          </a:prstGeom>
+        </p:spPr>
+        <p:txBody>
+          <a:bodyPr vert="horz" lIns="91440" tIns="45720" rIns="91440" bIns="45720" rtlCol="0"/>
+          <a:lstStyle>
+            <a:lvl1pPr algn="r">
+              <a:defRPr sz="1200"/>
+            </a:lvl1pPr>
+          </a:lstStyle>
+          <a:p>
+            <a:fld id="{92F778FF-ABAC-46CE-8F03-A6CAF7C71FF8}" type="datetimeFigureOut">
+              <a:rPr lang="en-US" smtClean="0"/>
+              <a:t>5/29/2020</a:t>
+            </a:fld>
+            <a:endParaRPr lang="en-US"/>
+          </a:p>
+        </p:txBody>
+      </p:sp>
+      <p:sp>
+        <p:nvSpPr>
+          <p:cNvPr id="4" name="Folienbildplatzhalter 3"/>
+          <p:cNvSpPr>
+            <a:spLocks noGrp="1" noRot="1" noChangeAspect="1"/>
+          </p:cNvSpPr>
+          <p:nvPr>
+            <p:ph type="sldImg" idx="2"/>
+          </p:nvPr>
+        </p:nvSpPr>
+        <p:spPr>
+          <a:xfrm>
+            <a:off x="1228725" y="1336675"/>
+            <a:ext cx="5102225" cy="3608388"/>
+          </a:xfrm>
+          <a:prstGeom prst="rect">
+            <a:avLst/>
+          </a:prstGeom>
+          <a:noFill/>
+          <a:ln w="12700">
+            <a:solidFill>
+              <a:prstClr val="black"/>
+            </a:solidFill>
+          </a:ln>
+        </p:spPr>
+        <p:txBody>
+          <a:bodyPr vert="horz" lIns="91440" tIns="45720" rIns="91440" bIns="45720" rtlCol="0" anchor="ctr"/>
+          <a:lstStyle/>
+          <a:p>
+            <a:endParaRPr lang="en-US"/>
+          </a:p>
+        </p:txBody>
+      </p:sp>
+      <p:sp>
+        <p:nvSpPr>
+          <p:cNvPr id="5" name="Notizenplatzhalter 4"/>
+          <p:cNvSpPr>
+            <a:spLocks noGrp="1"/>
+          </p:cNvSpPr>
+          <p:nvPr>
+            <p:ph type="body" sz="quarter" idx="3"/>
+          </p:nvPr>
+        </p:nvSpPr>
+        <p:spPr>
+          <a:xfrm>
+            <a:off x="755650" y="5145088"/>
+            <a:ext cx="6048375" cy="4210050"/>
+          </a:xfrm>
+          <a:prstGeom prst="rect">
+            <a:avLst/>
+          </a:prstGeom>
+        </p:spPr>
+        <p:txBody>
+          <a:bodyPr vert="horz" lIns="91440" tIns="45720" rIns="91440" bIns="45720" rtlCol="0"/>
+          <a:lstStyle/>
+          <a:p>
+            <a:pPr lvl="0"/>
+            <a:r>
+              <a:rPr lang="de-DE"/>
+              <a:t>Mastertextformat bearbeiten</a:t>
+            </a:r>
+          </a:p>
+          <a:p>
+            <a:pPr lvl="1"/>
+            <a:r>
+              <a:rPr lang="de-DE"/>
+              <a:t>Zweite Ebene</a:t>
+            </a:r>
+          </a:p>
+          <a:p>
+            <a:pPr lvl="2"/>
+            <a:r>
+              <a:rPr lang="de-DE"/>
+              <a:t>Dritte Ebene</a:t>
+            </a:r>
+          </a:p>
+          <a:p>
+            <a:pPr lvl="3"/>
+            <a:r>
+              <a:rPr lang="de-DE"/>
+              <a:t>Vierte Ebene</a:t>
+            </a:r>
+          </a:p>
+          <a:p>
+            <a:pPr lvl="4"/>
+            <a:r>
+              <a:rPr lang="de-DE"/>
+              <a:t>Fünfte Ebene</a:t>
+            </a:r>
+            <a:endParaRPr lang="en-US"/>
+          </a:p>
+        </p:txBody>
+      </p:sp>
+      <p:sp>
+        <p:nvSpPr>
+          <p:cNvPr id="6" name="Fußzeilenplatzhalter 5"/>
+          <p:cNvSpPr>
+            <a:spLocks noGrp="1"/>
+          </p:cNvSpPr>
+          <p:nvPr>
+            <p:ph type="ftr" sz="quarter" idx="4"/>
+          </p:nvPr>
+        </p:nvSpPr>
+        <p:spPr>
+          <a:xfrm>
+            <a:off x="0" y="10155238"/>
+            <a:ext cx="3276600" cy="536575"/>
+          </a:xfrm>
+          <a:prstGeom prst="rect">
+            <a:avLst/>
+          </a:prstGeom>
+        </p:spPr>
+        <p:txBody>
+          <a:bodyPr vert="horz" lIns="91440" tIns="45720" rIns="91440" bIns="45720" rtlCol="0" anchor="b"/>
+          <a:lstStyle>
+            <a:lvl1pPr algn="l">
+              <a:defRPr sz="1200"/>
+            </a:lvl1pPr>
+          </a:lstStyle>
+          <a:p>
+            <a:endParaRPr lang="en-US"/>
+          </a:p>
+        </p:txBody>
+      </p:sp>
+      <p:sp>
+        <p:nvSpPr>
+          <p:cNvPr id="7" name="Foliennummernplatzhalter 6"/>
+          <p:cNvSpPr>
+            <a:spLocks noGrp="1"/>
+          </p:cNvSpPr>
+          <p:nvPr>
+            <p:ph type="sldNum" sz="quarter" idx="5"/>
+          </p:nvPr>
+        </p:nvSpPr>
+        <p:spPr>
+          <a:xfrm>
+            <a:off x="4281488" y="10155238"/>
+            <a:ext cx="3276600" cy="536575"/>
+          </a:xfrm>
+          <a:prstGeom prst="rect">
+            <a:avLst/>
+          </a:prstGeom>
+        </p:spPr>
+        <p:txBody>
+          <a:bodyPr vert="horz" lIns="91440" tIns="45720" rIns="91440" bIns="45720" rtlCol="0" anchor="b"/>
+          <a:lstStyle>
+            <a:lvl1pPr algn="r">
+              <a:defRPr sz="1200"/>
+            </a:lvl1pPr>
+          </a:lstStyle>
+          <a:p>
+            <a:fld id="{6BBF85C1-6754-4204-B548-F7F3F6EBC05E}" type="slidenum">
+              <a:rPr lang="en-US" smtClean="0"/>
+              <a:t>‹Nr.›</a:t>
+            </a:fld>
+            <a:endParaRPr lang="en-US"/>
+          </a:p>
+        </p:txBody>
+      </p:sp>
+    </p:spTree>
+    <p:extLst>
+      <p:ext uri="{BB962C8B-B14F-4D97-AF65-F5344CB8AC3E}">
+        <p14:creationId xmlns:p14="http://schemas.microsoft.com/office/powerpoint/2010/main" val="1889437454"/>
+      </p:ext>
+    </p:extLst>
+  </p:cSld>
+  <p:clrMap bg1="lt1" tx1="dk1" bg2="lt2" tx2="dk2" accent1="accent1" accent2="accent2" accent3="accent3" accent4="accent4" accent5="accent5" accent6="accent6" hlink="hlink" folHlink="folHlink"/>
+  <p:notesStyle>
+    <a:lvl1pPr marL="0" algn="l" defTabSz="914400" rtl="0" eaLnBrk="1" latinLnBrk="0" hangingPunct="1">
+      <a:defRPr sz="1200" kern="1200">
+        <a:solidFill>
+          <a:schemeClr val="tx1"/>
+        </a:solidFill>
+        <a:latin typeface="+mn-lt"/>
+        <a:ea typeface="+mn-ea"/>
+        <a:cs typeface="+mn-cs"/>
+      </a:defRPr>
+    </a:lvl1pPr>
+    <a:lvl2pPr marL="457200" algn="l" defTabSz="914400" rtl="0" eaLnBrk="1" latinLnBrk="0" hangingPunct="1">
+      <a:defRPr sz="1200" kern="1200">
+        <a:solidFill>
+          <a:schemeClr val="tx1"/>
+        </a:solidFill>
+        <a:latin typeface="+mn-lt"/>
+        <a:ea typeface="+mn-ea"/>
+        <a:cs typeface="+mn-cs"/>
+      </a:defRPr>
+    </a:lvl2pPr>
+    <a:lvl3pPr marL="914400" algn="l" defTabSz="914400" rtl="0" eaLnBrk="1" latinLnBrk="0" hangingPunct="1">
+      <a:defRPr sz="1200" kern="1200">
+        <a:solidFill>
+          <a:schemeClr val="tx1"/>
+        </a:solidFill>
+        <a:latin typeface="+mn-lt"/>
+        <a:ea typeface="+mn-ea"/>
+        <a:cs typeface="+mn-cs"/>
+      </a:defRPr>
+    </a:lvl3pPr>
+    <a:lvl4pPr marL="1371600" algn="l" defTabSz="914400" rtl="0" eaLnBrk="1" latinLnBrk="0" hangingPunct="1">
+      <a:defRPr sz="1200" kern="1200">
+        <a:solidFill>
+          <a:schemeClr val="tx1"/>
+        </a:solidFill>
+        <a:latin typeface="+mn-lt"/>
+        <a:ea typeface="+mn-ea"/>
+        <a:cs typeface="+mn-cs"/>
+      </a:defRPr>
+    </a:lvl4pPr>
+    <a:lvl5pPr marL="1828800" algn="l" defTabSz="914400" rtl="0" eaLnBrk="1" latinLnBrk="0" hangingPunct="1">
+      <a:defRPr sz="1200" kern="1200">
+        <a:solidFill>
+          <a:schemeClr val="tx1"/>
+        </a:solidFill>
+        <a:latin typeface="+mn-lt"/>
+        <a:ea typeface="+mn-ea"/>
+        <a:cs typeface="+mn-cs"/>
+      </a:defRPr>
+    </a:lvl5pPr>
+    <a:lvl6pPr marL="2286000" algn="l" defTabSz="914400" rtl="0" eaLnBrk="1" latinLnBrk="0" hangingPunct="1">
+      <a:defRPr sz="1200" kern="1200">
+        <a:solidFill>
+          <a:schemeClr val="tx1"/>
+        </a:solidFill>
+        <a:latin typeface="+mn-lt"/>
+        <a:ea typeface="+mn-ea"/>
+        <a:cs typeface="+mn-cs"/>
+      </a:defRPr>
+    </a:lvl6pPr>
+    <a:lvl7pPr marL="2743200" algn="l" defTabSz="914400" rtl="0" eaLnBrk="1" latinLnBrk="0" hangingPunct="1">
+      <a:defRPr sz="1200" kern="1200">
+        <a:solidFill>
+          <a:schemeClr val="tx1"/>
+        </a:solidFill>
+        <a:latin typeface="+mn-lt"/>
+        <a:ea typeface="+mn-ea"/>
+        <a:cs typeface="+mn-cs"/>
+      </a:defRPr>
+    </a:lvl7pPr>
+    <a:lvl8pPr marL="3200400" algn="l" defTabSz="914400" rtl="0" eaLnBrk="1" latinLnBrk="0" hangingPunct="1">
+      <a:defRPr sz="1200" kern="1200">
+        <a:solidFill>
+          <a:schemeClr val="tx1"/>
+        </a:solidFill>
+        <a:latin typeface="+mn-lt"/>
+        <a:ea typeface="+mn-ea"/>
+        <a:cs typeface="+mn-cs"/>
+      </a:defRPr>
+    </a:lvl8pPr>
+    <a:lvl9pPr marL="3657600" algn="l" defTabSz="914400" rtl="0" eaLnBrk="1" latinLnBrk="0" hangingPunct="1">
+      <a:defRPr sz="1200" kern="1200">
+        <a:solidFill>
+          <a:schemeClr val="tx1"/>
+        </a:solidFill>
+        <a:latin typeface="+mn-lt"/>
+        <a:ea typeface="+mn-ea"/>
+        <a:cs typeface="+mn-cs"/>
+      </a:defRPr>
+    </a:lvl9pPr>
+  </p:notesStyle>
+</p:notesMaster>
+</file>
+
+<file path=ppt/notesSlides/notesSlide1.xml><?xml version="1.0" encoding="utf-8"?>
+<p:notes xmlns:a="http://schemas.openxmlformats.org/drawingml/2006/main" xmlns:r="http://schemas.openxmlformats.org/officeDocument/2006/relationships" xmlns:p="http://schemas.openxmlformats.org/presentationml/2006/main">
+  <p:cSld>
+    <p:spTree>
+      <p:nvGrpSpPr>
+        <p:cNvPr id="1" name=""/>
+        <p:cNvGrpSpPr/>
+        <p:nvPr/>
+      </p:nvGrpSpPr>
+      <p:grpSpPr>
+        <a:xfrm>
+          <a:off x="0" y="0"/>
+          <a:ext cx="0" cy="0"/>
+          <a:chOff x="0" y="0"/>
+          <a:chExt cx="0" cy="0"/>
+        </a:xfrm>
+      </p:grpSpPr>
+      <p:sp>
+        <p:nvSpPr>
+          <p:cNvPr id="2" name="Folienbildplatzhalter 1"/>
+          <p:cNvSpPr>
+            <a:spLocks noGrp="1" noRot="1" noChangeAspect="1"/>
+          </p:cNvSpPr>
+          <p:nvPr>
+            <p:ph type="sldImg"/>
+          </p:nvPr>
+        </p:nvSpPr>
+        <p:spPr/>
+      </p:sp>
+      <p:sp>
+        <p:nvSpPr>
+          <p:cNvPr id="3" name="Notizenplatzhalter 2"/>
+          <p:cNvSpPr>
+            <a:spLocks noGrp="1"/>
+          </p:cNvSpPr>
+          <p:nvPr>
+            <p:ph type="body" idx="1"/>
+          </p:nvPr>
+        </p:nvSpPr>
+        <p:spPr/>
+        <p:txBody>
+          <a:bodyPr/>
+          <a:lstStyle/>
+          <a:p>
+            <a:r>
+              <a:rPr lang="en-US" dirty="0"/>
+              <a:t>Simple but helpful and effective integration of the standardized communication</a:t>
+            </a:r>
+          </a:p>
+          <a:p>
+            <a:pPr marL="171450" indent="-171450">
+              <a:buFontTx/>
+              <a:buChar char="-"/>
+            </a:pPr>
+            <a:r>
+              <a:rPr lang="en-US" dirty="0"/>
+              <a:t>Confirmation of reception (of the application) -&gt;</a:t>
+            </a:r>
+            <a:r>
+              <a:rPr lang="en-US" dirty="0" err="1"/>
+              <a:t>Integromat</a:t>
+            </a:r>
+            <a:r>
+              <a:rPr lang="en-US" dirty="0"/>
+              <a:t> watching new entries in google sheets</a:t>
+            </a:r>
+          </a:p>
+          <a:p>
+            <a:pPr marL="171450" indent="-171450">
+              <a:buFontTx/>
+              <a:buChar char="-"/>
+            </a:pPr>
+            <a:r>
+              <a:rPr lang="en-US" dirty="0"/>
+              <a:t>Based on DMN output an invitation to the booking system or an apology letter will be sent to the candidate</a:t>
+            </a:r>
+          </a:p>
+          <a:p>
+            <a:pPr marL="171450" indent="-171450">
+              <a:buFontTx/>
+              <a:buChar char="-"/>
+            </a:pPr>
+            <a:endParaRPr lang="en-US" dirty="0"/>
+          </a:p>
+          <a:p>
+            <a:pPr marL="0" indent="0">
+              <a:buFontTx/>
+              <a:buNone/>
+            </a:pPr>
+            <a:r>
+              <a:rPr lang="en-US" dirty="0"/>
+              <a:t>Replaces the standardized communications being sent</a:t>
+            </a:r>
+          </a:p>
+        </p:txBody>
+      </p:sp>
+      <p:sp>
+        <p:nvSpPr>
+          <p:cNvPr id="4" name="Foliennummernplatzhalter 3"/>
+          <p:cNvSpPr>
+            <a:spLocks noGrp="1"/>
+          </p:cNvSpPr>
+          <p:nvPr>
+            <p:ph type="sldNum" sz="quarter" idx="5"/>
+          </p:nvPr>
+        </p:nvSpPr>
+        <p:spPr/>
+        <p:txBody>
+          <a:bodyPr/>
+          <a:lstStyle/>
+          <a:p>
+            <a:fld id="{6BBF85C1-6754-4204-B548-F7F3F6EBC05E}" type="slidenum">
+              <a:rPr lang="en-US" smtClean="0"/>
+              <a:t>9</a:t>
+            </a:fld>
+            <a:endParaRPr lang="en-US"/>
+          </a:p>
+        </p:txBody>
+      </p:sp>
+    </p:spTree>
+    <p:extLst>
+      <p:ext uri="{BB962C8B-B14F-4D97-AF65-F5344CB8AC3E}">
+        <p14:creationId xmlns:p14="http://schemas.microsoft.com/office/powerpoint/2010/main" val="4070212383"/>
+      </p:ext>
+    </p:extLst>
+  </p:cSld>
+  <p:clrMapOvr>
+    <a:masterClrMapping/>
+  </p:clrMapOvr>
+</p:notes>
+</file>
+
 <file path=ppt/slideLayouts/slideLayout1.xml><?xml version="1.0" encoding="utf-8"?>
 <p:sldLayout xmlns:a="http://schemas.openxmlformats.org/drawingml/2006/main" xmlns:r="http://schemas.openxmlformats.org/officeDocument/2006/relationships" xmlns:p="http://schemas.openxmlformats.org/presentationml/2006/main" type="blank" preserve="1">
   <p:cSld name="Blank Slide">
@@ -3181,7 +3889,13 @@
           <p:nvPr/>
         </p:nvPicPr>
         <p:blipFill>
-          <a:blip r:embed="rId14"/>
+          <a:blip r:embed="rId14" cstate="screen">
+            <a:extLst>
+              <a:ext uri="{28A0092B-C50C-407E-A947-70E740481C1C}">
+                <a14:useLocalDpi xmlns:a14="http://schemas.microsoft.com/office/drawing/2010/main"/>
+              </a:ext>
+            </a:extLst>
+          </a:blip>
           <a:stretch/>
         </p:blipFill>
         <p:spPr>
@@ -3204,7 +3918,13 @@
           <p:nvPr/>
         </p:nvPicPr>
         <p:blipFill>
-          <a:blip r:embed="rId14"/>
+          <a:blip r:embed="rId14" cstate="screen">
+            <a:extLst>
+              <a:ext uri="{28A0092B-C50C-407E-A947-70E740481C1C}">
+                <a14:useLocalDpi xmlns:a14="http://schemas.microsoft.com/office/drawing/2010/main"/>
+              </a:ext>
+            </a:extLst>
+          </a:blip>
           <a:stretch/>
         </p:blipFill>
         <p:spPr>
@@ -3801,7 +4521,13 @@
           <p:nvPr/>
         </p:nvPicPr>
         <p:blipFill>
-          <a:blip r:embed="rId14"/>
+          <a:blip r:embed="rId14" cstate="screen">
+            <a:extLst>
+              <a:ext uri="{28A0092B-C50C-407E-A947-70E740481C1C}">
+                <a14:useLocalDpi xmlns:a14="http://schemas.microsoft.com/office/drawing/2010/main"/>
+              </a:ext>
+            </a:extLst>
+          </a:blip>
           <a:stretch/>
         </p:blipFill>
         <p:spPr>
@@ -4508,7 +5234,7 @@
           <a:blip r:embed="rId2">
             <a:extLst>
               <a:ext uri="{28A0092B-C50C-407E-A947-70E740481C1C}">
-                <a14:useLocalDpi xmlns:a14="http://schemas.microsoft.com/office/drawing/2010/main" val="0"/>
+                <a14:useLocalDpi xmlns:a14="http://schemas.microsoft.com/office/drawing/2010/main"/>
               </a:ext>
             </a:extLst>
           </a:blip>
@@ -4580,7 +5306,7 @@
       </p:grpSpPr>
       <p:sp>
         <p:nvSpPr>
-          <p:cNvPr id="132" name="CustomShape 1"/>
+          <p:cNvPr id="126" name="CustomShape 1"/>
           <p:cNvSpPr/>
           <p:nvPr/>
         </p:nvSpPr>
@@ -4619,24 +5345,20 @@
               </a:lnSpc>
             </a:pPr>
             <a:r>
-              <a:rPr lang="en-US" sz="2000" b="1" strike="noStrike" spc="-1" dirty="0">
+              <a:rPr lang="en-US" sz="2000" b="1" spc="-1" dirty="0">
                 <a:solidFill>
                   <a:srgbClr val="000000"/>
                 </a:solidFill>
-                <a:latin typeface="Arial"/>
-                <a:ea typeface="DejaVu Sans"/>
               </a:rPr>
-              <a:t>Booking System Part II</a:t>
+              <a:t>Booking System Part I</a:t>
             </a:r>
-            <a:endParaRPr lang="en-US" sz="2000" b="0" strike="noStrike" spc="-1" dirty="0">
-              <a:latin typeface="Arial"/>
-            </a:endParaRPr>
-          </a:p>
-        </p:txBody>
-      </p:sp>
-      <p:sp>
-        <p:nvSpPr>
-          <p:cNvPr id="133" name="CustomShape 2"/>
+            <a:endParaRPr lang="en-US" sz="2000" spc="-1" dirty="0"/>
+          </a:p>
+        </p:txBody>
+      </p:sp>
+      <p:sp>
+        <p:nvSpPr>
+          <p:cNvPr id="127" name="CustomShape 2"/>
           <p:cNvSpPr/>
           <p:nvPr/>
         </p:nvSpPr>
@@ -4693,7 +5415,7 @@
                 <a:latin typeface="Arial"/>
                 <a:ea typeface="DejaVu Sans"/>
               </a:rPr>
-              <a:t>Applicant gets a confirmation via mail</a:t>
+              <a:t> </a:t>
             </a:r>
             <a:endParaRPr lang="en-US" sz="2000" b="0" strike="noStrike" spc="-1" dirty="0">
               <a:highlight>
@@ -4702,45 +5424,11 @@
               <a:latin typeface="Arial"/>
             </a:endParaRPr>
           </a:p>
-          <a:p>
-            <a:pPr marL="343080" indent="-342000">
-              <a:lnSpc>
-                <a:spcPct val="115000"/>
-              </a:lnSpc>
-              <a:spcBef>
-                <a:spcPts val="1199"/>
-              </a:spcBef>
-              <a:buClr>
-                <a:srgbClr val="000000"/>
-              </a:buClr>
-              <a:buFont typeface="StarSymbol"/>
-              <a:buChar char="-"/>
-            </a:pPr>
-            <a:r>
-              <a:rPr lang="en-US" sz="2000" b="0" strike="noStrike" spc="-1" dirty="0">
-                <a:solidFill>
-                  <a:srgbClr val="000000"/>
-                </a:solidFill>
-                <a:highlight>
-                  <a:srgbClr val="FFFF00"/>
-                </a:highlight>
-                <a:latin typeface="Arial"/>
-                <a:ea typeface="DejaVu Sans"/>
-              </a:rPr>
-              <a:t>After applying the candidate gets access to a chatbot for a pre-interview</a:t>
-            </a:r>
-            <a:endParaRPr lang="en-US" sz="2000" b="0" strike="noStrike" spc="-1" dirty="0">
-              <a:highlight>
-                <a:srgbClr val="FFFF00"/>
-              </a:highlight>
-              <a:latin typeface="Arial"/>
-            </a:endParaRPr>
-          </a:p>
-        </p:txBody>
-      </p:sp>
-      <p:sp>
-        <p:nvSpPr>
-          <p:cNvPr id="134" name="CustomShape 3"/>
+        </p:txBody>
+      </p:sp>
+      <p:sp>
+        <p:nvSpPr>
+          <p:cNvPr id="128" name="CustomShape 3"/>
           <p:cNvSpPr/>
           <p:nvPr/>
         </p:nvSpPr>
@@ -4782,7 +5470,7 @@
       </p:sp>
       <p:sp>
         <p:nvSpPr>
-          <p:cNvPr id="135" name="CustomShape 4"/>
+          <p:cNvPr id="129" name="CustomShape 4"/>
           <p:cNvSpPr/>
           <p:nvPr/>
         </p:nvSpPr>
@@ -4834,7 +5522,7 @@
       </p:sp>
       <p:sp>
         <p:nvSpPr>
-          <p:cNvPr id="136" name="CustomShape 5"/>
+          <p:cNvPr id="130" name="CustomShape 5"/>
           <p:cNvSpPr/>
           <p:nvPr/>
         </p:nvSpPr>
@@ -4872,7 +5560,7 @@
                 <a:spcPct val="100000"/>
               </a:lnSpc>
             </a:pPr>
-            <a:fld id="{25BD2B6A-AE73-45A3-B4F5-99A4645FF74C}" type="slidenum">
+            <a:fld id="{676B624C-CA6C-47FB-8CC0-33C7E2E24C74}" type="slidenum">
               <a:rPr lang="en-US" sz="1200" b="0" strike="noStrike" spc="-1">
                 <a:solidFill>
                   <a:srgbClr val="000000"/>
@@ -4888,29 +5576,6 @@
           </a:p>
         </p:txBody>
       </p:sp>
-      <p:pic>
-        <p:nvPicPr>
-          <p:cNvPr id="137" name="Grafik 130"/>
-          <p:cNvPicPr/>
-          <p:nvPr/>
-        </p:nvPicPr>
-        <p:blipFill>
-          <a:blip r:embed="rId2"/>
-          <a:stretch/>
-        </p:blipFill>
-        <p:spPr>
-          <a:xfrm>
-            <a:off x="1937520" y="3451680"/>
-            <a:ext cx="6810840" cy="3208320"/>
-          </a:xfrm>
-          <a:prstGeom prst="rect">
-            <a:avLst/>
-          </a:prstGeom>
-          <a:ln>
-            <a:noFill/>
-          </a:ln>
-        </p:spPr>
-      </p:pic>
     </p:spTree>
   </p:cSld>
   <p:clrMapOvr>
@@ -5715,8 +6380,8 @@
         </p:nvSpPr>
         <p:spPr>
           <a:xfrm>
-            <a:off x="731520" y="2103120"/>
-            <a:ext cx="9212760" cy="1813680"/>
+            <a:off x="731520" y="2103119"/>
+            <a:ext cx="9212760" cy="2568271"/>
           </a:xfrm>
           <a:prstGeom prst="rect">
             <a:avLst/>
@@ -5872,7 +6537,7 @@
                   <a:srgbClr val="000000"/>
                 </a:solidFill>
               </a:rPr>
-              <a:t>Implementation of a booking system to minimize the coordination effort</a:t>
+              <a:t>Implementation of a booking system and automated E-Mail communication to minimize coordination effort</a:t>
             </a:r>
             <a:endParaRPr lang="en-US" sz="2000" b="0" strike="noStrike" spc="-1" dirty="0">
               <a:latin typeface="Arial"/>
@@ -6912,162 +7577,7 @@
                 <a:latin typeface="Arial"/>
                 <a:ea typeface="DejaVu Sans"/>
               </a:rPr>
-              <a:t>Evaluating the potential for automation</a:t>
-            </a:r>
-            <a:endParaRPr lang="en-US" sz="2000" b="0" strike="noStrike" spc="-1" dirty="0">
-              <a:highlight>
-                <a:srgbClr val="FFFF00"/>
-              </a:highlight>
-              <a:latin typeface="Arial"/>
-            </a:endParaRPr>
-          </a:p>
-          <a:p>
-            <a:pPr>
-              <a:lnSpc>
-                <a:spcPct val="115000"/>
-              </a:lnSpc>
-              <a:spcBef>
-                <a:spcPts val="1199"/>
-              </a:spcBef>
-            </a:pPr>
-            <a:endParaRPr lang="en-US" sz="2000" b="0" strike="noStrike" spc="-1" dirty="0">
-              <a:highlight>
-                <a:srgbClr val="FFFF00"/>
-              </a:highlight>
-              <a:latin typeface="Arial"/>
-            </a:endParaRPr>
-          </a:p>
-          <a:p>
-            <a:pPr marL="343080" indent="-342000">
-              <a:lnSpc>
-                <a:spcPct val="115000"/>
-              </a:lnSpc>
-              <a:spcBef>
-                <a:spcPts val="1199"/>
-              </a:spcBef>
-              <a:buClr>
-                <a:srgbClr val="000000"/>
-              </a:buClr>
-              <a:buFont typeface="StarSymbol"/>
-              <a:buChar char="-"/>
-            </a:pPr>
-            <a:r>
-              <a:rPr lang="en-US" sz="2000" b="0" strike="noStrike" spc="-1" dirty="0">
-                <a:solidFill>
-                  <a:srgbClr val="000000"/>
-                </a:solidFill>
-                <a:highlight>
-                  <a:srgbClr val="FFFF00"/>
-                </a:highlight>
-                <a:latin typeface="Arial"/>
-                <a:ea typeface="DejaVu Sans"/>
-              </a:rPr>
-              <a:t>Focus on application part of the whole process</a:t>
-            </a:r>
-            <a:endParaRPr lang="en-US" sz="2000" b="0" strike="noStrike" spc="-1" dirty="0">
-              <a:highlight>
-                <a:srgbClr val="FFFF00"/>
-              </a:highlight>
-              <a:latin typeface="Arial"/>
-            </a:endParaRPr>
-          </a:p>
-          <a:p>
-            <a:pPr marL="432000" lvl="1" indent="-215640">
-              <a:lnSpc>
-                <a:spcPct val="115000"/>
-              </a:lnSpc>
-              <a:spcBef>
-                <a:spcPts val="1199"/>
-              </a:spcBef>
-              <a:buClr>
-                <a:srgbClr val="000000"/>
-              </a:buClr>
-              <a:buSzPct val="45000"/>
-              <a:buFont typeface="Wingdings" charset="2"/>
-              <a:buChar char=""/>
-            </a:pPr>
-            <a:r>
-              <a:rPr lang="en-US" sz="2000" b="0" strike="noStrike" spc="-1" dirty="0">
-                <a:solidFill>
-                  <a:srgbClr val="000000"/>
-                </a:solidFill>
-                <a:highlight>
-                  <a:srgbClr val="FFFF00"/>
-                </a:highlight>
-                <a:latin typeface="Arial"/>
-                <a:ea typeface="DejaVu Sans"/>
-              </a:rPr>
-              <a:t>Lots of repetition</a:t>
-            </a:r>
-            <a:endParaRPr lang="en-US" sz="2000" b="0" strike="noStrike" spc="-1" dirty="0">
-              <a:highlight>
-                <a:srgbClr val="FFFF00"/>
-              </a:highlight>
-              <a:latin typeface="Arial"/>
-            </a:endParaRPr>
-          </a:p>
-          <a:p>
-            <a:pPr marL="432000" lvl="1" indent="-215640">
-              <a:lnSpc>
-                <a:spcPct val="115000"/>
-              </a:lnSpc>
-              <a:spcBef>
-                <a:spcPts val="1199"/>
-              </a:spcBef>
-              <a:buClr>
-                <a:srgbClr val="000000"/>
-              </a:buClr>
-              <a:buSzPct val="45000"/>
-              <a:buFont typeface="Wingdings" charset="2"/>
-              <a:buChar char=""/>
-            </a:pPr>
-            <a:r>
-              <a:rPr lang="en-US" sz="2000" b="0" strike="noStrike" spc="-1" dirty="0">
-                <a:solidFill>
-                  <a:srgbClr val="000000"/>
-                </a:solidFill>
-                <a:highlight>
-                  <a:srgbClr val="FFFF00"/>
-                </a:highlight>
-                <a:latin typeface="Arial"/>
-                <a:ea typeface="DejaVu Sans"/>
-              </a:rPr>
-              <a:t>Most used steps of the process</a:t>
-            </a:r>
-            <a:endParaRPr lang="en-US" sz="2000" b="0" strike="noStrike" spc="-1" dirty="0">
-              <a:highlight>
-                <a:srgbClr val="FFFF00"/>
-              </a:highlight>
-              <a:latin typeface="Arial"/>
-            </a:endParaRPr>
-          </a:p>
-          <a:p>
-            <a:pPr marL="432000" lvl="1" indent="-215640">
-              <a:lnSpc>
-                <a:spcPct val="115000"/>
-              </a:lnSpc>
-              <a:spcBef>
-                <a:spcPts val="1199"/>
-              </a:spcBef>
-              <a:buClr>
-                <a:srgbClr val="000000"/>
-              </a:buClr>
-              <a:buSzPct val="45000"/>
-              <a:buFont typeface="Wingdings" charset="2"/>
-              <a:buChar char=""/>
-            </a:pPr>
-            <a:r>
-              <a:rPr lang="en-US" sz="2000" b="0" strike="noStrike" spc="-1" dirty="0">
-                <a:solidFill>
-                  <a:srgbClr val="000000"/>
-                </a:solidFill>
-                <a:highlight>
-                  <a:srgbClr val="FFFF00"/>
-                </a:highlight>
-                <a:latin typeface="Arial"/>
-                <a:ea typeface="DejaVu Sans"/>
-              </a:rPr>
-              <a:t>Limited potential for automation in later parts of the recruitment </a:t>
+              <a:t> </a:t>
             </a:r>
             <a:endParaRPr lang="en-US" sz="2000" b="0" strike="noStrike" spc="-1" dirty="0">
               <a:highlight>
@@ -7241,29 +7751,6 @@
           </a:p>
         </p:txBody>
       </p:sp>
-      <p:pic>
-        <p:nvPicPr>
-          <p:cNvPr id="118" name="Grafik 117"/>
-          <p:cNvPicPr/>
-          <p:nvPr/>
-        </p:nvPicPr>
-        <p:blipFill>
-          <a:blip r:embed="rId2"/>
-          <a:stretch/>
-        </p:blipFill>
-        <p:spPr>
-          <a:xfrm>
-            <a:off x="4173480" y="2103120"/>
-            <a:ext cx="6158880" cy="4397760"/>
-          </a:xfrm>
-          <a:prstGeom prst="rect">
-            <a:avLst/>
-          </a:prstGeom>
-          <a:ln>
-            <a:noFill/>
-          </a:ln>
-        </p:spPr>
-      </p:pic>
       <p:sp>
         <p:nvSpPr>
           <p:cNvPr id="119" name="CustomShape 6"/>
@@ -7550,7 +8037,7 @@
                 <a:latin typeface="Arial"/>
                 <a:ea typeface="DejaVu Sans"/>
               </a:rPr>
-              <a:t>Starting point (Pooja)</a:t>
+              <a:t>Posting Job Ad(Pooja)</a:t>
             </a:r>
             <a:endParaRPr lang="en-US" sz="2000" b="0" strike="noStrike" spc="-1" dirty="0">
               <a:latin typeface="Arial"/>
@@ -7592,40 +8079,6 @@
         <p:txBody>
           <a:bodyPr lIns="0" tIns="0" rIns="0" bIns="0"/>
           <a:lstStyle/>
-          <a:p>
-            <a:pPr marL="343080" indent="-342000">
-              <a:lnSpc>
-                <a:spcPct val="115000"/>
-              </a:lnSpc>
-              <a:spcBef>
-                <a:spcPts val="1199"/>
-              </a:spcBef>
-              <a:buClr>
-                <a:srgbClr val="000000"/>
-              </a:buClr>
-              <a:buFont typeface="StarSymbol"/>
-              <a:buChar char="-"/>
-            </a:pPr>
-            <a:r>
-              <a:rPr lang="en-US" sz="2000" b="0" strike="noStrike" spc="-1" dirty="0">
-                <a:solidFill>
-                  <a:srgbClr val="000000"/>
-                </a:solidFill>
-                <a:highlight>
-                  <a:srgbClr val="FFFF00"/>
-                </a:highlight>
-                <a:latin typeface="Arial"/>
-                <a:ea typeface="DejaVu Sans"/>
-              </a:rPr>
-              <a:t>Applicants can apply via LinkedIn form</a:t>
-            </a:r>
-            <a:endParaRPr lang="en-US" sz="2000" b="0" strike="noStrike" spc="-1" dirty="0">
-              <a:highlight>
-                <a:srgbClr val="FFFF00"/>
-              </a:highlight>
-              <a:latin typeface="Arial"/>
-            </a:endParaRPr>
-          </a:p>
           <a:p>
             <a:pPr>
               <a:lnSpc>
@@ -7636,134 +8089,11 @@
               </a:spcBef>
             </a:pPr>
             <a:endParaRPr lang="en-US" sz="2000" b="0" strike="noStrike" spc="-1" dirty="0">
-              <a:highlight>
-                <a:srgbClr val="FFFF00"/>
-              </a:highlight>
-              <a:latin typeface="Arial"/>
-            </a:endParaRPr>
-          </a:p>
-          <a:p>
-            <a:pPr marL="343080" indent="-342000">
-              <a:lnSpc>
-                <a:spcPct val="100000"/>
-              </a:lnSpc>
-              <a:spcBef>
-                <a:spcPts val="1134"/>
-              </a:spcBef>
-              <a:buClr>
-                <a:srgbClr val="000000"/>
-              </a:buClr>
-              <a:buFont typeface="StarSymbol"/>
-              <a:buChar char="-"/>
-            </a:pPr>
-            <a:r>
-              <a:rPr lang="en-US" sz="2000" b="0" strike="noStrike" spc="-1" dirty="0">
-                <a:solidFill>
-                  <a:srgbClr val="000000"/>
-                </a:solidFill>
-                <a:highlight>
-                  <a:srgbClr val="FFFF00"/>
-                </a:highlight>
-                <a:latin typeface="Arial"/>
-                <a:ea typeface="DejaVu Sans"/>
-              </a:rPr>
-              <a:t>Ensure getting a complete application by labeling the fields as mandatory</a:t>
-            </a:r>
-            <a:endParaRPr lang="en-US" sz="2000" b="0" strike="noStrike" spc="-1" dirty="0">
-              <a:highlight>
-                <a:srgbClr val="FFFF00"/>
-              </a:highlight>
-              <a:latin typeface="Arial"/>
-            </a:endParaRPr>
-          </a:p>
-          <a:p>
-            <a:pPr>
-              <a:lnSpc>
-                <a:spcPct val="100000"/>
-              </a:lnSpc>
-              <a:spcBef>
-                <a:spcPts val="1134"/>
-              </a:spcBef>
-            </a:pPr>
-            <a:endParaRPr lang="en-US" sz="2000" b="0" strike="noStrike" spc="-1" dirty="0">
-              <a:highlight>
-                <a:srgbClr val="FFFF00"/>
-              </a:highlight>
-              <a:latin typeface="Arial"/>
-            </a:endParaRPr>
-          </a:p>
-          <a:p>
-            <a:pPr marL="343080" indent="-342000">
-              <a:lnSpc>
-                <a:spcPct val="100000"/>
-              </a:lnSpc>
-              <a:spcBef>
-                <a:spcPts val="1134"/>
-              </a:spcBef>
-              <a:buClr>
-                <a:srgbClr val="000000"/>
-              </a:buClr>
-              <a:buFont typeface="StarSymbol"/>
-              <a:buChar char="-"/>
-            </a:pPr>
-            <a:r>
-              <a:rPr lang="en-US" sz="2000" b="0" strike="noStrike" spc="-1" dirty="0">
-                <a:solidFill>
-                  <a:srgbClr val="000000"/>
-                </a:solidFill>
-                <a:highlight>
-                  <a:srgbClr val="FFFF00"/>
-                </a:highlight>
-                <a:latin typeface="Arial"/>
-                <a:ea typeface="DejaVu Sans"/>
-              </a:rPr>
-              <a:t>Application with attachments gets automatically transferred to a storage and a database is updated with the new entries to the storage</a:t>
-            </a:r>
-            <a:endParaRPr lang="en-US" sz="2000" b="0" strike="noStrike" spc="-1" dirty="0">
-              <a:highlight>
-                <a:srgbClr val="FFFF00"/>
-              </a:highlight>
-              <a:latin typeface="Arial"/>
-            </a:endParaRPr>
-          </a:p>
-          <a:p>
-            <a:pPr>
-              <a:lnSpc>
-                <a:spcPct val="115000"/>
-              </a:lnSpc>
-              <a:spcBef>
-                <a:spcPts val="1199"/>
-              </a:spcBef>
-            </a:pPr>
-            <a:endParaRPr lang="en-US" sz="2000" b="0" strike="noStrike" spc="-1" dirty="0">
-              <a:latin typeface="Arial"/>
-            </a:endParaRPr>
-          </a:p>
-        </p:txBody>
-      </p:sp>
-      <p:pic>
-        <p:nvPicPr>
-          <p:cNvPr id="125" name="Grafik 124"/>
-          <p:cNvPicPr/>
-          <p:nvPr/>
-        </p:nvPicPr>
-        <p:blipFill>
-          <a:blip r:embed="rId2"/>
-          <a:stretch/>
-        </p:blipFill>
-        <p:spPr>
-          <a:xfrm>
-            <a:off x="6568560" y="548640"/>
-            <a:ext cx="3398040" cy="6474960"/>
-          </a:xfrm>
-          <a:prstGeom prst="rect">
-            <a:avLst/>
-          </a:prstGeom>
-          <a:ln>
-            <a:noFill/>
-          </a:ln>
-        </p:spPr>
-      </p:pic>
+              <a:latin typeface="Arial"/>
+            </a:endParaRPr>
+          </a:p>
+        </p:txBody>
+      </p:sp>
     </p:spTree>
   </p:cSld>
   <p:clrMapOvr>
@@ -8710,14 +9040,14 @@
       </p:grpSpPr>
       <p:sp>
         <p:nvSpPr>
-          <p:cNvPr id="126" name="CustomShape 1"/>
+          <p:cNvPr id="120" name="CustomShape 1"/>
           <p:cNvSpPr/>
           <p:nvPr/>
         </p:nvSpPr>
         <p:spPr>
           <a:xfrm>
-            <a:off x="736560" y="1509840"/>
-            <a:ext cx="9212760" cy="360720"/>
+            <a:off x="8221680" y="7197840"/>
+            <a:ext cx="864000" cy="178200"/>
           </a:xfrm>
           <a:prstGeom prst="rect">
             <a:avLst/>
@@ -8740,196 +9070,6 @@
           <a:fontRef idx="minor"/>
         </p:style>
         <p:txBody>
-          <a:bodyPr lIns="0" tIns="0" rIns="0" bIns="0"/>
-          <a:lstStyle/>
-          <a:p>
-            <a:pPr>
-              <a:lnSpc>
-                <a:spcPct val="100000"/>
-              </a:lnSpc>
-            </a:pPr>
-            <a:r>
-              <a:rPr lang="en-US" sz="2000" b="1" spc="-1" dirty="0">
-                <a:solidFill>
-                  <a:srgbClr val="000000"/>
-                </a:solidFill>
-              </a:rPr>
-              <a:t>Booking System Part I</a:t>
-            </a:r>
-            <a:endParaRPr lang="en-US" sz="2000" spc="-1" dirty="0"/>
-          </a:p>
-        </p:txBody>
-      </p:sp>
-      <p:sp>
-        <p:nvSpPr>
-          <p:cNvPr id="127" name="CustomShape 2"/>
-          <p:cNvSpPr/>
-          <p:nvPr/>
-        </p:nvSpPr>
-        <p:spPr>
-          <a:xfrm>
-            <a:off x="738360" y="2197080"/>
-            <a:ext cx="9212760" cy="4462920"/>
-          </a:xfrm>
-          <a:prstGeom prst="rect">
-            <a:avLst/>
-          </a:prstGeom>
-          <a:noFill/>
-          <a:ln>
-            <a:noFill/>
-          </a:ln>
-        </p:spPr>
-        <p:style>
-          <a:lnRef idx="0">
-            <a:scrgbClr r="0" g="0" b="0"/>
-          </a:lnRef>
-          <a:fillRef idx="0">
-            <a:scrgbClr r="0" g="0" b="0"/>
-          </a:fillRef>
-          <a:effectRef idx="0">
-            <a:scrgbClr r="0" g="0" b="0"/>
-          </a:effectRef>
-          <a:fontRef idx="minor"/>
-        </p:style>
-        <p:txBody>
-          <a:bodyPr lIns="0" tIns="0" rIns="0" bIns="0"/>
-          <a:lstStyle/>
-          <a:p>
-            <a:pPr marL="343080" indent="-342000">
-              <a:lnSpc>
-                <a:spcPct val="115000"/>
-              </a:lnSpc>
-              <a:spcBef>
-                <a:spcPts val="1199"/>
-              </a:spcBef>
-              <a:buClr>
-                <a:srgbClr val="000000"/>
-              </a:buClr>
-              <a:buFont typeface="StarSymbol"/>
-              <a:buChar char="-"/>
-            </a:pPr>
-            <a:r>
-              <a:rPr lang="en-US" sz="2000" b="0" strike="noStrike" spc="-1" dirty="0">
-                <a:solidFill>
-                  <a:srgbClr val="000000"/>
-                </a:solidFill>
-                <a:highlight>
-                  <a:srgbClr val="FFFF00"/>
-                </a:highlight>
-                <a:latin typeface="Arial"/>
-                <a:ea typeface="DejaVu Sans"/>
-              </a:rPr>
-              <a:t>Job postings are added as cards in Trello</a:t>
-            </a:r>
-            <a:endParaRPr lang="en-US" sz="2000" b="0" strike="noStrike" spc="-1" dirty="0">
-              <a:highlight>
-                <a:srgbClr val="FFFF00"/>
-              </a:highlight>
-              <a:latin typeface="Arial"/>
-            </a:endParaRPr>
-          </a:p>
-          <a:p>
-            <a:pPr marL="343080" indent="-342000">
-              <a:lnSpc>
-                <a:spcPct val="115000"/>
-              </a:lnSpc>
-              <a:spcBef>
-                <a:spcPts val="1199"/>
-              </a:spcBef>
-              <a:buClr>
-                <a:srgbClr val="000000"/>
-              </a:buClr>
-              <a:buFont typeface="StarSymbol"/>
-              <a:buChar char="-"/>
-            </a:pPr>
-            <a:r>
-              <a:rPr lang="en-US" sz="2000" b="0" strike="noStrike" spc="-1" dirty="0">
-                <a:solidFill>
-                  <a:srgbClr val="000000"/>
-                </a:solidFill>
-                <a:highlight>
-                  <a:srgbClr val="FFFF00"/>
-                </a:highlight>
-                <a:latin typeface="Arial"/>
-                <a:ea typeface="DejaVu Sans"/>
-              </a:rPr>
-              <a:t>New posting gets written in a Google-sheet</a:t>
-            </a:r>
-            <a:endParaRPr lang="en-US" sz="2000" b="0" strike="noStrike" spc="-1" dirty="0">
-              <a:highlight>
-                <a:srgbClr val="FFFF00"/>
-              </a:highlight>
-              <a:latin typeface="Arial"/>
-            </a:endParaRPr>
-          </a:p>
-          <a:p>
-            <a:pPr marL="800280" lvl="1" indent="-342000">
-              <a:lnSpc>
-                <a:spcPct val="115000"/>
-              </a:lnSpc>
-              <a:spcBef>
-                <a:spcPts val="1199"/>
-              </a:spcBef>
-              <a:buClr>
-                <a:srgbClr val="000000"/>
-              </a:buClr>
-              <a:buFont typeface="StarSymbol"/>
-              <a:buChar char="-"/>
-            </a:pPr>
-            <a:r>
-              <a:rPr lang="en-US" sz="2000" b="0" strike="noStrike" spc="-1" dirty="0">
-                <a:solidFill>
-                  <a:srgbClr val="000000"/>
-                </a:solidFill>
-                <a:highlight>
-                  <a:srgbClr val="FFFF00"/>
-                </a:highlight>
-                <a:latin typeface="Arial"/>
-                <a:ea typeface="DejaVu Sans"/>
-              </a:rPr>
-              <a:t>Connected to the form for applicants</a:t>
-            </a:r>
-            <a:endParaRPr lang="en-US" sz="2000" b="0" strike="noStrike" spc="-1" dirty="0">
-              <a:highlight>
-                <a:srgbClr val="FFFF00"/>
-              </a:highlight>
-              <a:latin typeface="Arial"/>
-            </a:endParaRPr>
-          </a:p>
-        </p:txBody>
-      </p:sp>
-      <p:sp>
-        <p:nvSpPr>
-          <p:cNvPr id="128" name="CustomShape 3"/>
-          <p:cNvSpPr/>
-          <p:nvPr/>
-        </p:nvSpPr>
-        <p:spPr>
-          <a:xfrm>
-            <a:off x="8221680" y="7197840"/>
-            <a:ext cx="864000" cy="178200"/>
-          </a:xfrm>
-          <a:prstGeom prst="rect">
-            <a:avLst/>
-          </a:prstGeom>
-          <a:noFill/>
-          <a:ln>
-            <a:noFill/>
-          </a:ln>
-        </p:spPr>
-        <p:style>
-          <a:lnRef idx="0">
-            <a:scrgbClr r="0" g="0" b="0"/>
-          </a:lnRef>
-          <a:fillRef idx="0">
-            <a:scrgbClr r="0" g="0" b="0"/>
-          </a:fillRef>
-          <a:effectRef idx="0">
-            <a:scrgbClr r="0" g="0" b="0"/>
-          </a:effectRef>
-          <a:fontRef idx="minor"/>
-        </p:style>
-        <p:txBody>
           <a:bodyPr lIns="0" tIns="0" rIns="0" bIns="0" anchor="b"/>
           <a:lstStyle/>
           <a:p>
@@ -8942,7 +9082,7 @@
       </p:sp>
       <p:sp>
         <p:nvSpPr>
-          <p:cNvPr id="129" name="CustomShape 4"/>
+          <p:cNvPr id="121" name="CustomShape 2"/>
           <p:cNvSpPr/>
           <p:nvPr/>
         </p:nvSpPr>
@@ -8994,7 +9134,7 @@
       </p:sp>
       <p:sp>
         <p:nvSpPr>
-          <p:cNvPr id="130" name="CustomShape 5"/>
+          <p:cNvPr id="122" name="CustomShape 3"/>
           <p:cNvSpPr/>
           <p:nvPr/>
         </p:nvSpPr>
@@ -9032,7 +9172,7 @@
                 <a:spcPct val="100000"/>
               </a:lnSpc>
             </a:pPr>
-            <a:fld id="{676B624C-CA6C-47FB-8CC0-33C7E2E24C74}" type="slidenum">
+            <a:fld id="{EAB2E0A4-FCFB-4840-AF8A-F87D75DA6E48}" type="slidenum">
               <a:rPr lang="en-US" sz="1200" b="0" strike="noStrike" spc="-1">
                 <a:solidFill>
                   <a:srgbClr val="000000"/>
@@ -9048,30 +9188,445 @@
           </a:p>
         </p:txBody>
       </p:sp>
-      <p:pic>
-        <p:nvPicPr>
-          <p:cNvPr id="131" name="Grafik 1"/>
-          <p:cNvPicPr/>
+      <p:sp>
+        <p:nvSpPr>
+          <p:cNvPr id="123" name="CustomShape 4"/>
+          <p:cNvSpPr/>
           <p:nvPr/>
-        </p:nvPicPr>
-        <p:blipFill>
-          <a:blip r:embed="rId2"/>
-          <a:stretch/>
-        </p:blipFill>
-        <p:spPr>
-          <a:xfrm>
-            <a:off x="1927800" y="3964680"/>
-            <a:ext cx="6830280" cy="2964240"/>
-          </a:xfrm>
-          <a:prstGeom prst="rect">
-            <a:avLst/>
-          </a:prstGeom>
+        </p:nvSpPr>
+        <p:spPr>
+          <a:xfrm>
+            <a:off x="736560" y="1509840"/>
+            <a:ext cx="9212760" cy="360720"/>
+          </a:xfrm>
+          <a:prstGeom prst="rect">
+            <a:avLst/>
+          </a:prstGeom>
+          <a:noFill/>
           <a:ln>
             <a:noFill/>
           </a:ln>
         </p:spPr>
+        <p:style>
+          <a:lnRef idx="0">
+            <a:scrgbClr r="0" g="0" b="0"/>
+          </a:lnRef>
+          <a:fillRef idx="0">
+            <a:scrgbClr r="0" g="0" b="0"/>
+          </a:fillRef>
+          <a:effectRef idx="0">
+            <a:scrgbClr r="0" g="0" b="0"/>
+          </a:effectRef>
+          <a:fontRef idx="minor"/>
+        </p:style>
+        <p:txBody>
+          <a:bodyPr lIns="0" tIns="0" rIns="0" bIns="0"/>
+          <a:lstStyle/>
+          <a:p>
+            <a:pPr>
+              <a:lnSpc>
+                <a:spcPct val="100000"/>
+              </a:lnSpc>
+            </a:pPr>
+            <a:r>
+              <a:rPr lang="en-US" sz="2000" b="1" spc="-1" dirty="0">
+                <a:solidFill>
+                  <a:srgbClr val="000000"/>
+                </a:solidFill>
+                <a:latin typeface="Arial"/>
+              </a:rPr>
+              <a:t>Automated E-Mail communication</a:t>
+            </a:r>
+            <a:endParaRPr lang="en-US" sz="2000" b="0" strike="noStrike" spc="-1" dirty="0">
+              <a:latin typeface="Arial"/>
+            </a:endParaRPr>
+          </a:p>
+        </p:txBody>
+      </p:sp>
+      <p:sp>
+        <p:nvSpPr>
+          <p:cNvPr id="124" name="CustomShape 5"/>
+          <p:cNvSpPr/>
+          <p:nvPr/>
+        </p:nvSpPr>
+        <p:spPr>
+          <a:xfrm>
+            <a:off x="731520" y="2103120"/>
+            <a:ext cx="4516341" cy="4754520"/>
+          </a:xfrm>
+          <a:prstGeom prst="rect">
+            <a:avLst/>
+          </a:prstGeom>
+          <a:noFill/>
+          <a:ln>
+            <a:noFill/>
+          </a:ln>
+        </p:spPr>
+        <p:style>
+          <a:lnRef idx="0">
+            <a:scrgbClr r="0" g="0" b="0"/>
+          </a:lnRef>
+          <a:fillRef idx="0">
+            <a:scrgbClr r="0" g="0" b="0"/>
+          </a:fillRef>
+          <a:effectRef idx="0">
+            <a:scrgbClr r="0" g="0" b="0"/>
+          </a:effectRef>
+          <a:fontRef idx="minor"/>
+        </p:style>
+        <p:txBody>
+          <a:bodyPr lIns="0" tIns="0" rIns="0" bIns="0"/>
+          <a:lstStyle/>
+          <a:p>
+            <a:pPr marL="343080" indent="-342000">
+              <a:lnSpc>
+                <a:spcPct val="115000"/>
+              </a:lnSpc>
+              <a:spcBef>
+                <a:spcPts val="1199"/>
+              </a:spcBef>
+              <a:buClr>
+                <a:srgbClr val="000000"/>
+              </a:buClr>
+              <a:buFont typeface="StarSymbol"/>
+              <a:buChar char="-"/>
+            </a:pPr>
+            <a:r>
+              <a:rPr lang="en-US" sz="2000" spc="-1" dirty="0">
+                <a:solidFill>
+                  <a:srgbClr val="000000"/>
+                </a:solidFill>
+                <a:latin typeface="Arial"/>
+              </a:rPr>
+              <a:t>Confirmation of reception</a:t>
+            </a:r>
+          </a:p>
+          <a:p>
+            <a:pPr marL="343080" indent="-342000">
+              <a:lnSpc>
+                <a:spcPct val="115000"/>
+              </a:lnSpc>
+              <a:spcBef>
+                <a:spcPts val="1199"/>
+              </a:spcBef>
+              <a:buClr>
+                <a:srgbClr val="000000"/>
+              </a:buClr>
+              <a:buFont typeface="StarSymbol"/>
+              <a:buChar char="-"/>
+            </a:pPr>
+            <a:r>
+              <a:rPr lang="en-US" sz="2000" b="0" strike="noStrike" spc="-1" dirty="0">
+                <a:solidFill>
+                  <a:srgbClr val="000000"/>
+                </a:solidFill>
+                <a:latin typeface="Arial"/>
+              </a:rPr>
+              <a:t>Invitation to interview (via booking system)</a:t>
+            </a:r>
+          </a:p>
+          <a:p>
+            <a:pPr marL="343080" indent="-342000">
+              <a:lnSpc>
+                <a:spcPct val="115000"/>
+              </a:lnSpc>
+              <a:spcBef>
+                <a:spcPts val="1199"/>
+              </a:spcBef>
+              <a:buClr>
+                <a:srgbClr val="000000"/>
+              </a:buClr>
+              <a:buFont typeface="StarSymbol"/>
+              <a:buChar char="-"/>
+            </a:pPr>
+            <a:r>
+              <a:rPr lang="en-US" sz="2000" b="0" strike="noStrike" spc="-1" dirty="0">
+                <a:solidFill>
+                  <a:srgbClr val="000000"/>
+                </a:solidFill>
+                <a:latin typeface="Arial"/>
+              </a:rPr>
+              <a:t>Apology letter</a:t>
+            </a:r>
+          </a:p>
+          <a:p>
+            <a:pPr marL="343080" indent="-342000">
+              <a:lnSpc>
+                <a:spcPct val="115000"/>
+              </a:lnSpc>
+              <a:spcBef>
+                <a:spcPts val="1199"/>
+              </a:spcBef>
+              <a:buClr>
+                <a:srgbClr val="000000"/>
+              </a:buClr>
+              <a:buFont typeface="StarSymbol"/>
+              <a:buChar char="-"/>
+            </a:pPr>
+            <a:endParaRPr lang="en-US" sz="2000" spc="-1" dirty="0">
+              <a:solidFill>
+                <a:srgbClr val="000000"/>
+              </a:solidFill>
+              <a:latin typeface="Arial"/>
+            </a:endParaRPr>
+          </a:p>
+          <a:p>
+            <a:pPr marL="343080" indent="-342000">
+              <a:lnSpc>
+                <a:spcPct val="115000"/>
+              </a:lnSpc>
+              <a:spcBef>
+                <a:spcPts val="1199"/>
+              </a:spcBef>
+              <a:buClr>
+                <a:srgbClr val="000000"/>
+              </a:buClr>
+              <a:buFont typeface="StarSymbol"/>
+              <a:buChar char="-"/>
+            </a:pPr>
+            <a:r>
+              <a:rPr lang="en-US" sz="2000" b="0" strike="noStrike" spc="-1" dirty="0">
+                <a:solidFill>
+                  <a:srgbClr val="000000"/>
+                </a:solidFill>
+                <a:latin typeface="Arial"/>
+              </a:rPr>
+              <a:t>Based on </a:t>
+            </a:r>
+            <a:r>
+              <a:rPr lang="en-US" sz="2000" b="0" strike="noStrike" spc="-1" dirty="0" err="1">
+                <a:solidFill>
+                  <a:srgbClr val="000000"/>
+                </a:solidFill>
+                <a:latin typeface="Arial"/>
+              </a:rPr>
+              <a:t>dialogflow</a:t>
+            </a:r>
+            <a:r>
+              <a:rPr lang="en-US" sz="2000" b="0" strike="noStrike" spc="-1" dirty="0">
+                <a:solidFill>
+                  <a:srgbClr val="000000"/>
+                </a:solidFill>
+                <a:latin typeface="Arial"/>
+              </a:rPr>
+              <a:t> &amp; </a:t>
+            </a:r>
+            <a:r>
+              <a:rPr lang="en-US" sz="2000" b="0" strike="noStrike" spc="-1" dirty="0" err="1">
+                <a:solidFill>
+                  <a:srgbClr val="000000"/>
+                </a:solidFill>
+                <a:latin typeface="Arial"/>
+              </a:rPr>
+              <a:t>dmn</a:t>
+            </a:r>
+            <a:r>
+              <a:rPr lang="en-US" sz="2000" b="0" strike="noStrike" spc="-1" dirty="0">
+                <a:solidFill>
+                  <a:srgbClr val="000000"/>
+                </a:solidFill>
+                <a:latin typeface="Arial"/>
+              </a:rPr>
+              <a:t> output</a:t>
+            </a:r>
+          </a:p>
+          <a:p>
+            <a:pPr marL="343080" indent="-342000">
+              <a:lnSpc>
+                <a:spcPct val="115000"/>
+              </a:lnSpc>
+              <a:spcBef>
+                <a:spcPts val="1199"/>
+              </a:spcBef>
+              <a:buClr>
+                <a:srgbClr val="000000"/>
+              </a:buClr>
+              <a:buFont typeface="StarSymbol"/>
+              <a:buChar char="-"/>
+            </a:pPr>
+            <a:r>
+              <a:rPr lang="en-US" sz="2000" spc="-1" dirty="0" err="1">
+                <a:solidFill>
+                  <a:srgbClr val="000000"/>
+                </a:solidFill>
+                <a:latin typeface="Arial"/>
+              </a:rPr>
+              <a:t>Integromat</a:t>
+            </a:r>
+            <a:r>
+              <a:rPr lang="en-US" sz="2000" spc="-1" dirty="0">
+                <a:solidFill>
+                  <a:srgbClr val="000000"/>
+                </a:solidFill>
+                <a:latin typeface="Arial"/>
+              </a:rPr>
+              <a:t> scenarios</a:t>
+            </a:r>
+            <a:endParaRPr lang="en-US" sz="2000" b="0" strike="noStrike" spc="-1" dirty="0">
+              <a:solidFill>
+                <a:srgbClr val="000000"/>
+              </a:solidFill>
+              <a:latin typeface="Arial"/>
+            </a:endParaRPr>
+          </a:p>
+        </p:txBody>
+      </p:sp>
+      <p:grpSp>
+        <p:nvGrpSpPr>
+          <p:cNvPr id="6" name="Gruppieren 5">
+            <a:extLst>
+              <a:ext uri="{FF2B5EF4-FFF2-40B4-BE49-F238E27FC236}">
+                <a16:creationId xmlns:a16="http://schemas.microsoft.com/office/drawing/2014/main" id="{3735A165-6F18-4C8B-B672-DDDA15891AE2}"/>
+              </a:ext>
+            </a:extLst>
+          </p:cNvPr>
+          <p:cNvGrpSpPr/>
+          <p:nvPr/>
+        </p:nvGrpSpPr>
+        <p:grpSpPr>
+          <a:xfrm>
+            <a:off x="4405415" y="173678"/>
+            <a:ext cx="1689292" cy="1689292"/>
+            <a:chOff x="7169274" y="2686414"/>
+            <a:chExt cx="1689292" cy="1689292"/>
+          </a:xfrm>
+        </p:grpSpPr>
+        <p:pic>
+          <p:nvPicPr>
+            <p:cNvPr id="3" name="Grafik 2" descr="Briefkasten">
+              <a:extLst>
+                <a:ext uri="{FF2B5EF4-FFF2-40B4-BE49-F238E27FC236}">
+                  <a16:creationId xmlns:a16="http://schemas.microsoft.com/office/drawing/2014/main" id="{63AA23DF-5CC4-4CBF-8931-6A62B825E6BD}"/>
+                </a:ext>
+              </a:extLst>
+            </p:cNvPr>
+            <p:cNvPicPr>
+              <a:picLocks noChangeAspect="1"/>
+            </p:cNvPicPr>
+            <p:nvPr/>
+          </p:nvPicPr>
+          <p:blipFill>
+            <a:blip r:embed="rId3">
+              <a:extLst>
+                <a:ext uri="{28A0092B-C50C-407E-A947-70E740481C1C}">
+                  <a14:useLocalDpi xmlns:a14="http://schemas.microsoft.com/office/drawing/2010/main"/>
+                </a:ext>
+                <a:ext uri="{96DAC541-7B7A-43D3-8B79-37D633B846F1}">
+                  <asvg:svgBlip xmlns:asvg="http://schemas.microsoft.com/office/drawing/2016/SVG/main" r:embed="rId4"/>
+                </a:ext>
+              </a:extLst>
+            </a:blip>
+            <a:stretch>
+              <a:fillRect/>
+            </a:stretch>
+          </p:blipFill>
+          <p:spPr>
+            <a:xfrm>
+              <a:off x="7169274" y="2686414"/>
+              <a:ext cx="1689292" cy="1689292"/>
+            </a:xfrm>
+            <a:prstGeom prst="rect">
+              <a:avLst/>
+            </a:prstGeom>
+          </p:spPr>
+        </p:pic>
+        <p:pic>
+          <p:nvPicPr>
+            <p:cNvPr id="7" name="Grafik 6">
+              <a:extLst>
+                <a:ext uri="{FF2B5EF4-FFF2-40B4-BE49-F238E27FC236}">
+                  <a16:creationId xmlns:a16="http://schemas.microsoft.com/office/drawing/2014/main" id="{0D68ACA9-45C6-475A-83BB-90CD141C44AD}"/>
+                </a:ext>
+              </a:extLst>
+            </p:cNvPr>
+            <p:cNvPicPr>
+              <a:picLocks noChangeAspect="1"/>
+            </p:cNvPicPr>
+            <p:nvPr/>
+          </p:nvPicPr>
+          <p:blipFill rotWithShape="1">
+            <a:blip r:embed="rId5" cstate="screen">
+              <a:clrChange>
+                <a:clrFrom>
+                  <a:srgbClr val="FFFFFF"/>
+                </a:clrFrom>
+                <a:clrTo>
+                  <a:srgbClr val="FFFFFF">
+                    <a:alpha val="0"/>
+                  </a:srgbClr>
+                </a:clrTo>
+              </a:clrChange>
+              <a:extLst>
+                <a:ext uri="{28A0092B-C50C-407E-A947-70E740481C1C}">
+                  <a14:useLocalDpi xmlns:a14="http://schemas.microsoft.com/office/drawing/2010/main"/>
+                </a:ext>
+              </a:extLst>
+            </a:blip>
+            <a:srcRect l="26451" t="22684" r="26103" b="21371"/>
+            <a:stretch/>
+          </p:blipFill>
+          <p:spPr>
+            <a:xfrm rot="721872">
+              <a:off x="7184212" y="3255393"/>
+              <a:ext cx="585788" cy="436257"/>
+            </a:xfrm>
+            <a:prstGeom prst="rect">
+              <a:avLst/>
+            </a:prstGeom>
+          </p:spPr>
+        </p:pic>
+      </p:grpSp>
+      <p:pic>
+        <p:nvPicPr>
+          <p:cNvPr id="4" name="Grafik 3" descr="Ein Bild, das Screenshot enthält.&#10;&#10;Automatisch generierte Beschreibung">
+            <a:extLst>
+              <a:ext uri="{FF2B5EF4-FFF2-40B4-BE49-F238E27FC236}">
+                <a16:creationId xmlns:a16="http://schemas.microsoft.com/office/drawing/2014/main" id="{C9991BBF-FA41-4684-BA04-D7AEE2179DA1}"/>
+              </a:ext>
+            </a:extLst>
+          </p:cNvPr>
+          <p:cNvPicPr>
+            <a:picLocks noChangeAspect="1"/>
+          </p:cNvPicPr>
+          <p:nvPr/>
+        </p:nvPicPr>
+        <p:blipFill rotWithShape="1">
+          <a:blip r:embed="rId6">
+            <a:clrChange>
+              <a:clrFrom>
+                <a:srgbClr val="FFFFFF"/>
+              </a:clrFrom>
+              <a:clrTo>
+                <a:srgbClr val="FFFFFF">
+                  <a:alpha val="0"/>
+                </a:srgbClr>
+              </a:clrTo>
+            </a:clrChange>
+            <a:extLst>
+              <a:ext uri="{28A0092B-C50C-407E-A947-70E740481C1C}">
+                <a14:useLocalDpi xmlns:a14="http://schemas.microsoft.com/office/drawing/2010/main" val="0"/>
+              </a:ext>
+            </a:extLst>
+          </a:blip>
+          <a:srcRect l="69943" t="4434" b="10528"/>
+          <a:stretch/>
+        </p:blipFill>
+        <p:spPr>
+          <a:xfrm>
+            <a:off x="6064203" y="1785891"/>
+            <a:ext cx="3909214" cy="4968496"/>
+          </a:xfrm>
+          <a:prstGeom prst="rect">
+            <a:avLst/>
+          </a:prstGeom>
+        </p:spPr>
       </p:pic>
     </p:spTree>
+    <p:extLst>
+      <p:ext uri="{BB962C8B-B14F-4D97-AF65-F5344CB8AC3E}">
+        <p14:creationId xmlns:p14="http://schemas.microsoft.com/office/powerpoint/2010/main" val="3299999543"/>
+      </p:ext>
+    </p:extLst>
   </p:cSld>
   <p:clrMapOvr>
     <a:masterClrMapping/>
@@ -9082,7 +9637,58 @@
         <p:cTn id="1" dur="indefinite" restart="never" nodeType="tmRoot">
           <p:childTnLst>
             <p:seq>
-              <p:cTn id="2" dur="indefinite" nodeType="mainSeq"/>
+              <p:cTn id="2" dur="indefinite" nodeType="mainSeq">
+                <p:childTnLst>
+                  <p:par>
+                    <p:cTn id="3" fill="hold">
+                      <p:stCondLst>
+                        <p:cond delay="indefinite"/>
+                        <p:cond evt="onBegin" delay="0">
+                          <p:tn val="2"/>
+                        </p:cond>
+                      </p:stCondLst>
+                      <p:childTnLst>
+                        <p:par>
+                          <p:cTn id="4" fill="hold">
+                            <p:stCondLst>
+                              <p:cond delay="0"/>
+                            </p:stCondLst>
+                            <p:childTnLst>
+                              <p:par>
+                                <p:cTn id="5" presetID="1" presetClass="entr" presetSubtype="0" fill="hold" nodeType="afterEffect">
+                                  <p:stCondLst>
+                                    <p:cond delay="10000"/>
+                                  </p:stCondLst>
+                                  <p:childTnLst>
+                                    <p:set>
+                                      <p:cBhvr>
+                                        <p:cTn id="6" dur="1" fill="hold">
+                                          <p:stCondLst>
+                                            <p:cond delay="0"/>
+                                          </p:stCondLst>
+                                        </p:cTn>
+                                        <p:tgtEl>
+                                          <p:spTgt spid="4"/>
+                                        </p:tgtEl>
+                                        <p:attrNameLst>
+                                          <p:attrName>style.visibility</p:attrName>
+                                        </p:attrNameLst>
+                                      </p:cBhvr>
+                                      <p:to>
+                                        <p:strVal val="visible"/>
+                                      </p:to>
+                                    </p:set>
+                                  </p:childTnLst>
+                                </p:cTn>
+                              </p:par>
+                            </p:childTnLst>
+                          </p:cTn>
+                        </p:par>
+                      </p:childTnLst>
+                    </p:cTn>
+                  </p:par>
+                </p:childTnLst>
+              </p:cTn>
               <p:prevCondLst>
                 <p:cond evt="onPrev" delay="0">
                   <p:tgtEl>
@@ -9554,4 +10160,299 @@
   <a:objectDefaults/>
   <a:extraClrSchemeLst/>
 </a:theme>
+</file>
+
+<file path=ppt/theme/theme3.xml><?xml version="1.0" encoding="utf-8"?>
+<a:theme xmlns:a="http://schemas.openxmlformats.org/drawingml/2006/main" name="Office">
+  <a:themeElements>
+    <a:clrScheme name="Office">
+      <a:dk1>
+        <a:sysClr val="windowText" lastClr="000000"/>
+      </a:dk1>
+      <a:lt1>
+        <a:sysClr val="window" lastClr="FFFFFF"/>
+      </a:lt1>
+      <a:dk2>
+        <a:srgbClr val="44546A"/>
+      </a:dk2>
+      <a:lt2>
+        <a:srgbClr val="E7E6E6"/>
+      </a:lt2>
+      <a:accent1>
+        <a:srgbClr val="4472C4"/>
+      </a:accent1>
+      <a:accent2>
+        <a:srgbClr val="ED7D31"/>
+      </a:accent2>
+      <a:accent3>
+        <a:srgbClr val="A5A5A5"/>
+      </a:accent3>
+      <a:accent4>
+        <a:srgbClr val="FFC000"/>
+      </a:accent4>
+      <a:accent5>
+        <a:srgbClr val="5B9BD5"/>
+      </a:accent5>
+      <a:accent6>
+        <a:srgbClr val="70AD47"/>
+      </a:accent6>
+      <a:hlink>
+        <a:srgbClr val="0563C1"/>
+      </a:hlink>
+      <a:folHlink>
+        <a:srgbClr val="954F72"/>
+      </a:folHlink>
+    </a:clrScheme>
+    <a:fontScheme name="Office">
+      <a:majorFont>
+        <a:latin typeface="Calibri Light" panose="020F0302020204030204"/>
+        <a:ea typeface=""/>
+        <a:cs typeface=""/>
+        <a:font script="Jpan" typeface="游ゴシック Light"/>
+        <a:font script="Hang" typeface="맑은 고딕"/>
+        <a:font script="Hans" typeface="等线 Light"/>
+        <a:font script="Hant" typeface="新細明體"/>
+        <a:font script="Arab" typeface="Times New Roman"/>
+        <a:font script="Hebr" typeface="Times New Roman"/>
+        <a:font script="Thai" typeface="Angsana New"/>
+        <a:font script="Ethi" typeface="Nyala"/>
+        <a:font script="Beng" typeface="Vrinda"/>
+        <a:font script="Gujr" typeface="Shruti"/>
+        <a:font script="Khmr" typeface="MoolBoran"/>
+        <a:font script="Knda" typeface="Tunga"/>
+        <a:font script="Guru" typeface="Raavi"/>
+        <a:font script="Cans" typeface="Euphemia"/>
+        <a:font script="Cher" typeface="Plantagenet Cherokee"/>
+        <a:font script="Yiii" typeface="Microsoft Yi Baiti"/>
+        <a:font script="Tibt" typeface="Microsoft Himalaya"/>
+        <a:font script="Thaa" typeface="MV Boli"/>
+        <a:font script="Deva" typeface="Mangal"/>
+        <a:font script="Telu" typeface="Gautami"/>
+        <a:font script="Taml" typeface="Latha"/>
+        <a:font script="Syrc" typeface="Estrangelo Edessa"/>
+        <a:font script="Orya" typeface="Kalinga"/>
+        <a:font script="Mlym" typeface="Kartika"/>
+        <a:font script="Laoo" typeface="DokChampa"/>
+        <a:font script="Sinh" typeface="Iskoola Pota"/>
+        <a:font script="Mong" typeface="Mongolian Baiti"/>
+        <a:font script="Viet" typeface="Times New Roman"/>
+        <a:font script="Uigh" typeface="Microsoft Uighur"/>
+        <a:font script="Geor" typeface="Sylfaen"/>
+        <a:font script="Armn" typeface="Arial"/>
+        <a:font script="Bugi" typeface="Leelawadee UI"/>
+        <a:font script="Bopo" typeface="Microsoft JhengHei"/>
+        <a:font script="Java" typeface="Javanese Text"/>
+        <a:font script="Lisu" typeface="Segoe UI"/>
+        <a:font script="Mymr" typeface="Myanmar Text"/>
+        <a:font script="Nkoo" typeface="Ebrima"/>
+        <a:font script="Olck" typeface="Nirmala UI"/>
+        <a:font script="Osma" typeface="Ebrima"/>
+        <a:font script="Phag" typeface="Phagspa"/>
+        <a:font script="Syrn" typeface="Estrangelo Edessa"/>
+        <a:font script="Syrj" typeface="Estrangelo Edessa"/>
+        <a:font script="Syre" typeface="Estrangelo Edessa"/>
+        <a:font script="Sora" typeface="Nirmala UI"/>
+        <a:font script="Tale" typeface="Microsoft Tai Le"/>
+        <a:font script="Talu" typeface="Microsoft New Tai Lue"/>
+        <a:font script="Tfng" typeface="Ebrima"/>
+      </a:majorFont>
+      <a:minorFont>
+        <a:latin typeface="Calibri" panose="020F0502020204030204"/>
+        <a:ea typeface=""/>
+        <a:cs typeface=""/>
+        <a:font script="Jpan" typeface="游ゴシック"/>
+        <a:font script="Hang" typeface="맑은 고딕"/>
+        <a:font script="Hans" typeface="等线"/>
+        <a:font script="Hant" typeface="新細明體"/>
+        <a:font script="Arab" typeface="Arial"/>
+        <a:font script="Hebr" typeface="Arial"/>
+        <a:font script="Thai" typeface="Cordia New"/>
+        <a:font script="Ethi" typeface="Nyala"/>
+        <a:font script="Beng" typeface="Vrinda"/>
+        <a:font script="Gujr" typeface="Shruti"/>
+        <a:font script="Khmr" typeface="DaunPenh"/>
+        <a:font script="Knda" typeface="Tunga"/>
+        <a:font script="Guru" typeface="Raavi"/>
+        <a:font script="Cans" typeface="Euphemia"/>
+        <a:font script="Cher" typeface="Plantagenet Cherokee"/>
+        <a:font script="Yiii" typeface="Microsoft Yi Baiti"/>
+        <a:font script="Tibt" typeface="Microsoft Himalaya"/>
+        <a:font script="Thaa" typeface="MV Boli"/>
+        <a:font script="Deva" typeface="Mangal"/>
+        <a:font script="Telu" typeface="Gautami"/>
+        <a:font script="Taml" typeface="Latha"/>
+        <a:font script="Syrc" typeface="Estrangelo Edessa"/>
+        <a:font script="Orya" typeface="Kalinga"/>
+        <a:font script="Mlym" typeface="Kartika"/>
+        <a:font script="Laoo" typeface="DokChampa"/>
+        <a:font script="Sinh" typeface="Iskoola Pota"/>
+        <a:font script="Mong" typeface="Mongolian Baiti"/>
+        <a:font script="Viet" typeface="Arial"/>
+        <a:font script="Uigh" typeface="Microsoft Uighur"/>
+        <a:font script="Geor" typeface="Sylfaen"/>
+        <a:font script="Armn" typeface="Arial"/>
+        <a:font script="Bugi" typeface="Leelawadee UI"/>
+        <a:font script="Bopo" typeface="Microsoft JhengHei"/>
+        <a:font script="Java" typeface="Javanese Text"/>
+        <a:font script="Lisu" typeface="Segoe UI"/>
+        <a:font script="Mymr" typeface="Myanmar Text"/>
+        <a:font script="Nkoo" typeface="Ebrima"/>
+        <a:font script="Olck" typeface="Nirmala UI"/>
+        <a:font script="Osma" typeface="Ebrima"/>
+        <a:font script="Phag" typeface="Phagspa"/>
+        <a:font script="Syrn" typeface="Estrangelo Edessa"/>
+        <a:font script="Syrj" typeface="Estrangelo Edessa"/>
+        <a:font script="Syre" typeface="Estrangelo Edessa"/>
+        <a:font script="Sora" typeface="Nirmala UI"/>
+        <a:font script="Tale" typeface="Microsoft Tai Le"/>
+        <a:font script="Talu" typeface="Microsoft New Tai Lue"/>
+        <a:font script="Tfng" typeface="Ebrima"/>
+      </a:minorFont>
+    </a:fontScheme>
+    <a:fmtScheme name="Office">
+      <a:fillStyleLst>
+        <a:solidFill>
+          <a:schemeClr val="phClr"/>
+        </a:solidFill>
+        <a:gradFill rotWithShape="1">
+          <a:gsLst>
+            <a:gs pos="0">
+              <a:schemeClr val="phClr">
+                <a:lumMod val="110000"/>
+                <a:satMod val="105000"/>
+                <a:tint val="67000"/>
+              </a:schemeClr>
+            </a:gs>
+            <a:gs pos="50000">
+              <a:schemeClr val="phClr">
+                <a:lumMod val="105000"/>
+                <a:satMod val="103000"/>
+                <a:tint val="73000"/>
+              </a:schemeClr>
+            </a:gs>
+            <a:gs pos="100000">
+              <a:schemeClr val="phClr">
+                <a:lumMod val="105000"/>
+                <a:satMod val="109000"/>
+                <a:tint val="81000"/>
+              </a:schemeClr>
+            </a:gs>
+          </a:gsLst>
+          <a:lin ang="5400000" scaled="0"/>
+        </a:gradFill>
+        <a:gradFill rotWithShape="1">
+          <a:gsLst>
+            <a:gs pos="0">
+              <a:schemeClr val="phClr">
+                <a:satMod val="103000"/>
+                <a:lumMod val="102000"/>
+                <a:tint val="94000"/>
+              </a:schemeClr>
+            </a:gs>
+            <a:gs pos="50000">
+              <a:schemeClr val="phClr">
+                <a:satMod val="110000"/>
+                <a:lumMod val="100000"/>
+                <a:shade val="100000"/>
+              </a:schemeClr>
+            </a:gs>
+            <a:gs pos="100000">
+              <a:schemeClr val="phClr">
+                <a:lumMod val="99000"/>
+                <a:satMod val="120000"/>
+                <a:shade val="78000"/>
+              </a:schemeClr>
+            </a:gs>
+          </a:gsLst>
+          <a:lin ang="5400000" scaled="0"/>
+        </a:gradFill>
+      </a:fillStyleLst>
+      <a:lnStyleLst>
+        <a:ln w="6350" cap="flat" cmpd="sng" algn="ctr">
+          <a:solidFill>
+            <a:schemeClr val="phClr"/>
+          </a:solidFill>
+          <a:prstDash val="solid"/>
+          <a:miter lim="800000"/>
+        </a:ln>
+        <a:ln w="12700" cap="flat" cmpd="sng" algn="ctr">
+          <a:solidFill>
+            <a:schemeClr val="phClr"/>
+          </a:solidFill>
+          <a:prstDash val="solid"/>
+          <a:miter lim="800000"/>
+        </a:ln>
+        <a:ln w="19050" cap="flat" cmpd="sng" algn="ctr">
+          <a:solidFill>
+            <a:schemeClr val="phClr"/>
+          </a:solidFill>
+          <a:prstDash val="solid"/>
+          <a:miter lim="800000"/>
+        </a:ln>
+      </a:lnStyleLst>
+      <a:effectStyleLst>
+        <a:effectStyle>
+          <a:effectLst/>
+        </a:effectStyle>
+        <a:effectStyle>
+          <a:effectLst/>
+        </a:effectStyle>
+        <a:effectStyle>
+          <a:effectLst>
+            <a:outerShdw blurRad="57150" dist="19050" dir="5400000" algn="ctr" rotWithShape="0">
+              <a:srgbClr val="000000">
+                <a:alpha val="63000"/>
+              </a:srgbClr>
+            </a:outerShdw>
+          </a:effectLst>
+        </a:effectStyle>
+      </a:effectStyleLst>
+      <a:bgFillStyleLst>
+        <a:solidFill>
+          <a:schemeClr val="phClr"/>
+        </a:solidFill>
+        <a:solidFill>
+          <a:schemeClr val="phClr">
+            <a:tint val="95000"/>
+            <a:satMod val="170000"/>
+          </a:schemeClr>
+        </a:solidFill>
+        <a:gradFill rotWithShape="1">
+          <a:gsLst>
+            <a:gs pos="0">
+              <a:schemeClr val="phClr">
+                <a:tint val="93000"/>
+                <a:satMod val="150000"/>
+                <a:shade val="98000"/>
+                <a:lumMod val="102000"/>
+              </a:schemeClr>
+            </a:gs>
+            <a:gs pos="50000">
+              <a:schemeClr val="phClr">
+                <a:tint val="98000"/>
+                <a:satMod val="130000"/>
+                <a:shade val="90000"/>
+                <a:lumMod val="103000"/>
+              </a:schemeClr>
+            </a:gs>
+            <a:gs pos="100000">
+              <a:schemeClr val="phClr">
+                <a:shade val="63000"/>
+                <a:satMod val="120000"/>
+              </a:schemeClr>
+            </a:gs>
+          </a:gsLst>
+          <a:lin ang="5400000" scaled="0"/>
+        </a:gradFill>
+      </a:bgFillStyleLst>
+    </a:fmtScheme>
+  </a:themeElements>
+  <a:objectDefaults/>
+  <a:extraClrSchemeLst/>
+  <a:extLst>
+    <a:ext uri="{05A4C25C-085E-4340-85A3-A5531E510DB2}">
+      <thm15:themeFamily xmlns:thm15="http://schemas.microsoft.com/office/thememl/2012/main" name="Office Theme" id="{62F939B6-93AF-4DB8-9C6B-D6C7DFDC589F}" vid="{4A3C46E8-61CC-4603-A589-7422A47A8E4A}"/>
+    </a:ext>
+  </a:extLst>
+</a:theme>
 </file>
--- a/Presentation/DigiBP_DanishBlue_Presentation_V0.3.pptx
+++ b/Presentation/DigiBP_DanishBlue_Presentation_V0.3.pptx
@@ -6,20 +6,23 @@
     <p:sldMasterId id="2147483661" r:id="rId2"/>
   </p:sldMasterIdLst>
   <p:notesMasterIdLst>
-    <p:notesMasterId r:id="rId14"/>
+    <p:notesMasterId r:id="rId17"/>
   </p:notesMasterIdLst>
   <p:sldIdLst>
     <p:sldId id="256" r:id="rId3"/>
     <p:sldId id="257" r:id="rId4"/>
     <p:sldId id="258" r:id="rId5"/>
-    <p:sldId id="260" r:id="rId6"/>
-    <p:sldId id="261" r:id="rId7"/>
-    <p:sldId id="262" r:id="rId8"/>
-    <p:sldId id="267" r:id="rId9"/>
-    <p:sldId id="268" r:id="rId10"/>
-    <p:sldId id="270" r:id="rId11"/>
-    <p:sldId id="263" r:id="rId12"/>
-    <p:sldId id="266" r:id="rId13"/>
+    <p:sldId id="271" r:id="rId6"/>
+    <p:sldId id="272" r:id="rId7"/>
+    <p:sldId id="260" r:id="rId8"/>
+    <p:sldId id="261" r:id="rId9"/>
+    <p:sldId id="262" r:id="rId10"/>
+    <p:sldId id="267" r:id="rId11"/>
+    <p:sldId id="273" r:id="rId12"/>
+    <p:sldId id="268" r:id="rId13"/>
+    <p:sldId id="270" r:id="rId14"/>
+    <p:sldId id="263" r:id="rId15"/>
+    <p:sldId id="266" r:id="rId16"/>
   </p:sldIdLst>
   <p:sldSz cx="10693400" cy="7561263"/>
   <p:notesSz cx="7559675" cy="10691813"/>
@@ -431,7 +434,7 @@
           <a:p>
             <a:fld id="{92F778FF-ABAC-46CE-8F03-A6CAF7C71FF8}" type="datetimeFigureOut">
               <a:rPr lang="en-US" smtClean="0"/>
-              <a:t>5/29/2020</a:t>
+              <a:t>5/30/2020</a:t>
             </a:fld>
             <a:endParaRPr lang="en-US"/>
           </a:p>
@@ -590,7 +593,7 @@
           <a:p>
             <a:fld id="{6BBF85C1-6754-4204-B548-F7F3F6EBC05E}" type="slidenum">
               <a:rPr lang="en-US" smtClean="0"/>
-              <a:t>‹Nr.›</a:t>
+              <a:t>‹#›</a:t>
             </a:fld>
             <a:endParaRPr lang="en-US"/>
           </a:p>
@@ -812,7 +815,7 @@
           <a:p>
             <a:fld id="{6BBF85C1-6754-4204-B548-F7F3F6EBC05E}" type="slidenum">
               <a:rPr lang="en-US" smtClean="0"/>
-              <a:t>9</a:t>
+              <a:t>12</a:t>
             </a:fld>
             <a:endParaRPr lang="en-US"/>
           </a:p>
@@ -5306,277 +5309,81 @@
       </p:grpSpPr>
       <p:sp>
         <p:nvSpPr>
-          <p:cNvPr id="126" name="CustomShape 1"/>
-          <p:cNvSpPr/>
-          <p:nvPr/>
-        </p:nvSpPr>
-        <p:spPr>
-          <a:xfrm>
-            <a:off x="736560" y="1509840"/>
-            <a:ext cx="9212760" cy="360720"/>
-          </a:xfrm>
-          <a:prstGeom prst="rect">
-            <a:avLst/>
-          </a:prstGeom>
-          <a:noFill/>
-          <a:ln>
-            <a:noFill/>
-          </a:ln>
-        </p:spPr>
-        <p:style>
-          <a:lnRef idx="0">
-            <a:scrgbClr r="0" g="0" b="0"/>
-          </a:lnRef>
-          <a:fillRef idx="0">
-            <a:scrgbClr r="0" g="0" b="0"/>
-          </a:fillRef>
-          <a:effectRef idx="0">
-            <a:scrgbClr r="0" g="0" b="0"/>
-          </a:effectRef>
-          <a:fontRef idx="minor"/>
-        </p:style>
-        <p:txBody>
-          <a:bodyPr lIns="0" tIns="0" rIns="0" bIns="0"/>
-          <a:lstStyle/>
-          <a:p>
-            <a:pPr>
-              <a:lnSpc>
-                <a:spcPct val="100000"/>
-              </a:lnSpc>
-            </a:pPr>
+          <p:cNvPr id="2" name="Title 1">
+            <a:extLst>
+              <a:ext uri="{FF2B5EF4-FFF2-40B4-BE49-F238E27FC236}">
+                <a16:creationId xmlns:a16="http://schemas.microsoft.com/office/drawing/2014/main" id="{DD66CBE5-ABF1-4138-8DE4-3CDF3AE77AB1}"/>
+              </a:ext>
+            </a:extLst>
+          </p:cNvPr>
+          <p:cNvSpPr>
+            <a:spLocks noGrp="1"/>
+          </p:cNvSpPr>
+          <p:nvPr>
+            <p:ph type="title"/>
+          </p:nvPr>
+        </p:nvSpPr>
+        <p:spPr>
+          <a:xfrm>
+            <a:off x="1557858" y="345223"/>
+            <a:ext cx="9623520" cy="416777"/>
+          </a:xfrm>
+        </p:spPr>
+        <p:txBody>
+          <a:bodyPr/>
+          <a:lstStyle/>
+          <a:p>
             <a:r>
-              <a:rPr lang="en-US" sz="2000" b="1" spc="-1" dirty="0">
-                <a:solidFill>
-                  <a:srgbClr val="000000"/>
-                </a:solidFill>
-              </a:rPr>
-              <a:t>Booking System Part I</a:t>
+              <a:rPr lang="en-CH" dirty="0"/>
+              <a:t>Demo of the Chatbot</a:t>
             </a:r>
-            <a:endParaRPr lang="en-US" sz="2000" spc="-1" dirty="0"/>
-          </a:p>
-        </p:txBody>
-      </p:sp>
-      <p:sp>
-        <p:nvSpPr>
-          <p:cNvPr id="127" name="CustomShape 2"/>
-          <p:cNvSpPr/>
-          <p:nvPr/>
-        </p:nvSpPr>
-        <p:spPr>
-          <a:xfrm>
-            <a:off x="738360" y="2197080"/>
-            <a:ext cx="9212760" cy="4462920"/>
-          </a:xfrm>
-          <a:prstGeom prst="rect">
-            <a:avLst/>
-          </a:prstGeom>
-          <a:noFill/>
-          <a:ln>
-            <a:noFill/>
-          </a:ln>
-        </p:spPr>
-        <p:style>
-          <a:lnRef idx="0">
-            <a:scrgbClr r="0" g="0" b="0"/>
-          </a:lnRef>
-          <a:fillRef idx="0">
-            <a:scrgbClr r="0" g="0" b="0"/>
-          </a:fillRef>
-          <a:effectRef idx="0">
-            <a:scrgbClr r="0" g="0" b="0"/>
-          </a:effectRef>
-          <a:fontRef idx="minor"/>
-        </p:style>
-        <p:txBody>
-          <a:bodyPr lIns="0" tIns="0" rIns="0" bIns="0"/>
-          <a:lstStyle/>
-          <a:p>
-            <a:pPr marL="343080" indent="-342000">
-              <a:lnSpc>
-                <a:spcPct val="115000"/>
-              </a:lnSpc>
-              <a:spcBef>
-                <a:spcPts val="1199"/>
-              </a:spcBef>
-              <a:buClr>
-                <a:srgbClr val="000000"/>
-              </a:buClr>
-              <a:buFont typeface="StarSymbol"/>
-              <a:buChar char="-"/>
-            </a:pPr>
-            <a:r>
-              <a:rPr lang="en-US" sz="2000" b="0" strike="noStrike" spc="-1" dirty="0">
-                <a:solidFill>
-                  <a:srgbClr val="000000"/>
-                </a:solidFill>
-                <a:highlight>
-                  <a:srgbClr val="FFFF00"/>
-                </a:highlight>
-                <a:latin typeface="Arial"/>
-                <a:ea typeface="DejaVu Sans"/>
-              </a:rPr>
-              <a:t> </a:t>
-            </a:r>
-            <a:endParaRPr lang="en-US" sz="2000" b="0" strike="noStrike" spc="-1" dirty="0">
-              <a:highlight>
-                <a:srgbClr val="FFFF00"/>
-              </a:highlight>
-              <a:latin typeface="Arial"/>
-            </a:endParaRPr>
-          </a:p>
-        </p:txBody>
-      </p:sp>
-      <p:sp>
-        <p:nvSpPr>
-          <p:cNvPr id="128" name="CustomShape 3"/>
-          <p:cNvSpPr/>
-          <p:nvPr/>
-        </p:nvSpPr>
-        <p:spPr>
-          <a:xfrm>
-            <a:off x="8221680" y="7197840"/>
-            <a:ext cx="864000" cy="178200"/>
-          </a:xfrm>
-          <a:prstGeom prst="rect">
-            <a:avLst/>
-          </a:prstGeom>
-          <a:noFill/>
-          <a:ln>
-            <a:noFill/>
-          </a:ln>
-        </p:spPr>
-        <p:style>
-          <a:lnRef idx="0">
-            <a:scrgbClr r="0" g="0" b="0"/>
-          </a:lnRef>
-          <a:fillRef idx="0">
-            <a:scrgbClr r="0" g="0" b="0"/>
-          </a:fillRef>
-          <a:effectRef idx="0">
-            <a:scrgbClr r="0" g="0" b="0"/>
-          </a:effectRef>
-          <a:fontRef idx="minor"/>
-        </p:style>
-        <p:txBody>
-          <a:bodyPr lIns="0" tIns="0" rIns="0" bIns="0" anchor="b"/>
-          <a:lstStyle/>
-          <a:p>
-            <a:r>
-              <a:rPr lang="en-US" sz="1200" spc="-1" dirty="0"/>
-              <a:t>04.06.2020</a:t>
-            </a:r>
-          </a:p>
-        </p:txBody>
-      </p:sp>
-      <p:sp>
-        <p:nvSpPr>
-          <p:cNvPr id="129" name="CustomShape 4"/>
-          <p:cNvSpPr/>
-          <p:nvPr/>
-        </p:nvSpPr>
-        <p:spPr>
-          <a:xfrm>
-            <a:off x="736560" y="7197840"/>
-            <a:ext cx="7484040" cy="178200"/>
-          </a:xfrm>
-          <a:prstGeom prst="rect">
-            <a:avLst/>
-          </a:prstGeom>
-          <a:noFill/>
-          <a:ln>
-            <a:noFill/>
-          </a:ln>
-        </p:spPr>
-        <p:style>
-          <a:lnRef idx="0">
-            <a:scrgbClr r="0" g="0" b="0"/>
-          </a:lnRef>
-          <a:fillRef idx="0">
-            <a:scrgbClr r="0" g="0" b="0"/>
-          </a:fillRef>
-          <a:effectRef idx="0">
-            <a:scrgbClr r="0" g="0" b="0"/>
-          </a:effectRef>
-          <a:fontRef idx="minor"/>
-        </p:style>
-        <p:txBody>
-          <a:bodyPr lIns="0" tIns="0" rIns="0" bIns="0" anchor="b"/>
-          <a:lstStyle/>
-          <a:p>
-            <a:pPr>
-              <a:lnSpc>
-                <a:spcPct val="100000"/>
-              </a:lnSpc>
-            </a:pPr>
-            <a:r>
-              <a:rPr lang="en-US" sz="1200" spc="-1" dirty="0">
-                <a:solidFill>
-                  <a:srgbClr val="000000"/>
-                </a:solidFill>
-              </a:rPr>
-              <a:t>DigiBP	Luca Müller, Nicola Raemy, Isar Gammoh, Pooja Bisht</a:t>
-            </a:r>
-            <a:endParaRPr lang="en-US" sz="1200" spc="-1" dirty="0"/>
-          </a:p>
-        </p:txBody>
-      </p:sp>
-      <p:sp>
-        <p:nvSpPr>
-          <p:cNvPr id="130" name="CustomShape 5"/>
-          <p:cNvSpPr/>
-          <p:nvPr/>
-        </p:nvSpPr>
-        <p:spPr>
-          <a:xfrm>
-            <a:off x="9086760" y="7197840"/>
-            <a:ext cx="862560" cy="178200"/>
-          </a:xfrm>
-          <a:prstGeom prst="rect">
-            <a:avLst/>
-          </a:prstGeom>
-          <a:noFill/>
-          <a:ln>
-            <a:noFill/>
-          </a:ln>
-        </p:spPr>
-        <p:style>
-          <a:lnRef idx="0">
-            <a:scrgbClr r="0" g="0" b="0"/>
-          </a:lnRef>
-          <a:fillRef idx="0">
-            <a:scrgbClr r="0" g="0" b="0"/>
-          </a:fillRef>
-          <a:effectRef idx="0">
-            <a:scrgbClr r="0" g="0" b="0"/>
-          </a:effectRef>
-          <a:fontRef idx="minor"/>
-        </p:style>
-        <p:txBody>
-          <a:bodyPr lIns="0" tIns="0" rIns="0" bIns="0" anchor="b"/>
-          <a:lstStyle/>
-          <a:p>
-            <a:pPr algn="r">
-              <a:lnSpc>
-                <a:spcPct val="100000"/>
-              </a:lnSpc>
-            </a:pPr>
-            <a:fld id="{676B624C-CA6C-47FB-8CC0-33C7E2E24C74}" type="slidenum">
-              <a:rPr lang="en-US" sz="1200" b="0" strike="noStrike" spc="-1">
-                <a:solidFill>
-                  <a:srgbClr val="000000"/>
-                </a:solidFill>
-                <a:latin typeface="Arial"/>
-                <a:ea typeface="DejaVu Sans"/>
-              </a:rPr>
-              <a:t>10</a:t>
-            </a:fld>
-            <a:endParaRPr lang="en-US" sz="1200" b="0" strike="noStrike" spc="-1">
-              <a:latin typeface="Arial"/>
-            </a:endParaRPr>
-          </a:p>
-        </p:txBody>
-      </p:sp>
+          </a:p>
+        </p:txBody>
+      </p:sp>
+      <p:pic>
+        <p:nvPicPr>
+          <p:cNvPr id="4" name="Untitled 6">
+            <a:hlinkClick r:id="" action="ppaction://media"/>
+            <a:extLst>
+              <a:ext uri="{FF2B5EF4-FFF2-40B4-BE49-F238E27FC236}">
+                <a16:creationId xmlns:a16="http://schemas.microsoft.com/office/drawing/2014/main" id="{B6E0D759-3D9D-49D4-A90B-FFE348A3E5FA}"/>
+              </a:ext>
+            </a:extLst>
+          </p:cNvPr>
+          <p:cNvPicPr>
+            <a:picLocks noChangeAspect="1"/>
+          </p:cNvPicPr>
+          <p:nvPr>
+            <a:videoFile r:link="rId2"/>
+            <p:extLst>
+              <p:ext uri="{DAA4B4D4-6D71-4841-9C94-3DE7FCFB9230}">
+                <p14:media xmlns:p14="http://schemas.microsoft.com/office/powerpoint/2010/main" r:embed="rId1"/>
+              </p:ext>
+            </p:extLst>
+          </p:nvPr>
+        </p:nvPicPr>
+        <p:blipFill>
+          <a:blip r:embed="rId4"/>
+          <a:stretch>
+            <a:fillRect/>
+          </a:stretch>
+        </p:blipFill>
+        <p:spPr>
+          <a:xfrm>
+            <a:off x="1665514" y="892629"/>
+            <a:ext cx="6694714" cy="6323411"/>
+          </a:xfrm>
+          <a:prstGeom prst="rect">
+            <a:avLst/>
+          </a:prstGeom>
+        </p:spPr>
+      </p:pic>
     </p:spTree>
+    <p:extLst>
+      <p:ext uri="{BB962C8B-B14F-4D97-AF65-F5344CB8AC3E}">
+        <p14:creationId xmlns:p14="http://schemas.microsoft.com/office/powerpoint/2010/main" val="138874814"/>
+      </p:ext>
+    </p:extLst>
   </p:cSld>
   <p:clrMapOvr>
     <a:masterClrMapping/>
@@ -5586,8 +5393,49 @@
       <p:par>
         <p:cTn id="1" dur="indefinite" restart="never" nodeType="tmRoot">
           <p:childTnLst>
-            <p:seq>
-              <p:cTn id="2" dur="indefinite" nodeType="mainSeq"/>
+            <p:seq concurrent="1" nextAc="seek">
+              <p:cTn id="2" dur="indefinite" nodeType="mainSeq">
+                <p:childTnLst>
+                  <p:par>
+                    <p:cTn id="3" fill="hold">
+                      <p:stCondLst>
+                        <p:cond delay="indefinite"/>
+                        <p:cond evt="onBegin" delay="0">
+                          <p:tn val="2"/>
+                        </p:cond>
+                      </p:stCondLst>
+                      <p:childTnLst>
+                        <p:par>
+                          <p:cTn id="4" fill="hold">
+                            <p:stCondLst>
+                              <p:cond delay="0"/>
+                            </p:stCondLst>
+                            <p:childTnLst>
+                              <p:par>
+                                <p:cTn id="5" presetID="1" presetClass="mediacall" presetSubtype="0" fill="hold" nodeType="afterEffect">
+                                  <p:stCondLst>
+                                    <p:cond delay="0"/>
+                                  </p:stCondLst>
+                                  <p:childTnLst>
+                                    <p:cmd type="call" cmd="playFrom(0.0)">
+                                      <p:cBhvr>
+                                        <p:cTn id="6" dur="94550" fill="hold"/>
+                                        <p:tgtEl>
+                                          <p:spTgt spid="4"/>
+                                        </p:tgtEl>
+                                      </p:cBhvr>
+                                    </p:cmd>
+                                  </p:childTnLst>
+                                </p:cTn>
+                              </p:par>
+                            </p:childTnLst>
+                          </p:cTn>
+                        </p:par>
+                      </p:childTnLst>
+                    </p:cTn>
+                  </p:par>
+                </p:childTnLst>
+              </p:cTn>
               <p:prevCondLst>
                 <p:cond evt="onPrev" delay="0">
                   <p:tgtEl>
@@ -5599,6 +5447,76 @@
                 <p:cond evt="onNext" delay="0">
                   <p:tgtEl>
                     <p:sldTgt/>
+                  </p:tgtEl>
+                </p:cond>
+              </p:nextCondLst>
+            </p:seq>
+            <p:video>
+              <p:cMediaNode vol="80000">
+                <p:cTn id="7" fill="hold" display="0">
+                  <p:stCondLst>
+                    <p:cond delay="indefinite"/>
+                  </p:stCondLst>
+                </p:cTn>
+                <p:tgtEl>
+                  <p:spTgt spid="4"/>
+                </p:tgtEl>
+              </p:cMediaNode>
+            </p:video>
+            <p:seq concurrent="1" nextAc="seek">
+              <p:cTn id="8" restart="whenNotActive" fill="hold" evtFilter="cancelBubble" nodeType="interactiveSeq">
+                <p:stCondLst>
+                  <p:cond evt="onClick" delay="0">
+                    <p:tgtEl>
+                      <p:spTgt spid="4"/>
+                    </p:tgtEl>
+                  </p:cond>
+                </p:stCondLst>
+                <p:endSync evt="end" delay="0">
+                  <p:rtn val="all"/>
+                </p:endSync>
+                <p:childTnLst>
+                  <p:par>
+                    <p:cTn id="9" fill="hold">
+                      <p:stCondLst>
+                        <p:cond delay="0"/>
+                      </p:stCondLst>
+                      <p:childTnLst>
+                        <p:par>
+                          <p:cTn id="10" fill="hold">
+                            <p:stCondLst>
+                              <p:cond delay="0"/>
+                            </p:stCondLst>
+                            <p:childTnLst>
+                              <p:par>
+                                <p:cTn id="11" presetID="2" presetClass="mediacall" presetSubtype="0" fill="hold" nodeType="clickEffect">
+                                  <p:stCondLst>
+                                    <p:cond delay="0"/>
+                                  </p:stCondLst>
+                                  <p:childTnLst>
+                                    <p:cmd type="call" cmd="togglePause">
+                                      <p:cBhvr>
+                                        <p:cTn id="12" dur="1" fill="hold"/>
+                                        <p:tgtEl>
+                                          <p:spTgt spid="4"/>
+                                        </p:tgtEl>
+                                      </p:cBhvr>
+                                    </p:cmd>
+                                  </p:childTnLst>
+                                </p:cTn>
+                              </p:par>
+                            </p:childTnLst>
+                          </p:cTn>
+                        </p:par>
+                      </p:childTnLst>
+                    </p:cTn>
+                  </p:par>
+                </p:childTnLst>
+              </p:cTn>
+              <p:nextCondLst>
+                <p:cond evt="onClick" delay="0">
+                  <p:tgtEl>
+                    <p:spTgt spid="4"/>
                   </p:tgtEl>
                 </p:cond>
               </p:nextCondLst>
@@ -5630,14 +5548,14 @@
       </p:grpSpPr>
       <p:sp>
         <p:nvSpPr>
-          <p:cNvPr id="144" name="CustomShape 1"/>
+          <p:cNvPr id="120" name="CustomShape 1"/>
           <p:cNvSpPr/>
           <p:nvPr/>
         </p:nvSpPr>
         <p:spPr>
           <a:xfrm>
-            <a:off x="736560" y="1509840"/>
-            <a:ext cx="9212760" cy="360720"/>
+            <a:off x="8221680" y="7197840"/>
+            <a:ext cx="864000" cy="178200"/>
           </a:xfrm>
           <a:prstGeom prst="rect">
             <a:avLst/>
@@ -5660,328 +5578,6 @@
           <a:fontRef idx="minor"/>
         </p:style>
         <p:txBody>
-          <a:bodyPr lIns="0" tIns="0" rIns="0" bIns="0"/>
-          <a:lstStyle/>
-          <a:p>
-            <a:pPr>
-              <a:lnSpc>
-                <a:spcPct val="100000"/>
-              </a:lnSpc>
-            </a:pPr>
-            <a:r>
-              <a:rPr lang="en-US" sz="2000" b="1" strike="noStrike" spc="-1">
-                <a:solidFill>
-                  <a:srgbClr val="000000"/>
-                </a:solidFill>
-                <a:latin typeface="Arial"/>
-                <a:ea typeface="DejaVu Sans"/>
-              </a:rPr>
-              <a:t>Outlook</a:t>
-            </a:r>
-            <a:endParaRPr lang="en-US" sz="2000" b="0" strike="noStrike" spc="-1">
-              <a:latin typeface="Arial"/>
-            </a:endParaRPr>
-          </a:p>
-        </p:txBody>
-      </p:sp>
-      <p:sp>
-        <p:nvSpPr>
-          <p:cNvPr id="145" name="CustomShape 2"/>
-          <p:cNvSpPr/>
-          <p:nvPr/>
-        </p:nvSpPr>
-        <p:spPr>
-          <a:xfrm>
-            <a:off x="738360" y="2197080"/>
-            <a:ext cx="9212760" cy="4462920"/>
-          </a:xfrm>
-          <a:prstGeom prst="rect">
-            <a:avLst/>
-          </a:prstGeom>
-          <a:noFill/>
-          <a:ln>
-            <a:noFill/>
-          </a:ln>
-        </p:spPr>
-        <p:style>
-          <a:lnRef idx="0">
-            <a:scrgbClr r="0" g="0" b="0"/>
-          </a:lnRef>
-          <a:fillRef idx="0">
-            <a:scrgbClr r="0" g="0" b="0"/>
-          </a:fillRef>
-          <a:effectRef idx="0">
-            <a:scrgbClr r="0" g="0" b="0"/>
-          </a:effectRef>
-          <a:fontRef idx="minor"/>
-        </p:style>
-        <p:txBody>
-          <a:bodyPr lIns="0" tIns="0" rIns="0" bIns="0"/>
-          <a:lstStyle/>
-          <a:p>
-            <a:pPr marL="343080" indent="-342000">
-              <a:lnSpc>
-                <a:spcPct val="115000"/>
-              </a:lnSpc>
-              <a:spcBef>
-                <a:spcPts val="1199"/>
-              </a:spcBef>
-              <a:buClr>
-                <a:srgbClr val="000000"/>
-              </a:buClr>
-              <a:buFont typeface="StarSymbol"/>
-              <a:buChar char="-"/>
-            </a:pPr>
-            <a:r>
-              <a:rPr lang="en-US" sz="2000" spc="-1" dirty="0">
-                <a:solidFill>
-                  <a:srgbClr val="000000"/>
-                </a:solidFill>
-              </a:rPr>
-              <a:t>(mention the user task on the very last of our process)</a:t>
-            </a:r>
-            <a:endParaRPr lang="en-US" sz="2000" b="0" strike="noStrike" spc="-1" dirty="0">
-              <a:solidFill>
-                <a:srgbClr val="000000"/>
-              </a:solidFill>
-              <a:latin typeface="Arial"/>
-              <a:ea typeface="DejaVu Sans"/>
-            </a:endParaRPr>
-          </a:p>
-          <a:p>
-            <a:pPr marL="343080" indent="-342000">
-              <a:lnSpc>
-                <a:spcPct val="115000"/>
-              </a:lnSpc>
-              <a:spcBef>
-                <a:spcPts val="1199"/>
-              </a:spcBef>
-              <a:buClr>
-                <a:srgbClr val="000000"/>
-              </a:buClr>
-              <a:buFont typeface="StarSymbol"/>
-              <a:buChar char="-"/>
-            </a:pPr>
-            <a:endParaRPr lang="en-US" sz="2000" spc="-1" dirty="0">
-              <a:solidFill>
-                <a:srgbClr val="000000"/>
-              </a:solidFill>
-              <a:highlight>
-                <a:srgbClr val="FFFF00"/>
-              </a:highlight>
-              <a:latin typeface="Arial"/>
-              <a:ea typeface="DejaVu Sans"/>
-            </a:endParaRPr>
-          </a:p>
-          <a:p>
-            <a:pPr marL="343080" indent="-342000">
-              <a:lnSpc>
-                <a:spcPct val="115000"/>
-              </a:lnSpc>
-              <a:spcBef>
-                <a:spcPts val="1199"/>
-              </a:spcBef>
-              <a:buClr>
-                <a:srgbClr val="000000"/>
-              </a:buClr>
-              <a:buFont typeface="StarSymbol"/>
-              <a:buChar char="-"/>
-            </a:pPr>
-            <a:r>
-              <a:rPr lang="en-US" sz="2000" b="0" strike="noStrike" spc="-1" dirty="0">
-                <a:solidFill>
-                  <a:srgbClr val="000000"/>
-                </a:solidFill>
-                <a:latin typeface="Arial"/>
-                <a:ea typeface="DejaVu Sans"/>
-              </a:rPr>
-              <a:t>Evaluate candidates with job requirements (usage of a second DMN)</a:t>
-            </a:r>
-            <a:endParaRPr lang="en-US" sz="2000" b="0" strike="noStrike" spc="-1" dirty="0">
-              <a:latin typeface="Arial"/>
-            </a:endParaRPr>
-          </a:p>
-          <a:p>
-            <a:pPr>
-              <a:lnSpc>
-                <a:spcPct val="115000"/>
-              </a:lnSpc>
-              <a:spcBef>
-                <a:spcPts val="1199"/>
-              </a:spcBef>
-            </a:pPr>
-            <a:endParaRPr lang="en-US" sz="2000" b="0" strike="noStrike" spc="-1" dirty="0">
-              <a:highlight>
-                <a:srgbClr val="FFFF00"/>
-              </a:highlight>
-              <a:latin typeface="Arial"/>
-            </a:endParaRPr>
-          </a:p>
-          <a:p>
-            <a:pPr marL="343080" indent="-342000">
-              <a:lnSpc>
-                <a:spcPct val="115000"/>
-              </a:lnSpc>
-              <a:spcBef>
-                <a:spcPts val="1199"/>
-              </a:spcBef>
-              <a:buClr>
-                <a:srgbClr val="000000"/>
-              </a:buClr>
-              <a:buFont typeface="StarSymbol"/>
-              <a:buChar char="-"/>
-            </a:pPr>
-            <a:r>
-              <a:rPr lang="en-US" sz="2000" b="0" strike="noStrike" spc="-1" dirty="0" err="1">
-                <a:solidFill>
-                  <a:srgbClr val="000000"/>
-                </a:solidFill>
-                <a:highlight>
-                  <a:srgbClr val="FFFF00"/>
-                </a:highlight>
-                <a:latin typeface="Arial"/>
-                <a:ea typeface="DejaVu Sans"/>
-              </a:rPr>
-              <a:t>xxxxxx</a:t>
-            </a:r>
-            <a:endParaRPr lang="en-US" sz="2000" b="0" strike="noStrike" spc="-1" dirty="0">
-              <a:highlight>
-                <a:srgbClr val="FFFF00"/>
-              </a:highlight>
-              <a:latin typeface="Arial"/>
-            </a:endParaRPr>
-          </a:p>
-          <a:p>
-            <a:pPr>
-              <a:lnSpc>
-                <a:spcPct val="115000"/>
-              </a:lnSpc>
-              <a:spcBef>
-                <a:spcPts val="1199"/>
-              </a:spcBef>
-            </a:pPr>
-            <a:endParaRPr lang="en-US" sz="2000" b="0" strike="noStrike" spc="-1" dirty="0">
-              <a:highlight>
-                <a:srgbClr val="FFFF00"/>
-              </a:highlight>
-              <a:latin typeface="Arial"/>
-            </a:endParaRPr>
-          </a:p>
-          <a:p>
-            <a:pPr marL="343080" indent="-342000">
-              <a:lnSpc>
-                <a:spcPct val="115000"/>
-              </a:lnSpc>
-              <a:spcBef>
-                <a:spcPts val="1199"/>
-              </a:spcBef>
-              <a:buClr>
-                <a:srgbClr val="000000"/>
-              </a:buClr>
-              <a:buFont typeface="StarSymbol"/>
-              <a:buChar char="-"/>
-            </a:pPr>
-            <a:r>
-              <a:rPr lang="en-US" sz="2000" b="0" strike="noStrike" spc="-1" dirty="0" err="1">
-                <a:solidFill>
-                  <a:srgbClr val="000000"/>
-                </a:solidFill>
-                <a:highlight>
-                  <a:srgbClr val="FFFF00"/>
-                </a:highlight>
-                <a:latin typeface="Arial"/>
-                <a:ea typeface="DejaVu Sans"/>
-              </a:rPr>
-              <a:t>xxxxxxx</a:t>
-            </a:r>
-            <a:endParaRPr lang="en-US" sz="2000" b="0" strike="noStrike" spc="-1" dirty="0">
-              <a:highlight>
-                <a:srgbClr val="FFFF00"/>
-              </a:highlight>
-              <a:latin typeface="Arial"/>
-            </a:endParaRPr>
-          </a:p>
-          <a:p>
-            <a:pPr marL="800280" lvl="1" indent="-342000">
-              <a:lnSpc>
-                <a:spcPct val="115000"/>
-              </a:lnSpc>
-              <a:spcBef>
-                <a:spcPts val="1199"/>
-              </a:spcBef>
-              <a:buClr>
-                <a:srgbClr val="000000"/>
-              </a:buClr>
-              <a:buFont typeface="StarSymbol"/>
-              <a:buChar char="-"/>
-            </a:pPr>
-            <a:r>
-              <a:rPr lang="en-US" sz="2000" b="0" strike="noStrike" spc="-1" dirty="0" err="1">
-                <a:solidFill>
-                  <a:srgbClr val="000000"/>
-                </a:solidFill>
-                <a:highlight>
-                  <a:srgbClr val="FFFF00"/>
-                </a:highlight>
-                <a:latin typeface="Arial"/>
-                <a:ea typeface="DejaVu Sans"/>
-              </a:rPr>
-              <a:t>xxxx</a:t>
-            </a:r>
-            <a:endParaRPr lang="en-US" sz="2000" b="0" strike="noStrike" spc="-1" dirty="0">
-              <a:highlight>
-                <a:srgbClr val="FFFF00"/>
-              </a:highlight>
-              <a:latin typeface="Arial"/>
-            </a:endParaRPr>
-          </a:p>
-          <a:p>
-            <a:pPr>
-              <a:lnSpc>
-                <a:spcPct val="115000"/>
-              </a:lnSpc>
-              <a:spcBef>
-                <a:spcPts val="1199"/>
-              </a:spcBef>
-            </a:pPr>
-            <a:endParaRPr lang="en-US" sz="2000" b="0" strike="noStrike" spc="-1" dirty="0">
-              <a:latin typeface="Arial"/>
-            </a:endParaRPr>
-          </a:p>
-        </p:txBody>
-      </p:sp>
-      <p:sp>
-        <p:nvSpPr>
-          <p:cNvPr id="146" name="CustomShape 3"/>
-          <p:cNvSpPr/>
-          <p:nvPr/>
-        </p:nvSpPr>
-        <p:spPr>
-          <a:xfrm>
-            <a:off x="8221680" y="7197840"/>
-            <a:ext cx="864000" cy="178200"/>
-          </a:xfrm>
-          <a:prstGeom prst="rect">
-            <a:avLst/>
-          </a:prstGeom>
-          <a:noFill/>
-          <a:ln>
-            <a:noFill/>
-          </a:ln>
-        </p:spPr>
-        <p:style>
-          <a:lnRef idx="0">
-            <a:scrgbClr r="0" g="0" b="0"/>
-          </a:lnRef>
-          <a:fillRef idx="0">
-            <a:scrgbClr r="0" g="0" b="0"/>
-          </a:fillRef>
-          <a:effectRef idx="0">
-            <a:scrgbClr r="0" g="0" b="0"/>
-          </a:effectRef>
-          <a:fontRef idx="minor"/>
-        </p:style>
-        <p:txBody>
           <a:bodyPr lIns="0" tIns="0" rIns="0" bIns="0" anchor="b"/>
           <a:lstStyle/>
           <a:p>
@@ -5994,7 +5590,7 @@
       </p:sp>
       <p:sp>
         <p:nvSpPr>
-          <p:cNvPr id="147" name="CustomShape 4"/>
+          <p:cNvPr id="121" name="CustomShape 2"/>
           <p:cNvSpPr/>
           <p:nvPr/>
         </p:nvSpPr>
@@ -6046,1895 +5642,6 @@
       </p:sp>
       <p:sp>
         <p:nvSpPr>
-          <p:cNvPr id="148" name="CustomShape 5"/>
-          <p:cNvSpPr/>
-          <p:nvPr/>
-        </p:nvSpPr>
-        <p:spPr>
-          <a:xfrm>
-            <a:off x="9086760" y="7197840"/>
-            <a:ext cx="862560" cy="178200"/>
-          </a:xfrm>
-          <a:prstGeom prst="rect">
-            <a:avLst/>
-          </a:prstGeom>
-          <a:noFill/>
-          <a:ln>
-            <a:noFill/>
-          </a:ln>
-        </p:spPr>
-        <p:style>
-          <a:lnRef idx="0">
-            <a:scrgbClr r="0" g="0" b="0"/>
-          </a:lnRef>
-          <a:fillRef idx="0">
-            <a:scrgbClr r="0" g="0" b="0"/>
-          </a:fillRef>
-          <a:effectRef idx="0">
-            <a:scrgbClr r="0" g="0" b="0"/>
-          </a:effectRef>
-          <a:fontRef idx="minor"/>
-        </p:style>
-        <p:txBody>
-          <a:bodyPr lIns="0" tIns="0" rIns="0" bIns="0" anchor="b"/>
-          <a:lstStyle/>
-          <a:p>
-            <a:pPr algn="r">
-              <a:lnSpc>
-                <a:spcPct val="100000"/>
-              </a:lnSpc>
-            </a:pPr>
-            <a:fld id="{D9A4007B-5B80-4163-80FA-8E411138EAA0}" type="slidenum">
-              <a:rPr lang="en-US" sz="1200" b="0" strike="noStrike" spc="-1">
-                <a:solidFill>
-                  <a:srgbClr val="000000"/>
-                </a:solidFill>
-                <a:latin typeface="Arial"/>
-                <a:ea typeface="DejaVu Sans"/>
-              </a:rPr>
-              <a:t>11</a:t>
-            </a:fld>
-            <a:endParaRPr lang="en-US" sz="1200" b="0" strike="noStrike" spc="-1">
-              <a:latin typeface="Arial"/>
-            </a:endParaRPr>
-          </a:p>
-        </p:txBody>
-      </p:sp>
-    </p:spTree>
-  </p:cSld>
-  <p:clrMapOvr>
-    <a:masterClrMapping/>
-  </p:clrMapOvr>
-  <p:timing>
-    <p:tnLst>
-      <p:par>
-        <p:cTn id="1" dur="indefinite" restart="never" nodeType="tmRoot">
-          <p:childTnLst>
-            <p:seq>
-              <p:cTn id="2" dur="indefinite" nodeType="mainSeq"/>
-              <p:prevCondLst>
-                <p:cond evt="onPrev" delay="0">
-                  <p:tgtEl>
-                    <p:sldTgt/>
-                  </p:tgtEl>
-                </p:cond>
-              </p:prevCondLst>
-              <p:nextCondLst>
-                <p:cond evt="onNext" delay="0">
-                  <p:tgtEl>
-                    <p:sldTgt/>
-                  </p:tgtEl>
-                </p:cond>
-              </p:nextCondLst>
-            </p:seq>
-          </p:childTnLst>
-        </p:cTn>
-      </p:par>
-    </p:tnLst>
-  </p:timing>
-</p:sld>
-</file>
-
-<file path=ppt/slides/slide2.xml><?xml version="1.0" encoding="utf-8"?>
-<p:sld xmlns:a="http://schemas.openxmlformats.org/drawingml/2006/main" xmlns:r="http://schemas.openxmlformats.org/officeDocument/2006/relationships" xmlns:p="http://schemas.openxmlformats.org/presentationml/2006/main">
-  <p:cSld>
-    <p:spTree>
-      <p:nvGrpSpPr>
-        <p:cNvPr id="1" name=""/>
-        <p:cNvGrpSpPr/>
-        <p:nvPr/>
-      </p:nvGrpSpPr>
-      <p:grpSpPr>
-        <a:xfrm>
-          <a:off x="0" y="0"/>
-          <a:ext cx="0" cy="0"/>
-          <a:chOff x="0" y="0"/>
-          <a:chExt cx="0" cy="0"/>
-        </a:xfrm>
-      </p:grpSpPr>
-      <p:sp>
-        <p:nvSpPr>
-          <p:cNvPr id="86" name="CustomShape 1"/>
-          <p:cNvSpPr/>
-          <p:nvPr/>
-        </p:nvSpPr>
-        <p:spPr>
-          <a:xfrm>
-            <a:off x="8221680" y="7197840"/>
-            <a:ext cx="864000" cy="178200"/>
-          </a:xfrm>
-          <a:prstGeom prst="rect">
-            <a:avLst/>
-          </a:prstGeom>
-          <a:noFill/>
-          <a:ln>
-            <a:noFill/>
-          </a:ln>
-        </p:spPr>
-        <p:style>
-          <a:lnRef idx="0">
-            <a:scrgbClr r="0" g="0" b="0"/>
-          </a:lnRef>
-          <a:fillRef idx="0">
-            <a:scrgbClr r="0" g="0" b="0"/>
-          </a:fillRef>
-          <a:effectRef idx="0">
-            <a:scrgbClr r="0" g="0" b="0"/>
-          </a:effectRef>
-          <a:fontRef idx="minor"/>
-        </p:style>
-        <p:txBody>
-          <a:bodyPr lIns="0" tIns="0" rIns="0" bIns="0" anchor="b"/>
-          <a:lstStyle/>
-          <a:p>
-            <a:pPr>
-              <a:lnSpc>
-                <a:spcPct val="100000"/>
-              </a:lnSpc>
-            </a:pPr>
-            <a:r>
-              <a:rPr lang="en-US" sz="1200" spc="-1" dirty="0">
-                <a:latin typeface="Arial"/>
-              </a:rPr>
-              <a:t>04.06.2020</a:t>
-            </a:r>
-            <a:endParaRPr lang="en-US" sz="1200" b="0" strike="noStrike" spc="-1" dirty="0">
-              <a:latin typeface="Arial"/>
-            </a:endParaRPr>
-          </a:p>
-        </p:txBody>
-      </p:sp>
-      <p:sp>
-        <p:nvSpPr>
-          <p:cNvPr id="87" name="CustomShape 2"/>
-          <p:cNvSpPr/>
-          <p:nvPr/>
-        </p:nvSpPr>
-        <p:spPr>
-          <a:xfrm>
-            <a:off x="736560" y="7197840"/>
-            <a:ext cx="7484040" cy="178200"/>
-          </a:xfrm>
-          <a:prstGeom prst="rect">
-            <a:avLst/>
-          </a:prstGeom>
-          <a:noFill/>
-          <a:ln>
-            <a:noFill/>
-          </a:ln>
-        </p:spPr>
-        <p:style>
-          <a:lnRef idx="0">
-            <a:scrgbClr r="0" g="0" b="0"/>
-          </a:lnRef>
-          <a:fillRef idx="0">
-            <a:scrgbClr r="0" g="0" b="0"/>
-          </a:fillRef>
-          <a:effectRef idx="0">
-            <a:scrgbClr r="0" g="0" b="0"/>
-          </a:effectRef>
-          <a:fontRef idx="minor"/>
-        </p:style>
-        <p:txBody>
-          <a:bodyPr lIns="0" tIns="0" rIns="0" bIns="0" anchor="b"/>
-          <a:lstStyle/>
-          <a:p>
-            <a:pPr>
-              <a:lnSpc>
-                <a:spcPct val="100000"/>
-              </a:lnSpc>
-            </a:pPr>
-            <a:r>
-              <a:rPr lang="en-US" sz="1200" b="0" strike="noStrike" spc="-1" dirty="0">
-                <a:solidFill>
-                  <a:srgbClr val="000000"/>
-                </a:solidFill>
-                <a:latin typeface="Arial"/>
-                <a:ea typeface="DejaVu Sans"/>
-              </a:rPr>
-              <a:t>DigiBP	Luca Müller, Nicola Raemy, Isar Gammoh, Pooja Bisht</a:t>
-            </a:r>
-            <a:endParaRPr lang="en-US" sz="1200" b="0" strike="noStrike" spc="-1" dirty="0">
-              <a:latin typeface="Arial"/>
-            </a:endParaRPr>
-          </a:p>
-        </p:txBody>
-      </p:sp>
-      <p:sp>
-        <p:nvSpPr>
-          <p:cNvPr id="88" name="CustomShape 3"/>
-          <p:cNvSpPr/>
-          <p:nvPr/>
-        </p:nvSpPr>
-        <p:spPr>
-          <a:xfrm>
-            <a:off x="9086760" y="7197840"/>
-            <a:ext cx="862560" cy="178200"/>
-          </a:xfrm>
-          <a:prstGeom prst="rect">
-            <a:avLst/>
-          </a:prstGeom>
-          <a:noFill/>
-          <a:ln>
-            <a:noFill/>
-          </a:ln>
-        </p:spPr>
-        <p:style>
-          <a:lnRef idx="0">
-            <a:scrgbClr r="0" g="0" b="0"/>
-          </a:lnRef>
-          <a:fillRef idx="0">
-            <a:scrgbClr r="0" g="0" b="0"/>
-          </a:fillRef>
-          <a:effectRef idx="0">
-            <a:scrgbClr r="0" g="0" b="0"/>
-          </a:effectRef>
-          <a:fontRef idx="minor"/>
-        </p:style>
-        <p:txBody>
-          <a:bodyPr lIns="0" tIns="0" rIns="0" bIns="0" anchor="b"/>
-          <a:lstStyle/>
-          <a:p>
-            <a:pPr algn="r">
-              <a:lnSpc>
-                <a:spcPct val="100000"/>
-              </a:lnSpc>
-            </a:pPr>
-            <a:fld id="{E543EDC4-2688-4AFB-B0C1-0827090BB9E8}" type="slidenum">
-              <a:rPr lang="en-US" sz="1200" b="0" strike="noStrike" spc="-1">
-                <a:solidFill>
-                  <a:srgbClr val="000000"/>
-                </a:solidFill>
-                <a:latin typeface="Arial"/>
-                <a:ea typeface="DejaVu Sans"/>
-              </a:rPr>
-              <a:t>2</a:t>
-            </a:fld>
-            <a:endParaRPr lang="en-US" sz="1200" b="0" strike="noStrike" spc="-1" dirty="0">
-              <a:latin typeface="Arial"/>
-            </a:endParaRPr>
-          </a:p>
-        </p:txBody>
-      </p:sp>
-      <p:sp>
-        <p:nvSpPr>
-          <p:cNvPr id="89" name="CustomShape 4"/>
-          <p:cNvSpPr/>
-          <p:nvPr/>
-        </p:nvSpPr>
-        <p:spPr>
-          <a:xfrm>
-            <a:off x="736560" y="1509840"/>
-            <a:ext cx="9212760" cy="360720"/>
-          </a:xfrm>
-          <a:prstGeom prst="rect">
-            <a:avLst/>
-          </a:prstGeom>
-          <a:noFill/>
-          <a:ln>
-            <a:noFill/>
-          </a:ln>
-        </p:spPr>
-        <p:style>
-          <a:lnRef idx="0">
-            <a:scrgbClr r="0" g="0" b="0"/>
-          </a:lnRef>
-          <a:fillRef idx="0">
-            <a:scrgbClr r="0" g="0" b="0"/>
-          </a:fillRef>
-          <a:effectRef idx="0">
-            <a:scrgbClr r="0" g="0" b="0"/>
-          </a:effectRef>
-          <a:fontRef idx="minor"/>
-        </p:style>
-        <p:txBody>
-          <a:bodyPr lIns="0" tIns="0" rIns="0" bIns="0"/>
-          <a:lstStyle/>
-          <a:p>
-            <a:pPr>
-              <a:lnSpc>
-                <a:spcPct val="100000"/>
-              </a:lnSpc>
-            </a:pPr>
-            <a:r>
-              <a:rPr lang="en-US" sz="2000" b="1" strike="noStrike" spc="-1" dirty="0">
-                <a:solidFill>
-                  <a:srgbClr val="000000"/>
-                </a:solidFill>
-                <a:latin typeface="Arial"/>
-                <a:ea typeface="DejaVu Sans"/>
-              </a:rPr>
-              <a:t>Introduction</a:t>
-            </a:r>
-            <a:endParaRPr lang="en-US" sz="2000" b="0" strike="noStrike" spc="-1" dirty="0">
-              <a:latin typeface="Arial"/>
-            </a:endParaRPr>
-          </a:p>
-        </p:txBody>
-      </p:sp>
-      <p:sp>
-        <p:nvSpPr>
-          <p:cNvPr id="90" name="CustomShape 5"/>
-          <p:cNvSpPr/>
-          <p:nvPr/>
-        </p:nvSpPr>
-        <p:spPr>
-          <a:xfrm>
-            <a:off x="731520" y="2103119"/>
-            <a:ext cx="9212760" cy="2568271"/>
-          </a:xfrm>
-          <a:prstGeom prst="rect">
-            <a:avLst/>
-          </a:prstGeom>
-          <a:noFill/>
-          <a:ln>
-            <a:noFill/>
-          </a:ln>
-        </p:spPr>
-        <p:style>
-          <a:lnRef idx="0">
-            <a:scrgbClr r="0" g="0" b="0"/>
-          </a:lnRef>
-          <a:fillRef idx="0">
-            <a:scrgbClr r="0" g="0" b="0"/>
-          </a:fillRef>
-          <a:effectRef idx="0">
-            <a:scrgbClr r="0" g="0" b="0"/>
-          </a:effectRef>
-          <a:fontRef idx="minor"/>
-        </p:style>
-        <p:txBody>
-          <a:bodyPr lIns="0" tIns="0" rIns="0" bIns="0"/>
-          <a:lstStyle/>
-          <a:p>
-            <a:pPr marL="343080" indent="-342000">
-              <a:lnSpc>
-                <a:spcPct val="115000"/>
-              </a:lnSpc>
-              <a:spcBef>
-                <a:spcPts val="1199"/>
-              </a:spcBef>
-              <a:buClr>
-                <a:srgbClr val="000000"/>
-              </a:buClr>
-              <a:buFont typeface="StarSymbol"/>
-              <a:buChar char="-"/>
-            </a:pPr>
-            <a:r>
-              <a:rPr lang="en-US" sz="2000" b="0" strike="noStrike" spc="-1" dirty="0">
-                <a:solidFill>
-                  <a:srgbClr val="000000"/>
-                </a:solidFill>
-                <a:latin typeface="Arial"/>
-                <a:ea typeface="DejaVu Sans"/>
-              </a:rPr>
-              <a:t>Optimization of a regular recruitment process</a:t>
-            </a:r>
-            <a:endParaRPr lang="en-US" sz="2000" b="0" strike="noStrike" spc="-1" dirty="0">
-              <a:latin typeface="Arial"/>
-            </a:endParaRPr>
-          </a:p>
-          <a:p>
-            <a:pPr marL="343080" indent="-342000">
-              <a:lnSpc>
-                <a:spcPct val="115000"/>
-              </a:lnSpc>
-              <a:spcBef>
-                <a:spcPts val="1199"/>
-              </a:spcBef>
-              <a:buClr>
-                <a:srgbClr val="000000"/>
-              </a:buClr>
-              <a:buFont typeface="StarSymbol"/>
-              <a:buChar char="-"/>
-            </a:pPr>
-            <a:r>
-              <a:rPr lang="en-US" sz="2000" b="0" strike="noStrike" spc="-1" dirty="0">
-                <a:solidFill>
-                  <a:srgbClr val="000000"/>
-                </a:solidFill>
-                <a:latin typeface="Arial"/>
-                <a:ea typeface="DejaVu Sans"/>
-              </a:rPr>
-              <a:t>Developed three major adjustments:</a:t>
-            </a:r>
-            <a:endParaRPr lang="en-US" sz="2000" b="0" strike="noStrike" spc="-1" dirty="0">
-              <a:latin typeface="Arial"/>
-            </a:endParaRPr>
-          </a:p>
-          <a:p>
-            <a:pPr marL="864000" lvl="1" indent="-323280">
-              <a:lnSpc>
-                <a:spcPct val="100000"/>
-              </a:lnSpc>
-              <a:spcBef>
-                <a:spcPts val="1134"/>
-              </a:spcBef>
-              <a:buClr>
-                <a:srgbClr val="000000"/>
-              </a:buClr>
-              <a:buSzPct val="75000"/>
-              <a:buFont typeface="Symbol"/>
-              <a:buChar char=""/>
-            </a:pPr>
-            <a:r>
-              <a:rPr lang="en-US" sz="2000" b="0" strike="noStrike" spc="-1" dirty="0">
-                <a:solidFill>
-                  <a:srgbClr val="000000"/>
-                </a:solidFill>
-                <a:latin typeface="Arial"/>
-                <a:ea typeface="DejaVu Sans"/>
-              </a:rPr>
-              <a:t>Publication of a job via LinkedIn</a:t>
-            </a:r>
-            <a:endParaRPr lang="en-US" sz="2000" b="0" strike="noStrike" spc="-1" dirty="0">
-              <a:latin typeface="Arial"/>
-            </a:endParaRPr>
-          </a:p>
-          <a:p>
-            <a:pPr marL="864000" lvl="1" indent="-323280">
-              <a:lnSpc>
-                <a:spcPct val="100000"/>
-              </a:lnSpc>
-              <a:spcBef>
-                <a:spcPts val="1134"/>
-              </a:spcBef>
-              <a:buClr>
-                <a:srgbClr val="000000"/>
-              </a:buClr>
-              <a:buSzPct val="75000"/>
-              <a:buFont typeface="Symbol"/>
-              <a:buChar char=""/>
-            </a:pPr>
-            <a:r>
-              <a:rPr lang="en-US" sz="2000" spc="-1" dirty="0">
-                <a:solidFill>
-                  <a:srgbClr val="000000"/>
-                </a:solidFill>
-                <a:latin typeface="Arial"/>
-              </a:rPr>
-              <a:t>Dialogflow and DMN for a first selection</a:t>
-            </a:r>
-          </a:p>
-          <a:p>
-            <a:pPr marL="864000" lvl="1" indent="-323280">
-              <a:lnSpc>
-                <a:spcPct val="100000"/>
-              </a:lnSpc>
-              <a:spcBef>
-                <a:spcPts val="1134"/>
-              </a:spcBef>
-              <a:buClr>
-                <a:srgbClr val="000000"/>
-              </a:buClr>
-              <a:buSzPct val="75000"/>
-              <a:buFont typeface="Symbol"/>
-              <a:buChar char=""/>
-            </a:pPr>
-            <a:r>
-              <a:rPr lang="en-US" sz="2000" spc="-1" dirty="0">
-                <a:solidFill>
-                  <a:srgbClr val="000000"/>
-                </a:solidFill>
-              </a:rPr>
-              <a:t>Implementation of a booking system and automated E-Mail communication to minimize coordination effort</a:t>
-            </a:r>
-            <a:endParaRPr lang="en-US" sz="2000" b="0" strike="noStrike" spc="-1" dirty="0">
-              <a:latin typeface="Arial"/>
-            </a:endParaRPr>
-          </a:p>
-          <a:p>
-            <a:pPr>
-              <a:lnSpc>
-                <a:spcPct val="115000"/>
-              </a:lnSpc>
-              <a:spcBef>
-                <a:spcPts val="1199"/>
-              </a:spcBef>
-            </a:pPr>
-            <a:endParaRPr lang="en-US" sz="2000" b="0" strike="noStrike" spc="-1" dirty="0">
-              <a:latin typeface="Arial"/>
-            </a:endParaRPr>
-          </a:p>
-        </p:txBody>
-      </p:sp>
-      <p:sp>
-        <p:nvSpPr>
-          <p:cNvPr id="10" name="Textfeld 9">
-            <a:extLst>
-              <a:ext uri="{FF2B5EF4-FFF2-40B4-BE49-F238E27FC236}">
-                <a16:creationId xmlns:a16="http://schemas.microsoft.com/office/drawing/2014/main" id="{0C6F92D0-661B-4924-88AA-22299572D2D8}"/>
-              </a:ext>
-            </a:extLst>
-          </p:cNvPr>
-          <p:cNvSpPr txBox="1"/>
-          <p:nvPr/>
-        </p:nvSpPr>
-        <p:spPr>
-          <a:xfrm>
-            <a:off x="1205802" y="4873451"/>
-            <a:ext cx="3808325" cy="2031325"/>
-          </a:xfrm>
-          <a:prstGeom prst="rect">
-            <a:avLst/>
-          </a:prstGeom>
-          <a:noFill/>
-          <a:ln>
-            <a:solidFill>
-              <a:schemeClr val="tx1"/>
-            </a:solidFill>
-          </a:ln>
-        </p:spPr>
-        <p:txBody>
-          <a:bodyPr wrap="square" rtlCol="0">
-            <a:spAutoFit/>
-          </a:bodyPr>
-          <a:lstStyle/>
-          <a:p>
-            <a:r>
-              <a:rPr lang="en-GB" dirty="0"/>
-              <a:t>Placeholder 1 for image (LinkedIn job advert or </a:t>
-            </a:r>
-            <a:r>
-              <a:rPr lang="en-GB" dirty="0" err="1"/>
-              <a:t>smt</a:t>
-            </a:r>
-            <a:r>
-              <a:rPr lang="en-GB" dirty="0"/>
-              <a:t> like this)</a:t>
-            </a:r>
-          </a:p>
-          <a:p>
-            <a:endParaRPr lang="en-GB" dirty="0"/>
-          </a:p>
-          <a:p>
-            <a:endParaRPr lang="en-GB" dirty="0"/>
-          </a:p>
-          <a:p>
-            <a:endParaRPr lang="en-GB" dirty="0"/>
-          </a:p>
-          <a:p>
-            <a:endParaRPr lang="en-GB" dirty="0"/>
-          </a:p>
-          <a:p>
-            <a:endParaRPr lang="en-GB" dirty="0"/>
-          </a:p>
-        </p:txBody>
-      </p:sp>
-      <p:sp>
-        <p:nvSpPr>
-          <p:cNvPr id="11" name="Textfeld 10">
-            <a:extLst>
-              <a:ext uri="{FF2B5EF4-FFF2-40B4-BE49-F238E27FC236}">
-                <a16:creationId xmlns:a16="http://schemas.microsoft.com/office/drawing/2014/main" id="{14EAD16C-61BB-4C2A-81D5-33BA6184FC04}"/>
-              </a:ext>
-            </a:extLst>
-          </p:cNvPr>
-          <p:cNvSpPr txBox="1"/>
-          <p:nvPr/>
-        </p:nvSpPr>
-        <p:spPr>
-          <a:xfrm>
-            <a:off x="5358423" y="4873451"/>
-            <a:ext cx="3808325" cy="2031325"/>
-          </a:xfrm>
-          <a:prstGeom prst="rect">
-            <a:avLst/>
-          </a:prstGeom>
-          <a:noFill/>
-          <a:ln>
-            <a:solidFill>
-              <a:schemeClr val="tx1"/>
-            </a:solidFill>
-          </a:ln>
-        </p:spPr>
-        <p:txBody>
-          <a:bodyPr wrap="square" rtlCol="0">
-            <a:spAutoFit/>
-          </a:bodyPr>
-          <a:lstStyle/>
-          <a:p>
-            <a:r>
-              <a:rPr lang="en-GB" dirty="0"/>
-              <a:t>Placeholder 1 for image (booking system)</a:t>
-            </a:r>
-          </a:p>
-          <a:p>
-            <a:endParaRPr lang="de-CH" dirty="0"/>
-          </a:p>
-          <a:p>
-            <a:endParaRPr lang="de-CH" dirty="0"/>
-          </a:p>
-          <a:p>
-            <a:endParaRPr lang="de-CH" dirty="0"/>
-          </a:p>
-          <a:p>
-            <a:endParaRPr lang="de-CH" dirty="0"/>
-          </a:p>
-          <a:p>
-            <a:endParaRPr lang="de-CH" dirty="0"/>
-          </a:p>
-        </p:txBody>
-      </p:sp>
-    </p:spTree>
-  </p:cSld>
-  <p:clrMapOvr>
-    <a:masterClrMapping/>
-  </p:clrMapOvr>
-  <p:timing>
-    <p:tnLst>
-      <p:par>
-        <p:cTn id="1" dur="indefinite" restart="never" nodeType="tmRoot">
-          <p:childTnLst>
-            <p:seq>
-              <p:cTn id="2" dur="indefinite" nodeType="mainSeq"/>
-              <p:prevCondLst>
-                <p:cond evt="onPrev" delay="0">
-                  <p:tgtEl>
-                    <p:sldTgt/>
-                  </p:tgtEl>
-                </p:cond>
-              </p:prevCondLst>
-              <p:nextCondLst>
-                <p:cond evt="onNext" delay="0">
-                  <p:tgtEl>
-                    <p:sldTgt/>
-                  </p:tgtEl>
-                </p:cond>
-              </p:nextCondLst>
-            </p:seq>
-          </p:childTnLst>
-        </p:cTn>
-      </p:par>
-    </p:tnLst>
-  </p:timing>
-</p:sld>
-</file>
-
-<file path=ppt/slides/slide3.xml><?xml version="1.0" encoding="utf-8"?>
-<p:sld xmlns:a="http://schemas.openxmlformats.org/drawingml/2006/main" xmlns:r="http://schemas.openxmlformats.org/officeDocument/2006/relationships" xmlns:p="http://schemas.openxmlformats.org/presentationml/2006/main">
-  <p:cSld>
-    <p:spTree>
-      <p:nvGrpSpPr>
-        <p:cNvPr id="1" name=""/>
-        <p:cNvGrpSpPr/>
-        <p:nvPr/>
-      </p:nvGrpSpPr>
-      <p:grpSpPr>
-        <a:xfrm>
-          <a:off x="0" y="0"/>
-          <a:ext cx="0" cy="0"/>
-          <a:chOff x="0" y="0"/>
-          <a:chExt cx="0" cy="0"/>
-        </a:xfrm>
-      </p:grpSpPr>
-      <p:sp>
-        <p:nvSpPr>
-          <p:cNvPr id="93" name="CustomShape 1"/>
-          <p:cNvSpPr/>
-          <p:nvPr/>
-        </p:nvSpPr>
-        <p:spPr>
-          <a:xfrm>
-            <a:off x="8221680" y="7197840"/>
-            <a:ext cx="864000" cy="178200"/>
-          </a:xfrm>
-          <a:prstGeom prst="rect">
-            <a:avLst/>
-          </a:prstGeom>
-          <a:noFill/>
-          <a:ln>
-            <a:noFill/>
-          </a:ln>
-        </p:spPr>
-        <p:style>
-          <a:lnRef idx="0">
-            <a:scrgbClr r="0" g="0" b="0"/>
-          </a:lnRef>
-          <a:fillRef idx="0">
-            <a:scrgbClr r="0" g="0" b="0"/>
-          </a:fillRef>
-          <a:effectRef idx="0">
-            <a:scrgbClr r="0" g="0" b="0"/>
-          </a:effectRef>
-          <a:fontRef idx="minor"/>
-        </p:style>
-        <p:txBody>
-          <a:bodyPr lIns="0" tIns="0" rIns="0" bIns="0" anchor="b"/>
-          <a:lstStyle/>
-          <a:p>
-            <a:r>
-              <a:rPr lang="en-US" sz="1200" spc="-1" dirty="0"/>
-              <a:t>04.06.2020</a:t>
-            </a:r>
-          </a:p>
-        </p:txBody>
-      </p:sp>
-      <p:sp>
-        <p:nvSpPr>
-          <p:cNvPr id="94" name="CustomShape 2"/>
-          <p:cNvSpPr/>
-          <p:nvPr/>
-        </p:nvSpPr>
-        <p:spPr>
-          <a:xfrm>
-            <a:off x="736560" y="7197840"/>
-            <a:ext cx="7484040" cy="178200"/>
-          </a:xfrm>
-          <a:prstGeom prst="rect">
-            <a:avLst/>
-          </a:prstGeom>
-          <a:noFill/>
-          <a:ln>
-            <a:noFill/>
-          </a:ln>
-        </p:spPr>
-        <p:style>
-          <a:lnRef idx="0">
-            <a:scrgbClr r="0" g="0" b="0"/>
-          </a:lnRef>
-          <a:fillRef idx="0">
-            <a:scrgbClr r="0" g="0" b="0"/>
-          </a:fillRef>
-          <a:effectRef idx="0">
-            <a:scrgbClr r="0" g="0" b="0"/>
-          </a:effectRef>
-          <a:fontRef idx="minor"/>
-        </p:style>
-        <p:txBody>
-          <a:bodyPr lIns="0" tIns="0" rIns="0" bIns="0" anchor="b"/>
-          <a:lstStyle/>
-          <a:p>
-            <a:pPr>
-              <a:lnSpc>
-                <a:spcPct val="100000"/>
-              </a:lnSpc>
-            </a:pPr>
-            <a:r>
-              <a:rPr lang="en-US" sz="1200" spc="-1" dirty="0">
-                <a:solidFill>
-                  <a:srgbClr val="000000"/>
-                </a:solidFill>
-              </a:rPr>
-              <a:t>DigiBP	Luca Müller, Nicola Raemy, Isar Gammoh, Pooja Bisht</a:t>
-            </a:r>
-            <a:endParaRPr lang="en-US" sz="1200" spc="-1" dirty="0"/>
-          </a:p>
-        </p:txBody>
-      </p:sp>
-      <p:sp>
-        <p:nvSpPr>
-          <p:cNvPr id="95" name="CustomShape 3"/>
-          <p:cNvSpPr/>
-          <p:nvPr/>
-        </p:nvSpPr>
-        <p:spPr>
-          <a:xfrm>
-            <a:off x="9086760" y="7197840"/>
-            <a:ext cx="862560" cy="178200"/>
-          </a:xfrm>
-          <a:prstGeom prst="rect">
-            <a:avLst/>
-          </a:prstGeom>
-          <a:noFill/>
-          <a:ln>
-            <a:noFill/>
-          </a:ln>
-        </p:spPr>
-        <p:style>
-          <a:lnRef idx="0">
-            <a:scrgbClr r="0" g="0" b="0"/>
-          </a:lnRef>
-          <a:fillRef idx="0">
-            <a:scrgbClr r="0" g="0" b="0"/>
-          </a:fillRef>
-          <a:effectRef idx="0">
-            <a:scrgbClr r="0" g="0" b="0"/>
-          </a:effectRef>
-          <a:fontRef idx="minor"/>
-        </p:style>
-        <p:txBody>
-          <a:bodyPr lIns="0" tIns="0" rIns="0" bIns="0" anchor="b"/>
-          <a:lstStyle/>
-          <a:p>
-            <a:pPr algn="r">
-              <a:lnSpc>
-                <a:spcPct val="100000"/>
-              </a:lnSpc>
-            </a:pPr>
-            <a:fld id="{49CBBAF4-72DD-4D87-A780-66DA87DD34FD}" type="slidenum">
-              <a:rPr lang="en-US" sz="1200" b="0" strike="noStrike" spc="-1">
-                <a:solidFill>
-                  <a:srgbClr val="000000"/>
-                </a:solidFill>
-                <a:latin typeface="Arial"/>
-                <a:ea typeface="DejaVu Sans"/>
-              </a:rPr>
-              <a:t>3</a:t>
-            </a:fld>
-            <a:endParaRPr lang="en-US" sz="1200" b="0" strike="noStrike" spc="-1">
-              <a:latin typeface="Arial"/>
-            </a:endParaRPr>
-          </a:p>
-        </p:txBody>
-      </p:sp>
-      <p:sp>
-        <p:nvSpPr>
-          <p:cNvPr id="96" name="CustomShape 4"/>
-          <p:cNvSpPr/>
-          <p:nvPr/>
-        </p:nvSpPr>
-        <p:spPr>
-          <a:xfrm>
-            <a:off x="736560" y="1509840"/>
-            <a:ext cx="9212760" cy="360720"/>
-          </a:xfrm>
-          <a:prstGeom prst="rect">
-            <a:avLst/>
-          </a:prstGeom>
-          <a:noFill/>
-          <a:ln>
-            <a:noFill/>
-          </a:ln>
-        </p:spPr>
-        <p:style>
-          <a:lnRef idx="0">
-            <a:scrgbClr r="0" g="0" b="0"/>
-          </a:lnRef>
-          <a:fillRef idx="0">
-            <a:scrgbClr r="0" g="0" b="0"/>
-          </a:fillRef>
-          <a:effectRef idx="0">
-            <a:scrgbClr r="0" g="0" b="0"/>
-          </a:effectRef>
-          <a:fontRef idx="minor"/>
-        </p:style>
-        <p:txBody>
-          <a:bodyPr lIns="0" tIns="0" rIns="0" bIns="0"/>
-          <a:lstStyle/>
-          <a:p>
-            <a:pPr>
-              <a:lnSpc>
-                <a:spcPct val="100000"/>
-              </a:lnSpc>
-            </a:pPr>
-            <a:r>
-              <a:rPr lang="en-US" sz="2000" b="1" strike="noStrike" spc="-1">
-                <a:solidFill>
-                  <a:srgbClr val="000000"/>
-                </a:solidFill>
-                <a:latin typeface="Arial"/>
-                <a:ea typeface="DejaVu Sans"/>
-              </a:rPr>
-              <a:t>As-Is</a:t>
-            </a:r>
-            <a:endParaRPr lang="en-US" sz="2000" b="0" strike="noStrike" spc="-1">
-              <a:latin typeface="Arial"/>
-            </a:endParaRPr>
-          </a:p>
-        </p:txBody>
-      </p:sp>
-      <p:sp>
-        <p:nvSpPr>
-          <p:cNvPr id="97" name="CustomShape 5"/>
-          <p:cNvSpPr/>
-          <p:nvPr/>
-        </p:nvSpPr>
-        <p:spPr>
-          <a:xfrm>
-            <a:off x="738360" y="5292720"/>
-            <a:ext cx="9212760" cy="1367280"/>
-          </a:xfrm>
-          <a:prstGeom prst="rect">
-            <a:avLst/>
-          </a:prstGeom>
-          <a:noFill/>
-          <a:ln>
-            <a:noFill/>
-          </a:ln>
-        </p:spPr>
-        <p:style>
-          <a:lnRef idx="0">
-            <a:scrgbClr r="0" g="0" b="0"/>
-          </a:lnRef>
-          <a:fillRef idx="0">
-            <a:scrgbClr r="0" g="0" b="0"/>
-          </a:fillRef>
-          <a:effectRef idx="0">
-            <a:scrgbClr r="0" g="0" b="0"/>
-          </a:effectRef>
-          <a:fontRef idx="minor"/>
-        </p:style>
-        <p:txBody>
-          <a:bodyPr lIns="0" tIns="0" rIns="0" bIns="0"/>
-          <a:lstStyle/>
-          <a:p>
-            <a:pPr marL="343080" indent="-342000">
-              <a:lnSpc>
-                <a:spcPct val="115000"/>
-              </a:lnSpc>
-              <a:spcBef>
-                <a:spcPts val="1199"/>
-              </a:spcBef>
-              <a:buClr>
-                <a:srgbClr val="000000"/>
-              </a:buClr>
-              <a:buFont typeface="StarSymbol"/>
-              <a:buChar char="-"/>
-            </a:pPr>
-            <a:r>
-              <a:rPr lang="en-US" sz="2000" b="0" strike="noStrike" spc="-1" dirty="0" err="1">
-                <a:solidFill>
-                  <a:srgbClr val="000000"/>
-                </a:solidFill>
-                <a:latin typeface="Arial"/>
-                <a:ea typeface="DejaVu Sans"/>
-              </a:rPr>
-              <a:t>xxxxxx</a:t>
-            </a:r>
-            <a:endParaRPr lang="en-US" sz="2000" b="0" strike="noStrike" spc="-1" dirty="0">
-              <a:latin typeface="Arial"/>
-            </a:endParaRPr>
-          </a:p>
-          <a:p>
-            <a:pPr marL="343080" indent="-342000">
-              <a:lnSpc>
-                <a:spcPct val="115000"/>
-              </a:lnSpc>
-              <a:spcBef>
-                <a:spcPts val="1199"/>
-              </a:spcBef>
-              <a:buClr>
-                <a:srgbClr val="000000"/>
-              </a:buClr>
-              <a:buFont typeface="StarSymbol"/>
-              <a:buChar char="-"/>
-            </a:pPr>
-            <a:r>
-              <a:rPr lang="en-US" sz="2000" b="0" strike="noStrike" spc="-1" dirty="0" err="1">
-                <a:solidFill>
-                  <a:srgbClr val="000000"/>
-                </a:solidFill>
-                <a:latin typeface="Arial"/>
-                <a:ea typeface="DejaVu Sans"/>
-              </a:rPr>
-              <a:t>xxxxx</a:t>
-            </a:r>
-            <a:endParaRPr lang="en-US" sz="2000" b="0" strike="noStrike" spc="-1" dirty="0">
-              <a:latin typeface="Arial"/>
-            </a:endParaRPr>
-          </a:p>
-          <a:p>
-            <a:pPr marL="343080" indent="-342000">
-              <a:lnSpc>
-                <a:spcPct val="115000"/>
-              </a:lnSpc>
-              <a:spcBef>
-                <a:spcPts val="1199"/>
-              </a:spcBef>
-              <a:buClr>
-                <a:srgbClr val="000000"/>
-              </a:buClr>
-              <a:buFont typeface="StarSymbol"/>
-              <a:buChar char="-"/>
-            </a:pPr>
-            <a:r>
-              <a:rPr lang="en-US" sz="2000" b="0" strike="noStrike" spc="-1" dirty="0" err="1">
-                <a:solidFill>
-                  <a:srgbClr val="000000"/>
-                </a:solidFill>
-                <a:latin typeface="Arial"/>
-                <a:ea typeface="DejaVu Sans"/>
-              </a:rPr>
-              <a:t>xxxxx</a:t>
-            </a:r>
-            <a:endParaRPr lang="en-US" sz="2000" b="0" strike="noStrike" spc="-1" dirty="0">
-              <a:latin typeface="Arial"/>
-            </a:endParaRPr>
-          </a:p>
-          <a:p>
-            <a:pPr>
-              <a:lnSpc>
-                <a:spcPct val="115000"/>
-              </a:lnSpc>
-              <a:spcBef>
-                <a:spcPts val="1199"/>
-              </a:spcBef>
-            </a:pPr>
-            <a:endParaRPr lang="en-US" sz="2000" b="0" strike="noStrike" spc="-1" dirty="0">
-              <a:latin typeface="Arial"/>
-            </a:endParaRPr>
-          </a:p>
-        </p:txBody>
-      </p:sp>
-    </p:spTree>
-  </p:cSld>
-  <p:clrMapOvr>
-    <a:masterClrMapping/>
-  </p:clrMapOvr>
-  <p:timing>
-    <p:tnLst>
-      <p:par>
-        <p:cTn id="1" dur="indefinite" restart="never" nodeType="tmRoot">
-          <p:childTnLst>
-            <p:seq>
-              <p:cTn id="2" dur="indefinite" nodeType="mainSeq"/>
-              <p:prevCondLst>
-                <p:cond evt="onPrev" delay="0">
-                  <p:tgtEl>
-                    <p:sldTgt/>
-                  </p:tgtEl>
-                </p:cond>
-              </p:prevCondLst>
-              <p:nextCondLst>
-                <p:cond evt="onNext" delay="0">
-                  <p:tgtEl>
-                    <p:sldTgt/>
-                  </p:tgtEl>
-                </p:cond>
-              </p:nextCondLst>
-            </p:seq>
-          </p:childTnLst>
-        </p:cTn>
-      </p:par>
-    </p:tnLst>
-  </p:timing>
-</p:sld>
-</file>
-
-<file path=ppt/slides/slide4.xml><?xml version="1.0" encoding="utf-8"?>
-<p:sld xmlns:a="http://schemas.openxmlformats.org/drawingml/2006/main" xmlns:r="http://schemas.openxmlformats.org/officeDocument/2006/relationships" xmlns:p="http://schemas.openxmlformats.org/presentationml/2006/main">
-  <p:cSld>
-    <p:spTree>
-      <p:nvGrpSpPr>
-        <p:cNvPr id="1" name=""/>
-        <p:cNvGrpSpPr/>
-        <p:nvPr/>
-      </p:nvGrpSpPr>
-      <p:grpSpPr>
-        <a:xfrm>
-          <a:off x="0" y="0"/>
-          <a:ext cx="0" cy="0"/>
-          <a:chOff x="0" y="0"/>
-          <a:chExt cx="0" cy="0"/>
-        </a:xfrm>
-      </p:grpSpPr>
-      <p:sp>
-        <p:nvSpPr>
-          <p:cNvPr id="106" name="CustomShape 1"/>
-          <p:cNvSpPr/>
-          <p:nvPr/>
-        </p:nvSpPr>
-        <p:spPr>
-          <a:xfrm>
-            <a:off x="736560" y="1509840"/>
-            <a:ext cx="9212760" cy="360720"/>
-          </a:xfrm>
-          <a:prstGeom prst="rect">
-            <a:avLst/>
-          </a:prstGeom>
-          <a:noFill/>
-          <a:ln>
-            <a:noFill/>
-          </a:ln>
-        </p:spPr>
-        <p:style>
-          <a:lnRef idx="0">
-            <a:scrgbClr r="0" g="0" b="0"/>
-          </a:lnRef>
-          <a:fillRef idx="0">
-            <a:scrgbClr r="0" g="0" b="0"/>
-          </a:fillRef>
-          <a:effectRef idx="0">
-            <a:scrgbClr r="0" g="0" b="0"/>
-          </a:effectRef>
-          <a:fontRef idx="minor"/>
-        </p:style>
-        <p:txBody>
-          <a:bodyPr lIns="0" tIns="0" rIns="0" bIns="0"/>
-          <a:lstStyle/>
-          <a:p>
-            <a:pPr>
-              <a:lnSpc>
-                <a:spcPct val="100000"/>
-              </a:lnSpc>
-            </a:pPr>
-            <a:r>
-              <a:rPr lang="en-US" sz="2000" b="1" strike="noStrike" spc="-1">
-                <a:solidFill>
-                  <a:srgbClr val="000000"/>
-                </a:solidFill>
-                <a:latin typeface="Arial"/>
-                <a:ea typeface="DejaVu Sans"/>
-              </a:rPr>
-              <a:t>To-Be</a:t>
-            </a:r>
-            <a:endParaRPr lang="en-US" sz="2000" b="0" strike="noStrike" spc="-1">
-              <a:latin typeface="Arial"/>
-            </a:endParaRPr>
-          </a:p>
-        </p:txBody>
-      </p:sp>
-      <p:sp>
-        <p:nvSpPr>
-          <p:cNvPr id="107" name="CustomShape 2"/>
-          <p:cNvSpPr/>
-          <p:nvPr/>
-        </p:nvSpPr>
-        <p:spPr>
-          <a:xfrm>
-            <a:off x="632520" y="2023200"/>
-            <a:ext cx="2696760" cy="4462920"/>
-          </a:xfrm>
-          <a:prstGeom prst="rect">
-            <a:avLst/>
-          </a:prstGeom>
-          <a:noFill/>
-          <a:ln>
-            <a:noFill/>
-          </a:ln>
-        </p:spPr>
-        <p:style>
-          <a:lnRef idx="0">
-            <a:scrgbClr r="0" g="0" b="0"/>
-          </a:lnRef>
-          <a:fillRef idx="0">
-            <a:scrgbClr r="0" g="0" b="0"/>
-          </a:fillRef>
-          <a:effectRef idx="0">
-            <a:scrgbClr r="0" g="0" b="0"/>
-          </a:effectRef>
-          <a:fontRef idx="minor"/>
-        </p:style>
-        <p:txBody>
-          <a:bodyPr lIns="0" tIns="0" rIns="0" bIns="0"/>
-          <a:lstStyle/>
-          <a:p>
-            <a:pPr marL="343080" indent="-342720">
-              <a:lnSpc>
-                <a:spcPct val="115000"/>
-              </a:lnSpc>
-              <a:spcBef>
-                <a:spcPts val="1199"/>
-              </a:spcBef>
-              <a:buClr>
-                <a:srgbClr val="000000"/>
-              </a:buClr>
-              <a:buFont typeface="StarSymbol"/>
-              <a:buChar char="-"/>
-            </a:pPr>
-            <a:r>
-              <a:rPr lang="en-US" sz="2000" spc="-1" dirty="0">
-                <a:solidFill>
-                  <a:srgbClr val="000000"/>
-                </a:solidFill>
-              </a:rPr>
-              <a:t>Simplification of the process through automated workflows</a:t>
-            </a:r>
-          </a:p>
-          <a:p>
-            <a:pPr marL="343080" indent="-342720">
-              <a:lnSpc>
-                <a:spcPct val="115000"/>
-              </a:lnSpc>
-              <a:spcBef>
-                <a:spcPts val="1199"/>
-              </a:spcBef>
-              <a:buClr>
-                <a:srgbClr val="000000"/>
-              </a:buClr>
-              <a:buFont typeface="StarSymbol"/>
-              <a:buChar char="-"/>
-            </a:pPr>
-            <a:r>
-              <a:rPr lang="en-US" sz="2000" spc="-1" dirty="0" err="1">
-                <a:solidFill>
-                  <a:srgbClr val="000000"/>
-                </a:solidFill>
-              </a:rPr>
-              <a:t>xxxxxxxx</a:t>
-            </a:r>
-            <a:endParaRPr lang="en-US" sz="2000" b="0" strike="noStrike" spc="-1" dirty="0">
-              <a:latin typeface="Arial"/>
-            </a:endParaRPr>
-          </a:p>
-        </p:txBody>
-      </p:sp>
-      <p:sp>
-        <p:nvSpPr>
-          <p:cNvPr id="110" name="CustomShape 3"/>
-          <p:cNvSpPr/>
-          <p:nvPr/>
-        </p:nvSpPr>
-        <p:spPr>
-          <a:xfrm>
-            <a:off x="8221680" y="7197840"/>
-            <a:ext cx="864000" cy="178200"/>
-          </a:xfrm>
-          <a:prstGeom prst="rect">
-            <a:avLst/>
-          </a:prstGeom>
-          <a:noFill/>
-          <a:ln>
-            <a:noFill/>
-          </a:ln>
-        </p:spPr>
-        <p:style>
-          <a:lnRef idx="0">
-            <a:scrgbClr r="0" g="0" b="0"/>
-          </a:lnRef>
-          <a:fillRef idx="0">
-            <a:scrgbClr r="0" g="0" b="0"/>
-          </a:fillRef>
-          <a:effectRef idx="0">
-            <a:scrgbClr r="0" g="0" b="0"/>
-          </a:effectRef>
-          <a:fontRef idx="minor"/>
-        </p:style>
-        <p:txBody>
-          <a:bodyPr lIns="0" tIns="0" rIns="0" bIns="0" anchor="b"/>
-          <a:lstStyle/>
-          <a:p>
-            <a:r>
-              <a:rPr lang="en-US" sz="1200" spc="-1" dirty="0"/>
-              <a:t>04.06.2020</a:t>
-            </a:r>
-          </a:p>
-        </p:txBody>
-      </p:sp>
-      <p:sp>
-        <p:nvSpPr>
-          <p:cNvPr id="111" name="CustomShape 4"/>
-          <p:cNvSpPr/>
-          <p:nvPr/>
-        </p:nvSpPr>
-        <p:spPr>
-          <a:xfrm>
-            <a:off x="736560" y="7197840"/>
-            <a:ext cx="7484040" cy="178200"/>
-          </a:xfrm>
-          <a:prstGeom prst="rect">
-            <a:avLst/>
-          </a:prstGeom>
-          <a:noFill/>
-          <a:ln>
-            <a:noFill/>
-          </a:ln>
-        </p:spPr>
-        <p:style>
-          <a:lnRef idx="0">
-            <a:scrgbClr r="0" g="0" b="0"/>
-          </a:lnRef>
-          <a:fillRef idx="0">
-            <a:scrgbClr r="0" g="0" b="0"/>
-          </a:fillRef>
-          <a:effectRef idx="0">
-            <a:scrgbClr r="0" g="0" b="0"/>
-          </a:effectRef>
-          <a:fontRef idx="minor"/>
-        </p:style>
-        <p:txBody>
-          <a:bodyPr lIns="0" tIns="0" rIns="0" bIns="0" anchor="b"/>
-          <a:lstStyle/>
-          <a:p>
-            <a:pPr>
-              <a:lnSpc>
-                <a:spcPct val="100000"/>
-              </a:lnSpc>
-            </a:pPr>
-            <a:r>
-              <a:rPr lang="en-US" sz="1200" spc="-1" dirty="0">
-                <a:solidFill>
-                  <a:srgbClr val="000000"/>
-                </a:solidFill>
-              </a:rPr>
-              <a:t>DigiBP	Luca Müller, Nicola Raemy, Isar Gammoh, Pooja Bisht</a:t>
-            </a:r>
-            <a:endParaRPr lang="en-US" sz="1200" spc="-1" dirty="0"/>
-          </a:p>
-        </p:txBody>
-      </p:sp>
-      <p:sp>
-        <p:nvSpPr>
-          <p:cNvPr id="112" name="CustomShape 5"/>
-          <p:cNvSpPr/>
-          <p:nvPr/>
-        </p:nvSpPr>
-        <p:spPr>
-          <a:xfrm>
-            <a:off x="9086760" y="7197840"/>
-            <a:ext cx="862560" cy="178200"/>
-          </a:xfrm>
-          <a:prstGeom prst="rect">
-            <a:avLst/>
-          </a:prstGeom>
-          <a:noFill/>
-          <a:ln>
-            <a:noFill/>
-          </a:ln>
-        </p:spPr>
-        <p:style>
-          <a:lnRef idx="0">
-            <a:scrgbClr r="0" g="0" b="0"/>
-          </a:lnRef>
-          <a:fillRef idx="0">
-            <a:scrgbClr r="0" g="0" b="0"/>
-          </a:fillRef>
-          <a:effectRef idx="0">
-            <a:scrgbClr r="0" g="0" b="0"/>
-          </a:effectRef>
-          <a:fontRef idx="minor"/>
-        </p:style>
-        <p:txBody>
-          <a:bodyPr lIns="0" tIns="0" rIns="0" bIns="0" anchor="b"/>
-          <a:lstStyle/>
-          <a:p>
-            <a:pPr algn="r">
-              <a:lnSpc>
-                <a:spcPct val="100000"/>
-              </a:lnSpc>
-            </a:pPr>
-            <a:fld id="{00360D2B-B20A-484E-A7FA-6D75A81CECAD}" type="slidenum">
-              <a:rPr lang="en-US" sz="1200" b="0" strike="noStrike" spc="-1">
-                <a:solidFill>
-                  <a:srgbClr val="000000"/>
-                </a:solidFill>
-                <a:latin typeface="Arial"/>
-                <a:ea typeface="DejaVu Sans"/>
-              </a:rPr>
-              <a:t>4</a:t>
-            </a:fld>
-            <a:endParaRPr lang="en-US" sz="1200" b="0" strike="noStrike" spc="-1">
-              <a:latin typeface="Arial"/>
-            </a:endParaRPr>
-          </a:p>
-        </p:txBody>
-      </p:sp>
-    </p:spTree>
-  </p:cSld>
-  <p:clrMapOvr>
-    <a:masterClrMapping/>
-  </p:clrMapOvr>
-  <p:timing>
-    <p:tnLst>
-      <p:par>
-        <p:cTn id="1" dur="indefinite" restart="never" nodeType="tmRoot">
-          <p:childTnLst>
-            <p:seq>
-              <p:cTn id="2" dur="indefinite" nodeType="mainSeq"/>
-              <p:prevCondLst>
-                <p:cond evt="onPrev" delay="0">
-                  <p:tgtEl>
-                    <p:sldTgt/>
-                  </p:tgtEl>
-                </p:cond>
-              </p:prevCondLst>
-              <p:nextCondLst>
-                <p:cond evt="onNext" delay="0">
-                  <p:tgtEl>
-                    <p:sldTgt/>
-                  </p:tgtEl>
-                </p:cond>
-              </p:nextCondLst>
-            </p:seq>
-          </p:childTnLst>
-        </p:cTn>
-      </p:par>
-    </p:tnLst>
-  </p:timing>
-</p:sld>
-</file>
-
-<file path=ppt/slides/slide5.xml><?xml version="1.0" encoding="utf-8"?>
-<p:sld xmlns:a="http://schemas.openxmlformats.org/drawingml/2006/main" xmlns:r="http://schemas.openxmlformats.org/officeDocument/2006/relationships" xmlns:p="http://schemas.openxmlformats.org/presentationml/2006/main">
-  <p:cSld>
-    <p:spTree>
-      <p:nvGrpSpPr>
-        <p:cNvPr id="1" name=""/>
-        <p:cNvGrpSpPr/>
-        <p:nvPr/>
-      </p:nvGrpSpPr>
-      <p:grpSpPr>
-        <a:xfrm>
-          <a:off x="0" y="0"/>
-          <a:ext cx="0" cy="0"/>
-          <a:chOff x="0" y="0"/>
-          <a:chExt cx="0" cy="0"/>
-        </a:xfrm>
-      </p:grpSpPr>
-      <p:sp>
-        <p:nvSpPr>
-          <p:cNvPr id="113" name="CustomShape 1"/>
-          <p:cNvSpPr/>
-          <p:nvPr/>
-        </p:nvSpPr>
-        <p:spPr>
-          <a:xfrm>
-            <a:off x="736560" y="1509840"/>
-            <a:ext cx="9212760" cy="360720"/>
-          </a:xfrm>
-          <a:prstGeom prst="rect">
-            <a:avLst/>
-          </a:prstGeom>
-          <a:noFill/>
-          <a:ln>
-            <a:noFill/>
-          </a:ln>
-        </p:spPr>
-        <p:style>
-          <a:lnRef idx="0">
-            <a:scrgbClr r="0" g="0" b="0"/>
-          </a:lnRef>
-          <a:fillRef idx="0">
-            <a:scrgbClr r="0" g="0" b="0"/>
-          </a:fillRef>
-          <a:effectRef idx="0">
-            <a:scrgbClr r="0" g="0" b="0"/>
-          </a:effectRef>
-          <a:fontRef idx="minor"/>
-        </p:style>
-        <p:txBody>
-          <a:bodyPr lIns="0" tIns="0" rIns="0" bIns="0"/>
-          <a:lstStyle/>
-          <a:p>
-            <a:pPr>
-              <a:lnSpc>
-                <a:spcPct val="100000"/>
-              </a:lnSpc>
-            </a:pPr>
-            <a:r>
-              <a:rPr lang="en-US" sz="2000" b="1" strike="noStrike" spc="-1" dirty="0">
-                <a:solidFill>
-                  <a:srgbClr val="000000"/>
-                </a:solidFill>
-                <a:latin typeface="Arial"/>
-                <a:ea typeface="DejaVu Sans"/>
-              </a:rPr>
-              <a:t>Procedure To-Be</a:t>
-            </a:r>
-            <a:endParaRPr lang="en-US" sz="2000" b="0" strike="noStrike" spc="-1" dirty="0">
-              <a:latin typeface="Arial"/>
-            </a:endParaRPr>
-          </a:p>
-        </p:txBody>
-      </p:sp>
-      <p:sp>
-        <p:nvSpPr>
-          <p:cNvPr id="114" name="CustomShape 2"/>
-          <p:cNvSpPr/>
-          <p:nvPr/>
-        </p:nvSpPr>
-        <p:spPr>
-          <a:xfrm>
-            <a:off x="731520" y="2028960"/>
-            <a:ext cx="3291480" cy="4462920"/>
-          </a:xfrm>
-          <a:prstGeom prst="rect">
-            <a:avLst/>
-          </a:prstGeom>
-          <a:noFill/>
-          <a:ln>
-            <a:noFill/>
-          </a:ln>
-        </p:spPr>
-        <p:style>
-          <a:lnRef idx="0">
-            <a:scrgbClr r="0" g="0" b="0"/>
-          </a:lnRef>
-          <a:fillRef idx="0">
-            <a:scrgbClr r="0" g="0" b="0"/>
-          </a:fillRef>
-          <a:effectRef idx="0">
-            <a:scrgbClr r="0" g="0" b="0"/>
-          </a:effectRef>
-          <a:fontRef idx="minor"/>
-        </p:style>
-        <p:txBody>
-          <a:bodyPr lIns="0" tIns="0" rIns="0" bIns="0"/>
-          <a:lstStyle/>
-          <a:p>
-            <a:pPr marL="343080" indent="-342000">
-              <a:lnSpc>
-                <a:spcPct val="115000"/>
-              </a:lnSpc>
-              <a:spcBef>
-                <a:spcPts val="1199"/>
-              </a:spcBef>
-              <a:buClr>
-                <a:srgbClr val="000000"/>
-              </a:buClr>
-              <a:buFont typeface="StarSymbol"/>
-              <a:buChar char="-"/>
-            </a:pPr>
-            <a:r>
-              <a:rPr lang="en-US" sz="2000" b="0" strike="noStrike" spc="-1" dirty="0">
-                <a:solidFill>
-                  <a:srgbClr val="000000"/>
-                </a:solidFill>
-                <a:highlight>
-                  <a:srgbClr val="FFFF00"/>
-                </a:highlight>
-                <a:latin typeface="Arial"/>
-                <a:ea typeface="DejaVu Sans"/>
-              </a:rPr>
-              <a:t> </a:t>
-            </a:r>
-            <a:endParaRPr lang="en-US" sz="2000" b="0" strike="noStrike" spc="-1" dirty="0">
-              <a:highlight>
-                <a:srgbClr val="FFFF00"/>
-              </a:highlight>
-              <a:latin typeface="Arial"/>
-            </a:endParaRPr>
-          </a:p>
-          <a:p>
-            <a:pPr>
-              <a:lnSpc>
-                <a:spcPct val="115000"/>
-              </a:lnSpc>
-              <a:spcBef>
-                <a:spcPts val="1199"/>
-              </a:spcBef>
-            </a:pPr>
-            <a:endParaRPr lang="en-US" sz="2000" b="0" strike="noStrike" spc="-1" dirty="0">
-              <a:latin typeface="Arial"/>
-            </a:endParaRPr>
-          </a:p>
-        </p:txBody>
-      </p:sp>
-      <p:sp>
-        <p:nvSpPr>
-          <p:cNvPr id="115" name="CustomShape 3"/>
-          <p:cNvSpPr/>
-          <p:nvPr/>
-        </p:nvSpPr>
-        <p:spPr>
-          <a:xfrm>
-            <a:off x="8221680" y="7197840"/>
-            <a:ext cx="864000" cy="178200"/>
-          </a:xfrm>
-          <a:prstGeom prst="rect">
-            <a:avLst/>
-          </a:prstGeom>
-          <a:noFill/>
-          <a:ln>
-            <a:noFill/>
-          </a:ln>
-        </p:spPr>
-        <p:style>
-          <a:lnRef idx="0">
-            <a:scrgbClr r="0" g="0" b="0"/>
-          </a:lnRef>
-          <a:fillRef idx="0">
-            <a:scrgbClr r="0" g="0" b="0"/>
-          </a:fillRef>
-          <a:effectRef idx="0">
-            <a:scrgbClr r="0" g="0" b="0"/>
-          </a:effectRef>
-          <a:fontRef idx="minor"/>
-        </p:style>
-        <p:txBody>
-          <a:bodyPr lIns="0" tIns="0" rIns="0" bIns="0" anchor="b"/>
-          <a:lstStyle/>
-          <a:p>
-            <a:r>
-              <a:rPr lang="en-US" sz="1200" spc="-1" dirty="0"/>
-              <a:t>04.06.2020</a:t>
-            </a:r>
-          </a:p>
-        </p:txBody>
-      </p:sp>
-      <p:sp>
-        <p:nvSpPr>
-          <p:cNvPr id="116" name="CustomShape 4"/>
-          <p:cNvSpPr/>
-          <p:nvPr/>
-        </p:nvSpPr>
-        <p:spPr>
-          <a:xfrm>
-            <a:off x="736560" y="7197840"/>
-            <a:ext cx="7484040" cy="178200"/>
-          </a:xfrm>
-          <a:prstGeom prst="rect">
-            <a:avLst/>
-          </a:prstGeom>
-          <a:noFill/>
-          <a:ln>
-            <a:noFill/>
-          </a:ln>
-        </p:spPr>
-        <p:style>
-          <a:lnRef idx="0">
-            <a:scrgbClr r="0" g="0" b="0"/>
-          </a:lnRef>
-          <a:fillRef idx="0">
-            <a:scrgbClr r="0" g="0" b="0"/>
-          </a:fillRef>
-          <a:effectRef idx="0">
-            <a:scrgbClr r="0" g="0" b="0"/>
-          </a:effectRef>
-          <a:fontRef idx="minor"/>
-        </p:style>
-        <p:txBody>
-          <a:bodyPr lIns="0" tIns="0" rIns="0" bIns="0" anchor="b"/>
-          <a:lstStyle/>
-          <a:p>
-            <a:pPr>
-              <a:lnSpc>
-                <a:spcPct val="100000"/>
-              </a:lnSpc>
-            </a:pPr>
-            <a:r>
-              <a:rPr lang="en-US" sz="1200" spc="-1" dirty="0">
-                <a:solidFill>
-                  <a:srgbClr val="000000"/>
-                </a:solidFill>
-              </a:rPr>
-              <a:t>DigiBP	Luca Müller, Nicola Raemy, Isar Gammoh, Pooja Bisht</a:t>
-            </a:r>
-            <a:endParaRPr lang="en-US" sz="1200" spc="-1" dirty="0"/>
-          </a:p>
-        </p:txBody>
-      </p:sp>
-      <p:sp>
-        <p:nvSpPr>
-          <p:cNvPr id="117" name="CustomShape 5"/>
-          <p:cNvSpPr/>
-          <p:nvPr/>
-        </p:nvSpPr>
-        <p:spPr>
-          <a:xfrm>
-            <a:off x="9086760" y="7197840"/>
-            <a:ext cx="862560" cy="178200"/>
-          </a:xfrm>
-          <a:prstGeom prst="rect">
-            <a:avLst/>
-          </a:prstGeom>
-          <a:noFill/>
-          <a:ln>
-            <a:noFill/>
-          </a:ln>
-        </p:spPr>
-        <p:style>
-          <a:lnRef idx="0">
-            <a:scrgbClr r="0" g="0" b="0"/>
-          </a:lnRef>
-          <a:fillRef idx="0">
-            <a:scrgbClr r="0" g="0" b="0"/>
-          </a:fillRef>
-          <a:effectRef idx="0">
-            <a:scrgbClr r="0" g="0" b="0"/>
-          </a:effectRef>
-          <a:fontRef idx="minor"/>
-        </p:style>
-        <p:txBody>
-          <a:bodyPr lIns="0" tIns="0" rIns="0" bIns="0" anchor="b"/>
-          <a:lstStyle/>
-          <a:p>
-            <a:pPr algn="r">
-              <a:lnSpc>
-                <a:spcPct val="100000"/>
-              </a:lnSpc>
-            </a:pPr>
-            <a:fld id="{5C5EEAB1-12A8-4F70-9E27-16F78D7FACFD}" type="slidenum">
-              <a:rPr lang="en-US" sz="1200" b="0" strike="noStrike" spc="-1">
-                <a:solidFill>
-                  <a:srgbClr val="000000"/>
-                </a:solidFill>
-                <a:latin typeface="Arial"/>
-                <a:ea typeface="DejaVu Sans"/>
-              </a:rPr>
-              <a:t>5</a:t>
-            </a:fld>
-            <a:endParaRPr lang="en-US" sz="1200" b="0" strike="noStrike" spc="-1">
-              <a:latin typeface="Arial"/>
-            </a:endParaRPr>
-          </a:p>
-        </p:txBody>
-      </p:sp>
-      <p:sp>
-        <p:nvSpPr>
-          <p:cNvPr id="119" name="CustomShape 6"/>
-          <p:cNvSpPr/>
-          <p:nvPr/>
-        </p:nvSpPr>
-        <p:spPr>
-          <a:xfrm>
-            <a:off x="10149840" y="3566160"/>
-            <a:ext cx="456840" cy="320760"/>
-          </a:xfrm>
-          <a:prstGeom prst="rect">
-            <a:avLst/>
-          </a:prstGeom>
-          <a:solidFill>
-            <a:srgbClr val="FFFFFF"/>
-          </a:solidFill>
-          <a:ln>
-            <a:solidFill>
-              <a:srgbClr val="FFFFFF"/>
-            </a:solidFill>
-          </a:ln>
-        </p:spPr>
-        <p:style>
-          <a:lnRef idx="0">
-            <a:scrgbClr r="0" g="0" b="0"/>
-          </a:lnRef>
-          <a:fillRef idx="0">
-            <a:scrgbClr r="0" g="0" b="0"/>
-          </a:fillRef>
-          <a:effectRef idx="0">
-            <a:scrgbClr r="0" g="0" b="0"/>
-          </a:effectRef>
-          <a:fontRef idx="minor"/>
-        </p:style>
-      </p:sp>
-    </p:spTree>
-  </p:cSld>
-  <p:clrMapOvr>
-    <a:masterClrMapping/>
-  </p:clrMapOvr>
-  <p:timing>
-    <p:tnLst>
-      <p:par>
-        <p:cTn id="1" dur="indefinite" restart="never" nodeType="tmRoot">
-          <p:childTnLst>
-            <p:seq>
-              <p:cTn id="2" dur="indefinite" nodeType="mainSeq"/>
-              <p:prevCondLst>
-                <p:cond evt="onPrev" delay="0">
-                  <p:tgtEl>
-                    <p:sldTgt/>
-                  </p:tgtEl>
-                </p:cond>
-              </p:prevCondLst>
-              <p:nextCondLst>
-                <p:cond evt="onNext" delay="0">
-                  <p:tgtEl>
-                    <p:sldTgt/>
-                  </p:tgtEl>
-                </p:cond>
-              </p:nextCondLst>
-            </p:seq>
-          </p:childTnLst>
-        </p:cTn>
-      </p:par>
-    </p:tnLst>
-  </p:timing>
-</p:sld>
-</file>
-
-<file path=ppt/slides/slide6.xml><?xml version="1.0" encoding="utf-8"?>
-<p:sld xmlns:a="http://schemas.openxmlformats.org/drawingml/2006/main" xmlns:r="http://schemas.openxmlformats.org/officeDocument/2006/relationships" xmlns:p="http://schemas.openxmlformats.org/presentationml/2006/main">
-  <p:cSld>
-    <p:spTree>
-      <p:nvGrpSpPr>
-        <p:cNvPr id="1" name=""/>
-        <p:cNvGrpSpPr/>
-        <p:nvPr/>
-      </p:nvGrpSpPr>
-      <p:grpSpPr>
-        <a:xfrm>
-          <a:off x="0" y="0"/>
-          <a:ext cx="0" cy="0"/>
-          <a:chOff x="0" y="0"/>
-          <a:chExt cx="0" cy="0"/>
-        </a:xfrm>
-      </p:grpSpPr>
-      <p:sp>
-        <p:nvSpPr>
-          <p:cNvPr id="120" name="CustomShape 1"/>
-          <p:cNvSpPr/>
-          <p:nvPr/>
-        </p:nvSpPr>
-        <p:spPr>
-          <a:xfrm>
-            <a:off x="8221680" y="7197840"/>
-            <a:ext cx="864000" cy="178200"/>
-          </a:xfrm>
-          <a:prstGeom prst="rect">
-            <a:avLst/>
-          </a:prstGeom>
-          <a:noFill/>
-          <a:ln>
-            <a:noFill/>
-          </a:ln>
-        </p:spPr>
-        <p:style>
-          <a:lnRef idx="0">
-            <a:scrgbClr r="0" g="0" b="0"/>
-          </a:lnRef>
-          <a:fillRef idx="0">
-            <a:scrgbClr r="0" g="0" b="0"/>
-          </a:fillRef>
-          <a:effectRef idx="0">
-            <a:scrgbClr r="0" g="0" b="0"/>
-          </a:effectRef>
-          <a:fontRef idx="minor"/>
-        </p:style>
-        <p:txBody>
-          <a:bodyPr lIns="0" tIns="0" rIns="0" bIns="0" anchor="b"/>
-          <a:lstStyle/>
-          <a:p>
-            <a:r>
-              <a:rPr lang="en-US" sz="1200" spc="-1" dirty="0"/>
-              <a:t>04.06.2020</a:t>
-            </a:r>
-          </a:p>
-        </p:txBody>
-      </p:sp>
-      <p:sp>
-        <p:nvSpPr>
-          <p:cNvPr id="121" name="CustomShape 2"/>
-          <p:cNvSpPr/>
-          <p:nvPr/>
-        </p:nvSpPr>
-        <p:spPr>
-          <a:xfrm>
-            <a:off x="736560" y="7197840"/>
-            <a:ext cx="7484040" cy="178200"/>
-          </a:xfrm>
-          <a:prstGeom prst="rect">
-            <a:avLst/>
-          </a:prstGeom>
-          <a:noFill/>
-          <a:ln>
-            <a:noFill/>
-          </a:ln>
-        </p:spPr>
-        <p:style>
-          <a:lnRef idx="0">
-            <a:scrgbClr r="0" g="0" b="0"/>
-          </a:lnRef>
-          <a:fillRef idx="0">
-            <a:scrgbClr r="0" g="0" b="0"/>
-          </a:fillRef>
-          <a:effectRef idx="0">
-            <a:scrgbClr r="0" g="0" b="0"/>
-          </a:effectRef>
-          <a:fontRef idx="minor"/>
-        </p:style>
-        <p:txBody>
-          <a:bodyPr lIns="0" tIns="0" rIns="0" bIns="0" anchor="b"/>
-          <a:lstStyle/>
-          <a:p>
-            <a:pPr>
-              <a:lnSpc>
-                <a:spcPct val="100000"/>
-              </a:lnSpc>
-            </a:pPr>
-            <a:r>
-              <a:rPr lang="en-US" sz="1200" spc="-1" dirty="0">
-                <a:solidFill>
-                  <a:srgbClr val="000000"/>
-                </a:solidFill>
-              </a:rPr>
-              <a:t>DigiBP	Luca Müller, Nicola Raemy, Isar Gammoh, Pooja Bisht</a:t>
-            </a:r>
-            <a:endParaRPr lang="en-US" sz="1200" spc="-1" dirty="0"/>
-          </a:p>
-        </p:txBody>
-      </p:sp>
-      <p:sp>
-        <p:nvSpPr>
           <p:cNvPr id="122" name="CustomShape 3"/>
           <p:cNvSpPr/>
           <p:nvPr/>
@@ -7981,760 +5688,7 @@
                 <a:latin typeface="Arial"/>
                 <a:ea typeface="DejaVu Sans"/>
               </a:rPr>
-              <a:t>6</a:t>
-            </a:fld>
-            <a:endParaRPr lang="en-US" sz="1200" b="0" strike="noStrike" spc="-1">
-              <a:latin typeface="Arial"/>
-            </a:endParaRPr>
-          </a:p>
-        </p:txBody>
-      </p:sp>
-      <p:sp>
-        <p:nvSpPr>
-          <p:cNvPr id="123" name="CustomShape 4"/>
-          <p:cNvSpPr/>
-          <p:nvPr/>
-        </p:nvSpPr>
-        <p:spPr>
-          <a:xfrm>
-            <a:off x="736560" y="1509840"/>
-            <a:ext cx="9212760" cy="360720"/>
-          </a:xfrm>
-          <a:prstGeom prst="rect">
-            <a:avLst/>
-          </a:prstGeom>
-          <a:noFill/>
-          <a:ln>
-            <a:noFill/>
-          </a:ln>
-        </p:spPr>
-        <p:style>
-          <a:lnRef idx="0">
-            <a:scrgbClr r="0" g="0" b="0"/>
-          </a:lnRef>
-          <a:fillRef idx="0">
-            <a:scrgbClr r="0" g="0" b="0"/>
-          </a:fillRef>
-          <a:effectRef idx="0">
-            <a:scrgbClr r="0" g="0" b="0"/>
-          </a:effectRef>
-          <a:fontRef idx="minor"/>
-        </p:style>
-        <p:txBody>
-          <a:bodyPr lIns="0" tIns="0" rIns="0" bIns="0"/>
-          <a:lstStyle/>
-          <a:p>
-            <a:pPr>
-              <a:lnSpc>
-                <a:spcPct val="100000"/>
-              </a:lnSpc>
-            </a:pPr>
-            <a:r>
-              <a:rPr lang="en-US" sz="2000" b="1" strike="noStrike" spc="-1" dirty="0">
-                <a:solidFill>
-                  <a:srgbClr val="000000"/>
-                </a:solidFill>
-                <a:latin typeface="Arial"/>
-                <a:ea typeface="DejaVu Sans"/>
-              </a:rPr>
-              <a:t>Posting Job Ad(Pooja)</a:t>
-            </a:r>
-            <a:endParaRPr lang="en-US" sz="2000" b="0" strike="noStrike" spc="-1" dirty="0">
-              <a:latin typeface="Arial"/>
-            </a:endParaRPr>
-          </a:p>
-        </p:txBody>
-      </p:sp>
-      <p:sp>
-        <p:nvSpPr>
-          <p:cNvPr id="124" name="CustomShape 5"/>
-          <p:cNvSpPr/>
-          <p:nvPr/>
-        </p:nvSpPr>
-        <p:spPr>
-          <a:xfrm>
-            <a:off x="731520" y="2103120"/>
-            <a:ext cx="5394600" cy="4754520"/>
-          </a:xfrm>
-          <a:prstGeom prst="rect">
-            <a:avLst/>
-          </a:prstGeom>
-          <a:noFill/>
-          <a:ln>
-            <a:noFill/>
-          </a:ln>
-        </p:spPr>
-        <p:style>
-          <a:lnRef idx="0">
-            <a:scrgbClr r="0" g="0" b="0"/>
-          </a:lnRef>
-          <a:fillRef idx="0">
-            <a:scrgbClr r="0" g="0" b="0"/>
-          </a:fillRef>
-          <a:effectRef idx="0">
-            <a:scrgbClr r="0" g="0" b="0"/>
-          </a:effectRef>
-          <a:fontRef idx="minor"/>
-        </p:style>
-        <p:txBody>
-          <a:bodyPr lIns="0" tIns="0" rIns="0" bIns="0"/>
-          <a:lstStyle/>
-          <a:p>
-            <a:pPr>
-              <a:lnSpc>
-                <a:spcPct val="115000"/>
-              </a:lnSpc>
-              <a:spcBef>
-                <a:spcPts val="1199"/>
-              </a:spcBef>
-            </a:pPr>
-            <a:endParaRPr lang="en-US" sz="2000" b="0" strike="noStrike" spc="-1" dirty="0">
-              <a:latin typeface="Arial"/>
-            </a:endParaRPr>
-          </a:p>
-        </p:txBody>
-      </p:sp>
-    </p:spTree>
-  </p:cSld>
-  <p:clrMapOvr>
-    <a:masterClrMapping/>
-  </p:clrMapOvr>
-  <p:timing>
-    <p:tnLst>
-      <p:par>
-        <p:cTn id="1" dur="indefinite" restart="never" nodeType="tmRoot">
-          <p:childTnLst>
-            <p:seq>
-              <p:cTn id="2" dur="indefinite" nodeType="mainSeq"/>
-              <p:prevCondLst>
-                <p:cond evt="onPrev" delay="0">
-                  <p:tgtEl>
-                    <p:sldTgt/>
-                  </p:tgtEl>
-                </p:cond>
-              </p:prevCondLst>
-              <p:nextCondLst>
-                <p:cond evt="onNext" delay="0">
-                  <p:tgtEl>
-                    <p:sldTgt/>
-                  </p:tgtEl>
-                </p:cond>
-              </p:nextCondLst>
-            </p:seq>
-          </p:childTnLst>
-        </p:cTn>
-      </p:par>
-    </p:tnLst>
-  </p:timing>
-</p:sld>
-</file>
-
-<file path=ppt/slides/slide7.xml><?xml version="1.0" encoding="utf-8"?>
-<p:sld xmlns:a="http://schemas.openxmlformats.org/drawingml/2006/main" xmlns:r="http://schemas.openxmlformats.org/officeDocument/2006/relationships" xmlns:p="http://schemas.openxmlformats.org/presentationml/2006/main">
-  <p:cSld>
-    <p:spTree>
-      <p:nvGrpSpPr>
-        <p:cNvPr id="1" name=""/>
-        <p:cNvGrpSpPr/>
-        <p:nvPr/>
-      </p:nvGrpSpPr>
-      <p:grpSpPr>
-        <a:xfrm>
-          <a:off x="0" y="0"/>
-          <a:ext cx="0" cy="0"/>
-          <a:chOff x="0" y="0"/>
-          <a:chExt cx="0" cy="0"/>
-        </a:xfrm>
-      </p:grpSpPr>
-      <p:sp>
-        <p:nvSpPr>
-          <p:cNvPr id="120" name="CustomShape 1"/>
-          <p:cNvSpPr/>
-          <p:nvPr/>
-        </p:nvSpPr>
-        <p:spPr>
-          <a:xfrm>
-            <a:off x="8221680" y="7197840"/>
-            <a:ext cx="864000" cy="178200"/>
-          </a:xfrm>
-          <a:prstGeom prst="rect">
-            <a:avLst/>
-          </a:prstGeom>
-          <a:noFill/>
-          <a:ln>
-            <a:noFill/>
-          </a:ln>
-        </p:spPr>
-        <p:style>
-          <a:lnRef idx="0">
-            <a:scrgbClr r="0" g="0" b="0"/>
-          </a:lnRef>
-          <a:fillRef idx="0">
-            <a:scrgbClr r="0" g="0" b="0"/>
-          </a:fillRef>
-          <a:effectRef idx="0">
-            <a:scrgbClr r="0" g="0" b="0"/>
-          </a:effectRef>
-          <a:fontRef idx="minor"/>
-        </p:style>
-        <p:txBody>
-          <a:bodyPr lIns="0" tIns="0" rIns="0" bIns="0" anchor="b"/>
-          <a:lstStyle/>
-          <a:p>
-            <a:r>
-              <a:rPr lang="en-US" sz="1200" spc="-1" dirty="0"/>
-              <a:t>04.06.2020</a:t>
-            </a:r>
-          </a:p>
-        </p:txBody>
-      </p:sp>
-      <p:sp>
-        <p:nvSpPr>
-          <p:cNvPr id="121" name="CustomShape 2"/>
-          <p:cNvSpPr/>
-          <p:nvPr/>
-        </p:nvSpPr>
-        <p:spPr>
-          <a:xfrm>
-            <a:off x="736560" y="7197840"/>
-            <a:ext cx="7484040" cy="178200"/>
-          </a:xfrm>
-          <a:prstGeom prst="rect">
-            <a:avLst/>
-          </a:prstGeom>
-          <a:noFill/>
-          <a:ln>
-            <a:noFill/>
-          </a:ln>
-        </p:spPr>
-        <p:style>
-          <a:lnRef idx="0">
-            <a:scrgbClr r="0" g="0" b="0"/>
-          </a:lnRef>
-          <a:fillRef idx="0">
-            <a:scrgbClr r="0" g="0" b="0"/>
-          </a:fillRef>
-          <a:effectRef idx="0">
-            <a:scrgbClr r="0" g="0" b="0"/>
-          </a:effectRef>
-          <a:fontRef idx="minor"/>
-        </p:style>
-        <p:txBody>
-          <a:bodyPr lIns="0" tIns="0" rIns="0" bIns="0" anchor="b"/>
-          <a:lstStyle/>
-          <a:p>
-            <a:pPr>
-              <a:lnSpc>
-                <a:spcPct val="100000"/>
-              </a:lnSpc>
-            </a:pPr>
-            <a:r>
-              <a:rPr lang="en-US" sz="1200" spc="-1" dirty="0">
-                <a:solidFill>
-                  <a:srgbClr val="000000"/>
-                </a:solidFill>
-              </a:rPr>
-              <a:t>DigiBP	Luca Müller, Nicola Raemy, Isar Gammoh, Pooja Bisht</a:t>
-            </a:r>
-            <a:endParaRPr lang="en-US" sz="1200" spc="-1" dirty="0"/>
-          </a:p>
-        </p:txBody>
-      </p:sp>
-      <p:sp>
-        <p:nvSpPr>
-          <p:cNvPr id="122" name="CustomShape 3"/>
-          <p:cNvSpPr/>
-          <p:nvPr/>
-        </p:nvSpPr>
-        <p:spPr>
-          <a:xfrm>
-            <a:off x="9086760" y="7197840"/>
-            <a:ext cx="862560" cy="178200"/>
-          </a:xfrm>
-          <a:prstGeom prst="rect">
-            <a:avLst/>
-          </a:prstGeom>
-          <a:noFill/>
-          <a:ln>
-            <a:noFill/>
-          </a:ln>
-        </p:spPr>
-        <p:style>
-          <a:lnRef idx="0">
-            <a:scrgbClr r="0" g="0" b="0"/>
-          </a:lnRef>
-          <a:fillRef idx="0">
-            <a:scrgbClr r="0" g="0" b="0"/>
-          </a:fillRef>
-          <a:effectRef idx="0">
-            <a:scrgbClr r="0" g="0" b="0"/>
-          </a:effectRef>
-          <a:fontRef idx="minor"/>
-        </p:style>
-        <p:txBody>
-          <a:bodyPr lIns="0" tIns="0" rIns="0" bIns="0" anchor="b"/>
-          <a:lstStyle/>
-          <a:p>
-            <a:pPr algn="r">
-              <a:lnSpc>
-                <a:spcPct val="100000"/>
-              </a:lnSpc>
-            </a:pPr>
-            <a:fld id="{EAB2E0A4-FCFB-4840-AF8A-F87D75DA6E48}" type="slidenum">
-              <a:rPr lang="en-US" sz="1200" b="0" strike="noStrike" spc="-1">
-                <a:solidFill>
-                  <a:srgbClr val="000000"/>
-                </a:solidFill>
-                <a:latin typeface="Arial"/>
-                <a:ea typeface="DejaVu Sans"/>
-              </a:rPr>
-              <a:t>7</a:t>
-            </a:fld>
-            <a:endParaRPr lang="en-US" sz="1200" b="0" strike="noStrike" spc="-1">
-              <a:latin typeface="Arial"/>
-            </a:endParaRPr>
-          </a:p>
-        </p:txBody>
-      </p:sp>
-      <p:sp>
-        <p:nvSpPr>
-          <p:cNvPr id="123" name="CustomShape 4"/>
-          <p:cNvSpPr/>
-          <p:nvPr/>
-        </p:nvSpPr>
-        <p:spPr>
-          <a:xfrm>
-            <a:off x="736560" y="1509840"/>
-            <a:ext cx="9212760" cy="360720"/>
-          </a:xfrm>
-          <a:prstGeom prst="rect">
-            <a:avLst/>
-          </a:prstGeom>
-          <a:noFill/>
-          <a:ln>
-            <a:noFill/>
-          </a:ln>
-        </p:spPr>
-        <p:style>
-          <a:lnRef idx="0">
-            <a:scrgbClr r="0" g="0" b="0"/>
-          </a:lnRef>
-          <a:fillRef idx="0">
-            <a:scrgbClr r="0" g="0" b="0"/>
-          </a:fillRef>
-          <a:effectRef idx="0">
-            <a:scrgbClr r="0" g="0" b="0"/>
-          </a:effectRef>
-          <a:fontRef idx="minor"/>
-        </p:style>
-        <p:txBody>
-          <a:bodyPr lIns="0" tIns="0" rIns="0" bIns="0"/>
-          <a:lstStyle/>
-          <a:p>
-            <a:pPr>
-              <a:lnSpc>
-                <a:spcPct val="100000"/>
-              </a:lnSpc>
-            </a:pPr>
-            <a:r>
-              <a:rPr lang="en-US" sz="2000" b="1" strike="noStrike" spc="-1" dirty="0">
-                <a:solidFill>
-                  <a:srgbClr val="000000"/>
-                </a:solidFill>
-                <a:latin typeface="Arial"/>
-                <a:ea typeface="DejaVu Sans"/>
-              </a:rPr>
-              <a:t>Dialogflow (Isar)</a:t>
-            </a:r>
-            <a:endParaRPr lang="en-US" sz="2000" b="0" strike="noStrike" spc="-1" dirty="0">
-              <a:latin typeface="Arial"/>
-            </a:endParaRPr>
-          </a:p>
-        </p:txBody>
-      </p:sp>
-      <p:sp>
-        <p:nvSpPr>
-          <p:cNvPr id="124" name="CustomShape 5"/>
-          <p:cNvSpPr/>
-          <p:nvPr/>
-        </p:nvSpPr>
-        <p:spPr>
-          <a:xfrm>
-            <a:off x="731520" y="2103120"/>
-            <a:ext cx="5394600" cy="4754520"/>
-          </a:xfrm>
-          <a:prstGeom prst="rect">
-            <a:avLst/>
-          </a:prstGeom>
-          <a:noFill/>
-          <a:ln>
-            <a:noFill/>
-          </a:ln>
-        </p:spPr>
-        <p:style>
-          <a:lnRef idx="0">
-            <a:scrgbClr r="0" g="0" b="0"/>
-          </a:lnRef>
-          <a:fillRef idx="0">
-            <a:scrgbClr r="0" g="0" b="0"/>
-          </a:fillRef>
-          <a:effectRef idx="0">
-            <a:scrgbClr r="0" g="0" b="0"/>
-          </a:effectRef>
-          <a:fontRef idx="minor"/>
-        </p:style>
-        <p:txBody>
-          <a:bodyPr lIns="0" tIns="0" rIns="0" bIns="0"/>
-          <a:lstStyle/>
-          <a:p>
-            <a:pPr marL="343080" indent="-342000">
-              <a:lnSpc>
-                <a:spcPct val="115000"/>
-              </a:lnSpc>
-              <a:spcBef>
-                <a:spcPts val="1199"/>
-              </a:spcBef>
-              <a:buClr>
-                <a:srgbClr val="000000"/>
-              </a:buClr>
-              <a:buFont typeface="StarSymbol"/>
-              <a:buChar char="-"/>
-            </a:pPr>
-            <a:r>
-              <a:rPr lang="en-US" sz="2000" b="0" strike="noStrike" spc="-1" dirty="0" err="1">
-                <a:solidFill>
-                  <a:srgbClr val="000000"/>
-                </a:solidFill>
-                <a:highlight>
-                  <a:srgbClr val="FFFF00"/>
-                </a:highlight>
-                <a:latin typeface="Arial"/>
-                <a:ea typeface="DejaVu Sans"/>
-              </a:rPr>
-              <a:t>xxxxx</a:t>
-            </a:r>
-            <a:endParaRPr lang="en-US" sz="2000" b="0" strike="noStrike" spc="-1" dirty="0">
-              <a:highlight>
-                <a:srgbClr val="FFFF00"/>
-              </a:highlight>
-              <a:latin typeface="Arial"/>
-            </a:endParaRPr>
-          </a:p>
-          <a:p>
-            <a:pPr>
-              <a:lnSpc>
-                <a:spcPct val="115000"/>
-              </a:lnSpc>
-              <a:spcBef>
-                <a:spcPts val="1199"/>
-              </a:spcBef>
-            </a:pPr>
-            <a:endParaRPr lang="en-US" sz="2000" b="0" strike="noStrike" spc="-1" dirty="0">
-              <a:highlight>
-                <a:srgbClr val="FFFF00"/>
-              </a:highlight>
-              <a:latin typeface="Arial"/>
-            </a:endParaRPr>
-          </a:p>
-          <a:p>
-            <a:pPr marL="343080" indent="-342000">
-              <a:lnSpc>
-                <a:spcPct val="100000"/>
-              </a:lnSpc>
-              <a:spcBef>
-                <a:spcPts val="1134"/>
-              </a:spcBef>
-              <a:buClr>
-                <a:srgbClr val="000000"/>
-              </a:buClr>
-              <a:buFont typeface="StarSymbol"/>
-              <a:buChar char="-"/>
-            </a:pPr>
-            <a:r>
-              <a:rPr lang="en-US" sz="2000" b="0" strike="noStrike" spc="-1" dirty="0" err="1">
-                <a:solidFill>
-                  <a:srgbClr val="000000"/>
-                </a:solidFill>
-                <a:highlight>
-                  <a:srgbClr val="FFFF00"/>
-                </a:highlight>
-                <a:latin typeface="Arial"/>
-                <a:ea typeface="DejaVu Sans"/>
-              </a:rPr>
-              <a:t>xxxxx</a:t>
-            </a:r>
-            <a:endParaRPr lang="en-US" sz="2000" b="0" strike="noStrike" spc="-1" dirty="0">
-              <a:highlight>
-                <a:srgbClr val="FFFF00"/>
-              </a:highlight>
-              <a:latin typeface="Arial"/>
-            </a:endParaRPr>
-          </a:p>
-          <a:p>
-            <a:pPr>
-              <a:lnSpc>
-                <a:spcPct val="100000"/>
-              </a:lnSpc>
-              <a:spcBef>
-                <a:spcPts val="1134"/>
-              </a:spcBef>
-            </a:pPr>
-            <a:endParaRPr lang="en-US" sz="2000" b="0" strike="noStrike" spc="-1" dirty="0">
-              <a:highlight>
-                <a:srgbClr val="FFFF00"/>
-              </a:highlight>
-              <a:latin typeface="Arial"/>
-            </a:endParaRPr>
-          </a:p>
-          <a:p>
-            <a:pPr marL="343080" indent="-342000">
-              <a:lnSpc>
-                <a:spcPct val="100000"/>
-              </a:lnSpc>
-              <a:spcBef>
-                <a:spcPts val="1134"/>
-              </a:spcBef>
-              <a:buClr>
-                <a:srgbClr val="000000"/>
-              </a:buClr>
-              <a:buFont typeface="StarSymbol"/>
-              <a:buChar char="-"/>
-            </a:pPr>
-            <a:r>
-              <a:rPr lang="en-US" sz="2000" b="0" strike="noStrike" spc="-1" dirty="0" err="1">
-                <a:solidFill>
-                  <a:srgbClr val="000000"/>
-                </a:solidFill>
-                <a:highlight>
-                  <a:srgbClr val="FFFF00"/>
-                </a:highlight>
-                <a:latin typeface="Arial"/>
-                <a:ea typeface="DejaVu Sans"/>
-              </a:rPr>
-              <a:t>Axxxx</a:t>
-            </a:r>
-            <a:endParaRPr lang="en-US" sz="2000" b="0" strike="noStrike" spc="-1" dirty="0">
-              <a:highlight>
-                <a:srgbClr val="FFFF00"/>
-              </a:highlight>
-              <a:latin typeface="Arial"/>
-            </a:endParaRPr>
-          </a:p>
-          <a:p>
-            <a:pPr>
-              <a:lnSpc>
-                <a:spcPct val="115000"/>
-              </a:lnSpc>
-              <a:spcBef>
-                <a:spcPts val="1199"/>
-              </a:spcBef>
-            </a:pPr>
-            <a:endParaRPr lang="en-US" sz="2000" b="0" strike="noStrike" spc="-1" dirty="0">
-              <a:latin typeface="Arial"/>
-            </a:endParaRPr>
-          </a:p>
-        </p:txBody>
-      </p:sp>
-    </p:spTree>
-    <p:extLst>
-      <p:ext uri="{BB962C8B-B14F-4D97-AF65-F5344CB8AC3E}">
-        <p14:creationId xmlns:p14="http://schemas.microsoft.com/office/powerpoint/2010/main" val="3639938052"/>
-      </p:ext>
-    </p:extLst>
-  </p:cSld>
-  <p:clrMapOvr>
-    <a:masterClrMapping/>
-  </p:clrMapOvr>
-  <p:timing>
-    <p:tnLst>
-      <p:par>
-        <p:cTn id="1" dur="indefinite" restart="never" nodeType="tmRoot">
-          <p:childTnLst>
-            <p:seq>
-              <p:cTn id="2" dur="indefinite" nodeType="mainSeq"/>
-              <p:prevCondLst>
-                <p:cond evt="onPrev" delay="0">
-                  <p:tgtEl>
-                    <p:sldTgt/>
-                  </p:tgtEl>
-                </p:cond>
-              </p:prevCondLst>
-              <p:nextCondLst>
-                <p:cond evt="onNext" delay="0">
-                  <p:tgtEl>
-                    <p:sldTgt/>
-                  </p:tgtEl>
-                </p:cond>
-              </p:nextCondLst>
-            </p:seq>
-          </p:childTnLst>
-        </p:cTn>
-      </p:par>
-    </p:tnLst>
-  </p:timing>
-</p:sld>
-</file>
-
-<file path=ppt/slides/slide8.xml><?xml version="1.0" encoding="utf-8"?>
-<p:sld xmlns:a="http://schemas.openxmlformats.org/drawingml/2006/main" xmlns:r="http://schemas.openxmlformats.org/officeDocument/2006/relationships" xmlns:p="http://schemas.openxmlformats.org/presentationml/2006/main">
-  <p:cSld>
-    <p:spTree>
-      <p:nvGrpSpPr>
-        <p:cNvPr id="1" name=""/>
-        <p:cNvGrpSpPr/>
-        <p:nvPr/>
-      </p:nvGrpSpPr>
-      <p:grpSpPr>
-        <a:xfrm>
-          <a:off x="0" y="0"/>
-          <a:ext cx="0" cy="0"/>
-          <a:chOff x="0" y="0"/>
-          <a:chExt cx="0" cy="0"/>
-        </a:xfrm>
-      </p:grpSpPr>
-      <p:sp>
-        <p:nvSpPr>
-          <p:cNvPr id="120" name="CustomShape 1"/>
-          <p:cNvSpPr/>
-          <p:nvPr/>
-        </p:nvSpPr>
-        <p:spPr>
-          <a:xfrm>
-            <a:off x="8221680" y="7197840"/>
-            <a:ext cx="864000" cy="178200"/>
-          </a:xfrm>
-          <a:prstGeom prst="rect">
-            <a:avLst/>
-          </a:prstGeom>
-          <a:noFill/>
-          <a:ln>
-            <a:noFill/>
-          </a:ln>
-        </p:spPr>
-        <p:style>
-          <a:lnRef idx="0">
-            <a:scrgbClr r="0" g="0" b="0"/>
-          </a:lnRef>
-          <a:fillRef idx="0">
-            <a:scrgbClr r="0" g="0" b="0"/>
-          </a:fillRef>
-          <a:effectRef idx="0">
-            <a:scrgbClr r="0" g="0" b="0"/>
-          </a:effectRef>
-          <a:fontRef idx="minor"/>
-        </p:style>
-        <p:txBody>
-          <a:bodyPr lIns="0" tIns="0" rIns="0" bIns="0" anchor="b"/>
-          <a:lstStyle/>
-          <a:p>
-            <a:r>
-              <a:rPr lang="en-US" sz="1200" spc="-1" dirty="0"/>
-              <a:t>04.06.2020</a:t>
-            </a:r>
-          </a:p>
-        </p:txBody>
-      </p:sp>
-      <p:sp>
-        <p:nvSpPr>
-          <p:cNvPr id="121" name="CustomShape 2"/>
-          <p:cNvSpPr/>
-          <p:nvPr/>
-        </p:nvSpPr>
-        <p:spPr>
-          <a:xfrm>
-            <a:off x="736560" y="7197840"/>
-            <a:ext cx="7484040" cy="178200"/>
-          </a:xfrm>
-          <a:prstGeom prst="rect">
-            <a:avLst/>
-          </a:prstGeom>
-          <a:noFill/>
-          <a:ln>
-            <a:noFill/>
-          </a:ln>
-        </p:spPr>
-        <p:style>
-          <a:lnRef idx="0">
-            <a:scrgbClr r="0" g="0" b="0"/>
-          </a:lnRef>
-          <a:fillRef idx="0">
-            <a:scrgbClr r="0" g="0" b="0"/>
-          </a:fillRef>
-          <a:effectRef idx="0">
-            <a:scrgbClr r="0" g="0" b="0"/>
-          </a:effectRef>
-          <a:fontRef idx="minor"/>
-        </p:style>
-        <p:txBody>
-          <a:bodyPr lIns="0" tIns="0" rIns="0" bIns="0" anchor="b"/>
-          <a:lstStyle/>
-          <a:p>
-            <a:pPr>
-              <a:lnSpc>
-                <a:spcPct val="100000"/>
-              </a:lnSpc>
-            </a:pPr>
-            <a:r>
-              <a:rPr lang="en-US" sz="1200" spc="-1" dirty="0">
-                <a:solidFill>
-                  <a:srgbClr val="000000"/>
-                </a:solidFill>
-              </a:rPr>
-              <a:t>DigiBP	Luca Müller, Nicola Raemy, Isar Gammoh, Pooja Bisht</a:t>
-            </a:r>
-            <a:endParaRPr lang="en-US" sz="1200" spc="-1" dirty="0"/>
-          </a:p>
-        </p:txBody>
-      </p:sp>
-      <p:sp>
-        <p:nvSpPr>
-          <p:cNvPr id="122" name="CustomShape 3"/>
-          <p:cNvSpPr/>
-          <p:nvPr/>
-        </p:nvSpPr>
-        <p:spPr>
-          <a:xfrm>
-            <a:off x="9086760" y="7197840"/>
-            <a:ext cx="862560" cy="178200"/>
-          </a:xfrm>
-          <a:prstGeom prst="rect">
-            <a:avLst/>
-          </a:prstGeom>
-          <a:noFill/>
-          <a:ln>
-            <a:noFill/>
-          </a:ln>
-        </p:spPr>
-        <p:style>
-          <a:lnRef idx="0">
-            <a:scrgbClr r="0" g="0" b="0"/>
-          </a:lnRef>
-          <a:fillRef idx="0">
-            <a:scrgbClr r="0" g="0" b="0"/>
-          </a:fillRef>
-          <a:effectRef idx="0">
-            <a:scrgbClr r="0" g="0" b="0"/>
-          </a:effectRef>
-          <a:fontRef idx="minor"/>
-        </p:style>
-        <p:txBody>
-          <a:bodyPr lIns="0" tIns="0" rIns="0" bIns="0" anchor="b"/>
-          <a:lstStyle/>
-          <a:p>
-            <a:pPr algn="r">
-              <a:lnSpc>
-                <a:spcPct val="100000"/>
-              </a:lnSpc>
-            </a:pPr>
-            <a:fld id="{EAB2E0A4-FCFB-4840-AF8A-F87D75DA6E48}" type="slidenum">
-              <a:rPr lang="en-US" sz="1200" b="0" strike="noStrike" spc="-1">
-                <a:solidFill>
-                  <a:srgbClr val="000000"/>
-                </a:solidFill>
-                <a:latin typeface="Arial"/>
-                <a:ea typeface="DejaVu Sans"/>
-              </a:rPr>
-              <a:t>8</a:t>
+              <a:t>11</a:t>
             </a:fld>
             <a:endParaRPr lang="en-US" sz="1200" b="0" strike="noStrike" spc="-1">
               <a:latin typeface="Arial"/>
@@ -9021,7 +5975,7 @@
 </p:sld>
 </file>
 
-<file path=ppt/slides/slide9.xml><?xml version="1.0" encoding="utf-8"?>
+<file path=ppt/slides/slide12.xml><?xml version="1.0" encoding="utf-8"?>
 <p:sld xmlns:a="http://schemas.openxmlformats.org/drawingml/2006/main" xmlns:r="http://schemas.openxmlformats.org/officeDocument/2006/relationships" xmlns:p="http://schemas.openxmlformats.org/presentationml/2006/main">
   <p:cSld>
     <p:spTree>
@@ -9180,7 +6134,7 @@
                 <a:latin typeface="Arial"/>
                 <a:ea typeface="DejaVu Sans"/>
               </a:rPr>
-              <a:t>9</a:t>
+              <a:t>12</a:t>
             </a:fld>
             <a:endParaRPr lang="en-US" sz="1200" b="0" strike="noStrike" spc="-1">
               <a:latin typeface="Arial"/>
@@ -9689,6 +6643,3539 @@
                   </p:par>
                 </p:childTnLst>
               </p:cTn>
+              <p:prevCondLst>
+                <p:cond evt="onPrev" delay="0">
+                  <p:tgtEl>
+                    <p:sldTgt/>
+                  </p:tgtEl>
+                </p:cond>
+              </p:prevCondLst>
+              <p:nextCondLst>
+                <p:cond evt="onNext" delay="0">
+                  <p:tgtEl>
+                    <p:sldTgt/>
+                  </p:tgtEl>
+                </p:cond>
+              </p:nextCondLst>
+            </p:seq>
+          </p:childTnLst>
+        </p:cTn>
+      </p:par>
+    </p:tnLst>
+  </p:timing>
+</p:sld>
+</file>
+
+<file path=ppt/slides/slide13.xml><?xml version="1.0" encoding="utf-8"?>
+<p:sld xmlns:a="http://schemas.openxmlformats.org/drawingml/2006/main" xmlns:r="http://schemas.openxmlformats.org/officeDocument/2006/relationships" xmlns:p="http://schemas.openxmlformats.org/presentationml/2006/main">
+  <p:cSld>
+    <p:spTree>
+      <p:nvGrpSpPr>
+        <p:cNvPr id="1" name=""/>
+        <p:cNvGrpSpPr/>
+        <p:nvPr/>
+      </p:nvGrpSpPr>
+      <p:grpSpPr>
+        <a:xfrm>
+          <a:off x="0" y="0"/>
+          <a:ext cx="0" cy="0"/>
+          <a:chOff x="0" y="0"/>
+          <a:chExt cx="0" cy="0"/>
+        </a:xfrm>
+      </p:grpSpPr>
+      <p:sp>
+        <p:nvSpPr>
+          <p:cNvPr id="126" name="CustomShape 1"/>
+          <p:cNvSpPr/>
+          <p:nvPr/>
+        </p:nvSpPr>
+        <p:spPr>
+          <a:xfrm>
+            <a:off x="736560" y="1509840"/>
+            <a:ext cx="9212760" cy="360720"/>
+          </a:xfrm>
+          <a:prstGeom prst="rect">
+            <a:avLst/>
+          </a:prstGeom>
+          <a:noFill/>
+          <a:ln>
+            <a:noFill/>
+          </a:ln>
+        </p:spPr>
+        <p:style>
+          <a:lnRef idx="0">
+            <a:scrgbClr r="0" g="0" b="0"/>
+          </a:lnRef>
+          <a:fillRef idx="0">
+            <a:scrgbClr r="0" g="0" b="0"/>
+          </a:fillRef>
+          <a:effectRef idx="0">
+            <a:scrgbClr r="0" g="0" b="0"/>
+          </a:effectRef>
+          <a:fontRef idx="minor"/>
+        </p:style>
+        <p:txBody>
+          <a:bodyPr lIns="0" tIns="0" rIns="0" bIns="0"/>
+          <a:lstStyle/>
+          <a:p>
+            <a:pPr>
+              <a:lnSpc>
+                <a:spcPct val="100000"/>
+              </a:lnSpc>
+            </a:pPr>
+            <a:r>
+              <a:rPr lang="en-US" sz="2000" b="1" spc="-1" dirty="0">
+                <a:solidFill>
+                  <a:srgbClr val="000000"/>
+                </a:solidFill>
+              </a:rPr>
+              <a:t>Booking System Part I</a:t>
+            </a:r>
+            <a:endParaRPr lang="en-US" sz="2000" spc="-1" dirty="0"/>
+          </a:p>
+        </p:txBody>
+      </p:sp>
+      <p:sp>
+        <p:nvSpPr>
+          <p:cNvPr id="127" name="CustomShape 2"/>
+          <p:cNvSpPr/>
+          <p:nvPr/>
+        </p:nvSpPr>
+        <p:spPr>
+          <a:xfrm>
+            <a:off x="738360" y="2197080"/>
+            <a:ext cx="9212760" cy="4462920"/>
+          </a:xfrm>
+          <a:prstGeom prst="rect">
+            <a:avLst/>
+          </a:prstGeom>
+          <a:noFill/>
+          <a:ln>
+            <a:noFill/>
+          </a:ln>
+        </p:spPr>
+        <p:style>
+          <a:lnRef idx="0">
+            <a:scrgbClr r="0" g="0" b="0"/>
+          </a:lnRef>
+          <a:fillRef idx="0">
+            <a:scrgbClr r="0" g="0" b="0"/>
+          </a:fillRef>
+          <a:effectRef idx="0">
+            <a:scrgbClr r="0" g="0" b="0"/>
+          </a:effectRef>
+          <a:fontRef idx="minor"/>
+        </p:style>
+        <p:txBody>
+          <a:bodyPr lIns="0" tIns="0" rIns="0" bIns="0"/>
+          <a:lstStyle/>
+          <a:p>
+            <a:pPr marL="343080" indent="-342000">
+              <a:lnSpc>
+                <a:spcPct val="115000"/>
+              </a:lnSpc>
+              <a:spcBef>
+                <a:spcPts val="1199"/>
+              </a:spcBef>
+              <a:buClr>
+                <a:srgbClr val="000000"/>
+              </a:buClr>
+              <a:buFont typeface="StarSymbol"/>
+              <a:buChar char="-"/>
+            </a:pPr>
+            <a:r>
+              <a:rPr lang="en-US" sz="2000" b="0" strike="noStrike" spc="-1" dirty="0">
+                <a:solidFill>
+                  <a:srgbClr val="000000"/>
+                </a:solidFill>
+                <a:highlight>
+                  <a:srgbClr val="FFFF00"/>
+                </a:highlight>
+                <a:latin typeface="Arial"/>
+                <a:ea typeface="DejaVu Sans"/>
+              </a:rPr>
+              <a:t> </a:t>
+            </a:r>
+            <a:endParaRPr lang="en-US" sz="2000" b="0" strike="noStrike" spc="-1" dirty="0">
+              <a:highlight>
+                <a:srgbClr val="FFFF00"/>
+              </a:highlight>
+              <a:latin typeface="Arial"/>
+            </a:endParaRPr>
+          </a:p>
+        </p:txBody>
+      </p:sp>
+      <p:sp>
+        <p:nvSpPr>
+          <p:cNvPr id="128" name="CustomShape 3"/>
+          <p:cNvSpPr/>
+          <p:nvPr/>
+        </p:nvSpPr>
+        <p:spPr>
+          <a:xfrm>
+            <a:off x="8221680" y="7197840"/>
+            <a:ext cx="864000" cy="178200"/>
+          </a:xfrm>
+          <a:prstGeom prst="rect">
+            <a:avLst/>
+          </a:prstGeom>
+          <a:noFill/>
+          <a:ln>
+            <a:noFill/>
+          </a:ln>
+        </p:spPr>
+        <p:style>
+          <a:lnRef idx="0">
+            <a:scrgbClr r="0" g="0" b="0"/>
+          </a:lnRef>
+          <a:fillRef idx="0">
+            <a:scrgbClr r="0" g="0" b="0"/>
+          </a:fillRef>
+          <a:effectRef idx="0">
+            <a:scrgbClr r="0" g="0" b="0"/>
+          </a:effectRef>
+          <a:fontRef idx="minor"/>
+        </p:style>
+        <p:txBody>
+          <a:bodyPr lIns="0" tIns="0" rIns="0" bIns="0" anchor="b"/>
+          <a:lstStyle/>
+          <a:p>
+            <a:r>
+              <a:rPr lang="en-US" sz="1200" spc="-1" dirty="0"/>
+              <a:t>04.06.2020</a:t>
+            </a:r>
+          </a:p>
+        </p:txBody>
+      </p:sp>
+      <p:sp>
+        <p:nvSpPr>
+          <p:cNvPr id="129" name="CustomShape 4"/>
+          <p:cNvSpPr/>
+          <p:nvPr/>
+        </p:nvSpPr>
+        <p:spPr>
+          <a:xfrm>
+            <a:off x="736560" y="7197840"/>
+            <a:ext cx="7484040" cy="178200"/>
+          </a:xfrm>
+          <a:prstGeom prst="rect">
+            <a:avLst/>
+          </a:prstGeom>
+          <a:noFill/>
+          <a:ln>
+            <a:noFill/>
+          </a:ln>
+        </p:spPr>
+        <p:style>
+          <a:lnRef idx="0">
+            <a:scrgbClr r="0" g="0" b="0"/>
+          </a:lnRef>
+          <a:fillRef idx="0">
+            <a:scrgbClr r="0" g="0" b="0"/>
+          </a:fillRef>
+          <a:effectRef idx="0">
+            <a:scrgbClr r="0" g="0" b="0"/>
+          </a:effectRef>
+          <a:fontRef idx="minor"/>
+        </p:style>
+        <p:txBody>
+          <a:bodyPr lIns="0" tIns="0" rIns="0" bIns="0" anchor="b"/>
+          <a:lstStyle/>
+          <a:p>
+            <a:pPr>
+              <a:lnSpc>
+                <a:spcPct val="100000"/>
+              </a:lnSpc>
+            </a:pPr>
+            <a:r>
+              <a:rPr lang="en-US" sz="1200" spc="-1" dirty="0">
+                <a:solidFill>
+                  <a:srgbClr val="000000"/>
+                </a:solidFill>
+              </a:rPr>
+              <a:t>DigiBP	Luca Müller, Nicola Raemy, Isar Gammoh, Pooja Bisht</a:t>
+            </a:r>
+            <a:endParaRPr lang="en-US" sz="1200" spc="-1" dirty="0"/>
+          </a:p>
+        </p:txBody>
+      </p:sp>
+      <p:sp>
+        <p:nvSpPr>
+          <p:cNvPr id="130" name="CustomShape 5"/>
+          <p:cNvSpPr/>
+          <p:nvPr/>
+        </p:nvSpPr>
+        <p:spPr>
+          <a:xfrm>
+            <a:off x="9086760" y="7197840"/>
+            <a:ext cx="862560" cy="178200"/>
+          </a:xfrm>
+          <a:prstGeom prst="rect">
+            <a:avLst/>
+          </a:prstGeom>
+          <a:noFill/>
+          <a:ln>
+            <a:noFill/>
+          </a:ln>
+        </p:spPr>
+        <p:style>
+          <a:lnRef idx="0">
+            <a:scrgbClr r="0" g="0" b="0"/>
+          </a:lnRef>
+          <a:fillRef idx="0">
+            <a:scrgbClr r="0" g="0" b="0"/>
+          </a:fillRef>
+          <a:effectRef idx="0">
+            <a:scrgbClr r="0" g="0" b="0"/>
+          </a:effectRef>
+          <a:fontRef idx="minor"/>
+        </p:style>
+        <p:txBody>
+          <a:bodyPr lIns="0" tIns="0" rIns="0" bIns="0" anchor="b"/>
+          <a:lstStyle/>
+          <a:p>
+            <a:pPr algn="r">
+              <a:lnSpc>
+                <a:spcPct val="100000"/>
+              </a:lnSpc>
+            </a:pPr>
+            <a:fld id="{676B624C-CA6C-47FB-8CC0-33C7E2E24C74}" type="slidenum">
+              <a:rPr lang="en-US" sz="1200" b="0" strike="noStrike" spc="-1">
+                <a:solidFill>
+                  <a:srgbClr val="000000"/>
+                </a:solidFill>
+                <a:latin typeface="Arial"/>
+                <a:ea typeface="DejaVu Sans"/>
+              </a:rPr>
+              <a:t>13</a:t>
+            </a:fld>
+            <a:endParaRPr lang="en-US" sz="1200" b="0" strike="noStrike" spc="-1">
+              <a:latin typeface="Arial"/>
+            </a:endParaRPr>
+          </a:p>
+        </p:txBody>
+      </p:sp>
+    </p:spTree>
+  </p:cSld>
+  <p:clrMapOvr>
+    <a:masterClrMapping/>
+  </p:clrMapOvr>
+  <p:timing>
+    <p:tnLst>
+      <p:par>
+        <p:cTn id="1" dur="indefinite" restart="never" nodeType="tmRoot">
+          <p:childTnLst>
+            <p:seq>
+              <p:cTn id="2" dur="indefinite" nodeType="mainSeq"/>
+              <p:prevCondLst>
+                <p:cond evt="onPrev" delay="0">
+                  <p:tgtEl>
+                    <p:sldTgt/>
+                  </p:tgtEl>
+                </p:cond>
+              </p:prevCondLst>
+              <p:nextCondLst>
+                <p:cond evt="onNext" delay="0">
+                  <p:tgtEl>
+                    <p:sldTgt/>
+                  </p:tgtEl>
+                </p:cond>
+              </p:nextCondLst>
+            </p:seq>
+          </p:childTnLst>
+        </p:cTn>
+      </p:par>
+    </p:tnLst>
+  </p:timing>
+</p:sld>
+</file>
+
+<file path=ppt/slides/slide14.xml><?xml version="1.0" encoding="utf-8"?>
+<p:sld xmlns:a="http://schemas.openxmlformats.org/drawingml/2006/main" xmlns:r="http://schemas.openxmlformats.org/officeDocument/2006/relationships" xmlns:p="http://schemas.openxmlformats.org/presentationml/2006/main">
+  <p:cSld>
+    <p:spTree>
+      <p:nvGrpSpPr>
+        <p:cNvPr id="1" name=""/>
+        <p:cNvGrpSpPr/>
+        <p:nvPr/>
+      </p:nvGrpSpPr>
+      <p:grpSpPr>
+        <a:xfrm>
+          <a:off x="0" y="0"/>
+          <a:ext cx="0" cy="0"/>
+          <a:chOff x="0" y="0"/>
+          <a:chExt cx="0" cy="0"/>
+        </a:xfrm>
+      </p:grpSpPr>
+      <p:sp>
+        <p:nvSpPr>
+          <p:cNvPr id="144" name="CustomShape 1"/>
+          <p:cNvSpPr/>
+          <p:nvPr/>
+        </p:nvSpPr>
+        <p:spPr>
+          <a:xfrm>
+            <a:off x="736560" y="1509840"/>
+            <a:ext cx="9212760" cy="360720"/>
+          </a:xfrm>
+          <a:prstGeom prst="rect">
+            <a:avLst/>
+          </a:prstGeom>
+          <a:noFill/>
+          <a:ln>
+            <a:noFill/>
+          </a:ln>
+        </p:spPr>
+        <p:style>
+          <a:lnRef idx="0">
+            <a:scrgbClr r="0" g="0" b="0"/>
+          </a:lnRef>
+          <a:fillRef idx="0">
+            <a:scrgbClr r="0" g="0" b="0"/>
+          </a:fillRef>
+          <a:effectRef idx="0">
+            <a:scrgbClr r="0" g="0" b="0"/>
+          </a:effectRef>
+          <a:fontRef idx="minor"/>
+        </p:style>
+        <p:txBody>
+          <a:bodyPr lIns="0" tIns="0" rIns="0" bIns="0"/>
+          <a:lstStyle/>
+          <a:p>
+            <a:pPr>
+              <a:lnSpc>
+                <a:spcPct val="100000"/>
+              </a:lnSpc>
+            </a:pPr>
+            <a:r>
+              <a:rPr lang="en-US" sz="2000" b="1" strike="noStrike" spc="-1">
+                <a:solidFill>
+                  <a:srgbClr val="000000"/>
+                </a:solidFill>
+                <a:latin typeface="Arial"/>
+                <a:ea typeface="DejaVu Sans"/>
+              </a:rPr>
+              <a:t>Outlook</a:t>
+            </a:r>
+            <a:endParaRPr lang="en-US" sz="2000" b="0" strike="noStrike" spc="-1">
+              <a:latin typeface="Arial"/>
+            </a:endParaRPr>
+          </a:p>
+        </p:txBody>
+      </p:sp>
+      <p:sp>
+        <p:nvSpPr>
+          <p:cNvPr id="145" name="CustomShape 2"/>
+          <p:cNvSpPr/>
+          <p:nvPr/>
+        </p:nvSpPr>
+        <p:spPr>
+          <a:xfrm>
+            <a:off x="738360" y="2197080"/>
+            <a:ext cx="9212760" cy="4462920"/>
+          </a:xfrm>
+          <a:prstGeom prst="rect">
+            <a:avLst/>
+          </a:prstGeom>
+          <a:noFill/>
+          <a:ln>
+            <a:noFill/>
+          </a:ln>
+        </p:spPr>
+        <p:style>
+          <a:lnRef idx="0">
+            <a:scrgbClr r="0" g="0" b="0"/>
+          </a:lnRef>
+          <a:fillRef idx="0">
+            <a:scrgbClr r="0" g="0" b="0"/>
+          </a:fillRef>
+          <a:effectRef idx="0">
+            <a:scrgbClr r="0" g="0" b="0"/>
+          </a:effectRef>
+          <a:fontRef idx="minor"/>
+        </p:style>
+        <p:txBody>
+          <a:bodyPr lIns="0" tIns="0" rIns="0" bIns="0"/>
+          <a:lstStyle/>
+          <a:p>
+            <a:pPr marL="343080" indent="-342000">
+              <a:lnSpc>
+                <a:spcPct val="115000"/>
+              </a:lnSpc>
+              <a:spcBef>
+                <a:spcPts val="1199"/>
+              </a:spcBef>
+              <a:buClr>
+                <a:srgbClr val="000000"/>
+              </a:buClr>
+              <a:buFont typeface="StarSymbol"/>
+              <a:buChar char="-"/>
+            </a:pPr>
+            <a:r>
+              <a:rPr lang="en-US" sz="2000" spc="-1" dirty="0">
+                <a:solidFill>
+                  <a:srgbClr val="000000"/>
+                </a:solidFill>
+              </a:rPr>
+              <a:t>(mention the user task on the very last of our process)</a:t>
+            </a:r>
+            <a:endParaRPr lang="en-US" sz="2000" b="0" strike="noStrike" spc="-1" dirty="0">
+              <a:solidFill>
+                <a:srgbClr val="000000"/>
+              </a:solidFill>
+              <a:latin typeface="Arial"/>
+              <a:ea typeface="DejaVu Sans"/>
+            </a:endParaRPr>
+          </a:p>
+          <a:p>
+            <a:pPr marL="343080" indent="-342000">
+              <a:lnSpc>
+                <a:spcPct val="115000"/>
+              </a:lnSpc>
+              <a:spcBef>
+                <a:spcPts val="1199"/>
+              </a:spcBef>
+              <a:buClr>
+                <a:srgbClr val="000000"/>
+              </a:buClr>
+              <a:buFont typeface="StarSymbol"/>
+              <a:buChar char="-"/>
+            </a:pPr>
+            <a:endParaRPr lang="en-US" sz="2000" spc="-1" dirty="0">
+              <a:solidFill>
+                <a:srgbClr val="000000"/>
+              </a:solidFill>
+              <a:highlight>
+                <a:srgbClr val="FFFF00"/>
+              </a:highlight>
+              <a:latin typeface="Arial"/>
+              <a:ea typeface="DejaVu Sans"/>
+            </a:endParaRPr>
+          </a:p>
+          <a:p>
+            <a:pPr marL="343080" indent="-342000">
+              <a:lnSpc>
+                <a:spcPct val="115000"/>
+              </a:lnSpc>
+              <a:spcBef>
+                <a:spcPts val="1199"/>
+              </a:spcBef>
+              <a:buClr>
+                <a:srgbClr val="000000"/>
+              </a:buClr>
+              <a:buFont typeface="StarSymbol"/>
+              <a:buChar char="-"/>
+            </a:pPr>
+            <a:r>
+              <a:rPr lang="en-US" sz="2000" b="0" strike="noStrike" spc="-1" dirty="0">
+                <a:solidFill>
+                  <a:srgbClr val="000000"/>
+                </a:solidFill>
+                <a:latin typeface="Arial"/>
+                <a:ea typeface="DejaVu Sans"/>
+              </a:rPr>
+              <a:t>Evaluate candidates with job requirements (usage of a second DMN)</a:t>
+            </a:r>
+            <a:endParaRPr lang="en-US" sz="2000" b="0" strike="noStrike" spc="-1" dirty="0">
+              <a:latin typeface="Arial"/>
+            </a:endParaRPr>
+          </a:p>
+          <a:p>
+            <a:pPr>
+              <a:lnSpc>
+                <a:spcPct val="115000"/>
+              </a:lnSpc>
+              <a:spcBef>
+                <a:spcPts val="1199"/>
+              </a:spcBef>
+            </a:pPr>
+            <a:endParaRPr lang="en-US" sz="2000" b="0" strike="noStrike" spc="-1" dirty="0">
+              <a:highlight>
+                <a:srgbClr val="FFFF00"/>
+              </a:highlight>
+              <a:latin typeface="Arial"/>
+            </a:endParaRPr>
+          </a:p>
+          <a:p>
+            <a:pPr marL="343080" indent="-342000">
+              <a:lnSpc>
+                <a:spcPct val="115000"/>
+              </a:lnSpc>
+              <a:spcBef>
+                <a:spcPts val="1199"/>
+              </a:spcBef>
+              <a:buClr>
+                <a:srgbClr val="000000"/>
+              </a:buClr>
+              <a:buFont typeface="StarSymbol"/>
+              <a:buChar char="-"/>
+            </a:pPr>
+            <a:r>
+              <a:rPr lang="en-US" sz="2000" b="0" strike="noStrike" spc="-1" dirty="0" err="1">
+                <a:solidFill>
+                  <a:srgbClr val="000000"/>
+                </a:solidFill>
+                <a:highlight>
+                  <a:srgbClr val="FFFF00"/>
+                </a:highlight>
+                <a:latin typeface="Arial"/>
+                <a:ea typeface="DejaVu Sans"/>
+              </a:rPr>
+              <a:t>xxxxxx</a:t>
+            </a:r>
+            <a:endParaRPr lang="en-US" sz="2000" b="0" strike="noStrike" spc="-1" dirty="0">
+              <a:highlight>
+                <a:srgbClr val="FFFF00"/>
+              </a:highlight>
+              <a:latin typeface="Arial"/>
+            </a:endParaRPr>
+          </a:p>
+          <a:p>
+            <a:pPr>
+              <a:lnSpc>
+                <a:spcPct val="115000"/>
+              </a:lnSpc>
+              <a:spcBef>
+                <a:spcPts val="1199"/>
+              </a:spcBef>
+            </a:pPr>
+            <a:endParaRPr lang="en-US" sz="2000" b="0" strike="noStrike" spc="-1" dirty="0">
+              <a:highlight>
+                <a:srgbClr val="FFFF00"/>
+              </a:highlight>
+              <a:latin typeface="Arial"/>
+            </a:endParaRPr>
+          </a:p>
+          <a:p>
+            <a:pPr marL="343080" indent="-342000">
+              <a:lnSpc>
+                <a:spcPct val="115000"/>
+              </a:lnSpc>
+              <a:spcBef>
+                <a:spcPts val="1199"/>
+              </a:spcBef>
+              <a:buClr>
+                <a:srgbClr val="000000"/>
+              </a:buClr>
+              <a:buFont typeface="StarSymbol"/>
+              <a:buChar char="-"/>
+            </a:pPr>
+            <a:r>
+              <a:rPr lang="en-US" sz="2000" b="0" strike="noStrike" spc="-1" dirty="0" err="1">
+                <a:solidFill>
+                  <a:srgbClr val="000000"/>
+                </a:solidFill>
+                <a:highlight>
+                  <a:srgbClr val="FFFF00"/>
+                </a:highlight>
+                <a:latin typeface="Arial"/>
+                <a:ea typeface="DejaVu Sans"/>
+              </a:rPr>
+              <a:t>xxxxxxx</a:t>
+            </a:r>
+            <a:endParaRPr lang="en-US" sz="2000" b="0" strike="noStrike" spc="-1" dirty="0">
+              <a:highlight>
+                <a:srgbClr val="FFFF00"/>
+              </a:highlight>
+              <a:latin typeface="Arial"/>
+            </a:endParaRPr>
+          </a:p>
+          <a:p>
+            <a:pPr marL="800280" lvl="1" indent="-342000">
+              <a:lnSpc>
+                <a:spcPct val="115000"/>
+              </a:lnSpc>
+              <a:spcBef>
+                <a:spcPts val="1199"/>
+              </a:spcBef>
+              <a:buClr>
+                <a:srgbClr val="000000"/>
+              </a:buClr>
+              <a:buFont typeface="StarSymbol"/>
+              <a:buChar char="-"/>
+            </a:pPr>
+            <a:r>
+              <a:rPr lang="en-US" sz="2000" b="0" strike="noStrike" spc="-1" dirty="0" err="1">
+                <a:solidFill>
+                  <a:srgbClr val="000000"/>
+                </a:solidFill>
+                <a:highlight>
+                  <a:srgbClr val="FFFF00"/>
+                </a:highlight>
+                <a:latin typeface="Arial"/>
+                <a:ea typeface="DejaVu Sans"/>
+              </a:rPr>
+              <a:t>xxxx</a:t>
+            </a:r>
+            <a:endParaRPr lang="en-US" sz="2000" b="0" strike="noStrike" spc="-1" dirty="0">
+              <a:highlight>
+                <a:srgbClr val="FFFF00"/>
+              </a:highlight>
+              <a:latin typeface="Arial"/>
+            </a:endParaRPr>
+          </a:p>
+          <a:p>
+            <a:pPr>
+              <a:lnSpc>
+                <a:spcPct val="115000"/>
+              </a:lnSpc>
+              <a:spcBef>
+                <a:spcPts val="1199"/>
+              </a:spcBef>
+            </a:pPr>
+            <a:endParaRPr lang="en-US" sz="2000" b="0" strike="noStrike" spc="-1" dirty="0">
+              <a:latin typeface="Arial"/>
+            </a:endParaRPr>
+          </a:p>
+        </p:txBody>
+      </p:sp>
+      <p:sp>
+        <p:nvSpPr>
+          <p:cNvPr id="146" name="CustomShape 3"/>
+          <p:cNvSpPr/>
+          <p:nvPr/>
+        </p:nvSpPr>
+        <p:spPr>
+          <a:xfrm>
+            <a:off x="8221680" y="7197840"/>
+            <a:ext cx="864000" cy="178200"/>
+          </a:xfrm>
+          <a:prstGeom prst="rect">
+            <a:avLst/>
+          </a:prstGeom>
+          <a:noFill/>
+          <a:ln>
+            <a:noFill/>
+          </a:ln>
+        </p:spPr>
+        <p:style>
+          <a:lnRef idx="0">
+            <a:scrgbClr r="0" g="0" b="0"/>
+          </a:lnRef>
+          <a:fillRef idx="0">
+            <a:scrgbClr r="0" g="0" b="0"/>
+          </a:fillRef>
+          <a:effectRef idx="0">
+            <a:scrgbClr r="0" g="0" b="0"/>
+          </a:effectRef>
+          <a:fontRef idx="minor"/>
+        </p:style>
+        <p:txBody>
+          <a:bodyPr lIns="0" tIns="0" rIns="0" bIns="0" anchor="b"/>
+          <a:lstStyle/>
+          <a:p>
+            <a:r>
+              <a:rPr lang="en-US" sz="1200" spc="-1" dirty="0"/>
+              <a:t>04.06.2020</a:t>
+            </a:r>
+          </a:p>
+        </p:txBody>
+      </p:sp>
+      <p:sp>
+        <p:nvSpPr>
+          <p:cNvPr id="147" name="CustomShape 4"/>
+          <p:cNvSpPr/>
+          <p:nvPr/>
+        </p:nvSpPr>
+        <p:spPr>
+          <a:xfrm>
+            <a:off x="736560" y="7197840"/>
+            <a:ext cx="7484040" cy="178200"/>
+          </a:xfrm>
+          <a:prstGeom prst="rect">
+            <a:avLst/>
+          </a:prstGeom>
+          <a:noFill/>
+          <a:ln>
+            <a:noFill/>
+          </a:ln>
+        </p:spPr>
+        <p:style>
+          <a:lnRef idx="0">
+            <a:scrgbClr r="0" g="0" b="0"/>
+          </a:lnRef>
+          <a:fillRef idx="0">
+            <a:scrgbClr r="0" g="0" b="0"/>
+          </a:fillRef>
+          <a:effectRef idx="0">
+            <a:scrgbClr r="0" g="0" b="0"/>
+          </a:effectRef>
+          <a:fontRef idx="minor"/>
+        </p:style>
+        <p:txBody>
+          <a:bodyPr lIns="0" tIns="0" rIns="0" bIns="0" anchor="b"/>
+          <a:lstStyle/>
+          <a:p>
+            <a:pPr>
+              <a:lnSpc>
+                <a:spcPct val="100000"/>
+              </a:lnSpc>
+            </a:pPr>
+            <a:r>
+              <a:rPr lang="en-US" sz="1200" spc="-1" dirty="0">
+                <a:solidFill>
+                  <a:srgbClr val="000000"/>
+                </a:solidFill>
+              </a:rPr>
+              <a:t>DigiBP	Luca Müller, Nicola Raemy, Isar Gammoh, Pooja Bisht</a:t>
+            </a:r>
+            <a:endParaRPr lang="en-US" sz="1200" spc="-1" dirty="0"/>
+          </a:p>
+        </p:txBody>
+      </p:sp>
+      <p:sp>
+        <p:nvSpPr>
+          <p:cNvPr id="148" name="CustomShape 5"/>
+          <p:cNvSpPr/>
+          <p:nvPr/>
+        </p:nvSpPr>
+        <p:spPr>
+          <a:xfrm>
+            <a:off x="9086760" y="7197840"/>
+            <a:ext cx="862560" cy="178200"/>
+          </a:xfrm>
+          <a:prstGeom prst="rect">
+            <a:avLst/>
+          </a:prstGeom>
+          <a:noFill/>
+          <a:ln>
+            <a:noFill/>
+          </a:ln>
+        </p:spPr>
+        <p:style>
+          <a:lnRef idx="0">
+            <a:scrgbClr r="0" g="0" b="0"/>
+          </a:lnRef>
+          <a:fillRef idx="0">
+            <a:scrgbClr r="0" g="0" b="0"/>
+          </a:fillRef>
+          <a:effectRef idx="0">
+            <a:scrgbClr r="0" g="0" b="0"/>
+          </a:effectRef>
+          <a:fontRef idx="minor"/>
+        </p:style>
+        <p:txBody>
+          <a:bodyPr lIns="0" tIns="0" rIns="0" bIns="0" anchor="b"/>
+          <a:lstStyle/>
+          <a:p>
+            <a:pPr algn="r">
+              <a:lnSpc>
+                <a:spcPct val="100000"/>
+              </a:lnSpc>
+            </a:pPr>
+            <a:fld id="{D9A4007B-5B80-4163-80FA-8E411138EAA0}" type="slidenum">
+              <a:rPr lang="en-US" sz="1200" b="0" strike="noStrike" spc="-1">
+                <a:solidFill>
+                  <a:srgbClr val="000000"/>
+                </a:solidFill>
+                <a:latin typeface="Arial"/>
+                <a:ea typeface="DejaVu Sans"/>
+              </a:rPr>
+              <a:t>14</a:t>
+            </a:fld>
+            <a:endParaRPr lang="en-US" sz="1200" b="0" strike="noStrike" spc="-1">
+              <a:latin typeface="Arial"/>
+            </a:endParaRPr>
+          </a:p>
+        </p:txBody>
+      </p:sp>
+    </p:spTree>
+  </p:cSld>
+  <p:clrMapOvr>
+    <a:masterClrMapping/>
+  </p:clrMapOvr>
+  <p:timing>
+    <p:tnLst>
+      <p:par>
+        <p:cTn id="1" dur="indefinite" restart="never" nodeType="tmRoot">
+          <p:childTnLst>
+            <p:seq>
+              <p:cTn id="2" dur="indefinite" nodeType="mainSeq"/>
+              <p:prevCondLst>
+                <p:cond evt="onPrev" delay="0">
+                  <p:tgtEl>
+                    <p:sldTgt/>
+                  </p:tgtEl>
+                </p:cond>
+              </p:prevCondLst>
+              <p:nextCondLst>
+                <p:cond evt="onNext" delay="0">
+                  <p:tgtEl>
+                    <p:sldTgt/>
+                  </p:tgtEl>
+                </p:cond>
+              </p:nextCondLst>
+            </p:seq>
+          </p:childTnLst>
+        </p:cTn>
+      </p:par>
+    </p:tnLst>
+  </p:timing>
+</p:sld>
+</file>
+
+<file path=ppt/slides/slide2.xml><?xml version="1.0" encoding="utf-8"?>
+<p:sld xmlns:a="http://schemas.openxmlformats.org/drawingml/2006/main" xmlns:r="http://schemas.openxmlformats.org/officeDocument/2006/relationships" xmlns:p="http://schemas.openxmlformats.org/presentationml/2006/main">
+  <p:cSld>
+    <p:spTree>
+      <p:nvGrpSpPr>
+        <p:cNvPr id="1" name=""/>
+        <p:cNvGrpSpPr/>
+        <p:nvPr/>
+      </p:nvGrpSpPr>
+      <p:grpSpPr>
+        <a:xfrm>
+          <a:off x="0" y="0"/>
+          <a:ext cx="0" cy="0"/>
+          <a:chOff x="0" y="0"/>
+          <a:chExt cx="0" cy="0"/>
+        </a:xfrm>
+      </p:grpSpPr>
+      <p:sp>
+        <p:nvSpPr>
+          <p:cNvPr id="86" name="CustomShape 1"/>
+          <p:cNvSpPr/>
+          <p:nvPr/>
+        </p:nvSpPr>
+        <p:spPr>
+          <a:xfrm>
+            <a:off x="8221680" y="7197840"/>
+            <a:ext cx="864000" cy="178200"/>
+          </a:xfrm>
+          <a:prstGeom prst="rect">
+            <a:avLst/>
+          </a:prstGeom>
+          <a:noFill/>
+          <a:ln>
+            <a:noFill/>
+          </a:ln>
+        </p:spPr>
+        <p:style>
+          <a:lnRef idx="0">
+            <a:scrgbClr r="0" g="0" b="0"/>
+          </a:lnRef>
+          <a:fillRef idx="0">
+            <a:scrgbClr r="0" g="0" b="0"/>
+          </a:fillRef>
+          <a:effectRef idx="0">
+            <a:scrgbClr r="0" g="0" b="0"/>
+          </a:effectRef>
+          <a:fontRef idx="minor"/>
+        </p:style>
+        <p:txBody>
+          <a:bodyPr lIns="0" tIns="0" rIns="0" bIns="0" anchor="b"/>
+          <a:lstStyle/>
+          <a:p>
+            <a:pPr>
+              <a:lnSpc>
+                <a:spcPct val="100000"/>
+              </a:lnSpc>
+            </a:pPr>
+            <a:r>
+              <a:rPr lang="en-US" sz="1200" spc="-1" dirty="0">
+                <a:latin typeface="Arial"/>
+              </a:rPr>
+              <a:t>04.06.2020</a:t>
+            </a:r>
+            <a:endParaRPr lang="en-US" sz="1200" b="0" strike="noStrike" spc="-1" dirty="0">
+              <a:latin typeface="Arial"/>
+            </a:endParaRPr>
+          </a:p>
+        </p:txBody>
+      </p:sp>
+      <p:sp>
+        <p:nvSpPr>
+          <p:cNvPr id="87" name="CustomShape 2"/>
+          <p:cNvSpPr/>
+          <p:nvPr/>
+        </p:nvSpPr>
+        <p:spPr>
+          <a:xfrm>
+            <a:off x="736560" y="7197840"/>
+            <a:ext cx="7484040" cy="178200"/>
+          </a:xfrm>
+          <a:prstGeom prst="rect">
+            <a:avLst/>
+          </a:prstGeom>
+          <a:noFill/>
+          <a:ln>
+            <a:noFill/>
+          </a:ln>
+        </p:spPr>
+        <p:style>
+          <a:lnRef idx="0">
+            <a:scrgbClr r="0" g="0" b="0"/>
+          </a:lnRef>
+          <a:fillRef idx="0">
+            <a:scrgbClr r="0" g="0" b="0"/>
+          </a:fillRef>
+          <a:effectRef idx="0">
+            <a:scrgbClr r="0" g="0" b="0"/>
+          </a:effectRef>
+          <a:fontRef idx="minor"/>
+        </p:style>
+        <p:txBody>
+          <a:bodyPr lIns="0" tIns="0" rIns="0" bIns="0" anchor="b"/>
+          <a:lstStyle/>
+          <a:p>
+            <a:pPr>
+              <a:lnSpc>
+                <a:spcPct val="100000"/>
+              </a:lnSpc>
+            </a:pPr>
+            <a:r>
+              <a:rPr lang="en-US" sz="1200" b="0" strike="noStrike" spc="-1" dirty="0">
+                <a:solidFill>
+                  <a:srgbClr val="000000"/>
+                </a:solidFill>
+                <a:latin typeface="Arial"/>
+                <a:ea typeface="DejaVu Sans"/>
+              </a:rPr>
+              <a:t>DigiBP	Luca Müller, Nicola Raemy, Isar Gammoh, Pooja Bisht</a:t>
+            </a:r>
+            <a:endParaRPr lang="en-US" sz="1200" b="0" strike="noStrike" spc="-1" dirty="0">
+              <a:latin typeface="Arial"/>
+            </a:endParaRPr>
+          </a:p>
+        </p:txBody>
+      </p:sp>
+      <p:sp>
+        <p:nvSpPr>
+          <p:cNvPr id="88" name="CustomShape 3"/>
+          <p:cNvSpPr/>
+          <p:nvPr/>
+        </p:nvSpPr>
+        <p:spPr>
+          <a:xfrm>
+            <a:off x="9086760" y="7197840"/>
+            <a:ext cx="862560" cy="178200"/>
+          </a:xfrm>
+          <a:prstGeom prst="rect">
+            <a:avLst/>
+          </a:prstGeom>
+          <a:noFill/>
+          <a:ln>
+            <a:noFill/>
+          </a:ln>
+        </p:spPr>
+        <p:style>
+          <a:lnRef idx="0">
+            <a:scrgbClr r="0" g="0" b="0"/>
+          </a:lnRef>
+          <a:fillRef idx="0">
+            <a:scrgbClr r="0" g="0" b="0"/>
+          </a:fillRef>
+          <a:effectRef idx="0">
+            <a:scrgbClr r="0" g="0" b="0"/>
+          </a:effectRef>
+          <a:fontRef idx="minor"/>
+        </p:style>
+        <p:txBody>
+          <a:bodyPr lIns="0" tIns="0" rIns="0" bIns="0" anchor="b"/>
+          <a:lstStyle/>
+          <a:p>
+            <a:pPr algn="r">
+              <a:lnSpc>
+                <a:spcPct val="100000"/>
+              </a:lnSpc>
+            </a:pPr>
+            <a:fld id="{E543EDC4-2688-4AFB-B0C1-0827090BB9E8}" type="slidenum">
+              <a:rPr lang="en-US" sz="1200" b="0" strike="noStrike" spc="-1">
+                <a:solidFill>
+                  <a:srgbClr val="000000"/>
+                </a:solidFill>
+                <a:latin typeface="Arial"/>
+                <a:ea typeface="DejaVu Sans"/>
+              </a:rPr>
+              <a:t>2</a:t>
+            </a:fld>
+            <a:endParaRPr lang="en-US" sz="1200" b="0" strike="noStrike" spc="-1" dirty="0">
+              <a:latin typeface="Arial"/>
+            </a:endParaRPr>
+          </a:p>
+        </p:txBody>
+      </p:sp>
+      <p:sp>
+        <p:nvSpPr>
+          <p:cNvPr id="89" name="CustomShape 4"/>
+          <p:cNvSpPr/>
+          <p:nvPr/>
+        </p:nvSpPr>
+        <p:spPr>
+          <a:xfrm>
+            <a:off x="736560" y="1509840"/>
+            <a:ext cx="9212760" cy="360720"/>
+          </a:xfrm>
+          <a:prstGeom prst="rect">
+            <a:avLst/>
+          </a:prstGeom>
+          <a:noFill/>
+          <a:ln>
+            <a:noFill/>
+          </a:ln>
+        </p:spPr>
+        <p:style>
+          <a:lnRef idx="0">
+            <a:scrgbClr r="0" g="0" b="0"/>
+          </a:lnRef>
+          <a:fillRef idx="0">
+            <a:scrgbClr r="0" g="0" b="0"/>
+          </a:fillRef>
+          <a:effectRef idx="0">
+            <a:scrgbClr r="0" g="0" b="0"/>
+          </a:effectRef>
+          <a:fontRef idx="minor"/>
+        </p:style>
+        <p:txBody>
+          <a:bodyPr lIns="0" tIns="0" rIns="0" bIns="0"/>
+          <a:lstStyle/>
+          <a:p>
+            <a:pPr>
+              <a:lnSpc>
+                <a:spcPct val="100000"/>
+              </a:lnSpc>
+            </a:pPr>
+            <a:r>
+              <a:rPr lang="en-US" sz="2000" b="1" strike="noStrike" spc="-1" dirty="0">
+                <a:solidFill>
+                  <a:srgbClr val="000000"/>
+                </a:solidFill>
+                <a:latin typeface="Arial"/>
+                <a:ea typeface="DejaVu Sans"/>
+              </a:rPr>
+              <a:t>Introduction</a:t>
+            </a:r>
+            <a:endParaRPr lang="en-US" sz="2000" b="0" strike="noStrike" spc="-1" dirty="0">
+              <a:latin typeface="Arial"/>
+            </a:endParaRPr>
+          </a:p>
+        </p:txBody>
+      </p:sp>
+      <p:sp>
+        <p:nvSpPr>
+          <p:cNvPr id="90" name="CustomShape 5"/>
+          <p:cNvSpPr/>
+          <p:nvPr/>
+        </p:nvSpPr>
+        <p:spPr>
+          <a:xfrm>
+            <a:off x="731520" y="2103119"/>
+            <a:ext cx="9212760" cy="2568271"/>
+          </a:xfrm>
+          <a:prstGeom prst="rect">
+            <a:avLst/>
+          </a:prstGeom>
+          <a:noFill/>
+          <a:ln>
+            <a:noFill/>
+          </a:ln>
+        </p:spPr>
+        <p:style>
+          <a:lnRef idx="0">
+            <a:scrgbClr r="0" g="0" b="0"/>
+          </a:lnRef>
+          <a:fillRef idx="0">
+            <a:scrgbClr r="0" g="0" b="0"/>
+          </a:fillRef>
+          <a:effectRef idx="0">
+            <a:scrgbClr r="0" g="0" b="0"/>
+          </a:effectRef>
+          <a:fontRef idx="minor"/>
+        </p:style>
+        <p:txBody>
+          <a:bodyPr lIns="0" tIns="0" rIns="0" bIns="0"/>
+          <a:lstStyle/>
+          <a:p>
+            <a:pPr marL="343080" indent="-342000">
+              <a:lnSpc>
+                <a:spcPct val="115000"/>
+              </a:lnSpc>
+              <a:spcBef>
+                <a:spcPts val="1199"/>
+              </a:spcBef>
+              <a:buClr>
+                <a:srgbClr val="000000"/>
+              </a:buClr>
+              <a:buFont typeface="StarSymbol"/>
+              <a:buChar char="-"/>
+            </a:pPr>
+            <a:r>
+              <a:rPr lang="en-US" sz="2000" b="0" strike="noStrike" spc="-1" dirty="0">
+                <a:solidFill>
+                  <a:srgbClr val="000000"/>
+                </a:solidFill>
+                <a:latin typeface="Arial"/>
+                <a:ea typeface="DejaVu Sans"/>
+              </a:rPr>
+              <a:t>Optimization of a regular recruitment process</a:t>
+            </a:r>
+            <a:endParaRPr lang="en-US" sz="2000" b="0" strike="noStrike" spc="-1" dirty="0">
+              <a:latin typeface="Arial"/>
+            </a:endParaRPr>
+          </a:p>
+          <a:p>
+            <a:pPr marL="343080" indent="-342000">
+              <a:lnSpc>
+                <a:spcPct val="115000"/>
+              </a:lnSpc>
+              <a:spcBef>
+                <a:spcPts val="1199"/>
+              </a:spcBef>
+              <a:buClr>
+                <a:srgbClr val="000000"/>
+              </a:buClr>
+              <a:buFont typeface="StarSymbol"/>
+              <a:buChar char="-"/>
+            </a:pPr>
+            <a:r>
+              <a:rPr lang="en-US" sz="2000" b="0" strike="noStrike" spc="-1" dirty="0">
+                <a:solidFill>
+                  <a:srgbClr val="000000"/>
+                </a:solidFill>
+                <a:latin typeface="Arial"/>
+                <a:ea typeface="DejaVu Sans"/>
+              </a:rPr>
+              <a:t>Developed three major adjustments:</a:t>
+            </a:r>
+            <a:endParaRPr lang="en-US" sz="2000" b="0" strike="noStrike" spc="-1" dirty="0">
+              <a:latin typeface="Arial"/>
+            </a:endParaRPr>
+          </a:p>
+          <a:p>
+            <a:pPr marL="864000" lvl="1" indent="-323280">
+              <a:lnSpc>
+                <a:spcPct val="100000"/>
+              </a:lnSpc>
+              <a:spcBef>
+                <a:spcPts val="1134"/>
+              </a:spcBef>
+              <a:buClr>
+                <a:srgbClr val="000000"/>
+              </a:buClr>
+              <a:buSzPct val="75000"/>
+              <a:buFont typeface="Symbol"/>
+              <a:buChar char=""/>
+            </a:pPr>
+            <a:r>
+              <a:rPr lang="en-US" sz="2000" b="0" strike="noStrike" spc="-1" dirty="0">
+                <a:solidFill>
+                  <a:srgbClr val="000000"/>
+                </a:solidFill>
+                <a:latin typeface="Arial"/>
+                <a:ea typeface="DejaVu Sans"/>
+              </a:rPr>
+              <a:t>Publication of a job via LinkedIn</a:t>
+            </a:r>
+            <a:endParaRPr lang="en-US" sz="2000" b="0" strike="noStrike" spc="-1" dirty="0">
+              <a:latin typeface="Arial"/>
+            </a:endParaRPr>
+          </a:p>
+          <a:p>
+            <a:pPr marL="864000" lvl="1" indent="-323280">
+              <a:lnSpc>
+                <a:spcPct val="100000"/>
+              </a:lnSpc>
+              <a:spcBef>
+                <a:spcPts val="1134"/>
+              </a:spcBef>
+              <a:buClr>
+                <a:srgbClr val="000000"/>
+              </a:buClr>
+              <a:buSzPct val="75000"/>
+              <a:buFont typeface="Symbol"/>
+              <a:buChar char=""/>
+            </a:pPr>
+            <a:r>
+              <a:rPr lang="en-US" sz="2000" spc="-1" dirty="0">
+                <a:solidFill>
+                  <a:srgbClr val="000000"/>
+                </a:solidFill>
+                <a:latin typeface="Arial"/>
+              </a:rPr>
+              <a:t>Dialogflow and DMN for a first selection</a:t>
+            </a:r>
+          </a:p>
+          <a:p>
+            <a:pPr marL="864000" lvl="1" indent="-323280">
+              <a:lnSpc>
+                <a:spcPct val="100000"/>
+              </a:lnSpc>
+              <a:spcBef>
+                <a:spcPts val="1134"/>
+              </a:spcBef>
+              <a:buClr>
+                <a:srgbClr val="000000"/>
+              </a:buClr>
+              <a:buSzPct val="75000"/>
+              <a:buFont typeface="Symbol"/>
+              <a:buChar char=""/>
+            </a:pPr>
+            <a:r>
+              <a:rPr lang="en-US" sz="2000" spc="-1" dirty="0">
+                <a:solidFill>
+                  <a:srgbClr val="000000"/>
+                </a:solidFill>
+              </a:rPr>
+              <a:t>Implementation of a booking system and automated E-Mail communication to minimize coordination effort</a:t>
+            </a:r>
+            <a:endParaRPr lang="en-US" sz="2000" b="0" strike="noStrike" spc="-1" dirty="0">
+              <a:latin typeface="Arial"/>
+            </a:endParaRPr>
+          </a:p>
+          <a:p>
+            <a:pPr>
+              <a:lnSpc>
+                <a:spcPct val="115000"/>
+              </a:lnSpc>
+              <a:spcBef>
+                <a:spcPts val="1199"/>
+              </a:spcBef>
+            </a:pPr>
+            <a:endParaRPr lang="en-US" sz="2000" b="0" strike="noStrike" spc="-1" dirty="0">
+              <a:latin typeface="Arial"/>
+            </a:endParaRPr>
+          </a:p>
+        </p:txBody>
+      </p:sp>
+      <p:sp>
+        <p:nvSpPr>
+          <p:cNvPr id="10" name="Textfeld 9">
+            <a:extLst>
+              <a:ext uri="{FF2B5EF4-FFF2-40B4-BE49-F238E27FC236}">
+                <a16:creationId xmlns:a16="http://schemas.microsoft.com/office/drawing/2014/main" id="{0C6F92D0-661B-4924-88AA-22299572D2D8}"/>
+              </a:ext>
+            </a:extLst>
+          </p:cNvPr>
+          <p:cNvSpPr txBox="1"/>
+          <p:nvPr/>
+        </p:nvSpPr>
+        <p:spPr>
+          <a:xfrm>
+            <a:off x="1205802" y="4873451"/>
+            <a:ext cx="3808325" cy="2031325"/>
+          </a:xfrm>
+          <a:prstGeom prst="rect">
+            <a:avLst/>
+          </a:prstGeom>
+          <a:noFill/>
+          <a:ln>
+            <a:solidFill>
+              <a:schemeClr val="tx1"/>
+            </a:solidFill>
+          </a:ln>
+        </p:spPr>
+        <p:txBody>
+          <a:bodyPr wrap="square" rtlCol="0">
+            <a:spAutoFit/>
+          </a:bodyPr>
+          <a:lstStyle/>
+          <a:p>
+            <a:r>
+              <a:rPr lang="en-GB" dirty="0"/>
+              <a:t>Placeholder 1 for image (LinkedIn job advert or </a:t>
+            </a:r>
+            <a:r>
+              <a:rPr lang="en-GB" dirty="0" err="1"/>
+              <a:t>smt</a:t>
+            </a:r>
+            <a:r>
+              <a:rPr lang="en-GB" dirty="0"/>
+              <a:t> like this)</a:t>
+            </a:r>
+          </a:p>
+          <a:p>
+            <a:endParaRPr lang="en-GB" dirty="0"/>
+          </a:p>
+          <a:p>
+            <a:endParaRPr lang="en-GB" dirty="0"/>
+          </a:p>
+          <a:p>
+            <a:endParaRPr lang="en-GB" dirty="0"/>
+          </a:p>
+          <a:p>
+            <a:endParaRPr lang="en-GB" dirty="0"/>
+          </a:p>
+          <a:p>
+            <a:endParaRPr lang="en-GB" dirty="0"/>
+          </a:p>
+        </p:txBody>
+      </p:sp>
+      <p:sp>
+        <p:nvSpPr>
+          <p:cNvPr id="11" name="Textfeld 10">
+            <a:extLst>
+              <a:ext uri="{FF2B5EF4-FFF2-40B4-BE49-F238E27FC236}">
+                <a16:creationId xmlns:a16="http://schemas.microsoft.com/office/drawing/2014/main" id="{14EAD16C-61BB-4C2A-81D5-33BA6184FC04}"/>
+              </a:ext>
+            </a:extLst>
+          </p:cNvPr>
+          <p:cNvSpPr txBox="1"/>
+          <p:nvPr/>
+        </p:nvSpPr>
+        <p:spPr>
+          <a:xfrm>
+            <a:off x="5358423" y="4873451"/>
+            <a:ext cx="3808325" cy="2031325"/>
+          </a:xfrm>
+          <a:prstGeom prst="rect">
+            <a:avLst/>
+          </a:prstGeom>
+          <a:noFill/>
+          <a:ln>
+            <a:solidFill>
+              <a:schemeClr val="tx1"/>
+            </a:solidFill>
+          </a:ln>
+        </p:spPr>
+        <p:txBody>
+          <a:bodyPr wrap="square" rtlCol="0">
+            <a:spAutoFit/>
+          </a:bodyPr>
+          <a:lstStyle/>
+          <a:p>
+            <a:r>
+              <a:rPr lang="en-GB" dirty="0"/>
+              <a:t>Placeholder 1 for image (booking system)</a:t>
+            </a:r>
+          </a:p>
+          <a:p>
+            <a:endParaRPr lang="de-CH" dirty="0"/>
+          </a:p>
+          <a:p>
+            <a:endParaRPr lang="de-CH" dirty="0"/>
+          </a:p>
+          <a:p>
+            <a:endParaRPr lang="de-CH" dirty="0"/>
+          </a:p>
+          <a:p>
+            <a:endParaRPr lang="de-CH" dirty="0"/>
+          </a:p>
+          <a:p>
+            <a:endParaRPr lang="de-CH" dirty="0"/>
+          </a:p>
+        </p:txBody>
+      </p:sp>
+    </p:spTree>
+  </p:cSld>
+  <p:clrMapOvr>
+    <a:masterClrMapping/>
+  </p:clrMapOvr>
+  <p:timing>
+    <p:tnLst>
+      <p:par>
+        <p:cTn id="1" dur="indefinite" restart="never" nodeType="tmRoot">
+          <p:childTnLst>
+            <p:seq>
+              <p:cTn id="2" dur="indefinite" nodeType="mainSeq"/>
+              <p:prevCondLst>
+                <p:cond evt="onPrev" delay="0">
+                  <p:tgtEl>
+                    <p:sldTgt/>
+                  </p:tgtEl>
+                </p:cond>
+              </p:prevCondLst>
+              <p:nextCondLst>
+                <p:cond evt="onNext" delay="0">
+                  <p:tgtEl>
+                    <p:sldTgt/>
+                  </p:tgtEl>
+                </p:cond>
+              </p:nextCondLst>
+            </p:seq>
+          </p:childTnLst>
+        </p:cTn>
+      </p:par>
+    </p:tnLst>
+  </p:timing>
+</p:sld>
+</file>
+
+<file path=ppt/slides/slide3.xml><?xml version="1.0" encoding="utf-8"?>
+<p:sld xmlns:a="http://schemas.openxmlformats.org/drawingml/2006/main" xmlns:r="http://schemas.openxmlformats.org/officeDocument/2006/relationships" xmlns:p="http://schemas.openxmlformats.org/presentationml/2006/main">
+  <p:cSld>
+    <p:spTree>
+      <p:nvGrpSpPr>
+        <p:cNvPr id="1" name=""/>
+        <p:cNvGrpSpPr/>
+        <p:nvPr/>
+      </p:nvGrpSpPr>
+      <p:grpSpPr>
+        <a:xfrm>
+          <a:off x="0" y="0"/>
+          <a:ext cx="0" cy="0"/>
+          <a:chOff x="0" y="0"/>
+          <a:chExt cx="0" cy="0"/>
+        </a:xfrm>
+      </p:grpSpPr>
+      <p:sp>
+        <p:nvSpPr>
+          <p:cNvPr id="93" name="CustomShape 1"/>
+          <p:cNvSpPr/>
+          <p:nvPr/>
+        </p:nvSpPr>
+        <p:spPr>
+          <a:xfrm>
+            <a:off x="8221680" y="7197840"/>
+            <a:ext cx="864000" cy="178200"/>
+          </a:xfrm>
+          <a:prstGeom prst="rect">
+            <a:avLst/>
+          </a:prstGeom>
+          <a:noFill/>
+          <a:ln>
+            <a:noFill/>
+          </a:ln>
+        </p:spPr>
+        <p:style>
+          <a:lnRef idx="0">
+            <a:scrgbClr r="0" g="0" b="0"/>
+          </a:lnRef>
+          <a:fillRef idx="0">
+            <a:scrgbClr r="0" g="0" b="0"/>
+          </a:fillRef>
+          <a:effectRef idx="0">
+            <a:scrgbClr r="0" g="0" b="0"/>
+          </a:effectRef>
+          <a:fontRef idx="minor"/>
+        </p:style>
+        <p:txBody>
+          <a:bodyPr lIns="0" tIns="0" rIns="0" bIns="0" anchor="b"/>
+          <a:lstStyle/>
+          <a:p>
+            <a:r>
+              <a:rPr lang="en-US" sz="1200" spc="-1" dirty="0"/>
+              <a:t>04.06.2020</a:t>
+            </a:r>
+          </a:p>
+        </p:txBody>
+      </p:sp>
+      <p:sp>
+        <p:nvSpPr>
+          <p:cNvPr id="94" name="CustomShape 2"/>
+          <p:cNvSpPr/>
+          <p:nvPr/>
+        </p:nvSpPr>
+        <p:spPr>
+          <a:xfrm>
+            <a:off x="736560" y="7197840"/>
+            <a:ext cx="7484040" cy="178200"/>
+          </a:xfrm>
+          <a:prstGeom prst="rect">
+            <a:avLst/>
+          </a:prstGeom>
+          <a:noFill/>
+          <a:ln>
+            <a:noFill/>
+          </a:ln>
+        </p:spPr>
+        <p:style>
+          <a:lnRef idx="0">
+            <a:scrgbClr r="0" g="0" b="0"/>
+          </a:lnRef>
+          <a:fillRef idx="0">
+            <a:scrgbClr r="0" g="0" b="0"/>
+          </a:fillRef>
+          <a:effectRef idx="0">
+            <a:scrgbClr r="0" g="0" b="0"/>
+          </a:effectRef>
+          <a:fontRef idx="minor"/>
+        </p:style>
+        <p:txBody>
+          <a:bodyPr lIns="0" tIns="0" rIns="0" bIns="0" anchor="b"/>
+          <a:lstStyle/>
+          <a:p>
+            <a:pPr>
+              <a:lnSpc>
+                <a:spcPct val="100000"/>
+              </a:lnSpc>
+            </a:pPr>
+            <a:r>
+              <a:rPr lang="en-US" sz="1200" spc="-1" dirty="0">
+                <a:solidFill>
+                  <a:srgbClr val="000000"/>
+                </a:solidFill>
+              </a:rPr>
+              <a:t>DigiBP	Luca Müller, Nicola Raemy, Isar Gammoh, Pooja Bisht</a:t>
+            </a:r>
+            <a:endParaRPr lang="en-US" sz="1200" spc="-1" dirty="0"/>
+          </a:p>
+        </p:txBody>
+      </p:sp>
+      <p:sp>
+        <p:nvSpPr>
+          <p:cNvPr id="95" name="CustomShape 3"/>
+          <p:cNvSpPr/>
+          <p:nvPr/>
+        </p:nvSpPr>
+        <p:spPr>
+          <a:xfrm>
+            <a:off x="9086760" y="7197840"/>
+            <a:ext cx="862560" cy="178200"/>
+          </a:xfrm>
+          <a:prstGeom prst="rect">
+            <a:avLst/>
+          </a:prstGeom>
+          <a:noFill/>
+          <a:ln>
+            <a:noFill/>
+          </a:ln>
+        </p:spPr>
+        <p:style>
+          <a:lnRef idx="0">
+            <a:scrgbClr r="0" g="0" b="0"/>
+          </a:lnRef>
+          <a:fillRef idx="0">
+            <a:scrgbClr r="0" g="0" b="0"/>
+          </a:fillRef>
+          <a:effectRef idx="0">
+            <a:scrgbClr r="0" g="0" b="0"/>
+          </a:effectRef>
+          <a:fontRef idx="minor"/>
+        </p:style>
+        <p:txBody>
+          <a:bodyPr lIns="0" tIns="0" rIns="0" bIns="0" anchor="b"/>
+          <a:lstStyle/>
+          <a:p>
+            <a:pPr algn="r">
+              <a:lnSpc>
+                <a:spcPct val="100000"/>
+              </a:lnSpc>
+            </a:pPr>
+            <a:fld id="{49CBBAF4-72DD-4D87-A780-66DA87DD34FD}" type="slidenum">
+              <a:rPr lang="en-US" sz="1200" b="0" strike="noStrike" spc="-1">
+                <a:solidFill>
+                  <a:srgbClr val="000000"/>
+                </a:solidFill>
+                <a:latin typeface="Arial"/>
+                <a:ea typeface="DejaVu Sans"/>
+              </a:rPr>
+              <a:t>3</a:t>
+            </a:fld>
+            <a:endParaRPr lang="en-US" sz="1200" b="0" strike="noStrike" spc="-1">
+              <a:latin typeface="Arial"/>
+            </a:endParaRPr>
+          </a:p>
+        </p:txBody>
+      </p:sp>
+      <p:sp>
+        <p:nvSpPr>
+          <p:cNvPr id="96" name="CustomShape 4"/>
+          <p:cNvSpPr/>
+          <p:nvPr/>
+        </p:nvSpPr>
+        <p:spPr>
+          <a:xfrm>
+            <a:off x="1041359" y="1031036"/>
+            <a:ext cx="9212760" cy="1091677"/>
+          </a:xfrm>
+          <a:prstGeom prst="rect">
+            <a:avLst/>
+          </a:prstGeom>
+          <a:noFill/>
+          <a:ln>
+            <a:noFill/>
+          </a:ln>
+        </p:spPr>
+        <p:style>
+          <a:lnRef idx="0">
+            <a:scrgbClr r="0" g="0" b="0"/>
+          </a:lnRef>
+          <a:fillRef idx="0">
+            <a:scrgbClr r="0" g="0" b="0"/>
+          </a:fillRef>
+          <a:effectRef idx="0">
+            <a:scrgbClr r="0" g="0" b="0"/>
+          </a:effectRef>
+          <a:fontRef idx="minor"/>
+        </p:style>
+        <p:txBody>
+          <a:bodyPr lIns="0" tIns="0" rIns="0" bIns="0"/>
+          <a:lstStyle/>
+          <a:p>
+            <a:pPr>
+              <a:lnSpc>
+                <a:spcPct val="100000"/>
+              </a:lnSpc>
+            </a:pPr>
+            <a:r>
+              <a:rPr lang="en-US" sz="2000" b="1" strike="noStrike" spc="-1" dirty="0">
+                <a:solidFill>
+                  <a:srgbClr val="000000"/>
+                </a:solidFill>
+                <a:latin typeface="Arial"/>
+                <a:ea typeface="DejaVu Sans"/>
+              </a:rPr>
+              <a:t>As-Is</a:t>
+            </a:r>
+            <a:r>
+              <a:rPr lang="en-CH" sz="2000" b="1" strike="noStrike" spc="-1" dirty="0">
+                <a:solidFill>
+                  <a:srgbClr val="000000"/>
+                </a:solidFill>
+                <a:latin typeface="Arial"/>
+                <a:ea typeface="DejaVu Sans"/>
+              </a:rPr>
+              <a:t> Process bottlenecks </a:t>
+            </a:r>
+            <a:endParaRPr lang="en-US" sz="2000" b="0" strike="noStrike" spc="-1" dirty="0">
+              <a:latin typeface="Arial"/>
+            </a:endParaRPr>
+          </a:p>
+        </p:txBody>
+      </p:sp>
+      <p:pic>
+        <p:nvPicPr>
+          <p:cNvPr id="4" name="Picture 3">
+            <a:extLst>
+              <a:ext uri="{FF2B5EF4-FFF2-40B4-BE49-F238E27FC236}">
+                <a16:creationId xmlns:a16="http://schemas.microsoft.com/office/drawing/2014/main" id="{B0A21854-CDDF-4DA3-B0F2-E53D1C1F1442}"/>
+              </a:ext>
+            </a:extLst>
+          </p:cNvPr>
+          <p:cNvPicPr>
+            <a:picLocks noChangeAspect="1"/>
+          </p:cNvPicPr>
+          <p:nvPr/>
+        </p:nvPicPr>
+        <p:blipFill>
+          <a:blip r:embed="rId2"/>
+          <a:stretch>
+            <a:fillRect/>
+          </a:stretch>
+        </p:blipFill>
+        <p:spPr>
+          <a:xfrm>
+            <a:off x="0" y="1948543"/>
+            <a:ext cx="10693400" cy="3897086"/>
+          </a:xfrm>
+          <a:prstGeom prst="rect">
+            <a:avLst/>
+          </a:prstGeom>
+        </p:spPr>
+      </p:pic>
+    </p:spTree>
+  </p:cSld>
+  <p:clrMapOvr>
+    <a:masterClrMapping/>
+  </p:clrMapOvr>
+  <p:timing>
+    <p:tnLst>
+      <p:par>
+        <p:cTn id="1" dur="indefinite" restart="never" nodeType="tmRoot">
+          <p:childTnLst>
+            <p:seq>
+              <p:cTn id="2" dur="indefinite" nodeType="mainSeq"/>
+              <p:prevCondLst>
+                <p:cond evt="onPrev" delay="0">
+                  <p:tgtEl>
+                    <p:sldTgt/>
+                  </p:tgtEl>
+                </p:cond>
+              </p:prevCondLst>
+              <p:nextCondLst>
+                <p:cond evt="onNext" delay="0">
+                  <p:tgtEl>
+                    <p:sldTgt/>
+                  </p:tgtEl>
+                </p:cond>
+              </p:nextCondLst>
+            </p:seq>
+          </p:childTnLst>
+        </p:cTn>
+      </p:par>
+    </p:tnLst>
+  </p:timing>
+</p:sld>
+</file>
+
+<file path=ppt/slides/slide4.xml><?xml version="1.0" encoding="utf-8"?>
+<p:sld xmlns:a="http://schemas.openxmlformats.org/drawingml/2006/main" xmlns:r="http://schemas.openxmlformats.org/officeDocument/2006/relationships" xmlns:p="http://schemas.openxmlformats.org/presentationml/2006/main">
+  <p:cSld>
+    <p:spTree>
+      <p:nvGrpSpPr>
+        <p:cNvPr id="1" name=""/>
+        <p:cNvGrpSpPr/>
+        <p:nvPr/>
+      </p:nvGrpSpPr>
+      <p:grpSpPr>
+        <a:xfrm>
+          <a:off x="0" y="0"/>
+          <a:ext cx="0" cy="0"/>
+          <a:chOff x="0" y="0"/>
+          <a:chExt cx="0" cy="0"/>
+        </a:xfrm>
+      </p:grpSpPr>
+      <p:sp>
+        <p:nvSpPr>
+          <p:cNvPr id="2" name="Title 1">
+            <a:extLst>
+              <a:ext uri="{FF2B5EF4-FFF2-40B4-BE49-F238E27FC236}">
+                <a16:creationId xmlns:a16="http://schemas.microsoft.com/office/drawing/2014/main" id="{C46C6489-93F6-482E-A728-0748761A5D1B}"/>
+              </a:ext>
+            </a:extLst>
+          </p:cNvPr>
+          <p:cNvSpPr>
+            <a:spLocks noGrp="1"/>
+          </p:cNvSpPr>
+          <p:nvPr>
+            <p:ph type="title"/>
+          </p:nvPr>
+        </p:nvSpPr>
+        <p:spPr>
+          <a:xfrm>
+            <a:off x="970029" y="726223"/>
+            <a:ext cx="9623520" cy="1262160"/>
+          </a:xfrm>
+        </p:spPr>
+        <p:txBody>
+          <a:bodyPr/>
+          <a:lstStyle/>
+          <a:p>
+            <a:r>
+              <a:rPr lang="en-GB" b="1" dirty="0"/>
+              <a:t>Challenges in </a:t>
+            </a:r>
+            <a:r>
+              <a:rPr lang="en-CH" b="1" dirty="0"/>
+              <a:t>the As-Is</a:t>
+            </a:r>
+            <a:r>
+              <a:rPr lang="en-GB" b="1" dirty="0"/>
+              <a:t> process</a:t>
+            </a:r>
+            <a:br>
+              <a:rPr lang="en-GB" dirty="0"/>
+            </a:br>
+            <a:endParaRPr lang="en-CH" dirty="0"/>
+          </a:p>
+        </p:txBody>
+      </p:sp>
+      <p:sp>
+        <p:nvSpPr>
+          <p:cNvPr id="3" name="CustomShape 5">
+            <a:extLst>
+              <a:ext uri="{FF2B5EF4-FFF2-40B4-BE49-F238E27FC236}">
+                <a16:creationId xmlns:a16="http://schemas.microsoft.com/office/drawing/2014/main" id="{516395BC-5F85-4A55-8F55-C605DC862E03}"/>
+              </a:ext>
+            </a:extLst>
+          </p:cNvPr>
+          <p:cNvSpPr/>
+          <p:nvPr/>
+        </p:nvSpPr>
+        <p:spPr>
+          <a:xfrm>
+            <a:off x="740320" y="1863707"/>
+            <a:ext cx="9212760" cy="4656835"/>
+          </a:xfrm>
+          <a:prstGeom prst="rect">
+            <a:avLst/>
+          </a:prstGeom>
+          <a:noFill/>
+          <a:ln>
+            <a:noFill/>
+          </a:ln>
+        </p:spPr>
+        <p:style>
+          <a:lnRef idx="0">
+            <a:scrgbClr r="0" g="0" b="0"/>
+          </a:lnRef>
+          <a:fillRef idx="0">
+            <a:scrgbClr r="0" g="0" b="0"/>
+          </a:fillRef>
+          <a:effectRef idx="0">
+            <a:scrgbClr r="0" g="0" b="0"/>
+          </a:effectRef>
+          <a:fontRef idx="minor"/>
+        </p:style>
+        <p:txBody>
+          <a:bodyPr lIns="0" tIns="0" rIns="0" bIns="0"/>
+          <a:lstStyle/>
+          <a:p>
+            <a:r>
+              <a:rPr lang="en-GB" dirty="0"/>
+              <a:t>This process reflects an inefficient and ineffective process, tasks are done manually. We can summarize the challenges as the following:</a:t>
+            </a:r>
+            <a:endParaRPr lang="en-CH" dirty="0"/>
+          </a:p>
+          <a:p>
+            <a:pPr marL="342900" indent="-342900">
+              <a:buFont typeface="+mj-lt"/>
+              <a:buAutoNum type="arabicPeriod"/>
+            </a:pPr>
+            <a:endParaRPr lang="en-GB" dirty="0"/>
+          </a:p>
+          <a:p>
+            <a:pPr marL="342900" indent="-342900">
+              <a:buFont typeface="+mj-lt"/>
+              <a:buAutoNum type="arabicPeriod"/>
+            </a:pPr>
+            <a:r>
+              <a:rPr lang="en-GB" dirty="0"/>
+              <a:t>Receiving many resumes that in many times HR employees do not have the time to go through all of them.</a:t>
+            </a:r>
+            <a:endParaRPr lang="en-CH" dirty="0"/>
+          </a:p>
+          <a:p>
+            <a:pPr marL="342900" indent="-342900">
+              <a:buAutoNum type="arabicPeriod"/>
+            </a:pPr>
+            <a:endParaRPr lang="en-GB" dirty="0"/>
+          </a:p>
+          <a:p>
+            <a:pPr marL="342900" indent="-342900">
+              <a:buFont typeface="+mj-lt"/>
+              <a:buAutoNum type="arabicPeriod"/>
+            </a:pPr>
+            <a:r>
+              <a:rPr lang="en-GB" dirty="0"/>
+              <a:t>Many of the received resumes are inadequate for the published job, revising those resumes will consume time that is vital for finding the right candidate(s).</a:t>
+            </a:r>
+            <a:endParaRPr lang="en-CH" dirty="0"/>
+          </a:p>
+          <a:p>
+            <a:pPr marL="342900" indent="-342900">
+              <a:buFont typeface="+mj-lt"/>
+              <a:buAutoNum type="arabicPeriod"/>
+            </a:pPr>
+            <a:endParaRPr lang="en-GB" dirty="0"/>
+          </a:p>
+          <a:p>
+            <a:pPr marL="342900" indent="-342900">
+              <a:buFont typeface="+mj-lt"/>
+              <a:buAutoNum type="arabicPeriod"/>
+            </a:pPr>
+            <a:r>
+              <a:rPr lang="en-GB" dirty="0"/>
+              <a:t>Arranging interviews between managers and candidates can be a hassled job for HR employees, this task includes many steps of back and forth between the two parties.</a:t>
+            </a:r>
+            <a:endParaRPr lang="en-CH" dirty="0"/>
+          </a:p>
+          <a:p>
+            <a:pPr marL="342900" indent="-342900">
+              <a:buFont typeface="+mj-lt"/>
+              <a:buAutoNum type="arabicPeriod"/>
+            </a:pPr>
+            <a:endParaRPr lang="en-GB" dirty="0"/>
+          </a:p>
+          <a:p>
+            <a:pPr marL="342900" indent="-342900">
+              <a:buFont typeface="+mj-lt"/>
+              <a:buAutoNum type="arabicPeriod"/>
+            </a:pPr>
+            <a:r>
+              <a:rPr lang="en-GB" dirty="0"/>
+              <a:t>sending apology emails also a time-consuming job, especially when there is a number of rejected candidates.</a:t>
+            </a:r>
+          </a:p>
+          <a:p>
+            <a:pPr>
+              <a:lnSpc>
+                <a:spcPct val="115000"/>
+              </a:lnSpc>
+              <a:spcBef>
+                <a:spcPts val="1199"/>
+              </a:spcBef>
+            </a:pPr>
+            <a:endParaRPr lang="en-US" sz="2000" b="0" strike="noStrike" spc="-1" dirty="0">
+              <a:latin typeface="Arial"/>
+            </a:endParaRPr>
+          </a:p>
+        </p:txBody>
+      </p:sp>
+    </p:spTree>
+    <p:extLst>
+      <p:ext uri="{BB962C8B-B14F-4D97-AF65-F5344CB8AC3E}">
+        <p14:creationId xmlns:p14="http://schemas.microsoft.com/office/powerpoint/2010/main" val="730617533"/>
+      </p:ext>
+    </p:extLst>
+  </p:cSld>
+  <p:clrMapOvr>
+    <a:masterClrMapping/>
+  </p:clrMapOvr>
+</p:sld>
+</file>
+
+<file path=ppt/slides/slide5.xml><?xml version="1.0" encoding="utf-8"?>
+<p:sld xmlns:a="http://schemas.openxmlformats.org/drawingml/2006/main" xmlns:r="http://schemas.openxmlformats.org/officeDocument/2006/relationships" xmlns:p="http://schemas.openxmlformats.org/presentationml/2006/main">
+  <p:cSld>
+    <p:spTree>
+      <p:nvGrpSpPr>
+        <p:cNvPr id="1" name=""/>
+        <p:cNvGrpSpPr/>
+        <p:nvPr/>
+      </p:nvGrpSpPr>
+      <p:grpSpPr>
+        <a:xfrm>
+          <a:off x="0" y="0"/>
+          <a:ext cx="0" cy="0"/>
+          <a:chOff x="0" y="0"/>
+          <a:chExt cx="0" cy="0"/>
+        </a:xfrm>
+      </p:grpSpPr>
+      <p:sp>
+        <p:nvSpPr>
+          <p:cNvPr id="2" name="Title 1">
+            <a:extLst>
+              <a:ext uri="{FF2B5EF4-FFF2-40B4-BE49-F238E27FC236}">
+                <a16:creationId xmlns:a16="http://schemas.microsoft.com/office/drawing/2014/main" id="{DB6BD909-07A8-4859-BCB4-ADA101CF520A}"/>
+              </a:ext>
+            </a:extLst>
+          </p:cNvPr>
+          <p:cNvSpPr>
+            <a:spLocks noGrp="1"/>
+          </p:cNvSpPr>
+          <p:nvPr>
+            <p:ph type="title"/>
+          </p:nvPr>
+        </p:nvSpPr>
+        <p:spPr>
+          <a:xfrm>
+            <a:off x="1600201" y="340207"/>
+            <a:ext cx="8307888" cy="482091"/>
+          </a:xfrm>
+        </p:spPr>
+        <p:txBody>
+          <a:bodyPr/>
+          <a:lstStyle/>
+          <a:p>
+            <a:r>
+              <a:rPr lang="en-CH" sz="3200" dirty="0"/>
+              <a:t>Closer look at the bottlenecks in the As-Is Process  </a:t>
+            </a:r>
+          </a:p>
+        </p:txBody>
+      </p:sp>
+      <p:pic>
+        <p:nvPicPr>
+          <p:cNvPr id="3" name="Picture 2">
+            <a:extLst>
+              <a:ext uri="{FF2B5EF4-FFF2-40B4-BE49-F238E27FC236}">
+                <a16:creationId xmlns:a16="http://schemas.microsoft.com/office/drawing/2014/main" id="{BDF8B7C9-136F-46F3-9996-E71233937825}"/>
+              </a:ext>
+            </a:extLst>
+          </p:cNvPr>
+          <p:cNvPicPr>
+            <a:picLocks noChangeAspect="1"/>
+          </p:cNvPicPr>
+          <p:nvPr/>
+        </p:nvPicPr>
+        <p:blipFill>
+          <a:blip r:embed="rId2"/>
+          <a:stretch>
+            <a:fillRect/>
+          </a:stretch>
+        </p:blipFill>
+        <p:spPr>
+          <a:xfrm>
+            <a:off x="336550" y="1326583"/>
+            <a:ext cx="5410546" cy="1955233"/>
+          </a:xfrm>
+          <a:prstGeom prst="rect">
+            <a:avLst/>
+          </a:prstGeom>
+        </p:spPr>
+      </p:pic>
+      <p:pic>
+        <p:nvPicPr>
+          <p:cNvPr id="4" name="Picture 3">
+            <a:extLst>
+              <a:ext uri="{FF2B5EF4-FFF2-40B4-BE49-F238E27FC236}">
+                <a16:creationId xmlns:a16="http://schemas.microsoft.com/office/drawing/2014/main" id="{6FE0FAB4-B4FD-4C8B-9BEB-88271A9F91EF}"/>
+              </a:ext>
+            </a:extLst>
+          </p:cNvPr>
+          <p:cNvPicPr>
+            <a:picLocks noChangeAspect="1"/>
+          </p:cNvPicPr>
+          <p:nvPr/>
+        </p:nvPicPr>
+        <p:blipFill>
+          <a:blip r:embed="rId3"/>
+          <a:stretch>
+            <a:fillRect/>
+          </a:stretch>
+        </p:blipFill>
+        <p:spPr>
+          <a:xfrm>
+            <a:off x="504454" y="3396171"/>
+            <a:ext cx="3489188" cy="1400120"/>
+          </a:xfrm>
+          <a:prstGeom prst="rect">
+            <a:avLst/>
+          </a:prstGeom>
+        </p:spPr>
+      </p:pic>
+      <p:pic>
+        <p:nvPicPr>
+          <p:cNvPr id="5" name="Picture 4">
+            <a:extLst>
+              <a:ext uri="{FF2B5EF4-FFF2-40B4-BE49-F238E27FC236}">
+                <a16:creationId xmlns:a16="http://schemas.microsoft.com/office/drawing/2014/main" id="{1FB70F5F-4FBC-423B-B1EA-A3F395BDE3E9}"/>
+              </a:ext>
+            </a:extLst>
+          </p:cNvPr>
+          <p:cNvPicPr>
+            <a:picLocks noChangeAspect="1"/>
+          </p:cNvPicPr>
+          <p:nvPr/>
+        </p:nvPicPr>
+        <p:blipFill>
+          <a:blip r:embed="rId4"/>
+          <a:stretch>
+            <a:fillRect/>
+          </a:stretch>
+        </p:blipFill>
+        <p:spPr>
+          <a:xfrm>
+            <a:off x="6053590" y="1316664"/>
+            <a:ext cx="3854499" cy="2243984"/>
+          </a:xfrm>
+          <a:prstGeom prst="rect">
+            <a:avLst/>
+          </a:prstGeom>
+        </p:spPr>
+      </p:pic>
+      <p:pic>
+        <p:nvPicPr>
+          <p:cNvPr id="6" name="Picture 5">
+            <a:extLst>
+              <a:ext uri="{FF2B5EF4-FFF2-40B4-BE49-F238E27FC236}">
+                <a16:creationId xmlns:a16="http://schemas.microsoft.com/office/drawing/2014/main" id="{2F1E4697-D324-4F2E-8A95-9F3306BFBDC4}"/>
+              </a:ext>
+            </a:extLst>
+          </p:cNvPr>
+          <p:cNvPicPr>
+            <a:picLocks noChangeAspect="1"/>
+          </p:cNvPicPr>
+          <p:nvPr/>
+        </p:nvPicPr>
+        <p:blipFill>
+          <a:blip r:embed="rId5"/>
+          <a:stretch>
+            <a:fillRect/>
+          </a:stretch>
+        </p:blipFill>
+        <p:spPr>
+          <a:xfrm>
+            <a:off x="336550" y="4881903"/>
+            <a:ext cx="5111048" cy="1955233"/>
+          </a:xfrm>
+          <a:prstGeom prst="rect">
+            <a:avLst/>
+          </a:prstGeom>
+        </p:spPr>
+      </p:pic>
+      <p:pic>
+        <p:nvPicPr>
+          <p:cNvPr id="7" name="Picture 6">
+            <a:extLst>
+              <a:ext uri="{FF2B5EF4-FFF2-40B4-BE49-F238E27FC236}">
+                <a16:creationId xmlns:a16="http://schemas.microsoft.com/office/drawing/2014/main" id="{4E9ADED9-AB42-4D00-93A9-6655BBC5C6D3}"/>
+              </a:ext>
+            </a:extLst>
+          </p:cNvPr>
+          <p:cNvPicPr>
+            <a:picLocks noChangeAspect="1"/>
+          </p:cNvPicPr>
+          <p:nvPr/>
+        </p:nvPicPr>
+        <p:blipFill>
+          <a:blip r:embed="rId6"/>
+          <a:stretch>
+            <a:fillRect/>
+          </a:stretch>
+        </p:blipFill>
+        <p:spPr>
+          <a:xfrm>
+            <a:off x="4141787" y="3281816"/>
+            <a:ext cx="2409825" cy="1514475"/>
+          </a:xfrm>
+          <a:prstGeom prst="rect">
+            <a:avLst/>
+          </a:prstGeom>
+        </p:spPr>
+      </p:pic>
+      <p:pic>
+        <p:nvPicPr>
+          <p:cNvPr id="8" name="Picture 7">
+            <a:extLst>
+              <a:ext uri="{FF2B5EF4-FFF2-40B4-BE49-F238E27FC236}">
+                <a16:creationId xmlns:a16="http://schemas.microsoft.com/office/drawing/2014/main" id="{5F98909D-3FF2-496C-8E82-FBCC3EA85A7E}"/>
+              </a:ext>
+            </a:extLst>
+          </p:cNvPr>
+          <p:cNvPicPr>
+            <a:picLocks noChangeAspect="1"/>
+          </p:cNvPicPr>
+          <p:nvPr/>
+        </p:nvPicPr>
+        <p:blipFill>
+          <a:blip r:embed="rId7"/>
+          <a:stretch>
+            <a:fillRect/>
+          </a:stretch>
+        </p:blipFill>
+        <p:spPr>
+          <a:xfrm>
+            <a:off x="5711825" y="3646260"/>
+            <a:ext cx="4981575" cy="3333750"/>
+          </a:xfrm>
+          <a:prstGeom prst="rect">
+            <a:avLst/>
+          </a:prstGeom>
+        </p:spPr>
+      </p:pic>
+    </p:spTree>
+    <p:extLst>
+      <p:ext uri="{BB962C8B-B14F-4D97-AF65-F5344CB8AC3E}">
+        <p14:creationId xmlns:p14="http://schemas.microsoft.com/office/powerpoint/2010/main" val="1796088518"/>
+      </p:ext>
+    </p:extLst>
+  </p:cSld>
+  <p:clrMapOvr>
+    <a:masterClrMapping/>
+  </p:clrMapOvr>
+</p:sld>
+</file>
+
+<file path=ppt/slides/slide6.xml><?xml version="1.0" encoding="utf-8"?>
+<p:sld xmlns:a="http://schemas.openxmlformats.org/drawingml/2006/main" xmlns:r="http://schemas.openxmlformats.org/officeDocument/2006/relationships" xmlns:p="http://schemas.openxmlformats.org/presentationml/2006/main">
+  <p:cSld>
+    <p:spTree>
+      <p:nvGrpSpPr>
+        <p:cNvPr id="1" name=""/>
+        <p:cNvGrpSpPr/>
+        <p:nvPr/>
+      </p:nvGrpSpPr>
+      <p:grpSpPr>
+        <a:xfrm>
+          <a:off x="0" y="0"/>
+          <a:ext cx="0" cy="0"/>
+          <a:chOff x="0" y="0"/>
+          <a:chExt cx="0" cy="0"/>
+        </a:xfrm>
+      </p:grpSpPr>
+      <p:sp>
+        <p:nvSpPr>
+          <p:cNvPr id="106" name="CustomShape 1"/>
+          <p:cNvSpPr/>
+          <p:nvPr/>
+        </p:nvSpPr>
+        <p:spPr>
+          <a:xfrm>
+            <a:off x="1008703" y="1311480"/>
+            <a:ext cx="9212760" cy="360720"/>
+          </a:xfrm>
+          <a:prstGeom prst="rect">
+            <a:avLst/>
+          </a:prstGeom>
+          <a:noFill/>
+          <a:ln>
+            <a:noFill/>
+          </a:ln>
+        </p:spPr>
+        <p:style>
+          <a:lnRef idx="0">
+            <a:scrgbClr r="0" g="0" b="0"/>
+          </a:lnRef>
+          <a:fillRef idx="0">
+            <a:scrgbClr r="0" g="0" b="0"/>
+          </a:fillRef>
+          <a:effectRef idx="0">
+            <a:scrgbClr r="0" g="0" b="0"/>
+          </a:effectRef>
+          <a:fontRef idx="minor"/>
+        </p:style>
+        <p:txBody>
+          <a:bodyPr lIns="0" tIns="0" rIns="0" bIns="0"/>
+          <a:lstStyle/>
+          <a:p>
+            <a:pPr>
+              <a:lnSpc>
+                <a:spcPct val="100000"/>
+              </a:lnSpc>
+            </a:pPr>
+            <a:endParaRPr lang="en-US" sz="2000" b="0" strike="noStrike" spc="-1" dirty="0">
+              <a:latin typeface="Arial"/>
+            </a:endParaRPr>
+          </a:p>
+        </p:txBody>
+      </p:sp>
+      <p:sp>
+        <p:nvSpPr>
+          <p:cNvPr id="107" name="CustomShape 2"/>
+          <p:cNvSpPr/>
+          <p:nvPr/>
+        </p:nvSpPr>
+        <p:spPr>
+          <a:xfrm>
+            <a:off x="632520" y="2023200"/>
+            <a:ext cx="8892480" cy="4462920"/>
+          </a:xfrm>
+          <a:prstGeom prst="rect">
+            <a:avLst/>
+          </a:prstGeom>
+          <a:noFill/>
+          <a:ln>
+            <a:noFill/>
+          </a:ln>
+        </p:spPr>
+        <p:style>
+          <a:lnRef idx="0">
+            <a:scrgbClr r="0" g="0" b="0"/>
+          </a:lnRef>
+          <a:fillRef idx="0">
+            <a:scrgbClr r="0" g="0" b="0"/>
+          </a:fillRef>
+          <a:effectRef idx="0">
+            <a:scrgbClr r="0" g="0" b="0"/>
+          </a:effectRef>
+          <a:fontRef idx="minor"/>
+        </p:style>
+        <p:txBody>
+          <a:bodyPr lIns="0" tIns="0" rIns="0" bIns="0"/>
+          <a:lstStyle/>
+          <a:p>
+            <a:pPr marL="343080" indent="-342720">
+              <a:lnSpc>
+                <a:spcPct val="115000"/>
+              </a:lnSpc>
+              <a:spcBef>
+                <a:spcPts val="1199"/>
+              </a:spcBef>
+              <a:buClr>
+                <a:srgbClr val="000000"/>
+              </a:buClr>
+              <a:buFont typeface="StarSymbol"/>
+              <a:buChar char="-"/>
+            </a:pPr>
+            <a:r>
+              <a:rPr lang="en-CH" sz="2000" spc="-1" dirty="0">
+                <a:solidFill>
+                  <a:srgbClr val="000000"/>
+                </a:solidFill>
+              </a:rPr>
+              <a:t>The Optimization of the recruitment process happed on to aspects, one aspect is optimising the process itself by eliminating unnecessary tasks and repetitive tasks that may not have much of influence specially after automation. </a:t>
+            </a:r>
+          </a:p>
+          <a:p>
+            <a:pPr marL="343080" indent="-342720">
+              <a:lnSpc>
+                <a:spcPct val="115000"/>
+              </a:lnSpc>
+              <a:spcBef>
+                <a:spcPts val="1199"/>
+              </a:spcBef>
+              <a:buClr>
+                <a:srgbClr val="000000"/>
+              </a:buClr>
+              <a:buFont typeface="StarSymbol"/>
+              <a:buChar char="-"/>
+            </a:pPr>
+            <a:endParaRPr lang="en-CH" sz="2000" spc="-1" dirty="0">
+              <a:solidFill>
+                <a:srgbClr val="000000"/>
+              </a:solidFill>
+            </a:endParaRPr>
+          </a:p>
+          <a:p>
+            <a:pPr marL="343080" indent="-342720">
+              <a:lnSpc>
+                <a:spcPct val="115000"/>
+              </a:lnSpc>
+              <a:spcBef>
+                <a:spcPts val="1199"/>
+              </a:spcBef>
+              <a:buClr>
+                <a:srgbClr val="000000"/>
+              </a:buClr>
+              <a:buFont typeface="StarSymbol"/>
+              <a:buChar char="-"/>
+            </a:pPr>
+            <a:r>
+              <a:rPr lang="en-CH" sz="2000" b="0" strike="noStrike" spc="-1" dirty="0">
+                <a:solidFill>
+                  <a:srgbClr val="000000"/>
+                </a:solidFill>
+                <a:latin typeface="Arial"/>
+              </a:rPr>
+              <a:t>The second aspect is by the automation of nine tasks </a:t>
+            </a:r>
+            <a:r>
+              <a:rPr lang="en-CH" sz="2000" spc="-1" dirty="0">
+                <a:solidFill>
+                  <a:srgbClr val="000000"/>
+                </a:solidFill>
+                <a:latin typeface="Arial"/>
+              </a:rPr>
+              <a:t>within the process. Those nine tasks will eliminate the bottlenecks in the process and support the efficiency and effectiveness of the HR employees and managers.  </a:t>
+            </a:r>
+            <a:endParaRPr lang="en-US" sz="2000" b="0" strike="noStrike" spc="-1" dirty="0">
+              <a:latin typeface="Arial"/>
+            </a:endParaRPr>
+          </a:p>
+        </p:txBody>
+      </p:sp>
+      <p:sp>
+        <p:nvSpPr>
+          <p:cNvPr id="110" name="CustomShape 3"/>
+          <p:cNvSpPr/>
+          <p:nvPr/>
+        </p:nvSpPr>
+        <p:spPr>
+          <a:xfrm>
+            <a:off x="8221680" y="7197840"/>
+            <a:ext cx="864000" cy="178200"/>
+          </a:xfrm>
+          <a:prstGeom prst="rect">
+            <a:avLst/>
+          </a:prstGeom>
+          <a:noFill/>
+          <a:ln>
+            <a:noFill/>
+          </a:ln>
+        </p:spPr>
+        <p:style>
+          <a:lnRef idx="0">
+            <a:scrgbClr r="0" g="0" b="0"/>
+          </a:lnRef>
+          <a:fillRef idx="0">
+            <a:scrgbClr r="0" g="0" b="0"/>
+          </a:fillRef>
+          <a:effectRef idx="0">
+            <a:scrgbClr r="0" g="0" b="0"/>
+          </a:effectRef>
+          <a:fontRef idx="minor"/>
+        </p:style>
+        <p:txBody>
+          <a:bodyPr lIns="0" tIns="0" rIns="0" bIns="0" anchor="b"/>
+          <a:lstStyle/>
+          <a:p>
+            <a:r>
+              <a:rPr lang="en-US" sz="1200" spc="-1" dirty="0"/>
+              <a:t>04.06.2020</a:t>
+            </a:r>
+          </a:p>
+        </p:txBody>
+      </p:sp>
+      <p:sp>
+        <p:nvSpPr>
+          <p:cNvPr id="111" name="CustomShape 4"/>
+          <p:cNvSpPr/>
+          <p:nvPr/>
+        </p:nvSpPr>
+        <p:spPr>
+          <a:xfrm>
+            <a:off x="736560" y="7197840"/>
+            <a:ext cx="7484040" cy="178200"/>
+          </a:xfrm>
+          <a:prstGeom prst="rect">
+            <a:avLst/>
+          </a:prstGeom>
+          <a:noFill/>
+          <a:ln>
+            <a:noFill/>
+          </a:ln>
+        </p:spPr>
+        <p:style>
+          <a:lnRef idx="0">
+            <a:scrgbClr r="0" g="0" b="0"/>
+          </a:lnRef>
+          <a:fillRef idx="0">
+            <a:scrgbClr r="0" g="0" b="0"/>
+          </a:fillRef>
+          <a:effectRef idx="0">
+            <a:scrgbClr r="0" g="0" b="0"/>
+          </a:effectRef>
+          <a:fontRef idx="minor"/>
+        </p:style>
+        <p:txBody>
+          <a:bodyPr lIns="0" tIns="0" rIns="0" bIns="0" anchor="b"/>
+          <a:lstStyle/>
+          <a:p>
+            <a:pPr>
+              <a:lnSpc>
+                <a:spcPct val="100000"/>
+              </a:lnSpc>
+            </a:pPr>
+            <a:r>
+              <a:rPr lang="en-US" sz="1200" spc="-1" dirty="0">
+                <a:solidFill>
+                  <a:srgbClr val="000000"/>
+                </a:solidFill>
+              </a:rPr>
+              <a:t>DigiBP	Luca Müller, Nicola Raemy, Isar Gammoh, Pooja Bisht</a:t>
+            </a:r>
+            <a:endParaRPr lang="en-US" sz="1200" spc="-1" dirty="0"/>
+          </a:p>
+        </p:txBody>
+      </p:sp>
+      <p:sp>
+        <p:nvSpPr>
+          <p:cNvPr id="112" name="CustomShape 5"/>
+          <p:cNvSpPr/>
+          <p:nvPr/>
+        </p:nvSpPr>
+        <p:spPr>
+          <a:xfrm>
+            <a:off x="9086760" y="7197840"/>
+            <a:ext cx="862560" cy="178200"/>
+          </a:xfrm>
+          <a:prstGeom prst="rect">
+            <a:avLst/>
+          </a:prstGeom>
+          <a:noFill/>
+          <a:ln>
+            <a:noFill/>
+          </a:ln>
+        </p:spPr>
+        <p:style>
+          <a:lnRef idx="0">
+            <a:scrgbClr r="0" g="0" b="0"/>
+          </a:lnRef>
+          <a:fillRef idx="0">
+            <a:scrgbClr r="0" g="0" b="0"/>
+          </a:fillRef>
+          <a:effectRef idx="0">
+            <a:scrgbClr r="0" g="0" b="0"/>
+          </a:effectRef>
+          <a:fontRef idx="minor"/>
+        </p:style>
+        <p:txBody>
+          <a:bodyPr lIns="0" tIns="0" rIns="0" bIns="0" anchor="b"/>
+          <a:lstStyle/>
+          <a:p>
+            <a:pPr algn="r">
+              <a:lnSpc>
+                <a:spcPct val="100000"/>
+              </a:lnSpc>
+            </a:pPr>
+            <a:fld id="{00360D2B-B20A-484E-A7FA-6D75A81CECAD}" type="slidenum">
+              <a:rPr lang="en-US" sz="1200" b="0" strike="noStrike" spc="-1">
+                <a:solidFill>
+                  <a:srgbClr val="000000"/>
+                </a:solidFill>
+                <a:latin typeface="Arial"/>
+                <a:ea typeface="DejaVu Sans"/>
+              </a:rPr>
+              <a:t>6</a:t>
+            </a:fld>
+            <a:endParaRPr lang="en-US" sz="1200" b="0" strike="noStrike" spc="-1">
+              <a:latin typeface="Arial"/>
+            </a:endParaRPr>
+          </a:p>
+        </p:txBody>
+      </p:sp>
+      <p:sp>
+        <p:nvSpPr>
+          <p:cNvPr id="2" name="Title 1">
+            <a:extLst>
+              <a:ext uri="{FF2B5EF4-FFF2-40B4-BE49-F238E27FC236}">
+                <a16:creationId xmlns:a16="http://schemas.microsoft.com/office/drawing/2014/main" id="{139DC434-FAA7-4C9C-B22D-0D07DA5105DD}"/>
+              </a:ext>
+            </a:extLst>
+          </p:cNvPr>
+          <p:cNvSpPr>
+            <a:spLocks noGrp="1"/>
+          </p:cNvSpPr>
+          <p:nvPr>
+            <p:ph type="title"/>
+          </p:nvPr>
+        </p:nvSpPr>
+        <p:spPr>
+          <a:xfrm>
+            <a:off x="1545770" y="301680"/>
+            <a:ext cx="8612349" cy="928406"/>
+          </a:xfrm>
+        </p:spPr>
+        <p:txBody>
+          <a:bodyPr/>
+          <a:lstStyle/>
+          <a:p>
+            <a:r>
+              <a:rPr lang="en-CH" sz="3600" b="1" spc="-1" dirty="0">
+                <a:solidFill>
+                  <a:srgbClr val="000000"/>
+                </a:solidFill>
+              </a:rPr>
+              <a:t>Optimization of the </a:t>
+            </a:r>
+            <a:r>
+              <a:rPr lang="en-US" sz="3600" b="1" spc="-1" dirty="0">
+                <a:solidFill>
+                  <a:srgbClr val="000000"/>
+                </a:solidFill>
+              </a:rPr>
+              <a:t>To-Be</a:t>
+            </a:r>
+            <a:r>
+              <a:rPr lang="en-CH" sz="3600" b="1" spc="-1" dirty="0">
+                <a:solidFill>
+                  <a:srgbClr val="000000"/>
+                </a:solidFill>
+              </a:rPr>
+              <a:t> Process </a:t>
+            </a:r>
+            <a:endParaRPr lang="en-CH" sz="3600" dirty="0"/>
+          </a:p>
+        </p:txBody>
+      </p:sp>
+    </p:spTree>
+  </p:cSld>
+  <p:clrMapOvr>
+    <a:masterClrMapping/>
+  </p:clrMapOvr>
+  <p:timing>
+    <p:tnLst>
+      <p:par>
+        <p:cTn id="1" dur="indefinite" restart="never" nodeType="tmRoot">
+          <p:childTnLst>
+            <p:seq>
+              <p:cTn id="2" dur="indefinite" nodeType="mainSeq"/>
+              <p:prevCondLst>
+                <p:cond evt="onPrev" delay="0">
+                  <p:tgtEl>
+                    <p:sldTgt/>
+                  </p:tgtEl>
+                </p:cond>
+              </p:prevCondLst>
+              <p:nextCondLst>
+                <p:cond evt="onNext" delay="0">
+                  <p:tgtEl>
+                    <p:sldTgt/>
+                  </p:tgtEl>
+                </p:cond>
+              </p:nextCondLst>
+            </p:seq>
+          </p:childTnLst>
+        </p:cTn>
+      </p:par>
+    </p:tnLst>
+  </p:timing>
+</p:sld>
+</file>
+
+<file path=ppt/slides/slide7.xml><?xml version="1.0" encoding="utf-8"?>
+<p:sld xmlns:a="http://schemas.openxmlformats.org/drawingml/2006/main" xmlns:r="http://schemas.openxmlformats.org/officeDocument/2006/relationships" xmlns:p="http://schemas.openxmlformats.org/presentationml/2006/main">
+  <p:cSld>
+    <p:spTree>
+      <p:nvGrpSpPr>
+        <p:cNvPr id="1" name=""/>
+        <p:cNvGrpSpPr/>
+        <p:nvPr/>
+      </p:nvGrpSpPr>
+      <p:grpSpPr>
+        <a:xfrm>
+          <a:off x="0" y="0"/>
+          <a:ext cx="0" cy="0"/>
+          <a:chOff x="0" y="0"/>
+          <a:chExt cx="0" cy="0"/>
+        </a:xfrm>
+      </p:grpSpPr>
+      <p:sp>
+        <p:nvSpPr>
+          <p:cNvPr id="115" name="CustomShape 3"/>
+          <p:cNvSpPr/>
+          <p:nvPr/>
+        </p:nvSpPr>
+        <p:spPr>
+          <a:xfrm>
+            <a:off x="8221680" y="7197840"/>
+            <a:ext cx="864000" cy="178200"/>
+          </a:xfrm>
+          <a:prstGeom prst="rect">
+            <a:avLst/>
+          </a:prstGeom>
+          <a:noFill/>
+          <a:ln>
+            <a:noFill/>
+          </a:ln>
+        </p:spPr>
+        <p:style>
+          <a:lnRef idx="0">
+            <a:scrgbClr r="0" g="0" b="0"/>
+          </a:lnRef>
+          <a:fillRef idx="0">
+            <a:scrgbClr r="0" g="0" b="0"/>
+          </a:fillRef>
+          <a:effectRef idx="0">
+            <a:scrgbClr r="0" g="0" b="0"/>
+          </a:effectRef>
+          <a:fontRef idx="minor"/>
+        </p:style>
+        <p:txBody>
+          <a:bodyPr lIns="0" tIns="0" rIns="0" bIns="0" anchor="b"/>
+          <a:lstStyle/>
+          <a:p>
+            <a:r>
+              <a:rPr lang="en-US" sz="1200" spc="-1" dirty="0"/>
+              <a:t>04.06.2020</a:t>
+            </a:r>
+          </a:p>
+        </p:txBody>
+      </p:sp>
+      <p:sp>
+        <p:nvSpPr>
+          <p:cNvPr id="116" name="CustomShape 4"/>
+          <p:cNvSpPr/>
+          <p:nvPr/>
+        </p:nvSpPr>
+        <p:spPr>
+          <a:xfrm>
+            <a:off x="736560" y="7197840"/>
+            <a:ext cx="7484040" cy="178200"/>
+          </a:xfrm>
+          <a:prstGeom prst="rect">
+            <a:avLst/>
+          </a:prstGeom>
+          <a:noFill/>
+          <a:ln>
+            <a:noFill/>
+          </a:ln>
+        </p:spPr>
+        <p:style>
+          <a:lnRef idx="0">
+            <a:scrgbClr r="0" g="0" b="0"/>
+          </a:lnRef>
+          <a:fillRef idx="0">
+            <a:scrgbClr r="0" g="0" b="0"/>
+          </a:fillRef>
+          <a:effectRef idx="0">
+            <a:scrgbClr r="0" g="0" b="0"/>
+          </a:effectRef>
+          <a:fontRef idx="minor"/>
+        </p:style>
+        <p:txBody>
+          <a:bodyPr lIns="0" tIns="0" rIns="0" bIns="0" anchor="b"/>
+          <a:lstStyle/>
+          <a:p>
+            <a:pPr>
+              <a:lnSpc>
+                <a:spcPct val="100000"/>
+              </a:lnSpc>
+            </a:pPr>
+            <a:r>
+              <a:rPr lang="en-US" sz="1200" spc="-1" dirty="0">
+                <a:solidFill>
+                  <a:srgbClr val="000000"/>
+                </a:solidFill>
+              </a:rPr>
+              <a:t>DigiBP	Luca Müller, Nicola Raemy, Isar Gammoh, Pooja Bisht</a:t>
+            </a:r>
+            <a:endParaRPr lang="en-US" sz="1200" spc="-1" dirty="0"/>
+          </a:p>
+        </p:txBody>
+      </p:sp>
+      <p:sp>
+        <p:nvSpPr>
+          <p:cNvPr id="117" name="CustomShape 5"/>
+          <p:cNvSpPr/>
+          <p:nvPr/>
+        </p:nvSpPr>
+        <p:spPr>
+          <a:xfrm>
+            <a:off x="9086760" y="7197840"/>
+            <a:ext cx="862560" cy="178200"/>
+          </a:xfrm>
+          <a:prstGeom prst="rect">
+            <a:avLst/>
+          </a:prstGeom>
+          <a:noFill/>
+          <a:ln>
+            <a:noFill/>
+          </a:ln>
+        </p:spPr>
+        <p:style>
+          <a:lnRef idx="0">
+            <a:scrgbClr r="0" g="0" b="0"/>
+          </a:lnRef>
+          <a:fillRef idx="0">
+            <a:scrgbClr r="0" g="0" b="0"/>
+          </a:fillRef>
+          <a:effectRef idx="0">
+            <a:scrgbClr r="0" g="0" b="0"/>
+          </a:effectRef>
+          <a:fontRef idx="minor"/>
+        </p:style>
+        <p:txBody>
+          <a:bodyPr lIns="0" tIns="0" rIns="0" bIns="0" anchor="b"/>
+          <a:lstStyle/>
+          <a:p>
+            <a:pPr algn="r">
+              <a:lnSpc>
+                <a:spcPct val="100000"/>
+              </a:lnSpc>
+            </a:pPr>
+            <a:fld id="{5C5EEAB1-12A8-4F70-9E27-16F78D7FACFD}" type="slidenum">
+              <a:rPr lang="en-US" sz="1200" b="0" strike="noStrike" spc="-1">
+                <a:solidFill>
+                  <a:srgbClr val="000000"/>
+                </a:solidFill>
+                <a:latin typeface="Arial"/>
+                <a:ea typeface="DejaVu Sans"/>
+              </a:rPr>
+              <a:t>7</a:t>
+            </a:fld>
+            <a:endParaRPr lang="en-US" sz="1200" b="0" strike="noStrike" spc="-1">
+              <a:latin typeface="Arial"/>
+            </a:endParaRPr>
+          </a:p>
+        </p:txBody>
+      </p:sp>
+      <p:sp>
+        <p:nvSpPr>
+          <p:cNvPr id="119" name="CustomShape 6"/>
+          <p:cNvSpPr/>
+          <p:nvPr/>
+        </p:nvSpPr>
+        <p:spPr>
+          <a:xfrm>
+            <a:off x="10149840" y="3566160"/>
+            <a:ext cx="456840" cy="320760"/>
+          </a:xfrm>
+          <a:prstGeom prst="rect">
+            <a:avLst/>
+          </a:prstGeom>
+          <a:solidFill>
+            <a:srgbClr val="FFFFFF"/>
+          </a:solidFill>
+          <a:ln>
+            <a:solidFill>
+              <a:srgbClr val="FFFFFF"/>
+            </a:solidFill>
+          </a:ln>
+        </p:spPr>
+        <p:style>
+          <a:lnRef idx="0">
+            <a:scrgbClr r="0" g="0" b="0"/>
+          </a:lnRef>
+          <a:fillRef idx="0">
+            <a:scrgbClr r="0" g="0" b="0"/>
+          </a:fillRef>
+          <a:effectRef idx="0">
+            <a:scrgbClr r="0" g="0" b="0"/>
+          </a:effectRef>
+          <a:fontRef idx="minor"/>
+        </p:style>
+      </p:sp>
+      <p:sp>
+        <p:nvSpPr>
+          <p:cNvPr id="2" name="Title 1">
+            <a:extLst>
+              <a:ext uri="{FF2B5EF4-FFF2-40B4-BE49-F238E27FC236}">
+                <a16:creationId xmlns:a16="http://schemas.microsoft.com/office/drawing/2014/main" id="{3628F280-AD2B-4C90-AA7D-1A45E695837D}"/>
+              </a:ext>
+            </a:extLst>
+          </p:cNvPr>
+          <p:cNvSpPr>
+            <a:spLocks noGrp="1"/>
+          </p:cNvSpPr>
+          <p:nvPr>
+            <p:ph type="title"/>
+          </p:nvPr>
+        </p:nvSpPr>
+        <p:spPr>
+          <a:xfrm>
+            <a:off x="475303" y="921634"/>
+            <a:ext cx="9956840" cy="809195"/>
+          </a:xfrm>
+        </p:spPr>
+        <p:txBody>
+          <a:bodyPr/>
+          <a:lstStyle/>
+          <a:p>
+            <a:r>
+              <a:rPr lang="en-CH" dirty="0"/>
+              <a:t>Automation Tasks in the To-Be Process </a:t>
+            </a:r>
+          </a:p>
+        </p:txBody>
+      </p:sp>
+      <p:pic>
+        <p:nvPicPr>
+          <p:cNvPr id="4" name="Picture 3">
+            <a:extLst>
+              <a:ext uri="{FF2B5EF4-FFF2-40B4-BE49-F238E27FC236}">
+                <a16:creationId xmlns:a16="http://schemas.microsoft.com/office/drawing/2014/main" id="{73F6DB13-F7F6-4904-93E8-1DE4EA345E48}"/>
+              </a:ext>
+            </a:extLst>
+          </p:cNvPr>
+          <p:cNvPicPr>
+            <a:picLocks noChangeAspect="1"/>
+          </p:cNvPicPr>
+          <p:nvPr/>
+        </p:nvPicPr>
+        <p:blipFill>
+          <a:blip r:embed="rId2"/>
+          <a:stretch>
+            <a:fillRect/>
+          </a:stretch>
+        </p:blipFill>
+        <p:spPr>
+          <a:xfrm>
+            <a:off x="0" y="2155234"/>
+            <a:ext cx="10693400" cy="3250794"/>
+          </a:xfrm>
+          <a:prstGeom prst="rect">
+            <a:avLst/>
+          </a:prstGeom>
+        </p:spPr>
+      </p:pic>
+    </p:spTree>
+  </p:cSld>
+  <p:clrMapOvr>
+    <a:masterClrMapping/>
+  </p:clrMapOvr>
+  <p:timing>
+    <p:tnLst>
+      <p:par>
+        <p:cTn id="1" dur="indefinite" restart="never" nodeType="tmRoot">
+          <p:childTnLst>
+            <p:seq>
+              <p:cTn id="2" dur="indefinite" nodeType="mainSeq"/>
+              <p:prevCondLst>
+                <p:cond evt="onPrev" delay="0">
+                  <p:tgtEl>
+                    <p:sldTgt/>
+                  </p:tgtEl>
+                </p:cond>
+              </p:prevCondLst>
+              <p:nextCondLst>
+                <p:cond evt="onNext" delay="0">
+                  <p:tgtEl>
+                    <p:sldTgt/>
+                  </p:tgtEl>
+                </p:cond>
+              </p:nextCondLst>
+            </p:seq>
+          </p:childTnLst>
+        </p:cTn>
+      </p:par>
+    </p:tnLst>
+  </p:timing>
+</p:sld>
+</file>
+
+<file path=ppt/slides/slide8.xml><?xml version="1.0" encoding="utf-8"?>
+<p:sld xmlns:a="http://schemas.openxmlformats.org/drawingml/2006/main" xmlns:r="http://schemas.openxmlformats.org/officeDocument/2006/relationships" xmlns:p="http://schemas.openxmlformats.org/presentationml/2006/main">
+  <p:cSld>
+    <p:spTree>
+      <p:nvGrpSpPr>
+        <p:cNvPr id="1" name=""/>
+        <p:cNvGrpSpPr/>
+        <p:nvPr/>
+      </p:nvGrpSpPr>
+      <p:grpSpPr>
+        <a:xfrm>
+          <a:off x="0" y="0"/>
+          <a:ext cx="0" cy="0"/>
+          <a:chOff x="0" y="0"/>
+          <a:chExt cx="0" cy="0"/>
+        </a:xfrm>
+      </p:grpSpPr>
+      <p:sp>
+        <p:nvSpPr>
+          <p:cNvPr id="120" name="CustomShape 1"/>
+          <p:cNvSpPr/>
+          <p:nvPr/>
+        </p:nvSpPr>
+        <p:spPr>
+          <a:xfrm>
+            <a:off x="8221680" y="7197840"/>
+            <a:ext cx="864000" cy="178200"/>
+          </a:xfrm>
+          <a:prstGeom prst="rect">
+            <a:avLst/>
+          </a:prstGeom>
+          <a:noFill/>
+          <a:ln>
+            <a:noFill/>
+          </a:ln>
+        </p:spPr>
+        <p:style>
+          <a:lnRef idx="0">
+            <a:scrgbClr r="0" g="0" b="0"/>
+          </a:lnRef>
+          <a:fillRef idx="0">
+            <a:scrgbClr r="0" g="0" b="0"/>
+          </a:fillRef>
+          <a:effectRef idx="0">
+            <a:scrgbClr r="0" g="0" b="0"/>
+          </a:effectRef>
+          <a:fontRef idx="minor"/>
+        </p:style>
+        <p:txBody>
+          <a:bodyPr lIns="0" tIns="0" rIns="0" bIns="0" anchor="b"/>
+          <a:lstStyle/>
+          <a:p>
+            <a:r>
+              <a:rPr lang="en-US" sz="1200" spc="-1" dirty="0"/>
+              <a:t>04.06.2020</a:t>
+            </a:r>
+          </a:p>
+        </p:txBody>
+      </p:sp>
+      <p:sp>
+        <p:nvSpPr>
+          <p:cNvPr id="121" name="CustomShape 2"/>
+          <p:cNvSpPr/>
+          <p:nvPr/>
+        </p:nvSpPr>
+        <p:spPr>
+          <a:xfrm>
+            <a:off x="736560" y="7197840"/>
+            <a:ext cx="7484040" cy="178200"/>
+          </a:xfrm>
+          <a:prstGeom prst="rect">
+            <a:avLst/>
+          </a:prstGeom>
+          <a:noFill/>
+          <a:ln>
+            <a:noFill/>
+          </a:ln>
+        </p:spPr>
+        <p:style>
+          <a:lnRef idx="0">
+            <a:scrgbClr r="0" g="0" b="0"/>
+          </a:lnRef>
+          <a:fillRef idx="0">
+            <a:scrgbClr r="0" g="0" b="0"/>
+          </a:fillRef>
+          <a:effectRef idx="0">
+            <a:scrgbClr r="0" g="0" b="0"/>
+          </a:effectRef>
+          <a:fontRef idx="minor"/>
+        </p:style>
+        <p:txBody>
+          <a:bodyPr lIns="0" tIns="0" rIns="0" bIns="0" anchor="b"/>
+          <a:lstStyle/>
+          <a:p>
+            <a:pPr>
+              <a:lnSpc>
+                <a:spcPct val="100000"/>
+              </a:lnSpc>
+            </a:pPr>
+            <a:r>
+              <a:rPr lang="en-US" sz="1200" spc="-1" dirty="0">
+                <a:solidFill>
+                  <a:srgbClr val="000000"/>
+                </a:solidFill>
+              </a:rPr>
+              <a:t>DigiBP	Luca Müller, Nicola Raemy, Isar Gammoh, Pooja Bisht</a:t>
+            </a:r>
+            <a:endParaRPr lang="en-US" sz="1200" spc="-1" dirty="0"/>
+          </a:p>
+        </p:txBody>
+      </p:sp>
+      <p:sp>
+        <p:nvSpPr>
+          <p:cNvPr id="122" name="CustomShape 3"/>
+          <p:cNvSpPr/>
+          <p:nvPr/>
+        </p:nvSpPr>
+        <p:spPr>
+          <a:xfrm>
+            <a:off x="9086760" y="7197840"/>
+            <a:ext cx="862560" cy="178200"/>
+          </a:xfrm>
+          <a:prstGeom prst="rect">
+            <a:avLst/>
+          </a:prstGeom>
+          <a:noFill/>
+          <a:ln>
+            <a:noFill/>
+          </a:ln>
+        </p:spPr>
+        <p:style>
+          <a:lnRef idx="0">
+            <a:scrgbClr r="0" g="0" b="0"/>
+          </a:lnRef>
+          <a:fillRef idx="0">
+            <a:scrgbClr r="0" g="0" b="0"/>
+          </a:fillRef>
+          <a:effectRef idx="0">
+            <a:scrgbClr r="0" g="0" b="0"/>
+          </a:effectRef>
+          <a:fontRef idx="minor"/>
+        </p:style>
+        <p:txBody>
+          <a:bodyPr lIns="0" tIns="0" rIns="0" bIns="0" anchor="b"/>
+          <a:lstStyle/>
+          <a:p>
+            <a:pPr algn="r">
+              <a:lnSpc>
+                <a:spcPct val="100000"/>
+              </a:lnSpc>
+            </a:pPr>
+            <a:fld id="{EAB2E0A4-FCFB-4840-AF8A-F87D75DA6E48}" type="slidenum">
+              <a:rPr lang="en-US" sz="1200" b="0" strike="noStrike" spc="-1">
+                <a:solidFill>
+                  <a:srgbClr val="000000"/>
+                </a:solidFill>
+                <a:latin typeface="Arial"/>
+                <a:ea typeface="DejaVu Sans"/>
+              </a:rPr>
+              <a:t>8</a:t>
+            </a:fld>
+            <a:endParaRPr lang="en-US" sz="1200" b="0" strike="noStrike" spc="-1">
+              <a:latin typeface="Arial"/>
+            </a:endParaRPr>
+          </a:p>
+        </p:txBody>
+      </p:sp>
+      <p:sp>
+        <p:nvSpPr>
+          <p:cNvPr id="123" name="CustomShape 4"/>
+          <p:cNvSpPr/>
+          <p:nvPr/>
+        </p:nvSpPr>
+        <p:spPr>
+          <a:xfrm>
+            <a:off x="736560" y="1509840"/>
+            <a:ext cx="9212760" cy="360720"/>
+          </a:xfrm>
+          <a:prstGeom prst="rect">
+            <a:avLst/>
+          </a:prstGeom>
+          <a:noFill/>
+          <a:ln>
+            <a:noFill/>
+          </a:ln>
+        </p:spPr>
+        <p:style>
+          <a:lnRef idx="0">
+            <a:scrgbClr r="0" g="0" b="0"/>
+          </a:lnRef>
+          <a:fillRef idx="0">
+            <a:scrgbClr r="0" g="0" b="0"/>
+          </a:fillRef>
+          <a:effectRef idx="0">
+            <a:scrgbClr r="0" g="0" b="0"/>
+          </a:effectRef>
+          <a:fontRef idx="minor"/>
+        </p:style>
+        <p:txBody>
+          <a:bodyPr lIns="0" tIns="0" rIns="0" bIns="0"/>
+          <a:lstStyle/>
+          <a:p>
+            <a:pPr>
+              <a:lnSpc>
+                <a:spcPct val="100000"/>
+              </a:lnSpc>
+            </a:pPr>
+            <a:r>
+              <a:rPr lang="en-US" sz="2000" b="1" strike="noStrike" spc="-1" dirty="0">
+                <a:solidFill>
+                  <a:srgbClr val="000000"/>
+                </a:solidFill>
+                <a:latin typeface="Arial"/>
+                <a:ea typeface="DejaVu Sans"/>
+              </a:rPr>
+              <a:t>Posting Job Ad(Pooja)</a:t>
+            </a:r>
+            <a:endParaRPr lang="en-US" sz="2000" b="0" strike="noStrike" spc="-1" dirty="0">
+              <a:latin typeface="Arial"/>
+            </a:endParaRPr>
+          </a:p>
+        </p:txBody>
+      </p:sp>
+      <p:sp>
+        <p:nvSpPr>
+          <p:cNvPr id="124" name="CustomShape 5"/>
+          <p:cNvSpPr/>
+          <p:nvPr/>
+        </p:nvSpPr>
+        <p:spPr>
+          <a:xfrm>
+            <a:off x="731520" y="2103120"/>
+            <a:ext cx="5394600" cy="4754520"/>
+          </a:xfrm>
+          <a:prstGeom prst="rect">
+            <a:avLst/>
+          </a:prstGeom>
+          <a:noFill/>
+          <a:ln>
+            <a:noFill/>
+          </a:ln>
+        </p:spPr>
+        <p:style>
+          <a:lnRef idx="0">
+            <a:scrgbClr r="0" g="0" b="0"/>
+          </a:lnRef>
+          <a:fillRef idx="0">
+            <a:scrgbClr r="0" g="0" b="0"/>
+          </a:fillRef>
+          <a:effectRef idx="0">
+            <a:scrgbClr r="0" g="0" b="0"/>
+          </a:effectRef>
+          <a:fontRef idx="minor"/>
+        </p:style>
+        <p:txBody>
+          <a:bodyPr lIns="0" tIns="0" rIns="0" bIns="0"/>
+          <a:lstStyle/>
+          <a:p>
+            <a:pPr>
+              <a:lnSpc>
+                <a:spcPct val="115000"/>
+              </a:lnSpc>
+              <a:spcBef>
+                <a:spcPts val="1199"/>
+              </a:spcBef>
+            </a:pPr>
+            <a:endParaRPr lang="en-US" sz="2000" b="0" strike="noStrike" spc="-1" dirty="0">
+              <a:latin typeface="Arial"/>
+            </a:endParaRPr>
+          </a:p>
+        </p:txBody>
+      </p:sp>
+      <p:pic>
+        <p:nvPicPr>
+          <p:cNvPr id="2" name="Picture 1">
+            <a:extLst>
+              <a:ext uri="{FF2B5EF4-FFF2-40B4-BE49-F238E27FC236}">
+                <a16:creationId xmlns:a16="http://schemas.microsoft.com/office/drawing/2014/main" id="{4D038068-8287-4C66-BB4A-84CE4C4131FD}"/>
+              </a:ext>
+            </a:extLst>
+          </p:cNvPr>
+          <p:cNvPicPr>
+            <a:picLocks noChangeAspect="1"/>
+          </p:cNvPicPr>
+          <p:nvPr/>
+        </p:nvPicPr>
+        <p:blipFill>
+          <a:blip r:embed="rId2"/>
+          <a:stretch>
+            <a:fillRect/>
+          </a:stretch>
+        </p:blipFill>
+        <p:spPr>
+          <a:xfrm>
+            <a:off x="5873296" y="2998619"/>
+            <a:ext cx="4289957" cy="2963522"/>
+          </a:xfrm>
+          <a:prstGeom prst="rect">
+            <a:avLst/>
+          </a:prstGeom>
+        </p:spPr>
+      </p:pic>
+    </p:spTree>
+  </p:cSld>
+  <p:clrMapOvr>
+    <a:masterClrMapping/>
+  </p:clrMapOvr>
+  <p:timing>
+    <p:tnLst>
+      <p:par>
+        <p:cTn id="1" dur="indefinite" restart="never" nodeType="tmRoot">
+          <p:childTnLst>
+            <p:seq>
+              <p:cTn id="2" dur="indefinite" nodeType="mainSeq"/>
+              <p:prevCondLst>
+                <p:cond evt="onPrev" delay="0">
+                  <p:tgtEl>
+                    <p:sldTgt/>
+                  </p:tgtEl>
+                </p:cond>
+              </p:prevCondLst>
+              <p:nextCondLst>
+                <p:cond evt="onNext" delay="0">
+                  <p:tgtEl>
+                    <p:sldTgt/>
+                  </p:tgtEl>
+                </p:cond>
+              </p:nextCondLst>
+            </p:seq>
+          </p:childTnLst>
+        </p:cTn>
+      </p:par>
+    </p:tnLst>
+  </p:timing>
+</p:sld>
+</file>
+
+<file path=ppt/slides/slide9.xml><?xml version="1.0" encoding="utf-8"?>
+<p:sld xmlns:a="http://schemas.openxmlformats.org/drawingml/2006/main" xmlns:r="http://schemas.openxmlformats.org/officeDocument/2006/relationships" xmlns:p="http://schemas.openxmlformats.org/presentationml/2006/main">
+  <p:cSld>
+    <p:spTree>
+      <p:nvGrpSpPr>
+        <p:cNvPr id="1" name=""/>
+        <p:cNvGrpSpPr/>
+        <p:nvPr/>
+      </p:nvGrpSpPr>
+      <p:grpSpPr>
+        <a:xfrm>
+          <a:off x="0" y="0"/>
+          <a:ext cx="0" cy="0"/>
+          <a:chOff x="0" y="0"/>
+          <a:chExt cx="0" cy="0"/>
+        </a:xfrm>
+      </p:grpSpPr>
+      <p:sp>
+        <p:nvSpPr>
+          <p:cNvPr id="120" name="CustomShape 1"/>
+          <p:cNvSpPr/>
+          <p:nvPr/>
+        </p:nvSpPr>
+        <p:spPr>
+          <a:xfrm>
+            <a:off x="8221680" y="7197840"/>
+            <a:ext cx="864000" cy="178200"/>
+          </a:xfrm>
+          <a:prstGeom prst="rect">
+            <a:avLst/>
+          </a:prstGeom>
+          <a:noFill/>
+          <a:ln>
+            <a:noFill/>
+          </a:ln>
+        </p:spPr>
+        <p:style>
+          <a:lnRef idx="0">
+            <a:scrgbClr r="0" g="0" b="0"/>
+          </a:lnRef>
+          <a:fillRef idx="0">
+            <a:scrgbClr r="0" g="0" b="0"/>
+          </a:fillRef>
+          <a:effectRef idx="0">
+            <a:scrgbClr r="0" g="0" b="0"/>
+          </a:effectRef>
+          <a:fontRef idx="minor"/>
+        </p:style>
+        <p:txBody>
+          <a:bodyPr lIns="0" tIns="0" rIns="0" bIns="0" anchor="b"/>
+          <a:lstStyle/>
+          <a:p>
+            <a:r>
+              <a:rPr lang="en-US" sz="1200" spc="-1" dirty="0"/>
+              <a:t>04.06.2020</a:t>
+            </a:r>
+          </a:p>
+        </p:txBody>
+      </p:sp>
+      <p:sp>
+        <p:nvSpPr>
+          <p:cNvPr id="121" name="CustomShape 2"/>
+          <p:cNvSpPr/>
+          <p:nvPr/>
+        </p:nvSpPr>
+        <p:spPr>
+          <a:xfrm>
+            <a:off x="736560" y="7197840"/>
+            <a:ext cx="7484040" cy="178200"/>
+          </a:xfrm>
+          <a:prstGeom prst="rect">
+            <a:avLst/>
+          </a:prstGeom>
+          <a:noFill/>
+          <a:ln>
+            <a:noFill/>
+          </a:ln>
+        </p:spPr>
+        <p:style>
+          <a:lnRef idx="0">
+            <a:scrgbClr r="0" g="0" b="0"/>
+          </a:lnRef>
+          <a:fillRef idx="0">
+            <a:scrgbClr r="0" g="0" b="0"/>
+          </a:fillRef>
+          <a:effectRef idx="0">
+            <a:scrgbClr r="0" g="0" b="0"/>
+          </a:effectRef>
+          <a:fontRef idx="minor"/>
+        </p:style>
+        <p:txBody>
+          <a:bodyPr lIns="0" tIns="0" rIns="0" bIns="0" anchor="b"/>
+          <a:lstStyle/>
+          <a:p>
+            <a:pPr>
+              <a:lnSpc>
+                <a:spcPct val="100000"/>
+              </a:lnSpc>
+            </a:pPr>
+            <a:r>
+              <a:rPr lang="en-US" sz="1200" spc="-1" dirty="0">
+                <a:solidFill>
+                  <a:srgbClr val="000000"/>
+                </a:solidFill>
+              </a:rPr>
+              <a:t>DigiBP	Luca Müller, Nicola Raemy, Isar Gammoh, Pooja Bisht</a:t>
+            </a:r>
+            <a:endParaRPr lang="en-US" sz="1200" spc="-1" dirty="0"/>
+          </a:p>
+        </p:txBody>
+      </p:sp>
+      <p:sp>
+        <p:nvSpPr>
+          <p:cNvPr id="122" name="CustomShape 3"/>
+          <p:cNvSpPr/>
+          <p:nvPr/>
+        </p:nvSpPr>
+        <p:spPr>
+          <a:xfrm>
+            <a:off x="9086760" y="7197840"/>
+            <a:ext cx="862560" cy="178200"/>
+          </a:xfrm>
+          <a:prstGeom prst="rect">
+            <a:avLst/>
+          </a:prstGeom>
+          <a:noFill/>
+          <a:ln>
+            <a:noFill/>
+          </a:ln>
+        </p:spPr>
+        <p:style>
+          <a:lnRef idx="0">
+            <a:scrgbClr r="0" g="0" b="0"/>
+          </a:lnRef>
+          <a:fillRef idx="0">
+            <a:scrgbClr r="0" g="0" b="0"/>
+          </a:fillRef>
+          <a:effectRef idx="0">
+            <a:scrgbClr r="0" g="0" b="0"/>
+          </a:effectRef>
+          <a:fontRef idx="minor"/>
+        </p:style>
+        <p:txBody>
+          <a:bodyPr lIns="0" tIns="0" rIns="0" bIns="0" anchor="b"/>
+          <a:lstStyle/>
+          <a:p>
+            <a:pPr algn="r">
+              <a:lnSpc>
+                <a:spcPct val="100000"/>
+              </a:lnSpc>
+            </a:pPr>
+            <a:fld id="{EAB2E0A4-FCFB-4840-AF8A-F87D75DA6E48}" type="slidenum">
+              <a:rPr lang="en-US" sz="1200" b="0" strike="noStrike" spc="-1">
+                <a:solidFill>
+                  <a:srgbClr val="000000"/>
+                </a:solidFill>
+                <a:latin typeface="Arial"/>
+                <a:ea typeface="DejaVu Sans"/>
+              </a:rPr>
+              <a:t>9</a:t>
+            </a:fld>
+            <a:endParaRPr lang="en-US" sz="1200" b="0" strike="noStrike" spc="-1">
+              <a:latin typeface="Arial"/>
+            </a:endParaRPr>
+          </a:p>
+        </p:txBody>
+      </p:sp>
+      <p:sp>
+        <p:nvSpPr>
+          <p:cNvPr id="2" name="Title 1">
+            <a:extLst>
+              <a:ext uri="{FF2B5EF4-FFF2-40B4-BE49-F238E27FC236}">
+                <a16:creationId xmlns:a16="http://schemas.microsoft.com/office/drawing/2014/main" id="{9434BE4A-3B6A-47E0-97E8-1DBEC5AD6AA2}"/>
+              </a:ext>
+            </a:extLst>
+          </p:cNvPr>
+          <p:cNvSpPr>
+            <a:spLocks noGrp="1"/>
+          </p:cNvSpPr>
+          <p:nvPr>
+            <p:ph type="title"/>
+          </p:nvPr>
+        </p:nvSpPr>
+        <p:spPr>
+          <a:xfrm>
+            <a:off x="1558834" y="279908"/>
+            <a:ext cx="7959206" cy="1262160"/>
+          </a:xfrm>
+        </p:spPr>
+        <p:txBody>
+          <a:bodyPr/>
+          <a:lstStyle/>
+          <a:p>
+            <a:r>
+              <a:rPr lang="en-CH" dirty="0"/>
+              <a:t>Chatbot </a:t>
+            </a:r>
+          </a:p>
+        </p:txBody>
+      </p:sp>
+      <p:sp>
+        <p:nvSpPr>
+          <p:cNvPr id="3" name="Subtitle 2">
+            <a:extLst>
+              <a:ext uri="{FF2B5EF4-FFF2-40B4-BE49-F238E27FC236}">
+                <a16:creationId xmlns:a16="http://schemas.microsoft.com/office/drawing/2014/main" id="{B7F98F46-748C-45B0-846B-4E3999EFBB1F}"/>
+              </a:ext>
+            </a:extLst>
+          </p:cNvPr>
+          <p:cNvSpPr>
+            <a:spLocks noGrp="1"/>
+          </p:cNvSpPr>
+          <p:nvPr>
+            <p:ph type="subTitle"/>
+          </p:nvPr>
+        </p:nvSpPr>
+        <p:spPr>
+          <a:xfrm>
+            <a:off x="534600" y="1769040"/>
+            <a:ext cx="4812100" cy="4385160"/>
+          </a:xfrm>
+        </p:spPr>
+        <p:txBody>
+          <a:bodyPr/>
+          <a:lstStyle/>
+          <a:p>
+            <a:pPr marL="0" indent="0">
+              <a:buNone/>
+            </a:pPr>
+            <a:r>
+              <a:rPr lang="en-CH" dirty="0"/>
+              <a:t>The purpose on the chatbot is to collect the basic needed information and qualification of applicants in order to automatically eliminate the inadequate applicants. </a:t>
+            </a:r>
+          </a:p>
+        </p:txBody>
+      </p:sp>
+      <p:pic>
+        <p:nvPicPr>
+          <p:cNvPr id="4" name="Picture 3">
+            <a:extLst>
+              <a:ext uri="{FF2B5EF4-FFF2-40B4-BE49-F238E27FC236}">
+                <a16:creationId xmlns:a16="http://schemas.microsoft.com/office/drawing/2014/main" id="{4E6B9EBD-40B5-494F-B126-CACBE38BF9AB}"/>
+              </a:ext>
+            </a:extLst>
+          </p:cNvPr>
+          <p:cNvPicPr>
+            <a:picLocks noChangeAspect="1"/>
+          </p:cNvPicPr>
+          <p:nvPr/>
+        </p:nvPicPr>
+        <p:blipFill>
+          <a:blip r:embed="rId2"/>
+          <a:stretch>
+            <a:fillRect/>
+          </a:stretch>
+        </p:blipFill>
+        <p:spPr>
+          <a:xfrm>
+            <a:off x="5954486" y="2347742"/>
+            <a:ext cx="4288972" cy="2865777"/>
+          </a:xfrm>
+          <a:prstGeom prst="rect">
+            <a:avLst/>
+          </a:prstGeom>
+        </p:spPr>
+      </p:pic>
+    </p:spTree>
+    <p:extLst>
+      <p:ext uri="{BB962C8B-B14F-4D97-AF65-F5344CB8AC3E}">
+        <p14:creationId xmlns:p14="http://schemas.microsoft.com/office/powerpoint/2010/main" val="3639938052"/>
+      </p:ext>
+    </p:extLst>
+  </p:cSld>
+  <p:clrMapOvr>
+    <a:masterClrMapping/>
+  </p:clrMapOvr>
+  <p:timing>
+    <p:tnLst>
+      <p:par>
+        <p:cTn id="1" dur="indefinite" restart="never" nodeType="tmRoot">
+          <p:childTnLst>
+            <p:seq>
+              <p:cTn id="2" dur="indefinite" nodeType="mainSeq"/>
               <p:prevCondLst>
                 <p:cond evt="onPrev" delay="0">
                   <p:tgtEl>

--- a/Presentation/DigiBP_DanishBlue_Presentation_V0.3.pptx
+++ b/Presentation/DigiBP_DanishBlue_Presentation_V0.3.pptx
@@ -9476,8 +9476,8 @@
         </p:nvSpPr>
         <p:spPr>
           <a:xfrm>
-            <a:off x="475303" y="921634"/>
-            <a:ext cx="9956840" cy="809195"/>
+            <a:off x="475303" y="921635"/>
+            <a:ext cx="9956840" cy="439080"/>
           </a:xfrm>
         </p:spPr>
         <p:txBody>
@@ -9513,7 +9513,7 @@
         </p:blipFill>
         <p:spPr>
           <a:xfrm>
-            <a:off x="0" y="2155234"/>
+            <a:off x="0" y="3232920"/>
             <a:ext cx="10693400" cy="3250794"/>
           </a:xfrm>
           <a:prstGeom prst="rect">
@@ -10079,7 +10079,7 @@
         <p:spPr>
           <a:xfrm>
             <a:off x="1558834" y="279908"/>
-            <a:ext cx="7959206" cy="1262160"/>
+            <a:ext cx="7959206" cy="445492"/>
           </a:xfrm>
         </p:spPr>
         <p:txBody>
@@ -10112,7 +10112,7 @@
         <p:spPr>
           <a:xfrm>
             <a:off x="534600" y="1769040"/>
-            <a:ext cx="4812100" cy="4385160"/>
+            <a:ext cx="4812100" cy="2813846"/>
           </a:xfrm>
         </p:spPr>
         <p:txBody>
@@ -10123,7 +10123,7 @@
               <a:buNone/>
             </a:pPr>
             <a:r>
-              <a:rPr lang="en-CH" dirty="0"/>
+              <a:rPr lang="en-CH" sz="2000" dirty="0"/>
               <a:t>The purpose on the chatbot is to collect the basic needed information and qualification of applicants in order to automatically eliminate the inadequate applicants. </a:t>
             </a:r>
           </a:p>
@@ -10151,8 +10151,8 @@
         </p:blipFill>
         <p:spPr>
           <a:xfrm>
-            <a:off x="5954486" y="2347742"/>
-            <a:ext cx="4288972" cy="2865777"/>
+            <a:off x="5453743" y="1894115"/>
+            <a:ext cx="4902712" cy="3275862"/>
           </a:xfrm>
           <a:prstGeom prst="rect">
             <a:avLst/>

--- a/Presentation/DigiBP_DanishBlue_Presentation_V0.3.pptx
+++ b/Presentation/DigiBP_DanishBlue_Presentation_V0.3.pptx
@@ -758,15 +758,7 @@
             </a:pPr>
             <a:r>
               <a:rPr lang="en-US" dirty="0"/>
-              <a:t>Confirmation of reception (of the application) -&gt;</a:t>
-            </a:r>
-            <a:r>
-              <a:rPr lang="en-US" dirty="0" err="1"/>
-              <a:t>Integromat</a:t>
-            </a:r>
-            <a:r>
-              <a:rPr lang="en-US" dirty="0"/>
-              <a:t> watching new entries in google sheets</a:t>
+              <a:t>Confirmation of reception (of the application) -&gt;Integromat watching new entries in google sheets</a:t>
             </a:r>
           </a:p>
           <a:p>
@@ -6399,22 +6391,13 @@
               <a:buChar char="-"/>
             </a:pPr>
             <a:r>
-              <a:rPr lang="en-US" sz="2000" spc="-1" dirty="0" err="1">
-                <a:solidFill>
-                  <a:srgbClr val="000000"/>
-                </a:solidFill>
-                <a:latin typeface="Arial"/>
-              </a:rPr>
-              <a:t>Integromat</a:t>
-            </a:r>
-            <a:r>
               <a:rPr lang="en-US" sz="2000" spc="-1" dirty="0">
                 <a:solidFill>
                   <a:srgbClr val="000000"/>
                 </a:solidFill>
                 <a:latin typeface="Arial"/>
               </a:rPr>
-              <a:t> scenarios</a:t>
+              <a:t>Integromat scenarios</a:t>
             </a:r>
             <a:endParaRPr lang="en-US" sz="2000" b="0" strike="noStrike" spc="-1" dirty="0">
               <a:solidFill>
@@ -9476,8 +9459,8 @@
         </p:nvSpPr>
         <p:spPr>
           <a:xfrm>
-            <a:off x="475303" y="921635"/>
-            <a:ext cx="9956840" cy="439080"/>
+            <a:off x="1579858" y="399121"/>
+            <a:ext cx="8135297" cy="439080"/>
           </a:xfrm>
         </p:spPr>
         <p:txBody>
@@ -9485,7 +9468,7 @@
           <a:lstStyle/>
           <a:p>
             <a:r>
-              <a:rPr lang="en-CH" dirty="0"/>
+              <a:rPr lang="en-CH" sz="3600" dirty="0"/>
               <a:t>Automation Tasks in the To-Be Process </a:t>
             </a:r>
           </a:p>
@@ -9513,7 +9496,7 @@
         </p:blipFill>
         <p:spPr>
           <a:xfrm>
-            <a:off x="0" y="3232920"/>
+            <a:off x="0" y="3830757"/>
             <a:ext cx="10693400" cy="3250794"/>
           </a:xfrm>
           <a:prstGeom prst="rect">
@@ -9521,6 +9504,66 @@
           </a:prstGeom>
         </p:spPr>
       </p:pic>
+      <p:sp>
+        <p:nvSpPr>
+          <p:cNvPr id="3" name="TextBox 2">
+            <a:extLst>
+              <a:ext uri="{FF2B5EF4-FFF2-40B4-BE49-F238E27FC236}">
+                <a16:creationId xmlns:a16="http://schemas.microsoft.com/office/drawing/2014/main" id="{64BC0F23-09FA-48C0-BF89-235348183A6A}"/>
+              </a:ext>
+            </a:extLst>
+          </p:cNvPr>
+          <p:cNvSpPr txBox="1"/>
+          <p:nvPr/>
+        </p:nvSpPr>
+        <p:spPr>
+          <a:xfrm>
+            <a:off x="434685" y="1476690"/>
+            <a:ext cx="9715155" cy="2031325"/>
+          </a:xfrm>
+          <a:prstGeom prst="rect">
+            <a:avLst/>
+          </a:prstGeom>
+          <a:noFill/>
+        </p:spPr>
+        <p:txBody>
+          <a:bodyPr wrap="square" rtlCol="0">
+            <a:spAutoFit/>
+          </a:bodyPr>
+          <a:lstStyle/>
+          <a:p>
+            <a:r>
+              <a:rPr lang="en-GB" dirty="0"/>
+              <a:t>The optimization of the new process happened on two aspects one by optimising the process flow and the second aspect by the automation of some tasks in the process. the chosen tasks for automation happened according to some major factors:</a:t>
+            </a:r>
+          </a:p>
+          <a:p>
+            <a:r>
+              <a:rPr lang="en-GB" dirty="0"/>
+              <a:t>  </a:t>
+            </a:r>
+          </a:p>
+          <a:p>
+            <a:r>
+              <a:rPr lang="en-GB" dirty="0"/>
+              <a:t>1. Is the of time needed to accomplish this task. </a:t>
+            </a:r>
+          </a:p>
+          <a:p>
+            <a:r>
+              <a:rPr lang="en-GB" dirty="0"/>
+              <a:t>2. If the task is considered a bottleneck task.</a:t>
+            </a:r>
+          </a:p>
+          <a:p>
+            <a:r>
+              <a:rPr lang="en-GB" dirty="0"/>
+              <a:t>3. If it affects any human needed contact point in the process such as the "Interview task". </a:t>
+            </a:r>
+            <a:endParaRPr lang="en-CH" dirty="0"/>
+          </a:p>
+        </p:txBody>
+      </p:sp>
     </p:spTree>
   </p:cSld>
   <p:clrMapOvr>
@@ -10112,7 +10155,7 @@
         <p:spPr>
           <a:xfrm>
             <a:off x="534600" y="1769040"/>
-            <a:ext cx="4812100" cy="2813846"/>
+            <a:ext cx="4812100" cy="3782674"/>
           </a:xfrm>
         </p:spPr>
         <p:txBody>

--- a/Presentation/DigiBP_DanishBlue_Presentation_V0.3.pptx
+++ b/Presentation/DigiBP_DanishBlue_Presentation_V0.3.pptx
@@ -431,7 +431,7 @@
           <a:p>
             <a:fld id="{92F778FF-ABAC-46CE-8F03-A6CAF7C71FF8}" type="datetimeFigureOut">
               <a:rPr lang="en-US" smtClean="0"/>
-              <a:t>5/29/2020</a:t>
+              <a:t>5/30/20</a:t>
             </a:fld>
             <a:endParaRPr lang="en-US"/>
           </a:p>
@@ -590,7 +590,7 @@
           <a:p>
             <a:fld id="{6BBF85C1-6754-4204-B548-F7F3F6EBC05E}" type="slidenum">
               <a:rPr lang="en-US" smtClean="0"/>
-              <a:t>‹Nr.›</a:t>
+              <a:t>‹#›</a:t>
             </a:fld>
             <a:endParaRPr lang="en-US"/>
           </a:p>
@@ -5312,7 +5312,7 @@
         </p:nvSpPr>
         <p:spPr>
           <a:xfrm>
-            <a:off x="736560" y="1509840"/>
+            <a:off x="2433211" y="673629"/>
             <a:ext cx="9212760" cy="360720"/>
           </a:xfrm>
           <a:prstGeom prst="rect">
@@ -5573,6 +5573,131 @@
             <a:endParaRPr lang="en-US" sz="1200" b="0" strike="noStrike" spc="-1">
               <a:latin typeface="Arial"/>
             </a:endParaRPr>
+          </a:p>
+        </p:txBody>
+      </p:sp>
+      <p:sp>
+        <p:nvSpPr>
+          <p:cNvPr id="3" name="TextBox 2">
+            <a:extLst>
+              <a:ext uri="{FF2B5EF4-FFF2-40B4-BE49-F238E27FC236}">
+                <a16:creationId xmlns:a16="http://schemas.microsoft.com/office/drawing/2014/main" id="{0E4E3D8B-465F-184B-AACA-8F08791EC47B}"/>
+              </a:ext>
+            </a:extLst>
+          </p:cNvPr>
+          <p:cNvSpPr txBox="1"/>
+          <p:nvPr/>
+        </p:nvSpPr>
+        <p:spPr>
+          <a:xfrm>
+            <a:off x="573354" y="1572189"/>
+            <a:ext cx="9542772" cy="3447098"/>
+          </a:xfrm>
+          <a:prstGeom prst="rect">
+            <a:avLst/>
+          </a:prstGeom>
+          <a:noFill/>
+        </p:spPr>
+        <p:txBody>
+          <a:bodyPr wrap="square" rtlCol="0">
+            <a:spAutoFit/>
+          </a:bodyPr>
+          <a:lstStyle/>
+          <a:p>
+            <a:pPr marL="285750" indent="-285750">
+              <a:buFont typeface="Arial" panose="020B0604020202020204" pitchFamily="34" charset="0"/>
+              <a:buChar char="•"/>
+            </a:pPr>
+            <a:r>
+              <a:rPr lang="en-GB" sz="2000" dirty="0"/>
+              <a:t>S</a:t>
+            </a:r>
+            <a:r>
+              <a:rPr lang="en-CH" sz="2000" dirty="0"/>
+              <a:t>upersaas url is sent to selected candidates along with password to access the url</a:t>
+            </a:r>
+          </a:p>
+          <a:p>
+            <a:pPr marL="285750" indent="-285750">
+              <a:buFont typeface="Arial" panose="020B0604020202020204" pitchFamily="34" charset="0"/>
+              <a:buChar char="•"/>
+            </a:pPr>
+            <a:endParaRPr lang="en-GB" sz="2000" dirty="0"/>
+          </a:p>
+          <a:p>
+            <a:pPr marL="285750" indent="-285750">
+              <a:buFont typeface="Arial" panose="020B0604020202020204" pitchFamily="34" charset="0"/>
+              <a:buChar char="•"/>
+            </a:pPr>
+            <a:r>
+              <a:rPr lang="en-GB" sz="2000" dirty="0"/>
+              <a:t>C</a:t>
+            </a:r>
+            <a:r>
+              <a:rPr lang="en-CH" sz="2000" dirty="0"/>
+              <a:t>andidate required to create supersaas account and provide email, name and moble number</a:t>
+            </a:r>
+          </a:p>
+          <a:p>
+            <a:pPr marL="285750" indent="-285750">
+              <a:buFont typeface="Arial" panose="020B0604020202020204" pitchFamily="34" charset="0"/>
+              <a:buChar char="•"/>
+            </a:pPr>
+            <a:endParaRPr lang="en-CH" sz="2000" dirty="0"/>
+          </a:p>
+          <a:p>
+            <a:pPr marL="285750" indent="-285750">
+              <a:buFont typeface="Arial" panose="020B0604020202020204" pitchFamily="34" charset="0"/>
+              <a:buChar char="•"/>
+            </a:pPr>
+            <a:r>
+              <a:rPr lang="en-CH" sz="2000" dirty="0"/>
+              <a:t>User can view available DigiBp calendar booking.</a:t>
+            </a:r>
+          </a:p>
+          <a:p>
+            <a:pPr marL="285750" indent="-285750">
+              <a:buFont typeface="Arial" panose="020B0604020202020204" pitchFamily="34" charset="0"/>
+              <a:buChar char="•"/>
+            </a:pPr>
+            <a:endParaRPr lang="en-CH" sz="2000" dirty="0"/>
+          </a:p>
+          <a:p>
+            <a:pPr marL="285750" indent="-285750">
+              <a:buFont typeface="Arial" panose="020B0604020202020204" pitchFamily="34" charset="0"/>
+              <a:buChar char="•"/>
+            </a:pPr>
+            <a:r>
+              <a:rPr lang="en-CH" sz="2000" dirty="0"/>
+              <a:t>Bassed </a:t>
+            </a:r>
+            <a:r>
+              <a:rPr lang="en-CH" sz="2000"/>
+              <a:t>on available </a:t>
+            </a:r>
+            <a:r>
+              <a:rPr lang="en-CH" sz="2000" dirty="0"/>
+              <a:t>time slotes (2 per day of 2 hours each </a:t>
+            </a:r>
+            <a:r>
+              <a:rPr lang="en-CH" sz="2000"/>
+              <a:t>at 10.00 and </a:t>
+            </a:r>
+            <a:r>
+              <a:rPr lang="en-CH" sz="2000" dirty="0"/>
+              <a:t>14.00) </a:t>
+            </a:r>
+            <a:r>
+              <a:rPr lang="en-CH" sz="2000"/>
+              <a:t>can create </a:t>
+            </a:r>
+            <a:r>
+              <a:rPr lang="en-CH" sz="2000" dirty="0"/>
+              <a:t>and delete bookings.</a:t>
+            </a:r>
+          </a:p>
+          <a:p>
+            <a:endParaRPr lang="en-CH" dirty="0"/>
           </a:p>
         </p:txBody>
       </p:sp>
@@ -6676,6 +6801,100 @@
           </a:p>
         </p:txBody>
       </p:sp>
+      <p:pic>
+        <p:nvPicPr>
+          <p:cNvPr id="1028" name="Picture 4" descr="A screenshot of a social media post&#10;&#10;Description automatically generated">
+            <a:extLst>
+              <a:ext uri="{FF2B5EF4-FFF2-40B4-BE49-F238E27FC236}">
+                <a16:creationId xmlns:a16="http://schemas.microsoft.com/office/drawing/2014/main" id="{F6B72829-DB79-1A4D-BE91-DA0DB54B48BD}"/>
+              </a:ext>
+            </a:extLst>
+          </p:cNvPr>
+          <p:cNvPicPr>
+            <a:picLocks noChangeAspect="1" noChangeArrowheads="1"/>
+          </p:cNvPicPr>
+          <p:nvPr/>
+        </p:nvPicPr>
+        <p:blipFill>
+          <a:blip r:embed="rId2">
+            <a:extLst>
+              <a:ext uri="{28A0092B-C50C-407E-A947-70E740481C1C}">
+                <a14:useLocalDpi xmlns:a14="http://schemas.microsoft.com/office/drawing/2010/main" val="0"/>
+              </a:ext>
+            </a:extLst>
+          </a:blip>
+          <a:srcRect/>
+          <a:stretch>
+            <a:fillRect/>
+          </a:stretch>
+        </p:blipFill>
+        <p:spPr bwMode="auto">
+          <a:xfrm>
+            <a:off x="1205802" y="4849544"/>
+            <a:ext cx="3808325" cy="2055232"/>
+          </a:xfrm>
+          <a:prstGeom prst="rect">
+            <a:avLst/>
+          </a:prstGeom>
+          <a:noFill/>
+          <a:extLst>
+            <a:ext uri="{909E8E84-426E-40DD-AFC4-6F175D3DCCD1}">
+              <a14:hiddenFill xmlns:a14="http://schemas.microsoft.com/office/drawing/2010/main">
+                <a:solidFill>
+                  <a:srgbClr val="FFFFFF"/>
+                </a:solidFill>
+              </a14:hiddenFill>
+            </a:ext>
+          </a:extLst>
+        </p:spPr>
+      </p:pic>
+      <p:pic>
+        <p:nvPicPr>
+          <p:cNvPr id="1030" name="Picture 6" descr="A screenshot of a social media post&#10;&#10;Description automatically generated">
+            <a:extLst>
+              <a:ext uri="{FF2B5EF4-FFF2-40B4-BE49-F238E27FC236}">
+                <a16:creationId xmlns:a16="http://schemas.microsoft.com/office/drawing/2014/main" id="{2D19B10C-F823-3447-9ED2-4643DB581B2F}"/>
+              </a:ext>
+            </a:extLst>
+          </p:cNvPr>
+          <p:cNvPicPr>
+            <a:picLocks noChangeAspect="1" noChangeArrowheads="1"/>
+          </p:cNvPicPr>
+          <p:nvPr/>
+        </p:nvPicPr>
+        <p:blipFill>
+          <a:blip r:embed="rId3">
+            <a:extLst>
+              <a:ext uri="{28A0092B-C50C-407E-A947-70E740481C1C}">
+                <a14:useLocalDpi xmlns:a14="http://schemas.microsoft.com/office/drawing/2010/main" val="0"/>
+              </a:ext>
+            </a:extLst>
+          </a:blip>
+          <a:srcRect/>
+          <a:stretch>
+            <a:fillRect/>
+          </a:stretch>
+        </p:blipFill>
+        <p:spPr bwMode="auto">
+          <a:xfrm>
+            <a:off x="5358423" y="4849544"/>
+            <a:ext cx="3808325" cy="2079137"/>
+          </a:xfrm>
+          <a:prstGeom prst="rect">
+            <a:avLst/>
+          </a:prstGeom>
+          <a:noFill/>
+          <a:extLst>
+            <a:ext uri="{909E8E84-426E-40DD-AFC4-6F175D3DCCD1}">
+              <a14:hiddenFill xmlns:a14="http://schemas.microsoft.com/office/drawing/2010/main">
+                <a:solidFill>
+                  <a:srgbClr val="FFFFFF"/>
+                </a:solidFill>
+              </a14:hiddenFill>
+            </a:ext>
+          </a:extLst>
+        </p:spPr>
+      </p:pic>
     </p:spTree>
   </p:cSld>
   <p:clrMapOvr>
@@ -7997,7 +8216,7 @@
         </p:nvSpPr>
         <p:spPr>
           <a:xfrm>
-            <a:off x="736560" y="1509840"/>
+            <a:off x="3164113" y="757073"/>
             <a:ext cx="9212760" cy="360720"/>
           </a:xfrm>
           <a:prstGeom prst="rect">
@@ -8029,6 +8248,16 @@
                 <a:spcPct val="100000"/>
               </a:lnSpc>
             </a:pPr>
+            <a:r>
+              <a:rPr lang="en-US" sz="2000" b="1" spc="-1" dirty="0">
+                <a:solidFill>
+                  <a:srgbClr val="000000"/>
+                </a:solidFill>
+                <a:latin typeface="Arial"/>
+                <a:ea typeface="DejaVu Sans"/>
+              </a:rPr>
+              <a:t>P</a:t>
+            </a:r>
             <a:r>
               <a:rPr lang="en-US" sz="2000" b="1" strike="noStrike" spc="-1" dirty="0">
                 <a:solidFill>
@@ -8037,7 +8266,17 @@
                 <a:latin typeface="Arial"/>
                 <a:ea typeface="DejaVu Sans"/>
               </a:rPr>
-              <a:t>Posting Job Ad(Pooja)</a:t>
+              <a:t>ublish Job Ad</a:t>
+            </a:r>
+            <a:r>
+              <a:rPr lang="en-US" sz="2000" b="1" spc="-1" dirty="0">
+                <a:solidFill>
+                  <a:srgbClr val="000000"/>
+                </a:solidFill>
+                <a:latin typeface="Arial"/>
+                <a:ea typeface="DejaVu Sans"/>
+              </a:rPr>
+              <a:t> </a:t>
             </a:r>
             <a:endParaRPr lang="en-US" sz="2000" b="0" strike="noStrike" spc="-1" dirty="0">
               <a:latin typeface="Arial"/>
@@ -8094,6 +8333,66 @@
           </a:p>
         </p:txBody>
       </p:sp>
+      <p:pic>
+        <p:nvPicPr>
+          <p:cNvPr id="2" name="Picture 1">
+            <a:extLst>
+              <a:ext uri="{FF2B5EF4-FFF2-40B4-BE49-F238E27FC236}">
+                <a16:creationId xmlns:a16="http://schemas.microsoft.com/office/drawing/2014/main" id="{042994F6-A2B3-2643-9979-9DE4683D9DCF}"/>
+              </a:ext>
+            </a:extLst>
+          </p:cNvPr>
+          <p:cNvPicPr>
+            <a:picLocks noChangeAspect="1"/>
+          </p:cNvPicPr>
+          <p:nvPr/>
+        </p:nvPicPr>
+        <p:blipFill>
+          <a:blip r:embed="rId2"/>
+          <a:stretch>
+            <a:fillRect/>
+          </a:stretch>
+        </p:blipFill>
+        <p:spPr>
+          <a:xfrm>
+            <a:off x="6931090" y="1403132"/>
+            <a:ext cx="3445180" cy="5675586"/>
+          </a:xfrm>
+          <a:prstGeom prst="rect">
+            <a:avLst/>
+          </a:prstGeom>
+        </p:spPr>
+      </p:pic>
+      <p:pic>
+        <p:nvPicPr>
+          <p:cNvPr id="4" name="Picture 3">
+            <a:extLst>
+              <a:ext uri="{FF2B5EF4-FFF2-40B4-BE49-F238E27FC236}">
+                <a16:creationId xmlns:a16="http://schemas.microsoft.com/office/drawing/2014/main" id="{7884A482-BDD1-2943-B938-579EAA495743}"/>
+              </a:ext>
+            </a:extLst>
+          </p:cNvPr>
+          <p:cNvPicPr>
+            <a:picLocks noChangeAspect="1"/>
+          </p:cNvPicPr>
+          <p:nvPr/>
+        </p:nvPicPr>
+        <p:blipFill>
+          <a:blip r:embed="rId3"/>
+          <a:stretch>
+            <a:fillRect/>
+          </a:stretch>
+        </p:blipFill>
+        <p:spPr>
+          <a:xfrm>
+            <a:off x="1264596" y="1570779"/>
+            <a:ext cx="4494178" cy="4754520"/>
+          </a:xfrm>
+          <a:prstGeom prst="rect">
+            <a:avLst/>
+          </a:prstGeom>
+        </p:spPr>
+      </p:pic>
     </p:spTree>
   </p:cSld>
   <p:clrMapOvr>

--- a/Presentation/DigiBP_DanishBlue_Presentation_V0.3.pptx
+++ b/Presentation/DigiBP_DanishBlue_Presentation_V0.3.pptx
@@ -5669,7 +5669,7 @@
             </a:pPr>
             <a:r>
               <a:rPr lang="en-CH" sz="2000" dirty="0"/>
-              <a:t>Bassed on available time slotes (2 per day of 2 hours each at 10.00 and 14.00) can create and delete bookings.</a:t>
+              <a:t>Based on available time slotes (2 per day of 2 hours each at 10.00 and 14.00) can create and delete bookings.</a:t>
             </a:r>
           </a:p>
           <a:p>

--- a/Presentation/DigiBP_DanishBlue_Presentation_V0.3.pptx
+++ b/Presentation/DigiBP_DanishBlue_Presentation_V0.3.pptx
@@ -718,6 +718,174 @@
       </p:grpSpPr>
       <p:sp>
         <p:nvSpPr>
+          <p:cNvPr id="2" name="Slide Image Placeholder 1"/>
+          <p:cNvSpPr>
+            <a:spLocks noGrp="1" noRot="1" noChangeAspect="1"/>
+          </p:cNvSpPr>
+          <p:nvPr>
+            <p:ph type="sldImg"/>
+          </p:nvPr>
+        </p:nvSpPr>
+        <p:spPr/>
+      </p:sp>
+      <p:sp>
+        <p:nvSpPr>
+          <p:cNvPr id="3" name="Notes Placeholder 2"/>
+          <p:cNvSpPr>
+            <a:spLocks noGrp="1"/>
+          </p:cNvSpPr>
+          <p:nvPr>
+            <p:ph type="body" idx="1"/>
+          </p:nvPr>
+        </p:nvSpPr>
+        <p:spPr/>
+        <p:txBody>
+          <a:bodyPr/>
+          <a:lstStyle/>
+          <a:p>
+            <a:endParaRPr lang="en-CH" dirty="0"/>
+          </a:p>
+        </p:txBody>
+      </p:sp>
+      <p:sp>
+        <p:nvSpPr>
+          <p:cNvPr id="4" name="Slide Number Placeholder 3"/>
+          <p:cNvSpPr>
+            <a:spLocks noGrp="1"/>
+          </p:cNvSpPr>
+          <p:nvPr>
+            <p:ph type="sldNum" sz="quarter" idx="5"/>
+          </p:nvPr>
+        </p:nvSpPr>
+        <p:spPr/>
+        <p:txBody>
+          <a:bodyPr/>
+          <a:lstStyle/>
+          <a:p>
+            <a:fld id="{6BBF85C1-6754-4204-B548-F7F3F6EBC05E}" type="slidenum">
+              <a:rPr lang="en-US" smtClean="0"/>
+              <a:t>2</a:t>
+            </a:fld>
+            <a:endParaRPr lang="en-US"/>
+          </a:p>
+        </p:txBody>
+      </p:sp>
+    </p:spTree>
+    <p:extLst>
+      <p:ext uri="{BB962C8B-B14F-4D97-AF65-F5344CB8AC3E}">
+        <p14:creationId xmlns:p14="http://schemas.microsoft.com/office/powerpoint/2010/main" val="3301092783"/>
+      </p:ext>
+    </p:extLst>
+  </p:cSld>
+  <p:clrMapOvr>
+    <a:masterClrMapping/>
+  </p:clrMapOvr>
+</p:notes>
+</file>
+
+<file path=ppt/notesSlides/notesSlide2.xml><?xml version="1.0" encoding="utf-8"?>
+<p:notes xmlns:a="http://schemas.openxmlformats.org/drawingml/2006/main" xmlns:r="http://schemas.openxmlformats.org/officeDocument/2006/relationships" xmlns:p="http://schemas.openxmlformats.org/presentationml/2006/main">
+  <p:cSld>
+    <p:spTree>
+      <p:nvGrpSpPr>
+        <p:cNvPr id="1" name=""/>
+        <p:cNvGrpSpPr/>
+        <p:nvPr/>
+      </p:nvGrpSpPr>
+      <p:grpSpPr>
+        <a:xfrm>
+          <a:off x="0" y="0"/>
+          <a:ext cx="0" cy="0"/>
+          <a:chOff x="0" y="0"/>
+          <a:chExt cx="0" cy="0"/>
+        </a:xfrm>
+      </p:grpSpPr>
+      <p:sp>
+        <p:nvSpPr>
+          <p:cNvPr id="2" name="Slide Image Placeholder 1"/>
+          <p:cNvSpPr>
+            <a:spLocks noGrp="1" noRot="1" noChangeAspect="1"/>
+          </p:cNvSpPr>
+          <p:nvPr>
+            <p:ph type="sldImg"/>
+          </p:nvPr>
+        </p:nvSpPr>
+        <p:spPr/>
+      </p:sp>
+      <p:sp>
+        <p:nvSpPr>
+          <p:cNvPr id="3" name="Notes Placeholder 2"/>
+          <p:cNvSpPr>
+            <a:spLocks noGrp="1"/>
+          </p:cNvSpPr>
+          <p:nvPr>
+            <p:ph type="body" idx="1"/>
+          </p:nvPr>
+        </p:nvSpPr>
+        <p:spPr/>
+        <p:txBody>
+          <a:bodyPr/>
+          <a:lstStyle/>
+          <a:p>
+            <a:endParaRPr lang="en-CH" dirty="0"/>
+          </a:p>
+        </p:txBody>
+      </p:sp>
+      <p:sp>
+        <p:nvSpPr>
+          <p:cNvPr id="4" name="Slide Number Placeholder 3"/>
+          <p:cNvSpPr>
+            <a:spLocks noGrp="1"/>
+          </p:cNvSpPr>
+          <p:nvPr>
+            <p:ph type="sldNum" sz="quarter" idx="5"/>
+          </p:nvPr>
+        </p:nvSpPr>
+        <p:spPr/>
+        <p:txBody>
+          <a:bodyPr/>
+          <a:lstStyle/>
+          <a:p>
+            <a:fld id="{6BBF85C1-6754-4204-B548-F7F3F6EBC05E}" type="slidenum">
+              <a:rPr lang="en-US" smtClean="0"/>
+              <a:t>6</a:t>
+            </a:fld>
+            <a:endParaRPr lang="en-US"/>
+          </a:p>
+        </p:txBody>
+      </p:sp>
+    </p:spTree>
+    <p:extLst>
+      <p:ext uri="{BB962C8B-B14F-4D97-AF65-F5344CB8AC3E}">
+        <p14:creationId xmlns:p14="http://schemas.microsoft.com/office/powerpoint/2010/main" val="3575169363"/>
+      </p:ext>
+    </p:extLst>
+  </p:cSld>
+  <p:clrMapOvr>
+    <a:masterClrMapping/>
+  </p:clrMapOvr>
+</p:notes>
+</file>
+
+<file path=ppt/notesSlides/notesSlide3.xml><?xml version="1.0" encoding="utf-8"?>
+<p:notes xmlns:a="http://schemas.openxmlformats.org/drawingml/2006/main" xmlns:r="http://schemas.openxmlformats.org/officeDocument/2006/relationships" xmlns:p="http://schemas.openxmlformats.org/presentationml/2006/main">
+  <p:cSld>
+    <p:spTree>
+      <p:nvGrpSpPr>
+        <p:cNvPr id="1" name=""/>
+        <p:cNvGrpSpPr/>
+        <p:nvPr/>
+      </p:nvGrpSpPr>
+      <p:grpSpPr>
+        <a:xfrm>
+          <a:off x="0" y="0"/>
+          <a:ext cx="0" cy="0"/>
+          <a:chOff x="0" y="0"/>
+          <a:chExt cx="0" cy="0"/>
+        </a:xfrm>
+      </p:grpSpPr>
+      <p:sp>
+        <p:nvSpPr>
           <p:cNvPr id="2" name="Folienbildplatzhalter 1"/>
           <p:cNvSpPr>
             <a:spLocks noGrp="1" noRot="1" noChangeAspect="1"/>
@@ -5312,7 +5480,7 @@
         </p:nvSpPr>
         <p:spPr>
           <a:xfrm>
-            <a:off x="2433211" y="673629"/>
+            <a:off x="3467533" y="942549"/>
             <a:ext cx="9212760" cy="360720"/>
           </a:xfrm>
           <a:prstGeom prst="rect">
@@ -5590,7 +5758,7 @@
         </p:nvSpPr>
         <p:spPr>
           <a:xfrm>
-            <a:off x="573354" y="1572189"/>
+            <a:off x="573354" y="2160079"/>
             <a:ext cx="9542772" cy="3447098"/>
           </a:xfrm>
           <a:prstGeom prst="rect">
@@ -5677,6 +5845,36 @@
           </a:p>
         </p:txBody>
       </p:sp>
+      <p:pic>
+        <p:nvPicPr>
+          <p:cNvPr id="5" name="Picture 4">
+            <a:extLst>
+              <a:ext uri="{FF2B5EF4-FFF2-40B4-BE49-F238E27FC236}">
+                <a16:creationId xmlns:a16="http://schemas.microsoft.com/office/drawing/2014/main" id="{02CB8AE5-4697-0148-86F4-8664FE36B971}"/>
+              </a:ext>
+            </a:extLst>
+          </p:cNvPr>
+          <p:cNvPicPr>
+            <a:picLocks noChangeAspect="1"/>
+          </p:cNvPicPr>
+          <p:nvPr/>
+        </p:nvPicPr>
+        <p:blipFill>
+          <a:blip r:embed="rId2"/>
+          <a:stretch>
+            <a:fillRect/>
+          </a:stretch>
+        </p:blipFill>
+        <p:spPr>
+          <a:xfrm>
+            <a:off x="8220600" y="208860"/>
+            <a:ext cx="2260600" cy="1131410"/>
+          </a:xfrm>
+          <a:prstGeom prst="rect">
+            <a:avLst/>
+          </a:prstGeom>
+        </p:spPr>
+      </p:pic>
     </p:spTree>
   </p:cSld>
   <p:clrMapOvr>
@@ -6792,7 +6990,7 @@
           <p:nvPr/>
         </p:nvPicPr>
         <p:blipFill>
-          <a:blip r:embed="rId2">
+          <a:blip r:embed="rId3">
             <a:extLst>
               <a:ext uri="{28A0092B-C50C-407E-A947-70E740481C1C}">
                 <a14:useLocalDpi xmlns:a14="http://schemas.microsoft.com/office/drawing/2010/main" val="0"/>
@@ -6839,7 +7037,7 @@
           <p:nvPr/>
         </p:nvPicPr>
         <p:blipFill>
-          <a:blip r:embed="rId3">
+          <a:blip r:embed="rId4">
             <a:extLst>
               <a:ext uri="{28A0092B-C50C-407E-A947-70E740481C1C}">
                 <a14:useLocalDpi xmlns:a14="http://schemas.microsoft.com/office/drawing/2010/main" val="0"/>
@@ -8324,7 +8522,7 @@
           <p:nvPr/>
         </p:nvPicPr>
         <p:blipFill>
-          <a:blip r:embed="rId2"/>
+          <a:blip r:embed="rId3"/>
           <a:stretch>
             <a:fillRect/>
           </a:stretch>
@@ -8354,7 +8552,7 @@
           <p:nvPr/>
         </p:nvPicPr>
         <p:blipFill>
-          <a:blip r:embed="rId3"/>
+          <a:blip r:embed="rId4"/>
           <a:stretch>
             <a:fillRect/>
           </a:stretch>

--- a/Presentation/DigiBP_DanishBlue_Presentation_V0.3.pptx
+++ b/Presentation/DigiBP_DanishBlue_Presentation_V0.3.pptx
@@ -6,20 +6,21 @@
     <p:sldMasterId id="2147483661" r:id="rId2"/>
   </p:sldMasterIdLst>
   <p:notesMasterIdLst>
-    <p:notesMasterId r:id="rId14"/>
+    <p:notesMasterId r:id="rId15"/>
   </p:notesMasterIdLst>
   <p:sldIdLst>
     <p:sldId id="256" r:id="rId3"/>
     <p:sldId id="257" r:id="rId4"/>
     <p:sldId id="258" r:id="rId5"/>
-    <p:sldId id="260" r:id="rId6"/>
-    <p:sldId id="261" r:id="rId7"/>
-    <p:sldId id="262" r:id="rId8"/>
-    <p:sldId id="267" r:id="rId9"/>
-    <p:sldId id="268" r:id="rId10"/>
-    <p:sldId id="270" r:id="rId11"/>
-    <p:sldId id="263" r:id="rId12"/>
-    <p:sldId id="266" r:id="rId13"/>
+    <p:sldId id="271" r:id="rId6"/>
+    <p:sldId id="260" r:id="rId7"/>
+    <p:sldId id="261" r:id="rId8"/>
+    <p:sldId id="262" r:id="rId9"/>
+    <p:sldId id="267" r:id="rId10"/>
+    <p:sldId id="268" r:id="rId11"/>
+    <p:sldId id="270" r:id="rId12"/>
+    <p:sldId id="263" r:id="rId13"/>
+    <p:sldId id="266" r:id="rId14"/>
   </p:sldIdLst>
   <p:sldSz cx="10693400" cy="7561263"/>
   <p:notesSz cx="7559675" cy="10691813"/>
@@ -431,7 +432,7 @@
           <a:p>
             <a:fld id="{92F778FF-ABAC-46CE-8F03-A6CAF7C71FF8}" type="datetimeFigureOut">
               <a:rPr lang="en-US" smtClean="0"/>
-              <a:t>5/30/20</a:t>
+              <a:t>5/31/2020</a:t>
             </a:fld>
             <a:endParaRPr lang="en-US"/>
           </a:p>
@@ -590,7 +591,7 @@
           <a:p>
             <a:fld id="{6BBF85C1-6754-4204-B548-F7F3F6EBC05E}" type="slidenum">
               <a:rPr lang="en-US" smtClean="0"/>
-              <a:t>‹#›</a:t>
+              <a:t>‹Nr.›</a:t>
             </a:fld>
             <a:endParaRPr lang="en-US"/>
           </a:p>
@@ -848,7 +849,7 @@
           <a:p>
             <a:fld id="{6BBF85C1-6754-4204-B548-F7F3F6EBC05E}" type="slidenum">
               <a:rPr lang="en-US" smtClean="0"/>
-              <a:t>6</a:t>
+              <a:t>7</a:t>
             </a:fld>
             <a:endParaRPr lang="en-US"/>
           </a:p>
@@ -980,7 +981,7 @@
           <a:p>
             <a:fld id="{6BBF85C1-6754-4204-B548-F7F3F6EBC05E}" type="slidenum">
               <a:rPr lang="en-US" smtClean="0"/>
-              <a:t>9</a:t>
+              <a:t>10</a:t>
             </a:fld>
             <a:endParaRPr lang="en-US"/>
           </a:p>
@@ -5474,14 +5475,14 @@
       </p:grpSpPr>
       <p:sp>
         <p:nvSpPr>
-          <p:cNvPr id="126" name="CustomShape 1"/>
+          <p:cNvPr id="120" name="CustomShape 1"/>
           <p:cNvSpPr/>
           <p:nvPr/>
         </p:nvSpPr>
         <p:spPr>
           <a:xfrm>
-            <a:off x="3467533" y="942549"/>
-            <a:ext cx="9212760" cy="360720"/>
+            <a:off x="8221680" y="7197840"/>
+            <a:ext cx="864000" cy="178200"/>
           </a:xfrm>
           <a:prstGeom prst="rect">
             <a:avLst/>
@@ -5504,128 +5505,6 @@
           <a:fontRef idx="minor"/>
         </p:style>
         <p:txBody>
-          <a:bodyPr lIns="0" tIns="0" rIns="0" bIns="0"/>
-          <a:lstStyle/>
-          <a:p>
-            <a:pPr>
-              <a:lnSpc>
-                <a:spcPct val="100000"/>
-              </a:lnSpc>
-            </a:pPr>
-            <a:r>
-              <a:rPr lang="en-US" sz="2000" b="1" spc="-1" dirty="0">
-                <a:solidFill>
-                  <a:srgbClr val="000000"/>
-                </a:solidFill>
-              </a:rPr>
-              <a:t>Booking System Part I</a:t>
-            </a:r>
-            <a:endParaRPr lang="en-US" sz="2000" spc="-1" dirty="0"/>
-          </a:p>
-        </p:txBody>
-      </p:sp>
-      <p:sp>
-        <p:nvSpPr>
-          <p:cNvPr id="127" name="CustomShape 2"/>
-          <p:cNvSpPr/>
-          <p:nvPr/>
-        </p:nvSpPr>
-        <p:spPr>
-          <a:xfrm>
-            <a:off x="738360" y="2197080"/>
-            <a:ext cx="9212760" cy="4462920"/>
-          </a:xfrm>
-          <a:prstGeom prst="rect">
-            <a:avLst/>
-          </a:prstGeom>
-          <a:noFill/>
-          <a:ln>
-            <a:noFill/>
-          </a:ln>
-        </p:spPr>
-        <p:style>
-          <a:lnRef idx="0">
-            <a:scrgbClr r="0" g="0" b="0"/>
-          </a:lnRef>
-          <a:fillRef idx="0">
-            <a:scrgbClr r="0" g="0" b="0"/>
-          </a:fillRef>
-          <a:effectRef idx="0">
-            <a:scrgbClr r="0" g="0" b="0"/>
-          </a:effectRef>
-          <a:fontRef idx="minor"/>
-        </p:style>
-        <p:txBody>
-          <a:bodyPr lIns="0" tIns="0" rIns="0" bIns="0"/>
-          <a:lstStyle/>
-          <a:p>
-            <a:pPr marL="343080" indent="-342000">
-              <a:lnSpc>
-                <a:spcPct val="115000"/>
-              </a:lnSpc>
-              <a:spcBef>
-                <a:spcPts val="1199"/>
-              </a:spcBef>
-              <a:buClr>
-                <a:srgbClr val="000000"/>
-              </a:buClr>
-              <a:buFont typeface="StarSymbol"/>
-              <a:buChar char="-"/>
-            </a:pPr>
-            <a:r>
-              <a:rPr lang="en-US" sz="2000" b="0" strike="noStrike" spc="-1" dirty="0">
-                <a:solidFill>
-                  <a:srgbClr val="000000"/>
-                </a:solidFill>
-                <a:highlight>
-                  <a:srgbClr val="FFFF00"/>
-                </a:highlight>
-                <a:latin typeface="Arial"/>
-                <a:ea typeface="DejaVu Sans"/>
-              </a:rPr>
-              <a:t> </a:t>
-            </a:r>
-            <a:endParaRPr lang="en-US" sz="2000" b="0" strike="noStrike" spc="-1" dirty="0">
-              <a:highlight>
-                <a:srgbClr val="FFFF00"/>
-              </a:highlight>
-              <a:latin typeface="Arial"/>
-            </a:endParaRPr>
-          </a:p>
-        </p:txBody>
-      </p:sp>
-      <p:sp>
-        <p:nvSpPr>
-          <p:cNvPr id="128" name="CustomShape 3"/>
-          <p:cNvSpPr/>
-          <p:nvPr/>
-        </p:nvSpPr>
-        <p:spPr>
-          <a:xfrm>
-            <a:off x="8221680" y="7197840"/>
-            <a:ext cx="864000" cy="178200"/>
-          </a:xfrm>
-          <a:prstGeom prst="rect">
-            <a:avLst/>
-          </a:prstGeom>
-          <a:noFill/>
-          <a:ln>
-            <a:noFill/>
-          </a:ln>
-        </p:spPr>
-        <p:style>
-          <a:lnRef idx="0">
-            <a:scrgbClr r="0" g="0" b="0"/>
-          </a:lnRef>
-          <a:fillRef idx="0">
-            <a:scrgbClr r="0" g="0" b="0"/>
-          </a:fillRef>
-          <a:effectRef idx="0">
-            <a:scrgbClr r="0" g="0" b="0"/>
-          </a:effectRef>
-          <a:fontRef idx="minor"/>
-        </p:style>
-        <p:txBody>
           <a:bodyPr lIns="0" tIns="0" rIns="0" bIns="0" anchor="b"/>
           <a:lstStyle/>
           <a:p>
@@ -5638,7 +5517,7 @@
       </p:sp>
       <p:sp>
         <p:nvSpPr>
-          <p:cNvPr id="129" name="CustomShape 4"/>
+          <p:cNvPr id="121" name="CustomShape 2"/>
           <p:cNvSpPr/>
           <p:nvPr/>
         </p:nvSpPr>
@@ -5690,2644 +5569,6 @@
       </p:sp>
       <p:sp>
         <p:nvSpPr>
-          <p:cNvPr id="130" name="CustomShape 5"/>
-          <p:cNvSpPr/>
-          <p:nvPr/>
-        </p:nvSpPr>
-        <p:spPr>
-          <a:xfrm>
-            <a:off x="9086760" y="7197840"/>
-            <a:ext cx="862560" cy="178200"/>
-          </a:xfrm>
-          <a:prstGeom prst="rect">
-            <a:avLst/>
-          </a:prstGeom>
-          <a:noFill/>
-          <a:ln>
-            <a:noFill/>
-          </a:ln>
-        </p:spPr>
-        <p:style>
-          <a:lnRef idx="0">
-            <a:scrgbClr r="0" g="0" b="0"/>
-          </a:lnRef>
-          <a:fillRef idx="0">
-            <a:scrgbClr r="0" g="0" b="0"/>
-          </a:fillRef>
-          <a:effectRef idx="0">
-            <a:scrgbClr r="0" g="0" b="0"/>
-          </a:effectRef>
-          <a:fontRef idx="minor"/>
-        </p:style>
-        <p:txBody>
-          <a:bodyPr lIns="0" tIns="0" rIns="0" bIns="0" anchor="b"/>
-          <a:lstStyle/>
-          <a:p>
-            <a:pPr algn="r">
-              <a:lnSpc>
-                <a:spcPct val="100000"/>
-              </a:lnSpc>
-            </a:pPr>
-            <a:fld id="{676B624C-CA6C-47FB-8CC0-33C7E2E24C74}" type="slidenum">
-              <a:rPr lang="en-US" sz="1200" b="0" strike="noStrike" spc="-1">
-                <a:solidFill>
-                  <a:srgbClr val="000000"/>
-                </a:solidFill>
-                <a:latin typeface="Arial"/>
-                <a:ea typeface="DejaVu Sans"/>
-              </a:rPr>
-              <a:t>10</a:t>
-            </a:fld>
-            <a:endParaRPr lang="en-US" sz="1200" b="0" strike="noStrike" spc="-1">
-              <a:latin typeface="Arial"/>
-            </a:endParaRPr>
-          </a:p>
-        </p:txBody>
-      </p:sp>
-      <p:sp>
-        <p:nvSpPr>
-          <p:cNvPr id="3" name="TextBox 2">
-            <a:extLst>
-              <a:ext uri="{FF2B5EF4-FFF2-40B4-BE49-F238E27FC236}">
-                <a16:creationId xmlns:a16="http://schemas.microsoft.com/office/drawing/2014/main" id="{0E4E3D8B-465F-184B-AACA-8F08791EC47B}"/>
-              </a:ext>
-            </a:extLst>
-          </p:cNvPr>
-          <p:cNvSpPr txBox="1"/>
-          <p:nvPr/>
-        </p:nvSpPr>
-        <p:spPr>
-          <a:xfrm>
-            <a:off x="573354" y="2160079"/>
-            <a:ext cx="9542772" cy="3447098"/>
-          </a:xfrm>
-          <a:prstGeom prst="rect">
-            <a:avLst/>
-          </a:prstGeom>
-          <a:noFill/>
-        </p:spPr>
-        <p:txBody>
-          <a:bodyPr wrap="square" rtlCol="0">
-            <a:spAutoFit/>
-          </a:bodyPr>
-          <a:lstStyle/>
-          <a:p>
-            <a:pPr marL="285750" indent="-285750">
-              <a:buFont typeface="Arial" panose="020B0604020202020204" pitchFamily="34" charset="0"/>
-              <a:buChar char="•"/>
-            </a:pPr>
-            <a:r>
-              <a:rPr lang="en-GB" sz="2000" dirty="0"/>
-              <a:t>S</a:t>
-            </a:r>
-            <a:r>
-              <a:rPr lang="en-CH" sz="2000" dirty="0"/>
-              <a:t>upersaas url is sent to selected candidates along with password to access the url</a:t>
-            </a:r>
-          </a:p>
-          <a:p>
-            <a:pPr marL="285750" indent="-285750">
-              <a:buFont typeface="Arial" panose="020B0604020202020204" pitchFamily="34" charset="0"/>
-              <a:buChar char="•"/>
-            </a:pPr>
-            <a:endParaRPr lang="en-GB" sz="2000" dirty="0"/>
-          </a:p>
-          <a:p>
-            <a:pPr marL="285750" indent="-285750">
-              <a:buFont typeface="Arial" panose="020B0604020202020204" pitchFamily="34" charset="0"/>
-              <a:buChar char="•"/>
-            </a:pPr>
-            <a:r>
-              <a:rPr lang="en-GB" sz="2000" dirty="0"/>
-              <a:t>C</a:t>
-            </a:r>
-            <a:r>
-              <a:rPr lang="en-CH" sz="2000" dirty="0"/>
-              <a:t>andidate required to create supersaas account and provide email, name and moble number</a:t>
-            </a:r>
-          </a:p>
-          <a:p>
-            <a:pPr marL="285750" indent="-285750">
-              <a:buFont typeface="Arial" panose="020B0604020202020204" pitchFamily="34" charset="0"/>
-              <a:buChar char="•"/>
-            </a:pPr>
-            <a:endParaRPr lang="en-CH" sz="2000" dirty="0"/>
-          </a:p>
-          <a:p>
-            <a:pPr marL="285750" indent="-285750">
-              <a:buFont typeface="Arial" panose="020B0604020202020204" pitchFamily="34" charset="0"/>
-              <a:buChar char="•"/>
-            </a:pPr>
-            <a:r>
-              <a:rPr lang="en-CH" sz="2000" dirty="0"/>
-              <a:t>User can view available DigiBp calendar booking.</a:t>
-            </a:r>
-          </a:p>
-          <a:p>
-            <a:pPr marL="285750" indent="-285750">
-              <a:buFont typeface="Arial" panose="020B0604020202020204" pitchFamily="34" charset="0"/>
-              <a:buChar char="•"/>
-            </a:pPr>
-            <a:endParaRPr lang="en-CH" sz="2000" dirty="0"/>
-          </a:p>
-          <a:p>
-            <a:pPr marL="285750" indent="-285750">
-              <a:buFont typeface="Arial" panose="020B0604020202020204" pitchFamily="34" charset="0"/>
-              <a:buChar char="•"/>
-            </a:pPr>
-            <a:r>
-              <a:rPr lang="en-CH" sz="2000" dirty="0"/>
-              <a:t>Based on available time slotes (2 per day of 2 hours each at 10.00 and 14.00) can create and delete bookings.</a:t>
-            </a:r>
-          </a:p>
-          <a:p>
-            <a:endParaRPr lang="en-CH" dirty="0"/>
-          </a:p>
-        </p:txBody>
-      </p:sp>
-      <p:pic>
-        <p:nvPicPr>
-          <p:cNvPr id="5" name="Picture 4">
-            <a:extLst>
-              <a:ext uri="{FF2B5EF4-FFF2-40B4-BE49-F238E27FC236}">
-                <a16:creationId xmlns:a16="http://schemas.microsoft.com/office/drawing/2014/main" id="{02CB8AE5-4697-0148-86F4-8664FE36B971}"/>
-              </a:ext>
-            </a:extLst>
-          </p:cNvPr>
-          <p:cNvPicPr>
-            <a:picLocks noChangeAspect="1"/>
-          </p:cNvPicPr>
-          <p:nvPr/>
-        </p:nvPicPr>
-        <p:blipFill>
-          <a:blip r:embed="rId2"/>
-          <a:stretch>
-            <a:fillRect/>
-          </a:stretch>
-        </p:blipFill>
-        <p:spPr>
-          <a:xfrm>
-            <a:off x="8220600" y="208860"/>
-            <a:ext cx="2260600" cy="1131410"/>
-          </a:xfrm>
-          <a:prstGeom prst="rect">
-            <a:avLst/>
-          </a:prstGeom>
-        </p:spPr>
-      </p:pic>
-    </p:spTree>
-  </p:cSld>
-  <p:clrMapOvr>
-    <a:masterClrMapping/>
-  </p:clrMapOvr>
-  <p:timing>
-    <p:tnLst>
-      <p:par>
-        <p:cTn id="1" dur="indefinite" restart="never" nodeType="tmRoot">
-          <p:childTnLst>
-            <p:seq>
-              <p:cTn id="2" dur="indefinite" nodeType="mainSeq"/>
-              <p:prevCondLst>
-                <p:cond evt="onPrev" delay="0">
-                  <p:tgtEl>
-                    <p:sldTgt/>
-                  </p:tgtEl>
-                </p:cond>
-              </p:prevCondLst>
-              <p:nextCondLst>
-                <p:cond evt="onNext" delay="0">
-                  <p:tgtEl>
-                    <p:sldTgt/>
-                  </p:tgtEl>
-                </p:cond>
-              </p:nextCondLst>
-            </p:seq>
-          </p:childTnLst>
-        </p:cTn>
-      </p:par>
-    </p:tnLst>
-  </p:timing>
-</p:sld>
-</file>
-
-<file path=ppt/slides/slide11.xml><?xml version="1.0" encoding="utf-8"?>
-<p:sld xmlns:a="http://schemas.openxmlformats.org/drawingml/2006/main" xmlns:r="http://schemas.openxmlformats.org/officeDocument/2006/relationships" xmlns:p="http://schemas.openxmlformats.org/presentationml/2006/main">
-  <p:cSld>
-    <p:spTree>
-      <p:nvGrpSpPr>
-        <p:cNvPr id="1" name=""/>
-        <p:cNvGrpSpPr/>
-        <p:nvPr/>
-      </p:nvGrpSpPr>
-      <p:grpSpPr>
-        <a:xfrm>
-          <a:off x="0" y="0"/>
-          <a:ext cx="0" cy="0"/>
-          <a:chOff x="0" y="0"/>
-          <a:chExt cx="0" cy="0"/>
-        </a:xfrm>
-      </p:grpSpPr>
-      <p:sp>
-        <p:nvSpPr>
-          <p:cNvPr id="144" name="CustomShape 1"/>
-          <p:cNvSpPr/>
-          <p:nvPr/>
-        </p:nvSpPr>
-        <p:spPr>
-          <a:xfrm>
-            <a:off x="736560" y="1509840"/>
-            <a:ext cx="9212760" cy="360720"/>
-          </a:xfrm>
-          <a:prstGeom prst="rect">
-            <a:avLst/>
-          </a:prstGeom>
-          <a:noFill/>
-          <a:ln>
-            <a:noFill/>
-          </a:ln>
-        </p:spPr>
-        <p:style>
-          <a:lnRef idx="0">
-            <a:scrgbClr r="0" g="0" b="0"/>
-          </a:lnRef>
-          <a:fillRef idx="0">
-            <a:scrgbClr r="0" g="0" b="0"/>
-          </a:fillRef>
-          <a:effectRef idx="0">
-            <a:scrgbClr r="0" g="0" b="0"/>
-          </a:effectRef>
-          <a:fontRef idx="minor"/>
-        </p:style>
-        <p:txBody>
-          <a:bodyPr lIns="0" tIns="0" rIns="0" bIns="0"/>
-          <a:lstStyle/>
-          <a:p>
-            <a:pPr>
-              <a:lnSpc>
-                <a:spcPct val="100000"/>
-              </a:lnSpc>
-            </a:pPr>
-            <a:r>
-              <a:rPr lang="en-US" sz="2000" b="1" strike="noStrike" spc="-1">
-                <a:solidFill>
-                  <a:srgbClr val="000000"/>
-                </a:solidFill>
-                <a:latin typeface="Arial"/>
-                <a:ea typeface="DejaVu Sans"/>
-              </a:rPr>
-              <a:t>Outlook</a:t>
-            </a:r>
-            <a:endParaRPr lang="en-US" sz="2000" b="0" strike="noStrike" spc="-1">
-              <a:latin typeface="Arial"/>
-            </a:endParaRPr>
-          </a:p>
-        </p:txBody>
-      </p:sp>
-      <p:sp>
-        <p:nvSpPr>
-          <p:cNvPr id="145" name="CustomShape 2"/>
-          <p:cNvSpPr/>
-          <p:nvPr/>
-        </p:nvSpPr>
-        <p:spPr>
-          <a:xfrm>
-            <a:off x="738360" y="2197080"/>
-            <a:ext cx="9212760" cy="4462920"/>
-          </a:xfrm>
-          <a:prstGeom prst="rect">
-            <a:avLst/>
-          </a:prstGeom>
-          <a:noFill/>
-          <a:ln>
-            <a:noFill/>
-          </a:ln>
-        </p:spPr>
-        <p:style>
-          <a:lnRef idx="0">
-            <a:scrgbClr r="0" g="0" b="0"/>
-          </a:lnRef>
-          <a:fillRef idx="0">
-            <a:scrgbClr r="0" g="0" b="0"/>
-          </a:fillRef>
-          <a:effectRef idx="0">
-            <a:scrgbClr r="0" g="0" b="0"/>
-          </a:effectRef>
-          <a:fontRef idx="minor"/>
-        </p:style>
-        <p:txBody>
-          <a:bodyPr lIns="0" tIns="0" rIns="0" bIns="0"/>
-          <a:lstStyle/>
-          <a:p>
-            <a:pPr marL="343080" indent="-342000">
-              <a:lnSpc>
-                <a:spcPct val="115000"/>
-              </a:lnSpc>
-              <a:spcBef>
-                <a:spcPts val="1199"/>
-              </a:spcBef>
-              <a:buClr>
-                <a:srgbClr val="000000"/>
-              </a:buClr>
-              <a:buFont typeface="StarSymbol"/>
-              <a:buChar char="-"/>
-            </a:pPr>
-            <a:r>
-              <a:rPr lang="en-US" sz="2000" spc="-1" dirty="0">
-                <a:solidFill>
-                  <a:srgbClr val="000000"/>
-                </a:solidFill>
-              </a:rPr>
-              <a:t>(mention the user task on the very last of our process)</a:t>
-            </a:r>
-            <a:endParaRPr lang="en-US" sz="2000" b="0" strike="noStrike" spc="-1" dirty="0">
-              <a:solidFill>
-                <a:srgbClr val="000000"/>
-              </a:solidFill>
-              <a:latin typeface="Arial"/>
-              <a:ea typeface="DejaVu Sans"/>
-            </a:endParaRPr>
-          </a:p>
-          <a:p>
-            <a:pPr marL="343080" indent="-342000">
-              <a:lnSpc>
-                <a:spcPct val="115000"/>
-              </a:lnSpc>
-              <a:spcBef>
-                <a:spcPts val="1199"/>
-              </a:spcBef>
-              <a:buClr>
-                <a:srgbClr val="000000"/>
-              </a:buClr>
-              <a:buFont typeface="StarSymbol"/>
-              <a:buChar char="-"/>
-            </a:pPr>
-            <a:endParaRPr lang="en-US" sz="2000" spc="-1" dirty="0">
-              <a:solidFill>
-                <a:srgbClr val="000000"/>
-              </a:solidFill>
-              <a:highlight>
-                <a:srgbClr val="FFFF00"/>
-              </a:highlight>
-              <a:latin typeface="Arial"/>
-              <a:ea typeface="DejaVu Sans"/>
-            </a:endParaRPr>
-          </a:p>
-          <a:p>
-            <a:pPr marL="343080" indent="-342000">
-              <a:lnSpc>
-                <a:spcPct val="115000"/>
-              </a:lnSpc>
-              <a:spcBef>
-                <a:spcPts val="1199"/>
-              </a:spcBef>
-              <a:buClr>
-                <a:srgbClr val="000000"/>
-              </a:buClr>
-              <a:buFont typeface="StarSymbol"/>
-              <a:buChar char="-"/>
-            </a:pPr>
-            <a:r>
-              <a:rPr lang="en-US" sz="2000" b="0" strike="noStrike" spc="-1" dirty="0">
-                <a:solidFill>
-                  <a:srgbClr val="000000"/>
-                </a:solidFill>
-                <a:latin typeface="Arial"/>
-                <a:ea typeface="DejaVu Sans"/>
-              </a:rPr>
-              <a:t>Evaluate candidates with job requirements (usage of a second DMN)</a:t>
-            </a:r>
-            <a:endParaRPr lang="en-US" sz="2000" b="0" strike="noStrike" spc="-1" dirty="0">
-              <a:latin typeface="Arial"/>
-            </a:endParaRPr>
-          </a:p>
-          <a:p>
-            <a:pPr>
-              <a:lnSpc>
-                <a:spcPct val="115000"/>
-              </a:lnSpc>
-              <a:spcBef>
-                <a:spcPts val="1199"/>
-              </a:spcBef>
-            </a:pPr>
-            <a:endParaRPr lang="en-US" sz="2000" b="0" strike="noStrike" spc="-1" dirty="0">
-              <a:highlight>
-                <a:srgbClr val="FFFF00"/>
-              </a:highlight>
-              <a:latin typeface="Arial"/>
-            </a:endParaRPr>
-          </a:p>
-          <a:p>
-            <a:pPr marL="343080" indent="-342000">
-              <a:lnSpc>
-                <a:spcPct val="115000"/>
-              </a:lnSpc>
-              <a:spcBef>
-                <a:spcPts val="1199"/>
-              </a:spcBef>
-              <a:buClr>
-                <a:srgbClr val="000000"/>
-              </a:buClr>
-              <a:buFont typeface="StarSymbol"/>
-              <a:buChar char="-"/>
-            </a:pPr>
-            <a:r>
-              <a:rPr lang="en-US" sz="2000" b="0" strike="noStrike" spc="-1" dirty="0" err="1">
-                <a:solidFill>
-                  <a:srgbClr val="000000"/>
-                </a:solidFill>
-                <a:highlight>
-                  <a:srgbClr val="FFFF00"/>
-                </a:highlight>
-                <a:latin typeface="Arial"/>
-                <a:ea typeface="DejaVu Sans"/>
-              </a:rPr>
-              <a:t>xxxxxx</a:t>
-            </a:r>
-            <a:endParaRPr lang="en-US" sz="2000" b="0" strike="noStrike" spc="-1" dirty="0">
-              <a:highlight>
-                <a:srgbClr val="FFFF00"/>
-              </a:highlight>
-              <a:latin typeface="Arial"/>
-            </a:endParaRPr>
-          </a:p>
-          <a:p>
-            <a:pPr>
-              <a:lnSpc>
-                <a:spcPct val="115000"/>
-              </a:lnSpc>
-              <a:spcBef>
-                <a:spcPts val="1199"/>
-              </a:spcBef>
-            </a:pPr>
-            <a:endParaRPr lang="en-US" sz="2000" b="0" strike="noStrike" spc="-1" dirty="0">
-              <a:highlight>
-                <a:srgbClr val="FFFF00"/>
-              </a:highlight>
-              <a:latin typeface="Arial"/>
-            </a:endParaRPr>
-          </a:p>
-          <a:p>
-            <a:pPr marL="343080" indent="-342000">
-              <a:lnSpc>
-                <a:spcPct val="115000"/>
-              </a:lnSpc>
-              <a:spcBef>
-                <a:spcPts val="1199"/>
-              </a:spcBef>
-              <a:buClr>
-                <a:srgbClr val="000000"/>
-              </a:buClr>
-              <a:buFont typeface="StarSymbol"/>
-              <a:buChar char="-"/>
-            </a:pPr>
-            <a:r>
-              <a:rPr lang="en-US" sz="2000" b="0" strike="noStrike" spc="-1" dirty="0" err="1">
-                <a:solidFill>
-                  <a:srgbClr val="000000"/>
-                </a:solidFill>
-                <a:highlight>
-                  <a:srgbClr val="FFFF00"/>
-                </a:highlight>
-                <a:latin typeface="Arial"/>
-                <a:ea typeface="DejaVu Sans"/>
-              </a:rPr>
-              <a:t>xxxxxxx</a:t>
-            </a:r>
-            <a:endParaRPr lang="en-US" sz="2000" b="0" strike="noStrike" spc="-1" dirty="0">
-              <a:highlight>
-                <a:srgbClr val="FFFF00"/>
-              </a:highlight>
-              <a:latin typeface="Arial"/>
-            </a:endParaRPr>
-          </a:p>
-          <a:p>
-            <a:pPr marL="800280" lvl="1" indent="-342000">
-              <a:lnSpc>
-                <a:spcPct val="115000"/>
-              </a:lnSpc>
-              <a:spcBef>
-                <a:spcPts val="1199"/>
-              </a:spcBef>
-              <a:buClr>
-                <a:srgbClr val="000000"/>
-              </a:buClr>
-              <a:buFont typeface="StarSymbol"/>
-              <a:buChar char="-"/>
-            </a:pPr>
-            <a:r>
-              <a:rPr lang="en-US" sz="2000" b="0" strike="noStrike" spc="-1" dirty="0" err="1">
-                <a:solidFill>
-                  <a:srgbClr val="000000"/>
-                </a:solidFill>
-                <a:highlight>
-                  <a:srgbClr val="FFFF00"/>
-                </a:highlight>
-                <a:latin typeface="Arial"/>
-                <a:ea typeface="DejaVu Sans"/>
-              </a:rPr>
-              <a:t>xxxx</a:t>
-            </a:r>
-            <a:endParaRPr lang="en-US" sz="2000" b="0" strike="noStrike" spc="-1" dirty="0">
-              <a:highlight>
-                <a:srgbClr val="FFFF00"/>
-              </a:highlight>
-              <a:latin typeface="Arial"/>
-            </a:endParaRPr>
-          </a:p>
-          <a:p>
-            <a:pPr>
-              <a:lnSpc>
-                <a:spcPct val="115000"/>
-              </a:lnSpc>
-              <a:spcBef>
-                <a:spcPts val="1199"/>
-              </a:spcBef>
-            </a:pPr>
-            <a:endParaRPr lang="en-US" sz="2000" b="0" strike="noStrike" spc="-1" dirty="0">
-              <a:latin typeface="Arial"/>
-            </a:endParaRPr>
-          </a:p>
-        </p:txBody>
-      </p:sp>
-      <p:sp>
-        <p:nvSpPr>
-          <p:cNvPr id="146" name="CustomShape 3"/>
-          <p:cNvSpPr/>
-          <p:nvPr/>
-        </p:nvSpPr>
-        <p:spPr>
-          <a:xfrm>
-            <a:off x="8221680" y="7197840"/>
-            <a:ext cx="864000" cy="178200"/>
-          </a:xfrm>
-          <a:prstGeom prst="rect">
-            <a:avLst/>
-          </a:prstGeom>
-          <a:noFill/>
-          <a:ln>
-            <a:noFill/>
-          </a:ln>
-        </p:spPr>
-        <p:style>
-          <a:lnRef idx="0">
-            <a:scrgbClr r="0" g="0" b="0"/>
-          </a:lnRef>
-          <a:fillRef idx="0">
-            <a:scrgbClr r="0" g="0" b="0"/>
-          </a:fillRef>
-          <a:effectRef idx="0">
-            <a:scrgbClr r="0" g="0" b="0"/>
-          </a:effectRef>
-          <a:fontRef idx="minor"/>
-        </p:style>
-        <p:txBody>
-          <a:bodyPr lIns="0" tIns="0" rIns="0" bIns="0" anchor="b"/>
-          <a:lstStyle/>
-          <a:p>
-            <a:r>
-              <a:rPr lang="en-US" sz="1200" spc="-1" dirty="0"/>
-              <a:t>04.06.2020</a:t>
-            </a:r>
-          </a:p>
-        </p:txBody>
-      </p:sp>
-      <p:sp>
-        <p:nvSpPr>
-          <p:cNvPr id="147" name="CustomShape 4"/>
-          <p:cNvSpPr/>
-          <p:nvPr/>
-        </p:nvSpPr>
-        <p:spPr>
-          <a:xfrm>
-            <a:off x="736560" y="7197840"/>
-            <a:ext cx="7484040" cy="178200"/>
-          </a:xfrm>
-          <a:prstGeom prst="rect">
-            <a:avLst/>
-          </a:prstGeom>
-          <a:noFill/>
-          <a:ln>
-            <a:noFill/>
-          </a:ln>
-        </p:spPr>
-        <p:style>
-          <a:lnRef idx="0">
-            <a:scrgbClr r="0" g="0" b="0"/>
-          </a:lnRef>
-          <a:fillRef idx="0">
-            <a:scrgbClr r="0" g="0" b="0"/>
-          </a:fillRef>
-          <a:effectRef idx="0">
-            <a:scrgbClr r="0" g="0" b="0"/>
-          </a:effectRef>
-          <a:fontRef idx="minor"/>
-        </p:style>
-        <p:txBody>
-          <a:bodyPr lIns="0" tIns="0" rIns="0" bIns="0" anchor="b"/>
-          <a:lstStyle/>
-          <a:p>
-            <a:pPr>
-              <a:lnSpc>
-                <a:spcPct val="100000"/>
-              </a:lnSpc>
-            </a:pPr>
-            <a:r>
-              <a:rPr lang="en-US" sz="1200" spc="-1" dirty="0">
-                <a:solidFill>
-                  <a:srgbClr val="000000"/>
-                </a:solidFill>
-              </a:rPr>
-              <a:t>DigiBP	Luca Müller, Nicola Raemy, Isar Gammoh, Pooja Bisht</a:t>
-            </a:r>
-            <a:endParaRPr lang="en-US" sz="1200" spc="-1" dirty="0"/>
-          </a:p>
-        </p:txBody>
-      </p:sp>
-      <p:sp>
-        <p:nvSpPr>
-          <p:cNvPr id="148" name="CustomShape 5"/>
-          <p:cNvSpPr/>
-          <p:nvPr/>
-        </p:nvSpPr>
-        <p:spPr>
-          <a:xfrm>
-            <a:off x="9086760" y="7197840"/>
-            <a:ext cx="862560" cy="178200"/>
-          </a:xfrm>
-          <a:prstGeom prst="rect">
-            <a:avLst/>
-          </a:prstGeom>
-          <a:noFill/>
-          <a:ln>
-            <a:noFill/>
-          </a:ln>
-        </p:spPr>
-        <p:style>
-          <a:lnRef idx="0">
-            <a:scrgbClr r="0" g="0" b="0"/>
-          </a:lnRef>
-          <a:fillRef idx="0">
-            <a:scrgbClr r="0" g="0" b="0"/>
-          </a:fillRef>
-          <a:effectRef idx="0">
-            <a:scrgbClr r="0" g="0" b="0"/>
-          </a:effectRef>
-          <a:fontRef idx="minor"/>
-        </p:style>
-        <p:txBody>
-          <a:bodyPr lIns="0" tIns="0" rIns="0" bIns="0" anchor="b"/>
-          <a:lstStyle/>
-          <a:p>
-            <a:pPr algn="r">
-              <a:lnSpc>
-                <a:spcPct val="100000"/>
-              </a:lnSpc>
-            </a:pPr>
-            <a:fld id="{D9A4007B-5B80-4163-80FA-8E411138EAA0}" type="slidenum">
-              <a:rPr lang="en-US" sz="1200" b="0" strike="noStrike" spc="-1">
-                <a:solidFill>
-                  <a:srgbClr val="000000"/>
-                </a:solidFill>
-                <a:latin typeface="Arial"/>
-                <a:ea typeface="DejaVu Sans"/>
-              </a:rPr>
-              <a:t>11</a:t>
-            </a:fld>
-            <a:endParaRPr lang="en-US" sz="1200" b="0" strike="noStrike" spc="-1">
-              <a:latin typeface="Arial"/>
-            </a:endParaRPr>
-          </a:p>
-        </p:txBody>
-      </p:sp>
-    </p:spTree>
-  </p:cSld>
-  <p:clrMapOvr>
-    <a:masterClrMapping/>
-  </p:clrMapOvr>
-  <p:timing>
-    <p:tnLst>
-      <p:par>
-        <p:cTn id="1" dur="indefinite" restart="never" nodeType="tmRoot">
-          <p:childTnLst>
-            <p:seq>
-              <p:cTn id="2" dur="indefinite" nodeType="mainSeq"/>
-              <p:prevCondLst>
-                <p:cond evt="onPrev" delay="0">
-                  <p:tgtEl>
-                    <p:sldTgt/>
-                  </p:tgtEl>
-                </p:cond>
-              </p:prevCondLst>
-              <p:nextCondLst>
-                <p:cond evt="onNext" delay="0">
-                  <p:tgtEl>
-                    <p:sldTgt/>
-                  </p:tgtEl>
-                </p:cond>
-              </p:nextCondLst>
-            </p:seq>
-          </p:childTnLst>
-        </p:cTn>
-      </p:par>
-    </p:tnLst>
-  </p:timing>
-</p:sld>
-</file>
-
-<file path=ppt/slides/slide2.xml><?xml version="1.0" encoding="utf-8"?>
-<p:sld xmlns:a="http://schemas.openxmlformats.org/drawingml/2006/main" xmlns:r="http://schemas.openxmlformats.org/officeDocument/2006/relationships" xmlns:p="http://schemas.openxmlformats.org/presentationml/2006/main">
-  <p:cSld>
-    <p:spTree>
-      <p:nvGrpSpPr>
-        <p:cNvPr id="1" name=""/>
-        <p:cNvGrpSpPr/>
-        <p:nvPr/>
-      </p:nvGrpSpPr>
-      <p:grpSpPr>
-        <a:xfrm>
-          <a:off x="0" y="0"/>
-          <a:ext cx="0" cy="0"/>
-          <a:chOff x="0" y="0"/>
-          <a:chExt cx="0" cy="0"/>
-        </a:xfrm>
-      </p:grpSpPr>
-      <p:sp>
-        <p:nvSpPr>
-          <p:cNvPr id="86" name="CustomShape 1"/>
-          <p:cNvSpPr/>
-          <p:nvPr/>
-        </p:nvSpPr>
-        <p:spPr>
-          <a:xfrm>
-            <a:off x="8221680" y="7197840"/>
-            <a:ext cx="864000" cy="178200"/>
-          </a:xfrm>
-          <a:prstGeom prst="rect">
-            <a:avLst/>
-          </a:prstGeom>
-          <a:noFill/>
-          <a:ln>
-            <a:noFill/>
-          </a:ln>
-        </p:spPr>
-        <p:style>
-          <a:lnRef idx="0">
-            <a:scrgbClr r="0" g="0" b="0"/>
-          </a:lnRef>
-          <a:fillRef idx="0">
-            <a:scrgbClr r="0" g="0" b="0"/>
-          </a:fillRef>
-          <a:effectRef idx="0">
-            <a:scrgbClr r="0" g="0" b="0"/>
-          </a:effectRef>
-          <a:fontRef idx="minor"/>
-        </p:style>
-        <p:txBody>
-          <a:bodyPr lIns="0" tIns="0" rIns="0" bIns="0" anchor="b"/>
-          <a:lstStyle/>
-          <a:p>
-            <a:pPr>
-              <a:lnSpc>
-                <a:spcPct val="100000"/>
-              </a:lnSpc>
-            </a:pPr>
-            <a:r>
-              <a:rPr lang="en-US" sz="1200" spc="-1" dirty="0">
-                <a:latin typeface="Arial"/>
-              </a:rPr>
-              <a:t>04.06.2020</a:t>
-            </a:r>
-            <a:endParaRPr lang="en-US" sz="1200" b="0" strike="noStrike" spc="-1" dirty="0">
-              <a:latin typeface="Arial"/>
-            </a:endParaRPr>
-          </a:p>
-        </p:txBody>
-      </p:sp>
-      <p:sp>
-        <p:nvSpPr>
-          <p:cNvPr id="87" name="CustomShape 2"/>
-          <p:cNvSpPr/>
-          <p:nvPr/>
-        </p:nvSpPr>
-        <p:spPr>
-          <a:xfrm>
-            <a:off x="736560" y="7197840"/>
-            <a:ext cx="7484040" cy="178200"/>
-          </a:xfrm>
-          <a:prstGeom prst="rect">
-            <a:avLst/>
-          </a:prstGeom>
-          <a:noFill/>
-          <a:ln>
-            <a:noFill/>
-          </a:ln>
-        </p:spPr>
-        <p:style>
-          <a:lnRef idx="0">
-            <a:scrgbClr r="0" g="0" b="0"/>
-          </a:lnRef>
-          <a:fillRef idx="0">
-            <a:scrgbClr r="0" g="0" b="0"/>
-          </a:fillRef>
-          <a:effectRef idx="0">
-            <a:scrgbClr r="0" g="0" b="0"/>
-          </a:effectRef>
-          <a:fontRef idx="minor"/>
-        </p:style>
-        <p:txBody>
-          <a:bodyPr lIns="0" tIns="0" rIns="0" bIns="0" anchor="b"/>
-          <a:lstStyle/>
-          <a:p>
-            <a:pPr>
-              <a:lnSpc>
-                <a:spcPct val="100000"/>
-              </a:lnSpc>
-            </a:pPr>
-            <a:r>
-              <a:rPr lang="en-US" sz="1200" b="0" strike="noStrike" spc="-1" dirty="0">
-                <a:solidFill>
-                  <a:srgbClr val="000000"/>
-                </a:solidFill>
-                <a:latin typeface="Arial"/>
-                <a:ea typeface="DejaVu Sans"/>
-              </a:rPr>
-              <a:t>DigiBP	Luca Müller, Nicola Raemy, Isar Gammoh, Pooja Bisht</a:t>
-            </a:r>
-            <a:endParaRPr lang="en-US" sz="1200" b="0" strike="noStrike" spc="-1" dirty="0">
-              <a:latin typeface="Arial"/>
-            </a:endParaRPr>
-          </a:p>
-        </p:txBody>
-      </p:sp>
-      <p:sp>
-        <p:nvSpPr>
-          <p:cNvPr id="88" name="CustomShape 3"/>
-          <p:cNvSpPr/>
-          <p:nvPr/>
-        </p:nvSpPr>
-        <p:spPr>
-          <a:xfrm>
-            <a:off x="9086760" y="7197840"/>
-            <a:ext cx="862560" cy="178200"/>
-          </a:xfrm>
-          <a:prstGeom prst="rect">
-            <a:avLst/>
-          </a:prstGeom>
-          <a:noFill/>
-          <a:ln>
-            <a:noFill/>
-          </a:ln>
-        </p:spPr>
-        <p:style>
-          <a:lnRef idx="0">
-            <a:scrgbClr r="0" g="0" b="0"/>
-          </a:lnRef>
-          <a:fillRef idx="0">
-            <a:scrgbClr r="0" g="0" b="0"/>
-          </a:fillRef>
-          <a:effectRef idx="0">
-            <a:scrgbClr r="0" g="0" b="0"/>
-          </a:effectRef>
-          <a:fontRef idx="minor"/>
-        </p:style>
-        <p:txBody>
-          <a:bodyPr lIns="0" tIns="0" rIns="0" bIns="0" anchor="b"/>
-          <a:lstStyle/>
-          <a:p>
-            <a:pPr algn="r">
-              <a:lnSpc>
-                <a:spcPct val="100000"/>
-              </a:lnSpc>
-            </a:pPr>
-            <a:fld id="{E543EDC4-2688-4AFB-B0C1-0827090BB9E8}" type="slidenum">
-              <a:rPr lang="en-US" sz="1200" b="0" strike="noStrike" spc="-1">
-                <a:solidFill>
-                  <a:srgbClr val="000000"/>
-                </a:solidFill>
-                <a:latin typeface="Arial"/>
-                <a:ea typeface="DejaVu Sans"/>
-              </a:rPr>
-              <a:t>2</a:t>
-            </a:fld>
-            <a:endParaRPr lang="en-US" sz="1200" b="0" strike="noStrike" spc="-1" dirty="0">
-              <a:latin typeface="Arial"/>
-            </a:endParaRPr>
-          </a:p>
-        </p:txBody>
-      </p:sp>
-      <p:sp>
-        <p:nvSpPr>
-          <p:cNvPr id="89" name="CustomShape 4"/>
-          <p:cNvSpPr/>
-          <p:nvPr/>
-        </p:nvSpPr>
-        <p:spPr>
-          <a:xfrm>
-            <a:off x="736560" y="1509840"/>
-            <a:ext cx="9212760" cy="360720"/>
-          </a:xfrm>
-          <a:prstGeom prst="rect">
-            <a:avLst/>
-          </a:prstGeom>
-          <a:noFill/>
-          <a:ln>
-            <a:noFill/>
-          </a:ln>
-        </p:spPr>
-        <p:style>
-          <a:lnRef idx="0">
-            <a:scrgbClr r="0" g="0" b="0"/>
-          </a:lnRef>
-          <a:fillRef idx="0">
-            <a:scrgbClr r="0" g="0" b="0"/>
-          </a:fillRef>
-          <a:effectRef idx="0">
-            <a:scrgbClr r="0" g="0" b="0"/>
-          </a:effectRef>
-          <a:fontRef idx="minor"/>
-        </p:style>
-        <p:txBody>
-          <a:bodyPr lIns="0" tIns="0" rIns="0" bIns="0"/>
-          <a:lstStyle/>
-          <a:p>
-            <a:pPr>
-              <a:lnSpc>
-                <a:spcPct val="100000"/>
-              </a:lnSpc>
-            </a:pPr>
-            <a:r>
-              <a:rPr lang="en-US" sz="2000" b="1" strike="noStrike" spc="-1" dirty="0">
-                <a:solidFill>
-                  <a:srgbClr val="000000"/>
-                </a:solidFill>
-                <a:latin typeface="Arial"/>
-                <a:ea typeface="DejaVu Sans"/>
-              </a:rPr>
-              <a:t>Introduction</a:t>
-            </a:r>
-            <a:endParaRPr lang="en-US" sz="2000" b="0" strike="noStrike" spc="-1" dirty="0">
-              <a:latin typeface="Arial"/>
-            </a:endParaRPr>
-          </a:p>
-        </p:txBody>
-      </p:sp>
-      <p:sp>
-        <p:nvSpPr>
-          <p:cNvPr id="90" name="CustomShape 5"/>
-          <p:cNvSpPr/>
-          <p:nvPr/>
-        </p:nvSpPr>
-        <p:spPr>
-          <a:xfrm>
-            <a:off x="731520" y="2103119"/>
-            <a:ext cx="9212760" cy="2568271"/>
-          </a:xfrm>
-          <a:prstGeom prst="rect">
-            <a:avLst/>
-          </a:prstGeom>
-          <a:noFill/>
-          <a:ln>
-            <a:noFill/>
-          </a:ln>
-        </p:spPr>
-        <p:style>
-          <a:lnRef idx="0">
-            <a:scrgbClr r="0" g="0" b="0"/>
-          </a:lnRef>
-          <a:fillRef idx="0">
-            <a:scrgbClr r="0" g="0" b="0"/>
-          </a:fillRef>
-          <a:effectRef idx="0">
-            <a:scrgbClr r="0" g="0" b="0"/>
-          </a:effectRef>
-          <a:fontRef idx="minor"/>
-        </p:style>
-        <p:txBody>
-          <a:bodyPr lIns="0" tIns="0" rIns="0" bIns="0"/>
-          <a:lstStyle/>
-          <a:p>
-            <a:pPr marL="343080" indent="-342000">
-              <a:lnSpc>
-                <a:spcPct val="115000"/>
-              </a:lnSpc>
-              <a:spcBef>
-                <a:spcPts val="1199"/>
-              </a:spcBef>
-              <a:buClr>
-                <a:srgbClr val="000000"/>
-              </a:buClr>
-              <a:buFont typeface="StarSymbol"/>
-              <a:buChar char="-"/>
-            </a:pPr>
-            <a:r>
-              <a:rPr lang="en-US" sz="2000" b="0" strike="noStrike" spc="-1" dirty="0">
-                <a:solidFill>
-                  <a:srgbClr val="000000"/>
-                </a:solidFill>
-                <a:latin typeface="Arial"/>
-                <a:ea typeface="DejaVu Sans"/>
-              </a:rPr>
-              <a:t>Optimization of a regular recruitment process</a:t>
-            </a:r>
-            <a:endParaRPr lang="en-US" sz="2000" b="0" strike="noStrike" spc="-1" dirty="0">
-              <a:latin typeface="Arial"/>
-            </a:endParaRPr>
-          </a:p>
-          <a:p>
-            <a:pPr marL="343080" indent="-342000">
-              <a:lnSpc>
-                <a:spcPct val="115000"/>
-              </a:lnSpc>
-              <a:spcBef>
-                <a:spcPts val="1199"/>
-              </a:spcBef>
-              <a:buClr>
-                <a:srgbClr val="000000"/>
-              </a:buClr>
-              <a:buFont typeface="StarSymbol"/>
-              <a:buChar char="-"/>
-            </a:pPr>
-            <a:r>
-              <a:rPr lang="en-US" sz="2000" b="0" strike="noStrike" spc="-1" dirty="0">
-                <a:solidFill>
-                  <a:srgbClr val="000000"/>
-                </a:solidFill>
-                <a:latin typeface="Arial"/>
-                <a:ea typeface="DejaVu Sans"/>
-              </a:rPr>
-              <a:t>Developed three major adjustments:</a:t>
-            </a:r>
-            <a:endParaRPr lang="en-US" sz="2000" b="0" strike="noStrike" spc="-1" dirty="0">
-              <a:latin typeface="Arial"/>
-            </a:endParaRPr>
-          </a:p>
-          <a:p>
-            <a:pPr marL="864000" lvl="1" indent="-323280">
-              <a:lnSpc>
-                <a:spcPct val="100000"/>
-              </a:lnSpc>
-              <a:spcBef>
-                <a:spcPts val="1134"/>
-              </a:spcBef>
-              <a:buClr>
-                <a:srgbClr val="000000"/>
-              </a:buClr>
-              <a:buSzPct val="75000"/>
-              <a:buFont typeface="Symbol"/>
-              <a:buChar char=""/>
-            </a:pPr>
-            <a:r>
-              <a:rPr lang="en-US" sz="2000" b="0" strike="noStrike" spc="-1" dirty="0">
-                <a:solidFill>
-                  <a:srgbClr val="000000"/>
-                </a:solidFill>
-                <a:latin typeface="Arial"/>
-                <a:ea typeface="DejaVu Sans"/>
-              </a:rPr>
-              <a:t>Publication of a job via LinkedIn</a:t>
-            </a:r>
-            <a:endParaRPr lang="en-US" sz="2000" b="0" strike="noStrike" spc="-1" dirty="0">
-              <a:latin typeface="Arial"/>
-            </a:endParaRPr>
-          </a:p>
-          <a:p>
-            <a:pPr marL="864000" lvl="1" indent="-323280">
-              <a:lnSpc>
-                <a:spcPct val="100000"/>
-              </a:lnSpc>
-              <a:spcBef>
-                <a:spcPts val="1134"/>
-              </a:spcBef>
-              <a:buClr>
-                <a:srgbClr val="000000"/>
-              </a:buClr>
-              <a:buSzPct val="75000"/>
-              <a:buFont typeface="Symbol"/>
-              <a:buChar char=""/>
-            </a:pPr>
-            <a:r>
-              <a:rPr lang="en-US" sz="2000" spc="-1" dirty="0">
-                <a:solidFill>
-                  <a:srgbClr val="000000"/>
-                </a:solidFill>
-                <a:latin typeface="Arial"/>
-              </a:rPr>
-              <a:t>Dialogflow and DMN for a first selection</a:t>
-            </a:r>
-          </a:p>
-          <a:p>
-            <a:pPr marL="864000" lvl="1" indent="-323280">
-              <a:lnSpc>
-                <a:spcPct val="100000"/>
-              </a:lnSpc>
-              <a:spcBef>
-                <a:spcPts val="1134"/>
-              </a:spcBef>
-              <a:buClr>
-                <a:srgbClr val="000000"/>
-              </a:buClr>
-              <a:buSzPct val="75000"/>
-              <a:buFont typeface="Symbol"/>
-              <a:buChar char=""/>
-            </a:pPr>
-            <a:r>
-              <a:rPr lang="en-US" sz="2000" spc="-1" dirty="0">
-                <a:solidFill>
-                  <a:srgbClr val="000000"/>
-                </a:solidFill>
-              </a:rPr>
-              <a:t>Implementation of a booking system and automated E-Mail communication to minimize coordination effort</a:t>
-            </a:r>
-            <a:endParaRPr lang="en-US" sz="2000" b="0" strike="noStrike" spc="-1" dirty="0">
-              <a:latin typeface="Arial"/>
-            </a:endParaRPr>
-          </a:p>
-          <a:p>
-            <a:pPr>
-              <a:lnSpc>
-                <a:spcPct val="115000"/>
-              </a:lnSpc>
-              <a:spcBef>
-                <a:spcPts val="1199"/>
-              </a:spcBef>
-            </a:pPr>
-            <a:endParaRPr lang="en-US" sz="2000" b="0" strike="noStrike" spc="-1" dirty="0">
-              <a:latin typeface="Arial"/>
-            </a:endParaRPr>
-          </a:p>
-        </p:txBody>
-      </p:sp>
-      <p:sp>
-        <p:nvSpPr>
-          <p:cNvPr id="10" name="Textfeld 9">
-            <a:extLst>
-              <a:ext uri="{FF2B5EF4-FFF2-40B4-BE49-F238E27FC236}">
-                <a16:creationId xmlns:a16="http://schemas.microsoft.com/office/drawing/2014/main" id="{0C6F92D0-661B-4924-88AA-22299572D2D8}"/>
-              </a:ext>
-            </a:extLst>
-          </p:cNvPr>
-          <p:cNvSpPr txBox="1"/>
-          <p:nvPr/>
-        </p:nvSpPr>
-        <p:spPr>
-          <a:xfrm>
-            <a:off x="1205802" y="4873451"/>
-            <a:ext cx="3808325" cy="2031325"/>
-          </a:xfrm>
-          <a:prstGeom prst="rect">
-            <a:avLst/>
-          </a:prstGeom>
-          <a:noFill/>
-          <a:ln>
-            <a:solidFill>
-              <a:schemeClr val="tx1"/>
-            </a:solidFill>
-          </a:ln>
-        </p:spPr>
-        <p:txBody>
-          <a:bodyPr wrap="square" rtlCol="0">
-            <a:spAutoFit/>
-          </a:bodyPr>
-          <a:lstStyle/>
-          <a:p>
-            <a:r>
-              <a:rPr lang="en-GB" dirty="0"/>
-              <a:t>Placeholder 1 for image (LinkedIn job advert or </a:t>
-            </a:r>
-            <a:r>
-              <a:rPr lang="en-GB" dirty="0" err="1"/>
-              <a:t>smt</a:t>
-            </a:r>
-            <a:r>
-              <a:rPr lang="en-GB" dirty="0"/>
-              <a:t> like this)</a:t>
-            </a:r>
-          </a:p>
-          <a:p>
-            <a:endParaRPr lang="en-GB" dirty="0"/>
-          </a:p>
-          <a:p>
-            <a:endParaRPr lang="en-GB" dirty="0"/>
-          </a:p>
-          <a:p>
-            <a:endParaRPr lang="en-GB" dirty="0"/>
-          </a:p>
-          <a:p>
-            <a:endParaRPr lang="en-GB" dirty="0"/>
-          </a:p>
-          <a:p>
-            <a:endParaRPr lang="en-GB" dirty="0"/>
-          </a:p>
-        </p:txBody>
-      </p:sp>
-      <p:sp>
-        <p:nvSpPr>
-          <p:cNvPr id="11" name="Textfeld 10">
-            <a:extLst>
-              <a:ext uri="{FF2B5EF4-FFF2-40B4-BE49-F238E27FC236}">
-                <a16:creationId xmlns:a16="http://schemas.microsoft.com/office/drawing/2014/main" id="{14EAD16C-61BB-4C2A-81D5-33BA6184FC04}"/>
-              </a:ext>
-            </a:extLst>
-          </p:cNvPr>
-          <p:cNvSpPr txBox="1"/>
-          <p:nvPr/>
-        </p:nvSpPr>
-        <p:spPr>
-          <a:xfrm>
-            <a:off x="5358423" y="4873451"/>
-            <a:ext cx="3808325" cy="2031325"/>
-          </a:xfrm>
-          <a:prstGeom prst="rect">
-            <a:avLst/>
-          </a:prstGeom>
-          <a:noFill/>
-          <a:ln>
-            <a:solidFill>
-              <a:schemeClr val="tx1"/>
-            </a:solidFill>
-          </a:ln>
-        </p:spPr>
-        <p:txBody>
-          <a:bodyPr wrap="square" rtlCol="0">
-            <a:spAutoFit/>
-          </a:bodyPr>
-          <a:lstStyle/>
-          <a:p>
-            <a:r>
-              <a:rPr lang="en-GB" dirty="0"/>
-              <a:t>Placeholder 1 for image (booking system)</a:t>
-            </a:r>
-          </a:p>
-          <a:p>
-            <a:endParaRPr lang="de-CH" dirty="0"/>
-          </a:p>
-          <a:p>
-            <a:endParaRPr lang="de-CH" dirty="0"/>
-          </a:p>
-          <a:p>
-            <a:endParaRPr lang="de-CH" dirty="0"/>
-          </a:p>
-          <a:p>
-            <a:endParaRPr lang="de-CH" dirty="0"/>
-          </a:p>
-          <a:p>
-            <a:endParaRPr lang="de-CH" dirty="0"/>
-          </a:p>
-        </p:txBody>
-      </p:sp>
-      <p:pic>
-        <p:nvPicPr>
-          <p:cNvPr id="1028" name="Picture 4" descr="A screenshot of a social media post&#10;&#10;Description automatically generated">
-            <a:extLst>
-              <a:ext uri="{FF2B5EF4-FFF2-40B4-BE49-F238E27FC236}">
-                <a16:creationId xmlns:a16="http://schemas.microsoft.com/office/drawing/2014/main" id="{F6B72829-DB79-1A4D-BE91-DA0DB54B48BD}"/>
-              </a:ext>
-            </a:extLst>
-          </p:cNvPr>
-          <p:cNvPicPr>
-            <a:picLocks noChangeAspect="1" noChangeArrowheads="1"/>
-          </p:cNvPicPr>
-          <p:nvPr/>
-        </p:nvPicPr>
-        <p:blipFill>
-          <a:blip r:embed="rId3">
-            <a:extLst>
-              <a:ext uri="{28A0092B-C50C-407E-A947-70E740481C1C}">
-                <a14:useLocalDpi xmlns:a14="http://schemas.microsoft.com/office/drawing/2010/main" val="0"/>
-              </a:ext>
-            </a:extLst>
-          </a:blip>
-          <a:srcRect/>
-          <a:stretch>
-            <a:fillRect/>
-          </a:stretch>
-        </p:blipFill>
-        <p:spPr bwMode="auto">
-          <a:xfrm>
-            <a:off x="1205802" y="4849544"/>
-            <a:ext cx="3808325" cy="2055232"/>
-          </a:xfrm>
-          <a:prstGeom prst="rect">
-            <a:avLst/>
-          </a:prstGeom>
-          <a:noFill/>
-          <a:extLst>
-            <a:ext uri="{909E8E84-426E-40DD-AFC4-6F175D3DCCD1}">
-              <a14:hiddenFill xmlns:a14="http://schemas.microsoft.com/office/drawing/2010/main">
-                <a:solidFill>
-                  <a:srgbClr val="FFFFFF"/>
-                </a:solidFill>
-              </a14:hiddenFill>
-            </a:ext>
-          </a:extLst>
-        </p:spPr>
-      </p:pic>
-      <p:pic>
-        <p:nvPicPr>
-          <p:cNvPr id="1030" name="Picture 6" descr="A screenshot of a social media post&#10;&#10;Description automatically generated">
-            <a:extLst>
-              <a:ext uri="{FF2B5EF4-FFF2-40B4-BE49-F238E27FC236}">
-                <a16:creationId xmlns:a16="http://schemas.microsoft.com/office/drawing/2014/main" id="{2D19B10C-F823-3447-9ED2-4643DB581B2F}"/>
-              </a:ext>
-            </a:extLst>
-          </p:cNvPr>
-          <p:cNvPicPr>
-            <a:picLocks noChangeAspect="1" noChangeArrowheads="1"/>
-          </p:cNvPicPr>
-          <p:nvPr/>
-        </p:nvPicPr>
-        <p:blipFill>
-          <a:blip r:embed="rId4">
-            <a:extLst>
-              <a:ext uri="{28A0092B-C50C-407E-A947-70E740481C1C}">
-                <a14:useLocalDpi xmlns:a14="http://schemas.microsoft.com/office/drawing/2010/main" val="0"/>
-              </a:ext>
-            </a:extLst>
-          </a:blip>
-          <a:srcRect/>
-          <a:stretch>
-            <a:fillRect/>
-          </a:stretch>
-        </p:blipFill>
-        <p:spPr bwMode="auto">
-          <a:xfrm>
-            <a:off x="5358423" y="4849544"/>
-            <a:ext cx="3808325" cy="2079137"/>
-          </a:xfrm>
-          <a:prstGeom prst="rect">
-            <a:avLst/>
-          </a:prstGeom>
-          <a:noFill/>
-          <a:extLst>
-            <a:ext uri="{909E8E84-426E-40DD-AFC4-6F175D3DCCD1}">
-              <a14:hiddenFill xmlns:a14="http://schemas.microsoft.com/office/drawing/2010/main">
-                <a:solidFill>
-                  <a:srgbClr val="FFFFFF"/>
-                </a:solidFill>
-              </a14:hiddenFill>
-            </a:ext>
-          </a:extLst>
-        </p:spPr>
-      </p:pic>
-    </p:spTree>
-  </p:cSld>
-  <p:clrMapOvr>
-    <a:masterClrMapping/>
-  </p:clrMapOvr>
-  <p:timing>
-    <p:tnLst>
-      <p:par>
-        <p:cTn id="1" dur="indefinite" restart="never" nodeType="tmRoot">
-          <p:childTnLst>
-            <p:seq>
-              <p:cTn id="2" dur="indefinite" nodeType="mainSeq"/>
-              <p:prevCondLst>
-                <p:cond evt="onPrev" delay="0">
-                  <p:tgtEl>
-                    <p:sldTgt/>
-                  </p:tgtEl>
-                </p:cond>
-              </p:prevCondLst>
-              <p:nextCondLst>
-                <p:cond evt="onNext" delay="0">
-                  <p:tgtEl>
-                    <p:sldTgt/>
-                  </p:tgtEl>
-                </p:cond>
-              </p:nextCondLst>
-            </p:seq>
-          </p:childTnLst>
-        </p:cTn>
-      </p:par>
-    </p:tnLst>
-  </p:timing>
-</p:sld>
-</file>
-
-<file path=ppt/slides/slide3.xml><?xml version="1.0" encoding="utf-8"?>
-<p:sld xmlns:a="http://schemas.openxmlformats.org/drawingml/2006/main" xmlns:r="http://schemas.openxmlformats.org/officeDocument/2006/relationships" xmlns:p="http://schemas.openxmlformats.org/presentationml/2006/main">
-  <p:cSld>
-    <p:spTree>
-      <p:nvGrpSpPr>
-        <p:cNvPr id="1" name=""/>
-        <p:cNvGrpSpPr/>
-        <p:nvPr/>
-      </p:nvGrpSpPr>
-      <p:grpSpPr>
-        <a:xfrm>
-          <a:off x="0" y="0"/>
-          <a:ext cx="0" cy="0"/>
-          <a:chOff x="0" y="0"/>
-          <a:chExt cx="0" cy="0"/>
-        </a:xfrm>
-      </p:grpSpPr>
-      <p:sp>
-        <p:nvSpPr>
-          <p:cNvPr id="93" name="CustomShape 1"/>
-          <p:cNvSpPr/>
-          <p:nvPr/>
-        </p:nvSpPr>
-        <p:spPr>
-          <a:xfrm>
-            <a:off x="8221680" y="7197840"/>
-            <a:ext cx="864000" cy="178200"/>
-          </a:xfrm>
-          <a:prstGeom prst="rect">
-            <a:avLst/>
-          </a:prstGeom>
-          <a:noFill/>
-          <a:ln>
-            <a:noFill/>
-          </a:ln>
-        </p:spPr>
-        <p:style>
-          <a:lnRef idx="0">
-            <a:scrgbClr r="0" g="0" b="0"/>
-          </a:lnRef>
-          <a:fillRef idx="0">
-            <a:scrgbClr r="0" g="0" b="0"/>
-          </a:fillRef>
-          <a:effectRef idx="0">
-            <a:scrgbClr r="0" g="0" b="0"/>
-          </a:effectRef>
-          <a:fontRef idx="minor"/>
-        </p:style>
-        <p:txBody>
-          <a:bodyPr lIns="0" tIns="0" rIns="0" bIns="0" anchor="b"/>
-          <a:lstStyle/>
-          <a:p>
-            <a:r>
-              <a:rPr lang="en-US" sz="1200" spc="-1" dirty="0"/>
-              <a:t>04.06.2020</a:t>
-            </a:r>
-          </a:p>
-        </p:txBody>
-      </p:sp>
-      <p:sp>
-        <p:nvSpPr>
-          <p:cNvPr id="94" name="CustomShape 2"/>
-          <p:cNvSpPr/>
-          <p:nvPr/>
-        </p:nvSpPr>
-        <p:spPr>
-          <a:xfrm>
-            <a:off x="736560" y="7197840"/>
-            <a:ext cx="7484040" cy="178200"/>
-          </a:xfrm>
-          <a:prstGeom prst="rect">
-            <a:avLst/>
-          </a:prstGeom>
-          <a:noFill/>
-          <a:ln>
-            <a:noFill/>
-          </a:ln>
-        </p:spPr>
-        <p:style>
-          <a:lnRef idx="0">
-            <a:scrgbClr r="0" g="0" b="0"/>
-          </a:lnRef>
-          <a:fillRef idx="0">
-            <a:scrgbClr r="0" g="0" b="0"/>
-          </a:fillRef>
-          <a:effectRef idx="0">
-            <a:scrgbClr r="0" g="0" b="0"/>
-          </a:effectRef>
-          <a:fontRef idx="minor"/>
-        </p:style>
-        <p:txBody>
-          <a:bodyPr lIns="0" tIns="0" rIns="0" bIns="0" anchor="b"/>
-          <a:lstStyle/>
-          <a:p>
-            <a:pPr>
-              <a:lnSpc>
-                <a:spcPct val="100000"/>
-              </a:lnSpc>
-            </a:pPr>
-            <a:r>
-              <a:rPr lang="en-US" sz="1200" spc="-1" dirty="0">
-                <a:solidFill>
-                  <a:srgbClr val="000000"/>
-                </a:solidFill>
-              </a:rPr>
-              <a:t>DigiBP	Luca Müller, Nicola Raemy, Isar Gammoh, Pooja Bisht</a:t>
-            </a:r>
-            <a:endParaRPr lang="en-US" sz="1200" spc="-1" dirty="0"/>
-          </a:p>
-        </p:txBody>
-      </p:sp>
-      <p:sp>
-        <p:nvSpPr>
-          <p:cNvPr id="95" name="CustomShape 3"/>
-          <p:cNvSpPr/>
-          <p:nvPr/>
-        </p:nvSpPr>
-        <p:spPr>
-          <a:xfrm>
-            <a:off x="9086760" y="7197840"/>
-            <a:ext cx="862560" cy="178200"/>
-          </a:xfrm>
-          <a:prstGeom prst="rect">
-            <a:avLst/>
-          </a:prstGeom>
-          <a:noFill/>
-          <a:ln>
-            <a:noFill/>
-          </a:ln>
-        </p:spPr>
-        <p:style>
-          <a:lnRef idx="0">
-            <a:scrgbClr r="0" g="0" b="0"/>
-          </a:lnRef>
-          <a:fillRef idx="0">
-            <a:scrgbClr r="0" g="0" b="0"/>
-          </a:fillRef>
-          <a:effectRef idx="0">
-            <a:scrgbClr r="0" g="0" b="0"/>
-          </a:effectRef>
-          <a:fontRef idx="minor"/>
-        </p:style>
-        <p:txBody>
-          <a:bodyPr lIns="0" tIns="0" rIns="0" bIns="0" anchor="b"/>
-          <a:lstStyle/>
-          <a:p>
-            <a:pPr algn="r">
-              <a:lnSpc>
-                <a:spcPct val="100000"/>
-              </a:lnSpc>
-            </a:pPr>
-            <a:fld id="{49CBBAF4-72DD-4D87-A780-66DA87DD34FD}" type="slidenum">
-              <a:rPr lang="en-US" sz="1200" b="0" strike="noStrike" spc="-1">
-                <a:solidFill>
-                  <a:srgbClr val="000000"/>
-                </a:solidFill>
-                <a:latin typeface="Arial"/>
-                <a:ea typeface="DejaVu Sans"/>
-              </a:rPr>
-              <a:t>3</a:t>
-            </a:fld>
-            <a:endParaRPr lang="en-US" sz="1200" b="0" strike="noStrike" spc="-1">
-              <a:latin typeface="Arial"/>
-            </a:endParaRPr>
-          </a:p>
-        </p:txBody>
-      </p:sp>
-      <p:sp>
-        <p:nvSpPr>
-          <p:cNvPr id="96" name="CustomShape 4"/>
-          <p:cNvSpPr/>
-          <p:nvPr/>
-        </p:nvSpPr>
-        <p:spPr>
-          <a:xfrm>
-            <a:off x="736560" y="1509840"/>
-            <a:ext cx="9212760" cy="360720"/>
-          </a:xfrm>
-          <a:prstGeom prst="rect">
-            <a:avLst/>
-          </a:prstGeom>
-          <a:noFill/>
-          <a:ln>
-            <a:noFill/>
-          </a:ln>
-        </p:spPr>
-        <p:style>
-          <a:lnRef idx="0">
-            <a:scrgbClr r="0" g="0" b="0"/>
-          </a:lnRef>
-          <a:fillRef idx="0">
-            <a:scrgbClr r="0" g="0" b="0"/>
-          </a:fillRef>
-          <a:effectRef idx="0">
-            <a:scrgbClr r="0" g="0" b="0"/>
-          </a:effectRef>
-          <a:fontRef idx="minor"/>
-        </p:style>
-        <p:txBody>
-          <a:bodyPr lIns="0" tIns="0" rIns="0" bIns="0"/>
-          <a:lstStyle/>
-          <a:p>
-            <a:pPr>
-              <a:lnSpc>
-                <a:spcPct val="100000"/>
-              </a:lnSpc>
-            </a:pPr>
-            <a:r>
-              <a:rPr lang="en-US" sz="2000" b="1" strike="noStrike" spc="-1">
-                <a:solidFill>
-                  <a:srgbClr val="000000"/>
-                </a:solidFill>
-                <a:latin typeface="Arial"/>
-                <a:ea typeface="DejaVu Sans"/>
-              </a:rPr>
-              <a:t>As-Is</a:t>
-            </a:r>
-            <a:endParaRPr lang="en-US" sz="2000" b="0" strike="noStrike" spc="-1">
-              <a:latin typeface="Arial"/>
-            </a:endParaRPr>
-          </a:p>
-        </p:txBody>
-      </p:sp>
-      <p:sp>
-        <p:nvSpPr>
-          <p:cNvPr id="97" name="CustomShape 5"/>
-          <p:cNvSpPr/>
-          <p:nvPr/>
-        </p:nvSpPr>
-        <p:spPr>
-          <a:xfrm>
-            <a:off x="738360" y="5292720"/>
-            <a:ext cx="9212760" cy="1367280"/>
-          </a:xfrm>
-          <a:prstGeom prst="rect">
-            <a:avLst/>
-          </a:prstGeom>
-          <a:noFill/>
-          <a:ln>
-            <a:noFill/>
-          </a:ln>
-        </p:spPr>
-        <p:style>
-          <a:lnRef idx="0">
-            <a:scrgbClr r="0" g="0" b="0"/>
-          </a:lnRef>
-          <a:fillRef idx="0">
-            <a:scrgbClr r="0" g="0" b="0"/>
-          </a:fillRef>
-          <a:effectRef idx="0">
-            <a:scrgbClr r="0" g="0" b="0"/>
-          </a:effectRef>
-          <a:fontRef idx="minor"/>
-        </p:style>
-        <p:txBody>
-          <a:bodyPr lIns="0" tIns="0" rIns="0" bIns="0"/>
-          <a:lstStyle/>
-          <a:p>
-            <a:pPr marL="343080" indent="-342000">
-              <a:lnSpc>
-                <a:spcPct val="115000"/>
-              </a:lnSpc>
-              <a:spcBef>
-                <a:spcPts val="1199"/>
-              </a:spcBef>
-              <a:buClr>
-                <a:srgbClr val="000000"/>
-              </a:buClr>
-              <a:buFont typeface="StarSymbol"/>
-              <a:buChar char="-"/>
-            </a:pPr>
-            <a:r>
-              <a:rPr lang="en-US" sz="2000" b="0" strike="noStrike" spc="-1" dirty="0" err="1">
-                <a:solidFill>
-                  <a:srgbClr val="000000"/>
-                </a:solidFill>
-                <a:latin typeface="Arial"/>
-                <a:ea typeface="DejaVu Sans"/>
-              </a:rPr>
-              <a:t>xxxxxx</a:t>
-            </a:r>
-            <a:endParaRPr lang="en-US" sz="2000" b="0" strike="noStrike" spc="-1" dirty="0">
-              <a:latin typeface="Arial"/>
-            </a:endParaRPr>
-          </a:p>
-          <a:p>
-            <a:pPr marL="343080" indent="-342000">
-              <a:lnSpc>
-                <a:spcPct val="115000"/>
-              </a:lnSpc>
-              <a:spcBef>
-                <a:spcPts val="1199"/>
-              </a:spcBef>
-              <a:buClr>
-                <a:srgbClr val="000000"/>
-              </a:buClr>
-              <a:buFont typeface="StarSymbol"/>
-              <a:buChar char="-"/>
-            </a:pPr>
-            <a:r>
-              <a:rPr lang="en-US" sz="2000" b="0" strike="noStrike" spc="-1" dirty="0" err="1">
-                <a:solidFill>
-                  <a:srgbClr val="000000"/>
-                </a:solidFill>
-                <a:latin typeface="Arial"/>
-                <a:ea typeface="DejaVu Sans"/>
-              </a:rPr>
-              <a:t>xxxxx</a:t>
-            </a:r>
-            <a:endParaRPr lang="en-US" sz="2000" b="0" strike="noStrike" spc="-1" dirty="0">
-              <a:latin typeface="Arial"/>
-            </a:endParaRPr>
-          </a:p>
-          <a:p>
-            <a:pPr marL="343080" indent="-342000">
-              <a:lnSpc>
-                <a:spcPct val="115000"/>
-              </a:lnSpc>
-              <a:spcBef>
-                <a:spcPts val="1199"/>
-              </a:spcBef>
-              <a:buClr>
-                <a:srgbClr val="000000"/>
-              </a:buClr>
-              <a:buFont typeface="StarSymbol"/>
-              <a:buChar char="-"/>
-            </a:pPr>
-            <a:r>
-              <a:rPr lang="en-US" sz="2000" b="0" strike="noStrike" spc="-1" dirty="0" err="1">
-                <a:solidFill>
-                  <a:srgbClr val="000000"/>
-                </a:solidFill>
-                <a:latin typeface="Arial"/>
-                <a:ea typeface="DejaVu Sans"/>
-              </a:rPr>
-              <a:t>xxxxx</a:t>
-            </a:r>
-            <a:endParaRPr lang="en-US" sz="2000" b="0" strike="noStrike" spc="-1" dirty="0">
-              <a:latin typeface="Arial"/>
-            </a:endParaRPr>
-          </a:p>
-          <a:p>
-            <a:pPr>
-              <a:lnSpc>
-                <a:spcPct val="115000"/>
-              </a:lnSpc>
-              <a:spcBef>
-                <a:spcPts val="1199"/>
-              </a:spcBef>
-            </a:pPr>
-            <a:endParaRPr lang="en-US" sz="2000" b="0" strike="noStrike" spc="-1" dirty="0">
-              <a:latin typeface="Arial"/>
-            </a:endParaRPr>
-          </a:p>
-        </p:txBody>
-      </p:sp>
-    </p:spTree>
-  </p:cSld>
-  <p:clrMapOvr>
-    <a:masterClrMapping/>
-  </p:clrMapOvr>
-  <p:timing>
-    <p:tnLst>
-      <p:par>
-        <p:cTn id="1" dur="indefinite" restart="never" nodeType="tmRoot">
-          <p:childTnLst>
-            <p:seq>
-              <p:cTn id="2" dur="indefinite" nodeType="mainSeq"/>
-              <p:prevCondLst>
-                <p:cond evt="onPrev" delay="0">
-                  <p:tgtEl>
-                    <p:sldTgt/>
-                  </p:tgtEl>
-                </p:cond>
-              </p:prevCondLst>
-              <p:nextCondLst>
-                <p:cond evt="onNext" delay="0">
-                  <p:tgtEl>
-                    <p:sldTgt/>
-                  </p:tgtEl>
-                </p:cond>
-              </p:nextCondLst>
-            </p:seq>
-          </p:childTnLst>
-        </p:cTn>
-      </p:par>
-    </p:tnLst>
-  </p:timing>
-</p:sld>
-</file>
-
-<file path=ppt/slides/slide4.xml><?xml version="1.0" encoding="utf-8"?>
-<p:sld xmlns:a="http://schemas.openxmlformats.org/drawingml/2006/main" xmlns:r="http://schemas.openxmlformats.org/officeDocument/2006/relationships" xmlns:p="http://schemas.openxmlformats.org/presentationml/2006/main">
-  <p:cSld>
-    <p:spTree>
-      <p:nvGrpSpPr>
-        <p:cNvPr id="1" name=""/>
-        <p:cNvGrpSpPr/>
-        <p:nvPr/>
-      </p:nvGrpSpPr>
-      <p:grpSpPr>
-        <a:xfrm>
-          <a:off x="0" y="0"/>
-          <a:ext cx="0" cy="0"/>
-          <a:chOff x="0" y="0"/>
-          <a:chExt cx="0" cy="0"/>
-        </a:xfrm>
-      </p:grpSpPr>
-      <p:sp>
-        <p:nvSpPr>
-          <p:cNvPr id="106" name="CustomShape 1"/>
-          <p:cNvSpPr/>
-          <p:nvPr/>
-        </p:nvSpPr>
-        <p:spPr>
-          <a:xfrm>
-            <a:off x="736560" y="1509840"/>
-            <a:ext cx="9212760" cy="360720"/>
-          </a:xfrm>
-          <a:prstGeom prst="rect">
-            <a:avLst/>
-          </a:prstGeom>
-          <a:noFill/>
-          <a:ln>
-            <a:noFill/>
-          </a:ln>
-        </p:spPr>
-        <p:style>
-          <a:lnRef idx="0">
-            <a:scrgbClr r="0" g="0" b="0"/>
-          </a:lnRef>
-          <a:fillRef idx="0">
-            <a:scrgbClr r="0" g="0" b="0"/>
-          </a:fillRef>
-          <a:effectRef idx="0">
-            <a:scrgbClr r="0" g="0" b="0"/>
-          </a:effectRef>
-          <a:fontRef idx="minor"/>
-        </p:style>
-        <p:txBody>
-          <a:bodyPr lIns="0" tIns="0" rIns="0" bIns="0"/>
-          <a:lstStyle/>
-          <a:p>
-            <a:pPr>
-              <a:lnSpc>
-                <a:spcPct val="100000"/>
-              </a:lnSpc>
-            </a:pPr>
-            <a:r>
-              <a:rPr lang="en-US" sz="2000" b="1" strike="noStrike" spc="-1">
-                <a:solidFill>
-                  <a:srgbClr val="000000"/>
-                </a:solidFill>
-                <a:latin typeface="Arial"/>
-                <a:ea typeface="DejaVu Sans"/>
-              </a:rPr>
-              <a:t>To-Be</a:t>
-            </a:r>
-            <a:endParaRPr lang="en-US" sz="2000" b="0" strike="noStrike" spc="-1">
-              <a:latin typeface="Arial"/>
-            </a:endParaRPr>
-          </a:p>
-        </p:txBody>
-      </p:sp>
-      <p:sp>
-        <p:nvSpPr>
-          <p:cNvPr id="107" name="CustomShape 2"/>
-          <p:cNvSpPr/>
-          <p:nvPr/>
-        </p:nvSpPr>
-        <p:spPr>
-          <a:xfrm>
-            <a:off x="632520" y="2023200"/>
-            <a:ext cx="2696760" cy="4462920"/>
-          </a:xfrm>
-          <a:prstGeom prst="rect">
-            <a:avLst/>
-          </a:prstGeom>
-          <a:noFill/>
-          <a:ln>
-            <a:noFill/>
-          </a:ln>
-        </p:spPr>
-        <p:style>
-          <a:lnRef idx="0">
-            <a:scrgbClr r="0" g="0" b="0"/>
-          </a:lnRef>
-          <a:fillRef idx="0">
-            <a:scrgbClr r="0" g="0" b="0"/>
-          </a:fillRef>
-          <a:effectRef idx="0">
-            <a:scrgbClr r="0" g="0" b="0"/>
-          </a:effectRef>
-          <a:fontRef idx="minor"/>
-        </p:style>
-        <p:txBody>
-          <a:bodyPr lIns="0" tIns="0" rIns="0" bIns="0"/>
-          <a:lstStyle/>
-          <a:p>
-            <a:pPr marL="343080" indent="-342720">
-              <a:lnSpc>
-                <a:spcPct val="115000"/>
-              </a:lnSpc>
-              <a:spcBef>
-                <a:spcPts val="1199"/>
-              </a:spcBef>
-              <a:buClr>
-                <a:srgbClr val="000000"/>
-              </a:buClr>
-              <a:buFont typeface="StarSymbol"/>
-              <a:buChar char="-"/>
-            </a:pPr>
-            <a:r>
-              <a:rPr lang="en-US" sz="2000" spc="-1" dirty="0">
-                <a:solidFill>
-                  <a:srgbClr val="000000"/>
-                </a:solidFill>
-              </a:rPr>
-              <a:t>Simplification of the process through automated workflows</a:t>
-            </a:r>
-          </a:p>
-          <a:p>
-            <a:pPr marL="343080" indent="-342720">
-              <a:lnSpc>
-                <a:spcPct val="115000"/>
-              </a:lnSpc>
-              <a:spcBef>
-                <a:spcPts val="1199"/>
-              </a:spcBef>
-              <a:buClr>
-                <a:srgbClr val="000000"/>
-              </a:buClr>
-              <a:buFont typeface="StarSymbol"/>
-              <a:buChar char="-"/>
-            </a:pPr>
-            <a:r>
-              <a:rPr lang="en-US" sz="2000" spc="-1" dirty="0" err="1">
-                <a:solidFill>
-                  <a:srgbClr val="000000"/>
-                </a:solidFill>
-              </a:rPr>
-              <a:t>xxxxxxxx</a:t>
-            </a:r>
-            <a:endParaRPr lang="en-US" sz="2000" b="0" strike="noStrike" spc="-1" dirty="0">
-              <a:latin typeface="Arial"/>
-            </a:endParaRPr>
-          </a:p>
-        </p:txBody>
-      </p:sp>
-      <p:sp>
-        <p:nvSpPr>
-          <p:cNvPr id="110" name="CustomShape 3"/>
-          <p:cNvSpPr/>
-          <p:nvPr/>
-        </p:nvSpPr>
-        <p:spPr>
-          <a:xfrm>
-            <a:off x="8221680" y="7197840"/>
-            <a:ext cx="864000" cy="178200"/>
-          </a:xfrm>
-          <a:prstGeom prst="rect">
-            <a:avLst/>
-          </a:prstGeom>
-          <a:noFill/>
-          <a:ln>
-            <a:noFill/>
-          </a:ln>
-        </p:spPr>
-        <p:style>
-          <a:lnRef idx="0">
-            <a:scrgbClr r="0" g="0" b="0"/>
-          </a:lnRef>
-          <a:fillRef idx="0">
-            <a:scrgbClr r="0" g="0" b="0"/>
-          </a:fillRef>
-          <a:effectRef idx="0">
-            <a:scrgbClr r="0" g="0" b="0"/>
-          </a:effectRef>
-          <a:fontRef idx="minor"/>
-        </p:style>
-        <p:txBody>
-          <a:bodyPr lIns="0" tIns="0" rIns="0" bIns="0" anchor="b"/>
-          <a:lstStyle/>
-          <a:p>
-            <a:r>
-              <a:rPr lang="en-US" sz="1200" spc="-1" dirty="0"/>
-              <a:t>04.06.2020</a:t>
-            </a:r>
-          </a:p>
-        </p:txBody>
-      </p:sp>
-      <p:sp>
-        <p:nvSpPr>
-          <p:cNvPr id="111" name="CustomShape 4"/>
-          <p:cNvSpPr/>
-          <p:nvPr/>
-        </p:nvSpPr>
-        <p:spPr>
-          <a:xfrm>
-            <a:off x="736560" y="7197840"/>
-            <a:ext cx="7484040" cy="178200"/>
-          </a:xfrm>
-          <a:prstGeom prst="rect">
-            <a:avLst/>
-          </a:prstGeom>
-          <a:noFill/>
-          <a:ln>
-            <a:noFill/>
-          </a:ln>
-        </p:spPr>
-        <p:style>
-          <a:lnRef idx="0">
-            <a:scrgbClr r="0" g="0" b="0"/>
-          </a:lnRef>
-          <a:fillRef idx="0">
-            <a:scrgbClr r="0" g="0" b="0"/>
-          </a:fillRef>
-          <a:effectRef idx="0">
-            <a:scrgbClr r="0" g="0" b="0"/>
-          </a:effectRef>
-          <a:fontRef idx="minor"/>
-        </p:style>
-        <p:txBody>
-          <a:bodyPr lIns="0" tIns="0" rIns="0" bIns="0" anchor="b"/>
-          <a:lstStyle/>
-          <a:p>
-            <a:pPr>
-              <a:lnSpc>
-                <a:spcPct val="100000"/>
-              </a:lnSpc>
-            </a:pPr>
-            <a:r>
-              <a:rPr lang="en-US" sz="1200" spc="-1" dirty="0">
-                <a:solidFill>
-                  <a:srgbClr val="000000"/>
-                </a:solidFill>
-              </a:rPr>
-              <a:t>DigiBP	Luca Müller, Nicola Raemy, Isar Gammoh, Pooja Bisht</a:t>
-            </a:r>
-            <a:endParaRPr lang="en-US" sz="1200" spc="-1" dirty="0"/>
-          </a:p>
-        </p:txBody>
-      </p:sp>
-      <p:sp>
-        <p:nvSpPr>
-          <p:cNvPr id="112" name="CustomShape 5"/>
-          <p:cNvSpPr/>
-          <p:nvPr/>
-        </p:nvSpPr>
-        <p:spPr>
-          <a:xfrm>
-            <a:off x="9086760" y="7197840"/>
-            <a:ext cx="862560" cy="178200"/>
-          </a:xfrm>
-          <a:prstGeom prst="rect">
-            <a:avLst/>
-          </a:prstGeom>
-          <a:noFill/>
-          <a:ln>
-            <a:noFill/>
-          </a:ln>
-        </p:spPr>
-        <p:style>
-          <a:lnRef idx="0">
-            <a:scrgbClr r="0" g="0" b="0"/>
-          </a:lnRef>
-          <a:fillRef idx="0">
-            <a:scrgbClr r="0" g="0" b="0"/>
-          </a:fillRef>
-          <a:effectRef idx="0">
-            <a:scrgbClr r="0" g="0" b="0"/>
-          </a:effectRef>
-          <a:fontRef idx="minor"/>
-        </p:style>
-        <p:txBody>
-          <a:bodyPr lIns="0" tIns="0" rIns="0" bIns="0" anchor="b"/>
-          <a:lstStyle/>
-          <a:p>
-            <a:pPr algn="r">
-              <a:lnSpc>
-                <a:spcPct val="100000"/>
-              </a:lnSpc>
-            </a:pPr>
-            <a:fld id="{00360D2B-B20A-484E-A7FA-6D75A81CECAD}" type="slidenum">
-              <a:rPr lang="en-US" sz="1200" b="0" strike="noStrike" spc="-1">
-                <a:solidFill>
-                  <a:srgbClr val="000000"/>
-                </a:solidFill>
-                <a:latin typeface="Arial"/>
-                <a:ea typeface="DejaVu Sans"/>
-              </a:rPr>
-              <a:t>4</a:t>
-            </a:fld>
-            <a:endParaRPr lang="en-US" sz="1200" b="0" strike="noStrike" spc="-1">
-              <a:latin typeface="Arial"/>
-            </a:endParaRPr>
-          </a:p>
-        </p:txBody>
-      </p:sp>
-    </p:spTree>
-  </p:cSld>
-  <p:clrMapOvr>
-    <a:masterClrMapping/>
-  </p:clrMapOvr>
-  <p:timing>
-    <p:tnLst>
-      <p:par>
-        <p:cTn id="1" dur="indefinite" restart="never" nodeType="tmRoot">
-          <p:childTnLst>
-            <p:seq>
-              <p:cTn id="2" dur="indefinite" nodeType="mainSeq"/>
-              <p:prevCondLst>
-                <p:cond evt="onPrev" delay="0">
-                  <p:tgtEl>
-                    <p:sldTgt/>
-                  </p:tgtEl>
-                </p:cond>
-              </p:prevCondLst>
-              <p:nextCondLst>
-                <p:cond evt="onNext" delay="0">
-                  <p:tgtEl>
-                    <p:sldTgt/>
-                  </p:tgtEl>
-                </p:cond>
-              </p:nextCondLst>
-            </p:seq>
-          </p:childTnLst>
-        </p:cTn>
-      </p:par>
-    </p:tnLst>
-  </p:timing>
-</p:sld>
-</file>
-
-<file path=ppt/slides/slide5.xml><?xml version="1.0" encoding="utf-8"?>
-<p:sld xmlns:a="http://schemas.openxmlformats.org/drawingml/2006/main" xmlns:r="http://schemas.openxmlformats.org/officeDocument/2006/relationships" xmlns:p="http://schemas.openxmlformats.org/presentationml/2006/main">
-  <p:cSld>
-    <p:spTree>
-      <p:nvGrpSpPr>
-        <p:cNvPr id="1" name=""/>
-        <p:cNvGrpSpPr/>
-        <p:nvPr/>
-      </p:nvGrpSpPr>
-      <p:grpSpPr>
-        <a:xfrm>
-          <a:off x="0" y="0"/>
-          <a:ext cx="0" cy="0"/>
-          <a:chOff x="0" y="0"/>
-          <a:chExt cx="0" cy="0"/>
-        </a:xfrm>
-      </p:grpSpPr>
-      <p:sp>
-        <p:nvSpPr>
-          <p:cNvPr id="113" name="CustomShape 1"/>
-          <p:cNvSpPr/>
-          <p:nvPr/>
-        </p:nvSpPr>
-        <p:spPr>
-          <a:xfrm>
-            <a:off x="736560" y="1509840"/>
-            <a:ext cx="9212760" cy="360720"/>
-          </a:xfrm>
-          <a:prstGeom prst="rect">
-            <a:avLst/>
-          </a:prstGeom>
-          <a:noFill/>
-          <a:ln>
-            <a:noFill/>
-          </a:ln>
-        </p:spPr>
-        <p:style>
-          <a:lnRef idx="0">
-            <a:scrgbClr r="0" g="0" b="0"/>
-          </a:lnRef>
-          <a:fillRef idx="0">
-            <a:scrgbClr r="0" g="0" b="0"/>
-          </a:fillRef>
-          <a:effectRef idx="0">
-            <a:scrgbClr r="0" g="0" b="0"/>
-          </a:effectRef>
-          <a:fontRef idx="minor"/>
-        </p:style>
-        <p:txBody>
-          <a:bodyPr lIns="0" tIns="0" rIns="0" bIns="0"/>
-          <a:lstStyle/>
-          <a:p>
-            <a:pPr>
-              <a:lnSpc>
-                <a:spcPct val="100000"/>
-              </a:lnSpc>
-            </a:pPr>
-            <a:r>
-              <a:rPr lang="en-US" sz="2000" b="1" strike="noStrike" spc="-1" dirty="0">
-                <a:solidFill>
-                  <a:srgbClr val="000000"/>
-                </a:solidFill>
-                <a:latin typeface="Arial"/>
-                <a:ea typeface="DejaVu Sans"/>
-              </a:rPr>
-              <a:t>Procedure To-Be</a:t>
-            </a:r>
-            <a:endParaRPr lang="en-US" sz="2000" b="0" strike="noStrike" spc="-1" dirty="0">
-              <a:latin typeface="Arial"/>
-            </a:endParaRPr>
-          </a:p>
-        </p:txBody>
-      </p:sp>
-      <p:sp>
-        <p:nvSpPr>
-          <p:cNvPr id="114" name="CustomShape 2"/>
-          <p:cNvSpPr/>
-          <p:nvPr/>
-        </p:nvSpPr>
-        <p:spPr>
-          <a:xfrm>
-            <a:off x="731520" y="2028960"/>
-            <a:ext cx="3291480" cy="4462920"/>
-          </a:xfrm>
-          <a:prstGeom prst="rect">
-            <a:avLst/>
-          </a:prstGeom>
-          <a:noFill/>
-          <a:ln>
-            <a:noFill/>
-          </a:ln>
-        </p:spPr>
-        <p:style>
-          <a:lnRef idx="0">
-            <a:scrgbClr r="0" g="0" b="0"/>
-          </a:lnRef>
-          <a:fillRef idx="0">
-            <a:scrgbClr r="0" g="0" b="0"/>
-          </a:fillRef>
-          <a:effectRef idx="0">
-            <a:scrgbClr r="0" g="0" b="0"/>
-          </a:effectRef>
-          <a:fontRef idx="minor"/>
-        </p:style>
-        <p:txBody>
-          <a:bodyPr lIns="0" tIns="0" rIns="0" bIns="0"/>
-          <a:lstStyle/>
-          <a:p>
-            <a:pPr marL="343080" indent="-342000">
-              <a:lnSpc>
-                <a:spcPct val="115000"/>
-              </a:lnSpc>
-              <a:spcBef>
-                <a:spcPts val="1199"/>
-              </a:spcBef>
-              <a:buClr>
-                <a:srgbClr val="000000"/>
-              </a:buClr>
-              <a:buFont typeface="StarSymbol"/>
-              <a:buChar char="-"/>
-            </a:pPr>
-            <a:r>
-              <a:rPr lang="en-US" sz="2000" b="0" strike="noStrike" spc="-1" dirty="0">
-                <a:solidFill>
-                  <a:srgbClr val="000000"/>
-                </a:solidFill>
-                <a:highlight>
-                  <a:srgbClr val="FFFF00"/>
-                </a:highlight>
-                <a:latin typeface="Arial"/>
-                <a:ea typeface="DejaVu Sans"/>
-              </a:rPr>
-              <a:t> </a:t>
-            </a:r>
-            <a:endParaRPr lang="en-US" sz="2000" b="0" strike="noStrike" spc="-1" dirty="0">
-              <a:highlight>
-                <a:srgbClr val="FFFF00"/>
-              </a:highlight>
-              <a:latin typeface="Arial"/>
-            </a:endParaRPr>
-          </a:p>
-          <a:p>
-            <a:pPr>
-              <a:lnSpc>
-                <a:spcPct val="115000"/>
-              </a:lnSpc>
-              <a:spcBef>
-                <a:spcPts val="1199"/>
-              </a:spcBef>
-            </a:pPr>
-            <a:endParaRPr lang="en-US" sz="2000" b="0" strike="noStrike" spc="-1" dirty="0">
-              <a:latin typeface="Arial"/>
-            </a:endParaRPr>
-          </a:p>
-        </p:txBody>
-      </p:sp>
-      <p:sp>
-        <p:nvSpPr>
-          <p:cNvPr id="115" name="CustomShape 3"/>
-          <p:cNvSpPr/>
-          <p:nvPr/>
-        </p:nvSpPr>
-        <p:spPr>
-          <a:xfrm>
-            <a:off x="8221680" y="7197840"/>
-            <a:ext cx="864000" cy="178200"/>
-          </a:xfrm>
-          <a:prstGeom prst="rect">
-            <a:avLst/>
-          </a:prstGeom>
-          <a:noFill/>
-          <a:ln>
-            <a:noFill/>
-          </a:ln>
-        </p:spPr>
-        <p:style>
-          <a:lnRef idx="0">
-            <a:scrgbClr r="0" g="0" b="0"/>
-          </a:lnRef>
-          <a:fillRef idx="0">
-            <a:scrgbClr r="0" g="0" b="0"/>
-          </a:fillRef>
-          <a:effectRef idx="0">
-            <a:scrgbClr r="0" g="0" b="0"/>
-          </a:effectRef>
-          <a:fontRef idx="minor"/>
-        </p:style>
-        <p:txBody>
-          <a:bodyPr lIns="0" tIns="0" rIns="0" bIns="0" anchor="b"/>
-          <a:lstStyle/>
-          <a:p>
-            <a:r>
-              <a:rPr lang="en-US" sz="1200" spc="-1" dirty="0"/>
-              <a:t>04.06.2020</a:t>
-            </a:r>
-          </a:p>
-        </p:txBody>
-      </p:sp>
-      <p:sp>
-        <p:nvSpPr>
-          <p:cNvPr id="116" name="CustomShape 4"/>
-          <p:cNvSpPr/>
-          <p:nvPr/>
-        </p:nvSpPr>
-        <p:spPr>
-          <a:xfrm>
-            <a:off x="736560" y="7197840"/>
-            <a:ext cx="7484040" cy="178200"/>
-          </a:xfrm>
-          <a:prstGeom prst="rect">
-            <a:avLst/>
-          </a:prstGeom>
-          <a:noFill/>
-          <a:ln>
-            <a:noFill/>
-          </a:ln>
-        </p:spPr>
-        <p:style>
-          <a:lnRef idx="0">
-            <a:scrgbClr r="0" g="0" b="0"/>
-          </a:lnRef>
-          <a:fillRef idx="0">
-            <a:scrgbClr r="0" g="0" b="0"/>
-          </a:fillRef>
-          <a:effectRef idx="0">
-            <a:scrgbClr r="0" g="0" b="0"/>
-          </a:effectRef>
-          <a:fontRef idx="minor"/>
-        </p:style>
-        <p:txBody>
-          <a:bodyPr lIns="0" tIns="0" rIns="0" bIns="0" anchor="b"/>
-          <a:lstStyle/>
-          <a:p>
-            <a:pPr>
-              <a:lnSpc>
-                <a:spcPct val="100000"/>
-              </a:lnSpc>
-            </a:pPr>
-            <a:r>
-              <a:rPr lang="en-US" sz="1200" spc="-1" dirty="0">
-                <a:solidFill>
-                  <a:srgbClr val="000000"/>
-                </a:solidFill>
-              </a:rPr>
-              <a:t>DigiBP	Luca Müller, Nicola Raemy, Isar Gammoh, Pooja Bisht</a:t>
-            </a:r>
-            <a:endParaRPr lang="en-US" sz="1200" spc="-1" dirty="0"/>
-          </a:p>
-        </p:txBody>
-      </p:sp>
-      <p:sp>
-        <p:nvSpPr>
-          <p:cNvPr id="117" name="CustomShape 5"/>
-          <p:cNvSpPr/>
-          <p:nvPr/>
-        </p:nvSpPr>
-        <p:spPr>
-          <a:xfrm>
-            <a:off x="9086760" y="7197840"/>
-            <a:ext cx="862560" cy="178200"/>
-          </a:xfrm>
-          <a:prstGeom prst="rect">
-            <a:avLst/>
-          </a:prstGeom>
-          <a:noFill/>
-          <a:ln>
-            <a:noFill/>
-          </a:ln>
-        </p:spPr>
-        <p:style>
-          <a:lnRef idx="0">
-            <a:scrgbClr r="0" g="0" b="0"/>
-          </a:lnRef>
-          <a:fillRef idx="0">
-            <a:scrgbClr r="0" g="0" b="0"/>
-          </a:fillRef>
-          <a:effectRef idx="0">
-            <a:scrgbClr r="0" g="0" b="0"/>
-          </a:effectRef>
-          <a:fontRef idx="minor"/>
-        </p:style>
-        <p:txBody>
-          <a:bodyPr lIns="0" tIns="0" rIns="0" bIns="0" anchor="b"/>
-          <a:lstStyle/>
-          <a:p>
-            <a:pPr algn="r">
-              <a:lnSpc>
-                <a:spcPct val="100000"/>
-              </a:lnSpc>
-            </a:pPr>
-            <a:fld id="{5C5EEAB1-12A8-4F70-9E27-16F78D7FACFD}" type="slidenum">
-              <a:rPr lang="en-US" sz="1200" b="0" strike="noStrike" spc="-1">
-                <a:solidFill>
-                  <a:srgbClr val="000000"/>
-                </a:solidFill>
-                <a:latin typeface="Arial"/>
-                <a:ea typeface="DejaVu Sans"/>
-              </a:rPr>
-              <a:t>5</a:t>
-            </a:fld>
-            <a:endParaRPr lang="en-US" sz="1200" b="0" strike="noStrike" spc="-1">
-              <a:latin typeface="Arial"/>
-            </a:endParaRPr>
-          </a:p>
-        </p:txBody>
-      </p:sp>
-      <p:sp>
-        <p:nvSpPr>
-          <p:cNvPr id="119" name="CustomShape 6"/>
-          <p:cNvSpPr/>
-          <p:nvPr/>
-        </p:nvSpPr>
-        <p:spPr>
-          <a:xfrm>
-            <a:off x="10149840" y="3566160"/>
-            <a:ext cx="456840" cy="320760"/>
-          </a:xfrm>
-          <a:prstGeom prst="rect">
-            <a:avLst/>
-          </a:prstGeom>
-          <a:solidFill>
-            <a:srgbClr val="FFFFFF"/>
-          </a:solidFill>
-          <a:ln>
-            <a:solidFill>
-              <a:srgbClr val="FFFFFF"/>
-            </a:solidFill>
-          </a:ln>
-        </p:spPr>
-        <p:style>
-          <a:lnRef idx="0">
-            <a:scrgbClr r="0" g="0" b="0"/>
-          </a:lnRef>
-          <a:fillRef idx="0">
-            <a:scrgbClr r="0" g="0" b="0"/>
-          </a:fillRef>
-          <a:effectRef idx="0">
-            <a:scrgbClr r="0" g="0" b="0"/>
-          </a:effectRef>
-          <a:fontRef idx="minor"/>
-        </p:style>
-      </p:sp>
-    </p:spTree>
-  </p:cSld>
-  <p:clrMapOvr>
-    <a:masterClrMapping/>
-  </p:clrMapOvr>
-  <p:timing>
-    <p:tnLst>
-      <p:par>
-        <p:cTn id="1" dur="indefinite" restart="never" nodeType="tmRoot">
-          <p:childTnLst>
-            <p:seq>
-              <p:cTn id="2" dur="indefinite" nodeType="mainSeq"/>
-              <p:prevCondLst>
-                <p:cond evt="onPrev" delay="0">
-                  <p:tgtEl>
-                    <p:sldTgt/>
-                  </p:tgtEl>
-                </p:cond>
-              </p:prevCondLst>
-              <p:nextCondLst>
-                <p:cond evt="onNext" delay="0">
-                  <p:tgtEl>
-                    <p:sldTgt/>
-                  </p:tgtEl>
-                </p:cond>
-              </p:nextCondLst>
-            </p:seq>
-          </p:childTnLst>
-        </p:cTn>
-      </p:par>
-    </p:tnLst>
-  </p:timing>
-</p:sld>
-</file>
-
-<file path=ppt/slides/slide6.xml><?xml version="1.0" encoding="utf-8"?>
-<p:sld xmlns:a="http://schemas.openxmlformats.org/drawingml/2006/main" xmlns:r="http://schemas.openxmlformats.org/officeDocument/2006/relationships" xmlns:p="http://schemas.openxmlformats.org/presentationml/2006/main">
-  <p:cSld>
-    <p:spTree>
-      <p:nvGrpSpPr>
-        <p:cNvPr id="1" name=""/>
-        <p:cNvGrpSpPr/>
-        <p:nvPr/>
-      </p:nvGrpSpPr>
-      <p:grpSpPr>
-        <a:xfrm>
-          <a:off x="0" y="0"/>
-          <a:ext cx="0" cy="0"/>
-          <a:chOff x="0" y="0"/>
-          <a:chExt cx="0" cy="0"/>
-        </a:xfrm>
-      </p:grpSpPr>
-      <p:sp>
-        <p:nvSpPr>
-          <p:cNvPr id="120" name="CustomShape 1"/>
-          <p:cNvSpPr/>
-          <p:nvPr/>
-        </p:nvSpPr>
-        <p:spPr>
-          <a:xfrm>
-            <a:off x="8221680" y="7197840"/>
-            <a:ext cx="864000" cy="178200"/>
-          </a:xfrm>
-          <a:prstGeom prst="rect">
-            <a:avLst/>
-          </a:prstGeom>
-          <a:noFill/>
-          <a:ln>
-            <a:noFill/>
-          </a:ln>
-        </p:spPr>
-        <p:style>
-          <a:lnRef idx="0">
-            <a:scrgbClr r="0" g="0" b="0"/>
-          </a:lnRef>
-          <a:fillRef idx="0">
-            <a:scrgbClr r="0" g="0" b="0"/>
-          </a:fillRef>
-          <a:effectRef idx="0">
-            <a:scrgbClr r="0" g="0" b="0"/>
-          </a:effectRef>
-          <a:fontRef idx="minor"/>
-        </p:style>
-        <p:txBody>
-          <a:bodyPr lIns="0" tIns="0" rIns="0" bIns="0" anchor="b"/>
-          <a:lstStyle/>
-          <a:p>
-            <a:r>
-              <a:rPr lang="en-US" sz="1200" spc="-1" dirty="0"/>
-              <a:t>04.06.2020</a:t>
-            </a:r>
-          </a:p>
-        </p:txBody>
-      </p:sp>
-      <p:sp>
-        <p:nvSpPr>
-          <p:cNvPr id="121" name="CustomShape 2"/>
-          <p:cNvSpPr/>
-          <p:nvPr/>
-        </p:nvSpPr>
-        <p:spPr>
-          <a:xfrm>
-            <a:off x="736560" y="7197840"/>
-            <a:ext cx="7484040" cy="178200"/>
-          </a:xfrm>
-          <a:prstGeom prst="rect">
-            <a:avLst/>
-          </a:prstGeom>
-          <a:noFill/>
-          <a:ln>
-            <a:noFill/>
-          </a:ln>
-        </p:spPr>
-        <p:style>
-          <a:lnRef idx="0">
-            <a:scrgbClr r="0" g="0" b="0"/>
-          </a:lnRef>
-          <a:fillRef idx="0">
-            <a:scrgbClr r="0" g="0" b="0"/>
-          </a:fillRef>
-          <a:effectRef idx="0">
-            <a:scrgbClr r="0" g="0" b="0"/>
-          </a:effectRef>
-          <a:fontRef idx="minor"/>
-        </p:style>
-        <p:txBody>
-          <a:bodyPr lIns="0" tIns="0" rIns="0" bIns="0" anchor="b"/>
-          <a:lstStyle/>
-          <a:p>
-            <a:pPr>
-              <a:lnSpc>
-                <a:spcPct val="100000"/>
-              </a:lnSpc>
-            </a:pPr>
-            <a:r>
-              <a:rPr lang="en-US" sz="1200" spc="-1" dirty="0">
-                <a:solidFill>
-                  <a:srgbClr val="000000"/>
-                </a:solidFill>
-              </a:rPr>
-              <a:t>DigiBP	Luca Müller, Nicola Raemy, Isar Gammoh, Pooja Bisht</a:t>
-            </a:r>
-            <a:endParaRPr lang="en-US" sz="1200" spc="-1" dirty="0"/>
-          </a:p>
-        </p:txBody>
-      </p:sp>
-      <p:sp>
-        <p:nvSpPr>
           <p:cNvPr id="122" name="CustomShape 3"/>
           <p:cNvSpPr/>
           <p:nvPr/>
@@ -8374,1286 +5615,7 @@
                 <a:latin typeface="Arial"/>
                 <a:ea typeface="DejaVu Sans"/>
               </a:rPr>
-              <a:t>6</a:t>
-            </a:fld>
-            <a:endParaRPr lang="en-US" sz="1200" b="0" strike="noStrike" spc="-1">
-              <a:latin typeface="Arial"/>
-            </a:endParaRPr>
-          </a:p>
-        </p:txBody>
-      </p:sp>
-      <p:sp>
-        <p:nvSpPr>
-          <p:cNvPr id="123" name="CustomShape 4"/>
-          <p:cNvSpPr/>
-          <p:nvPr/>
-        </p:nvSpPr>
-        <p:spPr>
-          <a:xfrm>
-            <a:off x="3164113" y="757073"/>
-            <a:ext cx="9212760" cy="360720"/>
-          </a:xfrm>
-          <a:prstGeom prst="rect">
-            <a:avLst/>
-          </a:prstGeom>
-          <a:noFill/>
-          <a:ln>
-            <a:noFill/>
-          </a:ln>
-        </p:spPr>
-        <p:style>
-          <a:lnRef idx="0">
-            <a:scrgbClr r="0" g="0" b="0"/>
-          </a:lnRef>
-          <a:fillRef idx="0">
-            <a:scrgbClr r="0" g="0" b="0"/>
-          </a:fillRef>
-          <a:effectRef idx="0">
-            <a:scrgbClr r="0" g="0" b="0"/>
-          </a:effectRef>
-          <a:fontRef idx="minor"/>
-        </p:style>
-        <p:txBody>
-          <a:bodyPr lIns="0" tIns="0" rIns="0" bIns="0"/>
-          <a:lstStyle/>
-          <a:p>
-            <a:pPr>
-              <a:lnSpc>
-                <a:spcPct val="100000"/>
-              </a:lnSpc>
-            </a:pPr>
-            <a:r>
-              <a:rPr lang="en-US" sz="2000" b="1" spc="-1" dirty="0">
-                <a:solidFill>
-                  <a:srgbClr val="000000"/>
-                </a:solidFill>
-                <a:latin typeface="Arial"/>
-                <a:ea typeface="DejaVu Sans"/>
-              </a:rPr>
-              <a:t>P</a:t>
-            </a:r>
-            <a:r>
-              <a:rPr lang="en-US" sz="2000" b="1" strike="noStrike" spc="-1" dirty="0">
-                <a:solidFill>
-                  <a:srgbClr val="000000"/>
-                </a:solidFill>
-                <a:latin typeface="Arial"/>
-                <a:ea typeface="DejaVu Sans"/>
-              </a:rPr>
-              <a:t>ublish Job Ad</a:t>
-            </a:r>
-            <a:r>
-              <a:rPr lang="en-US" sz="2000" b="1" spc="-1" dirty="0">
-                <a:solidFill>
-                  <a:srgbClr val="000000"/>
-                </a:solidFill>
-                <a:latin typeface="Arial"/>
-                <a:ea typeface="DejaVu Sans"/>
-              </a:rPr>
-              <a:t> </a:t>
-            </a:r>
-            <a:endParaRPr lang="en-US" sz="2000" b="0" strike="noStrike" spc="-1" dirty="0">
-              <a:latin typeface="Arial"/>
-            </a:endParaRPr>
-          </a:p>
-        </p:txBody>
-      </p:sp>
-      <p:sp>
-        <p:nvSpPr>
-          <p:cNvPr id="124" name="CustomShape 5"/>
-          <p:cNvSpPr/>
-          <p:nvPr/>
-        </p:nvSpPr>
-        <p:spPr>
-          <a:xfrm>
-            <a:off x="731520" y="2103120"/>
-            <a:ext cx="5394600" cy="4754520"/>
-          </a:xfrm>
-          <a:prstGeom prst="rect">
-            <a:avLst/>
-          </a:prstGeom>
-          <a:noFill/>
-          <a:ln>
-            <a:noFill/>
-          </a:ln>
-        </p:spPr>
-        <p:style>
-          <a:lnRef idx="0">
-            <a:scrgbClr r="0" g="0" b="0"/>
-          </a:lnRef>
-          <a:fillRef idx="0">
-            <a:scrgbClr r="0" g="0" b="0"/>
-          </a:fillRef>
-          <a:effectRef idx="0">
-            <a:scrgbClr r="0" g="0" b="0"/>
-          </a:effectRef>
-          <a:fontRef idx="minor"/>
-        </p:style>
-        <p:txBody>
-          <a:bodyPr lIns="0" tIns="0" rIns="0" bIns="0"/>
-          <a:lstStyle/>
-          <a:p>
-            <a:pPr>
-              <a:lnSpc>
-                <a:spcPct val="115000"/>
-              </a:lnSpc>
-              <a:spcBef>
-                <a:spcPts val="1199"/>
-              </a:spcBef>
-            </a:pPr>
-            <a:endParaRPr lang="en-US" sz="2000" b="0" strike="noStrike" spc="-1" dirty="0">
-              <a:latin typeface="Arial"/>
-            </a:endParaRPr>
-          </a:p>
-        </p:txBody>
-      </p:sp>
-      <p:pic>
-        <p:nvPicPr>
-          <p:cNvPr id="2" name="Picture 1">
-            <a:extLst>
-              <a:ext uri="{FF2B5EF4-FFF2-40B4-BE49-F238E27FC236}">
-                <a16:creationId xmlns:a16="http://schemas.microsoft.com/office/drawing/2014/main" id="{042994F6-A2B3-2643-9979-9DE4683D9DCF}"/>
-              </a:ext>
-            </a:extLst>
-          </p:cNvPr>
-          <p:cNvPicPr>
-            <a:picLocks noChangeAspect="1"/>
-          </p:cNvPicPr>
-          <p:nvPr/>
-        </p:nvPicPr>
-        <p:blipFill>
-          <a:blip r:embed="rId3"/>
-          <a:stretch>
-            <a:fillRect/>
-          </a:stretch>
-        </p:blipFill>
-        <p:spPr>
-          <a:xfrm>
-            <a:off x="6931090" y="1403132"/>
-            <a:ext cx="3445180" cy="5675586"/>
-          </a:xfrm>
-          <a:prstGeom prst="rect">
-            <a:avLst/>
-          </a:prstGeom>
-        </p:spPr>
-      </p:pic>
-      <p:pic>
-        <p:nvPicPr>
-          <p:cNvPr id="4" name="Picture 3">
-            <a:extLst>
-              <a:ext uri="{FF2B5EF4-FFF2-40B4-BE49-F238E27FC236}">
-                <a16:creationId xmlns:a16="http://schemas.microsoft.com/office/drawing/2014/main" id="{7884A482-BDD1-2943-B938-579EAA495743}"/>
-              </a:ext>
-            </a:extLst>
-          </p:cNvPr>
-          <p:cNvPicPr>
-            <a:picLocks noChangeAspect="1"/>
-          </p:cNvPicPr>
-          <p:nvPr/>
-        </p:nvPicPr>
-        <p:blipFill>
-          <a:blip r:embed="rId4"/>
-          <a:stretch>
-            <a:fillRect/>
-          </a:stretch>
-        </p:blipFill>
-        <p:spPr>
-          <a:xfrm>
-            <a:off x="1264596" y="1570779"/>
-            <a:ext cx="4494178" cy="4754520"/>
-          </a:xfrm>
-          <a:prstGeom prst="rect">
-            <a:avLst/>
-          </a:prstGeom>
-        </p:spPr>
-      </p:pic>
-    </p:spTree>
-  </p:cSld>
-  <p:clrMapOvr>
-    <a:masterClrMapping/>
-  </p:clrMapOvr>
-  <p:timing>
-    <p:tnLst>
-      <p:par>
-        <p:cTn id="1" dur="indefinite" restart="never" nodeType="tmRoot">
-          <p:childTnLst>
-            <p:seq>
-              <p:cTn id="2" dur="indefinite" nodeType="mainSeq"/>
-              <p:prevCondLst>
-                <p:cond evt="onPrev" delay="0">
-                  <p:tgtEl>
-                    <p:sldTgt/>
-                  </p:tgtEl>
-                </p:cond>
-              </p:prevCondLst>
-              <p:nextCondLst>
-                <p:cond evt="onNext" delay="0">
-                  <p:tgtEl>
-                    <p:sldTgt/>
-                  </p:tgtEl>
-                </p:cond>
-              </p:nextCondLst>
-            </p:seq>
-          </p:childTnLst>
-        </p:cTn>
-      </p:par>
-    </p:tnLst>
-  </p:timing>
-</p:sld>
-</file>
-
-<file path=ppt/slides/slide7.xml><?xml version="1.0" encoding="utf-8"?>
-<p:sld xmlns:a="http://schemas.openxmlformats.org/drawingml/2006/main" xmlns:r="http://schemas.openxmlformats.org/officeDocument/2006/relationships" xmlns:p="http://schemas.openxmlformats.org/presentationml/2006/main">
-  <p:cSld>
-    <p:spTree>
-      <p:nvGrpSpPr>
-        <p:cNvPr id="1" name=""/>
-        <p:cNvGrpSpPr/>
-        <p:nvPr/>
-      </p:nvGrpSpPr>
-      <p:grpSpPr>
-        <a:xfrm>
-          <a:off x="0" y="0"/>
-          <a:ext cx="0" cy="0"/>
-          <a:chOff x="0" y="0"/>
-          <a:chExt cx="0" cy="0"/>
-        </a:xfrm>
-      </p:grpSpPr>
-      <p:sp>
-        <p:nvSpPr>
-          <p:cNvPr id="120" name="CustomShape 1"/>
-          <p:cNvSpPr/>
-          <p:nvPr/>
-        </p:nvSpPr>
-        <p:spPr>
-          <a:xfrm>
-            <a:off x="8221680" y="7197840"/>
-            <a:ext cx="864000" cy="178200"/>
-          </a:xfrm>
-          <a:prstGeom prst="rect">
-            <a:avLst/>
-          </a:prstGeom>
-          <a:noFill/>
-          <a:ln>
-            <a:noFill/>
-          </a:ln>
-        </p:spPr>
-        <p:style>
-          <a:lnRef idx="0">
-            <a:scrgbClr r="0" g="0" b="0"/>
-          </a:lnRef>
-          <a:fillRef idx="0">
-            <a:scrgbClr r="0" g="0" b="0"/>
-          </a:fillRef>
-          <a:effectRef idx="0">
-            <a:scrgbClr r="0" g="0" b="0"/>
-          </a:effectRef>
-          <a:fontRef idx="minor"/>
-        </p:style>
-        <p:txBody>
-          <a:bodyPr lIns="0" tIns="0" rIns="0" bIns="0" anchor="b"/>
-          <a:lstStyle/>
-          <a:p>
-            <a:r>
-              <a:rPr lang="en-US" sz="1200" spc="-1" dirty="0"/>
-              <a:t>04.06.2020</a:t>
-            </a:r>
-          </a:p>
-        </p:txBody>
-      </p:sp>
-      <p:sp>
-        <p:nvSpPr>
-          <p:cNvPr id="121" name="CustomShape 2"/>
-          <p:cNvSpPr/>
-          <p:nvPr/>
-        </p:nvSpPr>
-        <p:spPr>
-          <a:xfrm>
-            <a:off x="736560" y="7197840"/>
-            <a:ext cx="7484040" cy="178200"/>
-          </a:xfrm>
-          <a:prstGeom prst="rect">
-            <a:avLst/>
-          </a:prstGeom>
-          <a:noFill/>
-          <a:ln>
-            <a:noFill/>
-          </a:ln>
-        </p:spPr>
-        <p:style>
-          <a:lnRef idx="0">
-            <a:scrgbClr r="0" g="0" b="0"/>
-          </a:lnRef>
-          <a:fillRef idx="0">
-            <a:scrgbClr r="0" g="0" b="0"/>
-          </a:fillRef>
-          <a:effectRef idx="0">
-            <a:scrgbClr r="0" g="0" b="0"/>
-          </a:effectRef>
-          <a:fontRef idx="minor"/>
-        </p:style>
-        <p:txBody>
-          <a:bodyPr lIns="0" tIns="0" rIns="0" bIns="0" anchor="b"/>
-          <a:lstStyle/>
-          <a:p>
-            <a:pPr>
-              <a:lnSpc>
-                <a:spcPct val="100000"/>
-              </a:lnSpc>
-            </a:pPr>
-            <a:r>
-              <a:rPr lang="en-US" sz="1200" spc="-1" dirty="0">
-                <a:solidFill>
-                  <a:srgbClr val="000000"/>
-                </a:solidFill>
-              </a:rPr>
-              <a:t>DigiBP	Luca Müller, Nicola Raemy, Isar Gammoh, Pooja Bisht</a:t>
-            </a:r>
-            <a:endParaRPr lang="en-US" sz="1200" spc="-1" dirty="0"/>
-          </a:p>
-        </p:txBody>
-      </p:sp>
-      <p:sp>
-        <p:nvSpPr>
-          <p:cNvPr id="122" name="CustomShape 3"/>
-          <p:cNvSpPr/>
-          <p:nvPr/>
-        </p:nvSpPr>
-        <p:spPr>
-          <a:xfrm>
-            <a:off x="9086760" y="7197840"/>
-            <a:ext cx="862560" cy="178200"/>
-          </a:xfrm>
-          <a:prstGeom prst="rect">
-            <a:avLst/>
-          </a:prstGeom>
-          <a:noFill/>
-          <a:ln>
-            <a:noFill/>
-          </a:ln>
-        </p:spPr>
-        <p:style>
-          <a:lnRef idx="0">
-            <a:scrgbClr r="0" g="0" b="0"/>
-          </a:lnRef>
-          <a:fillRef idx="0">
-            <a:scrgbClr r="0" g="0" b="0"/>
-          </a:fillRef>
-          <a:effectRef idx="0">
-            <a:scrgbClr r="0" g="0" b="0"/>
-          </a:effectRef>
-          <a:fontRef idx="minor"/>
-        </p:style>
-        <p:txBody>
-          <a:bodyPr lIns="0" tIns="0" rIns="0" bIns="0" anchor="b"/>
-          <a:lstStyle/>
-          <a:p>
-            <a:pPr algn="r">
-              <a:lnSpc>
-                <a:spcPct val="100000"/>
-              </a:lnSpc>
-            </a:pPr>
-            <a:fld id="{EAB2E0A4-FCFB-4840-AF8A-F87D75DA6E48}" type="slidenum">
-              <a:rPr lang="en-US" sz="1200" b="0" strike="noStrike" spc="-1">
-                <a:solidFill>
-                  <a:srgbClr val="000000"/>
-                </a:solidFill>
-                <a:latin typeface="Arial"/>
-                <a:ea typeface="DejaVu Sans"/>
-              </a:rPr>
-              <a:t>7</a:t>
-            </a:fld>
-            <a:endParaRPr lang="en-US" sz="1200" b="0" strike="noStrike" spc="-1">
-              <a:latin typeface="Arial"/>
-            </a:endParaRPr>
-          </a:p>
-        </p:txBody>
-      </p:sp>
-      <p:sp>
-        <p:nvSpPr>
-          <p:cNvPr id="123" name="CustomShape 4"/>
-          <p:cNvSpPr/>
-          <p:nvPr/>
-        </p:nvSpPr>
-        <p:spPr>
-          <a:xfrm>
-            <a:off x="736560" y="1509840"/>
-            <a:ext cx="9212760" cy="360720"/>
-          </a:xfrm>
-          <a:prstGeom prst="rect">
-            <a:avLst/>
-          </a:prstGeom>
-          <a:noFill/>
-          <a:ln>
-            <a:noFill/>
-          </a:ln>
-        </p:spPr>
-        <p:style>
-          <a:lnRef idx="0">
-            <a:scrgbClr r="0" g="0" b="0"/>
-          </a:lnRef>
-          <a:fillRef idx="0">
-            <a:scrgbClr r="0" g="0" b="0"/>
-          </a:fillRef>
-          <a:effectRef idx="0">
-            <a:scrgbClr r="0" g="0" b="0"/>
-          </a:effectRef>
-          <a:fontRef idx="minor"/>
-        </p:style>
-        <p:txBody>
-          <a:bodyPr lIns="0" tIns="0" rIns="0" bIns="0"/>
-          <a:lstStyle/>
-          <a:p>
-            <a:pPr>
-              <a:lnSpc>
-                <a:spcPct val="100000"/>
-              </a:lnSpc>
-            </a:pPr>
-            <a:r>
-              <a:rPr lang="en-US" sz="2000" b="1" strike="noStrike" spc="-1" dirty="0">
-                <a:solidFill>
-                  <a:srgbClr val="000000"/>
-                </a:solidFill>
-                <a:latin typeface="Arial"/>
-                <a:ea typeface="DejaVu Sans"/>
-              </a:rPr>
-              <a:t>Dialogflow (Isar)</a:t>
-            </a:r>
-            <a:endParaRPr lang="en-US" sz="2000" b="0" strike="noStrike" spc="-1" dirty="0">
-              <a:latin typeface="Arial"/>
-            </a:endParaRPr>
-          </a:p>
-        </p:txBody>
-      </p:sp>
-      <p:sp>
-        <p:nvSpPr>
-          <p:cNvPr id="124" name="CustomShape 5"/>
-          <p:cNvSpPr/>
-          <p:nvPr/>
-        </p:nvSpPr>
-        <p:spPr>
-          <a:xfrm>
-            <a:off x="731520" y="2103120"/>
-            <a:ext cx="5394600" cy="4754520"/>
-          </a:xfrm>
-          <a:prstGeom prst="rect">
-            <a:avLst/>
-          </a:prstGeom>
-          <a:noFill/>
-          <a:ln>
-            <a:noFill/>
-          </a:ln>
-        </p:spPr>
-        <p:style>
-          <a:lnRef idx="0">
-            <a:scrgbClr r="0" g="0" b="0"/>
-          </a:lnRef>
-          <a:fillRef idx="0">
-            <a:scrgbClr r="0" g="0" b="0"/>
-          </a:fillRef>
-          <a:effectRef idx="0">
-            <a:scrgbClr r="0" g="0" b="0"/>
-          </a:effectRef>
-          <a:fontRef idx="minor"/>
-        </p:style>
-        <p:txBody>
-          <a:bodyPr lIns="0" tIns="0" rIns="0" bIns="0"/>
-          <a:lstStyle/>
-          <a:p>
-            <a:pPr marL="343080" indent="-342000">
-              <a:lnSpc>
-                <a:spcPct val="115000"/>
-              </a:lnSpc>
-              <a:spcBef>
-                <a:spcPts val="1199"/>
-              </a:spcBef>
-              <a:buClr>
-                <a:srgbClr val="000000"/>
-              </a:buClr>
-              <a:buFont typeface="StarSymbol"/>
-              <a:buChar char="-"/>
-            </a:pPr>
-            <a:r>
-              <a:rPr lang="en-US" sz="2000" b="0" strike="noStrike" spc="-1" dirty="0" err="1">
-                <a:solidFill>
-                  <a:srgbClr val="000000"/>
-                </a:solidFill>
-                <a:highlight>
-                  <a:srgbClr val="FFFF00"/>
-                </a:highlight>
-                <a:latin typeface="Arial"/>
-                <a:ea typeface="DejaVu Sans"/>
-              </a:rPr>
-              <a:t>xxxxx</a:t>
-            </a:r>
-            <a:endParaRPr lang="en-US" sz="2000" b="0" strike="noStrike" spc="-1" dirty="0">
-              <a:highlight>
-                <a:srgbClr val="FFFF00"/>
-              </a:highlight>
-              <a:latin typeface="Arial"/>
-            </a:endParaRPr>
-          </a:p>
-          <a:p>
-            <a:pPr>
-              <a:lnSpc>
-                <a:spcPct val="115000"/>
-              </a:lnSpc>
-              <a:spcBef>
-                <a:spcPts val="1199"/>
-              </a:spcBef>
-            </a:pPr>
-            <a:endParaRPr lang="en-US" sz="2000" b="0" strike="noStrike" spc="-1" dirty="0">
-              <a:highlight>
-                <a:srgbClr val="FFFF00"/>
-              </a:highlight>
-              <a:latin typeface="Arial"/>
-            </a:endParaRPr>
-          </a:p>
-          <a:p>
-            <a:pPr marL="343080" indent="-342000">
-              <a:lnSpc>
-                <a:spcPct val="100000"/>
-              </a:lnSpc>
-              <a:spcBef>
-                <a:spcPts val="1134"/>
-              </a:spcBef>
-              <a:buClr>
-                <a:srgbClr val="000000"/>
-              </a:buClr>
-              <a:buFont typeface="StarSymbol"/>
-              <a:buChar char="-"/>
-            </a:pPr>
-            <a:r>
-              <a:rPr lang="en-US" sz="2000" b="0" strike="noStrike" spc="-1" dirty="0" err="1">
-                <a:solidFill>
-                  <a:srgbClr val="000000"/>
-                </a:solidFill>
-                <a:highlight>
-                  <a:srgbClr val="FFFF00"/>
-                </a:highlight>
-                <a:latin typeface="Arial"/>
-                <a:ea typeface="DejaVu Sans"/>
-              </a:rPr>
-              <a:t>xxxxx</a:t>
-            </a:r>
-            <a:endParaRPr lang="en-US" sz="2000" b="0" strike="noStrike" spc="-1" dirty="0">
-              <a:highlight>
-                <a:srgbClr val="FFFF00"/>
-              </a:highlight>
-              <a:latin typeface="Arial"/>
-            </a:endParaRPr>
-          </a:p>
-          <a:p>
-            <a:pPr>
-              <a:lnSpc>
-                <a:spcPct val="100000"/>
-              </a:lnSpc>
-              <a:spcBef>
-                <a:spcPts val="1134"/>
-              </a:spcBef>
-            </a:pPr>
-            <a:endParaRPr lang="en-US" sz="2000" b="0" strike="noStrike" spc="-1" dirty="0">
-              <a:highlight>
-                <a:srgbClr val="FFFF00"/>
-              </a:highlight>
-              <a:latin typeface="Arial"/>
-            </a:endParaRPr>
-          </a:p>
-          <a:p>
-            <a:pPr marL="343080" indent="-342000">
-              <a:lnSpc>
-                <a:spcPct val="100000"/>
-              </a:lnSpc>
-              <a:spcBef>
-                <a:spcPts val="1134"/>
-              </a:spcBef>
-              <a:buClr>
-                <a:srgbClr val="000000"/>
-              </a:buClr>
-              <a:buFont typeface="StarSymbol"/>
-              <a:buChar char="-"/>
-            </a:pPr>
-            <a:r>
-              <a:rPr lang="en-US" sz="2000" b="0" strike="noStrike" spc="-1" dirty="0" err="1">
-                <a:solidFill>
-                  <a:srgbClr val="000000"/>
-                </a:solidFill>
-                <a:highlight>
-                  <a:srgbClr val="FFFF00"/>
-                </a:highlight>
-                <a:latin typeface="Arial"/>
-                <a:ea typeface="DejaVu Sans"/>
-              </a:rPr>
-              <a:t>Axxxx</a:t>
-            </a:r>
-            <a:endParaRPr lang="en-US" sz="2000" b="0" strike="noStrike" spc="-1" dirty="0">
-              <a:highlight>
-                <a:srgbClr val="FFFF00"/>
-              </a:highlight>
-              <a:latin typeface="Arial"/>
-            </a:endParaRPr>
-          </a:p>
-          <a:p>
-            <a:pPr>
-              <a:lnSpc>
-                <a:spcPct val="115000"/>
-              </a:lnSpc>
-              <a:spcBef>
-                <a:spcPts val="1199"/>
-              </a:spcBef>
-            </a:pPr>
-            <a:endParaRPr lang="en-US" sz="2000" b="0" strike="noStrike" spc="-1" dirty="0">
-              <a:latin typeface="Arial"/>
-            </a:endParaRPr>
-          </a:p>
-        </p:txBody>
-      </p:sp>
-    </p:spTree>
-    <p:extLst>
-      <p:ext uri="{BB962C8B-B14F-4D97-AF65-F5344CB8AC3E}">
-        <p14:creationId xmlns:p14="http://schemas.microsoft.com/office/powerpoint/2010/main" val="3639938052"/>
-      </p:ext>
-    </p:extLst>
-  </p:cSld>
-  <p:clrMapOvr>
-    <a:masterClrMapping/>
-  </p:clrMapOvr>
-  <p:timing>
-    <p:tnLst>
-      <p:par>
-        <p:cTn id="1" dur="indefinite" restart="never" nodeType="tmRoot">
-          <p:childTnLst>
-            <p:seq>
-              <p:cTn id="2" dur="indefinite" nodeType="mainSeq"/>
-              <p:prevCondLst>
-                <p:cond evt="onPrev" delay="0">
-                  <p:tgtEl>
-                    <p:sldTgt/>
-                  </p:tgtEl>
-                </p:cond>
-              </p:prevCondLst>
-              <p:nextCondLst>
-                <p:cond evt="onNext" delay="0">
-                  <p:tgtEl>
-                    <p:sldTgt/>
-                  </p:tgtEl>
-                </p:cond>
-              </p:nextCondLst>
-            </p:seq>
-          </p:childTnLst>
-        </p:cTn>
-      </p:par>
-    </p:tnLst>
-  </p:timing>
-</p:sld>
-</file>
-
-<file path=ppt/slides/slide8.xml><?xml version="1.0" encoding="utf-8"?>
-<p:sld xmlns:a="http://schemas.openxmlformats.org/drawingml/2006/main" xmlns:r="http://schemas.openxmlformats.org/officeDocument/2006/relationships" xmlns:p="http://schemas.openxmlformats.org/presentationml/2006/main">
-  <p:cSld>
-    <p:spTree>
-      <p:nvGrpSpPr>
-        <p:cNvPr id="1" name=""/>
-        <p:cNvGrpSpPr/>
-        <p:nvPr/>
-      </p:nvGrpSpPr>
-      <p:grpSpPr>
-        <a:xfrm>
-          <a:off x="0" y="0"/>
-          <a:ext cx="0" cy="0"/>
-          <a:chOff x="0" y="0"/>
-          <a:chExt cx="0" cy="0"/>
-        </a:xfrm>
-      </p:grpSpPr>
-      <p:sp>
-        <p:nvSpPr>
-          <p:cNvPr id="120" name="CustomShape 1"/>
-          <p:cNvSpPr/>
-          <p:nvPr/>
-        </p:nvSpPr>
-        <p:spPr>
-          <a:xfrm>
-            <a:off x="8221680" y="7197840"/>
-            <a:ext cx="864000" cy="178200"/>
-          </a:xfrm>
-          <a:prstGeom prst="rect">
-            <a:avLst/>
-          </a:prstGeom>
-          <a:noFill/>
-          <a:ln>
-            <a:noFill/>
-          </a:ln>
-        </p:spPr>
-        <p:style>
-          <a:lnRef idx="0">
-            <a:scrgbClr r="0" g="0" b="0"/>
-          </a:lnRef>
-          <a:fillRef idx="0">
-            <a:scrgbClr r="0" g="0" b="0"/>
-          </a:fillRef>
-          <a:effectRef idx="0">
-            <a:scrgbClr r="0" g="0" b="0"/>
-          </a:effectRef>
-          <a:fontRef idx="minor"/>
-        </p:style>
-        <p:txBody>
-          <a:bodyPr lIns="0" tIns="0" rIns="0" bIns="0" anchor="b"/>
-          <a:lstStyle/>
-          <a:p>
-            <a:r>
-              <a:rPr lang="en-US" sz="1200" spc="-1" dirty="0"/>
-              <a:t>04.06.2020</a:t>
-            </a:r>
-          </a:p>
-        </p:txBody>
-      </p:sp>
-      <p:sp>
-        <p:nvSpPr>
-          <p:cNvPr id="121" name="CustomShape 2"/>
-          <p:cNvSpPr/>
-          <p:nvPr/>
-        </p:nvSpPr>
-        <p:spPr>
-          <a:xfrm>
-            <a:off x="736560" y="7197840"/>
-            <a:ext cx="7484040" cy="178200"/>
-          </a:xfrm>
-          <a:prstGeom prst="rect">
-            <a:avLst/>
-          </a:prstGeom>
-          <a:noFill/>
-          <a:ln>
-            <a:noFill/>
-          </a:ln>
-        </p:spPr>
-        <p:style>
-          <a:lnRef idx="0">
-            <a:scrgbClr r="0" g="0" b="0"/>
-          </a:lnRef>
-          <a:fillRef idx="0">
-            <a:scrgbClr r="0" g="0" b="0"/>
-          </a:fillRef>
-          <a:effectRef idx="0">
-            <a:scrgbClr r="0" g="0" b="0"/>
-          </a:effectRef>
-          <a:fontRef idx="minor"/>
-        </p:style>
-        <p:txBody>
-          <a:bodyPr lIns="0" tIns="0" rIns="0" bIns="0" anchor="b"/>
-          <a:lstStyle/>
-          <a:p>
-            <a:pPr>
-              <a:lnSpc>
-                <a:spcPct val="100000"/>
-              </a:lnSpc>
-            </a:pPr>
-            <a:r>
-              <a:rPr lang="en-US" sz="1200" spc="-1" dirty="0">
-                <a:solidFill>
-                  <a:srgbClr val="000000"/>
-                </a:solidFill>
-              </a:rPr>
-              <a:t>DigiBP	Luca Müller, Nicola Raemy, Isar Gammoh, Pooja Bisht</a:t>
-            </a:r>
-            <a:endParaRPr lang="en-US" sz="1200" spc="-1" dirty="0"/>
-          </a:p>
-        </p:txBody>
-      </p:sp>
-      <p:sp>
-        <p:nvSpPr>
-          <p:cNvPr id="122" name="CustomShape 3"/>
-          <p:cNvSpPr/>
-          <p:nvPr/>
-        </p:nvSpPr>
-        <p:spPr>
-          <a:xfrm>
-            <a:off x="9086760" y="7197840"/>
-            <a:ext cx="862560" cy="178200"/>
-          </a:xfrm>
-          <a:prstGeom prst="rect">
-            <a:avLst/>
-          </a:prstGeom>
-          <a:noFill/>
-          <a:ln>
-            <a:noFill/>
-          </a:ln>
-        </p:spPr>
-        <p:style>
-          <a:lnRef idx="0">
-            <a:scrgbClr r="0" g="0" b="0"/>
-          </a:lnRef>
-          <a:fillRef idx="0">
-            <a:scrgbClr r="0" g="0" b="0"/>
-          </a:fillRef>
-          <a:effectRef idx="0">
-            <a:scrgbClr r="0" g="0" b="0"/>
-          </a:effectRef>
-          <a:fontRef idx="minor"/>
-        </p:style>
-        <p:txBody>
-          <a:bodyPr lIns="0" tIns="0" rIns="0" bIns="0" anchor="b"/>
-          <a:lstStyle/>
-          <a:p>
-            <a:pPr algn="r">
-              <a:lnSpc>
-                <a:spcPct val="100000"/>
-              </a:lnSpc>
-            </a:pPr>
-            <a:fld id="{EAB2E0A4-FCFB-4840-AF8A-F87D75DA6E48}" type="slidenum">
-              <a:rPr lang="en-US" sz="1200" b="0" strike="noStrike" spc="-1">
-                <a:solidFill>
-                  <a:srgbClr val="000000"/>
-                </a:solidFill>
-                <a:latin typeface="Arial"/>
-                <a:ea typeface="DejaVu Sans"/>
-              </a:rPr>
-              <a:t>8</a:t>
-            </a:fld>
-            <a:endParaRPr lang="en-US" sz="1200" b="0" strike="noStrike" spc="-1">
-              <a:latin typeface="Arial"/>
-            </a:endParaRPr>
-          </a:p>
-        </p:txBody>
-      </p:sp>
-      <p:sp>
-        <p:nvSpPr>
-          <p:cNvPr id="123" name="CustomShape 4"/>
-          <p:cNvSpPr/>
-          <p:nvPr/>
-        </p:nvSpPr>
-        <p:spPr>
-          <a:xfrm>
-            <a:off x="736560" y="1509840"/>
-            <a:ext cx="9212760" cy="360720"/>
-          </a:xfrm>
-          <a:prstGeom prst="rect">
-            <a:avLst/>
-          </a:prstGeom>
-          <a:noFill/>
-          <a:ln>
-            <a:noFill/>
-          </a:ln>
-        </p:spPr>
-        <p:style>
-          <a:lnRef idx="0">
-            <a:scrgbClr r="0" g="0" b="0"/>
-          </a:lnRef>
-          <a:fillRef idx="0">
-            <a:scrgbClr r="0" g="0" b="0"/>
-          </a:fillRef>
-          <a:effectRef idx="0">
-            <a:scrgbClr r="0" g="0" b="0"/>
-          </a:effectRef>
-          <a:fontRef idx="minor"/>
-        </p:style>
-        <p:txBody>
-          <a:bodyPr lIns="0" tIns="0" rIns="0" bIns="0"/>
-          <a:lstStyle/>
-          <a:p>
-            <a:pPr>
-              <a:lnSpc>
-                <a:spcPct val="100000"/>
-              </a:lnSpc>
-            </a:pPr>
-            <a:r>
-              <a:rPr lang="en-US" sz="2000" b="1" strike="noStrike" spc="-1" dirty="0">
-                <a:solidFill>
-                  <a:srgbClr val="000000"/>
-                </a:solidFill>
-                <a:latin typeface="Arial"/>
-                <a:ea typeface="DejaVu Sans"/>
-              </a:rPr>
-              <a:t>Candidate Screening (DMN)</a:t>
-            </a:r>
-            <a:endParaRPr lang="en-US" sz="2000" b="0" strike="noStrike" spc="-1" dirty="0">
-              <a:latin typeface="Arial"/>
-            </a:endParaRPr>
-          </a:p>
-        </p:txBody>
-      </p:sp>
-      <p:sp>
-        <p:nvSpPr>
-          <p:cNvPr id="124" name="CustomShape 5"/>
-          <p:cNvSpPr/>
-          <p:nvPr/>
-        </p:nvSpPr>
-        <p:spPr>
-          <a:xfrm>
-            <a:off x="731520" y="2103120"/>
-            <a:ext cx="5394600" cy="4754520"/>
-          </a:xfrm>
-          <a:prstGeom prst="rect">
-            <a:avLst/>
-          </a:prstGeom>
-          <a:noFill/>
-          <a:ln>
-            <a:noFill/>
-          </a:ln>
-        </p:spPr>
-        <p:style>
-          <a:lnRef idx="0">
-            <a:scrgbClr r="0" g="0" b="0"/>
-          </a:lnRef>
-          <a:fillRef idx="0">
-            <a:scrgbClr r="0" g="0" b="0"/>
-          </a:fillRef>
-          <a:effectRef idx="0">
-            <a:scrgbClr r="0" g="0" b="0"/>
-          </a:effectRef>
-          <a:fontRef idx="minor"/>
-        </p:style>
-        <p:txBody>
-          <a:bodyPr lIns="0" tIns="0" rIns="0" bIns="0"/>
-          <a:lstStyle/>
-          <a:p>
-            <a:pPr marL="343080" indent="-342000">
-              <a:lnSpc>
-                <a:spcPct val="115000"/>
-              </a:lnSpc>
-              <a:spcBef>
-                <a:spcPts val="1199"/>
-              </a:spcBef>
-              <a:buClr>
-                <a:srgbClr val="000000"/>
-              </a:buClr>
-              <a:buFont typeface="StarSymbol"/>
-              <a:buChar char="-"/>
-            </a:pPr>
-            <a:r>
-              <a:rPr lang="en-US" sz="2000" b="0" strike="noStrike" spc="-1" dirty="0" err="1">
-                <a:solidFill>
-                  <a:srgbClr val="000000"/>
-                </a:solidFill>
-                <a:highlight>
-                  <a:srgbClr val="FFFF00"/>
-                </a:highlight>
-                <a:latin typeface="Arial"/>
-                <a:ea typeface="DejaVu Sans"/>
-              </a:rPr>
-              <a:t>xxxxx</a:t>
-            </a:r>
-            <a:endParaRPr lang="en-US" sz="2000" b="0" strike="noStrike" spc="-1" dirty="0">
-              <a:highlight>
-                <a:srgbClr val="FFFF00"/>
-              </a:highlight>
-              <a:latin typeface="Arial"/>
-            </a:endParaRPr>
-          </a:p>
-          <a:p>
-            <a:pPr>
-              <a:lnSpc>
-                <a:spcPct val="115000"/>
-              </a:lnSpc>
-              <a:spcBef>
-                <a:spcPts val="1199"/>
-              </a:spcBef>
-            </a:pPr>
-            <a:endParaRPr lang="en-US" sz="2000" b="0" strike="noStrike" spc="-1" dirty="0">
-              <a:highlight>
-                <a:srgbClr val="FFFF00"/>
-              </a:highlight>
-              <a:latin typeface="Arial"/>
-            </a:endParaRPr>
-          </a:p>
-          <a:p>
-            <a:pPr marL="343080" indent="-342000">
-              <a:lnSpc>
-                <a:spcPct val="100000"/>
-              </a:lnSpc>
-              <a:spcBef>
-                <a:spcPts val="1134"/>
-              </a:spcBef>
-              <a:buClr>
-                <a:srgbClr val="000000"/>
-              </a:buClr>
-              <a:buFont typeface="StarSymbol"/>
-              <a:buChar char="-"/>
-            </a:pPr>
-            <a:r>
-              <a:rPr lang="en-US" sz="2000" b="0" strike="noStrike" spc="-1" dirty="0" err="1">
-                <a:solidFill>
-                  <a:srgbClr val="000000"/>
-                </a:solidFill>
-                <a:highlight>
-                  <a:srgbClr val="FFFF00"/>
-                </a:highlight>
-                <a:latin typeface="Arial"/>
-                <a:ea typeface="DejaVu Sans"/>
-              </a:rPr>
-              <a:t>xxxxx</a:t>
-            </a:r>
-            <a:endParaRPr lang="en-US" sz="2000" b="0" strike="noStrike" spc="-1" dirty="0">
-              <a:highlight>
-                <a:srgbClr val="FFFF00"/>
-              </a:highlight>
-              <a:latin typeface="Arial"/>
-            </a:endParaRPr>
-          </a:p>
-          <a:p>
-            <a:pPr>
-              <a:lnSpc>
-                <a:spcPct val="100000"/>
-              </a:lnSpc>
-              <a:spcBef>
-                <a:spcPts val="1134"/>
-              </a:spcBef>
-            </a:pPr>
-            <a:endParaRPr lang="en-US" sz="2000" b="0" strike="noStrike" spc="-1" dirty="0">
-              <a:highlight>
-                <a:srgbClr val="FFFF00"/>
-              </a:highlight>
-              <a:latin typeface="Arial"/>
-            </a:endParaRPr>
-          </a:p>
-          <a:p>
-            <a:pPr marL="343080" indent="-342000">
-              <a:lnSpc>
-                <a:spcPct val="100000"/>
-              </a:lnSpc>
-              <a:spcBef>
-                <a:spcPts val="1134"/>
-              </a:spcBef>
-              <a:buClr>
-                <a:srgbClr val="000000"/>
-              </a:buClr>
-              <a:buFont typeface="StarSymbol"/>
-              <a:buChar char="-"/>
-            </a:pPr>
-            <a:r>
-              <a:rPr lang="en-US" sz="2000" b="0" strike="noStrike" spc="-1" dirty="0" err="1">
-                <a:solidFill>
-                  <a:srgbClr val="000000"/>
-                </a:solidFill>
-                <a:highlight>
-                  <a:srgbClr val="FFFF00"/>
-                </a:highlight>
-                <a:latin typeface="Arial"/>
-                <a:ea typeface="DejaVu Sans"/>
-              </a:rPr>
-              <a:t>Axxxx</a:t>
-            </a:r>
-            <a:endParaRPr lang="en-US" sz="2000" b="0" strike="noStrike" spc="-1" dirty="0">
-              <a:highlight>
-                <a:srgbClr val="FFFF00"/>
-              </a:highlight>
-              <a:latin typeface="Arial"/>
-            </a:endParaRPr>
-          </a:p>
-          <a:p>
-            <a:pPr>
-              <a:lnSpc>
-                <a:spcPct val="115000"/>
-              </a:lnSpc>
-              <a:spcBef>
-                <a:spcPts val="1199"/>
-              </a:spcBef>
-            </a:pPr>
-            <a:endParaRPr lang="en-US" sz="2000" b="0" strike="noStrike" spc="-1" dirty="0">
-              <a:latin typeface="Arial"/>
-            </a:endParaRPr>
-          </a:p>
-        </p:txBody>
-      </p:sp>
-    </p:spTree>
-    <p:extLst>
-      <p:ext uri="{BB962C8B-B14F-4D97-AF65-F5344CB8AC3E}">
-        <p14:creationId xmlns:p14="http://schemas.microsoft.com/office/powerpoint/2010/main" val="4193646287"/>
-      </p:ext>
-    </p:extLst>
-  </p:cSld>
-  <p:clrMapOvr>
-    <a:masterClrMapping/>
-  </p:clrMapOvr>
-  <p:timing>
-    <p:tnLst>
-      <p:par>
-        <p:cTn id="1" dur="indefinite" restart="never" nodeType="tmRoot">
-          <p:childTnLst>
-            <p:seq>
-              <p:cTn id="2" dur="indefinite" nodeType="mainSeq"/>
-              <p:prevCondLst>
-                <p:cond evt="onPrev" delay="0">
-                  <p:tgtEl>
-                    <p:sldTgt/>
-                  </p:tgtEl>
-                </p:cond>
-              </p:prevCondLst>
-              <p:nextCondLst>
-                <p:cond evt="onNext" delay="0">
-                  <p:tgtEl>
-                    <p:sldTgt/>
-                  </p:tgtEl>
-                </p:cond>
-              </p:nextCondLst>
-            </p:seq>
-          </p:childTnLst>
-        </p:cTn>
-      </p:par>
-    </p:tnLst>
-  </p:timing>
-</p:sld>
-</file>
-
-<file path=ppt/slides/slide9.xml><?xml version="1.0" encoding="utf-8"?>
-<p:sld xmlns:a="http://schemas.openxmlformats.org/drawingml/2006/main" xmlns:r="http://schemas.openxmlformats.org/officeDocument/2006/relationships" xmlns:p="http://schemas.openxmlformats.org/presentationml/2006/main">
-  <p:cSld>
-    <p:spTree>
-      <p:nvGrpSpPr>
-        <p:cNvPr id="1" name=""/>
-        <p:cNvGrpSpPr/>
-        <p:nvPr/>
-      </p:nvGrpSpPr>
-      <p:grpSpPr>
-        <a:xfrm>
-          <a:off x="0" y="0"/>
-          <a:ext cx="0" cy="0"/>
-          <a:chOff x="0" y="0"/>
-          <a:chExt cx="0" cy="0"/>
-        </a:xfrm>
-      </p:grpSpPr>
-      <p:sp>
-        <p:nvSpPr>
-          <p:cNvPr id="120" name="CustomShape 1"/>
-          <p:cNvSpPr/>
-          <p:nvPr/>
-        </p:nvSpPr>
-        <p:spPr>
-          <a:xfrm>
-            <a:off x="8221680" y="7197840"/>
-            <a:ext cx="864000" cy="178200"/>
-          </a:xfrm>
-          <a:prstGeom prst="rect">
-            <a:avLst/>
-          </a:prstGeom>
-          <a:noFill/>
-          <a:ln>
-            <a:noFill/>
-          </a:ln>
-        </p:spPr>
-        <p:style>
-          <a:lnRef idx="0">
-            <a:scrgbClr r="0" g="0" b="0"/>
-          </a:lnRef>
-          <a:fillRef idx="0">
-            <a:scrgbClr r="0" g="0" b="0"/>
-          </a:fillRef>
-          <a:effectRef idx="0">
-            <a:scrgbClr r="0" g="0" b="0"/>
-          </a:effectRef>
-          <a:fontRef idx="minor"/>
-        </p:style>
-        <p:txBody>
-          <a:bodyPr lIns="0" tIns="0" rIns="0" bIns="0" anchor="b"/>
-          <a:lstStyle/>
-          <a:p>
-            <a:r>
-              <a:rPr lang="en-US" sz="1200" spc="-1" dirty="0"/>
-              <a:t>04.06.2020</a:t>
-            </a:r>
-          </a:p>
-        </p:txBody>
-      </p:sp>
-      <p:sp>
-        <p:nvSpPr>
-          <p:cNvPr id="121" name="CustomShape 2"/>
-          <p:cNvSpPr/>
-          <p:nvPr/>
-        </p:nvSpPr>
-        <p:spPr>
-          <a:xfrm>
-            <a:off x="736560" y="7197840"/>
-            <a:ext cx="7484040" cy="178200"/>
-          </a:xfrm>
-          <a:prstGeom prst="rect">
-            <a:avLst/>
-          </a:prstGeom>
-          <a:noFill/>
-          <a:ln>
-            <a:noFill/>
-          </a:ln>
-        </p:spPr>
-        <p:style>
-          <a:lnRef idx="0">
-            <a:scrgbClr r="0" g="0" b="0"/>
-          </a:lnRef>
-          <a:fillRef idx="0">
-            <a:scrgbClr r="0" g="0" b="0"/>
-          </a:fillRef>
-          <a:effectRef idx="0">
-            <a:scrgbClr r="0" g="0" b="0"/>
-          </a:effectRef>
-          <a:fontRef idx="minor"/>
-        </p:style>
-        <p:txBody>
-          <a:bodyPr lIns="0" tIns="0" rIns="0" bIns="0" anchor="b"/>
-          <a:lstStyle/>
-          <a:p>
-            <a:pPr>
-              <a:lnSpc>
-                <a:spcPct val="100000"/>
-              </a:lnSpc>
-            </a:pPr>
-            <a:r>
-              <a:rPr lang="en-US" sz="1200" spc="-1" dirty="0">
-                <a:solidFill>
-                  <a:srgbClr val="000000"/>
-                </a:solidFill>
-              </a:rPr>
-              <a:t>DigiBP	Luca Müller, Nicola Raemy, Isar Gammoh, Pooja Bisht</a:t>
-            </a:r>
-            <a:endParaRPr lang="en-US" sz="1200" spc="-1" dirty="0"/>
-          </a:p>
-        </p:txBody>
-      </p:sp>
-      <p:sp>
-        <p:nvSpPr>
-          <p:cNvPr id="122" name="CustomShape 3"/>
-          <p:cNvSpPr/>
-          <p:nvPr/>
-        </p:nvSpPr>
-        <p:spPr>
-          <a:xfrm>
-            <a:off x="9086760" y="7197840"/>
-            <a:ext cx="862560" cy="178200"/>
-          </a:xfrm>
-          <a:prstGeom prst="rect">
-            <a:avLst/>
-          </a:prstGeom>
-          <a:noFill/>
-          <a:ln>
-            <a:noFill/>
-          </a:ln>
-        </p:spPr>
-        <p:style>
-          <a:lnRef idx="0">
-            <a:scrgbClr r="0" g="0" b="0"/>
-          </a:lnRef>
-          <a:fillRef idx="0">
-            <a:scrgbClr r="0" g="0" b="0"/>
-          </a:fillRef>
-          <a:effectRef idx="0">
-            <a:scrgbClr r="0" g="0" b="0"/>
-          </a:effectRef>
-          <a:fontRef idx="minor"/>
-        </p:style>
-        <p:txBody>
-          <a:bodyPr lIns="0" tIns="0" rIns="0" bIns="0" anchor="b"/>
-          <a:lstStyle/>
-          <a:p>
-            <a:pPr algn="r">
-              <a:lnSpc>
-                <a:spcPct val="100000"/>
-              </a:lnSpc>
-            </a:pPr>
-            <a:fld id="{EAB2E0A4-FCFB-4840-AF8A-F87D75DA6E48}" type="slidenum">
-              <a:rPr lang="en-US" sz="1200" b="0" strike="noStrike" spc="-1">
-                <a:solidFill>
-                  <a:srgbClr val="000000"/>
-                </a:solidFill>
-                <a:latin typeface="Arial"/>
-                <a:ea typeface="DejaVu Sans"/>
-              </a:rPr>
-              <a:t>9</a:t>
+              <a:t>10</a:t>
             </a:fld>
             <a:endParaRPr lang="en-US" sz="1200" b="0" strike="noStrike" spc="-1">
               <a:latin typeface="Arial"/>
@@ -10162,6 +6124,4419 @@
                   </p:par>
                 </p:childTnLst>
               </p:cTn>
+              <p:prevCondLst>
+                <p:cond evt="onPrev" delay="0">
+                  <p:tgtEl>
+                    <p:sldTgt/>
+                  </p:tgtEl>
+                </p:cond>
+              </p:prevCondLst>
+              <p:nextCondLst>
+                <p:cond evt="onNext" delay="0">
+                  <p:tgtEl>
+                    <p:sldTgt/>
+                  </p:tgtEl>
+                </p:cond>
+              </p:nextCondLst>
+            </p:seq>
+          </p:childTnLst>
+        </p:cTn>
+      </p:par>
+    </p:tnLst>
+  </p:timing>
+</p:sld>
+</file>
+
+<file path=ppt/slides/slide11.xml><?xml version="1.0" encoding="utf-8"?>
+<p:sld xmlns:a="http://schemas.openxmlformats.org/drawingml/2006/main" xmlns:r="http://schemas.openxmlformats.org/officeDocument/2006/relationships" xmlns:p="http://schemas.openxmlformats.org/presentationml/2006/main">
+  <p:cSld>
+    <p:spTree>
+      <p:nvGrpSpPr>
+        <p:cNvPr id="1" name=""/>
+        <p:cNvGrpSpPr/>
+        <p:nvPr/>
+      </p:nvGrpSpPr>
+      <p:grpSpPr>
+        <a:xfrm>
+          <a:off x="0" y="0"/>
+          <a:ext cx="0" cy="0"/>
+          <a:chOff x="0" y="0"/>
+          <a:chExt cx="0" cy="0"/>
+        </a:xfrm>
+      </p:grpSpPr>
+      <p:sp>
+        <p:nvSpPr>
+          <p:cNvPr id="126" name="CustomShape 1"/>
+          <p:cNvSpPr/>
+          <p:nvPr/>
+        </p:nvSpPr>
+        <p:spPr>
+          <a:xfrm>
+            <a:off x="3467533" y="942549"/>
+            <a:ext cx="9212760" cy="360720"/>
+          </a:xfrm>
+          <a:prstGeom prst="rect">
+            <a:avLst/>
+          </a:prstGeom>
+          <a:noFill/>
+          <a:ln>
+            <a:noFill/>
+          </a:ln>
+        </p:spPr>
+        <p:style>
+          <a:lnRef idx="0">
+            <a:scrgbClr r="0" g="0" b="0"/>
+          </a:lnRef>
+          <a:fillRef idx="0">
+            <a:scrgbClr r="0" g="0" b="0"/>
+          </a:fillRef>
+          <a:effectRef idx="0">
+            <a:scrgbClr r="0" g="0" b="0"/>
+          </a:effectRef>
+          <a:fontRef idx="minor"/>
+        </p:style>
+        <p:txBody>
+          <a:bodyPr lIns="0" tIns="0" rIns="0" bIns="0"/>
+          <a:lstStyle/>
+          <a:p>
+            <a:pPr>
+              <a:lnSpc>
+                <a:spcPct val="100000"/>
+              </a:lnSpc>
+            </a:pPr>
+            <a:r>
+              <a:rPr lang="en-US" sz="2000" b="1" spc="-1" dirty="0">
+                <a:solidFill>
+                  <a:srgbClr val="000000"/>
+                </a:solidFill>
+              </a:rPr>
+              <a:t>Booking System Part I</a:t>
+            </a:r>
+            <a:endParaRPr lang="en-US" sz="2000" spc="-1" dirty="0"/>
+          </a:p>
+        </p:txBody>
+      </p:sp>
+      <p:sp>
+        <p:nvSpPr>
+          <p:cNvPr id="127" name="CustomShape 2"/>
+          <p:cNvSpPr/>
+          <p:nvPr/>
+        </p:nvSpPr>
+        <p:spPr>
+          <a:xfrm>
+            <a:off x="738360" y="2197080"/>
+            <a:ext cx="9212760" cy="4462920"/>
+          </a:xfrm>
+          <a:prstGeom prst="rect">
+            <a:avLst/>
+          </a:prstGeom>
+          <a:noFill/>
+          <a:ln>
+            <a:noFill/>
+          </a:ln>
+        </p:spPr>
+        <p:style>
+          <a:lnRef idx="0">
+            <a:scrgbClr r="0" g="0" b="0"/>
+          </a:lnRef>
+          <a:fillRef idx="0">
+            <a:scrgbClr r="0" g="0" b="0"/>
+          </a:fillRef>
+          <a:effectRef idx="0">
+            <a:scrgbClr r="0" g="0" b="0"/>
+          </a:effectRef>
+          <a:fontRef idx="minor"/>
+        </p:style>
+        <p:txBody>
+          <a:bodyPr lIns="0" tIns="0" rIns="0" bIns="0"/>
+          <a:lstStyle/>
+          <a:p>
+            <a:pPr marL="343080" indent="-342000">
+              <a:lnSpc>
+                <a:spcPct val="115000"/>
+              </a:lnSpc>
+              <a:spcBef>
+                <a:spcPts val="1199"/>
+              </a:spcBef>
+              <a:buClr>
+                <a:srgbClr val="000000"/>
+              </a:buClr>
+              <a:buFont typeface="StarSymbol"/>
+              <a:buChar char="-"/>
+            </a:pPr>
+            <a:r>
+              <a:rPr lang="en-US" sz="2000" b="0" strike="noStrike" spc="-1" dirty="0">
+                <a:solidFill>
+                  <a:srgbClr val="000000"/>
+                </a:solidFill>
+                <a:highlight>
+                  <a:srgbClr val="FFFF00"/>
+                </a:highlight>
+                <a:latin typeface="Arial"/>
+                <a:ea typeface="DejaVu Sans"/>
+              </a:rPr>
+              <a:t> </a:t>
+            </a:r>
+            <a:endParaRPr lang="en-US" sz="2000" b="0" strike="noStrike" spc="-1" dirty="0">
+              <a:highlight>
+                <a:srgbClr val="FFFF00"/>
+              </a:highlight>
+              <a:latin typeface="Arial"/>
+            </a:endParaRPr>
+          </a:p>
+        </p:txBody>
+      </p:sp>
+      <p:sp>
+        <p:nvSpPr>
+          <p:cNvPr id="128" name="CustomShape 3"/>
+          <p:cNvSpPr/>
+          <p:nvPr/>
+        </p:nvSpPr>
+        <p:spPr>
+          <a:xfrm>
+            <a:off x="8221680" y="7197840"/>
+            <a:ext cx="864000" cy="178200"/>
+          </a:xfrm>
+          <a:prstGeom prst="rect">
+            <a:avLst/>
+          </a:prstGeom>
+          <a:noFill/>
+          <a:ln>
+            <a:noFill/>
+          </a:ln>
+        </p:spPr>
+        <p:style>
+          <a:lnRef idx="0">
+            <a:scrgbClr r="0" g="0" b="0"/>
+          </a:lnRef>
+          <a:fillRef idx="0">
+            <a:scrgbClr r="0" g="0" b="0"/>
+          </a:fillRef>
+          <a:effectRef idx="0">
+            <a:scrgbClr r="0" g="0" b="0"/>
+          </a:effectRef>
+          <a:fontRef idx="minor"/>
+        </p:style>
+        <p:txBody>
+          <a:bodyPr lIns="0" tIns="0" rIns="0" bIns="0" anchor="b"/>
+          <a:lstStyle/>
+          <a:p>
+            <a:r>
+              <a:rPr lang="en-US" sz="1200" spc="-1" dirty="0"/>
+              <a:t>04.06.2020</a:t>
+            </a:r>
+          </a:p>
+        </p:txBody>
+      </p:sp>
+      <p:sp>
+        <p:nvSpPr>
+          <p:cNvPr id="129" name="CustomShape 4"/>
+          <p:cNvSpPr/>
+          <p:nvPr/>
+        </p:nvSpPr>
+        <p:spPr>
+          <a:xfrm>
+            <a:off x="736560" y="7197840"/>
+            <a:ext cx="7484040" cy="178200"/>
+          </a:xfrm>
+          <a:prstGeom prst="rect">
+            <a:avLst/>
+          </a:prstGeom>
+          <a:noFill/>
+          <a:ln>
+            <a:noFill/>
+          </a:ln>
+        </p:spPr>
+        <p:style>
+          <a:lnRef idx="0">
+            <a:scrgbClr r="0" g="0" b="0"/>
+          </a:lnRef>
+          <a:fillRef idx="0">
+            <a:scrgbClr r="0" g="0" b="0"/>
+          </a:fillRef>
+          <a:effectRef idx="0">
+            <a:scrgbClr r="0" g="0" b="0"/>
+          </a:effectRef>
+          <a:fontRef idx="minor"/>
+        </p:style>
+        <p:txBody>
+          <a:bodyPr lIns="0" tIns="0" rIns="0" bIns="0" anchor="b"/>
+          <a:lstStyle/>
+          <a:p>
+            <a:pPr>
+              <a:lnSpc>
+                <a:spcPct val="100000"/>
+              </a:lnSpc>
+            </a:pPr>
+            <a:r>
+              <a:rPr lang="en-US" sz="1200" spc="-1" dirty="0">
+                <a:solidFill>
+                  <a:srgbClr val="000000"/>
+                </a:solidFill>
+              </a:rPr>
+              <a:t>DigiBP	Luca Müller, Nicola Raemy, Isar Gammoh, Pooja Bisht</a:t>
+            </a:r>
+            <a:endParaRPr lang="en-US" sz="1200" spc="-1" dirty="0"/>
+          </a:p>
+        </p:txBody>
+      </p:sp>
+      <p:sp>
+        <p:nvSpPr>
+          <p:cNvPr id="130" name="CustomShape 5"/>
+          <p:cNvSpPr/>
+          <p:nvPr/>
+        </p:nvSpPr>
+        <p:spPr>
+          <a:xfrm>
+            <a:off x="9086760" y="7197840"/>
+            <a:ext cx="862560" cy="178200"/>
+          </a:xfrm>
+          <a:prstGeom prst="rect">
+            <a:avLst/>
+          </a:prstGeom>
+          <a:noFill/>
+          <a:ln>
+            <a:noFill/>
+          </a:ln>
+        </p:spPr>
+        <p:style>
+          <a:lnRef idx="0">
+            <a:scrgbClr r="0" g="0" b="0"/>
+          </a:lnRef>
+          <a:fillRef idx="0">
+            <a:scrgbClr r="0" g="0" b="0"/>
+          </a:fillRef>
+          <a:effectRef idx="0">
+            <a:scrgbClr r="0" g="0" b="0"/>
+          </a:effectRef>
+          <a:fontRef idx="minor"/>
+        </p:style>
+        <p:txBody>
+          <a:bodyPr lIns="0" tIns="0" rIns="0" bIns="0" anchor="b"/>
+          <a:lstStyle/>
+          <a:p>
+            <a:pPr algn="r">
+              <a:lnSpc>
+                <a:spcPct val="100000"/>
+              </a:lnSpc>
+            </a:pPr>
+            <a:fld id="{676B624C-CA6C-47FB-8CC0-33C7E2E24C74}" type="slidenum">
+              <a:rPr lang="en-US" sz="1200" b="0" strike="noStrike" spc="-1">
+                <a:solidFill>
+                  <a:srgbClr val="000000"/>
+                </a:solidFill>
+                <a:latin typeface="Arial"/>
+                <a:ea typeface="DejaVu Sans"/>
+              </a:rPr>
+              <a:t>11</a:t>
+            </a:fld>
+            <a:endParaRPr lang="en-US" sz="1200" b="0" strike="noStrike" spc="-1">
+              <a:latin typeface="Arial"/>
+            </a:endParaRPr>
+          </a:p>
+        </p:txBody>
+      </p:sp>
+      <p:sp>
+        <p:nvSpPr>
+          <p:cNvPr id="3" name="TextBox 2">
+            <a:extLst>
+              <a:ext uri="{FF2B5EF4-FFF2-40B4-BE49-F238E27FC236}">
+                <a16:creationId xmlns:a16="http://schemas.microsoft.com/office/drawing/2014/main" id="{0E4E3D8B-465F-184B-AACA-8F08791EC47B}"/>
+              </a:ext>
+            </a:extLst>
+          </p:cNvPr>
+          <p:cNvSpPr txBox="1"/>
+          <p:nvPr/>
+        </p:nvSpPr>
+        <p:spPr>
+          <a:xfrm>
+            <a:off x="573354" y="2160079"/>
+            <a:ext cx="9542772" cy="3447098"/>
+          </a:xfrm>
+          <a:prstGeom prst="rect">
+            <a:avLst/>
+          </a:prstGeom>
+          <a:noFill/>
+        </p:spPr>
+        <p:txBody>
+          <a:bodyPr wrap="square" rtlCol="0">
+            <a:spAutoFit/>
+          </a:bodyPr>
+          <a:lstStyle/>
+          <a:p>
+            <a:pPr marL="285750" indent="-285750">
+              <a:buFont typeface="Arial" panose="020B0604020202020204" pitchFamily="34" charset="0"/>
+              <a:buChar char="•"/>
+            </a:pPr>
+            <a:r>
+              <a:rPr lang="en-GB" sz="2000" dirty="0"/>
+              <a:t>S</a:t>
+            </a:r>
+            <a:r>
+              <a:rPr lang="en-CH" sz="2000" dirty="0"/>
+              <a:t>upersaas url is sent to selected candidates along with password to access the url</a:t>
+            </a:r>
+          </a:p>
+          <a:p>
+            <a:pPr marL="285750" indent="-285750">
+              <a:buFont typeface="Arial" panose="020B0604020202020204" pitchFamily="34" charset="0"/>
+              <a:buChar char="•"/>
+            </a:pPr>
+            <a:endParaRPr lang="en-GB" sz="2000" dirty="0"/>
+          </a:p>
+          <a:p>
+            <a:pPr marL="285750" indent="-285750">
+              <a:buFont typeface="Arial" panose="020B0604020202020204" pitchFamily="34" charset="0"/>
+              <a:buChar char="•"/>
+            </a:pPr>
+            <a:r>
+              <a:rPr lang="en-GB" sz="2000" dirty="0"/>
+              <a:t>C</a:t>
+            </a:r>
+            <a:r>
+              <a:rPr lang="en-CH" sz="2000" dirty="0"/>
+              <a:t>andidate required to create supersaas account and provide email, name and moble number</a:t>
+            </a:r>
+          </a:p>
+          <a:p>
+            <a:pPr marL="285750" indent="-285750">
+              <a:buFont typeface="Arial" panose="020B0604020202020204" pitchFamily="34" charset="0"/>
+              <a:buChar char="•"/>
+            </a:pPr>
+            <a:endParaRPr lang="en-CH" sz="2000" dirty="0"/>
+          </a:p>
+          <a:p>
+            <a:pPr marL="285750" indent="-285750">
+              <a:buFont typeface="Arial" panose="020B0604020202020204" pitchFamily="34" charset="0"/>
+              <a:buChar char="•"/>
+            </a:pPr>
+            <a:r>
+              <a:rPr lang="en-CH" sz="2000" dirty="0"/>
+              <a:t>User can view available DigiBp calendar booking.</a:t>
+            </a:r>
+          </a:p>
+          <a:p>
+            <a:pPr marL="285750" indent="-285750">
+              <a:buFont typeface="Arial" panose="020B0604020202020204" pitchFamily="34" charset="0"/>
+              <a:buChar char="•"/>
+            </a:pPr>
+            <a:endParaRPr lang="en-CH" sz="2000" dirty="0"/>
+          </a:p>
+          <a:p>
+            <a:pPr marL="285750" indent="-285750">
+              <a:buFont typeface="Arial" panose="020B0604020202020204" pitchFamily="34" charset="0"/>
+              <a:buChar char="•"/>
+            </a:pPr>
+            <a:r>
+              <a:rPr lang="en-CH" sz="2000" dirty="0"/>
+              <a:t>Based on available time slotes (2 per day of 2 hours each at 10.00 and 14.00) can create and delete bookings.</a:t>
+            </a:r>
+          </a:p>
+          <a:p>
+            <a:endParaRPr lang="en-CH" dirty="0"/>
+          </a:p>
+        </p:txBody>
+      </p:sp>
+      <p:pic>
+        <p:nvPicPr>
+          <p:cNvPr id="5" name="Picture 4">
+            <a:extLst>
+              <a:ext uri="{FF2B5EF4-FFF2-40B4-BE49-F238E27FC236}">
+                <a16:creationId xmlns:a16="http://schemas.microsoft.com/office/drawing/2014/main" id="{02CB8AE5-4697-0148-86F4-8664FE36B971}"/>
+              </a:ext>
+            </a:extLst>
+          </p:cNvPr>
+          <p:cNvPicPr>
+            <a:picLocks noChangeAspect="1"/>
+          </p:cNvPicPr>
+          <p:nvPr/>
+        </p:nvPicPr>
+        <p:blipFill>
+          <a:blip r:embed="rId2"/>
+          <a:stretch>
+            <a:fillRect/>
+          </a:stretch>
+        </p:blipFill>
+        <p:spPr>
+          <a:xfrm>
+            <a:off x="8220600" y="208860"/>
+            <a:ext cx="2260600" cy="1131410"/>
+          </a:xfrm>
+          <a:prstGeom prst="rect">
+            <a:avLst/>
+          </a:prstGeom>
+        </p:spPr>
+      </p:pic>
+    </p:spTree>
+  </p:cSld>
+  <p:clrMapOvr>
+    <a:masterClrMapping/>
+  </p:clrMapOvr>
+  <p:timing>
+    <p:tnLst>
+      <p:par>
+        <p:cTn id="1" dur="indefinite" restart="never" nodeType="tmRoot">
+          <p:childTnLst>
+            <p:seq>
+              <p:cTn id="2" dur="indefinite" nodeType="mainSeq"/>
+              <p:prevCondLst>
+                <p:cond evt="onPrev" delay="0">
+                  <p:tgtEl>
+                    <p:sldTgt/>
+                  </p:tgtEl>
+                </p:cond>
+              </p:prevCondLst>
+              <p:nextCondLst>
+                <p:cond evt="onNext" delay="0">
+                  <p:tgtEl>
+                    <p:sldTgt/>
+                  </p:tgtEl>
+                </p:cond>
+              </p:nextCondLst>
+            </p:seq>
+          </p:childTnLst>
+        </p:cTn>
+      </p:par>
+    </p:tnLst>
+  </p:timing>
+</p:sld>
+</file>
+
+<file path=ppt/slides/slide12.xml><?xml version="1.0" encoding="utf-8"?>
+<p:sld xmlns:a="http://schemas.openxmlformats.org/drawingml/2006/main" xmlns:r="http://schemas.openxmlformats.org/officeDocument/2006/relationships" xmlns:p="http://schemas.openxmlformats.org/presentationml/2006/main">
+  <p:cSld>
+    <p:spTree>
+      <p:nvGrpSpPr>
+        <p:cNvPr id="1" name=""/>
+        <p:cNvGrpSpPr/>
+        <p:nvPr/>
+      </p:nvGrpSpPr>
+      <p:grpSpPr>
+        <a:xfrm>
+          <a:off x="0" y="0"/>
+          <a:ext cx="0" cy="0"/>
+          <a:chOff x="0" y="0"/>
+          <a:chExt cx="0" cy="0"/>
+        </a:xfrm>
+      </p:grpSpPr>
+      <p:sp>
+        <p:nvSpPr>
+          <p:cNvPr id="144" name="CustomShape 1"/>
+          <p:cNvSpPr/>
+          <p:nvPr/>
+        </p:nvSpPr>
+        <p:spPr>
+          <a:xfrm>
+            <a:off x="736560" y="1509840"/>
+            <a:ext cx="9212760" cy="360720"/>
+          </a:xfrm>
+          <a:prstGeom prst="rect">
+            <a:avLst/>
+          </a:prstGeom>
+          <a:noFill/>
+          <a:ln>
+            <a:noFill/>
+          </a:ln>
+        </p:spPr>
+        <p:style>
+          <a:lnRef idx="0">
+            <a:scrgbClr r="0" g="0" b="0"/>
+          </a:lnRef>
+          <a:fillRef idx="0">
+            <a:scrgbClr r="0" g="0" b="0"/>
+          </a:fillRef>
+          <a:effectRef idx="0">
+            <a:scrgbClr r="0" g="0" b="0"/>
+          </a:effectRef>
+          <a:fontRef idx="minor"/>
+        </p:style>
+        <p:txBody>
+          <a:bodyPr lIns="0" tIns="0" rIns="0" bIns="0"/>
+          <a:lstStyle/>
+          <a:p>
+            <a:pPr>
+              <a:lnSpc>
+                <a:spcPct val="100000"/>
+              </a:lnSpc>
+            </a:pPr>
+            <a:r>
+              <a:rPr lang="en-US" sz="2000" b="1" strike="noStrike" spc="-1">
+                <a:solidFill>
+                  <a:srgbClr val="000000"/>
+                </a:solidFill>
+                <a:latin typeface="Arial"/>
+                <a:ea typeface="DejaVu Sans"/>
+              </a:rPr>
+              <a:t>Outlook</a:t>
+            </a:r>
+            <a:endParaRPr lang="en-US" sz="2000" b="0" strike="noStrike" spc="-1">
+              <a:latin typeface="Arial"/>
+            </a:endParaRPr>
+          </a:p>
+        </p:txBody>
+      </p:sp>
+      <p:sp>
+        <p:nvSpPr>
+          <p:cNvPr id="145" name="CustomShape 2"/>
+          <p:cNvSpPr/>
+          <p:nvPr/>
+        </p:nvSpPr>
+        <p:spPr>
+          <a:xfrm>
+            <a:off x="738360" y="2197080"/>
+            <a:ext cx="9212760" cy="4462920"/>
+          </a:xfrm>
+          <a:prstGeom prst="rect">
+            <a:avLst/>
+          </a:prstGeom>
+          <a:noFill/>
+          <a:ln>
+            <a:noFill/>
+          </a:ln>
+        </p:spPr>
+        <p:style>
+          <a:lnRef idx="0">
+            <a:scrgbClr r="0" g="0" b="0"/>
+          </a:lnRef>
+          <a:fillRef idx="0">
+            <a:scrgbClr r="0" g="0" b="0"/>
+          </a:fillRef>
+          <a:effectRef idx="0">
+            <a:scrgbClr r="0" g="0" b="0"/>
+          </a:effectRef>
+          <a:fontRef idx="minor"/>
+        </p:style>
+        <p:txBody>
+          <a:bodyPr lIns="0" tIns="0" rIns="0" bIns="0"/>
+          <a:lstStyle/>
+          <a:p>
+            <a:pPr marL="343080" indent="-342000">
+              <a:lnSpc>
+                <a:spcPct val="115000"/>
+              </a:lnSpc>
+              <a:spcBef>
+                <a:spcPts val="1199"/>
+              </a:spcBef>
+              <a:buClr>
+                <a:srgbClr val="000000"/>
+              </a:buClr>
+              <a:buFont typeface="StarSymbol"/>
+              <a:buChar char="-"/>
+            </a:pPr>
+            <a:r>
+              <a:rPr lang="en-US" sz="2000" spc="-1" dirty="0">
+                <a:solidFill>
+                  <a:srgbClr val="000000"/>
+                </a:solidFill>
+              </a:rPr>
+              <a:t>(mention the user task on the very last of our process)</a:t>
+            </a:r>
+            <a:endParaRPr lang="en-US" sz="2000" b="0" strike="noStrike" spc="-1" dirty="0">
+              <a:solidFill>
+                <a:srgbClr val="000000"/>
+              </a:solidFill>
+              <a:latin typeface="Arial"/>
+              <a:ea typeface="DejaVu Sans"/>
+            </a:endParaRPr>
+          </a:p>
+          <a:p>
+            <a:pPr marL="343080" indent="-342000">
+              <a:lnSpc>
+                <a:spcPct val="115000"/>
+              </a:lnSpc>
+              <a:spcBef>
+                <a:spcPts val="1199"/>
+              </a:spcBef>
+              <a:buClr>
+                <a:srgbClr val="000000"/>
+              </a:buClr>
+              <a:buFont typeface="StarSymbol"/>
+              <a:buChar char="-"/>
+            </a:pPr>
+            <a:endParaRPr lang="en-US" sz="2000" spc="-1" dirty="0">
+              <a:solidFill>
+                <a:srgbClr val="000000"/>
+              </a:solidFill>
+              <a:highlight>
+                <a:srgbClr val="FFFF00"/>
+              </a:highlight>
+              <a:latin typeface="Arial"/>
+              <a:ea typeface="DejaVu Sans"/>
+            </a:endParaRPr>
+          </a:p>
+          <a:p>
+            <a:pPr marL="343080" indent="-342000">
+              <a:lnSpc>
+                <a:spcPct val="115000"/>
+              </a:lnSpc>
+              <a:spcBef>
+                <a:spcPts val="1199"/>
+              </a:spcBef>
+              <a:buClr>
+                <a:srgbClr val="000000"/>
+              </a:buClr>
+              <a:buFont typeface="StarSymbol"/>
+              <a:buChar char="-"/>
+            </a:pPr>
+            <a:r>
+              <a:rPr lang="en-US" sz="2000" b="0" strike="noStrike" spc="-1" dirty="0">
+                <a:solidFill>
+                  <a:srgbClr val="000000"/>
+                </a:solidFill>
+                <a:latin typeface="Arial"/>
+                <a:ea typeface="DejaVu Sans"/>
+              </a:rPr>
+              <a:t>Evaluate candidates with job requirements (usage of a second DMN)</a:t>
+            </a:r>
+            <a:endParaRPr lang="en-US" sz="2000" b="0" strike="noStrike" spc="-1" dirty="0">
+              <a:latin typeface="Arial"/>
+            </a:endParaRPr>
+          </a:p>
+          <a:p>
+            <a:pPr>
+              <a:lnSpc>
+                <a:spcPct val="115000"/>
+              </a:lnSpc>
+              <a:spcBef>
+                <a:spcPts val="1199"/>
+              </a:spcBef>
+            </a:pPr>
+            <a:endParaRPr lang="en-US" sz="2000" b="0" strike="noStrike" spc="-1" dirty="0">
+              <a:highlight>
+                <a:srgbClr val="FFFF00"/>
+              </a:highlight>
+              <a:latin typeface="Arial"/>
+            </a:endParaRPr>
+          </a:p>
+          <a:p>
+            <a:pPr marL="343080" indent="-342000">
+              <a:lnSpc>
+                <a:spcPct val="115000"/>
+              </a:lnSpc>
+              <a:spcBef>
+                <a:spcPts val="1199"/>
+              </a:spcBef>
+              <a:buClr>
+                <a:srgbClr val="000000"/>
+              </a:buClr>
+              <a:buFont typeface="StarSymbol"/>
+              <a:buChar char="-"/>
+            </a:pPr>
+            <a:r>
+              <a:rPr lang="en-US" sz="2000" b="0" strike="noStrike" spc="-1" dirty="0" err="1">
+                <a:solidFill>
+                  <a:srgbClr val="000000"/>
+                </a:solidFill>
+                <a:highlight>
+                  <a:srgbClr val="FFFF00"/>
+                </a:highlight>
+                <a:latin typeface="Arial"/>
+                <a:ea typeface="DejaVu Sans"/>
+              </a:rPr>
+              <a:t>xxxxxx</a:t>
+            </a:r>
+            <a:endParaRPr lang="en-US" sz="2000" b="0" strike="noStrike" spc="-1" dirty="0">
+              <a:highlight>
+                <a:srgbClr val="FFFF00"/>
+              </a:highlight>
+              <a:latin typeface="Arial"/>
+            </a:endParaRPr>
+          </a:p>
+          <a:p>
+            <a:pPr>
+              <a:lnSpc>
+                <a:spcPct val="115000"/>
+              </a:lnSpc>
+              <a:spcBef>
+                <a:spcPts val="1199"/>
+              </a:spcBef>
+            </a:pPr>
+            <a:endParaRPr lang="en-US" sz="2000" b="0" strike="noStrike" spc="-1" dirty="0">
+              <a:highlight>
+                <a:srgbClr val="FFFF00"/>
+              </a:highlight>
+              <a:latin typeface="Arial"/>
+            </a:endParaRPr>
+          </a:p>
+          <a:p>
+            <a:pPr marL="343080" indent="-342000">
+              <a:lnSpc>
+                <a:spcPct val="115000"/>
+              </a:lnSpc>
+              <a:spcBef>
+                <a:spcPts val="1199"/>
+              </a:spcBef>
+              <a:buClr>
+                <a:srgbClr val="000000"/>
+              </a:buClr>
+              <a:buFont typeface="StarSymbol"/>
+              <a:buChar char="-"/>
+            </a:pPr>
+            <a:r>
+              <a:rPr lang="en-US" sz="2000" b="0" strike="noStrike" spc="-1" dirty="0" err="1">
+                <a:solidFill>
+                  <a:srgbClr val="000000"/>
+                </a:solidFill>
+                <a:highlight>
+                  <a:srgbClr val="FFFF00"/>
+                </a:highlight>
+                <a:latin typeface="Arial"/>
+                <a:ea typeface="DejaVu Sans"/>
+              </a:rPr>
+              <a:t>xxxxxxx</a:t>
+            </a:r>
+            <a:endParaRPr lang="en-US" sz="2000" b="0" strike="noStrike" spc="-1" dirty="0">
+              <a:highlight>
+                <a:srgbClr val="FFFF00"/>
+              </a:highlight>
+              <a:latin typeface="Arial"/>
+            </a:endParaRPr>
+          </a:p>
+          <a:p>
+            <a:pPr marL="800280" lvl="1" indent="-342000">
+              <a:lnSpc>
+                <a:spcPct val="115000"/>
+              </a:lnSpc>
+              <a:spcBef>
+                <a:spcPts val="1199"/>
+              </a:spcBef>
+              <a:buClr>
+                <a:srgbClr val="000000"/>
+              </a:buClr>
+              <a:buFont typeface="StarSymbol"/>
+              <a:buChar char="-"/>
+            </a:pPr>
+            <a:r>
+              <a:rPr lang="en-US" sz="2000" b="0" strike="noStrike" spc="-1" dirty="0" err="1">
+                <a:solidFill>
+                  <a:srgbClr val="000000"/>
+                </a:solidFill>
+                <a:highlight>
+                  <a:srgbClr val="FFFF00"/>
+                </a:highlight>
+                <a:latin typeface="Arial"/>
+                <a:ea typeface="DejaVu Sans"/>
+              </a:rPr>
+              <a:t>xxxx</a:t>
+            </a:r>
+            <a:endParaRPr lang="en-US" sz="2000" b="0" strike="noStrike" spc="-1" dirty="0">
+              <a:highlight>
+                <a:srgbClr val="FFFF00"/>
+              </a:highlight>
+              <a:latin typeface="Arial"/>
+            </a:endParaRPr>
+          </a:p>
+          <a:p>
+            <a:pPr>
+              <a:lnSpc>
+                <a:spcPct val="115000"/>
+              </a:lnSpc>
+              <a:spcBef>
+                <a:spcPts val="1199"/>
+              </a:spcBef>
+            </a:pPr>
+            <a:endParaRPr lang="en-US" sz="2000" b="0" strike="noStrike" spc="-1" dirty="0">
+              <a:latin typeface="Arial"/>
+            </a:endParaRPr>
+          </a:p>
+        </p:txBody>
+      </p:sp>
+      <p:sp>
+        <p:nvSpPr>
+          <p:cNvPr id="146" name="CustomShape 3"/>
+          <p:cNvSpPr/>
+          <p:nvPr/>
+        </p:nvSpPr>
+        <p:spPr>
+          <a:xfrm>
+            <a:off x="8221680" y="7197840"/>
+            <a:ext cx="864000" cy="178200"/>
+          </a:xfrm>
+          <a:prstGeom prst="rect">
+            <a:avLst/>
+          </a:prstGeom>
+          <a:noFill/>
+          <a:ln>
+            <a:noFill/>
+          </a:ln>
+        </p:spPr>
+        <p:style>
+          <a:lnRef idx="0">
+            <a:scrgbClr r="0" g="0" b="0"/>
+          </a:lnRef>
+          <a:fillRef idx="0">
+            <a:scrgbClr r="0" g="0" b="0"/>
+          </a:fillRef>
+          <a:effectRef idx="0">
+            <a:scrgbClr r="0" g="0" b="0"/>
+          </a:effectRef>
+          <a:fontRef idx="minor"/>
+        </p:style>
+        <p:txBody>
+          <a:bodyPr lIns="0" tIns="0" rIns="0" bIns="0" anchor="b"/>
+          <a:lstStyle/>
+          <a:p>
+            <a:r>
+              <a:rPr lang="en-US" sz="1200" spc="-1" dirty="0"/>
+              <a:t>04.06.2020</a:t>
+            </a:r>
+          </a:p>
+        </p:txBody>
+      </p:sp>
+      <p:sp>
+        <p:nvSpPr>
+          <p:cNvPr id="147" name="CustomShape 4"/>
+          <p:cNvSpPr/>
+          <p:nvPr/>
+        </p:nvSpPr>
+        <p:spPr>
+          <a:xfrm>
+            <a:off x="736560" y="7197840"/>
+            <a:ext cx="7484040" cy="178200"/>
+          </a:xfrm>
+          <a:prstGeom prst="rect">
+            <a:avLst/>
+          </a:prstGeom>
+          <a:noFill/>
+          <a:ln>
+            <a:noFill/>
+          </a:ln>
+        </p:spPr>
+        <p:style>
+          <a:lnRef idx="0">
+            <a:scrgbClr r="0" g="0" b="0"/>
+          </a:lnRef>
+          <a:fillRef idx="0">
+            <a:scrgbClr r="0" g="0" b="0"/>
+          </a:fillRef>
+          <a:effectRef idx="0">
+            <a:scrgbClr r="0" g="0" b="0"/>
+          </a:effectRef>
+          <a:fontRef idx="minor"/>
+        </p:style>
+        <p:txBody>
+          <a:bodyPr lIns="0" tIns="0" rIns="0" bIns="0" anchor="b"/>
+          <a:lstStyle/>
+          <a:p>
+            <a:pPr>
+              <a:lnSpc>
+                <a:spcPct val="100000"/>
+              </a:lnSpc>
+            </a:pPr>
+            <a:r>
+              <a:rPr lang="en-US" sz="1200" spc="-1" dirty="0">
+                <a:solidFill>
+                  <a:srgbClr val="000000"/>
+                </a:solidFill>
+              </a:rPr>
+              <a:t>DigiBP	Luca Müller, Nicola Raemy, Isar Gammoh, Pooja Bisht</a:t>
+            </a:r>
+            <a:endParaRPr lang="en-US" sz="1200" spc="-1" dirty="0"/>
+          </a:p>
+        </p:txBody>
+      </p:sp>
+      <p:sp>
+        <p:nvSpPr>
+          <p:cNvPr id="148" name="CustomShape 5"/>
+          <p:cNvSpPr/>
+          <p:nvPr/>
+        </p:nvSpPr>
+        <p:spPr>
+          <a:xfrm>
+            <a:off x="9086760" y="7197840"/>
+            <a:ext cx="862560" cy="178200"/>
+          </a:xfrm>
+          <a:prstGeom prst="rect">
+            <a:avLst/>
+          </a:prstGeom>
+          <a:noFill/>
+          <a:ln>
+            <a:noFill/>
+          </a:ln>
+        </p:spPr>
+        <p:style>
+          <a:lnRef idx="0">
+            <a:scrgbClr r="0" g="0" b="0"/>
+          </a:lnRef>
+          <a:fillRef idx="0">
+            <a:scrgbClr r="0" g="0" b="0"/>
+          </a:fillRef>
+          <a:effectRef idx="0">
+            <a:scrgbClr r="0" g="0" b="0"/>
+          </a:effectRef>
+          <a:fontRef idx="minor"/>
+        </p:style>
+        <p:txBody>
+          <a:bodyPr lIns="0" tIns="0" rIns="0" bIns="0" anchor="b"/>
+          <a:lstStyle/>
+          <a:p>
+            <a:pPr algn="r">
+              <a:lnSpc>
+                <a:spcPct val="100000"/>
+              </a:lnSpc>
+            </a:pPr>
+            <a:fld id="{D9A4007B-5B80-4163-80FA-8E411138EAA0}" type="slidenum">
+              <a:rPr lang="en-US" sz="1200" b="0" strike="noStrike" spc="-1">
+                <a:solidFill>
+                  <a:srgbClr val="000000"/>
+                </a:solidFill>
+                <a:latin typeface="Arial"/>
+                <a:ea typeface="DejaVu Sans"/>
+              </a:rPr>
+              <a:t>12</a:t>
+            </a:fld>
+            <a:endParaRPr lang="en-US" sz="1200" b="0" strike="noStrike" spc="-1">
+              <a:latin typeface="Arial"/>
+            </a:endParaRPr>
+          </a:p>
+        </p:txBody>
+      </p:sp>
+    </p:spTree>
+  </p:cSld>
+  <p:clrMapOvr>
+    <a:masterClrMapping/>
+  </p:clrMapOvr>
+  <p:timing>
+    <p:tnLst>
+      <p:par>
+        <p:cTn id="1" dur="indefinite" restart="never" nodeType="tmRoot">
+          <p:childTnLst>
+            <p:seq>
+              <p:cTn id="2" dur="indefinite" nodeType="mainSeq"/>
+              <p:prevCondLst>
+                <p:cond evt="onPrev" delay="0">
+                  <p:tgtEl>
+                    <p:sldTgt/>
+                  </p:tgtEl>
+                </p:cond>
+              </p:prevCondLst>
+              <p:nextCondLst>
+                <p:cond evt="onNext" delay="0">
+                  <p:tgtEl>
+                    <p:sldTgt/>
+                  </p:tgtEl>
+                </p:cond>
+              </p:nextCondLst>
+            </p:seq>
+          </p:childTnLst>
+        </p:cTn>
+      </p:par>
+    </p:tnLst>
+  </p:timing>
+</p:sld>
+</file>
+
+<file path=ppt/slides/slide2.xml><?xml version="1.0" encoding="utf-8"?>
+<p:sld xmlns:a="http://schemas.openxmlformats.org/drawingml/2006/main" xmlns:r="http://schemas.openxmlformats.org/officeDocument/2006/relationships" xmlns:p="http://schemas.openxmlformats.org/presentationml/2006/main">
+  <p:cSld>
+    <p:spTree>
+      <p:nvGrpSpPr>
+        <p:cNvPr id="1" name=""/>
+        <p:cNvGrpSpPr/>
+        <p:nvPr/>
+      </p:nvGrpSpPr>
+      <p:grpSpPr>
+        <a:xfrm>
+          <a:off x="0" y="0"/>
+          <a:ext cx="0" cy="0"/>
+          <a:chOff x="0" y="0"/>
+          <a:chExt cx="0" cy="0"/>
+        </a:xfrm>
+      </p:grpSpPr>
+      <p:sp>
+        <p:nvSpPr>
+          <p:cNvPr id="86" name="CustomShape 1"/>
+          <p:cNvSpPr/>
+          <p:nvPr/>
+        </p:nvSpPr>
+        <p:spPr>
+          <a:xfrm>
+            <a:off x="8221680" y="7197840"/>
+            <a:ext cx="864000" cy="178200"/>
+          </a:xfrm>
+          <a:prstGeom prst="rect">
+            <a:avLst/>
+          </a:prstGeom>
+          <a:noFill/>
+          <a:ln>
+            <a:noFill/>
+          </a:ln>
+        </p:spPr>
+        <p:style>
+          <a:lnRef idx="0">
+            <a:scrgbClr r="0" g="0" b="0"/>
+          </a:lnRef>
+          <a:fillRef idx="0">
+            <a:scrgbClr r="0" g="0" b="0"/>
+          </a:fillRef>
+          <a:effectRef idx="0">
+            <a:scrgbClr r="0" g="0" b="0"/>
+          </a:effectRef>
+          <a:fontRef idx="minor"/>
+        </p:style>
+        <p:txBody>
+          <a:bodyPr lIns="0" tIns="0" rIns="0" bIns="0" anchor="b"/>
+          <a:lstStyle/>
+          <a:p>
+            <a:pPr>
+              <a:lnSpc>
+                <a:spcPct val="100000"/>
+              </a:lnSpc>
+            </a:pPr>
+            <a:r>
+              <a:rPr lang="en-US" sz="1200" spc="-1" dirty="0">
+                <a:latin typeface="Arial"/>
+              </a:rPr>
+              <a:t>04.06.2020</a:t>
+            </a:r>
+            <a:endParaRPr lang="en-US" sz="1200" b="0" strike="noStrike" spc="-1" dirty="0">
+              <a:latin typeface="Arial"/>
+            </a:endParaRPr>
+          </a:p>
+        </p:txBody>
+      </p:sp>
+      <p:sp>
+        <p:nvSpPr>
+          <p:cNvPr id="87" name="CustomShape 2"/>
+          <p:cNvSpPr/>
+          <p:nvPr/>
+        </p:nvSpPr>
+        <p:spPr>
+          <a:xfrm>
+            <a:off x="736560" y="7197840"/>
+            <a:ext cx="7484040" cy="178200"/>
+          </a:xfrm>
+          <a:prstGeom prst="rect">
+            <a:avLst/>
+          </a:prstGeom>
+          <a:noFill/>
+          <a:ln>
+            <a:noFill/>
+          </a:ln>
+        </p:spPr>
+        <p:style>
+          <a:lnRef idx="0">
+            <a:scrgbClr r="0" g="0" b="0"/>
+          </a:lnRef>
+          <a:fillRef idx="0">
+            <a:scrgbClr r="0" g="0" b="0"/>
+          </a:fillRef>
+          <a:effectRef idx="0">
+            <a:scrgbClr r="0" g="0" b="0"/>
+          </a:effectRef>
+          <a:fontRef idx="minor"/>
+        </p:style>
+        <p:txBody>
+          <a:bodyPr lIns="0" tIns="0" rIns="0" bIns="0" anchor="b"/>
+          <a:lstStyle/>
+          <a:p>
+            <a:pPr>
+              <a:lnSpc>
+                <a:spcPct val="100000"/>
+              </a:lnSpc>
+            </a:pPr>
+            <a:r>
+              <a:rPr lang="en-US" sz="1200" b="0" strike="noStrike" spc="-1" dirty="0">
+                <a:solidFill>
+                  <a:srgbClr val="000000"/>
+                </a:solidFill>
+                <a:latin typeface="Arial"/>
+                <a:ea typeface="DejaVu Sans"/>
+              </a:rPr>
+              <a:t>DigiBP	Luca Müller, Nicola Raemy, Isar Gammoh, Pooja Bisht</a:t>
+            </a:r>
+            <a:endParaRPr lang="en-US" sz="1200" b="0" strike="noStrike" spc="-1" dirty="0">
+              <a:latin typeface="Arial"/>
+            </a:endParaRPr>
+          </a:p>
+        </p:txBody>
+      </p:sp>
+      <p:sp>
+        <p:nvSpPr>
+          <p:cNvPr id="88" name="CustomShape 3"/>
+          <p:cNvSpPr/>
+          <p:nvPr/>
+        </p:nvSpPr>
+        <p:spPr>
+          <a:xfrm>
+            <a:off x="9086760" y="7197840"/>
+            <a:ext cx="862560" cy="178200"/>
+          </a:xfrm>
+          <a:prstGeom prst="rect">
+            <a:avLst/>
+          </a:prstGeom>
+          <a:noFill/>
+          <a:ln>
+            <a:noFill/>
+          </a:ln>
+        </p:spPr>
+        <p:style>
+          <a:lnRef idx="0">
+            <a:scrgbClr r="0" g="0" b="0"/>
+          </a:lnRef>
+          <a:fillRef idx="0">
+            <a:scrgbClr r="0" g="0" b="0"/>
+          </a:fillRef>
+          <a:effectRef idx="0">
+            <a:scrgbClr r="0" g="0" b="0"/>
+          </a:effectRef>
+          <a:fontRef idx="minor"/>
+        </p:style>
+        <p:txBody>
+          <a:bodyPr lIns="0" tIns="0" rIns="0" bIns="0" anchor="b"/>
+          <a:lstStyle/>
+          <a:p>
+            <a:pPr algn="r">
+              <a:lnSpc>
+                <a:spcPct val="100000"/>
+              </a:lnSpc>
+            </a:pPr>
+            <a:fld id="{E543EDC4-2688-4AFB-B0C1-0827090BB9E8}" type="slidenum">
+              <a:rPr lang="en-US" sz="1200" b="0" strike="noStrike" spc="-1">
+                <a:solidFill>
+                  <a:srgbClr val="000000"/>
+                </a:solidFill>
+                <a:latin typeface="Arial"/>
+                <a:ea typeface="DejaVu Sans"/>
+              </a:rPr>
+              <a:t>2</a:t>
+            </a:fld>
+            <a:endParaRPr lang="en-US" sz="1200" b="0" strike="noStrike" spc="-1" dirty="0">
+              <a:latin typeface="Arial"/>
+            </a:endParaRPr>
+          </a:p>
+        </p:txBody>
+      </p:sp>
+      <p:sp>
+        <p:nvSpPr>
+          <p:cNvPr id="89" name="CustomShape 4"/>
+          <p:cNvSpPr/>
+          <p:nvPr/>
+        </p:nvSpPr>
+        <p:spPr>
+          <a:xfrm>
+            <a:off x="736560" y="1509840"/>
+            <a:ext cx="9212760" cy="360720"/>
+          </a:xfrm>
+          <a:prstGeom prst="rect">
+            <a:avLst/>
+          </a:prstGeom>
+          <a:noFill/>
+          <a:ln>
+            <a:noFill/>
+          </a:ln>
+        </p:spPr>
+        <p:style>
+          <a:lnRef idx="0">
+            <a:scrgbClr r="0" g="0" b="0"/>
+          </a:lnRef>
+          <a:fillRef idx="0">
+            <a:scrgbClr r="0" g="0" b="0"/>
+          </a:fillRef>
+          <a:effectRef idx="0">
+            <a:scrgbClr r="0" g="0" b="0"/>
+          </a:effectRef>
+          <a:fontRef idx="minor"/>
+        </p:style>
+        <p:txBody>
+          <a:bodyPr lIns="0" tIns="0" rIns="0" bIns="0"/>
+          <a:lstStyle/>
+          <a:p>
+            <a:pPr>
+              <a:lnSpc>
+                <a:spcPct val="100000"/>
+              </a:lnSpc>
+            </a:pPr>
+            <a:r>
+              <a:rPr lang="en-US" sz="2000" b="1" strike="noStrike" spc="-1" dirty="0">
+                <a:solidFill>
+                  <a:srgbClr val="000000"/>
+                </a:solidFill>
+                <a:latin typeface="Arial"/>
+                <a:ea typeface="DejaVu Sans"/>
+              </a:rPr>
+              <a:t>Introduction</a:t>
+            </a:r>
+            <a:endParaRPr lang="en-US" sz="2000" b="0" strike="noStrike" spc="-1" dirty="0">
+              <a:latin typeface="Arial"/>
+            </a:endParaRPr>
+          </a:p>
+        </p:txBody>
+      </p:sp>
+      <p:sp>
+        <p:nvSpPr>
+          <p:cNvPr id="90" name="CustomShape 5"/>
+          <p:cNvSpPr/>
+          <p:nvPr/>
+        </p:nvSpPr>
+        <p:spPr>
+          <a:xfrm>
+            <a:off x="731520" y="2103119"/>
+            <a:ext cx="9212760" cy="2568271"/>
+          </a:xfrm>
+          <a:prstGeom prst="rect">
+            <a:avLst/>
+          </a:prstGeom>
+          <a:noFill/>
+          <a:ln>
+            <a:noFill/>
+          </a:ln>
+        </p:spPr>
+        <p:style>
+          <a:lnRef idx="0">
+            <a:scrgbClr r="0" g="0" b="0"/>
+          </a:lnRef>
+          <a:fillRef idx="0">
+            <a:scrgbClr r="0" g="0" b="0"/>
+          </a:fillRef>
+          <a:effectRef idx="0">
+            <a:scrgbClr r="0" g="0" b="0"/>
+          </a:effectRef>
+          <a:fontRef idx="minor"/>
+        </p:style>
+        <p:txBody>
+          <a:bodyPr lIns="0" tIns="0" rIns="0" bIns="0"/>
+          <a:lstStyle/>
+          <a:p>
+            <a:pPr marL="343080" indent="-342000">
+              <a:lnSpc>
+                <a:spcPct val="115000"/>
+              </a:lnSpc>
+              <a:spcBef>
+                <a:spcPts val="1199"/>
+              </a:spcBef>
+              <a:buClr>
+                <a:srgbClr val="000000"/>
+              </a:buClr>
+              <a:buFont typeface="StarSymbol"/>
+              <a:buChar char="-"/>
+            </a:pPr>
+            <a:r>
+              <a:rPr lang="en-US" sz="2000" b="0" strike="noStrike" spc="-1" dirty="0">
+                <a:solidFill>
+                  <a:srgbClr val="000000"/>
+                </a:solidFill>
+                <a:latin typeface="Arial"/>
+                <a:ea typeface="DejaVu Sans"/>
+              </a:rPr>
+              <a:t>Optimization of a regular recruitment process</a:t>
+            </a:r>
+            <a:endParaRPr lang="en-US" sz="2000" b="0" strike="noStrike" spc="-1" dirty="0">
+              <a:latin typeface="Arial"/>
+            </a:endParaRPr>
+          </a:p>
+          <a:p>
+            <a:pPr marL="343080" indent="-342000">
+              <a:lnSpc>
+                <a:spcPct val="115000"/>
+              </a:lnSpc>
+              <a:spcBef>
+                <a:spcPts val="1199"/>
+              </a:spcBef>
+              <a:buClr>
+                <a:srgbClr val="000000"/>
+              </a:buClr>
+              <a:buFont typeface="StarSymbol"/>
+              <a:buChar char="-"/>
+            </a:pPr>
+            <a:r>
+              <a:rPr lang="en-US" sz="2000" b="0" strike="noStrike" spc="-1" dirty="0">
+                <a:solidFill>
+                  <a:srgbClr val="000000"/>
+                </a:solidFill>
+                <a:latin typeface="Arial"/>
+                <a:ea typeface="DejaVu Sans"/>
+              </a:rPr>
+              <a:t>Developed three major adjustments:</a:t>
+            </a:r>
+            <a:endParaRPr lang="en-US" sz="2000" b="0" strike="noStrike" spc="-1" dirty="0">
+              <a:latin typeface="Arial"/>
+            </a:endParaRPr>
+          </a:p>
+          <a:p>
+            <a:pPr marL="864000" lvl="1" indent="-323280">
+              <a:lnSpc>
+                <a:spcPct val="100000"/>
+              </a:lnSpc>
+              <a:spcBef>
+                <a:spcPts val="1134"/>
+              </a:spcBef>
+              <a:buClr>
+                <a:srgbClr val="000000"/>
+              </a:buClr>
+              <a:buSzPct val="75000"/>
+              <a:buFont typeface="Symbol"/>
+              <a:buChar char=""/>
+            </a:pPr>
+            <a:r>
+              <a:rPr lang="en-US" sz="2000" b="0" strike="noStrike" spc="-1" dirty="0">
+                <a:solidFill>
+                  <a:srgbClr val="000000"/>
+                </a:solidFill>
+                <a:latin typeface="Arial"/>
+                <a:ea typeface="DejaVu Sans"/>
+              </a:rPr>
+              <a:t>Publication of a job via LinkedIn</a:t>
+            </a:r>
+            <a:endParaRPr lang="en-US" sz="2000" b="0" strike="noStrike" spc="-1" dirty="0">
+              <a:latin typeface="Arial"/>
+            </a:endParaRPr>
+          </a:p>
+          <a:p>
+            <a:pPr marL="864000" lvl="1" indent="-323280">
+              <a:lnSpc>
+                <a:spcPct val="100000"/>
+              </a:lnSpc>
+              <a:spcBef>
+                <a:spcPts val="1134"/>
+              </a:spcBef>
+              <a:buClr>
+                <a:srgbClr val="000000"/>
+              </a:buClr>
+              <a:buSzPct val="75000"/>
+              <a:buFont typeface="Symbol"/>
+              <a:buChar char=""/>
+            </a:pPr>
+            <a:r>
+              <a:rPr lang="en-US" sz="2000" spc="-1" dirty="0">
+                <a:solidFill>
+                  <a:srgbClr val="000000"/>
+                </a:solidFill>
+                <a:latin typeface="Arial"/>
+              </a:rPr>
+              <a:t>Dialogflow and DMN for a first selection</a:t>
+            </a:r>
+          </a:p>
+          <a:p>
+            <a:pPr marL="864000" lvl="1" indent="-323280">
+              <a:lnSpc>
+                <a:spcPct val="100000"/>
+              </a:lnSpc>
+              <a:spcBef>
+                <a:spcPts val="1134"/>
+              </a:spcBef>
+              <a:buClr>
+                <a:srgbClr val="000000"/>
+              </a:buClr>
+              <a:buSzPct val="75000"/>
+              <a:buFont typeface="Symbol"/>
+              <a:buChar char=""/>
+            </a:pPr>
+            <a:r>
+              <a:rPr lang="en-US" sz="2000" spc="-1" dirty="0">
+                <a:solidFill>
+                  <a:srgbClr val="000000"/>
+                </a:solidFill>
+              </a:rPr>
+              <a:t>Implementation of a booking system and automated E-Mail communication to minimize coordination effort</a:t>
+            </a:r>
+            <a:endParaRPr lang="en-US" sz="2000" b="0" strike="noStrike" spc="-1" dirty="0">
+              <a:latin typeface="Arial"/>
+            </a:endParaRPr>
+          </a:p>
+          <a:p>
+            <a:pPr>
+              <a:lnSpc>
+                <a:spcPct val="115000"/>
+              </a:lnSpc>
+              <a:spcBef>
+                <a:spcPts val="1199"/>
+              </a:spcBef>
+            </a:pPr>
+            <a:endParaRPr lang="en-US" sz="2000" b="0" strike="noStrike" spc="-1" dirty="0">
+              <a:latin typeface="Arial"/>
+            </a:endParaRPr>
+          </a:p>
+        </p:txBody>
+      </p:sp>
+      <p:sp>
+        <p:nvSpPr>
+          <p:cNvPr id="10" name="Textfeld 9">
+            <a:extLst>
+              <a:ext uri="{FF2B5EF4-FFF2-40B4-BE49-F238E27FC236}">
+                <a16:creationId xmlns:a16="http://schemas.microsoft.com/office/drawing/2014/main" id="{0C6F92D0-661B-4924-88AA-22299572D2D8}"/>
+              </a:ext>
+            </a:extLst>
+          </p:cNvPr>
+          <p:cNvSpPr txBox="1"/>
+          <p:nvPr/>
+        </p:nvSpPr>
+        <p:spPr>
+          <a:xfrm>
+            <a:off x="1205802" y="4873451"/>
+            <a:ext cx="3808325" cy="2031325"/>
+          </a:xfrm>
+          <a:prstGeom prst="rect">
+            <a:avLst/>
+          </a:prstGeom>
+          <a:noFill/>
+          <a:ln>
+            <a:solidFill>
+              <a:schemeClr val="tx1"/>
+            </a:solidFill>
+          </a:ln>
+        </p:spPr>
+        <p:txBody>
+          <a:bodyPr wrap="square" rtlCol="0">
+            <a:spAutoFit/>
+          </a:bodyPr>
+          <a:lstStyle/>
+          <a:p>
+            <a:r>
+              <a:rPr lang="en-GB" dirty="0"/>
+              <a:t>Placeholder 1 for image (LinkedIn job advert or </a:t>
+            </a:r>
+            <a:r>
+              <a:rPr lang="en-GB" dirty="0" err="1"/>
+              <a:t>smt</a:t>
+            </a:r>
+            <a:r>
+              <a:rPr lang="en-GB" dirty="0"/>
+              <a:t> like this)</a:t>
+            </a:r>
+          </a:p>
+          <a:p>
+            <a:endParaRPr lang="en-GB" dirty="0"/>
+          </a:p>
+          <a:p>
+            <a:endParaRPr lang="en-GB" dirty="0"/>
+          </a:p>
+          <a:p>
+            <a:endParaRPr lang="en-GB" dirty="0"/>
+          </a:p>
+          <a:p>
+            <a:endParaRPr lang="en-GB" dirty="0"/>
+          </a:p>
+          <a:p>
+            <a:endParaRPr lang="en-GB" dirty="0"/>
+          </a:p>
+        </p:txBody>
+      </p:sp>
+      <p:sp>
+        <p:nvSpPr>
+          <p:cNvPr id="11" name="Textfeld 10">
+            <a:extLst>
+              <a:ext uri="{FF2B5EF4-FFF2-40B4-BE49-F238E27FC236}">
+                <a16:creationId xmlns:a16="http://schemas.microsoft.com/office/drawing/2014/main" id="{14EAD16C-61BB-4C2A-81D5-33BA6184FC04}"/>
+              </a:ext>
+            </a:extLst>
+          </p:cNvPr>
+          <p:cNvSpPr txBox="1"/>
+          <p:nvPr/>
+        </p:nvSpPr>
+        <p:spPr>
+          <a:xfrm>
+            <a:off x="5358423" y="4873451"/>
+            <a:ext cx="3808325" cy="2031325"/>
+          </a:xfrm>
+          <a:prstGeom prst="rect">
+            <a:avLst/>
+          </a:prstGeom>
+          <a:noFill/>
+          <a:ln>
+            <a:solidFill>
+              <a:schemeClr val="tx1"/>
+            </a:solidFill>
+          </a:ln>
+        </p:spPr>
+        <p:txBody>
+          <a:bodyPr wrap="square" rtlCol="0">
+            <a:spAutoFit/>
+          </a:bodyPr>
+          <a:lstStyle/>
+          <a:p>
+            <a:r>
+              <a:rPr lang="en-GB" dirty="0"/>
+              <a:t>Placeholder 1 for image (booking system)</a:t>
+            </a:r>
+          </a:p>
+          <a:p>
+            <a:endParaRPr lang="de-CH" dirty="0"/>
+          </a:p>
+          <a:p>
+            <a:endParaRPr lang="de-CH" dirty="0"/>
+          </a:p>
+          <a:p>
+            <a:endParaRPr lang="de-CH" dirty="0"/>
+          </a:p>
+          <a:p>
+            <a:endParaRPr lang="de-CH" dirty="0"/>
+          </a:p>
+          <a:p>
+            <a:endParaRPr lang="de-CH" dirty="0"/>
+          </a:p>
+        </p:txBody>
+      </p:sp>
+      <p:pic>
+        <p:nvPicPr>
+          <p:cNvPr id="1028" name="Picture 4" descr="A screenshot of a social media post&#10;&#10;Description automatically generated">
+            <a:extLst>
+              <a:ext uri="{FF2B5EF4-FFF2-40B4-BE49-F238E27FC236}">
+                <a16:creationId xmlns:a16="http://schemas.microsoft.com/office/drawing/2014/main" id="{F6B72829-DB79-1A4D-BE91-DA0DB54B48BD}"/>
+              </a:ext>
+            </a:extLst>
+          </p:cNvPr>
+          <p:cNvPicPr>
+            <a:picLocks noChangeAspect="1" noChangeArrowheads="1"/>
+          </p:cNvPicPr>
+          <p:nvPr/>
+        </p:nvPicPr>
+        <p:blipFill>
+          <a:blip r:embed="rId3">
+            <a:extLst>
+              <a:ext uri="{28A0092B-C50C-407E-A947-70E740481C1C}">
+                <a14:useLocalDpi xmlns:a14="http://schemas.microsoft.com/office/drawing/2010/main" val="0"/>
+              </a:ext>
+            </a:extLst>
+          </a:blip>
+          <a:srcRect/>
+          <a:stretch>
+            <a:fillRect/>
+          </a:stretch>
+        </p:blipFill>
+        <p:spPr bwMode="auto">
+          <a:xfrm>
+            <a:off x="1205802" y="4849544"/>
+            <a:ext cx="3808325" cy="2055232"/>
+          </a:xfrm>
+          <a:prstGeom prst="rect">
+            <a:avLst/>
+          </a:prstGeom>
+          <a:noFill/>
+          <a:extLst>
+            <a:ext uri="{909E8E84-426E-40DD-AFC4-6F175D3DCCD1}">
+              <a14:hiddenFill xmlns:a14="http://schemas.microsoft.com/office/drawing/2010/main">
+                <a:solidFill>
+                  <a:srgbClr val="FFFFFF"/>
+                </a:solidFill>
+              </a14:hiddenFill>
+            </a:ext>
+          </a:extLst>
+        </p:spPr>
+      </p:pic>
+      <p:pic>
+        <p:nvPicPr>
+          <p:cNvPr id="1030" name="Picture 6" descr="A screenshot of a social media post&#10;&#10;Description automatically generated">
+            <a:extLst>
+              <a:ext uri="{FF2B5EF4-FFF2-40B4-BE49-F238E27FC236}">
+                <a16:creationId xmlns:a16="http://schemas.microsoft.com/office/drawing/2014/main" id="{2D19B10C-F823-3447-9ED2-4643DB581B2F}"/>
+              </a:ext>
+            </a:extLst>
+          </p:cNvPr>
+          <p:cNvPicPr>
+            <a:picLocks noChangeAspect="1" noChangeArrowheads="1"/>
+          </p:cNvPicPr>
+          <p:nvPr/>
+        </p:nvPicPr>
+        <p:blipFill>
+          <a:blip r:embed="rId4">
+            <a:extLst>
+              <a:ext uri="{28A0092B-C50C-407E-A947-70E740481C1C}">
+                <a14:useLocalDpi xmlns:a14="http://schemas.microsoft.com/office/drawing/2010/main" val="0"/>
+              </a:ext>
+            </a:extLst>
+          </a:blip>
+          <a:srcRect/>
+          <a:stretch>
+            <a:fillRect/>
+          </a:stretch>
+        </p:blipFill>
+        <p:spPr bwMode="auto">
+          <a:xfrm>
+            <a:off x="5358423" y="4849544"/>
+            <a:ext cx="3808325" cy="2079137"/>
+          </a:xfrm>
+          <a:prstGeom prst="rect">
+            <a:avLst/>
+          </a:prstGeom>
+          <a:noFill/>
+          <a:extLst>
+            <a:ext uri="{909E8E84-426E-40DD-AFC4-6F175D3DCCD1}">
+              <a14:hiddenFill xmlns:a14="http://schemas.microsoft.com/office/drawing/2010/main">
+                <a:solidFill>
+                  <a:srgbClr val="FFFFFF"/>
+                </a:solidFill>
+              </a14:hiddenFill>
+            </a:ext>
+          </a:extLst>
+        </p:spPr>
+      </p:pic>
+    </p:spTree>
+  </p:cSld>
+  <p:clrMapOvr>
+    <a:masterClrMapping/>
+  </p:clrMapOvr>
+  <p:timing>
+    <p:tnLst>
+      <p:par>
+        <p:cTn id="1" dur="indefinite" restart="never" nodeType="tmRoot">
+          <p:childTnLst>
+            <p:seq>
+              <p:cTn id="2" dur="indefinite" nodeType="mainSeq"/>
+              <p:prevCondLst>
+                <p:cond evt="onPrev" delay="0">
+                  <p:tgtEl>
+                    <p:sldTgt/>
+                  </p:tgtEl>
+                </p:cond>
+              </p:prevCondLst>
+              <p:nextCondLst>
+                <p:cond evt="onNext" delay="0">
+                  <p:tgtEl>
+                    <p:sldTgt/>
+                  </p:tgtEl>
+                </p:cond>
+              </p:nextCondLst>
+            </p:seq>
+          </p:childTnLst>
+        </p:cTn>
+      </p:par>
+    </p:tnLst>
+  </p:timing>
+</p:sld>
+</file>
+
+<file path=ppt/slides/slide3.xml><?xml version="1.0" encoding="utf-8"?>
+<p:sld xmlns:a="http://schemas.openxmlformats.org/drawingml/2006/main" xmlns:r="http://schemas.openxmlformats.org/officeDocument/2006/relationships" xmlns:p="http://schemas.openxmlformats.org/presentationml/2006/main">
+  <p:cSld>
+    <p:spTree>
+      <p:nvGrpSpPr>
+        <p:cNvPr id="1" name=""/>
+        <p:cNvGrpSpPr/>
+        <p:nvPr/>
+      </p:nvGrpSpPr>
+      <p:grpSpPr>
+        <a:xfrm>
+          <a:off x="0" y="0"/>
+          <a:ext cx="0" cy="0"/>
+          <a:chOff x="0" y="0"/>
+          <a:chExt cx="0" cy="0"/>
+        </a:xfrm>
+      </p:grpSpPr>
+      <p:sp>
+        <p:nvSpPr>
+          <p:cNvPr id="93" name="CustomShape 1"/>
+          <p:cNvSpPr/>
+          <p:nvPr/>
+        </p:nvSpPr>
+        <p:spPr>
+          <a:xfrm>
+            <a:off x="8221680" y="7197840"/>
+            <a:ext cx="864000" cy="178200"/>
+          </a:xfrm>
+          <a:prstGeom prst="rect">
+            <a:avLst/>
+          </a:prstGeom>
+          <a:noFill/>
+          <a:ln>
+            <a:noFill/>
+          </a:ln>
+        </p:spPr>
+        <p:style>
+          <a:lnRef idx="0">
+            <a:scrgbClr r="0" g="0" b="0"/>
+          </a:lnRef>
+          <a:fillRef idx="0">
+            <a:scrgbClr r="0" g="0" b="0"/>
+          </a:fillRef>
+          <a:effectRef idx="0">
+            <a:scrgbClr r="0" g="0" b="0"/>
+          </a:effectRef>
+          <a:fontRef idx="minor"/>
+        </p:style>
+        <p:txBody>
+          <a:bodyPr lIns="0" tIns="0" rIns="0" bIns="0" anchor="b"/>
+          <a:lstStyle/>
+          <a:p>
+            <a:r>
+              <a:rPr lang="en-US" sz="1200" spc="-1" dirty="0"/>
+              <a:t>04.06.2020</a:t>
+            </a:r>
+          </a:p>
+        </p:txBody>
+      </p:sp>
+      <p:sp>
+        <p:nvSpPr>
+          <p:cNvPr id="94" name="CustomShape 2"/>
+          <p:cNvSpPr/>
+          <p:nvPr/>
+        </p:nvSpPr>
+        <p:spPr>
+          <a:xfrm>
+            <a:off x="736560" y="7197840"/>
+            <a:ext cx="7484040" cy="178200"/>
+          </a:xfrm>
+          <a:prstGeom prst="rect">
+            <a:avLst/>
+          </a:prstGeom>
+          <a:noFill/>
+          <a:ln>
+            <a:noFill/>
+          </a:ln>
+        </p:spPr>
+        <p:style>
+          <a:lnRef idx="0">
+            <a:scrgbClr r="0" g="0" b="0"/>
+          </a:lnRef>
+          <a:fillRef idx="0">
+            <a:scrgbClr r="0" g="0" b="0"/>
+          </a:fillRef>
+          <a:effectRef idx="0">
+            <a:scrgbClr r="0" g="0" b="0"/>
+          </a:effectRef>
+          <a:fontRef idx="minor"/>
+        </p:style>
+        <p:txBody>
+          <a:bodyPr lIns="0" tIns="0" rIns="0" bIns="0" anchor="b"/>
+          <a:lstStyle/>
+          <a:p>
+            <a:pPr>
+              <a:lnSpc>
+                <a:spcPct val="100000"/>
+              </a:lnSpc>
+            </a:pPr>
+            <a:r>
+              <a:rPr lang="en-US" sz="1200" spc="-1" dirty="0">
+                <a:solidFill>
+                  <a:srgbClr val="000000"/>
+                </a:solidFill>
+              </a:rPr>
+              <a:t>DigiBP	Luca Müller, Nicola Raemy, Isar Gammoh, Pooja Bisht</a:t>
+            </a:r>
+            <a:endParaRPr lang="en-US" sz="1200" spc="-1" dirty="0"/>
+          </a:p>
+        </p:txBody>
+      </p:sp>
+      <p:sp>
+        <p:nvSpPr>
+          <p:cNvPr id="95" name="CustomShape 3"/>
+          <p:cNvSpPr/>
+          <p:nvPr/>
+        </p:nvSpPr>
+        <p:spPr>
+          <a:xfrm>
+            <a:off x="9086760" y="7197840"/>
+            <a:ext cx="862560" cy="178200"/>
+          </a:xfrm>
+          <a:prstGeom prst="rect">
+            <a:avLst/>
+          </a:prstGeom>
+          <a:noFill/>
+          <a:ln>
+            <a:noFill/>
+          </a:ln>
+        </p:spPr>
+        <p:style>
+          <a:lnRef idx="0">
+            <a:scrgbClr r="0" g="0" b="0"/>
+          </a:lnRef>
+          <a:fillRef idx="0">
+            <a:scrgbClr r="0" g="0" b="0"/>
+          </a:fillRef>
+          <a:effectRef idx="0">
+            <a:scrgbClr r="0" g="0" b="0"/>
+          </a:effectRef>
+          <a:fontRef idx="minor"/>
+        </p:style>
+        <p:txBody>
+          <a:bodyPr lIns="0" tIns="0" rIns="0" bIns="0" anchor="b"/>
+          <a:lstStyle/>
+          <a:p>
+            <a:pPr algn="r">
+              <a:lnSpc>
+                <a:spcPct val="100000"/>
+              </a:lnSpc>
+            </a:pPr>
+            <a:fld id="{49CBBAF4-72DD-4D87-A780-66DA87DD34FD}" type="slidenum">
+              <a:rPr lang="en-US" sz="1200" b="0" strike="noStrike" spc="-1">
+                <a:solidFill>
+                  <a:srgbClr val="000000"/>
+                </a:solidFill>
+                <a:latin typeface="Arial"/>
+                <a:ea typeface="DejaVu Sans"/>
+              </a:rPr>
+              <a:t>3</a:t>
+            </a:fld>
+            <a:endParaRPr lang="en-US" sz="1200" b="0" strike="noStrike" spc="-1">
+              <a:latin typeface="Arial"/>
+            </a:endParaRPr>
+          </a:p>
+        </p:txBody>
+      </p:sp>
+      <p:sp>
+        <p:nvSpPr>
+          <p:cNvPr id="96" name="CustomShape 4"/>
+          <p:cNvSpPr/>
+          <p:nvPr/>
+        </p:nvSpPr>
+        <p:spPr>
+          <a:xfrm>
+            <a:off x="738360" y="799758"/>
+            <a:ext cx="9212760" cy="360720"/>
+          </a:xfrm>
+          <a:prstGeom prst="rect">
+            <a:avLst/>
+          </a:prstGeom>
+          <a:noFill/>
+          <a:ln>
+            <a:noFill/>
+          </a:ln>
+        </p:spPr>
+        <p:style>
+          <a:lnRef idx="0">
+            <a:scrgbClr r="0" g="0" b="0"/>
+          </a:lnRef>
+          <a:fillRef idx="0">
+            <a:scrgbClr r="0" g="0" b="0"/>
+          </a:fillRef>
+          <a:effectRef idx="0">
+            <a:scrgbClr r="0" g="0" b="0"/>
+          </a:effectRef>
+          <a:fontRef idx="minor"/>
+        </p:style>
+        <p:txBody>
+          <a:bodyPr lIns="0" tIns="0" rIns="0" bIns="0"/>
+          <a:lstStyle/>
+          <a:p>
+            <a:pPr>
+              <a:lnSpc>
+                <a:spcPct val="100000"/>
+              </a:lnSpc>
+            </a:pPr>
+            <a:r>
+              <a:rPr lang="en-US" sz="2000" b="1" strike="noStrike" spc="-1" dirty="0">
+                <a:solidFill>
+                  <a:srgbClr val="000000"/>
+                </a:solidFill>
+                <a:latin typeface="Arial"/>
+                <a:ea typeface="DejaVu Sans"/>
+              </a:rPr>
+              <a:t>As-Is (Part I)</a:t>
+            </a:r>
+            <a:endParaRPr lang="en-US" sz="2000" b="0" strike="noStrike" spc="-1" dirty="0">
+              <a:latin typeface="Arial"/>
+            </a:endParaRPr>
+          </a:p>
+        </p:txBody>
+      </p:sp>
+      <p:sp>
+        <p:nvSpPr>
+          <p:cNvPr id="97" name="CustomShape 5"/>
+          <p:cNvSpPr/>
+          <p:nvPr/>
+        </p:nvSpPr>
+        <p:spPr>
+          <a:xfrm>
+            <a:off x="738360" y="5292720"/>
+            <a:ext cx="9212760" cy="1367280"/>
+          </a:xfrm>
+          <a:prstGeom prst="rect">
+            <a:avLst/>
+          </a:prstGeom>
+          <a:noFill/>
+          <a:ln>
+            <a:noFill/>
+          </a:ln>
+        </p:spPr>
+        <p:style>
+          <a:lnRef idx="0">
+            <a:scrgbClr r="0" g="0" b="0"/>
+          </a:lnRef>
+          <a:fillRef idx="0">
+            <a:scrgbClr r="0" g="0" b="0"/>
+          </a:fillRef>
+          <a:effectRef idx="0">
+            <a:scrgbClr r="0" g="0" b="0"/>
+          </a:effectRef>
+          <a:fontRef idx="minor"/>
+        </p:style>
+        <p:txBody>
+          <a:bodyPr lIns="0" tIns="0" rIns="0" bIns="0"/>
+          <a:lstStyle/>
+          <a:p>
+            <a:pPr marL="343080" indent="-342000">
+              <a:lnSpc>
+                <a:spcPct val="115000"/>
+              </a:lnSpc>
+              <a:spcBef>
+                <a:spcPts val="1199"/>
+              </a:spcBef>
+              <a:buClr>
+                <a:srgbClr val="000000"/>
+              </a:buClr>
+              <a:buFont typeface="StarSymbol"/>
+              <a:buChar char="-"/>
+            </a:pPr>
+            <a:r>
+              <a:rPr lang="en-US" sz="2000" b="0" strike="noStrike" spc="-1" dirty="0">
+                <a:solidFill>
+                  <a:srgbClr val="000000"/>
+                </a:solidFill>
+                <a:latin typeface="Arial"/>
+                <a:ea typeface="DejaVu Sans"/>
+              </a:rPr>
+              <a:t>Time consuming</a:t>
+            </a:r>
+            <a:endParaRPr lang="en-US" sz="2000" b="0" strike="noStrike" spc="-1" dirty="0">
+              <a:latin typeface="Arial"/>
+            </a:endParaRPr>
+          </a:p>
+          <a:p>
+            <a:pPr marL="343080" indent="-342000">
+              <a:lnSpc>
+                <a:spcPct val="115000"/>
+              </a:lnSpc>
+              <a:spcBef>
+                <a:spcPts val="1199"/>
+              </a:spcBef>
+              <a:buClr>
+                <a:srgbClr val="000000"/>
+              </a:buClr>
+              <a:buFont typeface="StarSymbol"/>
+              <a:buChar char="-"/>
+            </a:pPr>
+            <a:r>
+              <a:rPr lang="en-US" sz="2000" b="0" strike="noStrike" spc="-1" dirty="0">
+                <a:solidFill>
+                  <a:srgbClr val="000000"/>
+                </a:solidFill>
+                <a:latin typeface="Arial"/>
+                <a:ea typeface="DejaVu Sans"/>
+              </a:rPr>
+              <a:t>To many manual steps</a:t>
+            </a:r>
+            <a:endParaRPr lang="en-US" sz="2000" b="0" strike="noStrike" spc="-1" dirty="0">
+              <a:latin typeface="Arial"/>
+            </a:endParaRPr>
+          </a:p>
+          <a:p>
+            <a:pPr marL="343080" indent="-342000">
+              <a:lnSpc>
+                <a:spcPct val="115000"/>
+              </a:lnSpc>
+              <a:spcBef>
+                <a:spcPts val="1199"/>
+              </a:spcBef>
+              <a:buClr>
+                <a:srgbClr val="000000"/>
+              </a:buClr>
+              <a:buFont typeface="StarSymbol"/>
+              <a:buChar char="-"/>
+            </a:pPr>
+            <a:r>
+              <a:rPr lang="en-US" sz="2000" b="0" strike="noStrike" spc="-1" dirty="0">
+                <a:solidFill>
+                  <a:srgbClr val="000000"/>
+                </a:solidFill>
+                <a:latin typeface="Arial"/>
+                <a:ea typeface="DejaVu Sans"/>
+              </a:rPr>
+              <a:t>Inefficient</a:t>
+            </a:r>
+            <a:endParaRPr lang="en-US" sz="2000" b="0" strike="noStrike" spc="-1" dirty="0">
+              <a:latin typeface="Arial"/>
+            </a:endParaRPr>
+          </a:p>
+          <a:p>
+            <a:pPr>
+              <a:lnSpc>
+                <a:spcPct val="115000"/>
+              </a:lnSpc>
+              <a:spcBef>
+                <a:spcPts val="1199"/>
+              </a:spcBef>
+            </a:pPr>
+            <a:endParaRPr lang="en-US" sz="2000" b="0" strike="noStrike" spc="-1" dirty="0">
+              <a:latin typeface="Arial"/>
+            </a:endParaRPr>
+          </a:p>
+        </p:txBody>
+      </p:sp>
+      <p:pic>
+        <p:nvPicPr>
+          <p:cNvPr id="4" name="Grafik 3">
+            <a:extLst>
+              <a:ext uri="{FF2B5EF4-FFF2-40B4-BE49-F238E27FC236}">
+                <a16:creationId xmlns:a16="http://schemas.microsoft.com/office/drawing/2014/main" id="{4EB16DD3-C7AC-4E0D-BFD8-918BB553EAFB}"/>
+              </a:ext>
+            </a:extLst>
+          </p:cNvPr>
+          <p:cNvPicPr>
+            <a:picLocks noChangeAspect="1"/>
+          </p:cNvPicPr>
+          <p:nvPr/>
+        </p:nvPicPr>
+        <p:blipFill rotWithShape="1">
+          <a:blip r:embed="rId2">
+            <a:extLst>
+              <a:ext uri="{28A0092B-C50C-407E-A947-70E740481C1C}">
+                <a14:useLocalDpi xmlns:a14="http://schemas.microsoft.com/office/drawing/2010/main" val="0"/>
+              </a:ext>
+            </a:extLst>
+          </a:blip>
+          <a:srcRect t="-254" r="50879" b="8160"/>
+          <a:stretch/>
+        </p:blipFill>
+        <p:spPr>
+          <a:xfrm>
+            <a:off x="641558" y="1299161"/>
+            <a:ext cx="7196156" cy="3629686"/>
+          </a:xfrm>
+          <a:prstGeom prst="rect">
+            <a:avLst/>
+          </a:prstGeom>
+        </p:spPr>
+      </p:pic>
+    </p:spTree>
+  </p:cSld>
+  <p:clrMapOvr>
+    <a:masterClrMapping/>
+  </p:clrMapOvr>
+  <p:timing>
+    <p:tnLst>
+      <p:par>
+        <p:cTn id="1" dur="indefinite" restart="never" nodeType="tmRoot">
+          <p:childTnLst>
+            <p:seq>
+              <p:cTn id="2" dur="indefinite" nodeType="mainSeq"/>
+              <p:prevCondLst>
+                <p:cond evt="onPrev" delay="0">
+                  <p:tgtEl>
+                    <p:sldTgt/>
+                  </p:tgtEl>
+                </p:cond>
+              </p:prevCondLst>
+              <p:nextCondLst>
+                <p:cond evt="onNext" delay="0">
+                  <p:tgtEl>
+                    <p:sldTgt/>
+                  </p:tgtEl>
+                </p:cond>
+              </p:nextCondLst>
+            </p:seq>
+          </p:childTnLst>
+        </p:cTn>
+      </p:par>
+    </p:tnLst>
+  </p:timing>
+</p:sld>
+</file>
+
+<file path=ppt/slides/slide4.xml><?xml version="1.0" encoding="utf-8"?>
+<p:sld xmlns:a="http://schemas.openxmlformats.org/drawingml/2006/main" xmlns:r="http://schemas.openxmlformats.org/officeDocument/2006/relationships" xmlns:p="http://schemas.openxmlformats.org/presentationml/2006/main">
+  <p:cSld>
+    <p:spTree>
+      <p:nvGrpSpPr>
+        <p:cNvPr id="1" name=""/>
+        <p:cNvGrpSpPr/>
+        <p:nvPr/>
+      </p:nvGrpSpPr>
+      <p:grpSpPr>
+        <a:xfrm>
+          <a:off x="0" y="0"/>
+          <a:ext cx="0" cy="0"/>
+          <a:chOff x="0" y="0"/>
+          <a:chExt cx="0" cy="0"/>
+        </a:xfrm>
+      </p:grpSpPr>
+      <p:sp>
+        <p:nvSpPr>
+          <p:cNvPr id="93" name="CustomShape 1"/>
+          <p:cNvSpPr/>
+          <p:nvPr/>
+        </p:nvSpPr>
+        <p:spPr>
+          <a:xfrm>
+            <a:off x="8221680" y="7197840"/>
+            <a:ext cx="864000" cy="178200"/>
+          </a:xfrm>
+          <a:prstGeom prst="rect">
+            <a:avLst/>
+          </a:prstGeom>
+          <a:noFill/>
+          <a:ln>
+            <a:noFill/>
+          </a:ln>
+        </p:spPr>
+        <p:style>
+          <a:lnRef idx="0">
+            <a:scrgbClr r="0" g="0" b="0"/>
+          </a:lnRef>
+          <a:fillRef idx="0">
+            <a:scrgbClr r="0" g="0" b="0"/>
+          </a:fillRef>
+          <a:effectRef idx="0">
+            <a:scrgbClr r="0" g="0" b="0"/>
+          </a:effectRef>
+          <a:fontRef idx="minor"/>
+        </p:style>
+        <p:txBody>
+          <a:bodyPr lIns="0" tIns="0" rIns="0" bIns="0" anchor="b"/>
+          <a:lstStyle/>
+          <a:p>
+            <a:r>
+              <a:rPr lang="en-US" sz="1200" spc="-1" dirty="0"/>
+              <a:t>04.06.2020</a:t>
+            </a:r>
+          </a:p>
+        </p:txBody>
+      </p:sp>
+      <p:sp>
+        <p:nvSpPr>
+          <p:cNvPr id="94" name="CustomShape 2"/>
+          <p:cNvSpPr/>
+          <p:nvPr/>
+        </p:nvSpPr>
+        <p:spPr>
+          <a:xfrm>
+            <a:off x="736560" y="7197840"/>
+            <a:ext cx="7484040" cy="178200"/>
+          </a:xfrm>
+          <a:prstGeom prst="rect">
+            <a:avLst/>
+          </a:prstGeom>
+          <a:noFill/>
+          <a:ln>
+            <a:noFill/>
+          </a:ln>
+        </p:spPr>
+        <p:style>
+          <a:lnRef idx="0">
+            <a:scrgbClr r="0" g="0" b="0"/>
+          </a:lnRef>
+          <a:fillRef idx="0">
+            <a:scrgbClr r="0" g="0" b="0"/>
+          </a:fillRef>
+          <a:effectRef idx="0">
+            <a:scrgbClr r="0" g="0" b="0"/>
+          </a:effectRef>
+          <a:fontRef idx="minor"/>
+        </p:style>
+        <p:txBody>
+          <a:bodyPr lIns="0" tIns="0" rIns="0" bIns="0" anchor="b"/>
+          <a:lstStyle/>
+          <a:p>
+            <a:pPr>
+              <a:lnSpc>
+                <a:spcPct val="100000"/>
+              </a:lnSpc>
+            </a:pPr>
+            <a:r>
+              <a:rPr lang="en-US" sz="1200" spc="-1" dirty="0">
+                <a:solidFill>
+                  <a:srgbClr val="000000"/>
+                </a:solidFill>
+              </a:rPr>
+              <a:t>DigiBP	Luca Müller, Nicola Raemy, Isar Gammoh, Pooja Bisht</a:t>
+            </a:r>
+            <a:endParaRPr lang="en-US" sz="1200" spc="-1" dirty="0"/>
+          </a:p>
+        </p:txBody>
+      </p:sp>
+      <p:sp>
+        <p:nvSpPr>
+          <p:cNvPr id="95" name="CustomShape 3"/>
+          <p:cNvSpPr/>
+          <p:nvPr/>
+        </p:nvSpPr>
+        <p:spPr>
+          <a:xfrm>
+            <a:off x="9086760" y="7197840"/>
+            <a:ext cx="862560" cy="178200"/>
+          </a:xfrm>
+          <a:prstGeom prst="rect">
+            <a:avLst/>
+          </a:prstGeom>
+          <a:noFill/>
+          <a:ln>
+            <a:noFill/>
+          </a:ln>
+        </p:spPr>
+        <p:style>
+          <a:lnRef idx="0">
+            <a:scrgbClr r="0" g="0" b="0"/>
+          </a:lnRef>
+          <a:fillRef idx="0">
+            <a:scrgbClr r="0" g="0" b="0"/>
+          </a:fillRef>
+          <a:effectRef idx="0">
+            <a:scrgbClr r="0" g="0" b="0"/>
+          </a:effectRef>
+          <a:fontRef idx="minor"/>
+        </p:style>
+        <p:txBody>
+          <a:bodyPr lIns="0" tIns="0" rIns="0" bIns="0" anchor="b"/>
+          <a:lstStyle/>
+          <a:p>
+            <a:pPr algn="r">
+              <a:lnSpc>
+                <a:spcPct val="100000"/>
+              </a:lnSpc>
+            </a:pPr>
+            <a:fld id="{49CBBAF4-72DD-4D87-A780-66DA87DD34FD}" type="slidenum">
+              <a:rPr lang="en-US" sz="1200" b="0" strike="noStrike" spc="-1">
+                <a:solidFill>
+                  <a:srgbClr val="000000"/>
+                </a:solidFill>
+                <a:latin typeface="Arial"/>
+                <a:ea typeface="DejaVu Sans"/>
+              </a:rPr>
+              <a:t>4</a:t>
+            </a:fld>
+            <a:endParaRPr lang="en-US" sz="1200" b="0" strike="noStrike" spc="-1">
+              <a:latin typeface="Arial"/>
+            </a:endParaRPr>
+          </a:p>
+        </p:txBody>
+      </p:sp>
+      <p:sp>
+        <p:nvSpPr>
+          <p:cNvPr id="96" name="CustomShape 4"/>
+          <p:cNvSpPr/>
+          <p:nvPr/>
+        </p:nvSpPr>
+        <p:spPr>
+          <a:xfrm>
+            <a:off x="738360" y="799758"/>
+            <a:ext cx="9212760" cy="360720"/>
+          </a:xfrm>
+          <a:prstGeom prst="rect">
+            <a:avLst/>
+          </a:prstGeom>
+          <a:noFill/>
+          <a:ln>
+            <a:noFill/>
+          </a:ln>
+        </p:spPr>
+        <p:style>
+          <a:lnRef idx="0">
+            <a:scrgbClr r="0" g="0" b="0"/>
+          </a:lnRef>
+          <a:fillRef idx="0">
+            <a:scrgbClr r="0" g="0" b="0"/>
+          </a:fillRef>
+          <a:effectRef idx="0">
+            <a:scrgbClr r="0" g="0" b="0"/>
+          </a:effectRef>
+          <a:fontRef idx="minor"/>
+        </p:style>
+        <p:txBody>
+          <a:bodyPr lIns="0" tIns="0" rIns="0" bIns="0"/>
+          <a:lstStyle/>
+          <a:p>
+            <a:pPr>
+              <a:lnSpc>
+                <a:spcPct val="100000"/>
+              </a:lnSpc>
+            </a:pPr>
+            <a:r>
+              <a:rPr lang="en-US" sz="2000" b="1" strike="noStrike" spc="-1" dirty="0">
+                <a:solidFill>
+                  <a:srgbClr val="000000"/>
+                </a:solidFill>
+                <a:latin typeface="Arial"/>
+                <a:ea typeface="DejaVu Sans"/>
+              </a:rPr>
+              <a:t>As-Is (Part II)</a:t>
+            </a:r>
+            <a:endParaRPr lang="en-US" sz="2000" b="0" strike="noStrike" spc="-1" dirty="0">
+              <a:latin typeface="Arial"/>
+            </a:endParaRPr>
+          </a:p>
+        </p:txBody>
+      </p:sp>
+      <p:sp>
+        <p:nvSpPr>
+          <p:cNvPr id="97" name="CustomShape 5"/>
+          <p:cNvSpPr/>
+          <p:nvPr/>
+        </p:nvSpPr>
+        <p:spPr>
+          <a:xfrm>
+            <a:off x="738360" y="5292720"/>
+            <a:ext cx="9212760" cy="1367280"/>
+          </a:xfrm>
+          <a:prstGeom prst="rect">
+            <a:avLst/>
+          </a:prstGeom>
+          <a:noFill/>
+          <a:ln>
+            <a:noFill/>
+          </a:ln>
+        </p:spPr>
+        <p:style>
+          <a:lnRef idx="0">
+            <a:scrgbClr r="0" g="0" b="0"/>
+          </a:lnRef>
+          <a:fillRef idx="0">
+            <a:scrgbClr r="0" g="0" b="0"/>
+          </a:fillRef>
+          <a:effectRef idx="0">
+            <a:scrgbClr r="0" g="0" b="0"/>
+          </a:effectRef>
+          <a:fontRef idx="minor"/>
+        </p:style>
+        <p:txBody>
+          <a:bodyPr lIns="0" tIns="0" rIns="0" bIns="0"/>
+          <a:lstStyle/>
+          <a:p>
+            <a:pPr marL="343080" indent="-342000">
+              <a:lnSpc>
+                <a:spcPct val="115000"/>
+              </a:lnSpc>
+              <a:spcBef>
+                <a:spcPts val="1199"/>
+              </a:spcBef>
+              <a:buClr>
+                <a:srgbClr val="000000"/>
+              </a:buClr>
+              <a:buFont typeface="StarSymbol"/>
+              <a:buChar char="-"/>
+            </a:pPr>
+            <a:r>
+              <a:rPr lang="en-US" sz="2000" spc="-1" dirty="0">
+                <a:solidFill>
+                  <a:srgbClr val="000000"/>
+                </a:solidFill>
+              </a:rPr>
+              <a:t>Time consuming</a:t>
+            </a:r>
+            <a:endParaRPr lang="en-US" sz="2000" spc="-1" dirty="0"/>
+          </a:p>
+          <a:p>
+            <a:pPr marL="343080" indent="-342000">
+              <a:lnSpc>
+                <a:spcPct val="115000"/>
+              </a:lnSpc>
+              <a:spcBef>
+                <a:spcPts val="1199"/>
+              </a:spcBef>
+              <a:buClr>
+                <a:srgbClr val="000000"/>
+              </a:buClr>
+              <a:buFont typeface="StarSymbol"/>
+              <a:buChar char="-"/>
+            </a:pPr>
+            <a:r>
+              <a:rPr lang="en-US" sz="2000" spc="-1" dirty="0">
+                <a:solidFill>
+                  <a:srgbClr val="000000"/>
+                </a:solidFill>
+              </a:rPr>
+              <a:t>To many manual steps</a:t>
+            </a:r>
+            <a:endParaRPr lang="en-US" sz="2000" spc="-1" dirty="0"/>
+          </a:p>
+          <a:p>
+            <a:pPr marL="343080" indent="-342000">
+              <a:lnSpc>
+                <a:spcPct val="115000"/>
+              </a:lnSpc>
+              <a:spcBef>
+                <a:spcPts val="1199"/>
+              </a:spcBef>
+              <a:buClr>
+                <a:srgbClr val="000000"/>
+              </a:buClr>
+              <a:buFont typeface="StarSymbol"/>
+              <a:buChar char="-"/>
+            </a:pPr>
+            <a:r>
+              <a:rPr lang="en-US" sz="2000" spc="-1" dirty="0">
+                <a:solidFill>
+                  <a:srgbClr val="000000"/>
+                </a:solidFill>
+              </a:rPr>
+              <a:t>Inefficient</a:t>
+            </a:r>
+            <a:endParaRPr lang="en-US" sz="2000" spc="-1" dirty="0"/>
+          </a:p>
+          <a:p>
+            <a:pPr>
+              <a:lnSpc>
+                <a:spcPct val="115000"/>
+              </a:lnSpc>
+              <a:spcBef>
+                <a:spcPts val="1199"/>
+              </a:spcBef>
+            </a:pPr>
+            <a:endParaRPr lang="en-US" sz="2000" b="0" strike="noStrike" spc="-1" dirty="0">
+              <a:latin typeface="Arial"/>
+            </a:endParaRPr>
+          </a:p>
+        </p:txBody>
+      </p:sp>
+      <p:pic>
+        <p:nvPicPr>
+          <p:cNvPr id="9" name="Grafik 8">
+            <a:extLst>
+              <a:ext uri="{FF2B5EF4-FFF2-40B4-BE49-F238E27FC236}">
+                <a16:creationId xmlns:a16="http://schemas.microsoft.com/office/drawing/2014/main" id="{56C915BC-350B-4B9B-85BA-C3115FD50B7D}"/>
+              </a:ext>
+            </a:extLst>
+          </p:cNvPr>
+          <p:cNvPicPr>
+            <a:picLocks noChangeAspect="1"/>
+          </p:cNvPicPr>
+          <p:nvPr/>
+        </p:nvPicPr>
+        <p:blipFill rotWithShape="1">
+          <a:blip r:embed="rId2">
+            <a:extLst>
+              <a:ext uri="{28A0092B-C50C-407E-A947-70E740481C1C}">
+                <a14:useLocalDpi xmlns:a14="http://schemas.microsoft.com/office/drawing/2010/main" val="0"/>
+              </a:ext>
+            </a:extLst>
+          </a:blip>
+          <a:srcRect l="48162" b="7604"/>
+          <a:stretch/>
+        </p:blipFill>
+        <p:spPr>
+          <a:xfrm>
+            <a:off x="1109136" y="1160478"/>
+            <a:ext cx="8617578" cy="4132241"/>
+          </a:xfrm>
+          <a:prstGeom prst="rect">
+            <a:avLst/>
+          </a:prstGeom>
+        </p:spPr>
+      </p:pic>
+    </p:spTree>
+    <p:extLst>
+      <p:ext uri="{BB962C8B-B14F-4D97-AF65-F5344CB8AC3E}">
+        <p14:creationId xmlns:p14="http://schemas.microsoft.com/office/powerpoint/2010/main" val="3618853114"/>
+      </p:ext>
+    </p:extLst>
+  </p:cSld>
+  <p:clrMapOvr>
+    <a:masterClrMapping/>
+  </p:clrMapOvr>
+  <p:timing>
+    <p:tnLst>
+      <p:par>
+        <p:cTn id="1" dur="indefinite" restart="never" nodeType="tmRoot">
+          <p:childTnLst>
+            <p:seq>
+              <p:cTn id="2" dur="indefinite" nodeType="mainSeq"/>
+              <p:prevCondLst>
+                <p:cond evt="onPrev" delay="0">
+                  <p:tgtEl>
+                    <p:sldTgt/>
+                  </p:tgtEl>
+                </p:cond>
+              </p:prevCondLst>
+              <p:nextCondLst>
+                <p:cond evt="onNext" delay="0">
+                  <p:tgtEl>
+                    <p:sldTgt/>
+                  </p:tgtEl>
+                </p:cond>
+              </p:nextCondLst>
+            </p:seq>
+          </p:childTnLst>
+        </p:cTn>
+      </p:par>
+    </p:tnLst>
+  </p:timing>
+</p:sld>
+</file>
+
+<file path=ppt/slides/slide5.xml><?xml version="1.0" encoding="utf-8"?>
+<p:sld xmlns:a="http://schemas.openxmlformats.org/drawingml/2006/main" xmlns:r="http://schemas.openxmlformats.org/officeDocument/2006/relationships" xmlns:p="http://schemas.openxmlformats.org/presentationml/2006/main">
+  <p:cSld>
+    <p:spTree>
+      <p:nvGrpSpPr>
+        <p:cNvPr id="1" name=""/>
+        <p:cNvGrpSpPr/>
+        <p:nvPr/>
+      </p:nvGrpSpPr>
+      <p:grpSpPr>
+        <a:xfrm>
+          <a:off x="0" y="0"/>
+          <a:ext cx="0" cy="0"/>
+          <a:chOff x="0" y="0"/>
+          <a:chExt cx="0" cy="0"/>
+        </a:xfrm>
+      </p:grpSpPr>
+      <p:sp>
+        <p:nvSpPr>
+          <p:cNvPr id="106" name="CustomShape 1"/>
+          <p:cNvSpPr/>
+          <p:nvPr/>
+        </p:nvSpPr>
+        <p:spPr>
+          <a:xfrm>
+            <a:off x="736560" y="1509840"/>
+            <a:ext cx="9212760" cy="360720"/>
+          </a:xfrm>
+          <a:prstGeom prst="rect">
+            <a:avLst/>
+          </a:prstGeom>
+          <a:noFill/>
+          <a:ln>
+            <a:noFill/>
+          </a:ln>
+        </p:spPr>
+        <p:style>
+          <a:lnRef idx="0">
+            <a:scrgbClr r="0" g="0" b="0"/>
+          </a:lnRef>
+          <a:fillRef idx="0">
+            <a:scrgbClr r="0" g="0" b="0"/>
+          </a:fillRef>
+          <a:effectRef idx="0">
+            <a:scrgbClr r="0" g="0" b="0"/>
+          </a:effectRef>
+          <a:fontRef idx="minor"/>
+        </p:style>
+        <p:txBody>
+          <a:bodyPr lIns="0" tIns="0" rIns="0" bIns="0"/>
+          <a:lstStyle/>
+          <a:p>
+            <a:pPr>
+              <a:lnSpc>
+                <a:spcPct val="100000"/>
+              </a:lnSpc>
+            </a:pPr>
+            <a:r>
+              <a:rPr lang="en-US" sz="2000" b="1" strike="noStrike" spc="-1">
+                <a:solidFill>
+                  <a:srgbClr val="000000"/>
+                </a:solidFill>
+                <a:latin typeface="Arial"/>
+                <a:ea typeface="DejaVu Sans"/>
+              </a:rPr>
+              <a:t>To-Be</a:t>
+            </a:r>
+            <a:endParaRPr lang="en-US" sz="2000" b="0" strike="noStrike" spc="-1">
+              <a:latin typeface="Arial"/>
+            </a:endParaRPr>
+          </a:p>
+        </p:txBody>
+      </p:sp>
+      <p:sp>
+        <p:nvSpPr>
+          <p:cNvPr id="107" name="CustomShape 2"/>
+          <p:cNvSpPr/>
+          <p:nvPr/>
+        </p:nvSpPr>
+        <p:spPr>
+          <a:xfrm>
+            <a:off x="632520" y="2023200"/>
+            <a:ext cx="2696760" cy="4462920"/>
+          </a:xfrm>
+          <a:prstGeom prst="rect">
+            <a:avLst/>
+          </a:prstGeom>
+          <a:noFill/>
+          <a:ln>
+            <a:noFill/>
+          </a:ln>
+        </p:spPr>
+        <p:style>
+          <a:lnRef idx="0">
+            <a:scrgbClr r="0" g="0" b="0"/>
+          </a:lnRef>
+          <a:fillRef idx="0">
+            <a:scrgbClr r="0" g="0" b="0"/>
+          </a:fillRef>
+          <a:effectRef idx="0">
+            <a:scrgbClr r="0" g="0" b="0"/>
+          </a:effectRef>
+          <a:fontRef idx="minor"/>
+        </p:style>
+        <p:txBody>
+          <a:bodyPr lIns="0" tIns="0" rIns="0" bIns="0"/>
+          <a:lstStyle/>
+          <a:p>
+            <a:pPr marL="343080" indent="-342720">
+              <a:lnSpc>
+                <a:spcPct val="115000"/>
+              </a:lnSpc>
+              <a:spcBef>
+                <a:spcPts val="1199"/>
+              </a:spcBef>
+              <a:buClr>
+                <a:srgbClr val="000000"/>
+              </a:buClr>
+              <a:buFont typeface="StarSymbol"/>
+              <a:buChar char="-"/>
+            </a:pPr>
+            <a:r>
+              <a:rPr lang="en-US" sz="2000" spc="-1" dirty="0">
+                <a:solidFill>
+                  <a:srgbClr val="000000"/>
+                </a:solidFill>
+              </a:rPr>
+              <a:t>Simplification of the process through automated workflows</a:t>
+            </a:r>
+          </a:p>
+          <a:p>
+            <a:pPr marL="343080" indent="-342720">
+              <a:lnSpc>
+                <a:spcPct val="115000"/>
+              </a:lnSpc>
+              <a:spcBef>
+                <a:spcPts val="1199"/>
+              </a:spcBef>
+              <a:buClr>
+                <a:srgbClr val="000000"/>
+              </a:buClr>
+              <a:buFont typeface="StarSymbol"/>
+              <a:buChar char="-"/>
+            </a:pPr>
+            <a:r>
+              <a:rPr lang="en-US" sz="2000" spc="-1" dirty="0" err="1">
+                <a:solidFill>
+                  <a:srgbClr val="000000"/>
+                </a:solidFill>
+              </a:rPr>
+              <a:t>xxxxxxxx</a:t>
+            </a:r>
+            <a:endParaRPr lang="en-US" sz="2000" b="0" strike="noStrike" spc="-1" dirty="0">
+              <a:latin typeface="Arial"/>
+            </a:endParaRPr>
+          </a:p>
+        </p:txBody>
+      </p:sp>
+      <p:sp>
+        <p:nvSpPr>
+          <p:cNvPr id="110" name="CustomShape 3"/>
+          <p:cNvSpPr/>
+          <p:nvPr/>
+        </p:nvSpPr>
+        <p:spPr>
+          <a:xfrm>
+            <a:off x="8221680" y="7197840"/>
+            <a:ext cx="864000" cy="178200"/>
+          </a:xfrm>
+          <a:prstGeom prst="rect">
+            <a:avLst/>
+          </a:prstGeom>
+          <a:noFill/>
+          <a:ln>
+            <a:noFill/>
+          </a:ln>
+        </p:spPr>
+        <p:style>
+          <a:lnRef idx="0">
+            <a:scrgbClr r="0" g="0" b="0"/>
+          </a:lnRef>
+          <a:fillRef idx="0">
+            <a:scrgbClr r="0" g="0" b="0"/>
+          </a:fillRef>
+          <a:effectRef idx="0">
+            <a:scrgbClr r="0" g="0" b="0"/>
+          </a:effectRef>
+          <a:fontRef idx="minor"/>
+        </p:style>
+        <p:txBody>
+          <a:bodyPr lIns="0" tIns="0" rIns="0" bIns="0" anchor="b"/>
+          <a:lstStyle/>
+          <a:p>
+            <a:r>
+              <a:rPr lang="en-US" sz="1200" spc="-1" dirty="0"/>
+              <a:t>04.06.2020</a:t>
+            </a:r>
+          </a:p>
+        </p:txBody>
+      </p:sp>
+      <p:sp>
+        <p:nvSpPr>
+          <p:cNvPr id="111" name="CustomShape 4"/>
+          <p:cNvSpPr/>
+          <p:nvPr/>
+        </p:nvSpPr>
+        <p:spPr>
+          <a:xfrm>
+            <a:off x="736560" y="7197840"/>
+            <a:ext cx="7484040" cy="178200"/>
+          </a:xfrm>
+          <a:prstGeom prst="rect">
+            <a:avLst/>
+          </a:prstGeom>
+          <a:noFill/>
+          <a:ln>
+            <a:noFill/>
+          </a:ln>
+        </p:spPr>
+        <p:style>
+          <a:lnRef idx="0">
+            <a:scrgbClr r="0" g="0" b="0"/>
+          </a:lnRef>
+          <a:fillRef idx="0">
+            <a:scrgbClr r="0" g="0" b="0"/>
+          </a:fillRef>
+          <a:effectRef idx="0">
+            <a:scrgbClr r="0" g="0" b="0"/>
+          </a:effectRef>
+          <a:fontRef idx="minor"/>
+        </p:style>
+        <p:txBody>
+          <a:bodyPr lIns="0" tIns="0" rIns="0" bIns="0" anchor="b"/>
+          <a:lstStyle/>
+          <a:p>
+            <a:pPr>
+              <a:lnSpc>
+                <a:spcPct val="100000"/>
+              </a:lnSpc>
+            </a:pPr>
+            <a:r>
+              <a:rPr lang="en-US" sz="1200" spc="-1" dirty="0">
+                <a:solidFill>
+                  <a:srgbClr val="000000"/>
+                </a:solidFill>
+              </a:rPr>
+              <a:t>DigiBP	Luca Müller, Nicola Raemy, Isar Gammoh, Pooja Bisht</a:t>
+            </a:r>
+            <a:endParaRPr lang="en-US" sz="1200" spc="-1" dirty="0"/>
+          </a:p>
+        </p:txBody>
+      </p:sp>
+      <p:sp>
+        <p:nvSpPr>
+          <p:cNvPr id="112" name="CustomShape 5"/>
+          <p:cNvSpPr/>
+          <p:nvPr/>
+        </p:nvSpPr>
+        <p:spPr>
+          <a:xfrm>
+            <a:off x="9086760" y="7197840"/>
+            <a:ext cx="862560" cy="178200"/>
+          </a:xfrm>
+          <a:prstGeom prst="rect">
+            <a:avLst/>
+          </a:prstGeom>
+          <a:noFill/>
+          <a:ln>
+            <a:noFill/>
+          </a:ln>
+        </p:spPr>
+        <p:style>
+          <a:lnRef idx="0">
+            <a:scrgbClr r="0" g="0" b="0"/>
+          </a:lnRef>
+          <a:fillRef idx="0">
+            <a:scrgbClr r="0" g="0" b="0"/>
+          </a:fillRef>
+          <a:effectRef idx="0">
+            <a:scrgbClr r="0" g="0" b="0"/>
+          </a:effectRef>
+          <a:fontRef idx="minor"/>
+        </p:style>
+        <p:txBody>
+          <a:bodyPr lIns="0" tIns="0" rIns="0" bIns="0" anchor="b"/>
+          <a:lstStyle/>
+          <a:p>
+            <a:pPr algn="r">
+              <a:lnSpc>
+                <a:spcPct val="100000"/>
+              </a:lnSpc>
+            </a:pPr>
+            <a:fld id="{00360D2B-B20A-484E-A7FA-6D75A81CECAD}" type="slidenum">
+              <a:rPr lang="en-US" sz="1200" b="0" strike="noStrike" spc="-1">
+                <a:solidFill>
+                  <a:srgbClr val="000000"/>
+                </a:solidFill>
+                <a:latin typeface="Arial"/>
+                <a:ea typeface="DejaVu Sans"/>
+              </a:rPr>
+              <a:t>5</a:t>
+            </a:fld>
+            <a:endParaRPr lang="en-US" sz="1200" b="0" strike="noStrike" spc="-1">
+              <a:latin typeface="Arial"/>
+            </a:endParaRPr>
+          </a:p>
+        </p:txBody>
+      </p:sp>
+    </p:spTree>
+  </p:cSld>
+  <p:clrMapOvr>
+    <a:masterClrMapping/>
+  </p:clrMapOvr>
+  <p:timing>
+    <p:tnLst>
+      <p:par>
+        <p:cTn id="1" dur="indefinite" restart="never" nodeType="tmRoot">
+          <p:childTnLst>
+            <p:seq>
+              <p:cTn id="2" dur="indefinite" nodeType="mainSeq"/>
+              <p:prevCondLst>
+                <p:cond evt="onPrev" delay="0">
+                  <p:tgtEl>
+                    <p:sldTgt/>
+                  </p:tgtEl>
+                </p:cond>
+              </p:prevCondLst>
+              <p:nextCondLst>
+                <p:cond evt="onNext" delay="0">
+                  <p:tgtEl>
+                    <p:sldTgt/>
+                  </p:tgtEl>
+                </p:cond>
+              </p:nextCondLst>
+            </p:seq>
+          </p:childTnLst>
+        </p:cTn>
+      </p:par>
+    </p:tnLst>
+  </p:timing>
+</p:sld>
+</file>
+
+<file path=ppt/slides/slide6.xml><?xml version="1.0" encoding="utf-8"?>
+<p:sld xmlns:a="http://schemas.openxmlformats.org/drawingml/2006/main" xmlns:r="http://schemas.openxmlformats.org/officeDocument/2006/relationships" xmlns:p="http://schemas.openxmlformats.org/presentationml/2006/main">
+  <p:cSld>
+    <p:spTree>
+      <p:nvGrpSpPr>
+        <p:cNvPr id="1" name=""/>
+        <p:cNvGrpSpPr/>
+        <p:nvPr/>
+      </p:nvGrpSpPr>
+      <p:grpSpPr>
+        <a:xfrm>
+          <a:off x="0" y="0"/>
+          <a:ext cx="0" cy="0"/>
+          <a:chOff x="0" y="0"/>
+          <a:chExt cx="0" cy="0"/>
+        </a:xfrm>
+      </p:grpSpPr>
+      <p:sp>
+        <p:nvSpPr>
+          <p:cNvPr id="113" name="CustomShape 1"/>
+          <p:cNvSpPr/>
+          <p:nvPr/>
+        </p:nvSpPr>
+        <p:spPr>
+          <a:xfrm>
+            <a:off x="736560" y="1509840"/>
+            <a:ext cx="9212760" cy="360720"/>
+          </a:xfrm>
+          <a:prstGeom prst="rect">
+            <a:avLst/>
+          </a:prstGeom>
+          <a:noFill/>
+          <a:ln>
+            <a:noFill/>
+          </a:ln>
+        </p:spPr>
+        <p:style>
+          <a:lnRef idx="0">
+            <a:scrgbClr r="0" g="0" b="0"/>
+          </a:lnRef>
+          <a:fillRef idx="0">
+            <a:scrgbClr r="0" g="0" b="0"/>
+          </a:fillRef>
+          <a:effectRef idx="0">
+            <a:scrgbClr r="0" g="0" b="0"/>
+          </a:effectRef>
+          <a:fontRef idx="minor"/>
+        </p:style>
+        <p:txBody>
+          <a:bodyPr lIns="0" tIns="0" rIns="0" bIns="0"/>
+          <a:lstStyle/>
+          <a:p>
+            <a:pPr>
+              <a:lnSpc>
+                <a:spcPct val="100000"/>
+              </a:lnSpc>
+            </a:pPr>
+            <a:r>
+              <a:rPr lang="en-US" sz="2000" b="1" strike="noStrike" spc="-1" dirty="0">
+                <a:solidFill>
+                  <a:srgbClr val="000000"/>
+                </a:solidFill>
+                <a:latin typeface="Arial"/>
+                <a:ea typeface="DejaVu Sans"/>
+              </a:rPr>
+              <a:t>Procedure To-Be</a:t>
+            </a:r>
+            <a:endParaRPr lang="en-US" sz="2000" b="0" strike="noStrike" spc="-1" dirty="0">
+              <a:latin typeface="Arial"/>
+            </a:endParaRPr>
+          </a:p>
+        </p:txBody>
+      </p:sp>
+      <p:sp>
+        <p:nvSpPr>
+          <p:cNvPr id="114" name="CustomShape 2"/>
+          <p:cNvSpPr/>
+          <p:nvPr/>
+        </p:nvSpPr>
+        <p:spPr>
+          <a:xfrm>
+            <a:off x="731520" y="2028960"/>
+            <a:ext cx="3291480" cy="4462920"/>
+          </a:xfrm>
+          <a:prstGeom prst="rect">
+            <a:avLst/>
+          </a:prstGeom>
+          <a:noFill/>
+          <a:ln>
+            <a:noFill/>
+          </a:ln>
+        </p:spPr>
+        <p:style>
+          <a:lnRef idx="0">
+            <a:scrgbClr r="0" g="0" b="0"/>
+          </a:lnRef>
+          <a:fillRef idx="0">
+            <a:scrgbClr r="0" g="0" b="0"/>
+          </a:fillRef>
+          <a:effectRef idx="0">
+            <a:scrgbClr r="0" g="0" b="0"/>
+          </a:effectRef>
+          <a:fontRef idx="minor"/>
+        </p:style>
+        <p:txBody>
+          <a:bodyPr lIns="0" tIns="0" rIns="0" bIns="0"/>
+          <a:lstStyle/>
+          <a:p>
+            <a:pPr marL="343080" indent="-342000">
+              <a:lnSpc>
+                <a:spcPct val="115000"/>
+              </a:lnSpc>
+              <a:spcBef>
+                <a:spcPts val="1199"/>
+              </a:spcBef>
+              <a:buClr>
+                <a:srgbClr val="000000"/>
+              </a:buClr>
+              <a:buFont typeface="StarSymbol"/>
+              <a:buChar char="-"/>
+            </a:pPr>
+            <a:r>
+              <a:rPr lang="en-US" sz="2000" b="0" strike="noStrike" spc="-1" dirty="0">
+                <a:solidFill>
+                  <a:srgbClr val="000000"/>
+                </a:solidFill>
+                <a:highlight>
+                  <a:srgbClr val="FFFF00"/>
+                </a:highlight>
+                <a:latin typeface="Arial"/>
+                <a:ea typeface="DejaVu Sans"/>
+              </a:rPr>
+              <a:t> </a:t>
+            </a:r>
+            <a:endParaRPr lang="en-US" sz="2000" b="0" strike="noStrike" spc="-1" dirty="0">
+              <a:highlight>
+                <a:srgbClr val="FFFF00"/>
+              </a:highlight>
+              <a:latin typeface="Arial"/>
+            </a:endParaRPr>
+          </a:p>
+          <a:p>
+            <a:pPr>
+              <a:lnSpc>
+                <a:spcPct val="115000"/>
+              </a:lnSpc>
+              <a:spcBef>
+                <a:spcPts val="1199"/>
+              </a:spcBef>
+            </a:pPr>
+            <a:endParaRPr lang="en-US" sz="2000" b="0" strike="noStrike" spc="-1" dirty="0">
+              <a:latin typeface="Arial"/>
+            </a:endParaRPr>
+          </a:p>
+        </p:txBody>
+      </p:sp>
+      <p:sp>
+        <p:nvSpPr>
+          <p:cNvPr id="115" name="CustomShape 3"/>
+          <p:cNvSpPr/>
+          <p:nvPr/>
+        </p:nvSpPr>
+        <p:spPr>
+          <a:xfrm>
+            <a:off x="8221680" y="7197840"/>
+            <a:ext cx="864000" cy="178200"/>
+          </a:xfrm>
+          <a:prstGeom prst="rect">
+            <a:avLst/>
+          </a:prstGeom>
+          <a:noFill/>
+          <a:ln>
+            <a:noFill/>
+          </a:ln>
+        </p:spPr>
+        <p:style>
+          <a:lnRef idx="0">
+            <a:scrgbClr r="0" g="0" b="0"/>
+          </a:lnRef>
+          <a:fillRef idx="0">
+            <a:scrgbClr r="0" g="0" b="0"/>
+          </a:fillRef>
+          <a:effectRef idx="0">
+            <a:scrgbClr r="0" g="0" b="0"/>
+          </a:effectRef>
+          <a:fontRef idx="minor"/>
+        </p:style>
+        <p:txBody>
+          <a:bodyPr lIns="0" tIns="0" rIns="0" bIns="0" anchor="b"/>
+          <a:lstStyle/>
+          <a:p>
+            <a:r>
+              <a:rPr lang="en-US" sz="1200" spc="-1" dirty="0"/>
+              <a:t>04.06.2020</a:t>
+            </a:r>
+          </a:p>
+        </p:txBody>
+      </p:sp>
+      <p:sp>
+        <p:nvSpPr>
+          <p:cNvPr id="116" name="CustomShape 4"/>
+          <p:cNvSpPr/>
+          <p:nvPr/>
+        </p:nvSpPr>
+        <p:spPr>
+          <a:xfrm>
+            <a:off x="736560" y="7197840"/>
+            <a:ext cx="7484040" cy="178200"/>
+          </a:xfrm>
+          <a:prstGeom prst="rect">
+            <a:avLst/>
+          </a:prstGeom>
+          <a:noFill/>
+          <a:ln>
+            <a:noFill/>
+          </a:ln>
+        </p:spPr>
+        <p:style>
+          <a:lnRef idx="0">
+            <a:scrgbClr r="0" g="0" b="0"/>
+          </a:lnRef>
+          <a:fillRef idx="0">
+            <a:scrgbClr r="0" g="0" b="0"/>
+          </a:fillRef>
+          <a:effectRef idx="0">
+            <a:scrgbClr r="0" g="0" b="0"/>
+          </a:effectRef>
+          <a:fontRef idx="minor"/>
+        </p:style>
+        <p:txBody>
+          <a:bodyPr lIns="0" tIns="0" rIns="0" bIns="0" anchor="b"/>
+          <a:lstStyle/>
+          <a:p>
+            <a:pPr>
+              <a:lnSpc>
+                <a:spcPct val="100000"/>
+              </a:lnSpc>
+            </a:pPr>
+            <a:r>
+              <a:rPr lang="en-US" sz="1200" spc="-1" dirty="0">
+                <a:solidFill>
+                  <a:srgbClr val="000000"/>
+                </a:solidFill>
+              </a:rPr>
+              <a:t>DigiBP	Luca Müller, Nicola Raemy, Isar Gammoh, Pooja Bisht</a:t>
+            </a:r>
+            <a:endParaRPr lang="en-US" sz="1200" spc="-1" dirty="0"/>
+          </a:p>
+        </p:txBody>
+      </p:sp>
+      <p:sp>
+        <p:nvSpPr>
+          <p:cNvPr id="117" name="CustomShape 5"/>
+          <p:cNvSpPr/>
+          <p:nvPr/>
+        </p:nvSpPr>
+        <p:spPr>
+          <a:xfrm>
+            <a:off x="9086760" y="7197840"/>
+            <a:ext cx="862560" cy="178200"/>
+          </a:xfrm>
+          <a:prstGeom prst="rect">
+            <a:avLst/>
+          </a:prstGeom>
+          <a:noFill/>
+          <a:ln>
+            <a:noFill/>
+          </a:ln>
+        </p:spPr>
+        <p:style>
+          <a:lnRef idx="0">
+            <a:scrgbClr r="0" g="0" b="0"/>
+          </a:lnRef>
+          <a:fillRef idx="0">
+            <a:scrgbClr r="0" g="0" b="0"/>
+          </a:fillRef>
+          <a:effectRef idx="0">
+            <a:scrgbClr r="0" g="0" b="0"/>
+          </a:effectRef>
+          <a:fontRef idx="minor"/>
+        </p:style>
+        <p:txBody>
+          <a:bodyPr lIns="0" tIns="0" rIns="0" bIns="0" anchor="b"/>
+          <a:lstStyle/>
+          <a:p>
+            <a:pPr algn="r">
+              <a:lnSpc>
+                <a:spcPct val="100000"/>
+              </a:lnSpc>
+            </a:pPr>
+            <a:fld id="{5C5EEAB1-12A8-4F70-9E27-16F78D7FACFD}" type="slidenum">
+              <a:rPr lang="en-US" sz="1200" b="0" strike="noStrike" spc="-1">
+                <a:solidFill>
+                  <a:srgbClr val="000000"/>
+                </a:solidFill>
+                <a:latin typeface="Arial"/>
+                <a:ea typeface="DejaVu Sans"/>
+              </a:rPr>
+              <a:t>6</a:t>
+            </a:fld>
+            <a:endParaRPr lang="en-US" sz="1200" b="0" strike="noStrike" spc="-1">
+              <a:latin typeface="Arial"/>
+            </a:endParaRPr>
+          </a:p>
+        </p:txBody>
+      </p:sp>
+      <p:sp>
+        <p:nvSpPr>
+          <p:cNvPr id="119" name="CustomShape 6"/>
+          <p:cNvSpPr/>
+          <p:nvPr/>
+        </p:nvSpPr>
+        <p:spPr>
+          <a:xfrm>
+            <a:off x="10149840" y="3566160"/>
+            <a:ext cx="456840" cy="320760"/>
+          </a:xfrm>
+          <a:prstGeom prst="rect">
+            <a:avLst/>
+          </a:prstGeom>
+          <a:solidFill>
+            <a:srgbClr val="FFFFFF"/>
+          </a:solidFill>
+          <a:ln>
+            <a:solidFill>
+              <a:srgbClr val="FFFFFF"/>
+            </a:solidFill>
+          </a:ln>
+        </p:spPr>
+        <p:style>
+          <a:lnRef idx="0">
+            <a:scrgbClr r="0" g="0" b="0"/>
+          </a:lnRef>
+          <a:fillRef idx="0">
+            <a:scrgbClr r="0" g="0" b="0"/>
+          </a:fillRef>
+          <a:effectRef idx="0">
+            <a:scrgbClr r="0" g="0" b="0"/>
+          </a:effectRef>
+          <a:fontRef idx="minor"/>
+        </p:style>
+      </p:sp>
+    </p:spTree>
+  </p:cSld>
+  <p:clrMapOvr>
+    <a:masterClrMapping/>
+  </p:clrMapOvr>
+  <p:timing>
+    <p:tnLst>
+      <p:par>
+        <p:cTn id="1" dur="indefinite" restart="never" nodeType="tmRoot">
+          <p:childTnLst>
+            <p:seq>
+              <p:cTn id="2" dur="indefinite" nodeType="mainSeq"/>
+              <p:prevCondLst>
+                <p:cond evt="onPrev" delay="0">
+                  <p:tgtEl>
+                    <p:sldTgt/>
+                  </p:tgtEl>
+                </p:cond>
+              </p:prevCondLst>
+              <p:nextCondLst>
+                <p:cond evt="onNext" delay="0">
+                  <p:tgtEl>
+                    <p:sldTgt/>
+                  </p:tgtEl>
+                </p:cond>
+              </p:nextCondLst>
+            </p:seq>
+          </p:childTnLst>
+        </p:cTn>
+      </p:par>
+    </p:tnLst>
+  </p:timing>
+</p:sld>
+</file>
+
+<file path=ppt/slides/slide7.xml><?xml version="1.0" encoding="utf-8"?>
+<p:sld xmlns:a="http://schemas.openxmlformats.org/drawingml/2006/main" xmlns:r="http://schemas.openxmlformats.org/officeDocument/2006/relationships" xmlns:p="http://schemas.openxmlformats.org/presentationml/2006/main">
+  <p:cSld>
+    <p:spTree>
+      <p:nvGrpSpPr>
+        <p:cNvPr id="1" name=""/>
+        <p:cNvGrpSpPr/>
+        <p:nvPr/>
+      </p:nvGrpSpPr>
+      <p:grpSpPr>
+        <a:xfrm>
+          <a:off x="0" y="0"/>
+          <a:ext cx="0" cy="0"/>
+          <a:chOff x="0" y="0"/>
+          <a:chExt cx="0" cy="0"/>
+        </a:xfrm>
+      </p:grpSpPr>
+      <p:sp>
+        <p:nvSpPr>
+          <p:cNvPr id="120" name="CustomShape 1"/>
+          <p:cNvSpPr/>
+          <p:nvPr/>
+        </p:nvSpPr>
+        <p:spPr>
+          <a:xfrm>
+            <a:off x="8221680" y="7197840"/>
+            <a:ext cx="864000" cy="178200"/>
+          </a:xfrm>
+          <a:prstGeom prst="rect">
+            <a:avLst/>
+          </a:prstGeom>
+          <a:noFill/>
+          <a:ln>
+            <a:noFill/>
+          </a:ln>
+        </p:spPr>
+        <p:style>
+          <a:lnRef idx="0">
+            <a:scrgbClr r="0" g="0" b="0"/>
+          </a:lnRef>
+          <a:fillRef idx="0">
+            <a:scrgbClr r="0" g="0" b="0"/>
+          </a:fillRef>
+          <a:effectRef idx="0">
+            <a:scrgbClr r="0" g="0" b="0"/>
+          </a:effectRef>
+          <a:fontRef idx="minor"/>
+        </p:style>
+        <p:txBody>
+          <a:bodyPr lIns="0" tIns="0" rIns="0" bIns="0" anchor="b"/>
+          <a:lstStyle/>
+          <a:p>
+            <a:r>
+              <a:rPr lang="en-US" sz="1200" spc="-1" dirty="0"/>
+              <a:t>04.06.2020</a:t>
+            </a:r>
+          </a:p>
+        </p:txBody>
+      </p:sp>
+      <p:sp>
+        <p:nvSpPr>
+          <p:cNvPr id="121" name="CustomShape 2"/>
+          <p:cNvSpPr/>
+          <p:nvPr/>
+        </p:nvSpPr>
+        <p:spPr>
+          <a:xfrm>
+            <a:off x="736560" y="7197840"/>
+            <a:ext cx="7484040" cy="178200"/>
+          </a:xfrm>
+          <a:prstGeom prst="rect">
+            <a:avLst/>
+          </a:prstGeom>
+          <a:noFill/>
+          <a:ln>
+            <a:noFill/>
+          </a:ln>
+        </p:spPr>
+        <p:style>
+          <a:lnRef idx="0">
+            <a:scrgbClr r="0" g="0" b="0"/>
+          </a:lnRef>
+          <a:fillRef idx="0">
+            <a:scrgbClr r="0" g="0" b="0"/>
+          </a:fillRef>
+          <a:effectRef idx="0">
+            <a:scrgbClr r="0" g="0" b="0"/>
+          </a:effectRef>
+          <a:fontRef idx="minor"/>
+        </p:style>
+        <p:txBody>
+          <a:bodyPr lIns="0" tIns="0" rIns="0" bIns="0" anchor="b"/>
+          <a:lstStyle/>
+          <a:p>
+            <a:pPr>
+              <a:lnSpc>
+                <a:spcPct val="100000"/>
+              </a:lnSpc>
+            </a:pPr>
+            <a:r>
+              <a:rPr lang="en-US" sz="1200" spc="-1" dirty="0">
+                <a:solidFill>
+                  <a:srgbClr val="000000"/>
+                </a:solidFill>
+              </a:rPr>
+              <a:t>DigiBP	Luca Müller, Nicola Raemy, Isar Gammoh, Pooja Bisht</a:t>
+            </a:r>
+            <a:endParaRPr lang="en-US" sz="1200" spc="-1" dirty="0"/>
+          </a:p>
+        </p:txBody>
+      </p:sp>
+      <p:sp>
+        <p:nvSpPr>
+          <p:cNvPr id="122" name="CustomShape 3"/>
+          <p:cNvSpPr/>
+          <p:nvPr/>
+        </p:nvSpPr>
+        <p:spPr>
+          <a:xfrm>
+            <a:off x="9086760" y="7197840"/>
+            <a:ext cx="862560" cy="178200"/>
+          </a:xfrm>
+          <a:prstGeom prst="rect">
+            <a:avLst/>
+          </a:prstGeom>
+          <a:noFill/>
+          <a:ln>
+            <a:noFill/>
+          </a:ln>
+        </p:spPr>
+        <p:style>
+          <a:lnRef idx="0">
+            <a:scrgbClr r="0" g="0" b="0"/>
+          </a:lnRef>
+          <a:fillRef idx="0">
+            <a:scrgbClr r="0" g="0" b="0"/>
+          </a:fillRef>
+          <a:effectRef idx="0">
+            <a:scrgbClr r="0" g="0" b="0"/>
+          </a:effectRef>
+          <a:fontRef idx="minor"/>
+        </p:style>
+        <p:txBody>
+          <a:bodyPr lIns="0" tIns="0" rIns="0" bIns="0" anchor="b"/>
+          <a:lstStyle/>
+          <a:p>
+            <a:pPr algn="r">
+              <a:lnSpc>
+                <a:spcPct val="100000"/>
+              </a:lnSpc>
+            </a:pPr>
+            <a:fld id="{EAB2E0A4-FCFB-4840-AF8A-F87D75DA6E48}" type="slidenum">
+              <a:rPr lang="en-US" sz="1200" b="0" strike="noStrike" spc="-1">
+                <a:solidFill>
+                  <a:srgbClr val="000000"/>
+                </a:solidFill>
+                <a:latin typeface="Arial"/>
+                <a:ea typeface="DejaVu Sans"/>
+              </a:rPr>
+              <a:t>7</a:t>
+            </a:fld>
+            <a:endParaRPr lang="en-US" sz="1200" b="0" strike="noStrike" spc="-1">
+              <a:latin typeface="Arial"/>
+            </a:endParaRPr>
+          </a:p>
+        </p:txBody>
+      </p:sp>
+      <p:sp>
+        <p:nvSpPr>
+          <p:cNvPr id="123" name="CustomShape 4"/>
+          <p:cNvSpPr/>
+          <p:nvPr/>
+        </p:nvSpPr>
+        <p:spPr>
+          <a:xfrm>
+            <a:off x="3164113" y="757073"/>
+            <a:ext cx="9212760" cy="360720"/>
+          </a:xfrm>
+          <a:prstGeom prst="rect">
+            <a:avLst/>
+          </a:prstGeom>
+          <a:noFill/>
+          <a:ln>
+            <a:noFill/>
+          </a:ln>
+        </p:spPr>
+        <p:style>
+          <a:lnRef idx="0">
+            <a:scrgbClr r="0" g="0" b="0"/>
+          </a:lnRef>
+          <a:fillRef idx="0">
+            <a:scrgbClr r="0" g="0" b="0"/>
+          </a:fillRef>
+          <a:effectRef idx="0">
+            <a:scrgbClr r="0" g="0" b="0"/>
+          </a:effectRef>
+          <a:fontRef idx="minor"/>
+        </p:style>
+        <p:txBody>
+          <a:bodyPr lIns="0" tIns="0" rIns="0" bIns="0"/>
+          <a:lstStyle/>
+          <a:p>
+            <a:pPr>
+              <a:lnSpc>
+                <a:spcPct val="100000"/>
+              </a:lnSpc>
+            </a:pPr>
+            <a:r>
+              <a:rPr lang="en-US" sz="2000" b="1" spc="-1" dirty="0">
+                <a:solidFill>
+                  <a:srgbClr val="000000"/>
+                </a:solidFill>
+                <a:latin typeface="Arial"/>
+                <a:ea typeface="DejaVu Sans"/>
+              </a:rPr>
+              <a:t>P</a:t>
+            </a:r>
+            <a:r>
+              <a:rPr lang="en-US" sz="2000" b="1" strike="noStrike" spc="-1" dirty="0">
+                <a:solidFill>
+                  <a:srgbClr val="000000"/>
+                </a:solidFill>
+                <a:latin typeface="Arial"/>
+                <a:ea typeface="DejaVu Sans"/>
+              </a:rPr>
+              <a:t>ublish Job Ad</a:t>
+            </a:r>
+            <a:r>
+              <a:rPr lang="en-US" sz="2000" b="1" spc="-1" dirty="0">
+                <a:solidFill>
+                  <a:srgbClr val="000000"/>
+                </a:solidFill>
+                <a:latin typeface="Arial"/>
+                <a:ea typeface="DejaVu Sans"/>
+              </a:rPr>
+              <a:t> </a:t>
+            </a:r>
+            <a:endParaRPr lang="en-US" sz="2000" b="0" strike="noStrike" spc="-1" dirty="0">
+              <a:latin typeface="Arial"/>
+            </a:endParaRPr>
+          </a:p>
+        </p:txBody>
+      </p:sp>
+      <p:sp>
+        <p:nvSpPr>
+          <p:cNvPr id="124" name="CustomShape 5"/>
+          <p:cNvSpPr/>
+          <p:nvPr/>
+        </p:nvSpPr>
+        <p:spPr>
+          <a:xfrm>
+            <a:off x="731520" y="2103120"/>
+            <a:ext cx="5394600" cy="4754520"/>
+          </a:xfrm>
+          <a:prstGeom prst="rect">
+            <a:avLst/>
+          </a:prstGeom>
+          <a:noFill/>
+          <a:ln>
+            <a:noFill/>
+          </a:ln>
+        </p:spPr>
+        <p:style>
+          <a:lnRef idx="0">
+            <a:scrgbClr r="0" g="0" b="0"/>
+          </a:lnRef>
+          <a:fillRef idx="0">
+            <a:scrgbClr r="0" g="0" b="0"/>
+          </a:fillRef>
+          <a:effectRef idx="0">
+            <a:scrgbClr r="0" g="0" b="0"/>
+          </a:effectRef>
+          <a:fontRef idx="minor"/>
+        </p:style>
+        <p:txBody>
+          <a:bodyPr lIns="0" tIns="0" rIns="0" bIns="0"/>
+          <a:lstStyle/>
+          <a:p>
+            <a:pPr>
+              <a:lnSpc>
+                <a:spcPct val="115000"/>
+              </a:lnSpc>
+              <a:spcBef>
+                <a:spcPts val="1199"/>
+              </a:spcBef>
+            </a:pPr>
+            <a:endParaRPr lang="en-US" sz="2000" b="0" strike="noStrike" spc="-1" dirty="0">
+              <a:latin typeface="Arial"/>
+            </a:endParaRPr>
+          </a:p>
+        </p:txBody>
+      </p:sp>
+      <p:pic>
+        <p:nvPicPr>
+          <p:cNvPr id="2" name="Picture 1">
+            <a:extLst>
+              <a:ext uri="{FF2B5EF4-FFF2-40B4-BE49-F238E27FC236}">
+                <a16:creationId xmlns:a16="http://schemas.microsoft.com/office/drawing/2014/main" id="{042994F6-A2B3-2643-9979-9DE4683D9DCF}"/>
+              </a:ext>
+            </a:extLst>
+          </p:cNvPr>
+          <p:cNvPicPr>
+            <a:picLocks noChangeAspect="1"/>
+          </p:cNvPicPr>
+          <p:nvPr/>
+        </p:nvPicPr>
+        <p:blipFill>
+          <a:blip r:embed="rId3"/>
+          <a:stretch>
+            <a:fillRect/>
+          </a:stretch>
+        </p:blipFill>
+        <p:spPr>
+          <a:xfrm>
+            <a:off x="6931090" y="1403132"/>
+            <a:ext cx="3445180" cy="5675586"/>
+          </a:xfrm>
+          <a:prstGeom prst="rect">
+            <a:avLst/>
+          </a:prstGeom>
+        </p:spPr>
+      </p:pic>
+      <p:pic>
+        <p:nvPicPr>
+          <p:cNvPr id="4" name="Picture 3">
+            <a:extLst>
+              <a:ext uri="{FF2B5EF4-FFF2-40B4-BE49-F238E27FC236}">
+                <a16:creationId xmlns:a16="http://schemas.microsoft.com/office/drawing/2014/main" id="{7884A482-BDD1-2943-B938-579EAA495743}"/>
+              </a:ext>
+            </a:extLst>
+          </p:cNvPr>
+          <p:cNvPicPr>
+            <a:picLocks noChangeAspect="1"/>
+          </p:cNvPicPr>
+          <p:nvPr/>
+        </p:nvPicPr>
+        <p:blipFill>
+          <a:blip r:embed="rId4"/>
+          <a:stretch>
+            <a:fillRect/>
+          </a:stretch>
+        </p:blipFill>
+        <p:spPr>
+          <a:xfrm>
+            <a:off x="1264596" y="1570779"/>
+            <a:ext cx="4494178" cy="4754520"/>
+          </a:xfrm>
+          <a:prstGeom prst="rect">
+            <a:avLst/>
+          </a:prstGeom>
+        </p:spPr>
+      </p:pic>
+    </p:spTree>
+  </p:cSld>
+  <p:clrMapOvr>
+    <a:masterClrMapping/>
+  </p:clrMapOvr>
+  <p:timing>
+    <p:tnLst>
+      <p:par>
+        <p:cTn id="1" dur="indefinite" restart="never" nodeType="tmRoot">
+          <p:childTnLst>
+            <p:seq>
+              <p:cTn id="2" dur="indefinite" nodeType="mainSeq"/>
+              <p:prevCondLst>
+                <p:cond evt="onPrev" delay="0">
+                  <p:tgtEl>
+                    <p:sldTgt/>
+                  </p:tgtEl>
+                </p:cond>
+              </p:prevCondLst>
+              <p:nextCondLst>
+                <p:cond evt="onNext" delay="0">
+                  <p:tgtEl>
+                    <p:sldTgt/>
+                  </p:tgtEl>
+                </p:cond>
+              </p:nextCondLst>
+            </p:seq>
+          </p:childTnLst>
+        </p:cTn>
+      </p:par>
+    </p:tnLst>
+  </p:timing>
+</p:sld>
+</file>
+
+<file path=ppt/slides/slide8.xml><?xml version="1.0" encoding="utf-8"?>
+<p:sld xmlns:a="http://schemas.openxmlformats.org/drawingml/2006/main" xmlns:r="http://schemas.openxmlformats.org/officeDocument/2006/relationships" xmlns:p="http://schemas.openxmlformats.org/presentationml/2006/main">
+  <p:cSld>
+    <p:spTree>
+      <p:nvGrpSpPr>
+        <p:cNvPr id="1" name=""/>
+        <p:cNvGrpSpPr/>
+        <p:nvPr/>
+      </p:nvGrpSpPr>
+      <p:grpSpPr>
+        <a:xfrm>
+          <a:off x="0" y="0"/>
+          <a:ext cx="0" cy="0"/>
+          <a:chOff x="0" y="0"/>
+          <a:chExt cx="0" cy="0"/>
+        </a:xfrm>
+      </p:grpSpPr>
+      <p:sp>
+        <p:nvSpPr>
+          <p:cNvPr id="120" name="CustomShape 1"/>
+          <p:cNvSpPr/>
+          <p:nvPr/>
+        </p:nvSpPr>
+        <p:spPr>
+          <a:xfrm>
+            <a:off x="8221680" y="7197840"/>
+            <a:ext cx="864000" cy="178200"/>
+          </a:xfrm>
+          <a:prstGeom prst="rect">
+            <a:avLst/>
+          </a:prstGeom>
+          <a:noFill/>
+          <a:ln>
+            <a:noFill/>
+          </a:ln>
+        </p:spPr>
+        <p:style>
+          <a:lnRef idx="0">
+            <a:scrgbClr r="0" g="0" b="0"/>
+          </a:lnRef>
+          <a:fillRef idx="0">
+            <a:scrgbClr r="0" g="0" b="0"/>
+          </a:fillRef>
+          <a:effectRef idx="0">
+            <a:scrgbClr r="0" g="0" b="0"/>
+          </a:effectRef>
+          <a:fontRef idx="minor"/>
+        </p:style>
+        <p:txBody>
+          <a:bodyPr lIns="0" tIns="0" rIns="0" bIns="0" anchor="b"/>
+          <a:lstStyle/>
+          <a:p>
+            <a:r>
+              <a:rPr lang="en-US" sz="1200" spc="-1" dirty="0"/>
+              <a:t>04.06.2020</a:t>
+            </a:r>
+          </a:p>
+        </p:txBody>
+      </p:sp>
+      <p:sp>
+        <p:nvSpPr>
+          <p:cNvPr id="121" name="CustomShape 2"/>
+          <p:cNvSpPr/>
+          <p:nvPr/>
+        </p:nvSpPr>
+        <p:spPr>
+          <a:xfrm>
+            <a:off x="736560" y="7197840"/>
+            <a:ext cx="7484040" cy="178200"/>
+          </a:xfrm>
+          <a:prstGeom prst="rect">
+            <a:avLst/>
+          </a:prstGeom>
+          <a:noFill/>
+          <a:ln>
+            <a:noFill/>
+          </a:ln>
+        </p:spPr>
+        <p:style>
+          <a:lnRef idx="0">
+            <a:scrgbClr r="0" g="0" b="0"/>
+          </a:lnRef>
+          <a:fillRef idx="0">
+            <a:scrgbClr r="0" g="0" b="0"/>
+          </a:fillRef>
+          <a:effectRef idx="0">
+            <a:scrgbClr r="0" g="0" b="0"/>
+          </a:effectRef>
+          <a:fontRef idx="minor"/>
+        </p:style>
+        <p:txBody>
+          <a:bodyPr lIns="0" tIns="0" rIns="0" bIns="0" anchor="b"/>
+          <a:lstStyle/>
+          <a:p>
+            <a:pPr>
+              <a:lnSpc>
+                <a:spcPct val="100000"/>
+              </a:lnSpc>
+            </a:pPr>
+            <a:r>
+              <a:rPr lang="en-US" sz="1200" spc="-1" dirty="0">
+                <a:solidFill>
+                  <a:srgbClr val="000000"/>
+                </a:solidFill>
+              </a:rPr>
+              <a:t>DigiBP	Luca Müller, Nicola Raemy, Isar Gammoh, Pooja Bisht</a:t>
+            </a:r>
+            <a:endParaRPr lang="en-US" sz="1200" spc="-1" dirty="0"/>
+          </a:p>
+        </p:txBody>
+      </p:sp>
+      <p:sp>
+        <p:nvSpPr>
+          <p:cNvPr id="122" name="CustomShape 3"/>
+          <p:cNvSpPr/>
+          <p:nvPr/>
+        </p:nvSpPr>
+        <p:spPr>
+          <a:xfrm>
+            <a:off x="9086760" y="7197840"/>
+            <a:ext cx="862560" cy="178200"/>
+          </a:xfrm>
+          <a:prstGeom prst="rect">
+            <a:avLst/>
+          </a:prstGeom>
+          <a:noFill/>
+          <a:ln>
+            <a:noFill/>
+          </a:ln>
+        </p:spPr>
+        <p:style>
+          <a:lnRef idx="0">
+            <a:scrgbClr r="0" g="0" b="0"/>
+          </a:lnRef>
+          <a:fillRef idx="0">
+            <a:scrgbClr r="0" g="0" b="0"/>
+          </a:fillRef>
+          <a:effectRef idx="0">
+            <a:scrgbClr r="0" g="0" b="0"/>
+          </a:effectRef>
+          <a:fontRef idx="minor"/>
+        </p:style>
+        <p:txBody>
+          <a:bodyPr lIns="0" tIns="0" rIns="0" bIns="0" anchor="b"/>
+          <a:lstStyle/>
+          <a:p>
+            <a:pPr algn="r">
+              <a:lnSpc>
+                <a:spcPct val="100000"/>
+              </a:lnSpc>
+            </a:pPr>
+            <a:fld id="{EAB2E0A4-FCFB-4840-AF8A-F87D75DA6E48}" type="slidenum">
+              <a:rPr lang="en-US" sz="1200" b="0" strike="noStrike" spc="-1">
+                <a:solidFill>
+                  <a:srgbClr val="000000"/>
+                </a:solidFill>
+                <a:latin typeface="Arial"/>
+                <a:ea typeface="DejaVu Sans"/>
+              </a:rPr>
+              <a:t>8</a:t>
+            </a:fld>
+            <a:endParaRPr lang="en-US" sz="1200" b="0" strike="noStrike" spc="-1">
+              <a:latin typeface="Arial"/>
+            </a:endParaRPr>
+          </a:p>
+        </p:txBody>
+      </p:sp>
+      <p:sp>
+        <p:nvSpPr>
+          <p:cNvPr id="123" name="CustomShape 4"/>
+          <p:cNvSpPr/>
+          <p:nvPr/>
+        </p:nvSpPr>
+        <p:spPr>
+          <a:xfrm>
+            <a:off x="736560" y="1509840"/>
+            <a:ext cx="9212760" cy="360720"/>
+          </a:xfrm>
+          <a:prstGeom prst="rect">
+            <a:avLst/>
+          </a:prstGeom>
+          <a:noFill/>
+          <a:ln>
+            <a:noFill/>
+          </a:ln>
+        </p:spPr>
+        <p:style>
+          <a:lnRef idx="0">
+            <a:scrgbClr r="0" g="0" b="0"/>
+          </a:lnRef>
+          <a:fillRef idx="0">
+            <a:scrgbClr r="0" g="0" b="0"/>
+          </a:fillRef>
+          <a:effectRef idx="0">
+            <a:scrgbClr r="0" g="0" b="0"/>
+          </a:effectRef>
+          <a:fontRef idx="minor"/>
+        </p:style>
+        <p:txBody>
+          <a:bodyPr lIns="0" tIns="0" rIns="0" bIns="0"/>
+          <a:lstStyle/>
+          <a:p>
+            <a:pPr>
+              <a:lnSpc>
+                <a:spcPct val="100000"/>
+              </a:lnSpc>
+            </a:pPr>
+            <a:r>
+              <a:rPr lang="en-US" sz="2000" b="1" strike="noStrike" spc="-1" dirty="0">
+                <a:solidFill>
+                  <a:srgbClr val="000000"/>
+                </a:solidFill>
+                <a:latin typeface="Arial"/>
+                <a:ea typeface="DejaVu Sans"/>
+              </a:rPr>
+              <a:t>Dialogflow (Isar)</a:t>
+            </a:r>
+            <a:endParaRPr lang="en-US" sz="2000" b="0" strike="noStrike" spc="-1" dirty="0">
+              <a:latin typeface="Arial"/>
+            </a:endParaRPr>
+          </a:p>
+        </p:txBody>
+      </p:sp>
+      <p:sp>
+        <p:nvSpPr>
+          <p:cNvPr id="124" name="CustomShape 5"/>
+          <p:cNvSpPr/>
+          <p:nvPr/>
+        </p:nvSpPr>
+        <p:spPr>
+          <a:xfrm>
+            <a:off x="731520" y="2103120"/>
+            <a:ext cx="5394600" cy="4754520"/>
+          </a:xfrm>
+          <a:prstGeom prst="rect">
+            <a:avLst/>
+          </a:prstGeom>
+          <a:noFill/>
+          <a:ln>
+            <a:noFill/>
+          </a:ln>
+        </p:spPr>
+        <p:style>
+          <a:lnRef idx="0">
+            <a:scrgbClr r="0" g="0" b="0"/>
+          </a:lnRef>
+          <a:fillRef idx="0">
+            <a:scrgbClr r="0" g="0" b="0"/>
+          </a:fillRef>
+          <a:effectRef idx="0">
+            <a:scrgbClr r="0" g="0" b="0"/>
+          </a:effectRef>
+          <a:fontRef idx="minor"/>
+        </p:style>
+        <p:txBody>
+          <a:bodyPr lIns="0" tIns="0" rIns="0" bIns="0"/>
+          <a:lstStyle/>
+          <a:p>
+            <a:pPr marL="343080" indent="-342000">
+              <a:lnSpc>
+                <a:spcPct val="115000"/>
+              </a:lnSpc>
+              <a:spcBef>
+                <a:spcPts val="1199"/>
+              </a:spcBef>
+              <a:buClr>
+                <a:srgbClr val="000000"/>
+              </a:buClr>
+              <a:buFont typeface="StarSymbol"/>
+              <a:buChar char="-"/>
+            </a:pPr>
+            <a:r>
+              <a:rPr lang="en-US" sz="2000" b="0" strike="noStrike" spc="-1" dirty="0" err="1">
+                <a:solidFill>
+                  <a:srgbClr val="000000"/>
+                </a:solidFill>
+                <a:highlight>
+                  <a:srgbClr val="FFFF00"/>
+                </a:highlight>
+                <a:latin typeface="Arial"/>
+                <a:ea typeface="DejaVu Sans"/>
+              </a:rPr>
+              <a:t>xxxxx</a:t>
+            </a:r>
+            <a:endParaRPr lang="en-US" sz="2000" b="0" strike="noStrike" spc="-1" dirty="0">
+              <a:highlight>
+                <a:srgbClr val="FFFF00"/>
+              </a:highlight>
+              <a:latin typeface="Arial"/>
+            </a:endParaRPr>
+          </a:p>
+          <a:p>
+            <a:pPr>
+              <a:lnSpc>
+                <a:spcPct val="115000"/>
+              </a:lnSpc>
+              <a:spcBef>
+                <a:spcPts val="1199"/>
+              </a:spcBef>
+            </a:pPr>
+            <a:endParaRPr lang="en-US" sz="2000" b="0" strike="noStrike" spc="-1" dirty="0">
+              <a:highlight>
+                <a:srgbClr val="FFFF00"/>
+              </a:highlight>
+              <a:latin typeface="Arial"/>
+            </a:endParaRPr>
+          </a:p>
+          <a:p>
+            <a:pPr marL="343080" indent="-342000">
+              <a:lnSpc>
+                <a:spcPct val="100000"/>
+              </a:lnSpc>
+              <a:spcBef>
+                <a:spcPts val="1134"/>
+              </a:spcBef>
+              <a:buClr>
+                <a:srgbClr val="000000"/>
+              </a:buClr>
+              <a:buFont typeface="StarSymbol"/>
+              <a:buChar char="-"/>
+            </a:pPr>
+            <a:r>
+              <a:rPr lang="en-US" sz="2000" b="0" strike="noStrike" spc="-1" dirty="0" err="1">
+                <a:solidFill>
+                  <a:srgbClr val="000000"/>
+                </a:solidFill>
+                <a:highlight>
+                  <a:srgbClr val="FFFF00"/>
+                </a:highlight>
+                <a:latin typeface="Arial"/>
+                <a:ea typeface="DejaVu Sans"/>
+              </a:rPr>
+              <a:t>xxxxx</a:t>
+            </a:r>
+            <a:endParaRPr lang="en-US" sz="2000" b="0" strike="noStrike" spc="-1" dirty="0">
+              <a:highlight>
+                <a:srgbClr val="FFFF00"/>
+              </a:highlight>
+              <a:latin typeface="Arial"/>
+            </a:endParaRPr>
+          </a:p>
+          <a:p>
+            <a:pPr>
+              <a:lnSpc>
+                <a:spcPct val="100000"/>
+              </a:lnSpc>
+              <a:spcBef>
+                <a:spcPts val="1134"/>
+              </a:spcBef>
+            </a:pPr>
+            <a:endParaRPr lang="en-US" sz="2000" b="0" strike="noStrike" spc="-1" dirty="0">
+              <a:highlight>
+                <a:srgbClr val="FFFF00"/>
+              </a:highlight>
+              <a:latin typeface="Arial"/>
+            </a:endParaRPr>
+          </a:p>
+          <a:p>
+            <a:pPr marL="343080" indent="-342000">
+              <a:lnSpc>
+                <a:spcPct val="100000"/>
+              </a:lnSpc>
+              <a:spcBef>
+                <a:spcPts val="1134"/>
+              </a:spcBef>
+              <a:buClr>
+                <a:srgbClr val="000000"/>
+              </a:buClr>
+              <a:buFont typeface="StarSymbol"/>
+              <a:buChar char="-"/>
+            </a:pPr>
+            <a:r>
+              <a:rPr lang="en-US" sz="2000" b="0" strike="noStrike" spc="-1" dirty="0" err="1">
+                <a:solidFill>
+                  <a:srgbClr val="000000"/>
+                </a:solidFill>
+                <a:highlight>
+                  <a:srgbClr val="FFFF00"/>
+                </a:highlight>
+                <a:latin typeface="Arial"/>
+                <a:ea typeface="DejaVu Sans"/>
+              </a:rPr>
+              <a:t>Axxxx</a:t>
+            </a:r>
+            <a:endParaRPr lang="en-US" sz="2000" b="0" strike="noStrike" spc="-1" dirty="0">
+              <a:highlight>
+                <a:srgbClr val="FFFF00"/>
+              </a:highlight>
+              <a:latin typeface="Arial"/>
+            </a:endParaRPr>
+          </a:p>
+          <a:p>
+            <a:pPr>
+              <a:lnSpc>
+                <a:spcPct val="115000"/>
+              </a:lnSpc>
+              <a:spcBef>
+                <a:spcPts val="1199"/>
+              </a:spcBef>
+            </a:pPr>
+            <a:endParaRPr lang="en-US" sz="2000" b="0" strike="noStrike" spc="-1" dirty="0">
+              <a:latin typeface="Arial"/>
+            </a:endParaRPr>
+          </a:p>
+        </p:txBody>
+      </p:sp>
+    </p:spTree>
+    <p:extLst>
+      <p:ext uri="{BB962C8B-B14F-4D97-AF65-F5344CB8AC3E}">
+        <p14:creationId xmlns:p14="http://schemas.microsoft.com/office/powerpoint/2010/main" val="3639938052"/>
+      </p:ext>
+    </p:extLst>
+  </p:cSld>
+  <p:clrMapOvr>
+    <a:masterClrMapping/>
+  </p:clrMapOvr>
+  <p:timing>
+    <p:tnLst>
+      <p:par>
+        <p:cTn id="1" dur="indefinite" restart="never" nodeType="tmRoot">
+          <p:childTnLst>
+            <p:seq>
+              <p:cTn id="2" dur="indefinite" nodeType="mainSeq"/>
+              <p:prevCondLst>
+                <p:cond evt="onPrev" delay="0">
+                  <p:tgtEl>
+                    <p:sldTgt/>
+                  </p:tgtEl>
+                </p:cond>
+              </p:prevCondLst>
+              <p:nextCondLst>
+                <p:cond evt="onNext" delay="0">
+                  <p:tgtEl>
+                    <p:sldTgt/>
+                  </p:tgtEl>
+                </p:cond>
+              </p:nextCondLst>
+            </p:seq>
+          </p:childTnLst>
+        </p:cTn>
+      </p:par>
+    </p:tnLst>
+  </p:timing>
+</p:sld>
+</file>
+
+<file path=ppt/slides/slide9.xml><?xml version="1.0" encoding="utf-8"?>
+<p:sld xmlns:a="http://schemas.openxmlformats.org/drawingml/2006/main" xmlns:r="http://schemas.openxmlformats.org/officeDocument/2006/relationships" xmlns:p="http://schemas.openxmlformats.org/presentationml/2006/main">
+  <p:cSld>
+    <p:spTree>
+      <p:nvGrpSpPr>
+        <p:cNvPr id="1" name=""/>
+        <p:cNvGrpSpPr/>
+        <p:nvPr/>
+      </p:nvGrpSpPr>
+      <p:grpSpPr>
+        <a:xfrm>
+          <a:off x="0" y="0"/>
+          <a:ext cx="0" cy="0"/>
+          <a:chOff x="0" y="0"/>
+          <a:chExt cx="0" cy="0"/>
+        </a:xfrm>
+      </p:grpSpPr>
+      <p:sp>
+        <p:nvSpPr>
+          <p:cNvPr id="120" name="CustomShape 1"/>
+          <p:cNvSpPr/>
+          <p:nvPr/>
+        </p:nvSpPr>
+        <p:spPr>
+          <a:xfrm>
+            <a:off x="8221680" y="7197840"/>
+            <a:ext cx="864000" cy="178200"/>
+          </a:xfrm>
+          <a:prstGeom prst="rect">
+            <a:avLst/>
+          </a:prstGeom>
+          <a:noFill/>
+          <a:ln>
+            <a:noFill/>
+          </a:ln>
+        </p:spPr>
+        <p:style>
+          <a:lnRef idx="0">
+            <a:scrgbClr r="0" g="0" b="0"/>
+          </a:lnRef>
+          <a:fillRef idx="0">
+            <a:scrgbClr r="0" g="0" b="0"/>
+          </a:fillRef>
+          <a:effectRef idx="0">
+            <a:scrgbClr r="0" g="0" b="0"/>
+          </a:effectRef>
+          <a:fontRef idx="minor"/>
+        </p:style>
+        <p:txBody>
+          <a:bodyPr lIns="0" tIns="0" rIns="0" bIns="0" anchor="b"/>
+          <a:lstStyle/>
+          <a:p>
+            <a:r>
+              <a:rPr lang="en-US" sz="1200" spc="-1" dirty="0"/>
+              <a:t>04.06.2020</a:t>
+            </a:r>
+          </a:p>
+        </p:txBody>
+      </p:sp>
+      <p:sp>
+        <p:nvSpPr>
+          <p:cNvPr id="121" name="CustomShape 2"/>
+          <p:cNvSpPr/>
+          <p:nvPr/>
+        </p:nvSpPr>
+        <p:spPr>
+          <a:xfrm>
+            <a:off x="736560" y="7197840"/>
+            <a:ext cx="7484040" cy="178200"/>
+          </a:xfrm>
+          <a:prstGeom prst="rect">
+            <a:avLst/>
+          </a:prstGeom>
+          <a:noFill/>
+          <a:ln>
+            <a:noFill/>
+          </a:ln>
+        </p:spPr>
+        <p:style>
+          <a:lnRef idx="0">
+            <a:scrgbClr r="0" g="0" b="0"/>
+          </a:lnRef>
+          <a:fillRef idx="0">
+            <a:scrgbClr r="0" g="0" b="0"/>
+          </a:fillRef>
+          <a:effectRef idx="0">
+            <a:scrgbClr r="0" g="0" b="0"/>
+          </a:effectRef>
+          <a:fontRef idx="minor"/>
+        </p:style>
+        <p:txBody>
+          <a:bodyPr lIns="0" tIns="0" rIns="0" bIns="0" anchor="b"/>
+          <a:lstStyle/>
+          <a:p>
+            <a:pPr>
+              <a:lnSpc>
+                <a:spcPct val="100000"/>
+              </a:lnSpc>
+            </a:pPr>
+            <a:r>
+              <a:rPr lang="en-US" sz="1200" spc="-1" dirty="0">
+                <a:solidFill>
+                  <a:srgbClr val="000000"/>
+                </a:solidFill>
+              </a:rPr>
+              <a:t>DigiBP	Luca Müller, Nicola Raemy, Isar Gammoh, Pooja Bisht</a:t>
+            </a:r>
+            <a:endParaRPr lang="en-US" sz="1200" spc="-1" dirty="0"/>
+          </a:p>
+        </p:txBody>
+      </p:sp>
+      <p:sp>
+        <p:nvSpPr>
+          <p:cNvPr id="122" name="CustomShape 3"/>
+          <p:cNvSpPr/>
+          <p:nvPr/>
+        </p:nvSpPr>
+        <p:spPr>
+          <a:xfrm>
+            <a:off x="9086760" y="7197840"/>
+            <a:ext cx="862560" cy="178200"/>
+          </a:xfrm>
+          <a:prstGeom prst="rect">
+            <a:avLst/>
+          </a:prstGeom>
+          <a:noFill/>
+          <a:ln>
+            <a:noFill/>
+          </a:ln>
+        </p:spPr>
+        <p:style>
+          <a:lnRef idx="0">
+            <a:scrgbClr r="0" g="0" b="0"/>
+          </a:lnRef>
+          <a:fillRef idx="0">
+            <a:scrgbClr r="0" g="0" b="0"/>
+          </a:fillRef>
+          <a:effectRef idx="0">
+            <a:scrgbClr r="0" g="0" b="0"/>
+          </a:effectRef>
+          <a:fontRef idx="minor"/>
+        </p:style>
+        <p:txBody>
+          <a:bodyPr lIns="0" tIns="0" rIns="0" bIns="0" anchor="b"/>
+          <a:lstStyle/>
+          <a:p>
+            <a:pPr algn="r">
+              <a:lnSpc>
+                <a:spcPct val="100000"/>
+              </a:lnSpc>
+            </a:pPr>
+            <a:fld id="{EAB2E0A4-FCFB-4840-AF8A-F87D75DA6E48}" type="slidenum">
+              <a:rPr lang="en-US" sz="1200" b="0" strike="noStrike" spc="-1">
+                <a:solidFill>
+                  <a:srgbClr val="000000"/>
+                </a:solidFill>
+                <a:latin typeface="Arial"/>
+                <a:ea typeface="DejaVu Sans"/>
+              </a:rPr>
+              <a:t>9</a:t>
+            </a:fld>
+            <a:endParaRPr lang="en-US" sz="1200" b="0" strike="noStrike" spc="-1">
+              <a:latin typeface="Arial"/>
+            </a:endParaRPr>
+          </a:p>
+        </p:txBody>
+      </p:sp>
+      <p:sp>
+        <p:nvSpPr>
+          <p:cNvPr id="123" name="CustomShape 4"/>
+          <p:cNvSpPr/>
+          <p:nvPr/>
+        </p:nvSpPr>
+        <p:spPr>
+          <a:xfrm>
+            <a:off x="736560" y="1509840"/>
+            <a:ext cx="9212760" cy="360720"/>
+          </a:xfrm>
+          <a:prstGeom prst="rect">
+            <a:avLst/>
+          </a:prstGeom>
+          <a:noFill/>
+          <a:ln>
+            <a:noFill/>
+          </a:ln>
+        </p:spPr>
+        <p:style>
+          <a:lnRef idx="0">
+            <a:scrgbClr r="0" g="0" b="0"/>
+          </a:lnRef>
+          <a:fillRef idx="0">
+            <a:scrgbClr r="0" g="0" b="0"/>
+          </a:fillRef>
+          <a:effectRef idx="0">
+            <a:scrgbClr r="0" g="0" b="0"/>
+          </a:effectRef>
+          <a:fontRef idx="minor"/>
+        </p:style>
+        <p:txBody>
+          <a:bodyPr lIns="0" tIns="0" rIns="0" bIns="0"/>
+          <a:lstStyle/>
+          <a:p>
+            <a:pPr>
+              <a:lnSpc>
+                <a:spcPct val="100000"/>
+              </a:lnSpc>
+            </a:pPr>
+            <a:r>
+              <a:rPr lang="en-US" sz="2000" b="1" strike="noStrike" spc="-1" dirty="0">
+                <a:solidFill>
+                  <a:srgbClr val="000000"/>
+                </a:solidFill>
+                <a:latin typeface="Arial"/>
+                <a:ea typeface="DejaVu Sans"/>
+              </a:rPr>
+              <a:t>Candidate Screening (DMN)</a:t>
+            </a:r>
+            <a:endParaRPr lang="en-US" sz="2000" b="0" strike="noStrike" spc="-1" dirty="0">
+              <a:latin typeface="Arial"/>
+            </a:endParaRPr>
+          </a:p>
+        </p:txBody>
+      </p:sp>
+      <p:sp>
+        <p:nvSpPr>
+          <p:cNvPr id="124" name="CustomShape 5"/>
+          <p:cNvSpPr/>
+          <p:nvPr/>
+        </p:nvSpPr>
+        <p:spPr>
+          <a:xfrm>
+            <a:off x="731520" y="2103120"/>
+            <a:ext cx="4790506" cy="1400101"/>
+          </a:xfrm>
+          <a:prstGeom prst="rect">
+            <a:avLst/>
+          </a:prstGeom>
+          <a:noFill/>
+          <a:ln>
+            <a:noFill/>
+          </a:ln>
+        </p:spPr>
+        <p:style>
+          <a:lnRef idx="0">
+            <a:scrgbClr r="0" g="0" b="0"/>
+          </a:lnRef>
+          <a:fillRef idx="0">
+            <a:scrgbClr r="0" g="0" b="0"/>
+          </a:fillRef>
+          <a:effectRef idx="0">
+            <a:scrgbClr r="0" g="0" b="0"/>
+          </a:effectRef>
+          <a:fontRef idx="minor"/>
+        </p:style>
+        <p:txBody>
+          <a:bodyPr lIns="0" tIns="0" rIns="0" bIns="0"/>
+          <a:lstStyle/>
+          <a:p>
+            <a:pPr marL="343080" indent="-342000">
+              <a:lnSpc>
+                <a:spcPct val="115000"/>
+              </a:lnSpc>
+              <a:spcBef>
+                <a:spcPts val="1199"/>
+              </a:spcBef>
+              <a:buClr>
+                <a:srgbClr val="000000"/>
+              </a:buClr>
+              <a:buFont typeface="StarSymbol"/>
+              <a:buChar char="-"/>
+            </a:pPr>
+            <a:r>
+              <a:rPr lang="en-US" sz="1600" i="1" spc="-1" dirty="0"/>
+              <a:t>a basis on which DBM can be built</a:t>
+            </a:r>
+            <a:endParaRPr lang="en-US" sz="1600" b="0" i="1" strike="noStrike" spc="-1" dirty="0">
+              <a:highlight>
+                <a:srgbClr val="FFFF00"/>
+              </a:highlight>
+              <a:latin typeface="Arial"/>
+            </a:endParaRPr>
+          </a:p>
+          <a:p>
+            <a:pPr>
+              <a:lnSpc>
+                <a:spcPct val="115000"/>
+              </a:lnSpc>
+              <a:spcBef>
+                <a:spcPts val="1199"/>
+              </a:spcBef>
+            </a:pPr>
+            <a:endParaRPr lang="en-US" sz="2000" b="0" strike="noStrike" spc="-1" dirty="0">
+              <a:latin typeface="Arial"/>
+            </a:endParaRPr>
+          </a:p>
+        </p:txBody>
+      </p:sp>
+      <p:pic>
+        <p:nvPicPr>
+          <p:cNvPr id="2" name="Grafik 1">
+            <a:extLst>
+              <a:ext uri="{FF2B5EF4-FFF2-40B4-BE49-F238E27FC236}">
+                <a16:creationId xmlns:a16="http://schemas.microsoft.com/office/drawing/2014/main" id="{93273433-8A15-45D5-B63A-BB5EED516934}"/>
+              </a:ext>
+            </a:extLst>
+          </p:cNvPr>
+          <p:cNvPicPr>
+            <a:picLocks noChangeAspect="1"/>
+          </p:cNvPicPr>
+          <p:nvPr/>
+        </p:nvPicPr>
+        <p:blipFill rotWithShape="1">
+          <a:blip r:embed="rId2"/>
+          <a:srcRect r="17044"/>
+          <a:stretch/>
+        </p:blipFill>
+        <p:spPr>
+          <a:xfrm>
+            <a:off x="258978" y="2821327"/>
+            <a:ext cx="9903455" cy="3230096"/>
+          </a:xfrm>
+          <a:prstGeom prst="rect">
+            <a:avLst/>
+          </a:prstGeom>
+        </p:spPr>
+      </p:pic>
+    </p:spTree>
+    <p:extLst>
+      <p:ext uri="{BB962C8B-B14F-4D97-AF65-F5344CB8AC3E}">
+        <p14:creationId xmlns:p14="http://schemas.microsoft.com/office/powerpoint/2010/main" val="4193646287"/>
+      </p:ext>
+    </p:extLst>
+  </p:cSld>
+  <p:clrMapOvr>
+    <a:masterClrMapping/>
+  </p:clrMapOvr>
+  <p:timing>
+    <p:tnLst>
+      <p:par>
+        <p:cTn id="1" dur="indefinite" restart="never" nodeType="tmRoot">
+          <p:childTnLst>
+            <p:seq>
+              <p:cTn id="2" dur="indefinite" nodeType="mainSeq"/>
               <p:prevCondLst>
                 <p:cond evt="onPrev" delay="0">
                   <p:tgtEl>

--- a/Presentation/DigiBP_DanishBlue_Presentation_V0.3.pptx
+++ b/Presentation/DigiBP_DanishBlue_Presentation_V0.3.pptx
@@ -140,7 +140,7 @@
   <pc:docChgLst>
     <pc:chgData name="Luca Mueller" userId="8a1afe1db7570581" providerId="LiveId" clId="{553F4498-F05E-4F76-B407-D22216D03B73}"/>
     <pc:docChg chg="undo custSel addSld delSld modSld">
-      <pc:chgData name="Luca Mueller" userId="8a1afe1db7570581" providerId="LiveId" clId="{553F4498-F05E-4F76-B407-D22216D03B73}" dt="2020-05-29T11:09:24.487" v="891" actId="1076"/>
+      <pc:chgData name="Luca Mueller" userId="8a1afe1db7570581" providerId="LiveId" clId="{553F4498-F05E-4F76-B407-D22216D03B73}" dt="2020-05-31T08:09:42.542" v="892" actId="1076"/>
       <pc:docMkLst>
         <pc:docMk/>
       </pc:docMkLst>
@@ -214,7 +214,7 @@
         </pc:picChg>
       </pc:sldChg>
       <pc:sldChg chg="delSp modSp">
-        <pc:chgData name="Luca Mueller" userId="8a1afe1db7570581" providerId="LiveId" clId="{553F4498-F05E-4F76-B407-D22216D03B73}" dt="2020-05-29T10:56:18.997" v="110" actId="20577"/>
+        <pc:chgData name="Luca Mueller" userId="8a1afe1db7570581" providerId="LiveId" clId="{553F4498-F05E-4F76-B407-D22216D03B73}" dt="2020-05-31T08:09:42.542" v="892" actId="1076"/>
         <pc:sldMkLst>
           <pc:docMk/>
           <pc:sldMk cId="0" sldId="263"/>
@@ -227,6 +227,14 @@
             <ac:spMk id="127" creationId="{00000000-0000-0000-0000-000000000000}"/>
           </ac:spMkLst>
         </pc:spChg>
+        <pc:picChg chg="mod">
+          <ac:chgData name="Luca Mueller" userId="8a1afe1db7570581" providerId="LiveId" clId="{553F4498-F05E-4F76-B407-D22216D03B73}" dt="2020-05-31T08:09:42.542" v="892" actId="1076"/>
+          <ac:picMkLst>
+            <pc:docMk/>
+            <pc:sldMk cId="0" sldId="263"/>
+            <ac:picMk id="5" creationId="{02CB8AE5-4697-0148-86F4-8664FE36B971}"/>
+          </ac:picMkLst>
+        </pc:picChg>
         <pc:picChg chg="del">
           <ac:chgData name="Luca Mueller" userId="8a1afe1db7570581" providerId="LiveId" clId="{553F4498-F05E-4F76-B407-D22216D03B73}" dt="2020-05-29T10:54:35.451" v="0" actId="478"/>
           <ac:picMkLst>
@@ -6559,7 +6567,7 @@
         </p:blipFill>
         <p:spPr>
           <a:xfrm>
-            <a:off x="8220600" y="208860"/>
+            <a:off x="7955380" y="233338"/>
             <a:ext cx="2260600" cy="1131410"/>
           </a:xfrm>
           <a:prstGeom prst="rect">

--- a/Presentation/DigiBP_DanishBlue_Presentation_V0.3.pptx
+++ b/Presentation/DigiBP_DanishBlue_Presentation_V0.3.pptx
@@ -431,7 +431,7 @@
           <a:p>
             <a:fld id="{92F778FF-ABAC-46CE-8F03-A6CAF7C71FF8}" type="datetimeFigureOut">
               <a:rPr lang="en-US" smtClean="0"/>
-              <a:t>5/30/20</a:t>
+              <a:t>5/31/20</a:t>
             </a:fld>
             <a:endParaRPr lang="en-US"/>
           </a:p>
@@ -8440,7 +8440,7 @@
                 <a:latin typeface="Arial"/>
                 <a:ea typeface="DejaVu Sans"/>
               </a:rPr>
-              <a:t>ublish Job Ad</a:t>
+              <a:t>ublish Job Add</a:t>
             </a:r>
             <a:r>
               <a:rPr lang="en-US" sz="2000" b="1" spc="-1" dirty="0">
@@ -8567,6 +8567,70 @@
           </a:prstGeom>
         </p:spPr>
       </p:pic>
+      <p:sp>
+        <p:nvSpPr>
+          <p:cNvPr id="3" name="TextBox 2">
+            <a:extLst>
+              <a:ext uri="{FF2B5EF4-FFF2-40B4-BE49-F238E27FC236}">
+                <a16:creationId xmlns:a16="http://schemas.microsoft.com/office/drawing/2014/main" id="{A56C6BFC-0328-0648-8DCA-EDC9A80C3393}"/>
+              </a:ext>
+            </a:extLst>
+          </p:cNvPr>
+          <p:cNvSpPr txBox="1"/>
+          <p:nvPr/>
+        </p:nvSpPr>
+        <p:spPr>
+          <a:xfrm>
+            <a:off x="5111646" y="974361"/>
+            <a:ext cx="184731" cy="369332"/>
+          </a:xfrm>
+          <a:prstGeom prst="rect">
+            <a:avLst/>
+          </a:prstGeom>
+          <a:noFill/>
+        </p:spPr>
+        <p:txBody>
+          <a:bodyPr wrap="none" rtlCol="0">
+            <a:spAutoFit/>
+          </a:bodyPr>
+          <a:lstStyle/>
+          <a:p>
+            <a:endParaRPr lang="en-CH" dirty="0"/>
+          </a:p>
+        </p:txBody>
+      </p:sp>
+      <p:sp>
+        <p:nvSpPr>
+          <p:cNvPr id="5" name="TextBox 4">
+            <a:extLst>
+              <a:ext uri="{FF2B5EF4-FFF2-40B4-BE49-F238E27FC236}">
+                <a16:creationId xmlns:a16="http://schemas.microsoft.com/office/drawing/2014/main" id="{273CC78A-4CB5-0344-A375-A06BD95EF759}"/>
+              </a:ext>
+            </a:extLst>
+          </p:cNvPr>
+          <p:cNvSpPr txBox="1"/>
+          <p:nvPr/>
+        </p:nvSpPr>
+        <p:spPr>
+          <a:xfrm>
+            <a:off x="5456420" y="869430"/>
+            <a:ext cx="184731" cy="369332"/>
+          </a:xfrm>
+          <a:prstGeom prst="rect">
+            <a:avLst/>
+          </a:prstGeom>
+          <a:noFill/>
+        </p:spPr>
+        <p:txBody>
+          <a:bodyPr wrap="none" rtlCol="0">
+            <a:spAutoFit/>
+          </a:bodyPr>
+          <a:lstStyle/>
+          <a:p>
+            <a:endParaRPr lang="en-CH" dirty="0"/>
+          </a:p>
+        </p:txBody>
+      </p:sp>
     </p:spTree>
   </p:cSld>
   <p:clrMapOvr>
